--- a/slides/01-ReviewOfProofs.pptx
+++ b/slides/01-ReviewOfProofs.pptx
@@ -5,7 +5,7 @@
     <p:sldMasterId id="2147484006" r:id="rId1"/>
   </p:sldMasterIdLst>
   <p:notesMasterIdLst>
-    <p:notesMasterId r:id="rId27"/>
+    <p:notesMasterId r:id="rId34"/>
   </p:notesMasterIdLst>
   <p:sldIdLst>
     <p:sldId id="256" r:id="rId2"/>
@@ -15,24 +15,31 @@
     <p:sldId id="349" r:id="rId6"/>
     <p:sldId id="348" r:id="rId7"/>
     <p:sldId id="329" r:id="rId8"/>
-    <p:sldId id="350" r:id="rId9"/>
-    <p:sldId id="332" r:id="rId10"/>
-    <p:sldId id="351" r:id="rId11"/>
-    <p:sldId id="352" r:id="rId12"/>
-    <p:sldId id="353" r:id="rId13"/>
-    <p:sldId id="335" r:id="rId14"/>
-    <p:sldId id="331" r:id="rId15"/>
-    <p:sldId id="354" r:id="rId16"/>
-    <p:sldId id="355" r:id="rId17"/>
-    <p:sldId id="356" r:id="rId18"/>
-    <p:sldId id="357" r:id="rId19"/>
-    <p:sldId id="337" r:id="rId20"/>
-    <p:sldId id="338" r:id="rId21"/>
-    <p:sldId id="342" r:id="rId22"/>
-    <p:sldId id="343" r:id="rId23"/>
-    <p:sldId id="344" r:id="rId24"/>
-    <p:sldId id="345" r:id="rId25"/>
-    <p:sldId id="346" r:id="rId26"/>
+    <p:sldId id="358" r:id="rId9"/>
+    <p:sldId id="350" r:id="rId10"/>
+    <p:sldId id="332" r:id="rId11"/>
+    <p:sldId id="351" r:id="rId12"/>
+    <p:sldId id="359" r:id="rId13"/>
+    <p:sldId id="352" r:id="rId14"/>
+    <p:sldId id="360" r:id="rId15"/>
+    <p:sldId id="353" r:id="rId16"/>
+    <p:sldId id="335" r:id="rId17"/>
+    <p:sldId id="331" r:id="rId18"/>
+    <p:sldId id="354" r:id="rId19"/>
+    <p:sldId id="355" r:id="rId20"/>
+    <p:sldId id="356" r:id="rId21"/>
+    <p:sldId id="361" r:id="rId22"/>
+    <p:sldId id="357" r:id="rId23"/>
+    <p:sldId id="337" r:id="rId24"/>
+    <p:sldId id="338" r:id="rId25"/>
+    <p:sldId id="362" r:id="rId26"/>
+    <p:sldId id="342" r:id="rId27"/>
+    <p:sldId id="343" r:id="rId28"/>
+    <p:sldId id="363" r:id="rId29"/>
+    <p:sldId id="364" r:id="rId30"/>
+    <p:sldId id="344" r:id="rId31"/>
+    <p:sldId id="345" r:id="rId32"/>
+    <p:sldId id="346" r:id="rId33"/>
   </p:sldIdLst>
   <p:sldSz cx="12192000" cy="6858000"/>
   <p:notesSz cx="6858000" cy="9144000"/>
@@ -221,7 +228,7 @@
           <a:p>
             <a:fld id="{C5B45307-6ED4-B142-BD64-10F739779302}" type="datetimeFigureOut">
               <a:rPr lang="en-US" smtClean="0"/>
-              <a:t>8/15/23</a:t>
+              <a:t>8/24/23</a:t>
             </a:fld>
             <a:endParaRPr lang="en-US"/>
           </a:p>
@@ -629,7 +636,7 @@
           <a:noFill/>
           <a:extLst>
             <a:ext uri="{909E8E84-426E-40dd-AFC4-6F175D3DCCD1}">
-              <a14:hiddenFill xmlns="" xmlns:a14="http://schemas.microsoft.com/office/drawing/2010/main">
+              <a14:hiddenFill xmlns:a14="http://schemas.microsoft.com/office/drawing/2010/main" xmlns="">
                 <a:solidFill>
                   <a:srgbClr val="FFFFFF"/>
                 </a:solidFill>
@@ -688,7 +695,7 @@
             </a:ln>
             <a:extLst>
               <a:ext uri="{91240B29-F687-4f45-9708-019B960494DF}">
-                <a14:hiddenLine xmlns="" xmlns:a14="http://schemas.microsoft.com/office/drawing/2010/main" w="9525">
+                <a14:hiddenLine xmlns:a14="http://schemas.microsoft.com/office/drawing/2010/main" xmlns="" w="9525">
                   <a:solidFill>
                     <a:srgbClr val="000000"/>
                   </a:solidFill>
@@ -778,7 +785,7 @@
             </a:ln>
             <a:extLst>
               <a:ext uri="{91240B29-F687-4f45-9708-019B960494DF}">
-                <a14:hiddenLine xmlns="" xmlns:a14="http://schemas.microsoft.com/office/drawing/2010/main" w="9525">
+                <a14:hiddenLine xmlns:a14="http://schemas.microsoft.com/office/drawing/2010/main" xmlns="" w="9525">
                   <a:solidFill>
                     <a:srgbClr val="000000"/>
                   </a:solidFill>
@@ -868,7 +875,7 @@
             </a:ln>
             <a:extLst>
               <a:ext uri="{91240B29-F687-4f45-9708-019B960494DF}">
-                <a14:hiddenLine xmlns="" xmlns:a14="http://schemas.microsoft.com/office/drawing/2010/main" w="9525">
+                <a14:hiddenLine xmlns:a14="http://schemas.microsoft.com/office/drawing/2010/main" xmlns="" w="9525">
                   <a:solidFill>
                     <a:srgbClr val="000000"/>
                   </a:solidFill>
@@ -902,7 +909,7 @@
             </a:ln>
             <a:extLst>
               <a:ext uri="{91240B29-F687-4f45-9708-019B960494DF}">
-                <a14:hiddenLine xmlns="" xmlns:a14="http://schemas.microsoft.com/office/drawing/2010/main" w="9525">
+                <a14:hiddenLine xmlns:a14="http://schemas.microsoft.com/office/drawing/2010/main" xmlns="" w="9525">
                   <a:solidFill>
                     <a:srgbClr val="000000"/>
                   </a:solidFill>
@@ -992,7 +999,7 @@
             </a:ln>
             <a:extLst>
               <a:ext uri="{91240B29-F687-4f45-9708-019B960494DF}">
-                <a14:hiddenLine xmlns="" xmlns:a14="http://schemas.microsoft.com/office/drawing/2010/main" w="9525">
+                <a14:hiddenLine xmlns:a14="http://schemas.microsoft.com/office/drawing/2010/main" xmlns="" w="9525">
                   <a:solidFill>
                     <a:srgbClr val="000000"/>
                   </a:solidFill>
@@ -1054,7 +1061,7 @@
             </a:ln>
             <a:extLst>
               <a:ext uri="{91240B29-F687-4f45-9708-019B960494DF}">
-                <a14:hiddenLine xmlns="" xmlns:a14="http://schemas.microsoft.com/office/drawing/2010/main" w="9525">
+                <a14:hiddenLine xmlns:a14="http://schemas.microsoft.com/office/drawing/2010/main" xmlns="" w="9525">
                   <a:solidFill>
                     <a:srgbClr val="000000"/>
                   </a:solidFill>
@@ -1116,7 +1123,7 @@
             </a:ln>
             <a:extLst>
               <a:ext uri="{91240B29-F687-4f45-9708-019B960494DF}">
-                <a14:hiddenLine xmlns="" xmlns:a14="http://schemas.microsoft.com/office/drawing/2010/main" w="9525">
+                <a14:hiddenLine xmlns:a14="http://schemas.microsoft.com/office/drawing/2010/main" xmlns="" w="9525">
                   <a:solidFill>
                     <a:srgbClr val="000000"/>
                   </a:solidFill>
@@ -1206,7 +1213,7 @@
             </a:ln>
             <a:extLst>
               <a:ext uri="{91240B29-F687-4f45-9708-019B960494DF}">
-                <a14:hiddenLine xmlns="" xmlns:a14="http://schemas.microsoft.com/office/drawing/2010/main" w="9525">
+                <a14:hiddenLine xmlns:a14="http://schemas.microsoft.com/office/drawing/2010/main" xmlns="" w="9525">
                   <a:solidFill>
                     <a:srgbClr val="000000"/>
                   </a:solidFill>
@@ -1268,7 +1275,7 @@
             </a:ln>
             <a:extLst>
               <a:ext uri="{91240B29-F687-4f45-9708-019B960494DF}">
-                <a14:hiddenLine xmlns="" xmlns:a14="http://schemas.microsoft.com/office/drawing/2010/main" w="9525">
+                <a14:hiddenLine xmlns:a14="http://schemas.microsoft.com/office/drawing/2010/main" xmlns="" w="9525">
                   <a:solidFill>
                     <a:srgbClr val="000000"/>
                   </a:solidFill>
@@ -1330,7 +1337,7 @@
             </a:ln>
             <a:extLst>
               <a:ext uri="{91240B29-F687-4f45-9708-019B960494DF}">
-                <a14:hiddenLine xmlns="" xmlns:a14="http://schemas.microsoft.com/office/drawing/2010/main" w="9525">
+                <a14:hiddenLine xmlns:a14="http://schemas.microsoft.com/office/drawing/2010/main" xmlns="" w="9525">
                   <a:solidFill>
                     <a:srgbClr val="000000"/>
                   </a:solidFill>
@@ -1420,7 +1427,7 @@
             </a:ln>
             <a:extLst>
               <a:ext uri="{91240B29-F687-4f45-9708-019B960494DF}">
-                <a14:hiddenLine xmlns="" xmlns:a14="http://schemas.microsoft.com/office/drawing/2010/main" w="9525">
+                <a14:hiddenLine xmlns:a14="http://schemas.microsoft.com/office/drawing/2010/main" xmlns="" w="9525">
                   <a:solidFill>
                     <a:srgbClr val="000000"/>
                   </a:solidFill>
@@ -1510,7 +1517,7 @@
             </a:ln>
             <a:extLst>
               <a:ext uri="{91240B29-F687-4f45-9708-019B960494DF}">
-                <a14:hiddenLine xmlns="" xmlns:a14="http://schemas.microsoft.com/office/drawing/2010/main" w="9525">
+                <a14:hiddenLine xmlns:a14="http://schemas.microsoft.com/office/drawing/2010/main" xmlns="" w="9525">
                   <a:solidFill>
                     <a:srgbClr val="000000"/>
                   </a:solidFill>
@@ -1572,7 +1579,7 @@
             </a:ln>
             <a:extLst>
               <a:ext uri="{91240B29-F687-4f45-9708-019B960494DF}">
-                <a14:hiddenLine xmlns="" xmlns:a14="http://schemas.microsoft.com/office/drawing/2010/main" w="9525">
+                <a14:hiddenLine xmlns:a14="http://schemas.microsoft.com/office/drawing/2010/main" xmlns="" w="9525">
                   <a:solidFill>
                     <a:srgbClr val="000000"/>
                   </a:solidFill>
@@ -1682,7 +1689,7 @@
             </a:ln>
             <a:extLst>
               <a:ext uri="{91240B29-F687-4f45-9708-019B960494DF}">
-                <a14:hiddenLine xmlns="" xmlns:a14="http://schemas.microsoft.com/office/drawing/2010/main" w="9525">
+                <a14:hiddenLine xmlns:a14="http://schemas.microsoft.com/office/drawing/2010/main" xmlns="" w="9525">
                   <a:solidFill>
                     <a:srgbClr val="000000"/>
                   </a:solidFill>
@@ -1744,7 +1751,7 @@
             </a:ln>
             <a:extLst>
               <a:ext uri="{91240B29-F687-4f45-9708-019B960494DF}">
-                <a14:hiddenLine xmlns="" xmlns:a14="http://schemas.microsoft.com/office/drawing/2010/main" w="9525">
+                <a14:hiddenLine xmlns:a14="http://schemas.microsoft.com/office/drawing/2010/main" xmlns="" w="9525">
                   <a:solidFill>
                     <a:srgbClr val="000000"/>
                   </a:solidFill>
@@ -1834,7 +1841,7 @@
             </a:ln>
             <a:extLst>
               <a:ext uri="{91240B29-F687-4f45-9708-019B960494DF}">
-                <a14:hiddenLine xmlns="" xmlns:a14="http://schemas.microsoft.com/office/drawing/2010/main" w="9525">
+                <a14:hiddenLine xmlns:a14="http://schemas.microsoft.com/office/drawing/2010/main" xmlns="" w="9525">
                   <a:solidFill>
                     <a:srgbClr val="000000"/>
                   </a:solidFill>
@@ -1924,7 +1931,7 @@
             </a:ln>
             <a:extLst>
               <a:ext uri="{91240B29-F687-4f45-9708-019B960494DF}">
-                <a14:hiddenLine xmlns="" xmlns:a14="http://schemas.microsoft.com/office/drawing/2010/main" w="9525">
+                <a14:hiddenLine xmlns:a14="http://schemas.microsoft.com/office/drawing/2010/main" xmlns="" w="9525">
                   <a:solidFill>
                     <a:srgbClr val="000000"/>
                   </a:solidFill>
@@ -1986,7 +1993,7 @@
             </a:ln>
             <a:extLst>
               <a:ext uri="{91240B29-F687-4f45-9708-019B960494DF}">
-                <a14:hiddenLine xmlns="" xmlns:a14="http://schemas.microsoft.com/office/drawing/2010/main" w="9525">
+                <a14:hiddenLine xmlns:a14="http://schemas.microsoft.com/office/drawing/2010/main" xmlns="" w="9525">
                   <a:solidFill>
                     <a:srgbClr val="000000"/>
                   </a:solidFill>
@@ -2076,7 +2083,7 @@
             </a:ln>
             <a:extLst>
               <a:ext uri="{91240B29-F687-4f45-9708-019B960494DF}">
-                <a14:hiddenLine xmlns="" xmlns:a14="http://schemas.microsoft.com/office/drawing/2010/main" w="9525">
+                <a14:hiddenLine xmlns:a14="http://schemas.microsoft.com/office/drawing/2010/main" xmlns="" w="9525">
                   <a:solidFill>
                     <a:srgbClr val="000000"/>
                   </a:solidFill>
@@ -2166,7 +2173,7 @@
             </a:ln>
             <a:extLst>
               <a:ext uri="{91240B29-F687-4f45-9708-019B960494DF}">
-                <a14:hiddenLine xmlns="" xmlns:a14="http://schemas.microsoft.com/office/drawing/2010/main" w="9525">
+                <a14:hiddenLine xmlns:a14="http://schemas.microsoft.com/office/drawing/2010/main" xmlns="" w="9525">
                   <a:solidFill>
                     <a:srgbClr val="000000"/>
                   </a:solidFill>
@@ -2222,7 +2229,7 @@
             </a:ln>
             <a:extLst>
               <a:ext uri="{91240B29-F687-4f45-9708-019B960494DF}">
-                <a14:hiddenLine xmlns="" xmlns:a14="http://schemas.microsoft.com/office/drawing/2010/main" w="9525">
+                <a14:hiddenLine xmlns:a14="http://schemas.microsoft.com/office/drawing/2010/main" xmlns="" w="9525">
                   <a:solidFill>
                     <a:srgbClr val="000000"/>
                   </a:solidFill>
@@ -2312,7 +2319,7 @@
             </a:ln>
             <a:extLst>
               <a:ext uri="{91240B29-F687-4f45-9708-019B960494DF}">
-                <a14:hiddenLine xmlns="" xmlns:a14="http://schemas.microsoft.com/office/drawing/2010/main" w="9525">
+                <a14:hiddenLine xmlns:a14="http://schemas.microsoft.com/office/drawing/2010/main" xmlns="" w="9525">
                   <a:solidFill>
                     <a:srgbClr val="000000"/>
                   </a:solidFill>
@@ -2368,7 +2375,7 @@
             </a:ln>
             <a:extLst>
               <a:ext uri="{91240B29-F687-4f45-9708-019B960494DF}">
-                <a14:hiddenLine xmlns="" xmlns:a14="http://schemas.microsoft.com/office/drawing/2010/main" w="9525">
+                <a14:hiddenLine xmlns:a14="http://schemas.microsoft.com/office/drawing/2010/main" xmlns="" w="9525">
                   <a:solidFill>
                     <a:srgbClr val="000000"/>
                   </a:solidFill>
@@ -2458,7 +2465,7 @@
             </a:ln>
             <a:extLst>
               <a:ext uri="{91240B29-F687-4f45-9708-019B960494DF}">
-                <a14:hiddenLine xmlns="" xmlns:a14="http://schemas.microsoft.com/office/drawing/2010/main" w="9525">
+                <a14:hiddenLine xmlns:a14="http://schemas.microsoft.com/office/drawing/2010/main" xmlns="" w="9525">
                   <a:solidFill>
                     <a:srgbClr val="000000"/>
                   </a:solidFill>
@@ -2526,7 +2533,7 @@
             </a:ln>
             <a:extLst>
               <a:ext uri="{91240B29-F687-4f45-9708-019B960494DF}">
-                <a14:hiddenLine xmlns="" xmlns:a14="http://schemas.microsoft.com/office/drawing/2010/main" w="9525">
+                <a14:hiddenLine xmlns:a14="http://schemas.microsoft.com/office/drawing/2010/main" xmlns="" w="9525">
                   <a:solidFill>
                     <a:srgbClr val="000000"/>
                   </a:solidFill>
@@ -2616,7 +2623,7 @@
             </a:ln>
             <a:extLst>
               <a:ext uri="{91240B29-F687-4f45-9708-019B960494DF}">
-                <a14:hiddenLine xmlns="" xmlns:a14="http://schemas.microsoft.com/office/drawing/2010/main" w="9525">
+                <a14:hiddenLine xmlns:a14="http://schemas.microsoft.com/office/drawing/2010/main" xmlns="" w="9525">
                   <a:solidFill>
                     <a:srgbClr val="000000"/>
                   </a:solidFill>
@@ -2684,7 +2691,7 @@
             </a:ln>
             <a:extLst>
               <a:ext uri="{91240B29-F687-4f45-9708-019B960494DF}">
-                <a14:hiddenLine xmlns="" xmlns:a14="http://schemas.microsoft.com/office/drawing/2010/main" w="9525">
+                <a14:hiddenLine xmlns:a14="http://schemas.microsoft.com/office/drawing/2010/main" xmlns="" w="9525">
                   <a:solidFill>
                     <a:srgbClr val="000000"/>
                   </a:solidFill>
@@ -2774,7 +2781,7 @@
             </a:ln>
             <a:extLst>
               <a:ext uri="{91240B29-F687-4f45-9708-019B960494DF}">
-                <a14:hiddenLine xmlns="" xmlns:a14="http://schemas.microsoft.com/office/drawing/2010/main" w="9525">
+                <a14:hiddenLine xmlns:a14="http://schemas.microsoft.com/office/drawing/2010/main" xmlns="" w="9525">
                   <a:solidFill>
                     <a:srgbClr val="000000"/>
                   </a:solidFill>
@@ -2808,7 +2815,7 @@
             </a:ln>
             <a:extLst>
               <a:ext uri="{91240B29-F687-4f45-9708-019B960494DF}">
-                <a14:hiddenLine xmlns="" xmlns:a14="http://schemas.microsoft.com/office/drawing/2010/main" w="9525">
+                <a14:hiddenLine xmlns:a14="http://schemas.microsoft.com/office/drawing/2010/main" xmlns="" w="9525">
                   <a:solidFill>
                     <a:srgbClr val="000000"/>
                   </a:solidFill>
@@ -2898,7 +2905,7 @@
             </a:ln>
             <a:extLst>
               <a:ext uri="{91240B29-F687-4f45-9708-019B960494DF}">
-                <a14:hiddenLine xmlns="" xmlns:a14="http://schemas.microsoft.com/office/drawing/2010/main" w="9525">
+                <a14:hiddenLine xmlns:a14="http://schemas.microsoft.com/office/drawing/2010/main" xmlns="" w="9525">
                   <a:solidFill>
                     <a:srgbClr val="000000"/>
                   </a:solidFill>
@@ -2960,7 +2967,7 @@
             </a:ln>
             <a:extLst>
               <a:ext uri="{91240B29-F687-4f45-9708-019B960494DF}">
-                <a14:hiddenLine xmlns="" xmlns:a14="http://schemas.microsoft.com/office/drawing/2010/main" w="9525">
+                <a14:hiddenLine xmlns:a14="http://schemas.microsoft.com/office/drawing/2010/main" xmlns="" w="9525">
                   <a:solidFill>
                     <a:srgbClr val="000000"/>
                   </a:solidFill>
@@ -3022,7 +3029,7 @@
             </a:ln>
             <a:extLst>
               <a:ext uri="{91240B29-F687-4f45-9708-019B960494DF}">
-                <a14:hiddenLine xmlns="" xmlns:a14="http://schemas.microsoft.com/office/drawing/2010/main" w="9525">
+                <a14:hiddenLine xmlns:a14="http://schemas.microsoft.com/office/drawing/2010/main" xmlns="" w="9525">
                   <a:solidFill>
                     <a:srgbClr val="000000"/>
                   </a:solidFill>
@@ -3112,7 +3119,7 @@
             </a:ln>
             <a:extLst>
               <a:ext uri="{91240B29-F687-4f45-9708-019B960494DF}">
-                <a14:hiddenLine xmlns="" xmlns:a14="http://schemas.microsoft.com/office/drawing/2010/main" w="9525">
+                <a14:hiddenLine xmlns:a14="http://schemas.microsoft.com/office/drawing/2010/main" xmlns="" w="9525">
                   <a:solidFill>
                     <a:srgbClr val="000000"/>
                   </a:solidFill>
@@ -3180,7 +3187,7 @@
             </a:ln>
             <a:extLst>
               <a:ext uri="{91240B29-F687-4f45-9708-019B960494DF}">
-                <a14:hiddenLine xmlns="" xmlns:a14="http://schemas.microsoft.com/office/drawing/2010/main" w="9525">
+                <a14:hiddenLine xmlns:a14="http://schemas.microsoft.com/office/drawing/2010/main" xmlns="" w="9525">
                   <a:solidFill>
                     <a:srgbClr val="000000"/>
                   </a:solidFill>
@@ -3242,7 +3249,7 @@
             </a:ln>
             <a:extLst>
               <a:ext uri="{91240B29-F687-4f45-9708-019B960494DF}">
-                <a14:hiddenLine xmlns="" xmlns:a14="http://schemas.microsoft.com/office/drawing/2010/main" w="9525">
+                <a14:hiddenLine xmlns:a14="http://schemas.microsoft.com/office/drawing/2010/main" xmlns="" w="9525">
                   <a:solidFill>
                     <a:srgbClr val="000000"/>
                   </a:solidFill>
@@ -3332,7 +3339,7 @@
             </a:ln>
             <a:extLst>
               <a:ext uri="{91240B29-F687-4f45-9708-019B960494DF}">
-                <a14:hiddenLine xmlns="" xmlns:a14="http://schemas.microsoft.com/office/drawing/2010/main" w="9525">
+                <a14:hiddenLine xmlns:a14="http://schemas.microsoft.com/office/drawing/2010/main" xmlns="" w="9525">
                   <a:solidFill>
                     <a:srgbClr val="000000"/>
                   </a:solidFill>
@@ -3394,7 +3401,7 @@
             </a:ln>
             <a:extLst>
               <a:ext uri="{91240B29-F687-4f45-9708-019B960494DF}">
-                <a14:hiddenLine xmlns="" xmlns:a14="http://schemas.microsoft.com/office/drawing/2010/main" w="9525">
+                <a14:hiddenLine xmlns:a14="http://schemas.microsoft.com/office/drawing/2010/main" xmlns="" w="9525">
                   <a:solidFill>
                     <a:srgbClr val="000000"/>
                   </a:solidFill>
@@ -3484,7 +3491,7 @@
             </a:ln>
             <a:extLst>
               <a:ext uri="{91240B29-F687-4f45-9708-019B960494DF}">
-                <a14:hiddenLine xmlns="" xmlns:a14="http://schemas.microsoft.com/office/drawing/2010/main" w="9525">
+                <a14:hiddenLine xmlns:a14="http://schemas.microsoft.com/office/drawing/2010/main" xmlns="" w="9525">
                   <a:solidFill>
                     <a:srgbClr val="000000"/>
                   </a:solidFill>
@@ -3546,7 +3553,7 @@
             </a:ln>
             <a:extLst>
               <a:ext uri="{91240B29-F687-4f45-9708-019B960494DF}">
-                <a14:hiddenLine xmlns="" xmlns:a14="http://schemas.microsoft.com/office/drawing/2010/main" w="9525">
+                <a14:hiddenLine xmlns:a14="http://schemas.microsoft.com/office/drawing/2010/main" xmlns="" w="9525">
                   <a:solidFill>
                     <a:srgbClr val="000000"/>
                   </a:solidFill>
@@ -3636,7 +3643,7 @@
             </a:ln>
             <a:extLst>
               <a:ext uri="{91240B29-F687-4f45-9708-019B960494DF}">
-                <a14:hiddenLine xmlns="" xmlns:a14="http://schemas.microsoft.com/office/drawing/2010/main" w="9525">
+                <a14:hiddenLine xmlns:a14="http://schemas.microsoft.com/office/drawing/2010/main" xmlns="" w="9525">
                   <a:solidFill>
                     <a:srgbClr val="000000"/>
                   </a:solidFill>
@@ -3670,7 +3677,7 @@
             </a:ln>
             <a:extLst>
               <a:ext uri="{91240B29-F687-4f45-9708-019B960494DF}">
-                <a14:hiddenLine xmlns="" xmlns:a14="http://schemas.microsoft.com/office/drawing/2010/main" w="9525">
+                <a14:hiddenLine xmlns:a14="http://schemas.microsoft.com/office/drawing/2010/main" xmlns="" w="9525">
                   <a:solidFill>
                     <a:srgbClr val="000000"/>
                   </a:solidFill>
@@ -3735,7 +3742,7 @@
             </a:ln>
             <a:extLst>
               <a:ext uri="{91240B29-F687-4f45-9708-019B960494DF}">
-                <a14:hiddenLine xmlns="" xmlns:a14="http://schemas.microsoft.com/office/drawing/2010/main" w="9525">
+                <a14:hiddenLine xmlns:a14="http://schemas.microsoft.com/office/drawing/2010/main" xmlns="" w="9525">
                   <a:solidFill>
                     <a:srgbClr val="000000"/>
                   </a:solidFill>
@@ -3825,7 +3832,7 @@
             </a:ln>
             <a:extLst>
               <a:ext uri="{91240B29-F687-4f45-9708-019B960494DF}">
-                <a14:hiddenLine xmlns="" xmlns:a14="http://schemas.microsoft.com/office/drawing/2010/main" w="9525">
+                <a14:hiddenLine xmlns:a14="http://schemas.microsoft.com/office/drawing/2010/main" xmlns="" w="9525">
                   <a:solidFill>
                     <a:srgbClr val="000000"/>
                   </a:solidFill>
@@ -3887,7 +3894,7 @@
             </a:ln>
             <a:extLst>
               <a:ext uri="{91240B29-F687-4f45-9708-019B960494DF}">
-                <a14:hiddenLine xmlns="" xmlns:a14="http://schemas.microsoft.com/office/drawing/2010/main" w="9525">
+                <a14:hiddenLine xmlns:a14="http://schemas.microsoft.com/office/drawing/2010/main" xmlns="" w="9525">
                   <a:solidFill>
                     <a:srgbClr val="000000"/>
                   </a:solidFill>
@@ -3977,7 +3984,7 @@
             </a:ln>
             <a:extLst>
               <a:ext uri="{91240B29-F687-4f45-9708-019B960494DF}">
-                <a14:hiddenLine xmlns="" xmlns:a14="http://schemas.microsoft.com/office/drawing/2010/main" w="9525">
+                <a14:hiddenLine xmlns:a14="http://schemas.microsoft.com/office/drawing/2010/main" xmlns="" w="9525">
                   <a:solidFill>
                     <a:srgbClr val="000000"/>
                   </a:solidFill>
@@ -4067,7 +4074,7 @@
             </a:ln>
             <a:extLst>
               <a:ext uri="{91240B29-F687-4f45-9708-019B960494DF}">
-                <a14:hiddenLine xmlns="" xmlns:a14="http://schemas.microsoft.com/office/drawing/2010/main" w="9525">
+                <a14:hiddenLine xmlns:a14="http://schemas.microsoft.com/office/drawing/2010/main" xmlns="" w="9525">
                   <a:solidFill>
                     <a:srgbClr val="000000"/>
                   </a:solidFill>
@@ -4132,7 +4139,7 @@
             </a:ln>
             <a:extLst>
               <a:ext uri="{91240B29-F687-4f45-9708-019B960494DF}">
-                <a14:hiddenLine xmlns="" xmlns:a14="http://schemas.microsoft.com/office/drawing/2010/main" w="9525">
+                <a14:hiddenLine xmlns:a14="http://schemas.microsoft.com/office/drawing/2010/main" xmlns="" w="9525">
                   <a:solidFill>
                     <a:srgbClr val="000000"/>
                   </a:solidFill>
@@ -4194,7 +4201,7 @@
             </a:ln>
             <a:extLst>
               <a:ext uri="{91240B29-F687-4f45-9708-019B960494DF}">
-                <a14:hiddenLine xmlns="" xmlns:a14="http://schemas.microsoft.com/office/drawing/2010/main" w="9525">
+                <a14:hiddenLine xmlns:a14="http://schemas.microsoft.com/office/drawing/2010/main" xmlns="" w="9525">
                   <a:solidFill>
                     <a:srgbClr val="000000"/>
                   </a:solidFill>
@@ -4284,7 +4291,7 @@
             </a:ln>
             <a:extLst>
               <a:ext uri="{91240B29-F687-4f45-9708-019B960494DF}">
-                <a14:hiddenLine xmlns="" xmlns:a14="http://schemas.microsoft.com/office/drawing/2010/main" w="9525">
+                <a14:hiddenLine xmlns:a14="http://schemas.microsoft.com/office/drawing/2010/main" xmlns="" w="9525">
                   <a:solidFill>
                     <a:srgbClr val="000000"/>
                   </a:solidFill>
@@ -4374,7 +4381,7 @@
             </a:ln>
             <a:extLst>
               <a:ext uri="{91240B29-F687-4f45-9708-019B960494DF}">
-                <a14:hiddenLine xmlns="" xmlns:a14="http://schemas.microsoft.com/office/drawing/2010/main" w="9525">
+                <a14:hiddenLine xmlns:a14="http://schemas.microsoft.com/office/drawing/2010/main" xmlns="" w="9525">
                   <a:solidFill>
                     <a:srgbClr val="000000"/>
                   </a:solidFill>
@@ -4436,7 +4443,7 @@
             </a:ln>
             <a:extLst>
               <a:ext uri="{91240B29-F687-4f45-9708-019B960494DF}">
-                <a14:hiddenLine xmlns="" xmlns:a14="http://schemas.microsoft.com/office/drawing/2010/main" w="9525">
+                <a14:hiddenLine xmlns:a14="http://schemas.microsoft.com/office/drawing/2010/main" xmlns="" w="9525">
                   <a:solidFill>
                     <a:srgbClr val="000000"/>
                   </a:solidFill>
@@ -4556,7 +4563,7 @@
             </a:ln>
             <a:extLst>
               <a:ext uri="{91240B29-F687-4f45-9708-019B960494DF}">
-                <a14:hiddenLine xmlns="" xmlns:a14="http://schemas.microsoft.com/office/drawing/2010/main" w="9525">
+                <a14:hiddenLine xmlns:a14="http://schemas.microsoft.com/office/drawing/2010/main" xmlns="" w="9525">
                   <a:solidFill>
                     <a:srgbClr val="000000"/>
                   </a:solidFill>
@@ -4624,7 +4631,7 @@
             </a:ln>
             <a:extLst>
               <a:ext uri="{91240B29-F687-4f45-9708-019B960494DF}">
-                <a14:hiddenLine xmlns="" xmlns:a14="http://schemas.microsoft.com/office/drawing/2010/main" w="9525">
+                <a14:hiddenLine xmlns:a14="http://schemas.microsoft.com/office/drawing/2010/main" xmlns="" w="9525">
                   <a:solidFill>
                     <a:srgbClr val="000000"/>
                   </a:solidFill>
@@ -4714,7 +4721,7 @@
             </a:ln>
             <a:extLst>
               <a:ext uri="{91240B29-F687-4f45-9708-019B960494DF}">
-                <a14:hiddenLine xmlns="" xmlns:a14="http://schemas.microsoft.com/office/drawing/2010/main" w="9525">
+                <a14:hiddenLine xmlns:a14="http://schemas.microsoft.com/office/drawing/2010/main" xmlns="" w="9525">
                   <a:solidFill>
                     <a:srgbClr val="000000"/>
                   </a:solidFill>
@@ -4854,7 +4861,7 @@
           <a:p>
             <a:fld id="{EC4347D3-4C9A-C240-8F14-750059DFEEB0}" type="datetimeFigureOut">
               <a:rPr lang="en-US" smtClean="0"/>
-              <a:t>8/15/23</a:t>
+              <a:t>8/24/23</a:t>
             </a:fld>
             <a:endParaRPr lang="en-US"/>
           </a:p>
@@ -5121,7 +5128,7 @@
           <a:p>
             <a:fld id="{EC4347D3-4C9A-C240-8F14-750059DFEEB0}" type="datetimeFigureOut">
               <a:rPr lang="en-US" smtClean="0"/>
-              <a:t>8/15/23</a:t>
+              <a:t>8/24/23</a:t>
             </a:fld>
             <a:endParaRPr lang="en-US"/>
           </a:p>
@@ -5317,7 +5324,7 @@
           <a:p>
             <a:fld id="{EC4347D3-4C9A-C240-8F14-750059DFEEB0}" type="datetimeFigureOut">
               <a:rPr lang="en-US" smtClean="0"/>
-              <a:t>8/15/23</a:t>
+              <a:t>8/24/23</a:t>
             </a:fld>
             <a:endParaRPr lang="en-US"/>
           </a:p>
@@ -5580,7 +5587,7 @@
           <a:p>
             <a:fld id="{EC4347D3-4C9A-C240-8F14-750059DFEEB0}" type="datetimeFigureOut">
               <a:rPr lang="en-US" smtClean="0"/>
-              <a:t>8/15/23</a:t>
+              <a:t>8/24/23</a:t>
             </a:fld>
             <a:endParaRPr lang="en-US"/>
           </a:p>
@@ -6014,7 +6021,7 @@
           <a:p>
             <a:fld id="{EC4347D3-4C9A-C240-8F14-750059DFEEB0}" type="datetimeFigureOut">
               <a:rPr lang="en-US" smtClean="0"/>
-              <a:t>8/15/23</a:t>
+              <a:t>8/24/23</a:t>
             </a:fld>
             <a:endParaRPr lang="en-US"/>
           </a:p>
@@ -6560,7 +6567,7 @@
           <a:p>
             <a:fld id="{EC4347D3-4C9A-C240-8F14-750059DFEEB0}" type="datetimeFigureOut">
               <a:rPr lang="en-US" smtClean="0"/>
-              <a:t>8/15/23</a:t>
+              <a:t>8/24/23</a:t>
             </a:fld>
             <a:endParaRPr lang="en-US"/>
           </a:p>
@@ -7280,7 +7287,7 @@
           <a:p>
             <a:fld id="{EC4347D3-4C9A-C240-8F14-750059DFEEB0}" type="datetimeFigureOut">
               <a:rPr lang="en-US" smtClean="0"/>
-              <a:t>8/15/23</a:t>
+              <a:t>8/24/23</a:t>
             </a:fld>
             <a:endParaRPr lang="en-US"/>
           </a:p>
@@ -7450,7 +7457,7 @@
           <a:p>
             <a:fld id="{EC4347D3-4C9A-C240-8F14-750059DFEEB0}" type="datetimeFigureOut">
               <a:rPr lang="en-US" smtClean="0"/>
-              <a:t>8/15/23</a:t>
+              <a:t>8/24/23</a:t>
             </a:fld>
             <a:endParaRPr lang="en-US"/>
           </a:p>
@@ -7630,7 +7637,7 @@
           <a:p>
             <a:fld id="{EC4347D3-4C9A-C240-8F14-750059DFEEB0}" type="datetimeFigureOut">
               <a:rPr lang="en-US" smtClean="0"/>
-              <a:t>8/15/23</a:t>
+              <a:t>8/24/23</a:t>
             </a:fld>
             <a:endParaRPr lang="en-US"/>
           </a:p>
@@ -7800,7 +7807,7 @@
           <a:p>
             <a:fld id="{EC4347D3-4C9A-C240-8F14-750059DFEEB0}" type="datetimeFigureOut">
               <a:rPr lang="en-US" smtClean="0"/>
-              <a:t>8/15/23</a:t>
+              <a:t>8/24/23</a:t>
             </a:fld>
             <a:endParaRPr lang="en-US"/>
           </a:p>
@@ -8050,7 +8057,7 @@
           <a:p>
             <a:fld id="{EC4347D3-4C9A-C240-8F14-750059DFEEB0}" type="datetimeFigureOut">
               <a:rPr lang="en-US" smtClean="0"/>
-              <a:t>8/15/23</a:t>
+              <a:t>8/24/23</a:t>
             </a:fld>
             <a:endParaRPr lang="en-US"/>
           </a:p>
@@ -8282,7 +8289,7 @@
           <a:p>
             <a:fld id="{EC4347D3-4C9A-C240-8F14-750059DFEEB0}" type="datetimeFigureOut">
               <a:rPr lang="en-US" smtClean="0"/>
-              <a:t>8/15/23</a:t>
+              <a:t>8/24/23</a:t>
             </a:fld>
             <a:endParaRPr lang="en-US"/>
           </a:p>
@@ -8668,7 +8675,7 @@
           <a:p>
             <a:fld id="{EC4347D3-4C9A-C240-8F14-750059DFEEB0}" type="datetimeFigureOut">
               <a:rPr lang="en-US" smtClean="0"/>
-              <a:t>8/15/23</a:t>
+              <a:t>8/24/23</a:t>
             </a:fld>
             <a:endParaRPr lang="en-US"/>
           </a:p>
@@ -8791,7 +8798,7 @@
           <a:p>
             <a:fld id="{EC4347D3-4C9A-C240-8F14-750059DFEEB0}" type="datetimeFigureOut">
               <a:rPr lang="en-US" smtClean="0"/>
-              <a:t>8/15/23</a:t>
+              <a:t>8/24/23</a:t>
             </a:fld>
             <a:endParaRPr lang="en-US"/>
           </a:p>
@@ -8886,7 +8893,7 @@
           <a:p>
             <a:fld id="{EC4347D3-4C9A-C240-8F14-750059DFEEB0}" type="datetimeFigureOut">
               <a:rPr lang="en-US" smtClean="0"/>
-              <a:t>8/15/23</a:t>
+              <a:t>8/24/23</a:t>
             </a:fld>
             <a:endParaRPr lang="en-US"/>
           </a:p>
@@ -9135,7 +9142,7 @@
           <a:p>
             <a:fld id="{EC4347D3-4C9A-C240-8F14-750059DFEEB0}" type="datetimeFigureOut">
               <a:rPr lang="en-US" smtClean="0"/>
-              <a:t>8/15/23</a:t>
+              <a:t>8/24/23</a:t>
             </a:fld>
             <a:endParaRPr lang="en-US"/>
           </a:p>
@@ -9420,7 +9427,7 @@
           <a:p>
             <a:fld id="{EC4347D3-4C9A-C240-8F14-750059DFEEB0}" type="datetimeFigureOut">
               <a:rPr lang="en-US" smtClean="0"/>
-              <a:t>8/15/23</a:t>
+              <a:t>8/24/23</a:t>
             </a:fld>
             <a:endParaRPr lang="en-US"/>
           </a:p>
@@ -9543,7 +9550,7 @@
           <a:noFill/>
           <a:extLst>
             <a:ext uri="{909E8E84-426E-40dd-AFC4-6F175D3DCCD1}">
-              <a14:hiddenFill xmlns="" xmlns:a14="http://schemas.microsoft.com/office/drawing/2010/main">
+              <a14:hiddenFill xmlns:a14="http://schemas.microsoft.com/office/drawing/2010/main" xmlns="">
                 <a:solidFill>
                   <a:srgbClr val="FFFFFF"/>
                 </a:solidFill>
@@ -9617,7 +9624,7 @@
               </a:ln>
               <a:extLst>
                 <a:ext uri="{91240B29-F687-4f45-9708-019B960494DF}">
-                  <a14:hiddenLine xmlns="" xmlns:a14="http://schemas.microsoft.com/office/drawing/2010/main" w="9525">
+                  <a14:hiddenLine xmlns:a14="http://schemas.microsoft.com/office/drawing/2010/main" xmlns="" w="9525">
                     <a:solidFill>
                       <a:srgbClr val="000000"/>
                     </a:solidFill>
@@ -9707,7 +9714,7 @@
               </a:ln>
               <a:extLst>
                 <a:ext uri="{91240B29-F687-4f45-9708-019B960494DF}">
-                  <a14:hiddenLine xmlns="" xmlns:a14="http://schemas.microsoft.com/office/drawing/2010/main" w="9525">
+                  <a14:hiddenLine xmlns:a14="http://schemas.microsoft.com/office/drawing/2010/main" xmlns="" w="9525">
                     <a:solidFill>
                       <a:srgbClr val="000000"/>
                     </a:solidFill>
@@ -9797,7 +9804,7 @@
               </a:ln>
               <a:extLst>
                 <a:ext uri="{91240B29-F687-4f45-9708-019B960494DF}">
-                  <a14:hiddenLine xmlns="" xmlns:a14="http://schemas.microsoft.com/office/drawing/2010/main" w="9525">
+                  <a14:hiddenLine xmlns:a14="http://schemas.microsoft.com/office/drawing/2010/main" xmlns="" w="9525">
                     <a:solidFill>
                       <a:srgbClr val="000000"/>
                     </a:solidFill>
@@ -9859,7 +9866,7 @@
               </a:ln>
               <a:extLst>
                 <a:ext uri="{91240B29-F687-4f45-9708-019B960494DF}">
-                  <a14:hiddenLine xmlns="" xmlns:a14="http://schemas.microsoft.com/office/drawing/2010/main" w="9525">
+                  <a14:hiddenLine xmlns:a14="http://schemas.microsoft.com/office/drawing/2010/main" xmlns="" w="9525">
                     <a:solidFill>
                       <a:srgbClr val="000000"/>
                     </a:solidFill>
@@ -9949,7 +9956,7 @@
               </a:ln>
               <a:extLst>
                 <a:ext uri="{91240B29-F687-4f45-9708-019B960494DF}">
-                  <a14:hiddenLine xmlns="" xmlns:a14="http://schemas.microsoft.com/office/drawing/2010/main" w="9525">
+                  <a14:hiddenLine xmlns:a14="http://schemas.microsoft.com/office/drawing/2010/main" xmlns="" w="9525">
                     <a:solidFill>
                       <a:srgbClr val="000000"/>
                     </a:solidFill>
@@ -10011,7 +10018,7 @@
               </a:ln>
               <a:extLst>
                 <a:ext uri="{91240B29-F687-4f45-9708-019B960494DF}">
-                  <a14:hiddenLine xmlns="" xmlns:a14="http://schemas.microsoft.com/office/drawing/2010/main" w="9525">
+                  <a14:hiddenLine xmlns:a14="http://schemas.microsoft.com/office/drawing/2010/main" xmlns="" w="9525">
                     <a:solidFill>
                       <a:srgbClr val="000000"/>
                     </a:solidFill>
@@ -10073,7 +10080,7 @@
               </a:ln>
               <a:extLst>
                 <a:ext uri="{91240B29-F687-4f45-9708-019B960494DF}">
-                  <a14:hiddenLine xmlns="" xmlns:a14="http://schemas.microsoft.com/office/drawing/2010/main" w="9525">
+                  <a14:hiddenLine xmlns:a14="http://schemas.microsoft.com/office/drawing/2010/main" xmlns="" w="9525">
                     <a:solidFill>
                       <a:srgbClr val="000000"/>
                     </a:solidFill>
@@ -10163,7 +10170,7 @@
               </a:ln>
               <a:extLst>
                 <a:ext uri="{91240B29-F687-4f45-9708-019B960494DF}">
-                  <a14:hiddenLine xmlns="" xmlns:a14="http://schemas.microsoft.com/office/drawing/2010/main" w="9525">
+                  <a14:hiddenLine xmlns:a14="http://schemas.microsoft.com/office/drawing/2010/main" xmlns="" w="9525">
                     <a:solidFill>
                       <a:srgbClr val="000000"/>
                     </a:solidFill>
@@ -10253,7 +10260,7 @@
               </a:ln>
               <a:extLst>
                 <a:ext uri="{91240B29-F687-4f45-9708-019B960494DF}">
-                  <a14:hiddenLine xmlns="" xmlns:a14="http://schemas.microsoft.com/office/drawing/2010/main" w="9525">
+                  <a14:hiddenLine xmlns:a14="http://schemas.microsoft.com/office/drawing/2010/main" xmlns="" w="9525">
                     <a:solidFill>
                       <a:srgbClr val="000000"/>
                     </a:solidFill>
@@ -10315,7 +10322,7 @@
               </a:ln>
               <a:extLst>
                 <a:ext uri="{91240B29-F687-4f45-9708-019B960494DF}">
-                  <a14:hiddenLine xmlns="" xmlns:a14="http://schemas.microsoft.com/office/drawing/2010/main" w="9525">
+                  <a14:hiddenLine xmlns:a14="http://schemas.microsoft.com/office/drawing/2010/main" xmlns="" w="9525">
                     <a:solidFill>
                       <a:srgbClr val="000000"/>
                     </a:solidFill>
@@ -10425,7 +10432,7 @@
               </a:ln>
               <a:extLst>
                 <a:ext uri="{91240B29-F687-4f45-9708-019B960494DF}">
-                  <a14:hiddenLine xmlns="" xmlns:a14="http://schemas.microsoft.com/office/drawing/2010/main" w="9525">
+                  <a14:hiddenLine xmlns:a14="http://schemas.microsoft.com/office/drawing/2010/main" xmlns="" w="9525">
                     <a:solidFill>
                       <a:srgbClr val="000000"/>
                     </a:solidFill>
@@ -10509,7 +10516,7 @@
               </a:ln>
               <a:extLst>
                 <a:ext uri="{91240B29-F687-4f45-9708-019B960494DF}">
-                  <a14:hiddenLine xmlns="" xmlns:a14="http://schemas.microsoft.com/office/drawing/2010/main" w="9525">
+                  <a14:hiddenLine xmlns:a14="http://schemas.microsoft.com/office/drawing/2010/main" xmlns="" w="9525">
                     <a:solidFill>
                       <a:srgbClr val="000000"/>
                     </a:solidFill>
@@ -10571,7 +10578,7 @@
               </a:ln>
               <a:extLst>
                 <a:ext uri="{91240B29-F687-4f45-9708-019B960494DF}">
-                  <a14:hiddenLine xmlns="" xmlns:a14="http://schemas.microsoft.com/office/drawing/2010/main" w="9525">
+                  <a14:hiddenLine xmlns:a14="http://schemas.microsoft.com/office/drawing/2010/main" xmlns="" w="9525">
                     <a:solidFill>
                       <a:srgbClr val="000000"/>
                     </a:solidFill>
@@ -10633,7 +10640,7 @@
               </a:ln>
               <a:extLst>
                 <a:ext uri="{91240B29-F687-4f45-9708-019B960494DF}">
-                  <a14:hiddenLine xmlns="" xmlns:a14="http://schemas.microsoft.com/office/drawing/2010/main" w="9525">
+                  <a14:hiddenLine xmlns:a14="http://schemas.microsoft.com/office/drawing/2010/main" xmlns="" w="9525">
                     <a:solidFill>
                       <a:srgbClr val="000000"/>
                     </a:solidFill>
@@ -10723,7 +10730,7 @@
               </a:ln>
               <a:extLst>
                 <a:ext uri="{91240B29-F687-4f45-9708-019B960494DF}">
-                  <a14:hiddenLine xmlns="" xmlns:a14="http://schemas.microsoft.com/office/drawing/2010/main" w="9525">
+                  <a14:hiddenLine xmlns:a14="http://schemas.microsoft.com/office/drawing/2010/main" xmlns="" w="9525">
                     <a:solidFill>
                       <a:srgbClr val="000000"/>
                     </a:solidFill>
@@ -10757,7 +10764,7 @@
               </a:ln>
               <a:extLst>
                 <a:ext uri="{91240B29-F687-4f45-9708-019B960494DF}">
-                  <a14:hiddenLine xmlns="" xmlns:a14="http://schemas.microsoft.com/office/drawing/2010/main" w="9525">
+                  <a14:hiddenLine xmlns:a14="http://schemas.microsoft.com/office/drawing/2010/main" xmlns="" w="9525">
                     <a:solidFill>
                       <a:srgbClr val="000000"/>
                     </a:solidFill>
@@ -10822,7 +10829,7 @@
               </a:ln>
               <a:extLst>
                 <a:ext uri="{91240B29-F687-4f45-9708-019B960494DF}">
-                  <a14:hiddenLine xmlns="" xmlns:a14="http://schemas.microsoft.com/office/drawing/2010/main" w="9525">
+                  <a14:hiddenLine xmlns:a14="http://schemas.microsoft.com/office/drawing/2010/main" xmlns="" w="9525">
                     <a:solidFill>
                       <a:srgbClr val="000000"/>
                     </a:solidFill>
@@ -10912,7 +10919,7 @@
               </a:ln>
               <a:extLst>
                 <a:ext uri="{91240B29-F687-4f45-9708-019B960494DF}">
-                  <a14:hiddenLine xmlns="" xmlns:a14="http://schemas.microsoft.com/office/drawing/2010/main" w="9525">
+                  <a14:hiddenLine xmlns:a14="http://schemas.microsoft.com/office/drawing/2010/main" xmlns="" w="9525">
                     <a:solidFill>
                       <a:srgbClr val="000000"/>
                     </a:solidFill>
@@ -10974,7 +10981,7 @@
               </a:ln>
               <a:extLst>
                 <a:ext uri="{91240B29-F687-4f45-9708-019B960494DF}">
-                  <a14:hiddenLine xmlns="" xmlns:a14="http://schemas.microsoft.com/office/drawing/2010/main" w="9525">
+                  <a14:hiddenLine xmlns:a14="http://schemas.microsoft.com/office/drawing/2010/main" xmlns="" w="9525">
                     <a:solidFill>
                       <a:srgbClr val="000000"/>
                     </a:solidFill>
@@ -11064,7 +11071,7 @@
               </a:ln>
               <a:extLst>
                 <a:ext uri="{91240B29-F687-4f45-9708-019B960494DF}">
-                  <a14:hiddenLine xmlns="" xmlns:a14="http://schemas.microsoft.com/office/drawing/2010/main" w="9525">
+                  <a14:hiddenLine xmlns:a14="http://schemas.microsoft.com/office/drawing/2010/main" xmlns="" w="9525">
                     <a:solidFill>
                       <a:srgbClr val="000000"/>
                     </a:solidFill>
@@ -11129,7 +11136,7 @@
               </a:ln>
               <a:extLst>
                 <a:ext uri="{91240B29-F687-4f45-9708-019B960494DF}">
-                  <a14:hiddenLine xmlns="" xmlns:a14="http://schemas.microsoft.com/office/drawing/2010/main" w="9525">
+                  <a14:hiddenLine xmlns:a14="http://schemas.microsoft.com/office/drawing/2010/main" xmlns="" w="9525">
                     <a:solidFill>
                       <a:srgbClr val="000000"/>
                     </a:solidFill>
@@ -11191,7 +11198,7 @@
               </a:ln>
               <a:extLst>
                 <a:ext uri="{91240B29-F687-4f45-9708-019B960494DF}">
-                  <a14:hiddenLine xmlns="" xmlns:a14="http://schemas.microsoft.com/office/drawing/2010/main" w="9525">
+                  <a14:hiddenLine xmlns:a14="http://schemas.microsoft.com/office/drawing/2010/main" xmlns="" w="9525">
                     <a:solidFill>
                       <a:srgbClr val="000000"/>
                     </a:solidFill>
@@ -11281,7 +11288,7 @@
               </a:ln>
               <a:extLst>
                 <a:ext uri="{91240B29-F687-4f45-9708-019B960494DF}">
-                  <a14:hiddenLine xmlns="" xmlns:a14="http://schemas.microsoft.com/office/drawing/2010/main" w="9525">
+                  <a14:hiddenLine xmlns:a14="http://schemas.microsoft.com/office/drawing/2010/main" xmlns="" w="9525">
                     <a:solidFill>
                       <a:srgbClr val="000000"/>
                     </a:solidFill>
@@ -11371,7 +11378,7 @@
               </a:ln>
               <a:extLst>
                 <a:ext uri="{91240B29-F687-4f45-9708-019B960494DF}">
-                  <a14:hiddenLine xmlns="" xmlns:a14="http://schemas.microsoft.com/office/drawing/2010/main" w="9525">
+                  <a14:hiddenLine xmlns:a14="http://schemas.microsoft.com/office/drawing/2010/main" xmlns="" w="9525">
                     <a:solidFill>
                       <a:srgbClr val="000000"/>
                     </a:solidFill>
@@ -11436,7 +11443,7 @@
               </a:ln>
               <a:extLst>
                 <a:ext uri="{91240B29-F687-4f45-9708-019B960494DF}">
-                  <a14:hiddenLine xmlns="" xmlns:a14="http://schemas.microsoft.com/office/drawing/2010/main" w="9525">
+                  <a14:hiddenLine xmlns:a14="http://schemas.microsoft.com/office/drawing/2010/main" xmlns="" w="9525">
                     <a:solidFill>
                       <a:srgbClr val="000000"/>
                     </a:solidFill>
@@ -11556,7 +11563,7 @@
               </a:ln>
               <a:extLst>
                 <a:ext uri="{91240B29-F687-4f45-9708-019B960494DF}">
-                  <a14:hiddenLine xmlns="" xmlns:a14="http://schemas.microsoft.com/office/drawing/2010/main" w="9525">
+                  <a14:hiddenLine xmlns:a14="http://schemas.microsoft.com/office/drawing/2010/main" xmlns="" w="9525">
                     <a:solidFill>
                       <a:srgbClr val="000000"/>
                     </a:solidFill>
@@ -11637,7 +11644,7 @@
               </a:ln>
               <a:extLst>
                 <a:ext uri="{91240B29-F687-4f45-9708-019B960494DF}">
-                  <a14:hiddenLine xmlns="" xmlns:a14="http://schemas.microsoft.com/office/drawing/2010/main" w="9525">
+                  <a14:hiddenLine xmlns:a14="http://schemas.microsoft.com/office/drawing/2010/main" xmlns="" w="9525">
                     <a:solidFill>
                       <a:srgbClr val="000000"/>
                     </a:solidFill>
@@ -11752,7 +11759,7 @@
               </a:ln>
               <a:extLst>
                 <a:ext uri="{91240B29-F687-4f45-9708-019B960494DF}">
-                  <a14:hiddenLine xmlns="" xmlns:a14="http://schemas.microsoft.com/office/drawing/2010/main" w="9525">
+                  <a14:hiddenLine xmlns:a14="http://schemas.microsoft.com/office/drawing/2010/main" xmlns="" w="9525">
                     <a:solidFill>
                       <a:srgbClr val="000000"/>
                     </a:solidFill>
@@ -11842,7 +11849,7 @@
               </a:ln>
               <a:extLst>
                 <a:ext uri="{91240B29-F687-4f45-9708-019B960494DF}">
-                  <a14:hiddenLine xmlns="" xmlns:a14="http://schemas.microsoft.com/office/drawing/2010/main" w="9525">
+                  <a14:hiddenLine xmlns:a14="http://schemas.microsoft.com/office/drawing/2010/main" xmlns="" w="9525">
                     <a:solidFill>
                       <a:srgbClr val="000000"/>
                     </a:solidFill>
@@ -11907,7 +11914,7 @@
               </a:ln>
               <a:extLst>
                 <a:ext uri="{91240B29-F687-4f45-9708-019B960494DF}">
-                  <a14:hiddenLine xmlns="" xmlns:a14="http://schemas.microsoft.com/office/drawing/2010/main" w="9525">
+                  <a14:hiddenLine xmlns:a14="http://schemas.microsoft.com/office/drawing/2010/main" xmlns="" w="9525">
                     <a:solidFill>
                       <a:srgbClr val="000000"/>
                     </a:solidFill>
@@ -11997,7 +12004,7 @@
               </a:ln>
               <a:extLst>
                 <a:ext uri="{91240B29-F687-4f45-9708-019B960494DF}">
-                  <a14:hiddenLine xmlns="" xmlns:a14="http://schemas.microsoft.com/office/drawing/2010/main" w="9525">
+                  <a14:hiddenLine xmlns:a14="http://schemas.microsoft.com/office/drawing/2010/main" xmlns="" w="9525">
                     <a:solidFill>
                       <a:srgbClr val="000000"/>
                     </a:solidFill>
@@ -12065,7 +12072,7 @@
               </a:ln>
               <a:extLst>
                 <a:ext uri="{91240B29-F687-4f45-9708-019B960494DF}">
-                  <a14:hiddenLine xmlns="" xmlns:a14="http://schemas.microsoft.com/office/drawing/2010/main" w="9525">
+                  <a14:hiddenLine xmlns:a14="http://schemas.microsoft.com/office/drawing/2010/main" xmlns="" w="9525">
                     <a:solidFill>
                       <a:srgbClr val="000000"/>
                     </a:solidFill>
@@ -12155,7 +12162,7 @@
               </a:ln>
               <a:extLst>
                 <a:ext uri="{91240B29-F687-4f45-9708-019B960494DF}">
-                  <a14:hiddenLine xmlns="" xmlns:a14="http://schemas.microsoft.com/office/drawing/2010/main" w="9525">
+                  <a14:hiddenLine xmlns:a14="http://schemas.microsoft.com/office/drawing/2010/main" xmlns="" w="9525">
                     <a:solidFill>
                       <a:srgbClr val="000000"/>
                     </a:solidFill>
@@ -12223,7 +12230,7 @@
               </a:ln>
               <a:extLst>
                 <a:ext uri="{91240B29-F687-4f45-9708-019B960494DF}">
-                  <a14:hiddenLine xmlns="" xmlns:a14="http://schemas.microsoft.com/office/drawing/2010/main" w="9525">
+                  <a14:hiddenLine xmlns:a14="http://schemas.microsoft.com/office/drawing/2010/main" xmlns="" w="9525">
                     <a:solidFill>
                       <a:srgbClr val="000000"/>
                     </a:solidFill>
@@ -12313,7 +12320,7 @@
               </a:ln>
               <a:extLst>
                 <a:ext uri="{91240B29-F687-4f45-9708-019B960494DF}">
-                  <a14:hiddenLine xmlns="" xmlns:a14="http://schemas.microsoft.com/office/drawing/2010/main" w="9525">
+                  <a14:hiddenLine xmlns:a14="http://schemas.microsoft.com/office/drawing/2010/main" xmlns="" w="9525">
                     <a:solidFill>
                       <a:srgbClr val="000000"/>
                     </a:solidFill>
@@ -12347,7 +12354,7 @@
               </a:ln>
               <a:extLst>
                 <a:ext uri="{91240B29-F687-4f45-9708-019B960494DF}">
-                  <a14:hiddenLine xmlns="" xmlns:a14="http://schemas.microsoft.com/office/drawing/2010/main" w="9525">
+                  <a14:hiddenLine xmlns:a14="http://schemas.microsoft.com/office/drawing/2010/main" xmlns="" w="9525">
                     <a:solidFill>
                       <a:srgbClr val="000000"/>
                     </a:solidFill>
@@ -12487,7 +12494,7 @@
           <a:p>
             <a:fld id="{EC4347D3-4C9A-C240-8F14-750059DFEEB0}" type="datetimeFigureOut">
               <a:rPr lang="en-US" smtClean="0"/>
-              <a:t>8/15/23</a:t>
+              <a:t>8/24/23</a:t>
             </a:fld>
             <a:endParaRPr lang="en-US"/>
           </a:p>
@@ -13019,7 +13026,7 @@
           <p:cNvPr id="2" name="Title 1">
             <a:extLst>
               <a:ext uri="{FF2B5EF4-FFF2-40B4-BE49-F238E27FC236}">
-                <a16:creationId xmlns:a16="http://schemas.microsoft.com/office/drawing/2014/main" id="{E0D39D60-0F42-4EA0-9F70-85B79837417C}"/>
+                <a16:creationId xmlns:a16="http://schemas.microsoft.com/office/drawing/2014/main" id="{C4E58EB1-0381-42F4-877C-3DBE7D54AE0B}"/>
               </a:ext>
             </a:extLst>
           </p:cNvPr>
@@ -13032,8 +13039,8 @@
         </p:nvSpPr>
         <p:spPr>
           <a:xfrm>
-            <a:off x="1141413" y="407503"/>
-            <a:ext cx="9905998" cy="876174"/>
+            <a:off x="1141413" y="477841"/>
+            <a:ext cx="9905998" cy="770667"/>
           </a:xfrm>
         </p:spPr>
         <p:txBody>
@@ -13043,7 +13050,46 @@
             <a:pPr algn="ctr"/>
             <a:r>
               <a:rPr lang="en-US" dirty="0"/>
-              <a:t>Proof By Construction</a:t>
+              <a:t>Proof by Construction Checklist</a:t>
+            </a:r>
+          </a:p>
+        </p:txBody>
+      </p:sp>
+      <p:sp>
+        <p:nvSpPr>
+          <p:cNvPr id="3" name="Content Placeholder 2">
+            <a:extLst>
+              <a:ext uri="{FF2B5EF4-FFF2-40B4-BE49-F238E27FC236}">
+                <a16:creationId xmlns:a16="http://schemas.microsoft.com/office/drawing/2014/main" id="{42DD69DF-9047-42F3-83BE-4A9477966631}"/>
+              </a:ext>
+            </a:extLst>
+          </p:cNvPr>
+          <p:cNvSpPr>
+            <a:spLocks noGrp="1"/>
+          </p:cNvSpPr>
+          <p:nvPr>
+            <p:ph idx="1"/>
+          </p:nvPr>
+        </p:nvSpPr>
+        <p:spPr>
+          <a:xfrm>
+            <a:off x="3068515" y="2249487"/>
+            <a:ext cx="6268916" cy="3541714"/>
+          </a:xfrm>
+        </p:spPr>
+        <p:txBody>
+          <a:bodyPr/>
+          <a:lstStyle/>
+          <a:p>
+            <a:r>
+              <a:rPr lang="en-US" dirty="0"/>
+              <a:t>Fully define construction</a:t>
+            </a:r>
+          </a:p>
+          <a:p>
+            <a:r>
+              <a:rPr lang="en-US" dirty="0"/>
+              <a:t>Describe how we know it satisfies the theorem</a:t>
             </a:r>
           </a:p>
         </p:txBody>
@@ -13053,7 +13099,7 @@
           <p:cNvPr id="4" name="Slide Number Placeholder 3">
             <a:extLst>
               <a:ext uri="{FF2B5EF4-FFF2-40B4-BE49-F238E27FC236}">
-                <a16:creationId xmlns:a16="http://schemas.microsoft.com/office/drawing/2014/main" id="{53A30E12-D6E0-4606-A57D-04BF529F1B03}"/>
+                <a16:creationId xmlns:a16="http://schemas.microsoft.com/office/drawing/2014/main" id="{89AD3EC3-DBFE-41CD-9978-B668DCB0A1EB}"/>
               </a:ext>
             </a:extLst>
           </p:cNvPr>
@@ -13077,276 +13123,10 @@
           </a:p>
         </p:txBody>
       </p:sp>
-      <p:sp>
-        <p:nvSpPr>
-          <p:cNvPr id="6" name="Content Placeholder 2">
-            <a:extLst>
-              <a:ext uri="{FF2B5EF4-FFF2-40B4-BE49-F238E27FC236}">
-                <a16:creationId xmlns:a16="http://schemas.microsoft.com/office/drawing/2014/main" id="{1785D54C-495D-E541-B747-D8D6D53EBB01}"/>
-              </a:ext>
-            </a:extLst>
-          </p:cNvPr>
-          <p:cNvSpPr txBox="1">
-            <a:spLocks/>
-          </p:cNvSpPr>
-          <p:nvPr/>
-        </p:nvSpPr>
-        <p:spPr>
-          <a:xfrm>
-            <a:off x="1325752" y="1390646"/>
-            <a:ext cx="9928402" cy="1031633"/>
-          </a:xfrm>
-          <a:prstGeom prst="rect">
-            <a:avLst/>
-          </a:prstGeom>
-          <a:solidFill>
-            <a:schemeClr val="tx1"/>
-          </a:solidFill>
-        </p:spPr>
-        <p:txBody>
-          <a:bodyPr vert="horz" lIns="91440" tIns="45720" rIns="91440" bIns="45720" rtlCol="0">
-            <a:normAutofit/>
-          </a:bodyPr>
-          <a:lstStyle>
-            <a:lvl1pPr marL="228600" indent="-228600" algn="l" defTabSz="914400" rtl="0" eaLnBrk="1" latinLnBrk="0" hangingPunct="1">
-              <a:lnSpc>
-                <a:spcPct val="120000"/>
-              </a:lnSpc>
-              <a:spcBef>
-                <a:spcPts val="1000"/>
-              </a:spcBef>
-              <a:buSzPct val="125000"/>
-              <a:buFont typeface="Arial" panose="020B0604020202020204" pitchFamily="34" charset="0"/>
-              <a:buChar char="•"/>
-              <a:defRPr sz="2400" kern="1200">
-                <a:solidFill>
-                  <a:schemeClr val="tx1"/>
-                </a:solidFill>
-                <a:latin typeface="+mn-lt"/>
-                <a:ea typeface="+mn-ea"/>
-                <a:cs typeface="+mn-cs"/>
-              </a:defRPr>
-            </a:lvl1pPr>
-            <a:lvl2pPr marL="685800" indent="-228600" algn="l" defTabSz="914400" rtl="0" eaLnBrk="1" latinLnBrk="0" hangingPunct="1">
-              <a:lnSpc>
-                <a:spcPct val="120000"/>
-              </a:lnSpc>
-              <a:spcBef>
-                <a:spcPts val="500"/>
-              </a:spcBef>
-              <a:buSzPct val="125000"/>
-              <a:buFont typeface="Arial" panose="020B0604020202020204" pitchFamily="34" charset="0"/>
-              <a:buChar char="•"/>
-              <a:defRPr sz="2000" kern="1200">
-                <a:solidFill>
-                  <a:schemeClr val="tx1"/>
-                </a:solidFill>
-                <a:latin typeface="+mn-lt"/>
-                <a:ea typeface="+mn-ea"/>
-                <a:cs typeface="+mn-cs"/>
-              </a:defRPr>
-            </a:lvl2pPr>
-            <a:lvl3pPr marL="1143000" indent="-228600" algn="l" defTabSz="914400" rtl="0" eaLnBrk="1" latinLnBrk="0" hangingPunct="1">
-              <a:lnSpc>
-                <a:spcPct val="120000"/>
-              </a:lnSpc>
-              <a:spcBef>
-                <a:spcPts val="500"/>
-              </a:spcBef>
-              <a:buSzPct val="125000"/>
-              <a:buFont typeface="Arial" panose="020B0604020202020204" pitchFamily="34" charset="0"/>
-              <a:buChar char="•"/>
-              <a:defRPr sz="1800" kern="1200">
-                <a:solidFill>
-                  <a:schemeClr val="tx1"/>
-                </a:solidFill>
-                <a:latin typeface="+mn-lt"/>
-                <a:ea typeface="+mn-ea"/>
-                <a:cs typeface="+mn-cs"/>
-              </a:defRPr>
-            </a:lvl3pPr>
-            <a:lvl4pPr marL="1600200" indent="-228600" algn="l" defTabSz="914400" rtl="0" eaLnBrk="1" latinLnBrk="0" hangingPunct="1">
-              <a:lnSpc>
-                <a:spcPct val="120000"/>
-              </a:lnSpc>
-              <a:spcBef>
-                <a:spcPts val="500"/>
-              </a:spcBef>
-              <a:buSzPct val="125000"/>
-              <a:buFont typeface="Arial" panose="020B0604020202020204" pitchFamily="34" charset="0"/>
-              <a:buChar char="•"/>
-              <a:defRPr sz="1600" kern="1200">
-                <a:solidFill>
-                  <a:schemeClr val="tx1"/>
-                </a:solidFill>
-                <a:latin typeface="+mn-lt"/>
-                <a:ea typeface="+mn-ea"/>
-                <a:cs typeface="+mn-cs"/>
-              </a:defRPr>
-            </a:lvl4pPr>
-            <a:lvl5pPr marL="2057400" indent="-228600" algn="l" defTabSz="914400" rtl="0" eaLnBrk="1" latinLnBrk="0" hangingPunct="1">
-              <a:lnSpc>
-                <a:spcPct val="120000"/>
-              </a:lnSpc>
-              <a:spcBef>
-                <a:spcPts val="500"/>
-              </a:spcBef>
-              <a:buSzPct val="125000"/>
-              <a:buFont typeface="Arial" panose="020B0604020202020204" pitchFamily="34" charset="0"/>
-              <a:buChar char="•"/>
-              <a:defRPr sz="1600" kern="1200">
-                <a:solidFill>
-                  <a:schemeClr val="tx1"/>
-                </a:solidFill>
-                <a:latin typeface="+mn-lt"/>
-                <a:ea typeface="+mn-ea"/>
-                <a:cs typeface="+mn-cs"/>
-              </a:defRPr>
-            </a:lvl5pPr>
-            <a:lvl6pPr marL="2514600" indent="-228600" algn="l" defTabSz="914400" rtl="0" eaLnBrk="1" latinLnBrk="0" hangingPunct="1">
-              <a:lnSpc>
-                <a:spcPct val="120000"/>
-              </a:lnSpc>
-              <a:spcBef>
-                <a:spcPts val="500"/>
-              </a:spcBef>
-              <a:buSzPct val="125000"/>
-              <a:buFont typeface="Arial" panose="020B0604020202020204" pitchFamily="34" charset="0"/>
-              <a:buChar char="•"/>
-              <a:defRPr sz="1400" kern="1200">
-                <a:solidFill>
-                  <a:schemeClr val="tx1"/>
-                </a:solidFill>
-                <a:latin typeface="+mn-lt"/>
-                <a:ea typeface="+mn-ea"/>
-                <a:cs typeface="+mn-cs"/>
-              </a:defRPr>
-            </a:lvl6pPr>
-            <a:lvl7pPr marL="2971800" indent="-228600" algn="l" defTabSz="914400" rtl="0" eaLnBrk="1" latinLnBrk="0" hangingPunct="1">
-              <a:lnSpc>
-                <a:spcPct val="120000"/>
-              </a:lnSpc>
-              <a:spcBef>
-                <a:spcPts val="500"/>
-              </a:spcBef>
-              <a:buSzPct val="125000"/>
-              <a:buFont typeface="Arial" panose="020B0604020202020204" pitchFamily="34" charset="0"/>
-              <a:buChar char="•"/>
-              <a:defRPr sz="1400" kern="1200">
-                <a:solidFill>
-                  <a:schemeClr val="tx1"/>
-                </a:solidFill>
-                <a:latin typeface="+mn-lt"/>
-                <a:ea typeface="+mn-ea"/>
-                <a:cs typeface="+mn-cs"/>
-              </a:defRPr>
-            </a:lvl7pPr>
-            <a:lvl8pPr marL="3429000" indent="-228600" algn="l" defTabSz="914400" rtl="0" eaLnBrk="1" latinLnBrk="0" hangingPunct="1">
-              <a:lnSpc>
-                <a:spcPct val="120000"/>
-              </a:lnSpc>
-              <a:spcBef>
-                <a:spcPts val="500"/>
-              </a:spcBef>
-              <a:buSzPct val="125000"/>
-              <a:buFont typeface="Arial" panose="020B0604020202020204" pitchFamily="34" charset="0"/>
-              <a:buChar char="•"/>
-              <a:defRPr sz="1400" kern="1200">
-                <a:solidFill>
-                  <a:schemeClr val="tx1"/>
-                </a:solidFill>
-                <a:latin typeface="+mn-lt"/>
-                <a:ea typeface="+mn-ea"/>
-                <a:cs typeface="+mn-cs"/>
-              </a:defRPr>
-            </a:lvl8pPr>
-            <a:lvl9pPr marL="3886200" indent="-228600" algn="l" defTabSz="914400" rtl="0" eaLnBrk="1" latinLnBrk="0" hangingPunct="1">
-              <a:lnSpc>
-                <a:spcPct val="120000"/>
-              </a:lnSpc>
-              <a:spcBef>
-                <a:spcPts val="500"/>
-              </a:spcBef>
-              <a:buSzPct val="125000"/>
-              <a:buFont typeface="Arial" panose="020B0604020202020204" pitchFamily="34" charset="0"/>
-              <a:buChar char="•"/>
-              <a:defRPr sz="1400" kern="1200">
-                <a:solidFill>
-                  <a:schemeClr val="tx1"/>
-                </a:solidFill>
-                <a:latin typeface="+mn-lt"/>
-                <a:ea typeface="+mn-ea"/>
-                <a:cs typeface="+mn-cs"/>
-              </a:defRPr>
-            </a:lvl9pPr>
-          </a:lstStyle>
-          <a:p>
-            <a:pPr marL="0" indent="0">
-              <a:buNone/>
-            </a:pPr>
-            <a:r>
-              <a:rPr lang="en-US" b="1" i="1" u="sng" dirty="0">
-                <a:solidFill>
-                  <a:schemeClr val="bg1"/>
-                </a:solidFill>
-              </a:rPr>
-              <a:t>Theorem</a:t>
-            </a:r>
-            <a:r>
-              <a:rPr lang="en-US" dirty="0">
-                <a:solidFill>
-                  <a:schemeClr val="bg1"/>
-                </a:solidFill>
-              </a:rPr>
-              <a:t>: For each even number </a:t>
-            </a:r>
-            <a:r>
-              <a:rPr lang="en-US" i="1" dirty="0">
-                <a:solidFill>
-                  <a:schemeClr val="bg1"/>
-                </a:solidFill>
-              </a:rPr>
-              <a:t>n &gt; 2</a:t>
-            </a:r>
-            <a:r>
-              <a:rPr lang="en-US" dirty="0">
-                <a:solidFill>
-                  <a:schemeClr val="bg1"/>
-                </a:solidFill>
-              </a:rPr>
-              <a:t>, there exists a 3-regular graph with </a:t>
-            </a:r>
-            <a:r>
-              <a:rPr lang="en-US" i="1" dirty="0">
-                <a:solidFill>
-                  <a:schemeClr val="bg1"/>
-                </a:solidFill>
-              </a:rPr>
-              <a:t>n</a:t>
-            </a:r>
-            <a:r>
-              <a:rPr lang="en-US" dirty="0">
-                <a:solidFill>
-                  <a:schemeClr val="bg1"/>
-                </a:solidFill>
-              </a:rPr>
-              <a:t> nodes.</a:t>
-            </a:r>
-          </a:p>
-          <a:p>
-            <a:pPr lvl="2"/>
-            <a:endParaRPr lang="en-US" dirty="0">
-              <a:solidFill>
-                <a:schemeClr val="bg1"/>
-              </a:solidFill>
-            </a:endParaRPr>
-          </a:p>
-        </p:txBody>
-      </p:sp>
     </p:spTree>
     <p:extLst>
       <p:ext uri="{BB962C8B-B14F-4D97-AF65-F5344CB8AC3E}">
-        <p14:creationId xmlns:p14="http://schemas.microsoft.com/office/powerpoint/2010/main" val="2621290603"/>
+        <p14:creationId xmlns:p14="http://schemas.microsoft.com/office/powerpoint/2010/main" val="2721726055"/>
       </p:ext>
     </p:extLst>
   </p:cSld>
@@ -13431,6 +13211,1646 @@
             <a:fld id="{9BB9F8D7-E2A3-4222-BD86-A63794DF33E7}" type="slidenum">
               <a:rPr lang="en-US" smtClean="0"/>
               <a:t>11</a:t>
+            </a:fld>
+            <a:endParaRPr lang="en-US"/>
+          </a:p>
+        </p:txBody>
+      </p:sp>
+      <p:sp>
+        <p:nvSpPr>
+          <p:cNvPr id="6" name="Content Placeholder 2">
+            <a:extLst>
+              <a:ext uri="{FF2B5EF4-FFF2-40B4-BE49-F238E27FC236}">
+                <a16:creationId xmlns:a16="http://schemas.microsoft.com/office/drawing/2014/main" id="{1785D54C-495D-E541-B747-D8D6D53EBB01}"/>
+              </a:ext>
+            </a:extLst>
+          </p:cNvPr>
+          <p:cNvSpPr txBox="1">
+            <a:spLocks/>
+          </p:cNvSpPr>
+          <p:nvPr/>
+        </p:nvSpPr>
+        <p:spPr>
+          <a:xfrm>
+            <a:off x="1325752" y="1390646"/>
+            <a:ext cx="9928402" cy="1031633"/>
+          </a:xfrm>
+          <a:prstGeom prst="rect">
+            <a:avLst/>
+          </a:prstGeom>
+          <a:solidFill>
+            <a:schemeClr val="tx1"/>
+          </a:solidFill>
+        </p:spPr>
+        <p:txBody>
+          <a:bodyPr vert="horz" lIns="91440" tIns="45720" rIns="91440" bIns="45720" rtlCol="0">
+            <a:normAutofit/>
+          </a:bodyPr>
+          <a:lstStyle>
+            <a:lvl1pPr marL="228600" indent="-228600" algn="l" defTabSz="914400" rtl="0" eaLnBrk="1" latinLnBrk="0" hangingPunct="1">
+              <a:lnSpc>
+                <a:spcPct val="120000"/>
+              </a:lnSpc>
+              <a:spcBef>
+                <a:spcPts val="1000"/>
+              </a:spcBef>
+              <a:buSzPct val="125000"/>
+              <a:buFont typeface="Arial" panose="020B0604020202020204" pitchFamily="34" charset="0"/>
+              <a:buChar char="•"/>
+              <a:defRPr sz="2400" kern="1200">
+                <a:solidFill>
+                  <a:schemeClr val="tx1"/>
+                </a:solidFill>
+                <a:latin typeface="+mn-lt"/>
+                <a:ea typeface="+mn-ea"/>
+                <a:cs typeface="+mn-cs"/>
+              </a:defRPr>
+            </a:lvl1pPr>
+            <a:lvl2pPr marL="685800" indent="-228600" algn="l" defTabSz="914400" rtl="0" eaLnBrk="1" latinLnBrk="0" hangingPunct="1">
+              <a:lnSpc>
+                <a:spcPct val="120000"/>
+              </a:lnSpc>
+              <a:spcBef>
+                <a:spcPts val="500"/>
+              </a:spcBef>
+              <a:buSzPct val="125000"/>
+              <a:buFont typeface="Arial" panose="020B0604020202020204" pitchFamily="34" charset="0"/>
+              <a:buChar char="•"/>
+              <a:defRPr sz="2000" kern="1200">
+                <a:solidFill>
+                  <a:schemeClr val="tx1"/>
+                </a:solidFill>
+                <a:latin typeface="+mn-lt"/>
+                <a:ea typeface="+mn-ea"/>
+                <a:cs typeface="+mn-cs"/>
+              </a:defRPr>
+            </a:lvl2pPr>
+            <a:lvl3pPr marL="1143000" indent="-228600" algn="l" defTabSz="914400" rtl="0" eaLnBrk="1" latinLnBrk="0" hangingPunct="1">
+              <a:lnSpc>
+                <a:spcPct val="120000"/>
+              </a:lnSpc>
+              <a:spcBef>
+                <a:spcPts val="500"/>
+              </a:spcBef>
+              <a:buSzPct val="125000"/>
+              <a:buFont typeface="Arial" panose="020B0604020202020204" pitchFamily="34" charset="0"/>
+              <a:buChar char="•"/>
+              <a:defRPr sz="1800" kern="1200">
+                <a:solidFill>
+                  <a:schemeClr val="tx1"/>
+                </a:solidFill>
+                <a:latin typeface="+mn-lt"/>
+                <a:ea typeface="+mn-ea"/>
+                <a:cs typeface="+mn-cs"/>
+              </a:defRPr>
+            </a:lvl3pPr>
+            <a:lvl4pPr marL="1600200" indent="-228600" algn="l" defTabSz="914400" rtl="0" eaLnBrk="1" latinLnBrk="0" hangingPunct="1">
+              <a:lnSpc>
+                <a:spcPct val="120000"/>
+              </a:lnSpc>
+              <a:spcBef>
+                <a:spcPts val="500"/>
+              </a:spcBef>
+              <a:buSzPct val="125000"/>
+              <a:buFont typeface="Arial" panose="020B0604020202020204" pitchFamily="34" charset="0"/>
+              <a:buChar char="•"/>
+              <a:defRPr sz="1600" kern="1200">
+                <a:solidFill>
+                  <a:schemeClr val="tx1"/>
+                </a:solidFill>
+                <a:latin typeface="+mn-lt"/>
+                <a:ea typeface="+mn-ea"/>
+                <a:cs typeface="+mn-cs"/>
+              </a:defRPr>
+            </a:lvl4pPr>
+            <a:lvl5pPr marL="2057400" indent="-228600" algn="l" defTabSz="914400" rtl="0" eaLnBrk="1" latinLnBrk="0" hangingPunct="1">
+              <a:lnSpc>
+                <a:spcPct val="120000"/>
+              </a:lnSpc>
+              <a:spcBef>
+                <a:spcPts val="500"/>
+              </a:spcBef>
+              <a:buSzPct val="125000"/>
+              <a:buFont typeface="Arial" panose="020B0604020202020204" pitchFamily="34" charset="0"/>
+              <a:buChar char="•"/>
+              <a:defRPr sz="1600" kern="1200">
+                <a:solidFill>
+                  <a:schemeClr val="tx1"/>
+                </a:solidFill>
+                <a:latin typeface="+mn-lt"/>
+                <a:ea typeface="+mn-ea"/>
+                <a:cs typeface="+mn-cs"/>
+              </a:defRPr>
+            </a:lvl5pPr>
+            <a:lvl6pPr marL="2514600" indent="-228600" algn="l" defTabSz="914400" rtl="0" eaLnBrk="1" latinLnBrk="0" hangingPunct="1">
+              <a:lnSpc>
+                <a:spcPct val="120000"/>
+              </a:lnSpc>
+              <a:spcBef>
+                <a:spcPts val="500"/>
+              </a:spcBef>
+              <a:buSzPct val="125000"/>
+              <a:buFont typeface="Arial" panose="020B0604020202020204" pitchFamily="34" charset="0"/>
+              <a:buChar char="•"/>
+              <a:defRPr sz="1400" kern="1200">
+                <a:solidFill>
+                  <a:schemeClr val="tx1"/>
+                </a:solidFill>
+                <a:latin typeface="+mn-lt"/>
+                <a:ea typeface="+mn-ea"/>
+                <a:cs typeface="+mn-cs"/>
+              </a:defRPr>
+            </a:lvl6pPr>
+            <a:lvl7pPr marL="2971800" indent="-228600" algn="l" defTabSz="914400" rtl="0" eaLnBrk="1" latinLnBrk="0" hangingPunct="1">
+              <a:lnSpc>
+                <a:spcPct val="120000"/>
+              </a:lnSpc>
+              <a:spcBef>
+                <a:spcPts val="500"/>
+              </a:spcBef>
+              <a:buSzPct val="125000"/>
+              <a:buFont typeface="Arial" panose="020B0604020202020204" pitchFamily="34" charset="0"/>
+              <a:buChar char="•"/>
+              <a:defRPr sz="1400" kern="1200">
+                <a:solidFill>
+                  <a:schemeClr val="tx1"/>
+                </a:solidFill>
+                <a:latin typeface="+mn-lt"/>
+                <a:ea typeface="+mn-ea"/>
+                <a:cs typeface="+mn-cs"/>
+              </a:defRPr>
+            </a:lvl7pPr>
+            <a:lvl8pPr marL="3429000" indent="-228600" algn="l" defTabSz="914400" rtl="0" eaLnBrk="1" latinLnBrk="0" hangingPunct="1">
+              <a:lnSpc>
+                <a:spcPct val="120000"/>
+              </a:lnSpc>
+              <a:spcBef>
+                <a:spcPts val="500"/>
+              </a:spcBef>
+              <a:buSzPct val="125000"/>
+              <a:buFont typeface="Arial" panose="020B0604020202020204" pitchFamily="34" charset="0"/>
+              <a:buChar char="•"/>
+              <a:defRPr sz="1400" kern="1200">
+                <a:solidFill>
+                  <a:schemeClr val="tx1"/>
+                </a:solidFill>
+                <a:latin typeface="+mn-lt"/>
+                <a:ea typeface="+mn-ea"/>
+                <a:cs typeface="+mn-cs"/>
+              </a:defRPr>
+            </a:lvl8pPr>
+            <a:lvl9pPr marL="3886200" indent="-228600" algn="l" defTabSz="914400" rtl="0" eaLnBrk="1" latinLnBrk="0" hangingPunct="1">
+              <a:lnSpc>
+                <a:spcPct val="120000"/>
+              </a:lnSpc>
+              <a:spcBef>
+                <a:spcPts val="500"/>
+              </a:spcBef>
+              <a:buSzPct val="125000"/>
+              <a:buFont typeface="Arial" panose="020B0604020202020204" pitchFamily="34" charset="0"/>
+              <a:buChar char="•"/>
+              <a:defRPr sz="1400" kern="1200">
+                <a:solidFill>
+                  <a:schemeClr val="tx1"/>
+                </a:solidFill>
+                <a:latin typeface="+mn-lt"/>
+                <a:ea typeface="+mn-ea"/>
+                <a:cs typeface="+mn-cs"/>
+              </a:defRPr>
+            </a:lvl9pPr>
+          </a:lstStyle>
+          <a:p>
+            <a:pPr marL="0" indent="0">
+              <a:buNone/>
+            </a:pPr>
+            <a:r>
+              <a:rPr lang="en-US" b="1" i="1" u="sng" dirty="0">
+                <a:solidFill>
+                  <a:schemeClr val="bg1"/>
+                </a:solidFill>
+              </a:rPr>
+              <a:t>Theorem</a:t>
+            </a:r>
+            <a:r>
+              <a:rPr lang="en-US" dirty="0">
+                <a:solidFill>
+                  <a:schemeClr val="bg1"/>
+                </a:solidFill>
+              </a:rPr>
+              <a:t>: For each even number </a:t>
+            </a:r>
+            <a:r>
+              <a:rPr lang="en-US" i="1" dirty="0">
+                <a:solidFill>
+                  <a:schemeClr val="bg1"/>
+                </a:solidFill>
+              </a:rPr>
+              <a:t>n &gt; 2</a:t>
+            </a:r>
+            <a:r>
+              <a:rPr lang="en-US" dirty="0">
+                <a:solidFill>
+                  <a:schemeClr val="bg1"/>
+                </a:solidFill>
+              </a:rPr>
+              <a:t>, there exists a 3-regular graph with </a:t>
+            </a:r>
+            <a:r>
+              <a:rPr lang="en-US" i="1" dirty="0">
+                <a:solidFill>
+                  <a:schemeClr val="bg1"/>
+                </a:solidFill>
+              </a:rPr>
+              <a:t>n</a:t>
+            </a:r>
+            <a:r>
+              <a:rPr lang="en-US" dirty="0">
+                <a:solidFill>
+                  <a:schemeClr val="bg1"/>
+                </a:solidFill>
+              </a:rPr>
+              <a:t> nodes.</a:t>
+            </a:r>
+          </a:p>
+          <a:p>
+            <a:pPr lvl="2"/>
+            <a:endParaRPr lang="en-US" dirty="0">
+              <a:solidFill>
+                <a:schemeClr val="bg1"/>
+              </a:solidFill>
+            </a:endParaRPr>
+          </a:p>
+        </p:txBody>
+      </p:sp>
+    </p:spTree>
+    <p:extLst>
+      <p:ext uri="{BB962C8B-B14F-4D97-AF65-F5344CB8AC3E}">
+        <p14:creationId xmlns:p14="http://schemas.microsoft.com/office/powerpoint/2010/main" val="2621290603"/>
+      </p:ext>
+    </p:extLst>
+  </p:cSld>
+  <p:clrMapOvr>
+    <a:masterClrMapping/>
+  </p:clrMapOvr>
+</p:sld>
+</file>
+
+<file path=ppt/slides/slide12.xml><?xml version="1.0" encoding="utf-8"?>
+<p:sld xmlns:a="http://schemas.openxmlformats.org/drawingml/2006/main" xmlns:r="http://schemas.openxmlformats.org/officeDocument/2006/relationships" xmlns:p="http://schemas.openxmlformats.org/presentationml/2006/main">
+  <p:cSld>
+    <p:spTree>
+      <p:nvGrpSpPr>
+        <p:cNvPr id="1" name=""/>
+        <p:cNvGrpSpPr/>
+        <p:nvPr/>
+      </p:nvGrpSpPr>
+      <p:grpSpPr>
+        <a:xfrm>
+          <a:off x="0" y="0"/>
+          <a:ext cx="0" cy="0"/>
+          <a:chOff x="0" y="0"/>
+          <a:chExt cx="0" cy="0"/>
+        </a:xfrm>
+      </p:grpSpPr>
+      <p:sp>
+        <p:nvSpPr>
+          <p:cNvPr id="2" name="Title 1">
+            <a:extLst>
+              <a:ext uri="{FF2B5EF4-FFF2-40B4-BE49-F238E27FC236}">
+                <a16:creationId xmlns:a16="http://schemas.microsoft.com/office/drawing/2014/main" id="{E0D39D60-0F42-4EA0-9F70-85B79837417C}"/>
+              </a:ext>
+            </a:extLst>
+          </p:cNvPr>
+          <p:cNvSpPr>
+            <a:spLocks noGrp="1"/>
+          </p:cNvSpPr>
+          <p:nvPr>
+            <p:ph type="title"/>
+          </p:nvPr>
+        </p:nvSpPr>
+        <p:spPr>
+          <a:xfrm>
+            <a:off x="1141413" y="407503"/>
+            <a:ext cx="9905998" cy="876174"/>
+          </a:xfrm>
+        </p:spPr>
+        <p:txBody>
+          <a:bodyPr/>
+          <a:lstStyle/>
+          <a:p>
+            <a:pPr algn="ctr"/>
+            <a:r>
+              <a:rPr lang="en-US" dirty="0"/>
+              <a:t>Proof By Construction</a:t>
+            </a:r>
+          </a:p>
+        </p:txBody>
+      </p:sp>
+      <p:sp>
+        <p:nvSpPr>
+          <p:cNvPr id="4" name="Slide Number Placeholder 3">
+            <a:extLst>
+              <a:ext uri="{FF2B5EF4-FFF2-40B4-BE49-F238E27FC236}">
+                <a16:creationId xmlns:a16="http://schemas.microsoft.com/office/drawing/2014/main" id="{53A30E12-D6E0-4606-A57D-04BF529F1B03}"/>
+              </a:ext>
+            </a:extLst>
+          </p:cNvPr>
+          <p:cNvSpPr>
+            <a:spLocks noGrp="1"/>
+          </p:cNvSpPr>
+          <p:nvPr>
+            <p:ph type="sldNum" sz="quarter" idx="12"/>
+          </p:nvPr>
+        </p:nvSpPr>
+        <p:spPr/>
+        <p:txBody>
+          <a:bodyPr/>
+          <a:lstStyle/>
+          <a:p>
+            <a:fld id="{9BB9F8D7-E2A3-4222-BD86-A63794DF33E7}" type="slidenum">
+              <a:rPr lang="en-US" smtClean="0"/>
+              <a:t>12</a:t>
+            </a:fld>
+            <a:endParaRPr lang="en-US"/>
+          </a:p>
+        </p:txBody>
+      </p:sp>
+      <p:sp>
+        <p:nvSpPr>
+          <p:cNvPr id="6" name="Content Placeholder 2">
+            <a:extLst>
+              <a:ext uri="{FF2B5EF4-FFF2-40B4-BE49-F238E27FC236}">
+                <a16:creationId xmlns:a16="http://schemas.microsoft.com/office/drawing/2014/main" id="{1785D54C-495D-E541-B747-D8D6D53EBB01}"/>
+              </a:ext>
+            </a:extLst>
+          </p:cNvPr>
+          <p:cNvSpPr txBox="1">
+            <a:spLocks/>
+          </p:cNvSpPr>
+          <p:nvPr/>
+        </p:nvSpPr>
+        <p:spPr>
+          <a:xfrm>
+            <a:off x="1325752" y="1390646"/>
+            <a:ext cx="9928402" cy="1031633"/>
+          </a:xfrm>
+          <a:prstGeom prst="rect">
+            <a:avLst/>
+          </a:prstGeom>
+          <a:solidFill>
+            <a:schemeClr val="tx1"/>
+          </a:solidFill>
+        </p:spPr>
+        <p:txBody>
+          <a:bodyPr vert="horz" lIns="91440" tIns="45720" rIns="91440" bIns="45720" rtlCol="0">
+            <a:normAutofit/>
+          </a:bodyPr>
+          <a:lstStyle>
+            <a:lvl1pPr marL="228600" indent="-228600" algn="l" defTabSz="914400" rtl="0" eaLnBrk="1" latinLnBrk="0" hangingPunct="1">
+              <a:lnSpc>
+                <a:spcPct val="120000"/>
+              </a:lnSpc>
+              <a:spcBef>
+                <a:spcPts val="1000"/>
+              </a:spcBef>
+              <a:buSzPct val="125000"/>
+              <a:buFont typeface="Arial" panose="020B0604020202020204" pitchFamily="34" charset="0"/>
+              <a:buChar char="•"/>
+              <a:defRPr sz="2400" kern="1200">
+                <a:solidFill>
+                  <a:schemeClr val="tx1"/>
+                </a:solidFill>
+                <a:latin typeface="+mn-lt"/>
+                <a:ea typeface="+mn-ea"/>
+                <a:cs typeface="+mn-cs"/>
+              </a:defRPr>
+            </a:lvl1pPr>
+            <a:lvl2pPr marL="685800" indent="-228600" algn="l" defTabSz="914400" rtl="0" eaLnBrk="1" latinLnBrk="0" hangingPunct="1">
+              <a:lnSpc>
+                <a:spcPct val="120000"/>
+              </a:lnSpc>
+              <a:spcBef>
+                <a:spcPts val="500"/>
+              </a:spcBef>
+              <a:buSzPct val="125000"/>
+              <a:buFont typeface="Arial" panose="020B0604020202020204" pitchFamily="34" charset="0"/>
+              <a:buChar char="•"/>
+              <a:defRPr sz="2000" kern="1200">
+                <a:solidFill>
+                  <a:schemeClr val="tx1"/>
+                </a:solidFill>
+                <a:latin typeface="+mn-lt"/>
+                <a:ea typeface="+mn-ea"/>
+                <a:cs typeface="+mn-cs"/>
+              </a:defRPr>
+            </a:lvl2pPr>
+            <a:lvl3pPr marL="1143000" indent="-228600" algn="l" defTabSz="914400" rtl="0" eaLnBrk="1" latinLnBrk="0" hangingPunct="1">
+              <a:lnSpc>
+                <a:spcPct val="120000"/>
+              </a:lnSpc>
+              <a:spcBef>
+                <a:spcPts val="500"/>
+              </a:spcBef>
+              <a:buSzPct val="125000"/>
+              <a:buFont typeface="Arial" panose="020B0604020202020204" pitchFamily="34" charset="0"/>
+              <a:buChar char="•"/>
+              <a:defRPr sz="1800" kern="1200">
+                <a:solidFill>
+                  <a:schemeClr val="tx1"/>
+                </a:solidFill>
+                <a:latin typeface="+mn-lt"/>
+                <a:ea typeface="+mn-ea"/>
+                <a:cs typeface="+mn-cs"/>
+              </a:defRPr>
+            </a:lvl3pPr>
+            <a:lvl4pPr marL="1600200" indent="-228600" algn="l" defTabSz="914400" rtl="0" eaLnBrk="1" latinLnBrk="0" hangingPunct="1">
+              <a:lnSpc>
+                <a:spcPct val="120000"/>
+              </a:lnSpc>
+              <a:spcBef>
+                <a:spcPts val="500"/>
+              </a:spcBef>
+              <a:buSzPct val="125000"/>
+              <a:buFont typeface="Arial" panose="020B0604020202020204" pitchFamily="34" charset="0"/>
+              <a:buChar char="•"/>
+              <a:defRPr sz="1600" kern="1200">
+                <a:solidFill>
+                  <a:schemeClr val="tx1"/>
+                </a:solidFill>
+                <a:latin typeface="+mn-lt"/>
+                <a:ea typeface="+mn-ea"/>
+                <a:cs typeface="+mn-cs"/>
+              </a:defRPr>
+            </a:lvl4pPr>
+            <a:lvl5pPr marL="2057400" indent="-228600" algn="l" defTabSz="914400" rtl="0" eaLnBrk="1" latinLnBrk="0" hangingPunct="1">
+              <a:lnSpc>
+                <a:spcPct val="120000"/>
+              </a:lnSpc>
+              <a:spcBef>
+                <a:spcPts val="500"/>
+              </a:spcBef>
+              <a:buSzPct val="125000"/>
+              <a:buFont typeface="Arial" panose="020B0604020202020204" pitchFamily="34" charset="0"/>
+              <a:buChar char="•"/>
+              <a:defRPr sz="1600" kern="1200">
+                <a:solidFill>
+                  <a:schemeClr val="tx1"/>
+                </a:solidFill>
+                <a:latin typeface="+mn-lt"/>
+                <a:ea typeface="+mn-ea"/>
+                <a:cs typeface="+mn-cs"/>
+              </a:defRPr>
+            </a:lvl5pPr>
+            <a:lvl6pPr marL="2514600" indent="-228600" algn="l" defTabSz="914400" rtl="0" eaLnBrk="1" latinLnBrk="0" hangingPunct="1">
+              <a:lnSpc>
+                <a:spcPct val="120000"/>
+              </a:lnSpc>
+              <a:spcBef>
+                <a:spcPts val="500"/>
+              </a:spcBef>
+              <a:buSzPct val="125000"/>
+              <a:buFont typeface="Arial" panose="020B0604020202020204" pitchFamily="34" charset="0"/>
+              <a:buChar char="•"/>
+              <a:defRPr sz="1400" kern="1200">
+                <a:solidFill>
+                  <a:schemeClr val="tx1"/>
+                </a:solidFill>
+                <a:latin typeface="+mn-lt"/>
+                <a:ea typeface="+mn-ea"/>
+                <a:cs typeface="+mn-cs"/>
+              </a:defRPr>
+            </a:lvl6pPr>
+            <a:lvl7pPr marL="2971800" indent="-228600" algn="l" defTabSz="914400" rtl="0" eaLnBrk="1" latinLnBrk="0" hangingPunct="1">
+              <a:lnSpc>
+                <a:spcPct val="120000"/>
+              </a:lnSpc>
+              <a:spcBef>
+                <a:spcPts val="500"/>
+              </a:spcBef>
+              <a:buSzPct val="125000"/>
+              <a:buFont typeface="Arial" panose="020B0604020202020204" pitchFamily="34" charset="0"/>
+              <a:buChar char="•"/>
+              <a:defRPr sz="1400" kern="1200">
+                <a:solidFill>
+                  <a:schemeClr val="tx1"/>
+                </a:solidFill>
+                <a:latin typeface="+mn-lt"/>
+                <a:ea typeface="+mn-ea"/>
+                <a:cs typeface="+mn-cs"/>
+              </a:defRPr>
+            </a:lvl7pPr>
+            <a:lvl8pPr marL="3429000" indent="-228600" algn="l" defTabSz="914400" rtl="0" eaLnBrk="1" latinLnBrk="0" hangingPunct="1">
+              <a:lnSpc>
+                <a:spcPct val="120000"/>
+              </a:lnSpc>
+              <a:spcBef>
+                <a:spcPts val="500"/>
+              </a:spcBef>
+              <a:buSzPct val="125000"/>
+              <a:buFont typeface="Arial" panose="020B0604020202020204" pitchFamily="34" charset="0"/>
+              <a:buChar char="•"/>
+              <a:defRPr sz="1400" kern="1200">
+                <a:solidFill>
+                  <a:schemeClr val="tx1"/>
+                </a:solidFill>
+                <a:latin typeface="+mn-lt"/>
+                <a:ea typeface="+mn-ea"/>
+                <a:cs typeface="+mn-cs"/>
+              </a:defRPr>
+            </a:lvl8pPr>
+            <a:lvl9pPr marL="3886200" indent="-228600" algn="l" defTabSz="914400" rtl="0" eaLnBrk="1" latinLnBrk="0" hangingPunct="1">
+              <a:lnSpc>
+                <a:spcPct val="120000"/>
+              </a:lnSpc>
+              <a:spcBef>
+                <a:spcPts val="500"/>
+              </a:spcBef>
+              <a:buSzPct val="125000"/>
+              <a:buFont typeface="Arial" panose="020B0604020202020204" pitchFamily="34" charset="0"/>
+              <a:buChar char="•"/>
+              <a:defRPr sz="1400" kern="1200">
+                <a:solidFill>
+                  <a:schemeClr val="tx1"/>
+                </a:solidFill>
+                <a:latin typeface="+mn-lt"/>
+                <a:ea typeface="+mn-ea"/>
+                <a:cs typeface="+mn-cs"/>
+              </a:defRPr>
+            </a:lvl9pPr>
+          </a:lstStyle>
+          <a:p>
+            <a:pPr marL="0" indent="0">
+              <a:buNone/>
+            </a:pPr>
+            <a:r>
+              <a:rPr lang="en-US" b="1" i="1" u="sng" dirty="0">
+                <a:solidFill>
+                  <a:schemeClr val="bg1"/>
+                </a:solidFill>
+              </a:rPr>
+              <a:t>Theorem</a:t>
+            </a:r>
+            <a:r>
+              <a:rPr lang="en-US" dirty="0">
+                <a:solidFill>
+                  <a:schemeClr val="bg1"/>
+                </a:solidFill>
+              </a:rPr>
+              <a:t>: For each even number </a:t>
+            </a:r>
+            <a:r>
+              <a:rPr lang="en-US" i="1" dirty="0">
+                <a:solidFill>
+                  <a:schemeClr val="bg1"/>
+                </a:solidFill>
+              </a:rPr>
+              <a:t>n &gt; 2</a:t>
+            </a:r>
+            <a:r>
+              <a:rPr lang="en-US" dirty="0">
+                <a:solidFill>
+                  <a:schemeClr val="bg1"/>
+                </a:solidFill>
+              </a:rPr>
+              <a:t>, there exists a 3-regular graph with </a:t>
+            </a:r>
+            <a:r>
+              <a:rPr lang="en-US" i="1" dirty="0">
+                <a:solidFill>
+                  <a:schemeClr val="bg1"/>
+                </a:solidFill>
+              </a:rPr>
+              <a:t>n</a:t>
+            </a:r>
+            <a:r>
+              <a:rPr lang="en-US" dirty="0">
+                <a:solidFill>
+                  <a:schemeClr val="bg1"/>
+                </a:solidFill>
+              </a:rPr>
+              <a:t> nodes.</a:t>
+            </a:r>
+          </a:p>
+          <a:p>
+            <a:pPr lvl="2"/>
+            <a:endParaRPr lang="en-US" dirty="0">
+              <a:solidFill>
+                <a:schemeClr val="bg1"/>
+              </a:solidFill>
+            </a:endParaRPr>
+          </a:p>
+        </p:txBody>
+      </p:sp>
+      <p:sp>
+        <p:nvSpPr>
+          <p:cNvPr id="5" name="Content Placeholder 2">
+            <a:extLst>
+              <a:ext uri="{FF2B5EF4-FFF2-40B4-BE49-F238E27FC236}">
+                <a16:creationId xmlns:a16="http://schemas.microsoft.com/office/drawing/2014/main" id="{0FBB8F33-E827-4441-A810-97DADD889BDC}"/>
+              </a:ext>
+            </a:extLst>
+          </p:cNvPr>
+          <p:cNvSpPr txBox="1">
+            <a:spLocks/>
+          </p:cNvSpPr>
+          <p:nvPr/>
+        </p:nvSpPr>
+        <p:spPr>
+          <a:xfrm>
+            <a:off x="1325752" y="2738108"/>
+            <a:ext cx="9928402" cy="991924"/>
+          </a:xfrm>
+          <a:prstGeom prst="rect">
+            <a:avLst/>
+          </a:prstGeom>
+          <a:noFill/>
+        </p:spPr>
+        <p:txBody>
+          <a:bodyPr vert="horz" lIns="91440" tIns="45720" rIns="91440" bIns="45720" rtlCol="0">
+            <a:normAutofit/>
+          </a:bodyPr>
+          <a:lstStyle>
+            <a:lvl1pPr marL="228600" indent="-228600" algn="l" defTabSz="914400" rtl="0" eaLnBrk="1" latinLnBrk="0" hangingPunct="1">
+              <a:lnSpc>
+                <a:spcPct val="120000"/>
+              </a:lnSpc>
+              <a:spcBef>
+                <a:spcPts val="1000"/>
+              </a:spcBef>
+              <a:buSzPct val="125000"/>
+              <a:buFont typeface="Arial" panose="020B0604020202020204" pitchFamily="34" charset="0"/>
+              <a:buChar char="•"/>
+              <a:defRPr sz="2400" kern="1200">
+                <a:solidFill>
+                  <a:schemeClr val="tx1"/>
+                </a:solidFill>
+                <a:latin typeface="+mn-lt"/>
+                <a:ea typeface="+mn-ea"/>
+                <a:cs typeface="+mn-cs"/>
+              </a:defRPr>
+            </a:lvl1pPr>
+            <a:lvl2pPr marL="685800" indent="-228600" algn="l" defTabSz="914400" rtl="0" eaLnBrk="1" latinLnBrk="0" hangingPunct="1">
+              <a:lnSpc>
+                <a:spcPct val="120000"/>
+              </a:lnSpc>
+              <a:spcBef>
+                <a:spcPts val="500"/>
+              </a:spcBef>
+              <a:buSzPct val="125000"/>
+              <a:buFont typeface="Arial" panose="020B0604020202020204" pitchFamily="34" charset="0"/>
+              <a:buChar char="•"/>
+              <a:defRPr sz="2000" kern="1200">
+                <a:solidFill>
+                  <a:schemeClr val="tx1"/>
+                </a:solidFill>
+                <a:latin typeface="+mn-lt"/>
+                <a:ea typeface="+mn-ea"/>
+                <a:cs typeface="+mn-cs"/>
+              </a:defRPr>
+            </a:lvl2pPr>
+            <a:lvl3pPr marL="1143000" indent="-228600" algn="l" defTabSz="914400" rtl="0" eaLnBrk="1" latinLnBrk="0" hangingPunct="1">
+              <a:lnSpc>
+                <a:spcPct val="120000"/>
+              </a:lnSpc>
+              <a:spcBef>
+                <a:spcPts val="500"/>
+              </a:spcBef>
+              <a:buSzPct val="125000"/>
+              <a:buFont typeface="Arial" panose="020B0604020202020204" pitchFamily="34" charset="0"/>
+              <a:buChar char="•"/>
+              <a:defRPr sz="1800" kern="1200">
+                <a:solidFill>
+                  <a:schemeClr val="tx1"/>
+                </a:solidFill>
+                <a:latin typeface="+mn-lt"/>
+                <a:ea typeface="+mn-ea"/>
+                <a:cs typeface="+mn-cs"/>
+              </a:defRPr>
+            </a:lvl3pPr>
+            <a:lvl4pPr marL="1600200" indent="-228600" algn="l" defTabSz="914400" rtl="0" eaLnBrk="1" latinLnBrk="0" hangingPunct="1">
+              <a:lnSpc>
+                <a:spcPct val="120000"/>
+              </a:lnSpc>
+              <a:spcBef>
+                <a:spcPts val="500"/>
+              </a:spcBef>
+              <a:buSzPct val="125000"/>
+              <a:buFont typeface="Arial" panose="020B0604020202020204" pitchFamily="34" charset="0"/>
+              <a:buChar char="•"/>
+              <a:defRPr sz="1600" kern="1200">
+                <a:solidFill>
+                  <a:schemeClr val="tx1"/>
+                </a:solidFill>
+                <a:latin typeface="+mn-lt"/>
+                <a:ea typeface="+mn-ea"/>
+                <a:cs typeface="+mn-cs"/>
+              </a:defRPr>
+            </a:lvl4pPr>
+            <a:lvl5pPr marL="2057400" indent="-228600" algn="l" defTabSz="914400" rtl="0" eaLnBrk="1" latinLnBrk="0" hangingPunct="1">
+              <a:lnSpc>
+                <a:spcPct val="120000"/>
+              </a:lnSpc>
+              <a:spcBef>
+                <a:spcPts val="500"/>
+              </a:spcBef>
+              <a:buSzPct val="125000"/>
+              <a:buFont typeface="Arial" panose="020B0604020202020204" pitchFamily="34" charset="0"/>
+              <a:buChar char="•"/>
+              <a:defRPr sz="1600" kern="1200">
+                <a:solidFill>
+                  <a:schemeClr val="tx1"/>
+                </a:solidFill>
+                <a:latin typeface="+mn-lt"/>
+                <a:ea typeface="+mn-ea"/>
+                <a:cs typeface="+mn-cs"/>
+              </a:defRPr>
+            </a:lvl5pPr>
+            <a:lvl6pPr marL="2514600" indent="-228600" algn="l" defTabSz="914400" rtl="0" eaLnBrk="1" latinLnBrk="0" hangingPunct="1">
+              <a:lnSpc>
+                <a:spcPct val="120000"/>
+              </a:lnSpc>
+              <a:spcBef>
+                <a:spcPts val="500"/>
+              </a:spcBef>
+              <a:buSzPct val="125000"/>
+              <a:buFont typeface="Arial" panose="020B0604020202020204" pitchFamily="34" charset="0"/>
+              <a:buChar char="•"/>
+              <a:defRPr sz="1400" kern="1200">
+                <a:solidFill>
+                  <a:schemeClr val="tx1"/>
+                </a:solidFill>
+                <a:latin typeface="+mn-lt"/>
+                <a:ea typeface="+mn-ea"/>
+                <a:cs typeface="+mn-cs"/>
+              </a:defRPr>
+            </a:lvl6pPr>
+            <a:lvl7pPr marL="2971800" indent="-228600" algn="l" defTabSz="914400" rtl="0" eaLnBrk="1" latinLnBrk="0" hangingPunct="1">
+              <a:lnSpc>
+                <a:spcPct val="120000"/>
+              </a:lnSpc>
+              <a:spcBef>
+                <a:spcPts val="500"/>
+              </a:spcBef>
+              <a:buSzPct val="125000"/>
+              <a:buFont typeface="Arial" panose="020B0604020202020204" pitchFamily="34" charset="0"/>
+              <a:buChar char="•"/>
+              <a:defRPr sz="1400" kern="1200">
+                <a:solidFill>
+                  <a:schemeClr val="tx1"/>
+                </a:solidFill>
+                <a:latin typeface="+mn-lt"/>
+                <a:ea typeface="+mn-ea"/>
+                <a:cs typeface="+mn-cs"/>
+              </a:defRPr>
+            </a:lvl7pPr>
+            <a:lvl8pPr marL="3429000" indent="-228600" algn="l" defTabSz="914400" rtl="0" eaLnBrk="1" latinLnBrk="0" hangingPunct="1">
+              <a:lnSpc>
+                <a:spcPct val="120000"/>
+              </a:lnSpc>
+              <a:spcBef>
+                <a:spcPts val="500"/>
+              </a:spcBef>
+              <a:buSzPct val="125000"/>
+              <a:buFont typeface="Arial" panose="020B0604020202020204" pitchFamily="34" charset="0"/>
+              <a:buChar char="•"/>
+              <a:defRPr sz="1400" kern="1200">
+                <a:solidFill>
+                  <a:schemeClr val="tx1"/>
+                </a:solidFill>
+                <a:latin typeface="+mn-lt"/>
+                <a:ea typeface="+mn-ea"/>
+                <a:cs typeface="+mn-cs"/>
+              </a:defRPr>
+            </a:lvl8pPr>
+            <a:lvl9pPr marL="3886200" indent="-228600" algn="l" defTabSz="914400" rtl="0" eaLnBrk="1" latinLnBrk="0" hangingPunct="1">
+              <a:lnSpc>
+                <a:spcPct val="120000"/>
+              </a:lnSpc>
+              <a:spcBef>
+                <a:spcPts val="500"/>
+              </a:spcBef>
+              <a:buSzPct val="125000"/>
+              <a:buFont typeface="Arial" panose="020B0604020202020204" pitchFamily="34" charset="0"/>
+              <a:buChar char="•"/>
+              <a:defRPr sz="1400" kern="1200">
+                <a:solidFill>
+                  <a:schemeClr val="tx1"/>
+                </a:solidFill>
+                <a:latin typeface="+mn-lt"/>
+                <a:ea typeface="+mn-ea"/>
+                <a:cs typeface="+mn-cs"/>
+              </a:defRPr>
+            </a:lvl9pPr>
+          </a:lstStyle>
+          <a:p>
+            <a:pPr marL="0" indent="0" algn="ctr">
+              <a:buNone/>
+            </a:pPr>
+            <a:r>
+              <a:rPr lang="en-US" sz="1800" b="1" i="1" u="sng" dirty="0"/>
+              <a:t>Overall Idea</a:t>
+            </a:r>
+            <a:r>
+              <a:rPr lang="en-US" sz="1800" dirty="0"/>
+              <a:t>: Draw nodes in a circle and number them 0 through n-1. Match each node with the one next to it (2 edges per node) and also to the one directly across from it (3</a:t>
+            </a:r>
+            <a:r>
+              <a:rPr lang="en-US" sz="1800" baseline="30000" dirty="0"/>
+              <a:t>rd</a:t>
+            </a:r>
+            <a:r>
+              <a:rPr lang="en-US" sz="1800" dirty="0"/>
+              <a:t> edge per node).</a:t>
+            </a:r>
+          </a:p>
+        </p:txBody>
+      </p:sp>
+      <p:grpSp>
+        <p:nvGrpSpPr>
+          <p:cNvPr id="38" name="Group 37">
+            <a:extLst>
+              <a:ext uri="{FF2B5EF4-FFF2-40B4-BE49-F238E27FC236}">
+                <a16:creationId xmlns:a16="http://schemas.microsoft.com/office/drawing/2014/main" id="{C1999D6F-D448-9849-A034-E1EF74160808}"/>
+              </a:ext>
+            </a:extLst>
+          </p:cNvPr>
+          <p:cNvGrpSpPr/>
+          <p:nvPr/>
+        </p:nvGrpSpPr>
+        <p:grpSpPr>
+          <a:xfrm>
+            <a:off x="4152524" y="3942044"/>
+            <a:ext cx="2952938" cy="2511582"/>
+            <a:chOff x="4152524" y="3942044"/>
+            <a:chExt cx="2952938" cy="2511582"/>
+          </a:xfrm>
+        </p:grpSpPr>
+        <p:sp>
+          <p:nvSpPr>
+            <p:cNvPr id="3" name="Oval 2">
+              <a:extLst>
+                <a:ext uri="{FF2B5EF4-FFF2-40B4-BE49-F238E27FC236}">
+                  <a16:creationId xmlns:a16="http://schemas.microsoft.com/office/drawing/2014/main" id="{6C4CC9D8-475F-674B-B283-E8D9D5AFF4B1}"/>
+                </a:ext>
+              </a:extLst>
+            </p:cNvPr>
+            <p:cNvSpPr/>
+            <p:nvPr/>
+          </p:nvSpPr>
+          <p:spPr>
+            <a:xfrm>
+              <a:off x="4759107" y="3942044"/>
+              <a:ext cx="606583" cy="606583"/>
+            </a:xfrm>
+            <a:prstGeom prst="ellipse">
+              <a:avLst/>
+            </a:prstGeom>
+          </p:spPr>
+          <p:style>
+            <a:lnRef idx="2">
+              <a:schemeClr val="accent1">
+                <a:shade val="50000"/>
+              </a:schemeClr>
+            </a:lnRef>
+            <a:fillRef idx="1">
+              <a:schemeClr val="accent1"/>
+            </a:fillRef>
+            <a:effectRef idx="0">
+              <a:schemeClr val="accent1"/>
+            </a:effectRef>
+            <a:fontRef idx="minor">
+              <a:schemeClr val="lt1"/>
+            </a:fontRef>
+          </p:style>
+          <p:txBody>
+            <a:bodyPr rtlCol="0" anchor="ctr"/>
+            <a:lstStyle/>
+            <a:p>
+              <a:pPr algn="ctr"/>
+              <a:r>
+                <a:rPr lang="en-US" dirty="0">
+                  <a:solidFill>
+                    <a:schemeClr val="bg1"/>
+                  </a:solidFill>
+                </a:rPr>
+                <a:t>1</a:t>
+              </a:r>
+            </a:p>
+          </p:txBody>
+        </p:sp>
+        <p:sp>
+          <p:nvSpPr>
+            <p:cNvPr id="7" name="Oval 6">
+              <a:extLst>
+                <a:ext uri="{FF2B5EF4-FFF2-40B4-BE49-F238E27FC236}">
+                  <a16:creationId xmlns:a16="http://schemas.microsoft.com/office/drawing/2014/main" id="{A162AE28-BDFF-AC42-986F-A178591C2AD1}"/>
+                </a:ext>
+              </a:extLst>
+            </p:cNvPr>
+            <p:cNvSpPr/>
+            <p:nvPr/>
+          </p:nvSpPr>
+          <p:spPr>
+            <a:xfrm>
+              <a:off x="4152524" y="4931529"/>
+              <a:ext cx="606583" cy="606583"/>
+            </a:xfrm>
+            <a:prstGeom prst="ellipse">
+              <a:avLst/>
+            </a:prstGeom>
+          </p:spPr>
+          <p:style>
+            <a:lnRef idx="2">
+              <a:schemeClr val="accent1">
+                <a:shade val="50000"/>
+              </a:schemeClr>
+            </a:lnRef>
+            <a:fillRef idx="1">
+              <a:schemeClr val="accent1"/>
+            </a:fillRef>
+            <a:effectRef idx="0">
+              <a:schemeClr val="accent1"/>
+            </a:effectRef>
+            <a:fontRef idx="minor">
+              <a:schemeClr val="lt1"/>
+            </a:fontRef>
+          </p:style>
+          <p:txBody>
+            <a:bodyPr rtlCol="0" anchor="ctr"/>
+            <a:lstStyle/>
+            <a:p>
+              <a:pPr algn="ctr"/>
+              <a:r>
+                <a:rPr lang="en-US" dirty="0">
+                  <a:solidFill>
+                    <a:schemeClr val="bg1"/>
+                  </a:solidFill>
+                </a:rPr>
+                <a:t>2</a:t>
+              </a:r>
+            </a:p>
+          </p:txBody>
+        </p:sp>
+        <p:sp>
+          <p:nvSpPr>
+            <p:cNvPr id="8" name="Oval 7">
+              <a:extLst>
+                <a:ext uri="{FF2B5EF4-FFF2-40B4-BE49-F238E27FC236}">
+                  <a16:creationId xmlns:a16="http://schemas.microsoft.com/office/drawing/2014/main" id="{C77108AD-B35E-0D4E-AC0C-3EEDF635D5AF}"/>
+                </a:ext>
+              </a:extLst>
+            </p:cNvPr>
+            <p:cNvSpPr/>
+            <p:nvPr/>
+          </p:nvSpPr>
+          <p:spPr>
+            <a:xfrm>
+              <a:off x="4759107" y="5847043"/>
+              <a:ext cx="606583" cy="606583"/>
+            </a:xfrm>
+            <a:prstGeom prst="ellipse">
+              <a:avLst/>
+            </a:prstGeom>
+          </p:spPr>
+          <p:style>
+            <a:lnRef idx="2">
+              <a:schemeClr val="accent1">
+                <a:shade val="50000"/>
+              </a:schemeClr>
+            </a:lnRef>
+            <a:fillRef idx="1">
+              <a:schemeClr val="accent1"/>
+            </a:fillRef>
+            <a:effectRef idx="0">
+              <a:schemeClr val="accent1"/>
+            </a:effectRef>
+            <a:fontRef idx="minor">
+              <a:schemeClr val="lt1"/>
+            </a:fontRef>
+          </p:style>
+          <p:txBody>
+            <a:bodyPr rtlCol="0" anchor="ctr"/>
+            <a:lstStyle/>
+            <a:p>
+              <a:pPr algn="ctr"/>
+              <a:r>
+                <a:rPr lang="en-US" dirty="0">
+                  <a:solidFill>
+                    <a:schemeClr val="bg1"/>
+                  </a:solidFill>
+                </a:rPr>
+                <a:t>3</a:t>
+              </a:r>
+            </a:p>
+          </p:txBody>
+        </p:sp>
+        <p:sp>
+          <p:nvSpPr>
+            <p:cNvPr id="9" name="Oval 8">
+              <a:extLst>
+                <a:ext uri="{FF2B5EF4-FFF2-40B4-BE49-F238E27FC236}">
+                  <a16:creationId xmlns:a16="http://schemas.microsoft.com/office/drawing/2014/main" id="{2DED58D7-7513-1B42-8672-7F4B66A7EC9E}"/>
+                </a:ext>
+              </a:extLst>
+            </p:cNvPr>
+            <p:cNvSpPr/>
+            <p:nvPr/>
+          </p:nvSpPr>
+          <p:spPr>
+            <a:xfrm>
+              <a:off x="5892296" y="5847042"/>
+              <a:ext cx="606583" cy="606583"/>
+            </a:xfrm>
+            <a:prstGeom prst="ellipse">
+              <a:avLst/>
+            </a:prstGeom>
+          </p:spPr>
+          <p:style>
+            <a:lnRef idx="2">
+              <a:schemeClr val="accent1">
+                <a:shade val="50000"/>
+              </a:schemeClr>
+            </a:lnRef>
+            <a:fillRef idx="1">
+              <a:schemeClr val="accent1"/>
+            </a:fillRef>
+            <a:effectRef idx="0">
+              <a:schemeClr val="accent1"/>
+            </a:effectRef>
+            <a:fontRef idx="minor">
+              <a:schemeClr val="lt1"/>
+            </a:fontRef>
+          </p:style>
+          <p:txBody>
+            <a:bodyPr rtlCol="0" anchor="ctr"/>
+            <a:lstStyle/>
+            <a:p>
+              <a:pPr algn="ctr"/>
+              <a:r>
+                <a:rPr lang="en-US" dirty="0">
+                  <a:solidFill>
+                    <a:schemeClr val="bg1"/>
+                  </a:solidFill>
+                </a:rPr>
+                <a:t>4</a:t>
+              </a:r>
+            </a:p>
+          </p:txBody>
+        </p:sp>
+        <p:sp>
+          <p:nvSpPr>
+            <p:cNvPr id="10" name="Oval 9">
+              <a:extLst>
+                <a:ext uri="{FF2B5EF4-FFF2-40B4-BE49-F238E27FC236}">
+                  <a16:creationId xmlns:a16="http://schemas.microsoft.com/office/drawing/2014/main" id="{DFA72453-24DC-4747-A092-323A937BEB2F}"/>
+                </a:ext>
+              </a:extLst>
+            </p:cNvPr>
+            <p:cNvSpPr/>
+            <p:nvPr/>
+          </p:nvSpPr>
+          <p:spPr>
+            <a:xfrm>
+              <a:off x="6498879" y="4931528"/>
+              <a:ext cx="606583" cy="606583"/>
+            </a:xfrm>
+            <a:prstGeom prst="ellipse">
+              <a:avLst/>
+            </a:prstGeom>
+          </p:spPr>
+          <p:style>
+            <a:lnRef idx="2">
+              <a:schemeClr val="accent1">
+                <a:shade val="50000"/>
+              </a:schemeClr>
+            </a:lnRef>
+            <a:fillRef idx="1">
+              <a:schemeClr val="accent1"/>
+            </a:fillRef>
+            <a:effectRef idx="0">
+              <a:schemeClr val="accent1"/>
+            </a:effectRef>
+            <a:fontRef idx="minor">
+              <a:schemeClr val="lt1"/>
+            </a:fontRef>
+          </p:style>
+          <p:txBody>
+            <a:bodyPr rtlCol="0" anchor="ctr"/>
+            <a:lstStyle/>
+            <a:p>
+              <a:pPr algn="ctr"/>
+              <a:r>
+                <a:rPr lang="en-US" dirty="0">
+                  <a:solidFill>
+                    <a:schemeClr val="bg1"/>
+                  </a:solidFill>
+                </a:rPr>
+                <a:t>5</a:t>
+              </a:r>
+            </a:p>
+          </p:txBody>
+        </p:sp>
+        <p:sp>
+          <p:nvSpPr>
+            <p:cNvPr id="11" name="Oval 10">
+              <a:extLst>
+                <a:ext uri="{FF2B5EF4-FFF2-40B4-BE49-F238E27FC236}">
+                  <a16:creationId xmlns:a16="http://schemas.microsoft.com/office/drawing/2014/main" id="{9F4A18D0-0858-4747-965F-A575DD2F922D}"/>
+                </a:ext>
+              </a:extLst>
+            </p:cNvPr>
+            <p:cNvSpPr/>
+            <p:nvPr/>
+          </p:nvSpPr>
+          <p:spPr>
+            <a:xfrm>
+              <a:off x="5892296" y="3942044"/>
+              <a:ext cx="606583" cy="606583"/>
+            </a:xfrm>
+            <a:prstGeom prst="ellipse">
+              <a:avLst/>
+            </a:prstGeom>
+          </p:spPr>
+          <p:style>
+            <a:lnRef idx="2">
+              <a:schemeClr val="accent1">
+                <a:shade val="50000"/>
+              </a:schemeClr>
+            </a:lnRef>
+            <a:fillRef idx="1">
+              <a:schemeClr val="accent1"/>
+            </a:fillRef>
+            <a:effectRef idx="0">
+              <a:schemeClr val="accent1"/>
+            </a:effectRef>
+            <a:fontRef idx="minor">
+              <a:schemeClr val="lt1"/>
+            </a:fontRef>
+          </p:style>
+          <p:txBody>
+            <a:bodyPr rtlCol="0" anchor="ctr"/>
+            <a:lstStyle/>
+            <a:p>
+              <a:pPr algn="ctr"/>
+              <a:r>
+                <a:rPr lang="en-US" dirty="0">
+                  <a:solidFill>
+                    <a:schemeClr val="bg1"/>
+                  </a:solidFill>
+                </a:rPr>
+                <a:t>0</a:t>
+              </a:r>
+            </a:p>
+          </p:txBody>
+        </p:sp>
+        <p:cxnSp>
+          <p:nvCxnSpPr>
+            <p:cNvPr id="13" name="Straight Connector 12">
+              <a:extLst>
+                <a:ext uri="{FF2B5EF4-FFF2-40B4-BE49-F238E27FC236}">
+                  <a16:creationId xmlns:a16="http://schemas.microsoft.com/office/drawing/2014/main" id="{CD6051F5-92C1-7949-B224-E96A04C83091}"/>
+                </a:ext>
+              </a:extLst>
+            </p:cNvPr>
+            <p:cNvCxnSpPr>
+              <a:stCxn id="3" idx="3"/>
+              <a:endCxn id="7" idx="0"/>
+            </p:cNvCxnSpPr>
+            <p:nvPr/>
+          </p:nvCxnSpPr>
+          <p:spPr>
+            <a:xfrm flipH="1">
+              <a:off x="4455816" y="4459795"/>
+              <a:ext cx="392123" cy="471734"/>
+            </a:xfrm>
+            <a:prstGeom prst="line">
+              <a:avLst/>
+            </a:prstGeom>
+          </p:spPr>
+          <p:style>
+            <a:lnRef idx="1">
+              <a:schemeClr val="accent1"/>
+            </a:lnRef>
+            <a:fillRef idx="0">
+              <a:schemeClr val="accent1"/>
+            </a:fillRef>
+            <a:effectRef idx="0">
+              <a:schemeClr val="accent1"/>
+            </a:effectRef>
+            <a:fontRef idx="minor">
+              <a:schemeClr val="tx1"/>
+            </a:fontRef>
+          </p:style>
+        </p:cxnSp>
+        <p:cxnSp>
+          <p:nvCxnSpPr>
+            <p:cNvPr id="14" name="Straight Connector 13">
+              <a:extLst>
+                <a:ext uri="{FF2B5EF4-FFF2-40B4-BE49-F238E27FC236}">
+                  <a16:creationId xmlns:a16="http://schemas.microsoft.com/office/drawing/2014/main" id="{68848422-6089-C744-A566-6F6A91B667AA}"/>
+                </a:ext>
+              </a:extLst>
+            </p:cNvPr>
+            <p:cNvCxnSpPr>
+              <a:cxnSpLocks/>
+              <a:stCxn id="8" idx="1"/>
+              <a:endCxn id="7" idx="4"/>
+            </p:cNvCxnSpPr>
+            <p:nvPr/>
+          </p:nvCxnSpPr>
+          <p:spPr>
+            <a:xfrm flipH="1" flipV="1">
+              <a:off x="4455816" y="5538112"/>
+              <a:ext cx="392123" cy="397763"/>
+            </a:xfrm>
+            <a:prstGeom prst="line">
+              <a:avLst/>
+            </a:prstGeom>
+          </p:spPr>
+          <p:style>
+            <a:lnRef idx="1">
+              <a:schemeClr val="accent1"/>
+            </a:lnRef>
+            <a:fillRef idx="0">
+              <a:schemeClr val="accent1"/>
+            </a:fillRef>
+            <a:effectRef idx="0">
+              <a:schemeClr val="accent1"/>
+            </a:effectRef>
+            <a:fontRef idx="minor">
+              <a:schemeClr val="tx1"/>
+            </a:fontRef>
+          </p:style>
+        </p:cxnSp>
+        <p:cxnSp>
+          <p:nvCxnSpPr>
+            <p:cNvPr id="17" name="Straight Connector 16">
+              <a:extLst>
+                <a:ext uri="{FF2B5EF4-FFF2-40B4-BE49-F238E27FC236}">
+                  <a16:creationId xmlns:a16="http://schemas.microsoft.com/office/drawing/2014/main" id="{D44519D9-5564-024E-AFD0-23A315D4444D}"/>
+                </a:ext>
+              </a:extLst>
+            </p:cNvPr>
+            <p:cNvCxnSpPr>
+              <a:cxnSpLocks/>
+              <a:stCxn id="9" idx="2"/>
+              <a:endCxn id="8" idx="6"/>
+            </p:cNvCxnSpPr>
+            <p:nvPr/>
+          </p:nvCxnSpPr>
+          <p:spPr>
+            <a:xfrm flipH="1">
+              <a:off x="5365690" y="6150334"/>
+              <a:ext cx="526606" cy="1"/>
+            </a:xfrm>
+            <a:prstGeom prst="line">
+              <a:avLst/>
+            </a:prstGeom>
+          </p:spPr>
+          <p:style>
+            <a:lnRef idx="1">
+              <a:schemeClr val="accent1"/>
+            </a:lnRef>
+            <a:fillRef idx="0">
+              <a:schemeClr val="accent1"/>
+            </a:fillRef>
+            <a:effectRef idx="0">
+              <a:schemeClr val="accent1"/>
+            </a:effectRef>
+            <a:fontRef idx="minor">
+              <a:schemeClr val="tx1"/>
+            </a:fontRef>
+          </p:style>
+        </p:cxnSp>
+        <p:cxnSp>
+          <p:nvCxnSpPr>
+            <p:cNvPr id="20" name="Straight Connector 19">
+              <a:extLst>
+                <a:ext uri="{FF2B5EF4-FFF2-40B4-BE49-F238E27FC236}">
+                  <a16:creationId xmlns:a16="http://schemas.microsoft.com/office/drawing/2014/main" id="{FB6B14F7-9F43-354D-AAA6-0B55FD7647E7}"/>
+                </a:ext>
+              </a:extLst>
+            </p:cNvPr>
+            <p:cNvCxnSpPr>
+              <a:cxnSpLocks/>
+              <a:stCxn id="9" idx="7"/>
+              <a:endCxn id="10" idx="4"/>
+            </p:cNvCxnSpPr>
+            <p:nvPr/>
+          </p:nvCxnSpPr>
+          <p:spPr>
+            <a:xfrm flipV="1">
+              <a:off x="6410047" y="5538111"/>
+              <a:ext cx="392124" cy="397763"/>
+            </a:xfrm>
+            <a:prstGeom prst="line">
+              <a:avLst/>
+            </a:prstGeom>
+          </p:spPr>
+          <p:style>
+            <a:lnRef idx="1">
+              <a:schemeClr val="accent1"/>
+            </a:lnRef>
+            <a:fillRef idx="0">
+              <a:schemeClr val="accent1"/>
+            </a:fillRef>
+            <a:effectRef idx="0">
+              <a:schemeClr val="accent1"/>
+            </a:effectRef>
+            <a:fontRef idx="minor">
+              <a:schemeClr val="tx1"/>
+            </a:fontRef>
+          </p:style>
+        </p:cxnSp>
+        <p:cxnSp>
+          <p:nvCxnSpPr>
+            <p:cNvPr id="23" name="Straight Connector 22">
+              <a:extLst>
+                <a:ext uri="{FF2B5EF4-FFF2-40B4-BE49-F238E27FC236}">
+                  <a16:creationId xmlns:a16="http://schemas.microsoft.com/office/drawing/2014/main" id="{C14BC57E-AC46-0348-9AB4-02A61524F39E}"/>
+                </a:ext>
+              </a:extLst>
+            </p:cNvPr>
+            <p:cNvCxnSpPr>
+              <a:cxnSpLocks/>
+              <a:stCxn id="10" idx="0"/>
+              <a:endCxn id="11" idx="5"/>
+            </p:cNvCxnSpPr>
+            <p:nvPr/>
+          </p:nvCxnSpPr>
+          <p:spPr>
+            <a:xfrm flipH="1" flipV="1">
+              <a:off x="6410047" y="4459795"/>
+              <a:ext cx="392124" cy="471733"/>
+            </a:xfrm>
+            <a:prstGeom prst="line">
+              <a:avLst/>
+            </a:prstGeom>
+          </p:spPr>
+          <p:style>
+            <a:lnRef idx="1">
+              <a:schemeClr val="accent1"/>
+            </a:lnRef>
+            <a:fillRef idx="0">
+              <a:schemeClr val="accent1"/>
+            </a:fillRef>
+            <a:effectRef idx="0">
+              <a:schemeClr val="accent1"/>
+            </a:effectRef>
+            <a:fontRef idx="minor">
+              <a:schemeClr val="tx1"/>
+            </a:fontRef>
+          </p:style>
+        </p:cxnSp>
+        <p:cxnSp>
+          <p:nvCxnSpPr>
+            <p:cNvPr id="26" name="Straight Connector 25">
+              <a:extLst>
+                <a:ext uri="{FF2B5EF4-FFF2-40B4-BE49-F238E27FC236}">
+                  <a16:creationId xmlns:a16="http://schemas.microsoft.com/office/drawing/2014/main" id="{8DB0C5D5-55B8-D44D-A31B-8471F1D64B85}"/>
+                </a:ext>
+              </a:extLst>
+            </p:cNvPr>
+            <p:cNvCxnSpPr>
+              <a:cxnSpLocks/>
+              <a:stCxn id="11" idx="2"/>
+              <a:endCxn id="3" idx="6"/>
+            </p:cNvCxnSpPr>
+            <p:nvPr/>
+          </p:nvCxnSpPr>
+          <p:spPr>
+            <a:xfrm flipH="1">
+              <a:off x="5365690" y="4245336"/>
+              <a:ext cx="526606" cy="0"/>
+            </a:xfrm>
+            <a:prstGeom prst="line">
+              <a:avLst/>
+            </a:prstGeom>
+          </p:spPr>
+          <p:style>
+            <a:lnRef idx="1">
+              <a:schemeClr val="accent1"/>
+            </a:lnRef>
+            <a:fillRef idx="0">
+              <a:schemeClr val="accent1"/>
+            </a:fillRef>
+            <a:effectRef idx="0">
+              <a:schemeClr val="accent1"/>
+            </a:effectRef>
+            <a:fontRef idx="minor">
+              <a:schemeClr val="tx1"/>
+            </a:fontRef>
+          </p:style>
+        </p:cxnSp>
+        <p:cxnSp>
+          <p:nvCxnSpPr>
+            <p:cNvPr id="29" name="Straight Connector 28">
+              <a:extLst>
+                <a:ext uri="{FF2B5EF4-FFF2-40B4-BE49-F238E27FC236}">
+                  <a16:creationId xmlns:a16="http://schemas.microsoft.com/office/drawing/2014/main" id="{1A866215-9F10-4247-B662-9C23D1DB1959}"/>
+                </a:ext>
+              </a:extLst>
+            </p:cNvPr>
+            <p:cNvCxnSpPr>
+              <a:cxnSpLocks/>
+              <a:stCxn id="3" idx="5"/>
+              <a:endCxn id="9" idx="1"/>
+            </p:cNvCxnSpPr>
+            <p:nvPr/>
+          </p:nvCxnSpPr>
+          <p:spPr>
+            <a:xfrm>
+              <a:off x="5276858" y="4459795"/>
+              <a:ext cx="704270" cy="1476079"/>
+            </a:xfrm>
+            <a:prstGeom prst="line">
+              <a:avLst/>
+            </a:prstGeom>
+          </p:spPr>
+          <p:style>
+            <a:lnRef idx="1">
+              <a:schemeClr val="accent1"/>
+            </a:lnRef>
+            <a:fillRef idx="0">
+              <a:schemeClr val="accent1"/>
+            </a:fillRef>
+            <a:effectRef idx="0">
+              <a:schemeClr val="accent1"/>
+            </a:effectRef>
+            <a:fontRef idx="minor">
+              <a:schemeClr val="tx1"/>
+            </a:fontRef>
+          </p:style>
+        </p:cxnSp>
+        <p:cxnSp>
+          <p:nvCxnSpPr>
+            <p:cNvPr id="32" name="Straight Connector 31">
+              <a:extLst>
+                <a:ext uri="{FF2B5EF4-FFF2-40B4-BE49-F238E27FC236}">
+                  <a16:creationId xmlns:a16="http://schemas.microsoft.com/office/drawing/2014/main" id="{989E1E86-E122-6D46-AC77-D8889E872D87}"/>
+                </a:ext>
+              </a:extLst>
+            </p:cNvPr>
+            <p:cNvCxnSpPr>
+              <a:cxnSpLocks/>
+              <a:stCxn id="10" idx="2"/>
+              <a:endCxn id="7" idx="6"/>
+            </p:cNvCxnSpPr>
+            <p:nvPr/>
+          </p:nvCxnSpPr>
+          <p:spPr>
+            <a:xfrm flipH="1">
+              <a:off x="4759107" y="5234820"/>
+              <a:ext cx="1739772" cy="1"/>
+            </a:xfrm>
+            <a:prstGeom prst="line">
+              <a:avLst/>
+            </a:prstGeom>
+          </p:spPr>
+          <p:style>
+            <a:lnRef idx="1">
+              <a:schemeClr val="accent1"/>
+            </a:lnRef>
+            <a:fillRef idx="0">
+              <a:schemeClr val="accent1"/>
+            </a:fillRef>
+            <a:effectRef idx="0">
+              <a:schemeClr val="accent1"/>
+            </a:effectRef>
+            <a:fontRef idx="minor">
+              <a:schemeClr val="tx1"/>
+            </a:fontRef>
+          </p:style>
+        </p:cxnSp>
+        <p:cxnSp>
+          <p:nvCxnSpPr>
+            <p:cNvPr id="35" name="Straight Connector 34">
+              <a:extLst>
+                <a:ext uri="{FF2B5EF4-FFF2-40B4-BE49-F238E27FC236}">
+                  <a16:creationId xmlns:a16="http://schemas.microsoft.com/office/drawing/2014/main" id="{E9BE6DBA-1551-AA44-8A6E-9ADB5188D912}"/>
+                </a:ext>
+              </a:extLst>
+            </p:cNvPr>
+            <p:cNvCxnSpPr>
+              <a:cxnSpLocks/>
+              <a:stCxn id="11" idx="3"/>
+              <a:endCxn id="8" idx="0"/>
+            </p:cNvCxnSpPr>
+            <p:nvPr/>
+          </p:nvCxnSpPr>
+          <p:spPr>
+            <a:xfrm flipH="1">
+              <a:off x="5062399" y="4459795"/>
+              <a:ext cx="918729" cy="1387248"/>
+            </a:xfrm>
+            <a:prstGeom prst="line">
+              <a:avLst/>
+            </a:prstGeom>
+          </p:spPr>
+          <p:style>
+            <a:lnRef idx="1">
+              <a:schemeClr val="accent1"/>
+            </a:lnRef>
+            <a:fillRef idx="0">
+              <a:schemeClr val="accent1"/>
+            </a:fillRef>
+            <a:effectRef idx="0">
+              <a:schemeClr val="accent1"/>
+            </a:effectRef>
+            <a:fontRef idx="minor">
+              <a:schemeClr val="tx1"/>
+            </a:fontRef>
+          </p:style>
+        </p:cxnSp>
+      </p:grpSp>
+    </p:spTree>
+    <p:extLst>
+      <p:ext uri="{BB962C8B-B14F-4D97-AF65-F5344CB8AC3E}">
+        <p14:creationId xmlns:p14="http://schemas.microsoft.com/office/powerpoint/2010/main" val="468013077"/>
+      </p:ext>
+    </p:extLst>
+  </p:cSld>
+  <p:clrMapOvr>
+    <a:masterClrMapping/>
+  </p:clrMapOvr>
+</p:sld>
+</file>
+
+<file path=ppt/slides/slide13.xml><?xml version="1.0" encoding="utf-8"?>
+<p:sld xmlns:a="http://schemas.openxmlformats.org/drawingml/2006/main" xmlns:r="http://schemas.openxmlformats.org/officeDocument/2006/relationships" xmlns:p="http://schemas.openxmlformats.org/presentationml/2006/main">
+  <p:cSld>
+    <p:spTree>
+      <p:nvGrpSpPr>
+        <p:cNvPr id="1" name=""/>
+        <p:cNvGrpSpPr/>
+        <p:nvPr/>
+      </p:nvGrpSpPr>
+      <p:grpSpPr>
+        <a:xfrm>
+          <a:off x="0" y="0"/>
+          <a:ext cx="0" cy="0"/>
+          <a:chOff x="0" y="0"/>
+          <a:chExt cx="0" cy="0"/>
+        </a:xfrm>
+      </p:grpSpPr>
+      <p:sp>
+        <p:nvSpPr>
+          <p:cNvPr id="2" name="Title 1">
+            <a:extLst>
+              <a:ext uri="{FF2B5EF4-FFF2-40B4-BE49-F238E27FC236}">
+                <a16:creationId xmlns:a16="http://schemas.microsoft.com/office/drawing/2014/main" id="{E0D39D60-0F42-4EA0-9F70-85B79837417C}"/>
+              </a:ext>
+            </a:extLst>
+          </p:cNvPr>
+          <p:cNvSpPr>
+            <a:spLocks noGrp="1"/>
+          </p:cNvSpPr>
+          <p:nvPr>
+            <p:ph type="title"/>
+          </p:nvPr>
+        </p:nvSpPr>
+        <p:spPr>
+          <a:xfrm>
+            <a:off x="1141413" y="407503"/>
+            <a:ext cx="9905998" cy="876174"/>
+          </a:xfrm>
+        </p:spPr>
+        <p:txBody>
+          <a:bodyPr/>
+          <a:lstStyle/>
+          <a:p>
+            <a:pPr algn="ctr"/>
+            <a:r>
+              <a:rPr lang="en-US" dirty="0"/>
+              <a:t>Proof By Construction</a:t>
+            </a:r>
+          </a:p>
+        </p:txBody>
+      </p:sp>
+      <p:sp>
+        <p:nvSpPr>
+          <p:cNvPr id="4" name="Slide Number Placeholder 3">
+            <a:extLst>
+              <a:ext uri="{FF2B5EF4-FFF2-40B4-BE49-F238E27FC236}">
+                <a16:creationId xmlns:a16="http://schemas.microsoft.com/office/drawing/2014/main" id="{53A30E12-D6E0-4606-A57D-04BF529F1B03}"/>
+              </a:ext>
+            </a:extLst>
+          </p:cNvPr>
+          <p:cNvSpPr>
+            <a:spLocks noGrp="1"/>
+          </p:cNvSpPr>
+          <p:nvPr>
+            <p:ph type="sldNum" sz="quarter" idx="12"/>
+          </p:nvPr>
+        </p:nvSpPr>
+        <p:spPr/>
+        <p:txBody>
+          <a:bodyPr/>
+          <a:lstStyle/>
+          <a:p>
+            <a:fld id="{9BB9F8D7-E2A3-4222-BD86-A63794DF33E7}" type="slidenum">
+              <a:rPr lang="en-US" smtClean="0"/>
+              <a:t>13</a:t>
             </a:fld>
             <a:endParaRPr lang="en-US"/>
           </a:p>
@@ -14858,7 +16278,66 @@
 </p:sld>
 </file>
 
-<file path=ppt/slides/slide12.xml><?xml version="1.0" encoding="utf-8"?>
+<file path=ppt/slides/slide14.xml><?xml version="1.0" encoding="utf-8"?>
+<p:sld xmlns:a="http://schemas.openxmlformats.org/drawingml/2006/main" xmlns:r="http://schemas.openxmlformats.org/officeDocument/2006/relationships" xmlns:p="http://schemas.openxmlformats.org/presentationml/2006/main">
+  <p:cSld>
+    <p:spTree>
+      <p:nvGrpSpPr>
+        <p:cNvPr id="1" name=""/>
+        <p:cNvGrpSpPr/>
+        <p:nvPr/>
+      </p:nvGrpSpPr>
+      <p:grpSpPr>
+        <a:xfrm>
+          <a:off x="0" y="0"/>
+          <a:ext cx="0" cy="0"/>
+          <a:chOff x="0" y="0"/>
+          <a:chExt cx="0" cy="0"/>
+        </a:xfrm>
+      </p:grpSpPr>
+      <p:sp>
+        <p:nvSpPr>
+          <p:cNvPr id="2" name="Title 1">
+            <a:extLst>
+              <a:ext uri="{FF2B5EF4-FFF2-40B4-BE49-F238E27FC236}">
+                <a16:creationId xmlns:a16="http://schemas.microsoft.com/office/drawing/2014/main" id="{87719C56-21DC-0A40-AA49-9AF4AF4C92DA}"/>
+              </a:ext>
+            </a:extLst>
+          </p:cNvPr>
+          <p:cNvSpPr>
+            <a:spLocks noGrp="1"/>
+          </p:cNvSpPr>
+          <p:nvPr>
+            <p:ph type="title"/>
+          </p:nvPr>
+        </p:nvSpPr>
+        <p:spPr/>
+        <p:txBody>
+          <a:bodyPr/>
+          <a:lstStyle/>
+          <a:p>
+            <a:pPr algn="ctr"/>
+            <a:r>
+              <a:rPr lang="en-US" dirty="0"/>
+              <a:t>Direct Proof</a:t>
+            </a:r>
+          </a:p>
+        </p:txBody>
+      </p:sp>
+    </p:spTree>
+    <p:extLst>
+      <p:ext uri="{BB962C8B-B14F-4D97-AF65-F5344CB8AC3E}">
+        <p14:creationId xmlns:p14="http://schemas.microsoft.com/office/powerpoint/2010/main" val="3911881020"/>
+      </p:ext>
+    </p:extLst>
+  </p:cSld>
+  <p:clrMapOvr>
+    <a:masterClrMapping/>
+  </p:clrMapOvr>
+</p:sld>
+</file>
+
+<file path=ppt/slides/slide15.xml><?xml version="1.0" encoding="utf-8"?>
 <p:sld xmlns:a="http://schemas.openxmlformats.org/drawingml/2006/main" xmlns:r="http://schemas.openxmlformats.org/officeDocument/2006/relationships" xmlns:p="http://schemas.openxmlformats.org/presentationml/2006/main">
   <p:cSld>
     <p:spTree>
@@ -14932,7 +16411,7 @@
           <a:p>
             <a:fld id="{9BB9F8D7-E2A3-4222-BD86-A63794DF33E7}" type="slidenum">
               <a:rPr lang="en-US" smtClean="0"/>
-              <a:t>12</a:t>
+              <a:t>15</a:t>
             </a:fld>
             <a:endParaRPr lang="en-US"/>
           </a:p>
@@ -15638,7 +17117,7 @@
 </p:sld>
 </file>
 
-<file path=ppt/slides/slide13.xml><?xml version="1.0" encoding="utf-8"?>
+<file path=ppt/slides/slide16.xml><?xml version="1.0" encoding="utf-8"?>
 <p:sld xmlns:a="http://schemas.openxmlformats.org/drawingml/2006/main" xmlns:r="http://schemas.openxmlformats.org/officeDocument/2006/relationships" xmlns:p="http://schemas.openxmlformats.org/presentationml/2006/main">
   <p:cSld>
     <p:spTree>
@@ -15775,7 +17254,7 @@
           <a:p>
             <a:fld id="{9BB9F8D7-E2A3-4222-BD86-A63794DF33E7}" type="slidenum">
               <a:rPr lang="en-US" smtClean="0"/>
-              <a:t>13</a:t>
+              <a:t>16</a:t>
             </a:fld>
             <a:endParaRPr lang="en-US"/>
           </a:p>
@@ -15794,7 +17273,7 @@
 </p:sld>
 </file>
 
-<file path=ppt/slides/slide14.xml><?xml version="1.0" encoding="utf-8"?>
+<file path=ppt/slides/slide17.xml><?xml version="1.0" encoding="utf-8"?>
 <p:sld xmlns:a="http://schemas.openxmlformats.org/drawingml/2006/main" xmlns:r="http://schemas.openxmlformats.org/officeDocument/2006/relationships" xmlns:p="http://schemas.openxmlformats.org/presentationml/2006/main">
   <p:cSld>
     <p:spTree>
@@ -15906,7 +17385,7 @@
           <a:p>
             <a:fld id="{9BB9F8D7-E2A3-4222-BD86-A63794DF33E7}" type="slidenum">
               <a:rPr lang="en-US" smtClean="0"/>
-              <a:t>14</a:t>
+              <a:t>17</a:t>
             </a:fld>
             <a:endParaRPr lang="en-US"/>
           </a:p>
@@ -16204,7 +17683,7 @@
 </p:sld>
 </file>
 
-<file path=ppt/slides/slide15.xml><?xml version="1.0" encoding="utf-8"?>
+<file path=ppt/slides/slide18.xml><?xml version="1.0" encoding="utf-8"?>
 <p:sld xmlns:a="http://schemas.openxmlformats.org/drawingml/2006/main" xmlns:r="http://schemas.openxmlformats.org/officeDocument/2006/relationships" xmlns:p="http://schemas.openxmlformats.org/presentationml/2006/main">
   <p:cSld>
     <p:spTree>
@@ -16316,7 +17795,7 @@
           <a:p>
             <a:fld id="{9BB9F8D7-E2A3-4222-BD86-A63794DF33E7}" type="slidenum">
               <a:rPr lang="en-US" smtClean="0"/>
-              <a:t>15</a:t>
+              <a:t>18</a:t>
             </a:fld>
             <a:endParaRPr lang="en-US"/>
           </a:p>
@@ -16861,7 +18340,7 @@
 </p:sld>
 </file>
 
-<file path=ppt/slides/slide16.xml><?xml version="1.0" encoding="utf-8"?>
+<file path=ppt/slides/slide19.xml><?xml version="1.0" encoding="utf-8"?>
 <p:sld xmlns:a="http://schemas.openxmlformats.org/drawingml/2006/main" xmlns:r="http://schemas.openxmlformats.org/officeDocument/2006/relationships" xmlns:p="http://schemas.openxmlformats.org/presentationml/2006/main">
   <p:cSld>
     <p:spTree>
@@ -16973,7 +18452,7 @@
           <a:p>
             <a:fld id="{9BB9F8D7-E2A3-4222-BD86-A63794DF33E7}" type="slidenum">
               <a:rPr lang="en-US" smtClean="0"/>
-              <a:t>16</a:t>
+              <a:t>19</a:t>
             </a:fld>
             <a:endParaRPr lang="en-US"/>
           </a:p>
@@ -17271,7 +18750,369 @@
 </p:sld>
 </file>
 
-<file path=ppt/slides/slide17.xml><?xml version="1.0" encoding="utf-8"?>
+<file path=ppt/slides/slide2.xml><?xml version="1.0" encoding="utf-8"?>
+<p:sld xmlns:a="http://schemas.openxmlformats.org/drawingml/2006/main" xmlns:r="http://schemas.openxmlformats.org/officeDocument/2006/relationships" xmlns:p="http://schemas.openxmlformats.org/presentationml/2006/main">
+  <p:cSld>
+    <p:spTree>
+      <p:nvGrpSpPr>
+        <p:cNvPr id="1" name=""/>
+        <p:cNvGrpSpPr/>
+        <p:nvPr/>
+      </p:nvGrpSpPr>
+      <p:grpSpPr>
+        <a:xfrm>
+          <a:off x="0" y="0"/>
+          <a:ext cx="0" cy="0"/>
+          <a:chOff x="0" y="0"/>
+          <a:chExt cx="0" cy="0"/>
+        </a:xfrm>
+      </p:grpSpPr>
+      <p:sp>
+        <p:nvSpPr>
+          <p:cNvPr id="2" name="Title 1">
+            <a:extLst>
+              <a:ext uri="{FF2B5EF4-FFF2-40B4-BE49-F238E27FC236}">
+                <a16:creationId xmlns:a16="http://schemas.microsoft.com/office/drawing/2014/main" id="{D63C04CD-2329-4D47-84D9-12CB3EDD9F46}"/>
+              </a:ext>
+            </a:extLst>
+          </p:cNvPr>
+          <p:cNvSpPr>
+            <a:spLocks noGrp="1"/>
+          </p:cNvSpPr>
+          <p:nvPr>
+            <p:ph type="title"/>
+          </p:nvPr>
+        </p:nvSpPr>
+        <p:spPr>
+          <a:xfrm>
+            <a:off x="1141413" y="125537"/>
+            <a:ext cx="9905998" cy="860425"/>
+          </a:xfrm>
+        </p:spPr>
+        <p:txBody>
+          <a:bodyPr/>
+          <a:lstStyle/>
+          <a:p>
+            <a:pPr algn="ctr"/>
+            <a:r>
+              <a:rPr lang="en-US" dirty="0"/>
+              <a:t>Goals!</a:t>
+            </a:r>
+          </a:p>
+        </p:txBody>
+      </p:sp>
+      <p:sp>
+        <p:nvSpPr>
+          <p:cNvPr id="3" name="Content Placeholder 2">
+            <a:extLst>
+              <a:ext uri="{FF2B5EF4-FFF2-40B4-BE49-F238E27FC236}">
+                <a16:creationId xmlns:a16="http://schemas.microsoft.com/office/drawing/2014/main" id="{14278F5F-F936-6145-9FF8-704886F1A386}"/>
+              </a:ext>
+            </a:extLst>
+          </p:cNvPr>
+          <p:cNvSpPr>
+            <a:spLocks noGrp="1"/>
+          </p:cNvSpPr>
+          <p:nvPr>
+            <p:ph idx="1"/>
+          </p:nvPr>
+        </p:nvSpPr>
+        <p:spPr>
+          <a:xfrm>
+            <a:off x="1141412" y="2176061"/>
+            <a:ext cx="9905999" cy="1089328"/>
+          </a:xfrm>
+          <a:solidFill>
+            <a:schemeClr val="tx1">
+              <a:lumMod val="95000"/>
+            </a:schemeClr>
+          </a:solidFill>
+        </p:spPr>
+        <p:txBody>
+          <a:bodyPr/>
+          <a:lstStyle/>
+          <a:p>
+            <a:pPr marL="0" indent="0">
+              <a:buNone/>
+            </a:pPr>
+            <a:r>
+              <a:rPr lang="en-US" dirty="0">
+                <a:solidFill>
+                  <a:schemeClr val="bg1"/>
+                </a:solidFill>
+              </a:rPr>
+              <a:t>1. Why do we need </a:t>
+            </a:r>
+            <a:r>
+              <a:rPr lang="en-US" b="1" i="1" u="sng" dirty="0">
+                <a:solidFill>
+                  <a:schemeClr val="bg1"/>
+                </a:solidFill>
+              </a:rPr>
+              <a:t>proofs</a:t>
+            </a:r>
+            <a:r>
+              <a:rPr lang="en-US" dirty="0">
+                <a:solidFill>
+                  <a:schemeClr val="bg1"/>
+                </a:solidFill>
+              </a:rPr>
+              <a:t> for theory of computation? Do we HAVE to do it?</a:t>
+            </a:r>
+          </a:p>
+        </p:txBody>
+      </p:sp>
+      <p:sp>
+        <p:nvSpPr>
+          <p:cNvPr id="4" name="Content Placeholder 2">
+            <a:extLst>
+              <a:ext uri="{FF2B5EF4-FFF2-40B4-BE49-F238E27FC236}">
+                <a16:creationId xmlns:a16="http://schemas.microsoft.com/office/drawing/2014/main" id="{C3CBD30C-EB51-C249-A8FC-E343315276A6}"/>
+              </a:ext>
+            </a:extLst>
+          </p:cNvPr>
+          <p:cNvSpPr txBox="1">
+            <a:spLocks/>
+          </p:cNvSpPr>
+          <p:nvPr/>
+        </p:nvSpPr>
+        <p:spPr>
+          <a:xfrm>
+            <a:off x="1141412" y="3465498"/>
+            <a:ext cx="9905999" cy="1089328"/>
+          </a:xfrm>
+          <a:prstGeom prst="rect">
+            <a:avLst/>
+          </a:prstGeom>
+          <a:solidFill>
+            <a:schemeClr val="tx1">
+              <a:lumMod val="95000"/>
+            </a:schemeClr>
+          </a:solidFill>
+        </p:spPr>
+        <p:txBody>
+          <a:bodyPr vert="horz" lIns="91440" tIns="45720" rIns="91440" bIns="45720" rtlCol="0">
+            <a:normAutofit/>
+          </a:bodyPr>
+          <a:lstStyle>
+            <a:lvl1pPr marL="228600" indent="-228600" algn="l" defTabSz="914400" rtl="0" eaLnBrk="1" latinLnBrk="0" hangingPunct="1">
+              <a:lnSpc>
+                <a:spcPct val="120000"/>
+              </a:lnSpc>
+              <a:spcBef>
+                <a:spcPts val="1000"/>
+              </a:spcBef>
+              <a:buSzPct val="125000"/>
+              <a:buFont typeface="Arial" panose="020B0604020202020204" pitchFamily="34" charset="0"/>
+              <a:buChar char="•"/>
+              <a:defRPr sz="2400" kern="1200">
+                <a:solidFill>
+                  <a:schemeClr val="tx1"/>
+                </a:solidFill>
+                <a:latin typeface="+mn-lt"/>
+                <a:ea typeface="+mn-ea"/>
+                <a:cs typeface="+mn-cs"/>
+              </a:defRPr>
+            </a:lvl1pPr>
+            <a:lvl2pPr marL="685800" indent="-228600" algn="l" defTabSz="914400" rtl="0" eaLnBrk="1" latinLnBrk="0" hangingPunct="1">
+              <a:lnSpc>
+                <a:spcPct val="120000"/>
+              </a:lnSpc>
+              <a:spcBef>
+                <a:spcPts val="500"/>
+              </a:spcBef>
+              <a:buSzPct val="125000"/>
+              <a:buFont typeface="Arial" panose="020B0604020202020204" pitchFamily="34" charset="0"/>
+              <a:buChar char="•"/>
+              <a:defRPr sz="2000" kern="1200">
+                <a:solidFill>
+                  <a:schemeClr val="tx1"/>
+                </a:solidFill>
+                <a:latin typeface="+mn-lt"/>
+                <a:ea typeface="+mn-ea"/>
+                <a:cs typeface="+mn-cs"/>
+              </a:defRPr>
+            </a:lvl2pPr>
+            <a:lvl3pPr marL="1143000" indent="-228600" algn="l" defTabSz="914400" rtl="0" eaLnBrk="1" latinLnBrk="0" hangingPunct="1">
+              <a:lnSpc>
+                <a:spcPct val="120000"/>
+              </a:lnSpc>
+              <a:spcBef>
+                <a:spcPts val="500"/>
+              </a:spcBef>
+              <a:buSzPct val="125000"/>
+              <a:buFont typeface="Arial" panose="020B0604020202020204" pitchFamily="34" charset="0"/>
+              <a:buChar char="•"/>
+              <a:defRPr sz="1800" kern="1200">
+                <a:solidFill>
+                  <a:schemeClr val="tx1"/>
+                </a:solidFill>
+                <a:latin typeface="+mn-lt"/>
+                <a:ea typeface="+mn-ea"/>
+                <a:cs typeface="+mn-cs"/>
+              </a:defRPr>
+            </a:lvl3pPr>
+            <a:lvl4pPr marL="1600200" indent="-228600" algn="l" defTabSz="914400" rtl="0" eaLnBrk="1" latinLnBrk="0" hangingPunct="1">
+              <a:lnSpc>
+                <a:spcPct val="120000"/>
+              </a:lnSpc>
+              <a:spcBef>
+                <a:spcPts val="500"/>
+              </a:spcBef>
+              <a:buSzPct val="125000"/>
+              <a:buFont typeface="Arial" panose="020B0604020202020204" pitchFamily="34" charset="0"/>
+              <a:buChar char="•"/>
+              <a:defRPr sz="1600" kern="1200">
+                <a:solidFill>
+                  <a:schemeClr val="tx1"/>
+                </a:solidFill>
+                <a:latin typeface="+mn-lt"/>
+                <a:ea typeface="+mn-ea"/>
+                <a:cs typeface="+mn-cs"/>
+              </a:defRPr>
+            </a:lvl4pPr>
+            <a:lvl5pPr marL="2057400" indent="-228600" algn="l" defTabSz="914400" rtl="0" eaLnBrk="1" latinLnBrk="0" hangingPunct="1">
+              <a:lnSpc>
+                <a:spcPct val="120000"/>
+              </a:lnSpc>
+              <a:spcBef>
+                <a:spcPts val="500"/>
+              </a:spcBef>
+              <a:buSzPct val="125000"/>
+              <a:buFont typeface="Arial" panose="020B0604020202020204" pitchFamily="34" charset="0"/>
+              <a:buChar char="•"/>
+              <a:defRPr sz="1600" kern="1200">
+                <a:solidFill>
+                  <a:schemeClr val="tx1"/>
+                </a:solidFill>
+                <a:latin typeface="+mn-lt"/>
+                <a:ea typeface="+mn-ea"/>
+                <a:cs typeface="+mn-cs"/>
+              </a:defRPr>
+            </a:lvl5pPr>
+            <a:lvl6pPr marL="2514600" indent="-228600" algn="l" defTabSz="914400" rtl="0" eaLnBrk="1" latinLnBrk="0" hangingPunct="1">
+              <a:lnSpc>
+                <a:spcPct val="120000"/>
+              </a:lnSpc>
+              <a:spcBef>
+                <a:spcPts val="500"/>
+              </a:spcBef>
+              <a:buSzPct val="125000"/>
+              <a:buFont typeface="Arial" panose="020B0604020202020204" pitchFamily="34" charset="0"/>
+              <a:buChar char="•"/>
+              <a:defRPr sz="1400" kern="1200">
+                <a:solidFill>
+                  <a:schemeClr val="tx1"/>
+                </a:solidFill>
+                <a:latin typeface="+mn-lt"/>
+                <a:ea typeface="+mn-ea"/>
+                <a:cs typeface="+mn-cs"/>
+              </a:defRPr>
+            </a:lvl6pPr>
+            <a:lvl7pPr marL="2971800" indent="-228600" algn="l" defTabSz="914400" rtl="0" eaLnBrk="1" latinLnBrk="0" hangingPunct="1">
+              <a:lnSpc>
+                <a:spcPct val="120000"/>
+              </a:lnSpc>
+              <a:spcBef>
+                <a:spcPts val="500"/>
+              </a:spcBef>
+              <a:buSzPct val="125000"/>
+              <a:buFont typeface="Arial" panose="020B0604020202020204" pitchFamily="34" charset="0"/>
+              <a:buChar char="•"/>
+              <a:defRPr sz="1400" kern="1200">
+                <a:solidFill>
+                  <a:schemeClr val="tx1"/>
+                </a:solidFill>
+                <a:latin typeface="+mn-lt"/>
+                <a:ea typeface="+mn-ea"/>
+                <a:cs typeface="+mn-cs"/>
+              </a:defRPr>
+            </a:lvl7pPr>
+            <a:lvl8pPr marL="3429000" indent="-228600" algn="l" defTabSz="914400" rtl="0" eaLnBrk="1" latinLnBrk="0" hangingPunct="1">
+              <a:lnSpc>
+                <a:spcPct val="120000"/>
+              </a:lnSpc>
+              <a:spcBef>
+                <a:spcPts val="500"/>
+              </a:spcBef>
+              <a:buSzPct val="125000"/>
+              <a:buFont typeface="Arial" panose="020B0604020202020204" pitchFamily="34" charset="0"/>
+              <a:buChar char="•"/>
+              <a:defRPr sz="1400" kern="1200">
+                <a:solidFill>
+                  <a:schemeClr val="tx1"/>
+                </a:solidFill>
+                <a:latin typeface="+mn-lt"/>
+                <a:ea typeface="+mn-ea"/>
+                <a:cs typeface="+mn-cs"/>
+              </a:defRPr>
+            </a:lvl8pPr>
+            <a:lvl9pPr marL="3886200" indent="-228600" algn="l" defTabSz="914400" rtl="0" eaLnBrk="1" latinLnBrk="0" hangingPunct="1">
+              <a:lnSpc>
+                <a:spcPct val="120000"/>
+              </a:lnSpc>
+              <a:spcBef>
+                <a:spcPts val="500"/>
+              </a:spcBef>
+              <a:buSzPct val="125000"/>
+              <a:buFont typeface="Arial" panose="020B0604020202020204" pitchFamily="34" charset="0"/>
+              <a:buChar char="•"/>
+              <a:defRPr sz="1400" kern="1200">
+                <a:solidFill>
+                  <a:schemeClr val="tx1"/>
+                </a:solidFill>
+                <a:latin typeface="+mn-lt"/>
+                <a:ea typeface="+mn-ea"/>
+                <a:cs typeface="+mn-cs"/>
+              </a:defRPr>
+            </a:lvl9pPr>
+          </a:lstStyle>
+          <a:p>
+            <a:pPr marL="0" indent="0">
+              <a:buFont typeface="Arial" panose="020B0604020202020204" pitchFamily="34" charset="0"/>
+              <a:buNone/>
+            </a:pPr>
+            <a:r>
+              <a:rPr lang="en-US" dirty="0">
+                <a:solidFill>
+                  <a:schemeClr val="bg1"/>
+                </a:solidFill>
+              </a:rPr>
+              <a:t>2. What are the main </a:t>
+            </a:r>
+            <a:r>
+              <a:rPr lang="en-US" b="1" i="1" u="sng" dirty="0">
+                <a:solidFill>
+                  <a:schemeClr val="bg1"/>
+                </a:solidFill>
+              </a:rPr>
+              <a:t>proof techniques</a:t>
+            </a:r>
+            <a:r>
+              <a:rPr lang="en-US" dirty="0">
+                <a:solidFill>
+                  <a:schemeClr val="bg1"/>
+                </a:solidFill>
+              </a:rPr>
+              <a:t> we will be using? Let’s review each one!</a:t>
+            </a:r>
+          </a:p>
+        </p:txBody>
+      </p:sp>
+    </p:spTree>
+    <p:extLst>
+      <p:ext uri="{BB962C8B-B14F-4D97-AF65-F5344CB8AC3E}">
+        <p14:creationId xmlns:p14="http://schemas.microsoft.com/office/powerpoint/2010/main" val="2987249196"/>
+      </p:ext>
+    </p:extLst>
+  </p:cSld>
+  <p:clrMapOvr>
+    <a:masterClrMapping/>
+  </p:clrMapOvr>
+</p:sld>
+</file>
+
+<file path=ppt/slides/slide20.xml><?xml version="1.0" encoding="utf-8"?>
 <p:sld xmlns:a="http://schemas.openxmlformats.org/drawingml/2006/main" xmlns:r="http://schemas.openxmlformats.org/officeDocument/2006/relationships" xmlns:p="http://schemas.openxmlformats.org/presentationml/2006/main">
   <p:cSld>
     <p:spTree>
@@ -17383,7 +19224,7 @@
           <a:p>
             <a:fld id="{9BB9F8D7-E2A3-4222-BD86-A63794DF33E7}" type="slidenum">
               <a:rPr lang="en-US" smtClean="0"/>
-              <a:t>17</a:t>
+              <a:t>20</a:t>
             </a:fld>
             <a:endParaRPr lang="en-US"/>
           </a:p>
@@ -18106,7 +19947,66 @@
 </p:sld>
 </file>
 
-<file path=ppt/slides/slide18.xml><?xml version="1.0" encoding="utf-8"?>
+<file path=ppt/slides/slide21.xml><?xml version="1.0" encoding="utf-8"?>
+<p:sld xmlns:a="http://schemas.openxmlformats.org/drawingml/2006/main" xmlns:r="http://schemas.openxmlformats.org/officeDocument/2006/relationships" xmlns:p="http://schemas.openxmlformats.org/presentationml/2006/main">
+  <p:cSld>
+    <p:spTree>
+      <p:nvGrpSpPr>
+        <p:cNvPr id="1" name=""/>
+        <p:cNvGrpSpPr/>
+        <p:nvPr/>
+      </p:nvGrpSpPr>
+      <p:grpSpPr>
+        <a:xfrm>
+          <a:off x="0" y="0"/>
+          <a:ext cx="0" cy="0"/>
+          <a:chOff x="0" y="0"/>
+          <a:chExt cx="0" cy="0"/>
+        </a:xfrm>
+      </p:grpSpPr>
+      <p:sp>
+        <p:nvSpPr>
+          <p:cNvPr id="2" name="Title 1">
+            <a:extLst>
+              <a:ext uri="{FF2B5EF4-FFF2-40B4-BE49-F238E27FC236}">
+                <a16:creationId xmlns:a16="http://schemas.microsoft.com/office/drawing/2014/main" id="{87719C56-21DC-0A40-AA49-9AF4AF4C92DA}"/>
+              </a:ext>
+            </a:extLst>
+          </p:cNvPr>
+          <p:cNvSpPr>
+            <a:spLocks noGrp="1"/>
+          </p:cNvSpPr>
+          <p:nvPr>
+            <p:ph type="title"/>
+          </p:nvPr>
+        </p:nvSpPr>
+        <p:spPr/>
+        <p:txBody>
+          <a:bodyPr/>
+          <a:lstStyle/>
+          <a:p>
+            <a:pPr algn="ctr"/>
+            <a:r>
+              <a:rPr lang="en-US" dirty="0"/>
+              <a:t>Proof By Contradiction</a:t>
+            </a:r>
+          </a:p>
+        </p:txBody>
+      </p:sp>
+    </p:spTree>
+    <p:extLst>
+      <p:ext uri="{BB962C8B-B14F-4D97-AF65-F5344CB8AC3E}">
+        <p14:creationId xmlns:p14="http://schemas.microsoft.com/office/powerpoint/2010/main" val="1675919893"/>
+      </p:ext>
+    </p:extLst>
+  </p:cSld>
+  <p:clrMapOvr>
+    <a:masterClrMapping/>
+  </p:clrMapOvr>
+</p:sld>
+</file>
+
+<file path=ppt/slides/slide22.xml><?xml version="1.0" encoding="utf-8"?>
 <p:sld xmlns:a="http://schemas.openxmlformats.org/drawingml/2006/main" xmlns:r="http://schemas.openxmlformats.org/officeDocument/2006/relationships" xmlns:p="http://schemas.openxmlformats.org/presentationml/2006/main">
   <p:cSld>
     <p:spTree>
@@ -18180,7 +20080,7 @@
           <a:p>
             <a:fld id="{9BB9F8D7-E2A3-4222-BD86-A63794DF33E7}" type="slidenum">
               <a:rPr lang="en-US" smtClean="0"/>
-              <a:t>18</a:t>
+              <a:t>22</a:t>
             </a:fld>
             <a:endParaRPr lang="en-US"/>
           </a:p>
@@ -18733,7 +20633,7 @@
 </p:sld>
 </file>
 
-<file path=ppt/slides/slide19.xml><?xml version="1.0" encoding="utf-8"?>
+<file path=ppt/slides/slide23.xml><?xml version="1.0" encoding="utf-8"?>
 <p:sld xmlns:a="http://schemas.openxmlformats.org/drawingml/2006/main" xmlns:r="http://schemas.openxmlformats.org/officeDocument/2006/relationships" xmlns:p="http://schemas.openxmlformats.org/presentationml/2006/main">
   <p:cSld>
     <p:spTree>
@@ -18885,7 +20785,7 @@
           <a:p>
             <a:fld id="{9BB9F8D7-E2A3-4222-BD86-A63794DF33E7}" type="slidenum">
               <a:rPr lang="en-US" smtClean="0"/>
-              <a:t>19</a:t>
+              <a:t>23</a:t>
             </a:fld>
             <a:endParaRPr lang="en-US"/>
           </a:p>
@@ -18904,369 +20804,7 @@
 </p:sld>
 </file>
 
-<file path=ppt/slides/slide2.xml><?xml version="1.0" encoding="utf-8"?>
-<p:sld xmlns:a="http://schemas.openxmlformats.org/drawingml/2006/main" xmlns:r="http://schemas.openxmlformats.org/officeDocument/2006/relationships" xmlns:p="http://schemas.openxmlformats.org/presentationml/2006/main">
-  <p:cSld>
-    <p:spTree>
-      <p:nvGrpSpPr>
-        <p:cNvPr id="1" name=""/>
-        <p:cNvGrpSpPr/>
-        <p:nvPr/>
-      </p:nvGrpSpPr>
-      <p:grpSpPr>
-        <a:xfrm>
-          <a:off x="0" y="0"/>
-          <a:ext cx="0" cy="0"/>
-          <a:chOff x="0" y="0"/>
-          <a:chExt cx="0" cy="0"/>
-        </a:xfrm>
-      </p:grpSpPr>
-      <p:sp>
-        <p:nvSpPr>
-          <p:cNvPr id="2" name="Title 1">
-            <a:extLst>
-              <a:ext uri="{FF2B5EF4-FFF2-40B4-BE49-F238E27FC236}">
-                <a16:creationId xmlns:a16="http://schemas.microsoft.com/office/drawing/2014/main" id="{D63C04CD-2329-4D47-84D9-12CB3EDD9F46}"/>
-              </a:ext>
-            </a:extLst>
-          </p:cNvPr>
-          <p:cNvSpPr>
-            <a:spLocks noGrp="1"/>
-          </p:cNvSpPr>
-          <p:nvPr>
-            <p:ph type="title"/>
-          </p:nvPr>
-        </p:nvSpPr>
-        <p:spPr>
-          <a:xfrm>
-            <a:off x="1141413" y="125537"/>
-            <a:ext cx="9905998" cy="860425"/>
-          </a:xfrm>
-        </p:spPr>
-        <p:txBody>
-          <a:bodyPr/>
-          <a:lstStyle/>
-          <a:p>
-            <a:pPr algn="ctr"/>
-            <a:r>
-              <a:rPr lang="en-US" dirty="0"/>
-              <a:t>Goals!</a:t>
-            </a:r>
-          </a:p>
-        </p:txBody>
-      </p:sp>
-      <p:sp>
-        <p:nvSpPr>
-          <p:cNvPr id="3" name="Content Placeholder 2">
-            <a:extLst>
-              <a:ext uri="{FF2B5EF4-FFF2-40B4-BE49-F238E27FC236}">
-                <a16:creationId xmlns:a16="http://schemas.microsoft.com/office/drawing/2014/main" id="{14278F5F-F936-6145-9FF8-704886F1A386}"/>
-              </a:ext>
-            </a:extLst>
-          </p:cNvPr>
-          <p:cNvSpPr>
-            <a:spLocks noGrp="1"/>
-          </p:cNvSpPr>
-          <p:nvPr>
-            <p:ph idx="1"/>
-          </p:nvPr>
-        </p:nvSpPr>
-        <p:spPr>
-          <a:xfrm>
-            <a:off x="1141412" y="2176061"/>
-            <a:ext cx="9905999" cy="1089328"/>
-          </a:xfrm>
-          <a:solidFill>
-            <a:schemeClr val="tx1">
-              <a:lumMod val="95000"/>
-            </a:schemeClr>
-          </a:solidFill>
-        </p:spPr>
-        <p:txBody>
-          <a:bodyPr/>
-          <a:lstStyle/>
-          <a:p>
-            <a:pPr marL="0" indent="0">
-              <a:buNone/>
-            </a:pPr>
-            <a:r>
-              <a:rPr lang="en-US" dirty="0">
-                <a:solidFill>
-                  <a:schemeClr val="bg1"/>
-                </a:solidFill>
-              </a:rPr>
-              <a:t>1. Why do we need </a:t>
-            </a:r>
-            <a:r>
-              <a:rPr lang="en-US" b="1" i="1" u="sng" dirty="0">
-                <a:solidFill>
-                  <a:schemeClr val="bg1"/>
-                </a:solidFill>
-              </a:rPr>
-              <a:t>proofs</a:t>
-            </a:r>
-            <a:r>
-              <a:rPr lang="en-US" dirty="0">
-                <a:solidFill>
-                  <a:schemeClr val="bg1"/>
-                </a:solidFill>
-              </a:rPr>
-              <a:t> for theory of computation? Do we HAVE to do it?</a:t>
-            </a:r>
-          </a:p>
-        </p:txBody>
-      </p:sp>
-      <p:sp>
-        <p:nvSpPr>
-          <p:cNvPr id="4" name="Content Placeholder 2">
-            <a:extLst>
-              <a:ext uri="{FF2B5EF4-FFF2-40B4-BE49-F238E27FC236}">
-                <a16:creationId xmlns:a16="http://schemas.microsoft.com/office/drawing/2014/main" id="{C3CBD30C-EB51-C249-A8FC-E343315276A6}"/>
-              </a:ext>
-            </a:extLst>
-          </p:cNvPr>
-          <p:cNvSpPr txBox="1">
-            <a:spLocks/>
-          </p:cNvSpPr>
-          <p:nvPr/>
-        </p:nvSpPr>
-        <p:spPr>
-          <a:xfrm>
-            <a:off x="1141412" y="3465498"/>
-            <a:ext cx="9905999" cy="1089328"/>
-          </a:xfrm>
-          <a:prstGeom prst="rect">
-            <a:avLst/>
-          </a:prstGeom>
-          <a:solidFill>
-            <a:schemeClr val="tx1">
-              <a:lumMod val="95000"/>
-            </a:schemeClr>
-          </a:solidFill>
-        </p:spPr>
-        <p:txBody>
-          <a:bodyPr vert="horz" lIns="91440" tIns="45720" rIns="91440" bIns="45720" rtlCol="0">
-            <a:normAutofit/>
-          </a:bodyPr>
-          <a:lstStyle>
-            <a:lvl1pPr marL="228600" indent="-228600" algn="l" defTabSz="914400" rtl="0" eaLnBrk="1" latinLnBrk="0" hangingPunct="1">
-              <a:lnSpc>
-                <a:spcPct val="120000"/>
-              </a:lnSpc>
-              <a:spcBef>
-                <a:spcPts val="1000"/>
-              </a:spcBef>
-              <a:buSzPct val="125000"/>
-              <a:buFont typeface="Arial" panose="020B0604020202020204" pitchFamily="34" charset="0"/>
-              <a:buChar char="•"/>
-              <a:defRPr sz="2400" kern="1200">
-                <a:solidFill>
-                  <a:schemeClr val="tx1"/>
-                </a:solidFill>
-                <a:latin typeface="+mn-lt"/>
-                <a:ea typeface="+mn-ea"/>
-                <a:cs typeface="+mn-cs"/>
-              </a:defRPr>
-            </a:lvl1pPr>
-            <a:lvl2pPr marL="685800" indent="-228600" algn="l" defTabSz="914400" rtl="0" eaLnBrk="1" latinLnBrk="0" hangingPunct="1">
-              <a:lnSpc>
-                <a:spcPct val="120000"/>
-              </a:lnSpc>
-              <a:spcBef>
-                <a:spcPts val="500"/>
-              </a:spcBef>
-              <a:buSzPct val="125000"/>
-              <a:buFont typeface="Arial" panose="020B0604020202020204" pitchFamily="34" charset="0"/>
-              <a:buChar char="•"/>
-              <a:defRPr sz="2000" kern="1200">
-                <a:solidFill>
-                  <a:schemeClr val="tx1"/>
-                </a:solidFill>
-                <a:latin typeface="+mn-lt"/>
-                <a:ea typeface="+mn-ea"/>
-                <a:cs typeface="+mn-cs"/>
-              </a:defRPr>
-            </a:lvl2pPr>
-            <a:lvl3pPr marL="1143000" indent="-228600" algn="l" defTabSz="914400" rtl="0" eaLnBrk="1" latinLnBrk="0" hangingPunct="1">
-              <a:lnSpc>
-                <a:spcPct val="120000"/>
-              </a:lnSpc>
-              <a:spcBef>
-                <a:spcPts val="500"/>
-              </a:spcBef>
-              <a:buSzPct val="125000"/>
-              <a:buFont typeface="Arial" panose="020B0604020202020204" pitchFamily="34" charset="0"/>
-              <a:buChar char="•"/>
-              <a:defRPr sz="1800" kern="1200">
-                <a:solidFill>
-                  <a:schemeClr val="tx1"/>
-                </a:solidFill>
-                <a:latin typeface="+mn-lt"/>
-                <a:ea typeface="+mn-ea"/>
-                <a:cs typeface="+mn-cs"/>
-              </a:defRPr>
-            </a:lvl3pPr>
-            <a:lvl4pPr marL="1600200" indent="-228600" algn="l" defTabSz="914400" rtl="0" eaLnBrk="1" latinLnBrk="0" hangingPunct="1">
-              <a:lnSpc>
-                <a:spcPct val="120000"/>
-              </a:lnSpc>
-              <a:spcBef>
-                <a:spcPts val="500"/>
-              </a:spcBef>
-              <a:buSzPct val="125000"/>
-              <a:buFont typeface="Arial" panose="020B0604020202020204" pitchFamily="34" charset="0"/>
-              <a:buChar char="•"/>
-              <a:defRPr sz="1600" kern="1200">
-                <a:solidFill>
-                  <a:schemeClr val="tx1"/>
-                </a:solidFill>
-                <a:latin typeface="+mn-lt"/>
-                <a:ea typeface="+mn-ea"/>
-                <a:cs typeface="+mn-cs"/>
-              </a:defRPr>
-            </a:lvl4pPr>
-            <a:lvl5pPr marL="2057400" indent="-228600" algn="l" defTabSz="914400" rtl="0" eaLnBrk="1" latinLnBrk="0" hangingPunct="1">
-              <a:lnSpc>
-                <a:spcPct val="120000"/>
-              </a:lnSpc>
-              <a:spcBef>
-                <a:spcPts val="500"/>
-              </a:spcBef>
-              <a:buSzPct val="125000"/>
-              <a:buFont typeface="Arial" panose="020B0604020202020204" pitchFamily="34" charset="0"/>
-              <a:buChar char="•"/>
-              <a:defRPr sz="1600" kern="1200">
-                <a:solidFill>
-                  <a:schemeClr val="tx1"/>
-                </a:solidFill>
-                <a:latin typeface="+mn-lt"/>
-                <a:ea typeface="+mn-ea"/>
-                <a:cs typeface="+mn-cs"/>
-              </a:defRPr>
-            </a:lvl5pPr>
-            <a:lvl6pPr marL="2514600" indent="-228600" algn="l" defTabSz="914400" rtl="0" eaLnBrk="1" latinLnBrk="0" hangingPunct="1">
-              <a:lnSpc>
-                <a:spcPct val="120000"/>
-              </a:lnSpc>
-              <a:spcBef>
-                <a:spcPts val="500"/>
-              </a:spcBef>
-              <a:buSzPct val="125000"/>
-              <a:buFont typeface="Arial" panose="020B0604020202020204" pitchFamily="34" charset="0"/>
-              <a:buChar char="•"/>
-              <a:defRPr sz="1400" kern="1200">
-                <a:solidFill>
-                  <a:schemeClr val="tx1"/>
-                </a:solidFill>
-                <a:latin typeface="+mn-lt"/>
-                <a:ea typeface="+mn-ea"/>
-                <a:cs typeface="+mn-cs"/>
-              </a:defRPr>
-            </a:lvl6pPr>
-            <a:lvl7pPr marL="2971800" indent="-228600" algn="l" defTabSz="914400" rtl="0" eaLnBrk="1" latinLnBrk="0" hangingPunct="1">
-              <a:lnSpc>
-                <a:spcPct val="120000"/>
-              </a:lnSpc>
-              <a:spcBef>
-                <a:spcPts val="500"/>
-              </a:spcBef>
-              <a:buSzPct val="125000"/>
-              <a:buFont typeface="Arial" panose="020B0604020202020204" pitchFamily="34" charset="0"/>
-              <a:buChar char="•"/>
-              <a:defRPr sz="1400" kern="1200">
-                <a:solidFill>
-                  <a:schemeClr val="tx1"/>
-                </a:solidFill>
-                <a:latin typeface="+mn-lt"/>
-                <a:ea typeface="+mn-ea"/>
-                <a:cs typeface="+mn-cs"/>
-              </a:defRPr>
-            </a:lvl7pPr>
-            <a:lvl8pPr marL="3429000" indent="-228600" algn="l" defTabSz="914400" rtl="0" eaLnBrk="1" latinLnBrk="0" hangingPunct="1">
-              <a:lnSpc>
-                <a:spcPct val="120000"/>
-              </a:lnSpc>
-              <a:spcBef>
-                <a:spcPts val="500"/>
-              </a:spcBef>
-              <a:buSzPct val="125000"/>
-              <a:buFont typeface="Arial" panose="020B0604020202020204" pitchFamily="34" charset="0"/>
-              <a:buChar char="•"/>
-              <a:defRPr sz="1400" kern="1200">
-                <a:solidFill>
-                  <a:schemeClr val="tx1"/>
-                </a:solidFill>
-                <a:latin typeface="+mn-lt"/>
-                <a:ea typeface="+mn-ea"/>
-                <a:cs typeface="+mn-cs"/>
-              </a:defRPr>
-            </a:lvl8pPr>
-            <a:lvl9pPr marL="3886200" indent="-228600" algn="l" defTabSz="914400" rtl="0" eaLnBrk="1" latinLnBrk="0" hangingPunct="1">
-              <a:lnSpc>
-                <a:spcPct val="120000"/>
-              </a:lnSpc>
-              <a:spcBef>
-                <a:spcPts val="500"/>
-              </a:spcBef>
-              <a:buSzPct val="125000"/>
-              <a:buFont typeface="Arial" panose="020B0604020202020204" pitchFamily="34" charset="0"/>
-              <a:buChar char="•"/>
-              <a:defRPr sz="1400" kern="1200">
-                <a:solidFill>
-                  <a:schemeClr val="tx1"/>
-                </a:solidFill>
-                <a:latin typeface="+mn-lt"/>
-                <a:ea typeface="+mn-ea"/>
-                <a:cs typeface="+mn-cs"/>
-              </a:defRPr>
-            </a:lvl9pPr>
-          </a:lstStyle>
-          <a:p>
-            <a:pPr marL="0" indent="0">
-              <a:buFont typeface="Arial" panose="020B0604020202020204" pitchFamily="34" charset="0"/>
-              <a:buNone/>
-            </a:pPr>
-            <a:r>
-              <a:rPr lang="en-US" dirty="0">
-                <a:solidFill>
-                  <a:schemeClr val="bg1"/>
-                </a:solidFill>
-              </a:rPr>
-              <a:t>2. What are the main </a:t>
-            </a:r>
-            <a:r>
-              <a:rPr lang="en-US" b="1" i="1" u="sng" dirty="0">
-                <a:solidFill>
-                  <a:schemeClr val="bg1"/>
-                </a:solidFill>
-              </a:rPr>
-              <a:t>proof techniques</a:t>
-            </a:r>
-            <a:r>
-              <a:rPr lang="en-US" dirty="0">
-                <a:solidFill>
-                  <a:schemeClr val="bg1"/>
-                </a:solidFill>
-              </a:rPr>
-              <a:t> we will be using? Let’s review each one!</a:t>
-            </a:r>
-          </a:p>
-        </p:txBody>
-      </p:sp>
-    </p:spTree>
-    <p:extLst>
-      <p:ext uri="{BB962C8B-B14F-4D97-AF65-F5344CB8AC3E}">
-        <p14:creationId xmlns:p14="http://schemas.microsoft.com/office/powerpoint/2010/main" val="2987249196"/>
-      </p:ext>
-    </p:extLst>
-  </p:cSld>
-  <p:clrMapOvr>
-    <a:masterClrMapping/>
-  </p:clrMapOvr>
-</p:sld>
-</file>
-
-<file path=ppt/slides/slide20.xml><?xml version="1.0" encoding="utf-8"?>
+<file path=ppt/slides/slide24.xml><?xml version="1.0" encoding="utf-8"?>
 <p:sld xmlns:a="http://schemas.openxmlformats.org/drawingml/2006/main" xmlns:r="http://schemas.openxmlformats.org/officeDocument/2006/relationships" xmlns:p="http://schemas.openxmlformats.org/presentationml/2006/main">
   <p:cSld>
     <p:spTree>
@@ -20082,7 +21620,7 @@
           <a:p>
             <a:fld id="{9BB9F8D7-E2A3-4222-BD86-A63794DF33E7}" type="slidenum">
               <a:rPr lang="en-US" smtClean="0"/>
-              <a:t>20</a:t>
+              <a:t>24</a:t>
             </a:fld>
             <a:endParaRPr lang="en-US"/>
           </a:p>
@@ -20335,7 +21873,66 @@
 </p:sld>
 </file>
 
-<file path=ppt/slides/slide21.xml><?xml version="1.0" encoding="utf-8"?>
+<file path=ppt/slides/slide25.xml><?xml version="1.0" encoding="utf-8"?>
+<p:sld xmlns:a="http://schemas.openxmlformats.org/drawingml/2006/main" xmlns:r="http://schemas.openxmlformats.org/officeDocument/2006/relationships" xmlns:p="http://schemas.openxmlformats.org/presentationml/2006/main">
+  <p:cSld>
+    <p:spTree>
+      <p:nvGrpSpPr>
+        <p:cNvPr id="1" name=""/>
+        <p:cNvGrpSpPr/>
+        <p:nvPr/>
+      </p:nvGrpSpPr>
+      <p:grpSpPr>
+        <a:xfrm>
+          <a:off x="0" y="0"/>
+          <a:ext cx="0" cy="0"/>
+          <a:chOff x="0" y="0"/>
+          <a:chExt cx="0" cy="0"/>
+        </a:xfrm>
+      </p:grpSpPr>
+      <p:sp>
+        <p:nvSpPr>
+          <p:cNvPr id="2" name="Title 1">
+            <a:extLst>
+              <a:ext uri="{FF2B5EF4-FFF2-40B4-BE49-F238E27FC236}">
+                <a16:creationId xmlns:a16="http://schemas.microsoft.com/office/drawing/2014/main" id="{87719C56-21DC-0A40-AA49-9AF4AF4C92DA}"/>
+              </a:ext>
+            </a:extLst>
+          </p:cNvPr>
+          <p:cNvSpPr>
+            <a:spLocks noGrp="1"/>
+          </p:cNvSpPr>
+          <p:nvPr>
+            <p:ph type="title"/>
+          </p:nvPr>
+        </p:nvSpPr>
+        <p:spPr/>
+        <p:txBody>
+          <a:bodyPr/>
+          <a:lstStyle/>
+          <a:p>
+            <a:pPr algn="ctr"/>
+            <a:r>
+              <a:rPr lang="en-US" dirty="0"/>
+              <a:t>Proof By Induction</a:t>
+            </a:r>
+          </a:p>
+        </p:txBody>
+      </p:sp>
+    </p:spTree>
+    <p:extLst>
+      <p:ext uri="{BB962C8B-B14F-4D97-AF65-F5344CB8AC3E}">
+        <p14:creationId xmlns:p14="http://schemas.microsoft.com/office/powerpoint/2010/main" val="3754678394"/>
+      </p:ext>
+    </p:extLst>
+  </p:cSld>
+  <p:clrMapOvr>
+    <a:masterClrMapping/>
+  </p:clrMapOvr>
+</p:sld>
+</file>
+
+<file path=ppt/slides/slide26.xml><?xml version="1.0" encoding="utf-8"?>
 <p:sld xmlns:a="http://schemas.openxmlformats.org/drawingml/2006/main" xmlns:r="http://schemas.openxmlformats.org/officeDocument/2006/relationships" xmlns:p="http://schemas.openxmlformats.org/presentationml/2006/main">
   <p:cSld>
     <p:spTree>
@@ -20554,7 +22151,7 @@
           <a:p>
             <a:fld id="{9BB9F8D7-E2A3-4222-BD86-A63794DF33E7}" type="slidenum">
               <a:rPr lang="en-US" smtClean="0"/>
-              <a:t>21</a:t>
+              <a:t>26</a:t>
             </a:fld>
             <a:endParaRPr lang="en-US"/>
           </a:p>
@@ -20573,7 +22170,7 @@
 </p:sld>
 </file>
 
-<file path=ppt/slides/slide22.xml><?xml version="1.0" encoding="utf-8"?>
+<file path=ppt/slides/slide27.xml><?xml version="1.0" encoding="utf-8"?>
 <p:sld xmlns:a="http://schemas.openxmlformats.org/drawingml/2006/main" xmlns:r="http://schemas.openxmlformats.org/officeDocument/2006/relationships" xmlns:p="http://schemas.openxmlformats.org/presentationml/2006/main">
   <p:cSld>
     <p:spTree>
@@ -20590,8 +22187,8 @@
           <a:chExt cx="0" cy="0"/>
         </a:xfrm>
       </p:grpSpPr>
-      <mc:AlternateContent xmlns:mc="http://schemas.openxmlformats.org/markup-compatibility/2006" xmlns:a14="http://schemas.microsoft.com/office/drawing/2010/main">
-        <mc:Choice Requires="a14">
+      <mc:AlternateContent xmlns:mc="http://schemas.openxmlformats.org/markup-compatibility/2006">
+        <mc:Choice xmlns:a14="http://schemas.microsoft.com/office/drawing/2010/main" Requires="a14">
           <p:sp>
             <p:nvSpPr>
               <p:cNvPr id="2" name="Title 1">
@@ -20608,10 +22205,15 @@
                 <p:ph type="title"/>
               </p:nvPr>
             </p:nvSpPr>
-            <p:spPr/>
+            <p:spPr>
+              <a:xfrm>
+                <a:off x="1141413" y="392186"/>
+                <a:ext cx="9905998" cy="884357"/>
+              </a:xfrm>
+            </p:spPr>
             <p:txBody>
               <a:bodyPr>
-                <a:normAutofit/>
+                <a:normAutofit fontScale="90000"/>
               </a:bodyPr>
               <a:lstStyle/>
               <a:p>
@@ -20660,6 +22262,24 @@
                       </a:rPr>
                       <m:t>𝑛</m:t>
                     </m:r>
+                    <m:r>
+                      <a:rPr lang="en-US" b="0" i="1" smtClean="0">
+                        <a:latin typeface="Cambria Math" panose="02040503050406030204" pitchFamily="18" charset="0"/>
+                      </a:rPr>
+                      <m:t>|</m:t>
+                    </m:r>
+                    <m:r>
+                      <a:rPr lang="en-US" b="0" i="1" smtClean="0">
+                        <a:latin typeface="Cambria Math" panose="02040503050406030204" pitchFamily="18" charset="0"/>
+                      </a:rPr>
+                      <m:t>𝑛</m:t>
+                    </m:r>
+                    <m:r>
+                      <a:rPr lang="en-US" b="0" i="1" smtClean="0">
+                        <a:latin typeface="Cambria Math" panose="02040503050406030204" pitchFamily="18" charset="0"/>
+                      </a:rPr>
+                      <m:t>≥1</m:t>
+                    </m:r>
                   </m:oMath>
                 </a14:m>
                 <a:r>
@@ -20670,7 +22290,7 @@
             </p:txBody>
           </p:sp>
         </mc:Choice>
-        <mc:Fallback xmlns="">
+        <mc:Fallback>
           <p:sp>
             <p:nvSpPr>
               <p:cNvPr id="2" name="Title 1">
@@ -20688,10 +22308,14 @@
               </p:nvPr>
             </p:nvSpPr>
             <p:spPr>
+              <a:xfrm>
+                <a:off x="1141413" y="392186"/>
+                <a:ext cx="9905998" cy="884357"/>
+              </a:xfrm>
               <a:blipFill>
                 <a:blip r:embed="rId2"/>
                 <a:stretch>
-                  <a:fillRect l="-1793"/>
+                  <a:fillRect l="-1536"/>
                 </a:stretch>
               </a:blipFill>
             </p:spPr>
@@ -20726,12 +22350,23 @@
             <p:ph idx="1"/>
           </p:nvPr>
         </p:nvSpPr>
-        <p:spPr/>
+        <p:spPr>
+          <a:xfrm>
+            <a:off x="860755" y="2149898"/>
+            <a:ext cx="2298905" cy="656675"/>
+          </a:xfrm>
+        </p:spPr>
         <p:txBody>
           <a:bodyPr/>
           <a:lstStyle/>
           <a:p>
-            <a:endParaRPr lang="en-US"/>
+            <a:pPr marL="0" indent="0">
+              <a:buNone/>
+            </a:pPr>
+            <a:r>
+              <a:rPr lang="en-US" dirty="0"/>
+              <a:t>Base Case (n=1):</a:t>
+            </a:r>
           </a:p>
         </p:txBody>
       </p:sp>
@@ -20758,12 +22393,328 @@
           <a:p>
             <a:fld id="{9BB9F8D7-E2A3-4222-BD86-A63794DF33E7}" type="slidenum">
               <a:rPr lang="en-US" smtClean="0"/>
-              <a:t>22</a:t>
+              <a:t>27</a:t>
             </a:fld>
             <a:endParaRPr lang="en-US"/>
           </a:p>
         </p:txBody>
       </p:sp>
+      <mc:AlternateContent xmlns:mc="http://schemas.openxmlformats.org/markup-compatibility/2006">
+        <mc:Choice xmlns:a14="http://schemas.microsoft.com/office/drawing/2010/main" Requires="a14">
+          <p:sp>
+            <p:nvSpPr>
+              <p:cNvPr id="5" name="Content Placeholder 2">
+                <a:extLst>
+                  <a:ext uri="{FF2B5EF4-FFF2-40B4-BE49-F238E27FC236}">
+                    <a16:creationId xmlns:a16="http://schemas.microsoft.com/office/drawing/2014/main" id="{0153B467-440D-4441-A531-F5A8BFC953D8}"/>
+                  </a:ext>
+                </a:extLst>
+              </p:cNvPr>
+              <p:cNvSpPr txBox="1">
+                <a:spLocks/>
+              </p:cNvSpPr>
+              <p:nvPr/>
+            </p:nvSpPr>
+            <p:spPr>
+              <a:xfrm>
+                <a:off x="3348949" y="2149897"/>
+                <a:ext cx="6836200" cy="656675"/>
+              </a:xfrm>
+              <a:prstGeom prst="rect">
+                <a:avLst/>
+              </a:prstGeom>
+              <a:solidFill>
+                <a:schemeClr val="tx1">
+                  <a:lumMod val="95000"/>
+                </a:schemeClr>
+              </a:solidFill>
+            </p:spPr>
+            <p:txBody>
+              <a:bodyPr vert="horz" lIns="91440" tIns="45720" rIns="91440" bIns="45720" rtlCol="0">
+                <a:normAutofit/>
+              </a:bodyPr>
+              <a:lstStyle>
+                <a:lvl1pPr marL="228600" indent="-228600" algn="l" defTabSz="914400" rtl="0" eaLnBrk="1" latinLnBrk="0" hangingPunct="1">
+                  <a:lnSpc>
+                    <a:spcPct val="120000"/>
+                  </a:lnSpc>
+                  <a:spcBef>
+                    <a:spcPts val="1000"/>
+                  </a:spcBef>
+                  <a:buSzPct val="125000"/>
+                  <a:buFont typeface="Arial" panose="020B0604020202020204" pitchFamily="34" charset="0"/>
+                  <a:buChar char="•"/>
+                  <a:defRPr sz="2400" kern="1200">
+                    <a:solidFill>
+                      <a:schemeClr val="tx1"/>
+                    </a:solidFill>
+                    <a:latin typeface="+mn-lt"/>
+                    <a:ea typeface="+mn-ea"/>
+                    <a:cs typeface="+mn-cs"/>
+                  </a:defRPr>
+                </a:lvl1pPr>
+                <a:lvl2pPr marL="685800" indent="-228600" algn="l" defTabSz="914400" rtl="0" eaLnBrk="1" latinLnBrk="0" hangingPunct="1">
+                  <a:lnSpc>
+                    <a:spcPct val="120000"/>
+                  </a:lnSpc>
+                  <a:spcBef>
+                    <a:spcPts val="500"/>
+                  </a:spcBef>
+                  <a:buSzPct val="125000"/>
+                  <a:buFont typeface="Arial" panose="020B0604020202020204" pitchFamily="34" charset="0"/>
+                  <a:buChar char="•"/>
+                  <a:defRPr sz="2000" kern="1200">
+                    <a:solidFill>
+                      <a:schemeClr val="tx1"/>
+                    </a:solidFill>
+                    <a:latin typeface="+mn-lt"/>
+                    <a:ea typeface="+mn-ea"/>
+                    <a:cs typeface="+mn-cs"/>
+                  </a:defRPr>
+                </a:lvl2pPr>
+                <a:lvl3pPr marL="1143000" indent="-228600" algn="l" defTabSz="914400" rtl="0" eaLnBrk="1" latinLnBrk="0" hangingPunct="1">
+                  <a:lnSpc>
+                    <a:spcPct val="120000"/>
+                  </a:lnSpc>
+                  <a:spcBef>
+                    <a:spcPts val="500"/>
+                  </a:spcBef>
+                  <a:buSzPct val="125000"/>
+                  <a:buFont typeface="Arial" panose="020B0604020202020204" pitchFamily="34" charset="0"/>
+                  <a:buChar char="•"/>
+                  <a:defRPr sz="1800" kern="1200">
+                    <a:solidFill>
+                      <a:schemeClr val="tx1"/>
+                    </a:solidFill>
+                    <a:latin typeface="+mn-lt"/>
+                    <a:ea typeface="+mn-ea"/>
+                    <a:cs typeface="+mn-cs"/>
+                  </a:defRPr>
+                </a:lvl3pPr>
+                <a:lvl4pPr marL="1600200" indent="-228600" algn="l" defTabSz="914400" rtl="0" eaLnBrk="1" latinLnBrk="0" hangingPunct="1">
+                  <a:lnSpc>
+                    <a:spcPct val="120000"/>
+                  </a:lnSpc>
+                  <a:spcBef>
+                    <a:spcPts val="500"/>
+                  </a:spcBef>
+                  <a:buSzPct val="125000"/>
+                  <a:buFont typeface="Arial" panose="020B0604020202020204" pitchFamily="34" charset="0"/>
+                  <a:buChar char="•"/>
+                  <a:defRPr sz="1600" kern="1200">
+                    <a:solidFill>
+                      <a:schemeClr val="tx1"/>
+                    </a:solidFill>
+                    <a:latin typeface="+mn-lt"/>
+                    <a:ea typeface="+mn-ea"/>
+                    <a:cs typeface="+mn-cs"/>
+                  </a:defRPr>
+                </a:lvl4pPr>
+                <a:lvl5pPr marL="2057400" indent="-228600" algn="l" defTabSz="914400" rtl="0" eaLnBrk="1" latinLnBrk="0" hangingPunct="1">
+                  <a:lnSpc>
+                    <a:spcPct val="120000"/>
+                  </a:lnSpc>
+                  <a:spcBef>
+                    <a:spcPts val="500"/>
+                  </a:spcBef>
+                  <a:buSzPct val="125000"/>
+                  <a:buFont typeface="Arial" panose="020B0604020202020204" pitchFamily="34" charset="0"/>
+                  <a:buChar char="•"/>
+                  <a:defRPr sz="1600" kern="1200">
+                    <a:solidFill>
+                      <a:schemeClr val="tx1"/>
+                    </a:solidFill>
+                    <a:latin typeface="+mn-lt"/>
+                    <a:ea typeface="+mn-ea"/>
+                    <a:cs typeface="+mn-cs"/>
+                  </a:defRPr>
+                </a:lvl5pPr>
+                <a:lvl6pPr marL="2514600" indent="-228600" algn="l" defTabSz="914400" rtl="0" eaLnBrk="1" latinLnBrk="0" hangingPunct="1">
+                  <a:lnSpc>
+                    <a:spcPct val="120000"/>
+                  </a:lnSpc>
+                  <a:spcBef>
+                    <a:spcPts val="500"/>
+                  </a:spcBef>
+                  <a:buSzPct val="125000"/>
+                  <a:buFont typeface="Arial" panose="020B0604020202020204" pitchFamily="34" charset="0"/>
+                  <a:buChar char="•"/>
+                  <a:defRPr sz="1400" kern="1200">
+                    <a:solidFill>
+                      <a:schemeClr val="tx1"/>
+                    </a:solidFill>
+                    <a:latin typeface="+mn-lt"/>
+                    <a:ea typeface="+mn-ea"/>
+                    <a:cs typeface="+mn-cs"/>
+                  </a:defRPr>
+                </a:lvl6pPr>
+                <a:lvl7pPr marL="2971800" indent="-228600" algn="l" defTabSz="914400" rtl="0" eaLnBrk="1" latinLnBrk="0" hangingPunct="1">
+                  <a:lnSpc>
+                    <a:spcPct val="120000"/>
+                  </a:lnSpc>
+                  <a:spcBef>
+                    <a:spcPts val="500"/>
+                  </a:spcBef>
+                  <a:buSzPct val="125000"/>
+                  <a:buFont typeface="Arial" panose="020B0604020202020204" pitchFamily="34" charset="0"/>
+                  <a:buChar char="•"/>
+                  <a:defRPr sz="1400" kern="1200">
+                    <a:solidFill>
+                      <a:schemeClr val="tx1"/>
+                    </a:solidFill>
+                    <a:latin typeface="+mn-lt"/>
+                    <a:ea typeface="+mn-ea"/>
+                    <a:cs typeface="+mn-cs"/>
+                  </a:defRPr>
+                </a:lvl7pPr>
+                <a:lvl8pPr marL="3429000" indent="-228600" algn="l" defTabSz="914400" rtl="0" eaLnBrk="1" latinLnBrk="0" hangingPunct="1">
+                  <a:lnSpc>
+                    <a:spcPct val="120000"/>
+                  </a:lnSpc>
+                  <a:spcBef>
+                    <a:spcPts val="500"/>
+                  </a:spcBef>
+                  <a:buSzPct val="125000"/>
+                  <a:buFont typeface="Arial" panose="020B0604020202020204" pitchFamily="34" charset="0"/>
+                  <a:buChar char="•"/>
+                  <a:defRPr sz="1400" kern="1200">
+                    <a:solidFill>
+                      <a:schemeClr val="tx1"/>
+                    </a:solidFill>
+                    <a:latin typeface="+mn-lt"/>
+                    <a:ea typeface="+mn-ea"/>
+                    <a:cs typeface="+mn-cs"/>
+                  </a:defRPr>
+                </a:lvl8pPr>
+                <a:lvl9pPr marL="3886200" indent="-228600" algn="l" defTabSz="914400" rtl="0" eaLnBrk="1" latinLnBrk="0" hangingPunct="1">
+                  <a:lnSpc>
+                    <a:spcPct val="120000"/>
+                  </a:lnSpc>
+                  <a:spcBef>
+                    <a:spcPts val="500"/>
+                  </a:spcBef>
+                  <a:buSzPct val="125000"/>
+                  <a:buFont typeface="Arial" panose="020B0604020202020204" pitchFamily="34" charset="0"/>
+                  <a:buChar char="•"/>
+                  <a:defRPr sz="1400" kern="1200">
+                    <a:solidFill>
+                      <a:schemeClr val="tx1"/>
+                    </a:solidFill>
+                    <a:latin typeface="+mn-lt"/>
+                    <a:ea typeface="+mn-ea"/>
+                    <a:cs typeface="+mn-cs"/>
+                  </a:defRPr>
+                </a:lvl9pPr>
+              </a:lstStyle>
+              <a:p>
+                <a:pPr marL="0" indent="0">
+                  <a:buFont typeface="Arial" panose="020B0604020202020204" pitchFamily="34" charset="0"/>
+                  <a:buNone/>
+                </a:pPr>
+                <a14:m>
+                  <m:oMath xmlns:m="http://schemas.openxmlformats.org/officeDocument/2006/math">
+                    <m:sSup>
+                      <m:sSupPr>
+                        <m:ctrlPr>
+                          <a:rPr lang="en-US" b="0" i="1" smtClean="0">
+                            <a:solidFill>
+                              <a:schemeClr val="bg1"/>
+                            </a:solidFill>
+                            <a:latin typeface="Cambria Math" panose="02040503050406030204" pitchFamily="18" charset="0"/>
+                          </a:rPr>
+                        </m:ctrlPr>
+                      </m:sSupPr>
+                      <m:e>
+                        <m:r>
+                          <a:rPr lang="en-US" b="0" i="1" smtClean="0">
+                            <a:solidFill>
+                              <a:schemeClr val="bg1"/>
+                            </a:solidFill>
+                            <a:latin typeface="Cambria Math" panose="02040503050406030204" pitchFamily="18" charset="0"/>
+                          </a:rPr>
+                          <m:t>2</m:t>
+                        </m:r>
+                      </m:e>
+                      <m:sup>
+                        <m:r>
+                          <a:rPr lang="en-US" b="0" i="1" smtClean="0">
+                            <a:solidFill>
+                              <a:schemeClr val="bg1"/>
+                            </a:solidFill>
+                            <a:latin typeface="Cambria Math" panose="02040503050406030204" pitchFamily="18" charset="0"/>
+                          </a:rPr>
+                          <m:t>1</m:t>
+                        </m:r>
+                      </m:sup>
+                    </m:sSup>
+                    <m:r>
+                      <a:rPr lang="en-US" b="0" i="1" smtClean="0">
+                        <a:solidFill>
+                          <a:schemeClr val="bg1"/>
+                        </a:solidFill>
+                        <a:latin typeface="Cambria Math" panose="02040503050406030204" pitchFamily="18" charset="0"/>
+                      </a:rPr>
+                      <m:t>=2</m:t>
+                    </m:r>
+                  </m:oMath>
+                </a14:m>
+                <a:r>
+                  <a:rPr lang="en-US" dirty="0">
+                    <a:solidFill>
+                      <a:schemeClr val="bg1"/>
+                    </a:solidFill>
+                  </a:rPr>
+                  <a:t>, Strings are “0” and “1”</a:t>
+                </a:r>
+              </a:p>
+            </p:txBody>
+          </p:sp>
+        </mc:Choice>
+        <mc:Fallback>
+          <p:sp>
+            <p:nvSpPr>
+              <p:cNvPr id="5" name="Content Placeholder 2">
+                <a:extLst>
+                  <a:ext uri="{FF2B5EF4-FFF2-40B4-BE49-F238E27FC236}">
+                    <a16:creationId xmlns:a16="http://schemas.microsoft.com/office/drawing/2014/main" id="{0153B467-440D-4441-A531-F5A8BFC953D8}"/>
+                  </a:ext>
+                </a:extLst>
+              </p:cNvPr>
+              <p:cNvSpPr txBox="1">
+                <a:spLocks noRot="1" noChangeAspect="1" noMove="1" noResize="1" noEditPoints="1" noAdjustHandles="1" noChangeArrowheads="1" noChangeShapeType="1" noTextEdit="1"/>
+              </p:cNvSpPr>
+              <p:nvPr/>
+            </p:nvSpPr>
+            <p:spPr>
+              <a:xfrm>
+                <a:off x="3348949" y="2149897"/>
+                <a:ext cx="6836200" cy="656675"/>
+              </a:xfrm>
+              <a:prstGeom prst="rect">
+                <a:avLst/>
+              </a:prstGeom>
+              <a:blipFill>
+                <a:blip r:embed="rId3"/>
+                <a:stretch>
+                  <a:fillRect l="-372"/>
+                </a:stretch>
+              </a:blipFill>
+            </p:spPr>
+            <p:txBody>
+              <a:bodyPr/>
+              <a:lstStyle/>
+              <a:p>
+                <a:r>
+                  <a:rPr lang="en-US">
+                    <a:noFill/>
+                  </a:rPr>
+                  <a:t> </a:t>
+                </a:r>
+              </a:p>
+            </p:txBody>
+          </p:sp>
+        </mc:Fallback>
+      </mc:AlternateContent>
     </p:spTree>
     <p:extLst>
       <p:ext uri="{BB962C8B-B14F-4D97-AF65-F5344CB8AC3E}">
@@ -20777,7 +22728,3201 @@
 </p:sld>
 </file>
 
-<file path=ppt/slides/slide23.xml><?xml version="1.0" encoding="utf-8"?>
+<file path=ppt/slides/slide28.xml><?xml version="1.0" encoding="utf-8"?>
+<p:sld xmlns:a="http://schemas.openxmlformats.org/drawingml/2006/main" xmlns:r="http://schemas.openxmlformats.org/officeDocument/2006/relationships" xmlns:p="http://schemas.openxmlformats.org/presentationml/2006/main">
+  <p:cSld>
+    <p:spTree>
+      <p:nvGrpSpPr>
+        <p:cNvPr id="1" name=""/>
+        <p:cNvGrpSpPr/>
+        <p:nvPr/>
+      </p:nvGrpSpPr>
+      <p:grpSpPr>
+        <a:xfrm>
+          <a:off x="0" y="0"/>
+          <a:ext cx="0" cy="0"/>
+          <a:chOff x="0" y="0"/>
+          <a:chExt cx="0" cy="0"/>
+        </a:xfrm>
+      </p:grpSpPr>
+      <mc:AlternateContent xmlns:mc="http://schemas.openxmlformats.org/markup-compatibility/2006">
+        <mc:Choice xmlns:a14="http://schemas.microsoft.com/office/drawing/2010/main" Requires="a14">
+          <p:sp>
+            <p:nvSpPr>
+              <p:cNvPr id="2" name="Title 1">
+                <a:extLst>
+                  <a:ext uri="{FF2B5EF4-FFF2-40B4-BE49-F238E27FC236}">
+                    <a16:creationId xmlns:a16="http://schemas.microsoft.com/office/drawing/2014/main" id="{61AF48F3-A62E-4724-BD5D-214E23F1C5D9}"/>
+                  </a:ext>
+                </a:extLst>
+              </p:cNvPr>
+              <p:cNvSpPr>
+                <a:spLocks noGrp="1"/>
+              </p:cNvSpPr>
+              <p:nvPr>
+                <p:ph type="title"/>
+              </p:nvPr>
+            </p:nvSpPr>
+            <p:spPr>
+              <a:xfrm>
+                <a:off x="1141413" y="392186"/>
+                <a:ext cx="9905998" cy="884357"/>
+              </a:xfrm>
+            </p:spPr>
+            <p:txBody>
+              <a:bodyPr>
+                <a:normAutofit fontScale="90000"/>
+              </a:bodyPr>
+              <a:lstStyle/>
+              <a:p>
+                <a:r>
+                  <a:rPr lang="en-US" dirty="0"/>
+                  <a:t>There are </a:t>
+                </a:r>
+                <a14:m>
+                  <m:oMath xmlns:m="http://schemas.openxmlformats.org/officeDocument/2006/math">
+                    <m:sSup>
+                      <m:sSupPr>
+                        <m:ctrlPr>
+                          <a:rPr lang="en-US" b="0" i="1" smtClean="0">
+                            <a:latin typeface="Cambria Math" panose="02040503050406030204" pitchFamily="18" charset="0"/>
+                          </a:rPr>
+                        </m:ctrlPr>
+                      </m:sSupPr>
+                      <m:e>
+                        <m:r>
+                          <a:rPr lang="en-US" b="0" i="1" smtClean="0">
+                            <a:latin typeface="Cambria Math" panose="02040503050406030204" pitchFamily="18" charset="0"/>
+                          </a:rPr>
+                          <m:t>2</m:t>
+                        </m:r>
+                      </m:e>
+                      <m:sup>
+                        <m:r>
+                          <a:rPr lang="en-US" b="0" i="1" smtClean="0">
+                            <a:latin typeface="Cambria Math" panose="02040503050406030204" pitchFamily="18" charset="0"/>
+                          </a:rPr>
+                          <m:t>𝑛</m:t>
+                        </m:r>
+                      </m:sup>
+                    </m:sSup>
+                  </m:oMath>
+                </a14:m>
+                <a:r>
+                  <a:rPr lang="en-US" dirty="0"/>
+                  <a:t> binary strings of length </a:t>
+                </a:r>
+                <a14:m>
+                  <m:oMath xmlns:m="http://schemas.openxmlformats.org/officeDocument/2006/math">
+                    <m:r>
+                      <a:rPr lang="en-US" b="0" i="1" smtClean="0">
+                        <a:latin typeface="Cambria Math" panose="02040503050406030204" pitchFamily="18" charset="0"/>
+                      </a:rPr>
+                      <m:t>𝑛</m:t>
+                    </m:r>
+                    <m:r>
+                      <a:rPr lang="en-US" b="0" i="1" smtClean="0">
+                        <a:latin typeface="Cambria Math" panose="02040503050406030204" pitchFamily="18" charset="0"/>
+                      </a:rPr>
+                      <m:t>|</m:t>
+                    </m:r>
+                    <m:r>
+                      <a:rPr lang="en-US" b="0" i="1" smtClean="0">
+                        <a:latin typeface="Cambria Math" panose="02040503050406030204" pitchFamily="18" charset="0"/>
+                      </a:rPr>
+                      <m:t>𝑛</m:t>
+                    </m:r>
+                    <m:r>
+                      <a:rPr lang="en-US" b="0" i="1" smtClean="0">
+                        <a:latin typeface="Cambria Math" panose="02040503050406030204" pitchFamily="18" charset="0"/>
+                      </a:rPr>
+                      <m:t>≥1</m:t>
+                    </m:r>
+                  </m:oMath>
+                </a14:m>
+                <a:r>
+                  <a:rPr lang="en-US" dirty="0"/>
+                  <a:t>.</a:t>
+                </a:r>
+              </a:p>
+            </p:txBody>
+          </p:sp>
+        </mc:Choice>
+        <mc:Fallback>
+          <p:sp>
+            <p:nvSpPr>
+              <p:cNvPr id="2" name="Title 1">
+                <a:extLst>
+                  <a:ext uri="{FF2B5EF4-FFF2-40B4-BE49-F238E27FC236}">
+                    <a16:creationId xmlns:a16="http://schemas.microsoft.com/office/drawing/2014/main" id="{61AF48F3-A62E-4724-BD5D-214E23F1C5D9}"/>
+                  </a:ext>
+                </a:extLst>
+              </p:cNvPr>
+              <p:cNvSpPr>
+                <a:spLocks noGrp="1" noRot="1" noChangeAspect="1" noMove="1" noResize="1" noEditPoints="1" noAdjustHandles="1" noChangeArrowheads="1" noChangeShapeType="1" noTextEdit="1"/>
+              </p:cNvSpPr>
+              <p:nvPr>
+                <p:ph type="title"/>
+              </p:nvPr>
+            </p:nvSpPr>
+            <p:spPr>
+              <a:xfrm>
+                <a:off x="1141413" y="392186"/>
+                <a:ext cx="9905998" cy="884357"/>
+              </a:xfrm>
+              <a:blipFill>
+                <a:blip r:embed="rId2"/>
+                <a:stretch>
+                  <a:fillRect l="-1536"/>
+                </a:stretch>
+              </a:blipFill>
+            </p:spPr>
+            <p:txBody>
+              <a:bodyPr/>
+              <a:lstStyle/>
+              <a:p>
+                <a:r>
+                  <a:rPr lang="en-US">
+                    <a:noFill/>
+                  </a:rPr>
+                  <a:t> </a:t>
+                </a:r>
+              </a:p>
+            </p:txBody>
+          </p:sp>
+        </mc:Fallback>
+      </mc:AlternateContent>
+      <p:sp>
+        <p:nvSpPr>
+          <p:cNvPr id="3" name="Content Placeholder 2">
+            <a:extLst>
+              <a:ext uri="{FF2B5EF4-FFF2-40B4-BE49-F238E27FC236}">
+                <a16:creationId xmlns:a16="http://schemas.microsoft.com/office/drawing/2014/main" id="{CB63C8C7-EEDA-4D6C-B1B8-1315D9680A41}"/>
+              </a:ext>
+            </a:extLst>
+          </p:cNvPr>
+          <p:cNvSpPr>
+            <a:spLocks noGrp="1"/>
+          </p:cNvSpPr>
+          <p:nvPr>
+            <p:ph idx="1"/>
+          </p:nvPr>
+        </p:nvSpPr>
+        <p:spPr>
+          <a:xfrm>
+            <a:off x="860755" y="2149898"/>
+            <a:ext cx="2298905" cy="656675"/>
+          </a:xfrm>
+        </p:spPr>
+        <p:txBody>
+          <a:bodyPr/>
+          <a:lstStyle/>
+          <a:p>
+            <a:pPr marL="0" indent="0">
+              <a:buNone/>
+            </a:pPr>
+            <a:r>
+              <a:rPr lang="en-US" dirty="0"/>
+              <a:t>Base Case (n=1):</a:t>
+            </a:r>
+          </a:p>
+        </p:txBody>
+      </p:sp>
+      <p:sp>
+        <p:nvSpPr>
+          <p:cNvPr id="4" name="Slide Number Placeholder 3">
+            <a:extLst>
+              <a:ext uri="{FF2B5EF4-FFF2-40B4-BE49-F238E27FC236}">
+                <a16:creationId xmlns:a16="http://schemas.microsoft.com/office/drawing/2014/main" id="{90AB1332-E69A-45A7-901D-9071D178337D}"/>
+              </a:ext>
+            </a:extLst>
+          </p:cNvPr>
+          <p:cNvSpPr>
+            <a:spLocks noGrp="1"/>
+          </p:cNvSpPr>
+          <p:nvPr>
+            <p:ph type="sldNum" sz="quarter" idx="12"/>
+          </p:nvPr>
+        </p:nvSpPr>
+        <p:spPr/>
+        <p:txBody>
+          <a:bodyPr/>
+          <a:lstStyle/>
+          <a:p>
+            <a:fld id="{9BB9F8D7-E2A3-4222-BD86-A63794DF33E7}" type="slidenum">
+              <a:rPr lang="en-US" smtClean="0"/>
+              <a:t>28</a:t>
+            </a:fld>
+            <a:endParaRPr lang="en-US"/>
+          </a:p>
+        </p:txBody>
+      </p:sp>
+      <mc:AlternateContent xmlns:mc="http://schemas.openxmlformats.org/markup-compatibility/2006">
+        <mc:Choice xmlns:a14="http://schemas.microsoft.com/office/drawing/2010/main" Requires="a14">
+          <p:sp>
+            <p:nvSpPr>
+              <p:cNvPr id="5" name="Content Placeholder 2">
+                <a:extLst>
+                  <a:ext uri="{FF2B5EF4-FFF2-40B4-BE49-F238E27FC236}">
+                    <a16:creationId xmlns:a16="http://schemas.microsoft.com/office/drawing/2014/main" id="{0153B467-440D-4441-A531-F5A8BFC953D8}"/>
+                  </a:ext>
+                </a:extLst>
+              </p:cNvPr>
+              <p:cNvSpPr txBox="1">
+                <a:spLocks/>
+              </p:cNvSpPr>
+              <p:nvPr/>
+            </p:nvSpPr>
+            <p:spPr>
+              <a:xfrm>
+                <a:off x="3348949" y="2149897"/>
+                <a:ext cx="6836200" cy="656675"/>
+              </a:xfrm>
+              <a:prstGeom prst="rect">
+                <a:avLst/>
+              </a:prstGeom>
+              <a:solidFill>
+                <a:schemeClr val="tx1">
+                  <a:lumMod val="95000"/>
+                </a:schemeClr>
+              </a:solidFill>
+            </p:spPr>
+            <p:txBody>
+              <a:bodyPr vert="horz" lIns="91440" tIns="45720" rIns="91440" bIns="45720" rtlCol="0">
+                <a:normAutofit/>
+              </a:bodyPr>
+              <a:lstStyle>
+                <a:lvl1pPr marL="228600" indent="-228600" algn="l" defTabSz="914400" rtl="0" eaLnBrk="1" latinLnBrk="0" hangingPunct="1">
+                  <a:lnSpc>
+                    <a:spcPct val="120000"/>
+                  </a:lnSpc>
+                  <a:spcBef>
+                    <a:spcPts val="1000"/>
+                  </a:spcBef>
+                  <a:buSzPct val="125000"/>
+                  <a:buFont typeface="Arial" panose="020B0604020202020204" pitchFamily="34" charset="0"/>
+                  <a:buChar char="•"/>
+                  <a:defRPr sz="2400" kern="1200">
+                    <a:solidFill>
+                      <a:schemeClr val="tx1"/>
+                    </a:solidFill>
+                    <a:latin typeface="+mn-lt"/>
+                    <a:ea typeface="+mn-ea"/>
+                    <a:cs typeface="+mn-cs"/>
+                  </a:defRPr>
+                </a:lvl1pPr>
+                <a:lvl2pPr marL="685800" indent="-228600" algn="l" defTabSz="914400" rtl="0" eaLnBrk="1" latinLnBrk="0" hangingPunct="1">
+                  <a:lnSpc>
+                    <a:spcPct val="120000"/>
+                  </a:lnSpc>
+                  <a:spcBef>
+                    <a:spcPts val="500"/>
+                  </a:spcBef>
+                  <a:buSzPct val="125000"/>
+                  <a:buFont typeface="Arial" panose="020B0604020202020204" pitchFamily="34" charset="0"/>
+                  <a:buChar char="•"/>
+                  <a:defRPr sz="2000" kern="1200">
+                    <a:solidFill>
+                      <a:schemeClr val="tx1"/>
+                    </a:solidFill>
+                    <a:latin typeface="+mn-lt"/>
+                    <a:ea typeface="+mn-ea"/>
+                    <a:cs typeface="+mn-cs"/>
+                  </a:defRPr>
+                </a:lvl2pPr>
+                <a:lvl3pPr marL="1143000" indent="-228600" algn="l" defTabSz="914400" rtl="0" eaLnBrk="1" latinLnBrk="0" hangingPunct="1">
+                  <a:lnSpc>
+                    <a:spcPct val="120000"/>
+                  </a:lnSpc>
+                  <a:spcBef>
+                    <a:spcPts val="500"/>
+                  </a:spcBef>
+                  <a:buSzPct val="125000"/>
+                  <a:buFont typeface="Arial" panose="020B0604020202020204" pitchFamily="34" charset="0"/>
+                  <a:buChar char="•"/>
+                  <a:defRPr sz="1800" kern="1200">
+                    <a:solidFill>
+                      <a:schemeClr val="tx1"/>
+                    </a:solidFill>
+                    <a:latin typeface="+mn-lt"/>
+                    <a:ea typeface="+mn-ea"/>
+                    <a:cs typeface="+mn-cs"/>
+                  </a:defRPr>
+                </a:lvl3pPr>
+                <a:lvl4pPr marL="1600200" indent="-228600" algn="l" defTabSz="914400" rtl="0" eaLnBrk="1" latinLnBrk="0" hangingPunct="1">
+                  <a:lnSpc>
+                    <a:spcPct val="120000"/>
+                  </a:lnSpc>
+                  <a:spcBef>
+                    <a:spcPts val="500"/>
+                  </a:spcBef>
+                  <a:buSzPct val="125000"/>
+                  <a:buFont typeface="Arial" panose="020B0604020202020204" pitchFamily="34" charset="0"/>
+                  <a:buChar char="•"/>
+                  <a:defRPr sz="1600" kern="1200">
+                    <a:solidFill>
+                      <a:schemeClr val="tx1"/>
+                    </a:solidFill>
+                    <a:latin typeface="+mn-lt"/>
+                    <a:ea typeface="+mn-ea"/>
+                    <a:cs typeface="+mn-cs"/>
+                  </a:defRPr>
+                </a:lvl4pPr>
+                <a:lvl5pPr marL="2057400" indent="-228600" algn="l" defTabSz="914400" rtl="0" eaLnBrk="1" latinLnBrk="0" hangingPunct="1">
+                  <a:lnSpc>
+                    <a:spcPct val="120000"/>
+                  </a:lnSpc>
+                  <a:spcBef>
+                    <a:spcPts val="500"/>
+                  </a:spcBef>
+                  <a:buSzPct val="125000"/>
+                  <a:buFont typeface="Arial" panose="020B0604020202020204" pitchFamily="34" charset="0"/>
+                  <a:buChar char="•"/>
+                  <a:defRPr sz="1600" kern="1200">
+                    <a:solidFill>
+                      <a:schemeClr val="tx1"/>
+                    </a:solidFill>
+                    <a:latin typeface="+mn-lt"/>
+                    <a:ea typeface="+mn-ea"/>
+                    <a:cs typeface="+mn-cs"/>
+                  </a:defRPr>
+                </a:lvl5pPr>
+                <a:lvl6pPr marL="2514600" indent="-228600" algn="l" defTabSz="914400" rtl="0" eaLnBrk="1" latinLnBrk="0" hangingPunct="1">
+                  <a:lnSpc>
+                    <a:spcPct val="120000"/>
+                  </a:lnSpc>
+                  <a:spcBef>
+                    <a:spcPts val="500"/>
+                  </a:spcBef>
+                  <a:buSzPct val="125000"/>
+                  <a:buFont typeface="Arial" panose="020B0604020202020204" pitchFamily="34" charset="0"/>
+                  <a:buChar char="•"/>
+                  <a:defRPr sz="1400" kern="1200">
+                    <a:solidFill>
+                      <a:schemeClr val="tx1"/>
+                    </a:solidFill>
+                    <a:latin typeface="+mn-lt"/>
+                    <a:ea typeface="+mn-ea"/>
+                    <a:cs typeface="+mn-cs"/>
+                  </a:defRPr>
+                </a:lvl6pPr>
+                <a:lvl7pPr marL="2971800" indent="-228600" algn="l" defTabSz="914400" rtl="0" eaLnBrk="1" latinLnBrk="0" hangingPunct="1">
+                  <a:lnSpc>
+                    <a:spcPct val="120000"/>
+                  </a:lnSpc>
+                  <a:spcBef>
+                    <a:spcPts val="500"/>
+                  </a:spcBef>
+                  <a:buSzPct val="125000"/>
+                  <a:buFont typeface="Arial" panose="020B0604020202020204" pitchFamily="34" charset="0"/>
+                  <a:buChar char="•"/>
+                  <a:defRPr sz="1400" kern="1200">
+                    <a:solidFill>
+                      <a:schemeClr val="tx1"/>
+                    </a:solidFill>
+                    <a:latin typeface="+mn-lt"/>
+                    <a:ea typeface="+mn-ea"/>
+                    <a:cs typeface="+mn-cs"/>
+                  </a:defRPr>
+                </a:lvl7pPr>
+                <a:lvl8pPr marL="3429000" indent="-228600" algn="l" defTabSz="914400" rtl="0" eaLnBrk="1" latinLnBrk="0" hangingPunct="1">
+                  <a:lnSpc>
+                    <a:spcPct val="120000"/>
+                  </a:lnSpc>
+                  <a:spcBef>
+                    <a:spcPts val="500"/>
+                  </a:spcBef>
+                  <a:buSzPct val="125000"/>
+                  <a:buFont typeface="Arial" panose="020B0604020202020204" pitchFamily="34" charset="0"/>
+                  <a:buChar char="•"/>
+                  <a:defRPr sz="1400" kern="1200">
+                    <a:solidFill>
+                      <a:schemeClr val="tx1"/>
+                    </a:solidFill>
+                    <a:latin typeface="+mn-lt"/>
+                    <a:ea typeface="+mn-ea"/>
+                    <a:cs typeface="+mn-cs"/>
+                  </a:defRPr>
+                </a:lvl8pPr>
+                <a:lvl9pPr marL="3886200" indent="-228600" algn="l" defTabSz="914400" rtl="0" eaLnBrk="1" latinLnBrk="0" hangingPunct="1">
+                  <a:lnSpc>
+                    <a:spcPct val="120000"/>
+                  </a:lnSpc>
+                  <a:spcBef>
+                    <a:spcPts val="500"/>
+                  </a:spcBef>
+                  <a:buSzPct val="125000"/>
+                  <a:buFont typeface="Arial" panose="020B0604020202020204" pitchFamily="34" charset="0"/>
+                  <a:buChar char="•"/>
+                  <a:defRPr sz="1400" kern="1200">
+                    <a:solidFill>
+                      <a:schemeClr val="tx1"/>
+                    </a:solidFill>
+                    <a:latin typeface="+mn-lt"/>
+                    <a:ea typeface="+mn-ea"/>
+                    <a:cs typeface="+mn-cs"/>
+                  </a:defRPr>
+                </a:lvl9pPr>
+              </a:lstStyle>
+              <a:p>
+                <a:pPr marL="0" indent="0">
+                  <a:buFont typeface="Arial" panose="020B0604020202020204" pitchFamily="34" charset="0"/>
+                  <a:buNone/>
+                </a:pPr>
+                <a14:m>
+                  <m:oMath xmlns:m="http://schemas.openxmlformats.org/officeDocument/2006/math">
+                    <m:sSup>
+                      <m:sSupPr>
+                        <m:ctrlPr>
+                          <a:rPr lang="en-US" b="0" i="1" smtClean="0">
+                            <a:solidFill>
+                              <a:schemeClr val="bg1"/>
+                            </a:solidFill>
+                            <a:latin typeface="Cambria Math" panose="02040503050406030204" pitchFamily="18" charset="0"/>
+                          </a:rPr>
+                        </m:ctrlPr>
+                      </m:sSupPr>
+                      <m:e>
+                        <m:r>
+                          <a:rPr lang="en-US" b="0" i="1" smtClean="0">
+                            <a:solidFill>
+                              <a:schemeClr val="bg1"/>
+                            </a:solidFill>
+                            <a:latin typeface="Cambria Math" panose="02040503050406030204" pitchFamily="18" charset="0"/>
+                          </a:rPr>
+                          <m:t>2</m:t>
+                        </m:r>
+                      </m:e>
+                      <m:sup>
+                        <m:r>
+                          <a:rPr lang="en-US" b="0" i="1" smtClean="0">
+                            <a:solidFill>
+                              <a:schemeClr val="bg1"/>
+                            </a:solidFill>
+                            <a:latin typeface="Cambria Math" panose="02040503050406030204" pitchFamily="18" charset="0"/>
+                          </a:rPr>
+                          <m:t>1</m:t>
+                        </m:r>
+                      </m:sup>
+                    </m:sSup>
+                    <m:r>
+                      <a:rPr lang="en-US" b="0" i="1" smtClean="0">
+                        <a:solidFill>
+                          <a:schemeClr val="bg1"/>
+                        </a:solidFill>
+                        <a:latin typeface="Cambria Math" panose="02040503050406030204" pitchFamily="18" charset="0"/>
+                      </a:rPr>
+                      <m:t>=2</m:t>
+                    </m:r>
+                  </m:oMath>
+                </a14:m>
+                <a:r>
+                  <a:rPr lang="en-US" dirty="0">
+                    <a:solidFill>
+                      <a:schemeClr val="bg1"/>
+                    </a:solidFill>
+                  </a:rPr>
+                  <a:t>, Strings are “0” and “1”</a:t>
+                </a:r>
+              </a:p>
+            </p:txBody>
+          </p:sp>
+        </mc:Choice>
+        <mc:Fallback>
+          <p:sp>
+            <p:nvSpPr>
+              <p:cNvPr id="5" name="Content Placeholder 2">
+                <a:extLst>
+                  <a:ext uri="{FF2B5EF4-FFF2-40B4-BE49-F238E27FC236}">
+                    <a16:creationId xmlns:a16="http://schemas.microsoft.com/office/drawing/2014/main" id="{0153B467-440D-4441-A531-F5A8BFC953D8}"/>
+                  </a:ext>
+                </a:extLst>
+              </p:cNvPr>
+              <p:cNvSpPr txBox="1">
+                <a:spLocks noRot="1" noChangeAspect="1" noMove="1" noResize="1" noEditPoints="1" noAdjustHandles="1" noChangeArrowheads="1" noChangeShapeType="1" noTextEdit="1"/>
+              </p:cNvSpPr>
+              <p:nvPr/>
+            </p:nvSpPr>
+            <p:spPr>
+              <a:xfrm>
+                <a:off x="3348949" y="2149897"/>
+                <a:ext cx="6836200" cy="656675"/>
+              </a:xfrm>
+              <a:prstGeom prst="rect">
+                <a:avLst/>
+              </a:prstGeom>
+              <a:blipFill>
+                <a:blip r:embed="rId3"/>
+                <a:stretch>
+                  <a:fillRect l="-372"/>
+                </a:stretch>
+              </a:blipFill>
+            </p:spPr>
+            <p:txBody>
+              <a:bodyPr/>
+              <a:lstStyle/>
+              <a:p>
+                <a:r>
+                  <a:rPr lang="en-US">
+                    <a:noFill/>
+                  </a:rPr>
+                  <a:t> </a:t>
+                </a:r>
+              </a:p>
+            </p:txBody>
+          </p:sp>
+        </mc:Fallback>
+      </mc:AlternateContent>
+      <p:sp>
+        <p:nvSpPr>
+          <p:cNvPr id="6" name="Content Placeholder 2">
+            <a:extLst>
+              <a:ext uri="{FF2B5EF4-FFF2-40B4-BE49-F238E27FC236}">
+                <a16:creationId xmlns:a16="http://schemas.microsoft.com/office/drawing/2014/main" id="{8E04A0EB-7434-524B-8C48-FD42281F9AEE}"/>
+              </a:ext>
+            </a:extLst>
+          </p:cNvPr>
+          <p:cNvSpPr txBox="1">
+            <a:spLocks/>
+          </p:cNvSpPr>
+          <p:nvPr/>
+        </p:nvSpPr>
+        <p:spPr>
+          <a:xfrm>
+            <a:off x="860755" y="3023252"/>
+            <a:ext cx="2298905" cy="656675"/>
+          </a:xfrm>
+          <a:prstGeom prst="rect">
+            <a:avLst/>
+          </a:prstGeom>
+        </p:spPr>
+        <p:txBody>
+          <a:bodyPr vert="horz" lIns="91440" tIns="45720" rIns="91440" bIns="45720" rtlCol="0">
+            <a:normAutofit/>
+          </a:bodyPr>
+          <a:lstStyle>
+            <a:lvl1pPr marL="228600" indent="-228600" algn="l" defTabSz="914400" rtl="0" eaLnBrk="1" latinLnBrk="0" hangingPunct="1">
+              <a:lnSpc>
+                <a:spcPct val="120000"/>
+              </a:lnSpc>
+              <a:spcBef>
+                <a:spcPts val="1000"/>
+              </a:spcBef>
+              <a:buSzPct val="125000"/>
+              <a:buFont typeface="Arial" panose="020B0604020202020204" pitchFamily="34" charset="0"/>
+              <a:buChar char="•"/>
+              <a:defRPr sz="2400" kern="1200">
+                <a:solidFill>
+                  <a:schemeClr val="tx1"/>
+                </a:solidFill>
+                <a:latin typeface="+mn-lt"/>
+                <a:ea typeface="+mn-ea"/>
+                <a:cs typeface="+mn-cs"/>
+              </a:defRPr>
+            </a:lvl1pPr>
+            <a:lvl2pPr marL="685800" indent="-228600" algn="l" defTabSz="914400" rtl="0" eaLnBrk="1" latinLnBrk="0" hangingPunct="1">
+              <a:lnSpc>
+                <a:spcPct val="120000"/>
+              </a:lnSpc>
+              <a:spcBef>
+                <a:spcPts val="500"/>
+              </a:spcBef>
+              <a:buSzPct val="125000"/>
+              <a:buFont typeface="Arial" panose="020B0604020202020204" pitchFamily="34" charset="0"/>
+              <a:buChar char="•"/>
+              <a:defRPr sz="2000" kern="1200">
+                <a:solidFill>
+                  <a:schemeClr val="tx1"/>
+                </a:solidFill>
+                <a:latin typeface="+mn-lt"/>
+                <a:ea typeface="+mn-ea"/>
+                <a:cs typeface="+mn-cs"/>
+              </a:defRPr>
+            </a:lvl2pPr>
+            <a:lvl3pPr marL="1143000" indent="-228600" algn="l" defTabSz="914400" rtl="0" eaLnBrk="1" latinLnBrk="0" hangingPunct="1">
+              <a:lnSpc>
+                <a:spcPct val="120000"/>
+              </a:lnSpc>
+              <a:spcBef>
+                <a:spcPts val="500"/>
+              </a:spcBef>
+              <a:buSzPct val="125000"/>
+              <a:buFont typeface="Arial" panose="020B0604020202020204" pitchFamily="34" charset="0"/>
+              <a:buChar char="•"/>
+              <a:defRPr sz="1800" kern="1200">
+                <a:solidFill>
+                  <a:schemeClr val="tx1"/>
+                </a:solidFill>
+                <a:latin typeface="+mn-lt"/>
+                <a:ea typeface="+mn-ea"/>
+                <a:cs typeface="+mn-cs"/>
+              </a:defRPr>
+            </a:lvl3pPr>
+            <a:lvl4pPr marL="1600200" indent="-228600" algn="l" defTabSz="914400" rtl="0" eaLnBrk="1" latinLnBrk="0" hangingPunct="1">
+              <a:lnSpc>
+                <a:spcPct val="120000"/>
+              </a:lnSpc>
+              <a:spcBef>
+                <a:spcPts val="500"/>
+              </a:spcBef>
+              <a:buSzPct val="125000"/>
+              <a:buFont typeface="Arial" panose="020B0604020202020204" pitchFamily="34" charset="0"/>
+              <a:buChar char="•"/>
+              <a:defRPr sz="1600" kern="1200">
+                <a:solidFill>
+                  <a:schemeClr val="tx1"/>
+                </a:solidFill>
+                <a:latin typeface="+mn-lt"/>
+                <a:ea typeface="+mn-ea"/>
+                <a:cs typeface="+mn-cs"/>
+              </a:defRPr>
+            </a:lvl4pPr>
+            <a:lvl5pPr marL="2057400" indent="-228600" algn="l" defTabSz="914400" rtl="0" eaLnBrk="1" latinLnBrk="0" hangingPunct="1">
+              <a:lnSpc>
+                <a:spcPct val="120000"/>
+              </a:lnSpc>
+              <a:spcBef>
+                <a:spcPts val="500"/>
+              </a:spcBef>
+              <a:buSzPct val="125000"/>
+              <a:buFont typeface="Arial" panose="020B0604020202020204" pitchFamily="34" charset="0"/>
+              <a:buChar char="•"/>
+              <a:defRPr sz="1600" kern="1200">
+                <a:solidFill>
+                  <a:schemeClr val="tx1"/>
+                </a:solidFill>
+                <a:latin typeface="+mn-lt"/>
+                <a:ea typeface="+mn-ea"/>
+                <a:cs typeface="+mn-cs"/>
+              </a:defRPr>
+            </a:lvl5pPr>
+            <a:lvl6pPr marL="2514600" indent="-228600" algn="l" defTabSz="914400" rtl="0" eaLnBrk="1" latinLnBrk="0" hangingPunct="1">
+              <a:lnSpc>
+                <a:spcPct val="120000"/>
+              </a:lnSpc>
+              <a:spcBef>
+                <a:spcPts val="500"/>
+              </a:spcBef>
+              <a:buSzPct val="125000"/>
+              <a:buFont typeface="Arial" panose="020B0604020202020204" pitchFamily="34" charset="0"/>
+              <a:buChar char="•"/>
+              <a:defRPr sz="1400" kern="1200">
+                <a:solidFill>
+                  <a:schemeClr val="tx1"/>
+                </a:solidFill>
+                <a:latin typeface="+mn-lt"/>
+                <a:ea typeface="+mn-ea"/>
+                <a:cs typeface="+mn-cs"/>
+              </a:defRPr>
+            </a:lvl6pPr>
+            <a:lvl7pPr marL="2971800" indent="-228600" algn="l" defTabSz="914400" rtl="0" eaLnBrk="1" latinLnBrk="0" hangingPunct="1">
+              <a:lnSpc>
+                <a:spcPct val="120000"/>
+              </a:lnSpc>
+              <a:spcBef>
+                <a:spcPts val="500"/>
+              </a:spcBef>
+              <a:buSzPct val="125000"/>
+              <a:buFont typeface="Arial" panose="020B0604020202020204" pitchFamily="34" charset="0"/>
+              <a:buChar char="•"/>
+              <a:defRPr sz="1400" kern="1200">
+                <a:solidFill>
+                  <a:schemeClr val="tx1"/>
+                </a:solidFill>
+                <a:latin typeface="+mn-lt"/>
+                <a:ea typeface="+mn-ea"/>
+                <a:cs typeface="+mn-cs"/>
+              </a:defRPr>
+            </a:lvl7pPr>
+            <a:lvl8pPr marL="3429000" indent="-228600" algn="l" defTabSz="914400" rtl="0" eaLnBrk="1" latinLnBrk="0" hangingPunct="1">
+              <a:lnSpc>
+                <a:spcPct val="120000"/>
+              </a:lnSpc>
+              <a:spcBef>
+                <a:spcPts val="500"/>
+              </a:spcBef>
+              <a:buSzPct val="125000"/>
+              <a:buFont typeface="Arial" panose="020B0604020202020204" pitchFamily="34" charset="0"/>
+              <a:buChar char="•"/>
+              <a:defRPr sz="1400" kern="1200">
+                <a:solidFill>
+                  <a:schemeClr val="tx1"/>
+                </a:solidFill>
+                <a:latin typeface="+mn-lt"/>
+                <a:ea typeface="+mn-ea"/>
+                <a:cs typeface="+mn-cs"/>
+              </a:defRPr>
+            </a:lvl8pPr>
+            <a:lvl9pPr marL="3886200" indent="-228600" algn="l" defTabSz="914400" rtl="0" eaLnBrk="1" latinLnBrk="0" hangingPunct="1">
+              <a:lnSpc>
+                <a:spcPct val="120000"/>
+              </a:lnSpc>
+              <a:spcBef>
+                <a:spcPts val="500"/>
+              </a:spcBef>
+              <a:buSzPct val="125000"/>
+              <a:buFont typeface="Arial" panose="020B0604020202020204" pitchFamily="34" charset="0"/>
+              <a:buChar char="•"/>
+              <a:defRPr sz="1400" kern="1200">
+                <a:solidFill>
+                  <a:schemeClr val="tx1"/>
+                </a:solidFill>
+                <a:latin typeface="+mn-lt"/>
+                <a:ea typeface="+mn-ea"/>
+                <a:cs typeface="+mn-cs"/>
+              </a:defRPr>
+            </a:lvl9pPr>
+          </a:lstStyle>
+          <a:p>
+            <a:pPr marL="0" indent="0">
+              <a:buFont typeface="Arial" panose="020B0604020202020204" pitchFamily="34" charset="0"/>
+              <a:buNone/>
+            </a:pPr>
+            <a:r>
+              <a:rPr lang="en-US" dirty="0"/>
+              <a:t>Ind. Hypothesis</a:t>
+            </a:r>
+          </a:p>
+        </p:txBody>
+      </p:sp>
+      <mc:AlternateContent xmlns:mc="http://schemas.openxmlformats.org/markup-compatibility/2006">
+        <mc:Choice xmlns:a14="http://schemas.microsoft.com/office/drawing/2010/main" Requires="a14">
+          <p:sp>
+            <p:nvSpPr>
+              <p:cNvPr id="7" name="Content Placeholder 2">
+                <a:extLst>
+                  <a:ext uri="{FF2B5EF4-FFF2-40B4-BE49-F238E27FC236}">
+                    <a16:creationId xmlns:a16="http://schemas.microsoft.com/office/drawing/2014/main" id="{43595C40-5C8D-D546-AFCD-26BE71DDD43A}"/>
+                  </a:ext>
+                </a:extLst>
+              </p:cNvPr>
+              <p:cNvSpPr txBox="1">
+                <a:spLocks/>
+              </p:cNvSpPr>
+              <p:nvPr/>
+            </p:nvSpPr>
+            <p:spPr>
+              <a:xfrm>
+                <a:off x="3348949" y="3023251"/>
+                <a:ext cx="6836200" cy="656675"/>
+              </a:xfrm>
+              <a:prstGeom prst="rect">
+                <a:avLst/>
+              </a:prstGeom>
+              <a:solidFill>
+                <a:schemeClr val="tx1">
+                  <a:lumMod val="95000"/>
+                </a:schemeClr>
+              </a:solidFill>
+            </p:spPr>
+            <p:txBody>
+              <a:bodyPr vert="horz" lIns="91440" tIns="45720" rIns="91440" bIns="45720" rtlCol="0">
+                <a:normAutofit/>
+              </a:bodyPr>
+              <a:lstStyle>
+                <a:lvl1pPr marL="228600" indent="-228600" algn="l" defTabSz="914400" rtl="0" eaLnBrk="1" latinLnBrk="0" hangingPunct="1">
+                  <a:lnSpc>
+                    <a:spcPct val="120000"/>
+                  </a:lnSpc>
+                  <a:spcBef>
+                    <a:spcPts val="1000"/>
+                  </a:spcBef>
+                  <a:buSzPct val="125000"/>
+                  <a:buFont typeface="Arial" panose="020B0604020202020204" pitchFamily="34" charset="0"/>
+                  <a:buChar char="•"/>
+                  <a:defRPr sz="2400" kern="1200">
+                    <a:solidFill>
+                      <a:schemeClr val="tx1"/>
+                    </a:solidFill>
+                    <a:latin typeface="+mn-lt"/>
+                    <a:ea typeface="+mn-ea"/>
+                    <a:cs typeface="+mn-cs"/>
+                  </a:defRPr>
+                </a:lvl1pPr>
+                <a:lvl2pPr marL="685800" indent="-228600" algn="l" defTabSz="914400" rtl="0" eaLnBrk="1" latinLnBrk="0" hangingPunct="1">
+                  <a:lnSpc>
+                    <a:spcPct val="120000"/>
+                  </a:lnSpc>
+                  <a:spcBef>
+                    <a:spcPts val="500"/>
+                  </a:spcBef>
+                  <a:buSzPct val="125000"/>
+                  <a:buFont typeface="Arial" panose="020B0604020202020204" pitchFamily="34" charset="0"/>
+                  <a:buChar char="•"/>
+                  <a:defRPr sz="2000" kern="1200">
+                    <a:solidFill>
+                      <a:schemeClr val="tx1"/>
+                    </a:solidFill>
+                    <a:latin typeface="+mn-lt"/>
+                    <a:ea typeface="+mn-ea"/>
+                    <a:cs typeface="+mn-cs"/>
+                  </a:defRPr>
+                </a:lvl2pPr>
+                <a:lvl3pPr marL="1143000" indent="-228600" algn="l" defTabSz="914400" rtl="0" eaLnBrk="1" latinLnBrk="0" hangingPunct="1">
+                  <a:lnSpc>
+                    <a:spcPct val="120000"/>
+                  </a:lnSpc>
+                  <a:spcBef>
+                    <a:spcPts val="500"/>
+                  </a:spcBef>
+                  <a:buSzPct val="125000"/>
+                  <a:buFont typeface="Arial" panose="020B0604020202020204" pitchFamily="34" charset="0"/>
+                  <a:buChar char="•"/>
+                  <a:defRPr sz="1800" kern="1200">
+                    <a:solidFill>
+                      <a:schemeClr val="tx1"/>
+                    </a:solidFill>
+                    <a:latin typeface="+mn-lt"/>
+                    <a:ea typeface="+mn-ea"/>
+                    <a:cs typeface="+mn-cs"/>
+                  </a:defRPr>
+                </a:lvl3pPr>
+                <a:lvl4pPr marL="1600200" indent="-228600" algn="l" defTabSz="914400" rtl="0" eaLnBrk="1" latinLnBrk="0" hangingPunct="1">
+                  <a:lnSpc>
+                    <a:spcPct val="120000"/>
+                  </a:lnSpc>
+                  <a:spcBef>
+                    <a:spcPts val="500"/>
+                  </a:spcBef>
+                  <a:buSzPct val="125000"/>
+                  <a:buFont typeface="Arial" panose="020B0604020202020204" pitchFamily="34" charset="0"/>
+                  <a:buChar char="•"/>
+                  <a:defRPr sz="1600" kern="1200">
+                    <a:solidFill>
+                      <a:schemeClr val="tx1"/>
+                    </a:solidFill>
+                    <a:latin typeface="+mn-lt"/>
+                    <a:ea typeface="+mn-ea"/>
+                    <a:cs typeface="+mn-cs"/>
+                  </a:defRPr>
+                </a:lvl4pPr>
+                <a:lvl5pPr marL="2057400" indent="-228600" algn="l" defTabSz="914400" rtl="0" eaLnBrk="1" latinLnBrk="0" hangingPunct="1">
+                  <a:lnSpc>
+                    <a:spcPct val="120000"/>
+                  </a:lnSpc>
+                  <a:spcBef>
+                    <a:spcPts val="500"/>
+                  </a:spcBef>
+                  <a:buSzPct val="125000"/>
+                  <a:buFont typeface="Arial" panose="020B0604020202020204" pitchFamily="34" charset="0"/>
+                  <a:buChar char="•"/>
+                  <a:defRPr sz="1600" kern="1200">
+                    <a:solidFill>
+                      <a:schemeClr val="tx1"/>
+                    </a:solidFill>
+                    <a:latin typeface="+mn-lt"/>
+                    <a:ea typeface="+mn-ea"/>
+                    <a:cs typeface="+mn-cs"/>
+                  </a:defRPr>
+                </a:lvl5pPr>
+                <a:lvl6pPr marL="2514600" indent="-228600" algn="l" defTabSz="914400" rtl="0" eaLnBrk="1" latinLnBrk="0" hangingPunct="1">
+                  <a:lnSpc>
+                    <a:spcPct val="120000"/>
+                  </a:lnSpc>
+                  <a:spcBef>
+                    <a:spcPts val="500"/>
+                  </a:spcBef>
+                  <a:buSzPct val="125000"/>
+                  <a:buFont typeface="Arial" panose="020B0604020202020204" pitchFamily="34" charset="0"/>
+                  <a:buChar char="•"/>
+                  <a:defRPr sz="1400" kern="1200">
+                    <a:solidFill>
+                      <a:schemeClr val="tx1"/>
+                    </a:solidFill>
+                    <a:latin typeface="+mn-lt"/>
+                    <a:ea typeface="+mn-ea"/>
+                    <a:cs typeface="+mn-cs"/>
+                  </a:defRPr>
+                </a:lvl6pPr>
+                <a:lvl7pPr marL="2971800" indent="-228600" algn="l" defTabSz="914400" rtl="0" eaLnBrk="1" latinLnBrk="0" hangingPunct="1">
+                  <a:lnSpc>
+                    <a:spcPct val="120000"/>
+                  </a:lnSpc>
+                  <a:spcBef>
+                    <a:spcPts val="500"/>
+                  </a:spcBef>
+                  <a:buSzPct val="125000"/>
+                  <a:buFont typeface="Arial" panose="020B0604020202020204" pitchFamily="34" charset="0"/>
+                  <a:buChar char="•"/>
+                  <a:defRPr sz="1400" kern="1200">
+                    <a:solidFill>
+                      <a:schemeClr val="tx1"/>
+                    </a:solidFill>
+                    <a:latin typeface="+mn-lt"/>
+                    <a:ea typeface="+mn-ea"/>
+                    <a:cs typeface="+mn-cs"/>
+                  </a:defRPr>
+                </a:lvl7pPr>
+                <a:lvl8pPr marL="3429000" indent="-228600" algn="l" defTabSz="914400" rtl="0" eaLnBrk="1" latinLnBrk="0" hangingPunct="1">
+                  <a:lnSpc>
+                    <a:spcPct val="120000"/>
+                  </a:lnSpc>
+                  <a:spcBef>
+                    <a:spcPts val="500"/>
+                  </a:spcBef>
+                  <a:buSzPct val="125000"/>
+                  <a:buFont typeface="Arial" panose="020B0604020202020204" pitchFamily="34" charset="0"/>
+                  <a:buChar char="•"/>
+                  <a:defRPr sz="1400" kern="1200">
+                    <a:solidFill>
+                      <a:schemeClr val="tx1"/>
+                    </a:solidFill>
+                    <a:latin typeface="+mn-lt"/>
+                    <a:ea typeface="+mn-ea"/>
+                    <a:cs typeface="+mn-cs"/>
+                  </a:defRPr>
+                </a:lvl8pPr>
+                <a:lvl9pPr marL="3886200" indent="-228600" algn="l" defTabSz="914400" rtl="0" eaLnBrk="1" latinLnBrk="0" hangingPunct="1">
+                  <a:lnSpc>
+                    <a:spcPct val="120000"/>
+                  </a:lnSpc>
+                  <a:spcBef>
+                    <a:spcPts val="500"/>
+                  </a:spcBef>
+                  <a:buSzPct val="125000"/>
+                  <a:buFont typeface="Arial" panose="020B0604020202020204" pitchFamily="34" charset="0"/>
+                  <a:buChar char="•"/>
+                  <a:defRPr sz="1400" kern="1200">
+                    <a:solidFill>
+                      <a:schemeClr val="tx1"/>
+                    </a:solidFill>
+                    <a:latin typeface="+mn-lt"/>
+                    <a:ea typeface="+mn-ea"/>
+                    <a:cs typeface="+mn-cs"/>
+                  </a:defRPr>
+                </a:lvl9pPr>
+              </a:lstStyle>
+              <a:p>
+                <a:pPr marL="0" indent="0">
+                  <a:buFont typeface="Arial" panose="020B0604020202020204" pitchFamily="34" charset="0"/>
+                  <a:buNone/>
+                </a:pPr>
+                <a:r>
+                  <a:rPr lang="en-US" b="0" dirty="0">
+                    <a:solidFill>
+                      <a:schemeClr val="bg1"/>
+                    </a:solidFill>
+                  </a:rPr>
+                  <a:t>Suppose </a:t>
+                </a:r>
+                <a14:m>
+                  <m:oMath xmlns:m="http://schemas.openxmlformats.org/officeDocument/2006/math">
+                    <m:sSup>
+                      <m:sSupPr>
+                        <m:ctrlPr>
+                          <a:rPr lang="en-US" b="0" i="1" smtClean="0">
+                            <a:solidFill>
+                              <a:schemeClr val="bg1"/>
+                            </a:solidFill>
+                            <a:latin typeface="Cambria Math" panose="02040503050406030204" pitchFamily="18" charset="0"/>
+                          </a:rPr>
+                        </m:ctrlPr>
+                      </m:sSupPr>
+                      <m:e>
+                        <m:r>
+                          <a:rPr lang="en-US" b="0" i="1" smtClean="0">
+                            <a:solidFill>
+                              <a:schemeClr val="bg1"/>
+                            </a:solidFill>
+                            <a:latin typeface="Cambria Math" panose="02040503050406030204" pitchFamily="18" charset="0"/>
+                          </a:rPr>
+                          <m:t>2</m:t>
+                        </m:r>
+                      </m:e>
+                      <m:sup>
+                        <m:r>
+                          <a:rPr lang="en-US" b="0" i="1" smtClean="0">
+                            <a:solidFill>
+                              <a:schemeClr val="bg1"/>
+                            </a:solidFill>
+                            <a:latin typeface="Cambria Math" panose="02040503050406030204" pitchFamily="18" charset="0"/>
+                          </a:rPr>
+                          <m:t>𝑘</m:t>
+                        </m:r>
+                      </m:sup>
+                    </m:sSup>
+                  </m:oMath>
+                </a14:m>
+                <a:r>
+                  <a:rPr lang="en-US" dirty="0">
+                    <a:solidFill>
+                      <a:schemeClr val="bg1"/>
+                    </a:solidFill>
+                  </a:rPr>
+                  <a:t> strings exist for length k</a:t>
+                </a:r>
+              </a:p>
+            </p:txBody>
+          </p:sp>
+        </mc:Choice>
+        <mc:Fallback>
+          <p:sp>
+            <p:nvSpPr>
+              <p:cNvPr id="7" name="Content Placeholder 2">
+                <a:extLst>
+                  <a:ext uri="{FF2B5EF4-FFF2-40B4-BE49-F238E27FC236}">
+                    <a16:creationId xmlns:a16="http://schemas.microsoft.com/office/drawing/2014/main" id="{43595C40-5C8D-D546-AFCD-26BE71DDD43A}"/>
+                  </a:ext>
+                </a:extLst>
+              </p:cNvPr>
+              <p:cNvSpPr txBox="1">
+                <a:spLocks noRot="1" noChangeAspect="1" noMove="1" noResize="1" noEditPoints="1" noAdjustHandles="1" noChangeArrowheads="1" noChangeShapeType="1" noTextEdit="1"/>
+              </p:cNvSpPr>
+              <p:nvPr/>
+            </p:nvSpPr>
+            <p:spPr>
+              <a:xfrm>
+                <a:off x="3348949" y="3023251"/>
+                <a:ext cx="6836200" cy="656675"/>
+              </a:xfrm>
+              <a:prstGeom prst="rect">
+                <a:avLst/>
+              </a:prstGeom>
+              <a:blipFill>
+                <a:blip r:embed="rId4"/>
+                <a:stretch>
+                  <a:fillRect l="-1487"/>
+                </a:stretch>
+              </a:blipFill>
+            </p:spPr>
+            <p:txBody>
+              <a:bodyPr/>
+              <a:lstStyle/>
+              <a:p>
+                <a:r>
+                  <a:rPr lang="en-US">
+                    <a:noFill/>
+                  </a:rPr>
+                  <a:t> </a:t>
+                </a:r>
+              </a:p>
+            </p:txBody>
+          </p:sp>
+        </mc:Fallback>
+      </mc:AlternateContent>
+    </p:spTree>
+    <p:extLst>
+      <p:ext uri="{BB962C8B-B14F-4D97-AF65-F5344CB8AC3E}">
+        <p14:creationId xmlns:p14="http://schemas.microsoft.com/office/powerpoint/2010/main" val="1459267193"/>
+      </p:ext>
+    </p:extLst>
+  </p:cSld>
+  <p:clrMapOvr>
+    <a:masterClrMapping/>
+  </p:clrMapOvr>
+</p:sld>
+</file>
+
+<file path=ppt/slides/slide29.xml><?xml version="1.0" encoding="utf-8"?>
+<p:sld xmlns:a="http://schemas.openxmlformats.org/drawingml/2006/main" xmlns:r="http://schemas.openxmlformats.org/officeDocument/2006/relationships" xmlns:p="http://schemas.openxmlformats.org/presentationml/2006/main">
+  <p:cSld>
+    <p:spTree>
+      <p:nvGrpSpPr>
+        <p:cNvPr id="1" name=""/>
+        <p:cNvGrpSpPr/>
+        <p:nvPr/>
+      </p:nvGrpSpPr>
+      <p:grpSpPr>
+        <a:xfrm>
+          <a:off x="0" y="0"/>
+          <a:ext cx="0" cy="0"/>
+          <a:chOff x="0" y="0"/>
+          <a:chExt cx="0" cy="0"/>
+        </a:xfrm>
+      </p:grpSpPr>
+      <mc:AlternateContent xmlns:mc="http://schemas.openxmlformats.org/markup-compatibility/2006">
+        <mc:Choice xmlns:a14="http://schemas.microsoft.com/office/drawing/2010/main" Requires="a14">
+          <p:sp>
+            <p:nvSpPr>
+              <p:cNvPr id="2" name="Title 1">
+                <a:extLst>
+                  <a:ext uri="{FF2B5EF4-FFF2-40B4-BE49-F238E27FC236}">
+                    <a16:creationId xmlns:a16="http://schemas.microsoft.com/office/drawing/2014/main" id="{61AF48F3-A62E-4724-BD5D-214E23F1C5D9}"/>
+                  </a:ext>
+                </a:extLst>
+              </p:cNvPr>
+              <p:cNvSpPr>
+                <a:spLocks noGrp="1"/>
+              </p:cNvSpPr>
+              <p:nvPr>
+                <p:ph type="title"/>
+              </p:nvPr>
+            </p:nvSpPr>
+            <p:spPr>
+              <a:xfrm>
+                <a:off x="1141413" y="392186"/>
+                <a:ext cx="9905998" cy="884357"/>
+              </a:xfrm>
+            </p:spPr>
+            <p:txBody>
+              <a:bodyPr>
+                <a:normAutofit fontScale="90000"/>
+              </a:bodyPr>
+              <a:lstStyle/>
+              <a:p>
+                <a:r>
+                  <a:rPr lang="en-US" dirty="0"/>
+                  <a:t>There are </a:t>
+                </a:r>
+                <a14:m>
+                  <m:oMath xmlns:m="http://schemas.openxmlformats.org/officeDocument/2006/math">
+                    <m:sSup>
+                      <m:sSupPr>
+                        <m:ctrlPr>
+                          <a:rPr lang="en-US" b="0" i="1" smtClean="0">
+                            <a:latin typeface="Cambria Math" panose="02040503050406030204" pitchFamily="18" charset="0"/>
+                          </a:rPr>
+                        </m:ctrlPr>
+                      </m:sSupPr>
+                      <m:e>
+                        <m:r>
+                          <a:rPr lang="en-US" b="0" i="1" smtClean="0">
+                            <a:latin typeface="Cambria Math" panose="02040503050406030204" pitchFamily="18" charset="0"/>
+                          </a:rPr>
+                          <m:t>2</m:t>
+                        </m:r>
+                      </m:e>
+                      <m:sup>
+                        <m:r>
+                          <a:rPr lang="en-US" b="0" i="1" smtClean="0">
+                            <a:latin typeface="Cambria Math" panose="02040503050406030204" pitchFamily="18" charset="0"/>
+                          </a:rPr>
+                          <m:t>𝑛</m:t>
+                        </m:r>
+                      </m:sup>
+                    </m:sSup>
+                  </m:oMath>
+                </a14:m>
+                <a:r>
+                  <a:rPr lang="en-US" dirty="0"/>
+                  <a:t> binary strings of length </a:t>
+                </a:r>
+                <a14:m>
+                  <m:oMath xmlns:m="http://schemas.openxmlformats.org/officeDocument/2006/math">
+                    <m:r>
+                      <a:rPr lang="en-US" b="0" i="1" smtClean="0">
+                        <a:latin typeface="Cambria Math" panose="02040503050406030204" pitchFamily="18" charset="0"/>
+                      </a:rPr>
+                      <m:t>𝑛</m:t>
+                    </m:r>
+                    <m:r>
+                      <a:rPr lang="en-US" b="0" i="1" smtClean="0">
+                        <a:latin typeface="Cambria Math" panose="02040503050406030204" pitchFamily="18" charset="0"/>
+                      </a:rPr>
+                      <m:t>|</m:t>
+                    </m:r>
+                    <m:r>
+                      <a:rPr lang="en-US" b="0" i="1" smtClean="0">
+                        <a:latin typeface="Cambria Math" panose="02040503050406030204" pitchFamily="18" charset="0"/>
+                      </a:rPr>
+                      <m:t>𝑛</m:t>
+                    </m:r>
+                    <m:r>
+                      <a:rPr lang="en-US" b="0" i="1" smtClean="0">
+                        <a:latin typeface="Cambria Math" panose="02040503050406030204" pitchFamily="18" charset="0"/>
+                      </a:rPr>
+                      <m:t>≥1</m:t>
+                    </m:r>
+                  </m:oMath>
+                </a14:m>
+                <a:r>
+                  <a:rPr lang="en-US" dirty="0"/>
+                  <a:t>.</a:t>
+                </a:r>
+              </a:p>
+            </p:txBody>
+          </p:sp>
+        </mc:Choice>
+        <mc:Fallback>
+          <p:sp>
+            <p:nvSpPr>
+              <p:cNvPr id="2" name="Title 1">
+                <a:extLst>
+                  <a:ext uri="{FF2B5EF4-FFF2-40B4-BE49-F238E27FC236}">
+                    <a16:creationId xmlns:a16="http://schemas.microsoft.com/office/drawing/2014/main" id="{61AF48F3-A62E-4724-BD5D-214E23F1C5D9}"/>
+                  </a:ext>
+                </a:extLst>
+              </p:cNvPr>
+              <p:cNvSpPr>
+                <a:spLocks noGrp="1" noRot="1" noChangeAspect="1" noMove="1" noResize="1" noEditPoints="1" noAdjustHandles="1" noChangeArrowheads="1" noChangeShapeType="1" noTextEdit="1"/>
+              </p:cNvSpPr>
+              <p:nvPr>
+                <p:ph type="title"/>
+              </p:nvPr>
+            </p:nvSpPr>
+            <p:spPr>
+              <a:xfrm>
+                <a:off x="1141413" y="392186"/>
+                <a:ext cx="9905998" cy="884357"/>
+              </a:xfrm>
+              <a:blipFill>
+                <a:blip r:embed="rId2"/>
+                <a:stretch>
+                  <a:fillRect l="-1536"/>
+                </a:stretch>
+              </a:blipFill>
+            </p:spPr>
+            <p:txBody>
+              <a:bodyPr/>
+              <a:lstStyle/>
+              <a:p>
+                <a:r>
+                  <a:rPr lang="en-US">
+                    <a:noFill/>
+                  </a:rPr>
+                  <a:t> </a:t>
+                </a:r>
+              </a:p>
+            </p:txBody>
+          </p:sp>
+        </mc:Fallback>
+      </mc:AlternateContent>
+      <p:sp>
+        <p:nvSpPr>
+          <p:cNvPr id="3" name="Content Placeholder 2">
+            <a:extLst>
+              <a:ext uri="{FF2B5EF4-FFF2-40B4-BE49-F238E27FC236}">
+                <a16:creationId xmlns:a16="http://schemas.microsoft.com/office/drawing/2014/main" id="{CB63C8C7-EEDA-4D6C-B1B8-1315D9680A41}"/>
+              </a:ext>
+            </a:extLst>
+          </p:cNvPr>
+          <p:cNvSpPr>
+            <a:spLocks noGrp="1"/>
+          </p:cNvSpPr>
+          <p:nvPr>
+            <p:ph idx="1"/>
+          </p:nvPr>
+        </p:nvSpPr>
+        <p:spPr>
+          <a:xfrm>
+            <a:off x="860755" y="2149898"/>
+            <a:ext cx="2298905" cy="656675"/>
+          </a:xfrm>
+        </p:spPr>
+        <p:txBody>
+          <a:bodyPr/>
+          <a:lstStyle/>
+          <a:p>
+            <a:pPr marL="0" indent="0">
+              <a:buNone/>
+            </a:pPr>
+            <a:r>
+              <a:rPr lang="en-US" dirty="0"/>
+              <a:t>Base Case (n=1):</a:t>
+            </a:r>
+          </a:p>
+        </p:txBody>
+      </p:sp>
+      <p:sp>
+        <p:nvSpPr>
+          <p:cNvPr id="4" name="Slide Number Placeholder 3">
+            <a:extLst>
+              <a:ext uri="{FF2B5EF4-FFF2-40B4-BE49-F238E27FC236}">
+                <a16:creationId xmlns:a16="http://schemas.microsoft.com/office/drawing/2014/main" id="{90AB1332-E69A-45A7-901D-9071D178337D}"/>
+              </a:ext>
+            </a:extLst>
+          </p:cNvPr>
+          <p:cNvSpPr>
+            <a:spLocks noGrp="1"/>
+          </p:cNvSpPr>
+          <p:nvPr>
+            <p:ph type="sldNum" sz="quarter" idx="12"/>
+          </p:nvPr>
+        </p:nvSpPr>
+        <p:spPr/>
+        <p:txBody>
+          <a:bodyPr/>
+          <a:lstStyle/>
+          <a:p>
+            <a:fld id="{9BB9F8D7-E2A3-4222-BD86-A63794DF33E7}" type="slidenum">
+              <a:rPr lang="en-US" smtClean="0"/>
+              <a:t>29</a:t>
+            </a:fld>
+            <a:endParaRPr lang="en-US"/>
+          </a:p>
+        </p:txBody>
+      </p:sp>
+      <mc:AlternateContent xmlns:mc="http://schemas.openxmlformats.org/markup-compatibility/2006">
+        <mc:Choice xmlns:a14="http://schemas.microsoft.com/office/drawing/2010/main" Requires="a14">
+          <p:sp>
+            <p:nvSpPr>
+              <p:cNvPr id="5" name="Content Placeholder 2">
+                <a:extLst>
+                  <a:ext uri="{FF2B5EF4-FFF2-40B4-BE49-F238E27FC236}">
+                    <a16:creationId xmlns:a16="http://schemas.microsoft.com/office/drawing/2014/main" id="{0153B467-440D-4441-A531-F5A8BFC953D8}"/>
+                  </a:ext>
+                </a:extLst>
+              </p:cNvPr>
+              <p:cNvSpPr txBox="1">
+                <a:spLocks/>
+              </p:cNvSpPr>
+              <p:nvPr/>
+            </p:nvSpPr>
+            <p:spPr>
+              <a:xfrm>
+                <a:off x="3348949" y="2149897"/>
+                <a:ext cx="6836200" cy="656675"/>
+              </a:xfrm>
+              <a:prstGeom prst="rect">
+                <a:avLst/>
+              </a:prstGeom>
+              <a:solidFill>
+                <a:schemeClr val="tx1">
+                  <a:lumMod val="95000"/>
+                </a:schemeClr>
+              </a:solidFill>
+            </p:spPr>
+            <p:txBody>
+              <a:bodyPr vert="horz" lIns="91440" tIns="45720" rIns="91440" bIns="45720" rtlCol="0">
+                <a:normAutofit/>
+              </a:bodyPr>
+              <a:lstStyle>
+                <a:lvl1pPr marL="228600" indent="-228600" algn="l" defTabSz="914400" rtl="0" eaLnBrk="1" latinLnBrk="0" hangingPunct="1">
+                  <a:lnSpc>
+                    <a:spcPct val="120000"/>
+                  </a:lnSpc>
+                  <a:spcBef>
+                    <a:spcPts val="1000"/>
+                  </a:spcBef>
+                  <a:buSzPct val="125000"/>
+                  <a:buFont typeface="Arial" panose="020B0604020202020204" pitchFamily="34" charset="0"/>
+                  <a:buChar char="•"/>
+                  <a:defRPr sz="2400" kern="1200">
+                    <a:solidFill>
+                      <a:schemeClr val="tx1"/>
+                    </a:solidFill>
+                    <a:latin typeface="+mn-lt"/>
+                    <a:ea typeface="+mn-ea"/>
+                    <a:cs typeface="+mn-cs"/>
+                  </a:defRPr>
+                </a:lvl1pPr>
+                <a:lvl2pPr marL="685800" indent="-228600" algn="l" defTabSz="914400" rtl="0" eaLnBrk="1" latinLnBrk="0" hangingPunct="1">
+                  <a:lnSpc>
+                    <a:spcPct val="120000"/>
+                  </a:lnSpc>
+                  <a:spcBef>
+                    <a:spcPts val="500"/>
+                  </a:spcBef>
+                  <a:buSzPct val="125000"/>
+                  <a:buFont typeface="Arial" panose="020B0604020202020204" pitchFamily="34" charset="0"/>
+                  <a:buChar char="•"/>
+                  <a:defRPr sz="2000" kern="1200">
+                    <a:solidFill>
+                      <a:schemeClr val="tx1"/>
+                    </a:solidFill>
+                    <a:latin typeface="+mn-lt"/>
+                    <a:ea typeface="+mn-ea"/>
+                    <a:cs typeface="+mn-cs"/>
+                  </a:defRPr>
+                </a:lvl2pPr>
+                <a:lvl3pPr marL="1143000" indent="-228600" algn="l" defTabSz="914400" rtl="0" eaLnBrk="1" latinLnBrk="0" hangingPunct="1">
+                  <a:lnSpc>
+                    <a:spcPct val="120000"/>
+                  </a:lnSpc>
+                  <a:spcBef>
+                    <a:spcPts val="500"/>
+                  </a:spcBef>
+                  <a:buSzPct val="125000"/>
+                  <a:buFont typeface="Arial" panose="020B0604020202020204" pitchFamily="34" charset="0"/>
+                  <a:buChar char="•"/>
+                  <a:defRPr sz="1800" kern="1200">
+                    <a:solidFill>
+                      <a:schemeClr val="tx1"/>
+                    </a:solidFill>
+                    <a:latin typeface="+mn-lt"/>
+                    <a:ea typeface="+mn-ea"/>
+                    <a:cs typeface="+mn-cs"/>
+                  </a:defRPr>
+                </a:lvl3pPr>
+                <a:lvl4pPr marL="1600200" indent="-228600" algn="l" defTabSz="914400" rtl="0" eaLnBrk="1" latinLnBrk="0" hangingPunct="1">
+                  <a:lnSpc>
+                    <a:spcPct val="120000"/>
+                  </a:lnSpc>
+                  <a:spcBef>
+                    <a:spcPts val="500"/>
+                  </a:spcBef>
+                  <a:buSzPct val="125000"/>
+                  <a:buFont typeface="Arial" panose="020B0604020202020204" pitchFamily="34" charset="0"/>
+                  <a:buChar char="•"/>
+                  <a:defRPr sz="1600" kern="1200">
+                    <a:solidFill>
+                      <a:schemeClr val="tx1"/>
+                    </a:solidFill>
+                    <a:latin typeface="+mn-lt"/>
+                    <a:ea typeface="+mn-ea"/>
+                    <a:cs typeface="+mn-cs"/>
+                  </a:defRPr>
+                </a:lvl4pPr>
+                <a:lvl5pPr marL="2057400" indent="-228600" algn="l" defTabSz="914400" rtl="0" eaLnBrk="1" latinLnBrk="0" hangingPunct="1">
+                  <a:lnSpc>
+                    <a:spcPct val="120000"/>
+                  </a:lnSpc>
+                  <a:spcBef>
+                    <a:spcPts val="500"/>
+                  </a:spcBef>
+                  <a:buSzPct val="125000"/>
+                  <a:buFont typeface="Arial" panose="020B0604020202020204" pitchFamily="34" charset="0"/>
+                  <a:buChar char="•"/>
+                  <a:defRPr sz="1600" kern="1200">
+                    <a:solidFill>
+                      <a:schemeClr val="tx1"/>
+                    </a:solidFill>
+                    <a:latin typeface="+mn-lt"/>
+                    <a:ea typeface="+mn-ea"/>
+                    <a:cs typeface="+mn-cs"/>
+                  </a:defRPr>
+                </a:lvl5pPr>
+                <a:lvl6pPr marL="2514600" indent="-228600" algn="l" defTabSz="914400" rtl="0" eaLnBrk="1" latinLnBrk="0" hangingPunct="1">
+                  <a:lnSpc>
+                    <a:spcPct val="120000"/>
+                  </a:lnSpc>
+                  <a:spcBef>
+                    <a:spcPts val="500"/>
+                  </a:spcBef>
+                  <a:buSzPct val="125000"/>
+                  <a:buFont typeface="Arial" panose="020B0604020202020204" pitchFamily="34" charset="0"/>
+                  <a:buChar char="•"/>
+                  <a:defRPr sz="1400" kern="1200">
+                    <a:solidFill>
+                      <a:schemeClr val="tx1"/>
+                    </a:solidFill>
+                    <a:latin typeface="+mn-lt"/>
+                    <a:ea typeface="+mn-ea"/>
+                    <a:cs typeface="+mn-cs"/>
+                  </a:defRPr>
+                </a:lvl6pPr>
+                <a:lvl7pPr marL="2971800" indent="-228600" algn="l" defTabSz="914400" rtl="0" eaLnBrk="1" latinLnBrk="0" hangingPunct="1">
+                  <a:lnSpc>
+                    <a:spcPct val="120000"/>
+                  </a:lnSpc>
+                  <a:spcBef>
+                    <a:spcPts val="500"/>
+                  </a:spcBef>
+                  <a:buSzPct val="125000"/>
+                  <a:buFont typeface="Arial" panose="020B0604020202020204" pitchFamily="34" charset="0"/>
+                  <a:buChar char="•"/>
+                  <a:defRPr sz="1400" kern="1200">
+                    <a:solidFill>
+                      <a:schemeClr val="tx1"/>
+                    </a:solidFill>
+                    <a:latin typeface="+mn-lt"/>
+                    <a:ea typeface="+mn-ea"/>
+                    <a:cs typeface="+mn-cs"/>
+                  </a:defRPr>
+                </a:lvl7pPr>
+                <a:lvl8pPr marL="3429000" indent="-228600" algn="l" defTabSz="914400" rtl="0" eaLnBrk="1" latinLnBrk="0" hangingPunct="1">
+                  <a:lnSpc>
+                    <a:spcPct val="120000"/>
+                  </a:lnSpc>
+                  <a:spcBef>
+                    <a:spcPts val="500"/>
+                  </a:spcBef>
+                  <a:buSzPct val="125000"/>
+                  <a:buFont typeface="Arial" panose="020B0604020202020204" pitchFamily="34" charset="0"/>
+                  <a:buChar char="•"/>
+                  <a:defRPr sz="1400" kern="1200">
+                    <a:solidFill>
+                      <a:schemeClr val="tx1"/>
+                    </a:solidFill>
+                    <a:latin typeface="+mn-lt"/>
+                    <a:ea typeface="+mn-ea"/>
+                    <a:cs typeface="+mn-cs"/>
+                  </a:defRPr>
+                </a:lvl8pPr>
+                <a:lvl9pPr marL="3886200" indent="-228600" algn="l" defTabSz="914400" rtl="0" eaLnBrk="1" latinLnBrk="0" hangingPunct="1">
+                  <a:lnSpc>
+                    <a:spcPct val="120000"/>
+                  </a:lnSpc>
+                  <a:spcBef>
+                    <a:spcPts val="500"/>
+                  </a:spcBef>
+                  <a:buSzPct val="125000"/>
+                  <a:buFont typeface="Arial" panose="020B0604020202020204" pitchFamily="34" charset="0"/>
+                  <a:buChar char="•"/>
+                  <a:defRPr sz="1400" kern="1200">
+                    <a:solidFill>
+                      <a:schemeClr val="tx1"/>
+                    </a:solidFill>
+                    <a:latin typeface="+mn-lt"/>
+                    <a:ea typeface="+mn-ea"/>
+                    <a:cs typeface="+mn-cs"/>
+                  </a:defRPr>
+                </a:lvl9pPr>
+              </a:lstStyle>
+              <a:p>
+                <a:pPr marL="0" indent="0">
+                  <a:buFont typeface="Arial" panose="020B0604020202020204" pitchFamily="34" charset="0"/>
+                  <a:buNone/>
+                </a:pPr>
+                <a14:m>
+                  <m:oMath xmlns:m="http://schemas.openxmlformats.org/officeDocument/2006/math">
+                    <m:sSup>
+                      <m:sSupPr>
+                        <m:ctrlPr>
+                          <a:rPr lang="en-US" b="0" i="1" smtClean="0">
+                            <a:solidFill>
+                              <a:schemeClr val="bg1"/>
+                            </a:solidFill>
+                            <a:latin typeface="Cambria Math" panose="02040503050406030204" pitchFamily="18" charset="0"/>
+                          </a:rPr>
+                        </m:ctrlPr>
+                      </m:sSupPr>
+                      <m:e>
+                        <m:r>
+                          <a:rPr lang="en-US" b="0" i="1" smtClean="0">
+                            <a:solidFill>
+                              <a:schemeClr val="bg1"/>
+                            </a:solidFill>
+                            <a:latin typeface="Cambria Math" panose="02040503050406030204" pitchFamily="18" charset="0"/>
+                          </a:rPr>
+                          <m:t>2</m:t>
+                        </m:r>
+                      </m:e>
+                      <m:sup>
+                        <m:r>
+                          <a:rPr lang="en-US" b="0" i="1" smtClean="0">
+                            <a:solidFill>
+                              <a:schemeClr val="bg1"/>
+                            </a:solidFill>
+                            <a:latin typeface="Cambria Math" panose="02040503050406030204" pitchFamily="18" charset="0"/>
+                          </a:rPr>
+                          <m:t>1</m:t>
+                        </m:r>
+                      </m:sup>
+                    </m:sSup>
+                    <m:r>
+                      <a:rPr lang="en-US" b="0" i="1" smtClean="0">
+                        <a:solidFill>
+                          <a:schemeClr val="bg1"/>
+                        </a:solidFill>
+                        <a:latin typeface="Cambria Math" panose="02040503050406030204" pitchFamily="18" charset="0"/>
+                      </a:rPr>
+                      <m:t>=2</m:t>
+                    </m:r>
+                  </m:oMath>
+                </a14:m>
+                <a:r>
+                  <a:rPr lang="en-US" dirty="0">
+                    <a:solidFill>
+                      <a:schemeClr val="bg1"/>
+                    </a:solidFill>
+                  </a:rPr>
+                  <a:t>, Strings are “0” and “1”</a:t>
+                </a:r>
+              </a:p>
+            </p:txBody>
+          </p:sp>
+        </mc:Choice>
+        <mc:Fallback>
+          <p:sp>
+            <p:nvSpPr>
+              <p:cNvPr id="5" name="Content Placeholder 2">
+                <a:extLst>
+                  <a:ext uri="{FF2B5EF4-FFF2-40B4-BE49-F238E27FC236}">
+                    <a16:creationId xmlns:a16="http://schemas.microsoft.com/office/drawing/2014/main" id="{0153B467-440D-4441-A531-F5A8BFC953D8}"/>
+                  </a:ext>
+                </a:extLst>
+              </p:cNvPr>
+              <p:cNvSpPr txBox="1">
+                <a:spLocks noRot="1" noChangeAspect="1" noMove="1" noResize="1" noEditPoints="1" noAdjustHandles="1" noChangeArrowheads="1" noChangeShapeType="1" noTextEdit="1"/>
+              </p:cNvSpPr>
+              <p:nvPr/>
+            </p:nvSpPr>
+            <p:spPr>
+              <a:xfrm>
+                <a:off x="3348949" y="2149897"/>
+                <a:ext cx="6836200" cy="656675"/>
+              </a:xfrm>
+              <a:prstGeom prst="rect">
+                <a:avLst/>
+              </a:prstGeom>
+              <a:blipFill>
+                <a:blip r:embed="rId3"/>
+                <a:stretch>
+                  <a:fillRect l="-372"/>
+                </a:stretch>
+              </a:blipFill>
+            </p:spPr>
+            <p:txBody>
+              <a:bodyPr/>
+              <a:lstStyle/>
+              <a:p>
+                <a:r>
+                  <a:rPr lang="en-US">
+                    <a:noFill/>
+                  </a:rPr>
+                  <a:t> </a:t>
+                </a:r>
+              </a:p>
+            </p:txBody>
+          </p:sp>
+        </mc:Fallback>
+      </mc:AlternateContent>
+      <p:sp>
+        <p:nvSpPr>
+          <p:cNvPr id="6" name="Content Placeholder 2">
+            <a:extLst>
+              <a:ext uri="{FF2B5EF4-FFF2-40B4-BE49-F238E27FC236}">
+                <a16:creationId xmlns:a16="http://schemas.microsoft.com/office/drawing/2014/main" id="{8E04A0EB-7434-524B-8C48-FD42281F9AEE}"/>
+              </a:ext>
+            </a:extLst>
+          </p:cNvPr>
+          <p:cNvSpPr txBox="1">
+            <a:spLocks/>
+          </p:cNvSpPr>
+          <p:nvPr/>
+        </p:nvSpPr>
+        <p:spPr>
+          <a:xfrm>
+            <a:off x="860755" y="3023252"/>
+            <a:ext cx="2298905" cy="656675"/>
+          </a:xfrm>
+          <a:prstGeom prst="rect">
+            <a:avLst/>
+          </a:prstGeom>
+        </p:spPr>
+        <p:txBody>
+          <a:bodyPr vert="horz" lIns="91440" tIns="45720" rIns="91440" bIns="45720" rtlCol="0">
+            <a:normAutofit/>
+          </a:bodyPr>
+          <a:lstStyle>
+            <a:lvl1pPr marL="228600" indent="-228600" algn="l" defTabSz="914400" rtl="0" eaLnBrk="1" latinLnBrk="0" hangingPunct="1">
+              <a:lnSpc>
+                <a:spcPct val="120000"/>
+              </a:lnSpc>
+              <a:spcBef>
+                <a:spcPts val="1000"/>
+              </a:spcBef>
+              <a:buSzPct val="125000"/>
+              <a:buFont typeface="Arial" panose="020B0604020202020204" pitchFamily="34" charset="0"/>
+              <a:buChar char="•"/>
+              <a:defRPr sz="2400" kern="1200">
+                <a:solidFill>
+                  <a:schemeClr val="tx1"/>
+                </a:solidFill>
+                <a:latin typeface="+mn-lt"/>
+                <a:ea typeface="+mn-ea"/>
+                <a:cs typeface="+mn-cs"/>
+              </a:defRPr>
+            </a:lvl1pPr>
+            <a:lvl2pPr marL="685800" indent="-228600" algn="l" defTabSz="914400" rtl="0" eaLnBrk="1" latinLnBrk="0" hangingPunct="1">
+              <a:lnSpc>
+                <a:spcPct val="120000"/>
+              </a:lnSpc>
+              <a:spcBef>
+                <a:spcPts val="500"/>
+              </a:spcBef>
+              <a:buSzPct val="125000"/>
+              <a:buFont typeface="Arial" panose="020B0604020202020204" pitchFamily="34" charset="0"/>
+              <a:buChar char="•"/>
+              <a:defRPr sz="2000" kern="1200">
+                <a:solidFill>
+                  <a:schemeClr val="tx1"/>
+                </a:solidFill>
+                <a:latin typeface="+mn-lt"/>
+                <a:ea typeface="+mn-ea"/>
+                <a:cs typeface="+mn-cs"/>
+              </a:defRPr>
+            </a:lvl2pPr>
+            <a:lvl3pPr marL="1143000" indent="-228600" algn="l" defTabSz="914400" rtl="0" eaLnBrk="1" latinLnBrk="0" hangingPunct="1">
+              <a:lnSpc>
+                <a:spcPct val="120000"/>
+              </a:lnSpc>
+              <a:spcBef>
+                <a:spcPts val="500"/>
+              </a:spcBef>
+              <a:buSzPct val="125000"/>
+              <a:buFont typeface="Arial" panose="020B0604020202020204" pitchFamily="34" charset="0"/>
+              <a:buChar char="•"/>
+              <a:defRPr sz="1800" kern="1200">
+                <a:solidFill>
+                  <a:schemeClr val="tx1"/>
+                </a:solidFill>
+                <a:latin typeface="+mn-lt"/>
+                <a:ea typeface="+mn-ea"/>
+                <a:cs typeface="+mn-cs"/>
+              </a:defRPr>
+            </a:lvl3pPr>
+            <a:lvl4pPr marL="1600200" indent="-228600" algn="l" defTabSz="914400" rtl="0" eaLnBrk="1" latinLnBrk="0" hangingPunct="1">
+              <a:lnSpc>
+                <a:spcPct val="120000"/>
+              </a:lnSpc>
+              <a:spcBef>
+                <a:spcPts val="500"/>
+              </a:spcBef>
+              <a:buSzPct val="125000"/>
+              <a:buFont typeface="Arial" panose="020B0604020202020204" pitchFamily="34" charset="0"/>
+              <a:buChar char="•"/>
+              <a:defRPr sz="1600" kern="1200">
+                <a:solidFill>
+                  <a:schemeClr val="tx1"/>
+                </a:solidFill>
+                <a:latin typeface="+mn-lt"/>
+                <a:ea typeface="+mn-ea"/>
+                <a:cs typeface="+mn-cs"/>
+              </a:defRPr>
+            </a:lvl4pPr>
+            <a:lvl5pPr marL="2057400" indent="-228600" algn="l" defTabSz="914400" rtl="0" eaLnBrk="1" latinLnBrk="0" hangingPunct="1">
+              <a:lnSpc>
+                <a:spcPct val="120000"/>
+              </a:lnSpc>
+              <a:spcBef>
+                <a:spcPts val="500"/>
+              </a:spcBef>
+              <a:buSzPct val="125000"/>
+              <a:buFont typeface="Arial" panose="020B0604020202020204" pitchFamily="34" charset="0"/>
+              <a:buChar char="•"/>
+              <a:defRPr sz="1600" kern="1200">
+                <a:solidFill>
+                  <a:schemeClr val="tx1"/>
+                </a:solidFill>
+                <a:latin typeface="+mn-lt"/>
+                <a:ea typeface="+mn-ea"/>
+                <a:cs typeface="+mn-cs"/>
+              </a:defRPr>
+            </a:lvl5pPr>
+            <a:lvl6pPr marL="2514600" indent="-228600" algn="l" defTabSz="914400" rtl="0" eaLnBrk="1" latinLnBrk="0" hangingPunct="1">
+              <a:lnSpc>
+                <a:spcPct val="120000"/>
+              </a:lnSpc>
+              <a:spcBef>
+                <a:spcPts val="500"/>
+              </a:spcBef>
+              <a:buSzPct val="125000"/>
+              <a:buFont typeface="Arial" panose="020B0604020202020204" pitchFamily="34" charset="0"/>
+              <a:buChar char="•"/>
+              <a:defRPr sz="1400" kern="1200">
+                <a:solidFill>
+                  <a:schemeClr val="tx1"/>
+                </a:solidFill>
+                <a:latin typeface="+mn-lt"/>
+                <a:ea typeface="+mn-ea"/>
+                <a:cs typeface="+mn-cs"/>
+              </a:defRPr>
+            </a:lvl6pPr>
+            <a:lvl7pPr marL="2971800" indent="-228600" algn="l" defTabSz="914400" rtl="0" eaLnBrk="1" latinLnBrk="0" hangingPunct="1">
+              <a:lnSpc>
+                <a:spcPct val="120000"/>
+              </a:lnSpc>
+              <a:spcBef>
+                <a:spcPts val="500"/>
+              </a:spcBef>
+              <a:buSzPct val="125000"/>
+              <a:buFont typeface="Arial" panose="020B0604020202020204" pitchFamily="34" charset="0"/>
+              <a:buChar char="•"/>
+              <a:defRPr sz="1400" kern="1200">
+                <a:solidFill>
+                  <a:schemeClr val="tx1"/>
+                </a:solidFill>
+                <a:latin typeface="+mn-lt"/>
+                <a:ea typeface="+mn-ea"/>
+                <a:cs typeface="+mn-cs"/>
+              </a:defRPr>
+            </a:lvl7pPr>
+            <a:lvl8pPr marL="3429000" indent="-228600" algn="l" defTabSz="914400" rtl="0" eaLnBrk="1" latinLnBrk="0" hangingPunct="1">
+              <a:lnSpc>
+                <a:spcPct val="120000"/>
+              </a:lnSpc>
+              <a:spcBef>
+                <a:spcPts val="500"/>
+              </a:spcBef>
+              <a:buSzPct val="125000"/>
+              <a:buFont typeface="Arial" panose="020B0604020202020204" pitchFamily="34" charset="0"/>
+              <a:buChar char="•"/>
+              <a:defRPr sz="1400" kern="1200">
+                <a:solidFill>
+                  <a:schemeClr val="tx1"/>
+                </a:solidFill>
+                <a:latin typeface="+mn-lt"/>
+                <a:ea typeface="+mn-ea"/>
+                <a:cs typeface="+mn-cs"/>
+              </a:defRPr>
+            </a:lvl8pPr>
+            <a:lvl9pPr marL="3886200" indent="-228600" algn="l" defTabSz="914400" rtl="0" eaLnBrk="1" latinLnBrk="0" hangingPunct="1">
+              <a:lnSpc>
+                <a:spcPct val="120000"/>
+              </a:lnSpc>
+              <a:spcBef>
+                <a:spcPts val="500"/>
+              </a:spcBef>
+              <a:buSzPct val="125000"/>
+              <a:buFont typeface="Arial" panose="020B0604020202020204" pitchFamily="34" charset="0"/>
+              <a:buChar char="•"/>
+              <a:defRPr sz="1400" kern="1200">
+                <a:solidFill>
+                  <a:schemeClr val="tx1"/>
+                </a:solidFill>
+                <a:latin typeface="+mn-lt"/>
+                <a:ea typeface="+mn-ea"/>
+                <a:cs typeface="+mn-cs"/>
+              </a:defRPr>
+            </a:lvl9pPr>
+          </a:lstStyle>
+          <a:p>
+            <a:pPr marL="0" indent="0">
+              <a:buFont typeface="Arial" panose="020B0604020202020204" pitchFamily="34" charset="0"/>
+              <a:buNone/>
+            </a:pPr>
+            <a:r>
+              <a:rPr lang="en-US" dirty="0"/>
+              <a:t>Ind. Hypothesis</a:t>
+            </a:r>
+          </a:p>
+        </p:txBody>
+      </p:sp>
+      <mc:AlternateContent xmlns:mc="http://schemas.openxmlformats.org/markup-compatibility/2006">
+        <mc:Choice xmlns:a14="http://schemas.microsoft.com/office/drawing/2010/main" Requires="a14">
+          <p:sp>
+            <p:nvSpPr>
+              <p:cNvPr id="7" name="Content Placeholder 2">
+                <a:extLst>
+                  <a:ext uri="{FF2B5EF4-FFF2-40B4-BE49-F238E27FC236}">
+                    <a16:creationId xmlns:a16="http://schemas.microsoft.com/office/drawing/2014/main" id="{43595C40-5C8D-D546-AFCD-26BE71DDD43A}"/>
+                  </a:ext>
+                </a:extLst>
+              </p:cNvPr>
+              <p:cNvSpPr txBox="1">
+                <a:spLocks/>
+              </p:cNvSpPr>
+              <p:nvPr/>
+            </p:nvSpPr>
+            <p:spPr>
+              <a:xfrm>
+                <a:off x="3348949" y="3023251"/>
+                <a:ext cx="6836200" cy="656675"/>
+              </a:xfrm>
+              <a:prstGeom prst="rect">
+                <a:avLst/>
+              </a:prstGeom>
+              <a:solidFill>
+                <a:schemeClr val="tx1">
+                  <a:lumMod val="95000"/>
+                </a:schemeClr>
+              </a:solidFill>
+            </p:spPr>
+            <p:txBody>
+              <a:bodyPr vert="horz" lIns="91440" tIns="45720" rIns="91440" bIns="45720" rtlCol="0">
+                <a:normAutofit/>
+              </a:bodyPr>
+              <a:lstStyle>
+                <a:lvl1pPr marL="228600" indent="-228600" algn="l" defTabSz="914400" rtl="0" eaLnBrk="1" latinLnBrk="0" hangingPunct="1">
+                  <a:lnSpc>
+                    <a:spcPct val="120000"/>
+                  </a:lnSpc>
+                  <a:spcBef>
+                    <a:spcPts val="1000"/>
+                  </a:spcBef>
+                  <a:buSzPct val="125000"/>
+                  <a:buFont typeface="Arial" panose="020B0604020202020204" pitchFamily="34" charset="0"/>
+                  <a:buChar char="•"/>
+                  <a:defRPr sz="2400" kern="1200">
+                    <a:solidFill>
+                      <a:schemeClr val="tx1"/>
+                    </a:solidFill>
+                    <a:latin typeface="+mn-lt"/>
+                    <a:ea typeface="+mn-ea"/>
+                    <a:cs typeface="+mn-cs"/>
+                  </a:defRPr>
+                </a:lvl1pPr>
+                <a:lvl2pPr marL="685800" indent="-228600" algn="l" defTabSz="914400" rtl="0" eaLnBrk="1" latinLnBrk="0" hangingPunct="1">
+                  <a:lnSpc>
+                    <a:spcPct val="120000"/>
+                  </a:lnSpc>
+                  <a:spcBef>
+                    <a:spcPts val="500"/>
+                  </a:spcBef>
+                  <a:buSzPct val="125000"/>
+                  <a:buFont typeface="Arial" panose="020B0604020202020204" pitchFamily="34" charset="0"/>
+                  <a:buChar char="•"/>
+                  <a:defRPr sz="2000" kern="1200">
+                    <a:solidFill>
+                      <a:schemeClr val="tx1"/>
+                    </a:solidFill>
+                    <a:latin typeface="+mn-lt"/>
+                    <a:ea typeface="+mn-ea"/>
+                    <a:cs typeface="+mn-cs"/>
+                  </a:defRPr>
+                </a:lvl2pPr>
+                <a:lvl3pPr marL="1143000" indent="-228600" algn="l" defTabSz="914400" rtl="0" eaLnBrk="1" latinLnBrk="0" hangingPunct="1">
+                  <a:lnSpc>
+                    <a:spcPct val="120000"/>
+                  </a:lnSpc>
+                  <a:spcBef>
+                    <a:spcPts val="500"/>
+                  </a:spcBef>
+                  <a:buSzPct val="125000"/>
+                  <a:buFont typeface="Arial" panose="020B0604020202020204" pitchFamily="34" charset="0"/>
+                  <a:buChar char="•"/>
+                  <a:defRPr sz="1800" kern="1200">
+                    <a:solidFill>
+                      <a:schemeClr val="tx1"/>
+                    </a:solidFill>
+                    <a:latin typeface="+mn-lt"/>
+                    <a:ea typeface="+mn-ea"/>
+                    <a:cs typeface="+mn-cs"/>
+                  </a:defRPr>
+                </a:lvl3pPr>
+                <a:lvl4pPr marL="1600200" indent="-228600" algn="l" defTabSz="914400" rtl="0" eaLnBrk="1" latinLnBrk="0" hangingPunct="1">
+                  <a:lnSpc>
+                    <a:spcPct val="120000"/>
+                  </a:lnSpc>
+                  <a:spcBef>
+                    <a:spcPts val="500"/>
+                  </a:spcBef>
+                  <a:buSzPct val="125000"/>
+                  <a:buFont typeface="Arial" panose="020B0604020202020204" pitchFamily="34" charset="0"/>
+                  <a:buChar char="•"/>
+                  <a:defRPr sz="1600" kern="1200">
+                    <a:solidFill>
+                      <a:schemeClr val="tx1"/>
+                    </a:solidFill>
+                    <a:latin typeface="+mn-lt"/>
+                    <a:ea typeface="+mn-ea"/>
+                    <a:cs typeface="+mn-cs"/>
+                  </a:defRPr>
+                </a:lvl4pPr>
+                <a:lvl5pPr marL="2057400" indent="-228600" algn="l" defTabSz="914400" rtl="0" eaLnBrk="1" latinLnBrk="0" hangingPunct="1">
+                  <a:lnSpc>
+                    <a:spcPct val="120000"/>
+                  </a:lnSpc>
+                  <a:spcBef>
+                    <a:spcPts val="500"/>
+                  </a:spcBef>
+                  <a:buSzPct val="125000"/>
+                  <a:buFont typeface="Arial" panose="020B0604020202020204" pitchFamily="34" charset="0"/>
+                  <a:buChar char="•"/>
+                  <a:defRPr sz="1600" kern="1200">
+                    <a:solidFill>
+                      <a:schemeClr val="tx1"/>
+                    </a:solidFill>
+                    <a:latin typeface="+mn-lt"/>
+                    <a:ea typeface="+mn-ea"/>
+                    <a:cs typeface="+mn-cs"/>
+                  </a:defRPr>
+                </a:lvl5pPr>
+                <a:lvl6pPr marL="2514600" indent="-228600" algn="l" defTabSz="914400" rtl="0" eaLnBrk="1" latinLnBrk="0" hangingPunct="1">
+                  <a:lnSpc>
+                    <a:spcPct val="120000"/>
+                  </a:lnSpc>
+                  <a:spcBef>
+                    <a:spcPts val="500"/>
+                  </a:spcBef>
+                  <a:buSzPct val="125000"/>
+                  <a:buFont typeface="Arial" panose="020B0604020202020204" pitchFamily="34" charset="0"/>
+                  <a:buChar char="•"/>
+                  <a:defRPr sz="1400" kern="1200">
+                    <a:solidFill>
+                      <a:schemeClr val="tx1"/>
+                    </a:solidFill>
+                    <a:latin typeface="+mn-lt"/>
+                    <a:ea typeface="+mn-ea"/>
+                    <a:cs typeface="+mn-cs"/>
+                  </a:defRPr>
+                </a:lvl6pPr>
+                <a:lvl7pPr marL="2971800" indent="-228600" algn="l" defTabSz="914400" rtl="0" eaLnBrk="1" latinLnBrk="0" hangingPunct="1">
+                  <a:lnSpc>
+                    <a:spcPct val="120000"/>
+                  </a:lnSpc>
+                  <a:spcBef>
+                    <a:spcPts val="500"/>
+                  </a:spcBef>
+                  <a:buSzPct val="125000"/>
+                  <a:buFont typeface="Arial" panose="020B0604020202020204" pitchFamily="34" charset="0"/>
+                  <a:buChar char="•"/>
+                  <a:defRPr sz="1400" kern="1200">
+                    <a:solidFill>
+                      <a:schemeClr val="tx1"/>
+                    </a:solidFill>
+                    <a:latin typeface="+mn-lt"/>
+                    <a:ea typeface="+mn-ea"/>
+                    <a:cs typeface="+mn-cs"/>
+                  </a:defRPr>
+                </a:lvl7pPr>
+                <a:lvl8pPr marL="3429000" indent="-228600" algn="l" defTabSz="914400" rtl="0" eaLnBrk="1" latinLnBrk="0" hangingPunct="1">
+                  <a:lnSpc>
+                    <a:spcPct val="120000"/>
+                  </a:lnSpc>
+                  <a:spcBef>
+                    <a:spcPts val="500"/>
+                  </a:spcBef>
+                  <a:buSzPct val="125000"/>
+                  <a:buFont typeface="Arial" panose="020B0604020202020204" pitchFamily="34" charset="0"/>
+                  <a:buChar char="•"/>
+                  <a:defRPr sz="1400" kern="1200">
+                    <a:solidFill>
+                      <a:schemeClr val="tx1"/>
+                    </a:solidFill>
+                    <a:latin typeface="+mn-lt"/>
+                    <a:ea typeface="+mn-ea"/>
+                    <a:cs typeface="+mn-cs"/>
+                  </a:defRPr>
+                </a:lvl8pPr>
+                <a:lvl9pPr marL="3886200" indent="-228600" algn="l" defTabSz="914400" rtl="0" eaLnBrk="1" latinLnBrk="0" hangingPunct="1">
+                  <a:lnSpc>
+                    <a:spcPct val="120000"/>
+                  </a:lnSpc>
+                  <a:spcBef>
+                    <a:spcPts val="500"/>
+                  </a:spcBef>
+                  <a:buSzPct val="125000"/>
+                  <a:buFont typeface="Arial" panose="020B0604020202020204" pitchFamily="34" charset="0"/>
+                  <a:buChar char="•"/>
+                  <a:defRPr sz="1400" kern="1200">
+                    <a:solidFill>
+                      <a:schemeClr val="tx1"/>
+                    </a:solidFill>
+                    <a:latin typeface="+mn-lt"/>
+                    <a:ea typeface="+mn-ea"/>
+                    <a:cs typeface="+mn-cs"/>
+                  </a:defRPr>
+                </a:lvl9pPr>
+              </a:lstStyle>
+              <a:p>
+                <a:pPr marL="0" indent="0">
+                  <a:buFont typeface="Arial" panose="020B0604020202020204" pitchFamily="34" charset="0"/>
+                  <a:buNone/>
+                </a:pPr>
+                <a:r>
+                  <a:rPr lang="en-US" b="0" dirty="0">
+                    <a:solidFill>
+                      <a:schemeClr val="bg1"/>
+                    </a:solidFill>
+                  </a:rPr>
+                  <a:t>Suppose </a:t>
+                </a:r>
+                <a14:m>
+                  <m:oMath xmlns:m="http://schemas.openxmlformats.org/officeDocument/2006/math">
+                    <m:sSup>
+                      <m:sSupPr>
+                        <m:ctrlPr>
+                          <a:rPr lang="en-US" b="0" i="1" smtClean="0">
+                            <a:solidFill>
+                              <a:schemeClr val="bg1"/>
+                            </a:solidFill>
+                            <a:latin typeface="Cambria Math" panose="02040503050406030204" pitchFamily="18" charset="0"/>
+                          </a:rPr>
+                        </m:ctrlPr>
+                      </m:sSupPr>
+                      <m:e>
+                        <m:r>
+                          <a:rPr lang="en-US" b="0" i="1" smtClean="0">
+                            <a:solidFill>
+                              <a:schemeClr val="bg1"/>
+                            </a:solidFill>
+                            <a:latin typeface="Cambria Math" panose="02040503050406030204" pitchFamily="18" charset="0"/>
+                          </a:rPr>
+                          <m:t>2</m:t>
+                        </m:r>
+                      </m:e>
+                      <m:sup>
+                        <m:r>
+                          <a:rPr lang="en-US" b="0" i="1" smtClean="0">
+                            <a:solidFill>
+                              <a:schemeClr val="bg1"/>
+                            </a:solidFill>
+                            <a:latin typeface="Cambria Math" panose="02040503050406030204" pitchFamily="18" charset="0"/>
+                          </a:rPr>
+                          <m:t>𝑘</m:t>
+                        </m:r>
+                      </m:sup>
+                    </m:sSup>
+                  </m:oMath>
+                </a14:m>
+                <a:r>
+                  <a:rPr lang="en-US" dirty="0">
+                    <a:solidFill>
+                      <a:schemeClr val="bg1"/>
+                    </a:solidFill>
+                  </a:rPr>
+                  <a:t> strings exist for length k</a:t>
+                </a:r>
+              </a:p>
+            </p:txBody>
+          </p:sp>
+        </mc:Choice>
+        <mc:Fallback>
+          <p:sp>
+            <p:nvSpPr>
+              <p:cNvPr id="7" name="Content Placeholder 2">
+                <a:extLst>
+                  <a:ext uri="{FF2B5EF4-FFF2-40B4-BE49-F238E27FC236}">
+                    <a16:creationId xmlns:a16="http://schemas.microsoft.com/office/drawing/2014/main" id="{43595C40-5C8D-D546-AFCD-26BE71DDD43A}"/>
+                  </a:ext>
+                </a:extLst>
+              </p:cNvPr>
+              <p:cNvSpPr txBox="1">
+                <a:spLocks noRot="1" noChangeAspect="1" noMove="1" noResize="1" noEditPoints="1" noAdjustHandles="1" noChangeArrowheads="1" noChangeShapeType="1" noTextEdit="1"/>
+              </p:cNvSpPr>
+              <p:nvPr/>
+            </p:nvSpPr>
+            <p:spPr>
+              <a:xfrm>
+                <a:off x="3348949" y="3023251"/>
+                <a:ext cx="6836200" cy="656675"/>
+              </a:xfrm>
+              <a:prstGeom prst="rect">
+                <a:avLst/>
+              </a:prstGeom>
+              <a:blipFill>
+                <a:blip r:embed="rId4"/>
+                <a:stretch>
+                  <a:fillRect l="-1487"/>
+                </a:stretch>
+              </a:blipFill>
+            </p:spPr>
+            <p:txBody>
+              <a:bodyPr/>
+              <a:lstStyle/>
+              <a:p>
+                <a:r>
+                  <a:rPr lang="en-US">
+                    <a:noFill/>
+                  </a:rPr>
+                  <a:t> </a:t>
+                </a:r>
+              </a:p>
+            </p:txBody>
+          </p:sp>
+        </mc:Fallback>
+      </mc:AlternateContent>
+      <p:sp>
+        <p:nvSpPr>
+          <p:cNvPr id="8" name="Content Placeholder 2">
+            <a:extLst>
+              <a:ext uri="{FF2B5EF4-FFF2-40B4-BE49-F238E27FC236}">
+                <a16:creationId xmlns:a16="http://schemas.microsoft.com/office/drawing/2014/main" id="{0E032996-6C0D-AB41-9182-6BF9995B6AF1}"/>
+              </a:ext>
+            </a:extLst>
+          </p:cNvPr>
+          <p:cNvSpPr txBox="1">
+            <a:spLocks/>
+          </p:cNvSpPr>
+          <p:nvPr/>
+        </p:nvSpPr>
+        <p:spPr>
+          <a:xfrm>
+            <a:off x="860755" y="3896606"/>
+            <a:ext cx="2298905" cy="656675"/>
+          </a:xfrm>
+          <a:prstGeom prst="rect">
+            <a:avLst/>
+          </a:prstGeom>
+        </p:spPr>
+        <p:txBody>
+          <a:bodyPr vert="horz" lIns="91440" tIns="45720" rIns="91440" bIns="45720" rtlCol="0">
+            <a:normAutofit/>
+          </a:bodyPr>
+          <a:lstStyle>
+            <a:lvl1pPr marL="228600" indent="-228600" algn="l" defTabSz="914400" rtl="0" eaLnBrk="1" latinLnBrk="0" hangingPunct="1">
+              <a:lnSpc>
+                <a:spcPct val="120000"/>
+              </a:lnSpc>
+              <a:spcBef>
+                <a:spcPts val="1000"/>
+              </a:spcBef>
+              <a:buSzPct val="125000"/>
+              <a:buFont typeface="Arial" panose="020B0604020202020204" pitchFamily="34" charset="0"/>
+              <a:buChar char="•"/>
+              <a:defRPr sz="2400" kern="1200">
+                <a:solidFill>
+                  <a:schemeClr val="tx1"/>
+                </a:solidFill>
+                <a:latin typeface="+mn-lt"/>
+                <a:ea typeface="+mn-ea"/>
+                <a:cs typeface="+mn-cs"/>
+              </a:defRPr>
+            </a:lvl1pPr>
+            <a:lvl2pPr marL="685800" indent="-228600" algn="l" defTabSz="914400" rtl="0" eaLnBrk="1" latinLnBrk="0" hangingPunct="1">
+              <a:lnSpc>
+                <a:spcPct val="120000"/>
+              </a:lnSpc>
+              <a:spcBef>
+                <a:spcPts val="500"/>
+              </a:spcBef>
+              <a:buSzPct val="125000"/>
+              <a:buFont typeface="Arial" panose="020B0604020202020204" pitchFamily="34" charset="0"/>
+              <a:buChar char="•"/>
+              <a:defRPr sz="2000" kern="1200">
+                <a:solidFill>
+                  <a:schemeClr val="tx1"/>
+                </a:solidFill>
+                <a:latin typeface="+mn-lt"/>
+                <a:ea typeface="+mn-ea"/>
+                <a:cs typeface="+mn-cs"/>
+              </a:defRPr>
+            </a:lvl2pPr>
+            <a:lvl3pPr marL="1143000" indent="-228600" algn="l" defTabSz="914400" rtl="0" eaLnBrk="1" latinLnBrk="0" hangingPunct="1">
+              <a:lnSpc>
+                <a:spcPct val="120000"/>
+              </a:lnSpc>
+              <a:spcBef>
+                <a:spcPts val="500"/>
+              </a:spcBef>
+              <a:buSzPct val="125000"/>
+              <a:buFont typeface="Arial" panose="020B0604020202020204" pitchFamily="34" charset="0"/>
+              <a:buChar char="•"/>
+              <a:defRPr sz="1800" kern="1200">
+                <a:solidFill>
+                  <a:schemeClr val="tx1"/>
+                </a:solidFill>
+                <a:latin typeface="+mn-lt"/>
+                <a:ea typeface="+mn-ea"/>
+                <a:cs typeface="+mn-cs"/>
+              </a:defRPr>
+            </a:lvl3pPr>
+            <a:lvl4pPr marL="1600200" indent="-228600" algn="l" defTabSz="914400" rtl="0" eaLnBrk="1" latinLnBrk="0" hangingPunct="1">
+              <a:lnSpc>
+                <a:spcPct val="120000"/>
+              </a:lnSpc>
+              <a:spcBef>
+                <a:spcPts val="500"/>
+              </a:spcBef>
+              <a:buSzPct val="125000"/>
+              <a:buFont typeface="Arial" panose="020B0604020202020204" pitchFamily="34" charset="0"/>
+              <a:buChar char="•"/>
+              <a:defRPr sz="1600" kern="1200">
+                <a:solidFill>
+                  <a:schemeClr val="tx1"/>
+                </a:solidFill>
+                <a:latin typeface="+mn-lt"/>
+                <a:ea typeface="+mn-ea"/>
+                <a:cs typeface="+mn-cs"/>
+              </a:defRPr>
+            </a:lvl4pPr>
+            <a:lvl5pPr marL="2057400" indent="-228600" algn="l" defTabSz="914400" rtl="0" eaLnBrk="1" latinLnBrk="0" hangingPunct="1">
+              <a:lnSpc>
+                <a:spcPct val="120000"/>
+              </a:lnSpc>
+              <a:spcBef>
+                <a:spcPts val="500"/>
+              </a:spcBef>
+              <a:buSzPct val="125000"/>
+              <a:buFont typeface="Arial" panose="020B0604020202020204" pitchFamily="34" charset="0"/>
+              <a:buChar char="•"/>
+              <a:defRPr sz="1600" kern="1200">
+                <a:solidFill>
+                  <a:schemeClr val="tx1"/>
+                </a:solidFill>
+                <a:latin typeface="+mn-lt"/>
+                <a:ea typeface="+mn-ea"/>
+                <a:cs typeface="+mn-cs"/>
+              </a:defRPr>
+            </a:lvl5pPr>
+            <a:lvl6pPr marL="2514600" indent="-228600" algn="l" defTabSz="914400" rtl="0" eaLnBrk="1" latinLnBrk="0" hangingPunct="1">
+              <a:lnSpc>
+                <a:spcPct val="120000"/>
+              </a:lnSpc>
+              <a:spcBef>
+                <a:spcPts val="500"/>
+              </a:spcBef>
+              <a:buSzPct val="125000"/>
+              <a:buFont typeface="Arial" panose="020B0604020202020204" pitchFamily="34" charset="0"/>
+              <a:buChar char="•"/>
+              <a:defRPr sz="1400" kern="1200">
+                <a:solidFill>
+                  <a:schemeClr val="tx1"/>
+                </a:solidFill>
+                <a:latin typeface="+mn-lt"/>
+                <a:ea typeface="+mn-ea"/>
+                <a:cs typeface="+mn-cs"/>
+              </a:defRPr>
+            </a:lvl6pPr>
+            <a:lvl7pPr marL="2971800" indent="-228600" algn="l" defTabSz="914400" rtl="0" eaLnBrk="1" latinLnBrk="0" hangingPunct="1">
+              <a:lnSpc>
+                <a:spcPct val="120000"/>
+              </a:lnSpc>
+              <a:spcBef>
+                <a:spcPts val="500"/>
+              </a:spcBef>
+              <a:buSzPct val="125000"/>
+              <a:buFont typeface="Arial" panose="020B0604020202020204" pitchFamily="34" charset="0"/>
+              <a:buChar char="•"/>
+              <a:defRPr sz="1400" kern="1200">
+                <a:solidFill>
+                  <a:schemeClr val="tx1"/>
+                </a:solidFill>
+                <a:latin typeface="+mn-lt"/>
+                <a:ea typeface="+mn-ea"/>
+                <a:cs typeface="+mn-cs"/>
+              </a:defRPr>
+            </a:lvl7pPr>
+            <a:lvl8pPr marL="3429000" indent="-228600" algn="l" defTabSz="914400" rtl="0" eaLnBrk="1" latinLnBrk="0" hangingPunct="1">
+              <a:lnSpc>
+                <a:spcPct val="120000"/>
+              </a:lnSpc>
+              <a:spcBef>
+                <a:spcPts val="500"/>
+              </a:spcBef>
+              <a:buSzPct val="125000"/>
+              <a:buFont typeface="Arial" panose="020B0604020202020204" pitchFamily="34" charset="0"/>
+              <a:buChar char="•"/>
+              <a:defRPr sz="1400" kern="1200">
+                <a:solidFill>
+                  <a:schemeClr val="tx1"/>
+                </a:solidFill>
+                <a:latin typeface="+mn-lt"/>
+                <a:ea typeface="+mn-ea"/>
+                <a:cs typeface="+mn-cs"/>
+              </a:defRPr>
+            </a:lvl8pPr>
+            <a:lvl9pPr marL="3886200" indent="-228600" algn="l" defTabSz="914400" rtl="0" eaLnBrk="1" latinLnBrk="0" hangingPunct="1">
+              <a:lnSpc>
+                <a:spcPct val="120000"/>
+              </a:lnSpc>
+              <a:spcBef>
+                <a:spcPts val="500"/>
+              </a:spcBef>
+              <a:buSzPct val="125000"/>
+              <a:buFont typeface="Arial" panose="020B0604020202020204" pitchFamily="34" charset="0"/>
+              <a:buChar char="•"/>
+              <a:defRPr sz="1400" kern="1200">
+                <a:solidFill>
+                  <a:schemeClr val="tx1"/>
+                </a:solidFill>
+                <a:latin typeface="+mn-lt"/>
+                <a:ea typeface="+mn-ea"/>
+                <a:cs typeface="+mn-cs"/>
+              </a:defRPr>
+            </a:lvl9pPr>
+          </a:lstStyle>
+          <a:p>
+            <a:pPr marL="0" indent="0">
+              <a:buFont typeface="Arial" panose="020B0604020202020204" pitchFamily="34" charset="0"/>
+              <a:buNone/>
+            </a:pPr>
+            <a:r>
+              <a:rPr lang="en-US" dirty="0"/>
+              <a:t>Ind. Step</a:t>
+            </a:r>
+          </a:p>
+        </p:txBody>
+      </p:sp>
+      <mc:AlternateContent xmlns:mc="http://schemas.openxmlformats.org/markup-compatibility/2006">
+        <mc:Choice xmlns:a14="http://schemas.microsoft.com/office/drawing/2010/main" Requires="a14">
+          <p:sp>
+            <p:nvSpPr>
+              <p:cNvPr id="9" name="Content Placeholder 2">
+                <a:extLst>
+                  <a:ext uri="{FF2B5EF4-FFF2-40B4-BE49-F238E27FC236}">
+                    <a16:creationId xmlns:a16="http://schemas.microsoft.com/office/drawing/2014/main" id="{F5465A1C-C456-724B-B3B5-DC8E1D65B87C}"/>
+                  </a:ext>
+                </a:extLst>
+              </p:cNvPr>
+              <p:cNvSpPr txBox="1">
+                <a:spLocks/>
+              </p:cNvSpPr>
+              <p:nvPr/>
+            </p:nvSpPr>
+            <p:spPr>
+              <a:xfrm>
+                <a:off x="3348949" y="3896605"/>
+                <a:ext cx="6836200" cy="2775799"/>
+              </a:xfrm>
+              <a:prstGeom prst="rect">
+                <a:avLst/>
+              </a:prstGeom>
+              <a:solidFill>
+                <a:schemeClr val="tx1">
+                  <a:lumMod val="95000"/>
+                </a:schemeClr>
+              </a:solidFill>
+            </p:spPr>
+            <p:txBody>
+              <a:bodyPr vert="horz" lIns="91440" tIns="45720" rIns="91440" bIns="45720" rtlCol="0">
+                <a:normAutofit/>
+              </a:bodyPr>
+              <a:lstStyle>
+                <a:lvl1pPr marL="228600" indent="-228600" algn="l" defTabSz="914400" rtl="0" eaLnBrk="1" latinLnBrk="0" hangingPunct="1">
+                  <a:lnSpc>
+                    <a:spcPct val="120000"/>
+                  </a:lnSpc>
+                  <a:spcBef>
+                    <a:spcPts val="1000"/>
+                  </a:spcBef>
+                  <a:buSzPct val="125000"/>
+                  <a:buFont typeface="Arial" panose="020B0604020202020204" pitchFamily="34" charset="0"/>
+                  <a:buChar char="•"/>
+                  <a:defRPr sz="2400" kern="1200">
+                    <a:solidFill>
+                      <a:schemeClr val="tx1"/>
+                    </a:solidFill>
+                    <a:latin typeface="+mn-lt"/>
+                    <a:ea typeface="+mn-ea"/>
+                    <a:cs typeface="+mn-cs"/>
+                  </a:defRPr>
+                </a:lvl1pPr>
+                <a:lvl2pPr marL="685800" indent="-228600" algn="l" defTabSz="914400" rtl="0" eaLnBrk="1" latinLnBrk="0" hangingPunct="1">
+                  <a:lnSpc>
+                    <a:spcPct val="120000"/>
+                  </a:lnSpc>
+                  <a:spcBef>
+                    <a:spcPts val="500"/>
+                  </a:spcBef>
+                  <a:buSzPct val="125000"/>
+                  <a:buFont typeface="Arial" panose="020B0604020202020204" pitchFamily="34" charset="0"/>
+                  <a:buChar char="•"/>
+                  <a:defRPr sz="2000" kern="1200">
+                    <a:solidFill>
+                      <a:schemeClr val="tx1"/>
+                    </a:solidFill>
+                    <a:latin typeface="+mn-lt"/>
+                    <a:ea typeface="+mn-ea"/>
+                    <a:cs typeface="+mn-cs"/>
+                  </a:defRPr>
+                </a:lvl2pPr>
+                <a:lvl3pPr marL="1143000" indent="-228600" algn="l" defTabSz="914400" rtl="0" eaLnBrk="1" latinLnBrk="0" hangingPunct="1">
+                  <a:lnSpc>
+                    <a:spcPct val="120000"/>
+                  </a:lnSpc>
+                  <a:spcBef>
+                    <a:spcPts val="500"/>
+                  </a:spcBef>
+                  <a:buSzPct val="125000"/>
+                  <a:buFont typeface="Arial" panose="020B0604020202020204" pitchFamily="34" charset="0"/>
+                  <a:buChar char="•"/>
+                  <a:defRPr sz="1800" kern="1200">
+                    <a:solidFill>
+                      <a:schemeClr val="tx1"/>
+                    </a:solidFill>
+                    <a:latin typeface="+mn-lt"/>
+                    <a:ea typeface="+mn-ea"/>
+                    <a:cs typeface="+mn-cs"/>
+                  </a:defRPr>
+                </a:lvl3pPr>
+                <a:lvl4pPr marL="1600200" indent="-228600" algn="l" defTabSz="914400" rtl="0" eaLnBrk="1" latinLnBrk="0" hangingPunct="1">
+                  <a:lnSpc>
+                    <a:spcPct val="120000"/>
+                  </a:lnSpc>
+                  <a:spcBef>
+                    <a:spcPts val="500"/>
+                  </a:spcBef>
+                  <a:buSzPct val="125000"/>
+                  <a:buFont typeface="Arial" panose="020B0604020202020204" pitchFamily="34" charset="0"/>
+                  <a:buChar char="•"/>
+                  <a:defRPr sz="1600" kern="1200">
+                    <a:solidFill>
+                      <a:schemeClr val="tx1"/>
+                    </a:solidFill>
+                    <a:latin typeface="+mn-lt"/>
+                    <a:ea typeface="+mn-ea"/>
+                    <a:cs typeface="+mn-cs"/>
+                  </a:defRPr>
+                </a:lvl4pPr>
+                <a:lvl5pPr marL="2057400" indent="-228600" algn="l" defTabSz="914400" rtl="0" eaLnBrk="1" latinLnBrk="0" hangingPunct="1">
+                  <a:lnSpc>
+                    <a:spcPct val="120000"/>
+                  </a:lnSpc>
+                  <a:spcBef>
+                    <a:spcPts val="500"/>
+                  </a:spcBef>
+                  <a:buSzPct val="125000"/>
+                  <a:buFont typeface="Arial" panose="020B0604020202020204" pitchFamily="34" charset="0"/>
+                  <a:buChar char="•"/>
+                  <a:defRPr sz="1600" kern="1200">
+                    <a:solidFill>
+                      <a:schemeClr val="tx1"/>
+                    </a:solidFill>
+                    <a:latin typeface="+mn-lt"/>
+                    <a:ea typeface="+mn-ea"/>
+                    <a:cs typeface="+mn-cs"/>
+                  </a:defRPr>
+                </a:lvl5pPr>
+                <a:lvl6pPr marL="2514600" indent="-228600" algn="l" defTabSz="914400" rtl="0" eaLnBrk="1" latinLnBrk="0" hangingPunct="1">
+                  <a:lnSpc>
+                    <a:spcPct val="120000"/>
+                  </a:lnSpc>
+                  <a:spcBef>
+                    <a:spcPts val="500"/>
+                  </a:spcBef>
+                  <a:buSzPct val="125000"/>
+                  <a:buFont typeface="Arial" panose="020B0604020202020204" pitchFamily="34" charset="0"/>
+                  <a:buChar char="•"/>
+                  <a:defRPr sz="1400" kern="1200">
+                    <a:solidFill>
+                      <a:schemeClr val="tx1"/>
+                    </a:solidFill>
+                    <a:latin typeface="+mn-lt"/>
+                    <a:ea typeface="+mn-ea"/>
+                    <a:cs typeface="+mn-cs"/>
+                  </a:defRPr>
+                </a:lvl6pPr>
+                <a:lvl7pPr marL="2971800" indent="-228600" algn="l" defTabSz="914400" rtl="0" eaLnBrk="1" latinLnBrk="0" hangingPunct="1">
+                  <a:lnSpc>
+                    <a:spcPct val="120000"/>
+                  </a:lnSpc>
+                  <a:spcBef>
+                    <a:spcPts val="500"/>
+                  </a:spcBef>
+                  <a:buSzPct val="125000"/>
+                  <a:buFont typeface="Arial" panose="020B0604020202020204" pitchFamily="34" charset="0"/>
+                  <a:buChar char="•"/>
+                  <a:defRPr sz="1400" kern="1200">
+                    <a:solidFill>
+                      <a:schemeClr val="tx1"/>
+                    </a:solidFill>
+                    <a:latin typeface="+mn-lt"/>
+                    <a:ea typeface="+mn-ea"/>
+                    <a:cs typeface="+mn-cs"/>
+                  </a:defRPr>
+                </a:lvl7pPr>
+                <a:lvl8pPr marL="3429000" indent="-228600" algn="l" defTabSz="914400" rtl="0" eaLnBrk="1" latinLnBrk="0" hangingPunct="1">
+                  <a:lnSpc>
+                    <a:spcPct val="120000"/>
+                  </a:lnSpc>
+                  <a:spcBef>
+                    <a:spcPts val="500"/>
+                  </a:spcBef>
+                  <a:buSzPct val="125000"/>
+                  <a:buFont typeface="Arial" panose="020B0604020202020204" pitchFamily="34" charset="0"/>
+                  <a:buChar char="•"/>
+                  <a:defRPr sz="1400" kern="1200">
+                    <a:solidFill>
+                      <a:schemeClr val="tx1"/>
+                    </a:solidFill>
+                    <a:latin typeface="+mn-lt"/>
+                    <a:ea typeface="+mn-ea"/>
+                    <a:cs typeface="+mn-cs"/>
+                  </a:defRPr>
+                </a:lvl8pPr>
+                <a:lvl9pPr marL="3886200" indent="-228600" algn="l" defTabSz="914400" rtl="0" eaLnBrk="1" latinLnBrk="0" hangingPunct="1">
+                  <a:lnSpc>
+                    <a:spcPct val="120000"/>
+                  </a:lnSpc>
+                  <a:spcBef>
+                    <a:spcPts val="500"/>
+                  </a:spcBef>
+                  <a:buSzPct val="125000"/>
+                  <a:buFont typeface="Arial" panose="020B0604020202020204" pitchFamily="34" charset="0"/>
+                  <a:buChar char="•"/>
+                  <a:defRPr sz="1400" kern="1200">
+                    <a:solidFill>
+                      <a:schemeClr val="tx1"/>
+                    </a:solidFill>
+                    <a:latin typeface="+mn-lt"/>
+                    <a:ea typeface="+mn-ea"/>
+                    <a:cs typeface="+mn-cs"/>
+                  </a:defRPr>
+                </a:lvl9pPr>
+              </a:lstStyle>
+              <a:p>
+                <a:pPr marL="0" indent="0">
+                  <a:buFont typeface="Arial" panose="020B0604020202020204" pitchFamily="34" charset="0"/>
+                  <a:buNone/>
+                </a:pPr>
+                <a14:m>
+                  <m:oMath xmlns:m="http://schemas.openxmlformats.org/officeDocument/2006/math">
+                    <m:sSup>
+                      <m:sSupPr>
+                        <m:ctrlPr>
+                          <a:rPr lang="en-US" sz="2000" b="0" i="1" smtClean="0">
+                            <a:solidFill>
+                              <a:schemeClr val="bg1"/>
+                            </a:solidFill>
+                            <a:latin typeface="Cambria Math" panose="02040503050406030204" pitchFamily="18" charset="0"/>
+                          </a:rPr>
+                        </m:ctrlPr>
+                      </m:sSupPr>
+                      <m:e>
+                        <m:r>
+                          <a:rPr lang="en-US" sz="2000" b="0" i="1" smtClean="0">
+                            <a:solidFill>
+                              <a:schemeClr val="bg1"/>
+                            </a:solidFill>
+                            <a:latin typeface="Cambria Math" panose="02040503050406030204" pitchFamily="18" charset="0"/>
+                          </a:rPr>
+                          <m:t>2</m:t>
+                        </m:r>
+                      </m:e>
+                      <m:sup>
+                        <m:r>
+                          <a:rPr lang="en-US" sz="2000" b="0" i="1" smtClean="0">
+                            <a:solidFill>
+                              <a:schemeClr val="bg1"/>
+                            </a:solidFill>
+                            <a:latin typeface="Cambria Math" panose="02040503050406030204" pitchFamily="18" charset="0"/>
+                          </a:rPr>
+                          <m:t>𝑘</m:t>
+                        </m:r>
+                      </m:sup>
+                    </m:sSup>
+                  </m:oMath>
+                </a14:m>
+                <a:r>
+                  <a:rPr lang="en-US" sz="2000" dirty="0">
+                    <a:solidFill>
+                      <a:schemeClr val="bg1"/>
+                    </a:solidFill>
+                  </a:rPr>
+                  <a:t> strings exist for length k</a:t>
+                </a:r>
+              </a:p>
+              <a:p>
+                <a:pPr marL="0" indent="0">
+                  <a:buFont typeface="Arial" panose="020B0604020202020204" pitchFamily="34" charset="0"/>
+                  <a:buNone/>
+                </a:pPr>
+                <a:r>
+                  <a:rPr lang="en-US" sz="2000" dirty="0">
+                    <a:solidFill>
+                      <a:schemeClr val="bg1"/>
+                    </a:solidFill>
+                  </a:rPr>
+                  <a:t>Consider length k+1</a:t>
+                </a:r>
+              </a:p>
+              <a:p>
+                <a:pPr marL="0" indent="0">
+                  <a:buNone/>
+                </a:pPr>
+                <a:r>
+                  <a:rPr lang="en-US" sz="2000" dirty="0">
+                    <a:solidFill>
+                      <a:schemeClr val="bg1"/>
+                    </a:solidFill>
+                  </a:rPr>
+                  <a:t>For each of the </a:t>
+                </a:r>
+                <a14:m>
+                  <m:oMath xmlns:m="http://schemas.openxmlformats.org/officeDocument/2006/math">
+                    <m:sSup>
+                      <m:sSupPr>
+                        <m:ctrlPr>
+                          <a:rPr lang="en-US" sz="2000" i="1">
+                            <a:solidFill>
+                              <a:schemeClr val="bg1"/>
+                            </a:solidFill>
+                            <a:latin typeface="Cambria Math" panose="02040503050406030204" pitchFamily="18" charset="0"/>
+                          </a:rPr>
+                        </m:ctrlPr>
+                      </m:sSupPr>
+                      <m:e>
+                        <m:r>
+                          <a:rPr lang="en-US" sz="2000" i="1">
+                            <a:solidFill>
+                              <a:schemeClr val="bg1"/>
+                            </a:solidFill>
+                            <a:latin typeface="Cambria Math" panose="02040503050406030204" pitchFamily="18" charset="0"/>
+                          </a:rPr>
+                          <m:t>2</m:t>
+                        </m:r>
+                      </m:e>
+                      <m:sup>
+                        <m:r>
+                          <a:rPr lang="en-US" sz="2000" i="1">
+                            <a:solidFill>
+                              <a:schemeClr val="bg1"/>
+                            </a:solidFill>
+                            <a:latin typeface="Cambria Math" panose="02040503050406030204" pitchFamily="18" charset="0"/>
+                          </a:rPr>
+                          <m:t>𝑘</m:t>
+                        </m:r>
+                      </m:sup>
+                    </m:sSup>
+                  </m:oMath>
+                </a14:m>
+                <a:r>
+                  <a:rPr lang="en-US" sz="2000" dirty="0">
+                    <a:solidFill>
+                      <a:schemeClr val="bg1"/>
+                    </a:solidFill>
+                  </a:rPr>
+                  <a:t> strings of length k, we can add a 0 (</a:t>
+                </a:r>
+                <a14:m>
+                  <m:oMath xmlns:m="http://schemas.openxmlformats.org/officeDocument/2006/math">
+                    <m:sSup>
+                      <m:sSupPr>
+                        <m:ctrlPr>
+                          <a:rPr lang="en-US" sz="2000" i="1">
+                            <a:solidFill>
+                              <a:schemeClr val="bg1"/>
+                            </a:solidFill>
+                            <a:latin typeface="Cambria Math" panose="02040503050406030204" pitchFamily="18" charset="0"/>
+                          </a:rPr>
+                        </m:ctrlPr>
+                      </m:sSupPr>
+                      <m:e>
+                        <m:r>
+                          <a:rPr lang="en-US" sz="2000" i="1">
+                            <a:solidFill>
+                              <a:schemeClr val="bg1"/>
+                            </a:solidFill>
+                            <a:latin typeface="Cambria Math" panose="02040503050406030204" pitchFamily="18" charset="0"/>
+                          </a:rPr>
+                          <m:t>2</m:t>
+                        </m:r>
+                      </m:e>
+                      <m:sup>
+                        <m:r>
+                          <a:rPr lang="en-US" sz="2000" i="1">
+                            <a:solidFill>
+                              <a:schemeClr val="bg1"/>
+                            </a:solidFill>
+                            <a:latin typeface="Cambria Math" panose="02040503050406030204" pitchFamily="18" charset="0"/>
+                          </a:rPr>
+                          <m:t>𝑘</m:t>
+                        </m:r>
+                      </m:sup>
+                    </m:sSup>
+                  </m:oMath>
+                </a14:m>
+                <a:r>
+                  <a:rPr lang="en-US" sz="2000" dirty="0">
+                    <a:solidFill>
+                      <a:schemeClr val="bg1"/>
+                    </a:solidFill>
+                  </a:rPr>
+                  <a:t> total)</a:t>
+                </a:r>
+                <a:br>
+                  <a:rPr lang="en-US" sz="2000" dirty="0">
+                    <a:solidFill>
+                      <a:schemeClr val="bg1"/>
+                    </a:solidFill>
+                  </a:rPr>
+                </a:br>
+                <a:r>
+                  <a:rPr lang="en-US" sz="2000" dirty="0">
+                    <a:solidFill>
+                      <a:schemeClr val="bg1"/>
+                    </a:solidFill>
+                  </a:rPr>
+                  <a:t>For each of the </a:t>
+                </a:r>
+                <a14:m>
+                  <m:oMath xmlns:m="http://schemas.openxmlformats.org/officeDocument/2006/math">
+                    <m:sSup>
+                      <m:sSupPr>
+                        <m:ctrlPr>
+                          <a:rPr lang="en-US" sz="2000" i="1">
+                            <a:solidFill>
+                              <a:schemeClr val="bg1"/>
+                            </a:solidFill>
+                            <a:latin typeface="Cambria Math" panose="02040503050406030204" pitchFamily="18" charset="0"/>
+                          </a:rPr>
+                        </m:ctrlPr>
+                      </m:sSupPr>
+                      <m:e>
+                        <m:r>
+                          <a:rPr lang="en-US" sz="2000" i="1">
+                            <a:solidFill>
+                              <a:schemeClr val="bg1"/>
+                            </a:solidFill>
+                            <a:latin typeface="Cambria Math" panose="02040503050406030204" pitchFamily="18" charset="0"/>
+                          </a:rPr>
+                          <m:t>2</m:t>
+                        </m:r>
+                      </m:e>
+                      <m:sup>
+                        <m:r>
+                          <a:rPr lang="en-US" sz="2000" i="1">
+                            <a:solidFill>
+                              <a:schemeClr val="bg1"/>
+                            </a:solidFill>
+                            <a:latin typeface="Cambria Math" panose="02040503050406030204" pitchFamily="18" charset="0"/>
+                          </a:rPr>
+                          <m:t>𝑘</m:t>
+                        </m:r>
+                      </m:sup>
+                    </m:sSup>
+                  </m:oMath>
+                </a14:m>
+                <a:r>
+                  <a:rPr lang="en-US" sz="2000" dirty="0">
+                    <a:solidFill>
+                      <a:schemeClr val="bg1"/>
+                    </a:solidFill>
+                  </a:rPr>
+                  <a:t> strings of length k, we can add a 1 (</a:t>
+                </a:r>
+                <a14:m>
+                  <m:oMath xmlns:m="http://schemas.openxmlformats.org/officeDocument/2006/math">
+                    <m:sSup>
+                      <m:sSupPr>
+                        <m:ctrlPr>
+                          <a:rPr lang="en-US" sz="2000" i="1">
+                            <a:solidFill>
+                              <a:schemeClr val="bg1"/>
+                            </a:solidFill>
+                            <a:latin typeface="Cambria Math" panose="02040503050406030204" pitchFamily="18" charset="0"/>
+                          </a:rPr>
+                        </m:ctrlPr>
+                      </m:sSupPr>
+                      <m:e>
+                        <m:r>
+                          <a:rPr lang="en-US" sz="2000" i="1">
+                            <a:solidFill>
+                              <a:schemeClr val="bg1"/>
+                            </a:solidFill>
+                            <a:latin typeface="Cambria Math" panose="02040503050406030204" pitchFamily="18" charset="0"/>
+                          </a:rPr>
+                          <m:t>2</m:t>
+                        </m:r>
+                      </m:e>
+                      <m:sup>
+                        <m:r>
+                          <a:rPr lang="en-US" sz="2000" i="1">
+                            <a:solidFill>
+                              <a:schemeClr val="bg1"/>
+                            </a:solidFill>
+                            <a:latin typeface="Cambria Math" panose="02040503050406030204" pitchFamily="18" charset="0"/>
+                          </a:rPr>
+                          <m:t>𝑘</m:t>
+                        </m:r>
+                      </m:sup>
+                    </m:sSup>
+                  </m:oMath>
+                </a14:m>
+                <a:r>
+                  <a:rPr lang="en-US" sz="2000" dirty="0">
+                    <a:solidFill>
+                      <a:schemeClr val="bg1"/>
+                    </a:solidFill>
+                  </a:rPr>
+                  <a:t> total)</a:t>
+                </a:r>
+              </a:p>
+              <a:p>
+                <a:pPr marL="0" indent="0">
+                  <a:buNone/>
+                </a:pPr>
+                <a:r>
+                  <a:rPr lang="en-US" sz="2000" dirty="0">
+                    <a:solidFill>
+                      <a:schemeClr val="bg1"/>
+                    </a:solidFill>
+                  </a:rPr>
+                  <a:t>Grand total number of strings of length k+1 is:</a:t>
+                </a:r>
+                <a:br>
+                  <a:rPr lang="en-US" sz="2000" dirty="0">
+                    <a:solidFill>
+                      <a:schemeClr val="bg1"/>
+                    </a:solidFill>
+                  </a:rPr>
+                </a:br>
+                <a14:m>
+                  <m:oMathPara xmlns:m="http://schemas.openxmlformats.org/officeDocument/2006/math">
+                    <m:oMathParaPr>
+                      <m:jc m:val="centerGroup"/>
+                    </m:oMathParaPr>
+                    <m:oMath xmlns:m="http://schemas.openxmlformats.org/officeDocument/2006/math">
+                      <m:sSup>
+                        <m:sSupPr>
+                          <m:ctrlPr>
+                            <a:rPr lang="en-US" sz="2000" i="1">
+                              <a:solidFill>
+                                <a:schemeClr val="bg1"/>
+                              </a:solidFill>
+                              <a:latin typeface="Cambria Math" panose="02040503050406030204" pitchFamily="18" charset="0"/>
+                            </a:rPr>
+                          </m:ctrlPr>
+                        </m:sSupPr>
+                        <m:e>
+                          <m:r>
+                            <a:rPr lang="en-US" sz="2000" i="1">
+                              <a:solidFill>
+                                <a:schemeClr val="bg1"/>
+                              </a:solidFill>
+                              <a:latin typeface="Cambria Math" panose="02040503050406030204" pitchFamily="18" charset="0"/>
+                            </a:rPr>
+                            <m:t>2</m:t>
+                          </m:r>
+                        </m:e>
+                        <m:sup>
+                          <m:r>
+                            <a:rPr lang="en-US" sz="2000" i="1">
+                              <a:solidFill>
+                                <a:schemeClr val="bg1"/>
+                              </a:solidFill>
+                              <a:latin typeface="Cambria Math" panose="02040503050406030204" pitchFamily="18" charset="0"/>
+                            </a:rPr>
+                            <m:t>𝑘</m:t>
+                          </m:r>
+                        </m:sup>
+                      </m:sSup>
+                      <m:r>
+                        <a:rPr lang="en-US" sz="2000" b="0" i="1" smtClean="0">
+                          <a:solidFill>
+                            <a:schemeClr val="bg1"/>
+                          </a:solidFill>
+                          <a:latin typeface="Cambria Math" panose="02040503050406030204" pitchFamily="18" charset="0"/>
+                        </a:rPr>
+                        <m:t>+</m:t>
+                      </m:r>
+                      <m:sSup>
+                        <m:sSupPr>
+                          <m:ctrlPr>
+                            <a:rPr lang="en-US" sz="2000" b="0" i="1" smtClean="0">
+                              <a:solidFill>
+                                <a:schemeClr val="bg1"/>
+                              </a:solidFill>
+                              <a:latin typeface="Cambria Math" panose="02040503050406030204" pitchFamily="18" charset="0"/>
+                            </a:rPr>
+                          </m:ctrlPr>
+                        </m:sSupPr>
+                        <m:e>
+                          <m:r>
+                            <a:rPr lang="en-US" sz="2000" b="0" i="1" smtClean="0">
+                              <a:solidFill>
+                                <a:schemeClr val="bg1"/>
+                              </a:solidFill>
+                              <a:latin typeface="Cambria Math" panose="02040503050406030204" pitchFamily="18" charset="0"/>
+                            </a:rPr>
+                            <m:t>2</m:t>
+                          </m:r>
+                        </m:e>
+                        <m:sup>
+                          <m:r>
+                            <a:rPr lang="en-US" sz="2000" b="0" i="1" smtClean="0">
+                              <a:solidFill>
+                                <a:schemeClr val="bg1"/>
+                              </a:solidFill>
+                              <a:latin typeface="Cambria Math" panose="02040503050406030204" pitchFamily="18" charset="0"/>
+                            </a:rPr>
+                            <m:t>𝑘</m:t>
+                          </m:r>
+                        </m:sup>
+                      </m:sSup>
+                      <m:r>
+                        <a:rPr lang="en-US" sz="2000" b="0" i="1" smtClean="0">
+                          <a:solidFill>
+                            <a:schemeClr val="bg1"/>
+                          </a:solidFill>
+                          <a:latin typeface="Cambria Math" panose="02040503050406030204" pitchFamily="18" charset="0"/>
+                        </a:rPr>
+                        <m:t>=2</m:t>
+                      </m:r>
+                      <m:d>
+                        <m:dPr>
+                          <m:ctrlPr>
+                            <a:rPr lang="en-US" sz="2000" b="0" i="1" smtClean="0">
+                              <a:solidFill>
+                                <a:schemeClr val="bg1"/>
+                              </a:solidFill>
+                              <a:latin typeface="Cambria Math" panose="02040503050406030204" pitchFamily="18" charset="0"/>
+                            </a:rPr>
+                          </m:ctrlPr>
+                        </m:dPr>
+                        <m:e>
+                          <m:sSup>
+                            <m:sSupPr>
+                              <m:ctrlPr>
+                                <a:rPr lang="en-US" sz="2000" b="0" i="1" smtClean="0">
+                                  <a:solidFill>
+                                    <a:schemeClr val="bg1"/>
+                                  </a:solidFill>
+                                  <a:latin typeface="Cambria Math" panose="02040503050406030204" pitchFamily="18" charset="0"/>
+                                </a:rPr>
+                              </m:ctrlPr>
+                            </m:sSupPr>
+                            <m:e>
+                              <m:r>
+                                <a:rPr lang="en-US" sz="2000" b="0" i="1" smtClean="0">
+                                  <a:solidFill>
+                                    <a:schemeClr val="bg1"/>
+                                  </a:solidFill>
+                                  <a:latin typeface="Cambria Math" panose="02040503050406030204" pitchFamily="18" charset="0"/>
+                                </a:rPr>
+                                <m:t>2</m:t>
+                              </m:r>
+                            </m:e>
+                            <m:sup>
+                              <m:r>
+                                <a:rPr lang="en-US" sz="2000" b="0" i="1" smtClean="0">
+                                  <a:solidFill>
+                                    <a:schemeClr val="bg1"/>
+                                  </a:solidFill>
+                                  <a:latin typeface="Cambria Math" panose="02040503050406030204" pitchFamily="18" charset="0"/>
+                                </a:rPr>
+                                <m:t>𝑘</m:t>
+                              </m:r>
+                            </m:sup>
+                          </m:sSup>
+                        </m:e>
+                      </m:d>
+                      <m:r>
+                        <a:rPr lang="en-US" sz="2000" b="0" i="1" smtClean="0">
+                          <a:solidFill>
+                            <a:schemeClr val="bg1"/>
+                          </a:solidFill>
+                          <a:latin typeface="Cambria Math" panose="02040503050406030204" pitchFamily="18" charset="0"/>
+                        </a:rPr>
+                        <m:t>=</m:t>
+                      </m:r>
+                      <m:sSup>
+                        <m:sSupPr>
+                          <m:ctrlPr>
+                            <a:rPr lang="en-US" sz="2000" b="0" i="1" smtClean="0">
+                              <a:solidFill>
+                                <a:schemeClr val="bg1"/>
+                              </a:solidFill>
+                              <a:latin typeface="Cambria Math" panose="02040503050406030204" pitchFamily="18" charset="0"/>
+                            </a:rPr>
+                          </m:ctrlPr>
+                        </m:sSupPr>
+                        <m:e>
+                          <m:r>
+                            <a:rPr lang="en-US" sz="2000" b="0" i="1" smtClean="0">
+                              <a:solidFill>
+                                <a:schemeClr val="bg1"/>
+                              </a:solidFill>
+                              <a:latin typeface="Cambria Math" panose="02040503050406030204" pitchFamily="18" charset="0"/>
+                            </a:rPr>
+                            <m:t>2</m:t>
+                          </m:r>
+                        </m:e>
+                        <m:sup>
+                          <m:r>
+                            <a:rPr lang="en-US" sz="2000" b="0" i="1" smtClean="0">
+                              <a:solidFill>
+                                <a:schemeClr val="bg1"/>
+                              </a:solidFill>
+                              <a:latin typeface="Cambria Math" panose="02040503050406030204" pitchFamily="18" charset="0"/>
+                            </a:rPr>
+                            <m:t>𝑘</m:t>
+                          </m:r>
+                          <m:r>
+                            <a:rPr lang="en-US" sz="2000" b="0" i="1" smtClean="0">
+                              <a:solidFill>
+                                <a:schemeClr val="bg1"/>
+                              </a:solidFill>
+                              <a:latin typeface="Cambria Math" panose="02040503050406030204" pitchFamily="18" charset="0"/>
+                            </a:rPr>
+                            <m:t>+1</m:t>
+                          </m:r>
+                        </m:sup>
+                      </m:sSup>
+                    </m:oMath>
+                  </m:oMathPara>
+                </a14:m>
+                <a:endParaRPr lang="en-US" sz="2000" dirty="0">
+                  <a:solidFill>
+                    <a:schemeClr val="bg1"/>
+                  </a:solidFill>
+                </a:endParaRPr>
+              </a:p>
+            </p:txBody>
+          </p:sp>
+        </mc:Choice>
+        <mc:Fallback>
+          <p:sp>
+            <p:nvSpPr>
+              <p:cNvPr id="9" name="Content Placeholder 2">
+                <a:extLst>
+                  <a:ext uri="{FF2B5EF4-FFF2-40B4-BE49-F238E27FC236}">
+                    <a16:creationId xmlns:a16="http://schemas.microsoft.com/office/drawing/2014/main" id="{F5465A1C-C456-724B-B3B5-DC8E1D65B87C}"/>
+                  </a:ext>
+                </a:extLst>
+              </p:cNvPr>
+              <p:cNvSpPr txBox="1">
+                <a:spLocks noRot="1" noChangeAspect="1" noMove="1" noResize="1" noEditPoints="1" noAdjustHandles="1" noChangeArrowheads="1" noChangeShapeType="1" noTextEdit="1"/>
+              </p:cNvSpPr>
+              <p:nvPr/>
+            </p:nvSpPr>
+            <p:spPr>
+              <a:xfrm>
+                <a:off x="3348949" y="3896605"/>
+                <a:ext cx="6836200" cy="2775799"/>
+              </a:xfrm>
+              <a:prstGeom prst="rect">
+                <a:avLst/>
+              </a:prstGeom>
+              <a:blipFill>
+                <a:blip r:embed="rId5"/>
+                <a:stretch>
+                  <a:fillRect l="-1115"/>
+                </a:stretch>
+              </a:blipFill>
+            </p:spPr>
+            <p:txBody>
+              <a:bodyPr/>
+              <a:lstStyle/>
+              <a:p>
+                <a:r>
+                  <a:rPr lang="en-US">
+                    <a:noFill/>
+                  </a:rPr>
+                  <a:t> </a:t>
+                </a:r>
+              </a:p>
+            </p:txBody>
+          </p:sp>
+        </mc:Fallback>
+      </mc:AlternateContent>
+    </p:spTree>
+    <p:extLst>
+      <p:ext uri="{BB962C8B-B14F-4D97-AF65-F5344CB8AC3E}">
+        <p14:creationId xmlns:p14="http://schemas.microsoft.com/office/powerpoint/2010/main" val="1141069305"/>
+      </p:ext>
+    </p:extLst>
+  </p:cSld>
+  <p:clrMapOvr>
+    <a:masterClrMapping/>
+  </p:clrMapOvr>
+</p:sld>
+</file>
+
+<file path=ppt/slides/slide3.xml><?xml version="1.0" encoding="utf-8"?>
+<p:sld xmlns:a="http://schemas.openxmlformats.org/drawingml/2006/main" xmlns:r="http://schemas.openxmlformats.org/officeDocument/2006/relationships" xmlns:p="http://schemas.openxmlformats.org/presentationml/2006/main">
+  <p:cSld>
+    <p:spTree>
+      <p:nvGrpSpPr>
+        <p:cNvPr id="1" name=""/>
+        <p:cNvGrpSpPr/>
+        <p:nvPr/>
+      </p:nvGrpSpPr>
+      <p:grpSpPr>
+        <a:xfrm>
+          <a:off x="0" y="0"/>
+          <a:ext cx="0" cy="0"/>
+          <a:chOff x="0" y="0"/>
+          <a:chExt cx="0" cy="0"/>
+        </a:xfrm>
+      </p:grpSpPr>
+      <p:sp>
+        <p:nvSpPr>
+          <p:cNvPr id="2" name="Title 1">
+            <a:extLst>
+              <a:ext uri="{FF2B5EF4-FFF2-40B4-BE49-F238E27FC236}">
+                <a16:creationId xmlns:a16="http://schemas.microsoft.com/office/drawing/2014/main" id="{87719C56-21DC-0A40-AA49-9AF4AF4C92DA}"/>
+              </a:ext>
+            </a:extLst>
+          </p:cNvPr>
+          <p:cNvSpPr>
+            <a:spLocks noGrp="1"/>
+          </p:cNvSpPr>
+          <p:nvPr>
+            <p:ph type="title"/>
+          </p:nvPr>
+        </p:nvSpPr>
+        <p:spPr/>
+        <p:txBody>
+          <a:bodyPr/>
+          <a:lstStyle/>
+          <a:p>
+            <a:pPr algn="ctr"/>
+            <a:r>
+              <a:rPr lang="en-US" dirty="0"/>
+              <a:t>Part 1: Why do we need proofs?</a:t>
+            </a:r>
+          </a:p>
+        </p:txBody>
+      </p:sp>
+    </p:spTree>
+    <p:extLst>
+      <p:ext uri="{BB962C8B-B14F-4D97-AF65-F5344CB8AC3E}">
+        <p14:creationId xmlns:p14="http://schemas.microsoft.com/office/powerpoint/2010/main" val="4149752791"/>
+      </p:ext>
+    </p:extLst>
+  </p:cSld>
+  <p:clrMapOvr>
+    <a:masterClrMapping/>
+  </p:clrMapOvr>
+</p:sld>
+</file>
+
+<file path=ppt/slides/slide30.xml><?xml version="1.0" encoding="utf-8"?>
 <p:sld xmlns:a="http://schemas.openxmlformats.org/drawingml/2006/main" xmlns:r="http://schemas.openxmlformats.org/officeDocument/2006/relationships" xmlns:p="http://schemas.openxmlformats.org/presentationml/2006/main">
   <p:cSld>
     <p:spTree>
@@ -20946,7 +26091,7 @@
           <a:p>
             <a:fld id="{9BB9F8D7-E2A3-4222-BD86-A63794DF33E7}" type="slidenum">
               <a:rPr lang="en-US" smtClean="0"/>
-              <a:t>23</a:t>
+              <a:t>30</a:t>
             </a:fld>
             <a:endParaRPr lang="en-US"/>
           </a:p>
@@ -20965,7 +26110,7 @@
 </p:sld>
 </file>
 
-<file path=ppt/slides/slide24.xml><?xml version="1.0" encoding="utf-8"?>
+<file path=ppt/slides/slide31.xml><?xml version="1.0" encoding="utf-8"?>
 <p:sld xmlns:a="http://schemas.openxmlformats.org/drawingml/2006/main" xmlns:r="http://schemas.openxmlformats.org/officeDocument/2006/relationships" xmlns:p="http://schemas.openxmlformats.org/presentationml/2006/main">
   <p:cSld>
     <p:spTree>
@@ -21201,7 +26346,7 @@
           <a:p>
             <a:fld id="{9BB9F8D7-E2A3-4222-BD86-A63794DF33E7}" type="slidenum">
               <a:rPr lang="en-US" smtClean="0"/>
-              <a:t>24</a:t>
+              <a:t>31</a:t>
             </a:fld>
             <a:endParaRPr lang="en-US"/>
           </a:p>
@@ -21220,7 +26365,7 @@
 </p:sld>
 </file>
 
-<file path=ppt/slides/slide25.xml><?xml version="1.0" encoding="utf-8"?>
+<file path=ppt/slides/slide32.xml><?xml version="1.0" encoding="utf-8"?>
 <p:sld xmlns:a="http://schemas.openxmlformats.org/drawingml/2006/main" xmlns:r="http://schemas.openxmlformats.org/officeDocument/2006/relationships" xmlns:p="http://schemas.openxmlformats.org/presentationml/2006/main">
   <p:cSld>
     <p:spTree>
@@ -21424,7 +26569,7 @@
           <a:p>
             <a:fld id="{9BB9F8D7-E2A3-4222-BD86-A63794DF33E7}" type="slidenum">
               <a:rPr lang="en-US" smtClean="0"/>
-              <a:t>25</a:t>
+              <a:t>32</a:t>
             </a:fld>
             <a:endParaRPr lang="en-US"/>
           </a:p>
@@ -21434,65 +26579,6 @@
     <p:extLst>
       <p:ext uri="{BB962C8B-B14F-4D97-AF65-F5344CB8AC3E}">
         <p14:creationId xmlns:p14="http://schemas.microsoft.com/office/powerpoint/2010/main" val="1668590266"/>
-      </p:ext>
-    </p:extLst>
-  </p:cSld>
-  <p:clrMapOvr>
-    <a:masterClrMapping/>
-  </p:clrMapOvr>
-</p:sld>
-</file>
-
-<file path=ppt/slides/slide3.xml><?xml version="1.0" encoding="utf-8"?>
-<p:sld xmlns:a="http://schemas.openxmlformats.org/drawingml/2006/main" xmlns:r="http://schemas.openxmlformats.org/officeDocument/2006/relationships" xmlns:p="http://schemas.openxmlformats.org/presentationml/2006/main">
-  <p:cSld>
-    <p:spTree>
-      <p:nvGrpSpPr>
-        <p:cNvPr id="1" name=""/>
-        <p:cNvGrpSpPr/>
-        <p:nvPr/>
-      </p:nvGrpSpPr>
-      <p:grpSpPr>
-        <a:xfrm>
-          <a:off x="0" y="0"/>
-          <a:ext cx="0" cy="0"/>
-          <a:chOff x="0" y="0"/>
-          <a:chExt cx="0" cy="0"/>
-        </a:xfrm>
-      </p:grpSpPr>
-      <p:sp>
-        <p:nvSpPr>
-          <p:cNvPr id="2" name="Title 1">
-            <a:extLst>
-              <a:ext uri="{FF2B5EF4-FFF2-40B4-BE49-F238E27FC236}">
-                <a16:creationId xmlns:a16="http://schemas.microsoft.com/office/drawing/2014/main" id="{87719C56-21DC-0A40-AA49-9AF4AF4C92DA}"/>
-              </a:ext>
-            </a:extLst>
-          </p:cNvPr>
-          <p:cNvSpPr>
-            <a:spLocks noGrp="1"/>
-          </p:cNvSpPr>
-          <p:nvPr>
-            <p:ph type="title"/>
-          </p:nvPr>
-        </p:nvSpPr>
-        <p:spPr/>
-        <p:txBody>
-          <a:bodyPr/>
-          <a:lstStyle/>
-          <a:p>
-            <a:pPr algn="ctr"/>
-            <a:r>
-              <a:rPr lang="en-US" dirty="0"/>
-              <a:t>Part 1: Why do we need proofs?</a:t>
-            </a:r>
-          </a:p>
-        </p:txBody>
-      </p:sp>
-    </p:spTree>
-    <p:extLst>
-      <p:ext uri="{BB962C8B-B14F-4D97-AF65-F5344CB8AC3E}">
-        <p14:creationId xmlns:p14="http://schemas.microsoft.com/office/powerpoint/2010/main" val="4149752791"/>
       </p:ext>
     </p:extLst>
   </p:cSld>
@@ -22808,6 +27894,65 @@
           <p:cNvPr id="2" name="Title 1">
             <a:extLst>
               <a:ext uri="{FF2B5EF4-FFF2-40B4-BE49-F238E27FC236}">
+                <a16:creationId xmlns:a16="http://schemas.microsoft.com/office/drawing/2014/main" id="{87719C56-21DC-0A40-AA49-9AF4AF4C92DA}"/>
+              </a:ext>
+            </a:extLst>
+          </p:cNvPr>
+          <p:cNvSpPr>
+            <a:spLocks noGrp="1"/>
+          </p:cNvSpPr>
+          <p:nvPr>
+            <p:ph type="title"/>
+          </p:nvPr>
+        </p:nvSpPr>
+        <p:spPr/>
+        <p:txBody>
+          <a:bodyPr/>
+          <a:lstStyle/>
+          <a:p>
+            <a:pPr algn="ctr"/>
+            <a:r>
+              <a:rPr lang="en-US" dirty="0"/>
+              <a:t>Proof by Construction</a:t>
+            </a:r>
+          </a:p>
+        </p:txBody>
+      </p:sp>
+    </p:spTree>
+    <p:extLst>
+      <p:ext uri="{BB962C8B-B14F-4D97-AF65-F5344CB8AC3E}">
+        <p14:creationId xmlns:p14="http://schemas.microsoft.com/office/powerpoint/2010/main" val="2672190668"/>
+      </p:ext>
+    </p:extLst>
+  </p:cSld>
+  <p:clrMapOvr>
+    <a:masterClrMapping/>
+  </p:clrMapOvr>
+</p:sld>
+</file>
+
+<file path=ppt/slides/slide9.xml><?xml version="1.0" encoding="utf-8"?>
+<p:sld xmlns:a="http://schemas.openxmlformats.org/drawingml/2006/main" xmlns:r="http://schemas.openxmlformats.org/officeDocument/2006/relationships" xmlns:p="http://schemas.openxmlformats.org/presentationml/2006/main">
+  <p:cSld>
+    <p:spTree>
+      <p:nvGrpSpPr>
+        <p:cNvPr id="1" name=""/>
+        <p:cNvGrpSpPr/>
+        <p:nvPr/>
+      </p:nvGrpSpPr>
+      <p:grpSpPr>
+        <a:xfrm>
+          <a:off x="0" y="0"/>
+          <a:ext cx="0" cy="0"/>
+          <a:chOff x="0" y="0"/>
+          <a:chExt cx="0" cy="0"/>
+        </a:xfrm>
+      </p:grpSpPr>
+      <p:sp>
+        <p:nvSpPr>
+          <p:cNvPr id="2" name="Title 1">
+            <a:extLst>
+              <a:ext uri="{FF2B5EF4-FFF2-40B4-BE49-F238E27FC236}">
                 <a16:creationId xmlns:a16="http://schemas.microsoft.com/office/drawing/2014/main" id="{E0D39D60-0F42-4EA0-9F70-85B79837417C}"/>
               </a:ext>
             </a:extLst>
@@ -22898,7 +28043,7 @@
           <a:p>
             <a:fld id="{9BB9F8D7-E2A3-4222-BD86-A63794DF33E7}" type="slidenum">
               <a:rPr lang="en-US" smtClean="0"/>
-              <a:t>8</a:t>
+              <a:t>9</a:t>
             </a:fld>
             <a:endParaRPr lang="en-US"/>
           </a:p>
@@ -23701,138 +28846,6 @@
     <p:extLst>
       <p:ext uri="{BB962C8B-B14F-4D97-AF65-F5344CB8AC3E}">
         <p14:creationId xmlns:p14="http://schemas.microsoft.com/office/powerpoint/2010/main" val="612520830"/>
-      </p:ext>
-    </p:extLst>
-  </p:cSld>
-  <p:clrMapOvr>
-    <a:masterClrMapping/>
-  </p:clrMapOvr>
-</p:sld>
-</file>
-
-<file path=ppt/slides/slide9.xml><?xml version="1.0" encoding="utf-8"?>
-<p:sld xmlns:a="http://schemas.openxmlformats.org/drawingml/2006/main" xmlns:r="http://schemas.openxmlformats.org/officeDocument/2006/relationships" xmlns:p="http://schemas.openxmlformats.org/presentationml/2006/main">
-  <p:cSld>
-    <p:spTree>
-      <p:nvGrpSpPr>
-        <p:cNvPr id="1" name=""/>
-        <p:cNvGrpSpPr/>
-        <p:nvPr/>
-      </p:nvGrpSpPr>
-      <p:grpSpPr>
-        <a:xfrm>
-          <a:off x="0" y="0"/>
-          <a:ext cx="0" cy="0"/>
-          <a:chOff x="0" y="0"/>
-          <a:chExt cx="0" cy="0"/>
-        </a:xfrm>
-      </p:grpSpPr>
-      <p:sp>
-        <p:nvSpPr>
-          <p:cNvPr id="2" name="Title 1">
-            <a:extLst>
-              <a:ext uri="{FF2B5EF4-FFF2-40B4-BE49-F238E27FC236}">
-                <a16:creationId xmlns:a16="http://schemas.microsoft.com/office/drawing/2014/main" id="{C4E58EB1-0381-42F4-877C-3DBE7D54AE0B}"/>
-              </a:ext>
-            </a:extLst>
-          </p:cNvPr>
-          <p:cNvSpPr>
-            <a:spLocks noGrp="1"/>
-          </p:cNvSpPr>
-          <p:nvPr>
-            <p:ph type="title"/>
-          </p:nvPr>
-        </p:nvSpPr>
-        <p:spPr>
-          <a:xfrm>
-            <a:off x="1141413" y="477841"/>
-            <a:ext cx="9905998" cy="770667"/>
-          </a:xfrm>
-        </p:spPr>
-        <p:txBody>
-          <a:bodyPr/>
-          <a:lstStyle/>
-          <a:p>
-            <a:pPr algn="ctr"/>
-            <a:r>
-              <a:rPr lang="en-US" dirty="0"/>
-              <a:t>Proof by Construction Checklist</a:t>
-            </a:r>
-          </a:p>
-        </p:txBody>
-      </p:sp>
-      <p:sp>
-        <p:nvSpPr>
-          <p:cNvPr id="3" name="Content Placeholder 2">
-            <a:extLst>
-              <a:ext uri="{FF2B5EF4-FFF2-40B4-BE49-F238E27FC236}">
-                <a16:creationId xmlns:a16="http://schemas.microsoft.com/office/drawing/2014/main" id="{42DD69DF-9047-42F3-83BE-4A9477966631}"/>
-              </a:ext>
-            </a:extLst>
-          </p:cNvPr>
-          <p:cNvSpPr>
-            <a:spLocks noGrp="1"/>
-          </p:cNvSpPr>
-          <p:nvPr>
-            <p:ph idx="1"/>
-          </p:nvPr>
-        </p:nvSpPr>
-        <p:spPr>
-          <a:xfrm>
-            <a:off x="3068515" y="2249487"/>
-            <a:ext cx="6268916" cy="3541714"/>
-          </a:xfrm>
-        </p:spPr>
-        <p:txBody>
-          <a:bodyPr/>
-          <a:lstStyle/>
-          <a:p>
-            <a:r>
-              <a:rPr lang="en-US" dirty="0"/>
-              <a:t>Fully define construction</a:t>
-            </a:r>
-          </a:p>
-          <a:p>
-            <a:r>
-              <a:rPr lang="en-US" dirty="0"/>
-              <a:t>Describe how we know it satisfies the theorem</a:t>
-            </a:r>
-          </a:p>
-        </p:txBody>
-      </p:sp>
-      <p:sp>
-        <p:nvSpPr>
-          <p:cNvPr id="4" name="Slide Number Placeholder 3">
-            <a:extLst>
-              <a:ext uri="{FF2B5EF4-FFF2-40B4-BE49-F238E27FC236}">
-                <a16:creationId xmlns:a16="http://schemas.microsoft.com/office/drawing/2014/main" id="{89AD3EC3-DBFE-41CD-9978-B668DCB0A1EB}"/>
-              </a:ext>
-            </a:extLst>
-          </p:cNvPr>
-          <p:cNvSpPr>
-            <a:spLocks noGrp="1"/>
-          </p:cNvSpPr>
-          <p:nvPr>
-            <p:ph type="sldNum" sz="quarter" idx="12"/>
-          </p:nvPr>
-        </p:nvSpPr>
-        <p:spPr/>
-        <p:txBody>
-          <a:bodyPr/>
-          <a:lstStyle/>
-          <a:p>
-            <a:fld id="{9BB9F8D7-E2A3-4222-BD86-A63794DF33E7}" type="slidenum">
-              <a:rPr lang="en-US" smtClean="0"/>
-              <a:t>9</a:t>
-            </a:fld>
-            <a:endParaRPr lang="en-US"/>
-          </a:p>
-        </p:txBody>
-      </p:sp>
-    </p:spTree>
-    <p:extLst>
-      <p:ext uri="{BB962C8B-B14F-4D97-AF65-F5344CB8AC3E}">
-        <p14:creationId xmlns:p14="http://schemas.microsoft.com/office/powerpoint/2010/main" val="2721726055"/>
       </p:ext>
     </p:extLst>
   </p:cSld>

--- a/slides/01-ReviewOfProofs.pptx
+++ b/slides/01-ReviewOfProofs.pptx
@@ -228,7 +228,7 @@
           <a:p>
             <a:fld id="{C5B45307-6ED4-B142-BD64-10F739779302}" type="datetimeFigureOut">
               <a:rPr lang="en-US" smtClean="0"/>
-              <a:t>8/24/23</a:t>
+              <a:t>8/29/23</a:t>
             </a:fld>
             <a:endParaRPr lang="en-US"/>
           </a:p>
@@ -636,7 +636,7 @@
           <a:noFill/>
           <a:extLst>
             <a:ext uri="{909E8E84-426E-40dd-AFC4-6F175D3DCCD1}">
-              <a14:hiddenFill xmlns:a14="http://schemas.microsoft.com/office/drawing/2010/main" xmlns="">
+              <a14:hiddenFill xmlns="" xmlns:a14="http://schemas.microsoft.com/office/drawing/2010/main">
                 <a:solidFill>
                   <a:srgbClr val="FFFFFF"/>
                 </a:solidFill>
@@ -695,7 +695,7 @@
             </a:ln>
             <a:extLst>
               <a:ext uri="{91240B29-F687-4f45-9708-019B960494DF}">
-                <a14:hiddenLine xmlns:a14="http://schemas.microsoft.com/office/drawing/2010/main" xmlns="" w="9525">
+                <a14:hiddenLine xmlns="" xmlns:a14="http://schemas.microsoft.com/office/drawing/2010/main" w="9525">
                   <a:solidFill>
                     <a:srgbClr val="000000"/>
                   </a:solidFill>
@@ -785,7 +785,7 @@
             </a:ln>
             <a:extLst>
               <a:ext uri="{91240B29-F687-4f45-9708-019B960494DF}">
-                <a14:hiddenLine xmlns:a14="http://schemas.microsoft.com/office/drawing/2010/main" xmlns="" w="9525">
+                <a14:hiddenLine xmlns="" xmlns:a14="http://schemas.microsoft.com/office/drawing/2010/main" w="9525">
                   <a:solidFill>
                     <a:srgbClr val="000000"/>
                   </a:solidFill>
@@ -875,7 +875,7 @@
             </a:ln>
             <a:extLst>
               <a:ext uri="{91240B29-F687-4f45-9708-019B960494DF}">
-                <a14:hiddenLine xmlns:a14="http://schemas.microsoft.com/office/drawing/2010/main" xmlns="" w="9525">
+                <a14:hiddenLine xmlns="" xmlns:a14="http://schemas.microsoft.com/office/drawing/2010/main" w="9525">
                   <a:solidFill>
                     <a:srgbClr val="000000"/>
                   </a:solidFill>
@@ -909,7 +909,7 @@
             </a:ln>
             <a:extLst>
               <a:ext uri="{91240B29-F687-4f45-9708-019B960494DF}">
-                <a14:hiddenLine xmlns:a14="http://schemas.microsoft.com/office/drawing/2010/main" xmlns="" w="9525">
+                <a14:hiddenLine xmlns="" xmlns:a14="http://schemas.microsoft.com/office/drawing/2010/main" w="9525">
                   <a:solidFill>
                     <a:srgbClr val="000000"/>
                   </a:solidFill>
@@ -999,7 +999,7 @@
             </a:ln>
             <a:extLst>
               <a:ext uri="{91240B29-F687-4f45-9708-019B960494DF}">
-                <a14:hiddenLine xmlns:a14="http://schemas.microsoft.com/office/drawing/2010/main" xmlns="" w="9525">
+                <a14:hiddenLine xmlns="" xmlns:a14="http://schemas.microsoft.com/office/drawing/2010/main" w="9525">
                   <a:solidFill>
                     <a:srgbClr val="000000"/>
                   </a:solidFill>
@@ -1061,7 +1061,7 @@
             </a:ln>
             <a:extLst>
               <a:ext uri="{91240B29-F687-4f45-9708-019B960494DF}">
-                <a14:hiddenLine xmlns:a14="http://schemas.microsoft.com/office/drawing/2010/main" xmlns="" w="9525">
+                <a14:hiddenLine xmlns="" xmlns:a14="http://schemas.microsoft.com/office/drawing/2010/main" w="9525">
                   <a:solidFill>
                     <a:srgbClr val="000000"/>
                   </a:solidFill>
@@ -1123,7 +1123,7 @@
             </a:ln>
             <a:extLst>
               <a:ext uri="{91240B29-F687-4f45-9708-019B960494DF}">
-                <a14:hiddenLine xmlns:a14="http://schemas.microsoft.com/office/drawing/2010/main" xmlns="" w="9525">
+                <a14:hiddenLine xmlns="" xmlns:a14="http://schemas.microsoft.com/office/drawing/2010/main" w="9525">
                   <a:solidFill>
                     <a:srgbClr val="000000"/>
                   </a:solidFill>
@@ -1213,7 +1213,7 @@
             </a:ln>
             <a:extLst>
               <a:ext uri="{91240B29-F687-4f45-9708-019B960494DF}">
-                <a14:hiddenLine xmlns:a14="http://schemas.microsoft.com/office/drawing/2010/main" xmlns="" w="9525">
+                <a14:hiddenLine xmlns="" xmlns:a14="http://schemas.microsoft.com/office/drawing/2010/main" w="9525">
                   <a:solidFill>
                     <a:srgbClr val="000000"/>
                   </a:solidFill>
@@ -1275,7 +1275,7 @@
             </a:ln>
             <a:extLst>
               <a:ext uri="{91240B29-F687-4f45-9708-019B960494DF}">
-                <a14:hiddenLine xmlns:a14="http://schemas.microsoft.com/office/drawing/2010/main" xmlns="" w="9525">
+                <a14:hiddenLine xmlns="" xmlns:a14="http://schemas.microsoft.com/office/drawing/2010/main" w="9525">
                   <a:solidFill>
                     <a:srgbClr val="000000"/>
                   </a:solidFill>
@@ -1337,7 +1337,7 @@
             </a:ln>
             <a:extLst>
               <a:ext uri="{91240B29-F687-4f45-9708-019B960494DF}">
-                <a14:hiddenLine xmlns:a14="http://schemas.microsoft.com/office/drawing/2010/main" xmlns="" w="9525">
+                <a14:hiddenLine xmlns="" xmlns:a14="http://schemas.microsoft.com/office/drawing/2010/main" w="9525">
                   <a:solidFill>
                     <a:srgbClr val="000000"/>
                   </a:solidFill>
@@ -1427,7 +1427,7 @@
             </a:ln>
             <a:extLst>
               <a:ext uri="{91240B29-F687-4f45-9708-019B960494DF}">
-                <a14:hiddenLine xmlns:a14="http://schemas.microsoft.com/office/drawing/2010/main" xmlns="" w="9525">
+                <a14:hiddenLine xmlns="" xmlns:a14="http://schemas.microsoft.com/office/drawing/2010/main" w="9525">
                   <a:solidFill>
                     <a:srgbClr val="000000"/>
                   </a:solidFill>
@@ -1517,7 +1517,7 @@
             </a:ln>
             <a:extLst>
               <a:ext uri="{91240B29-F687-4f45-9708-019B960494DF}">
-                <a14:hiddenLine xmlns:a14="http://schemas.microsoft.com/office/drawing/2010/main" xmlns="" w="9525">
+                <a14:hiddenLine xmlns="" xmlns:a14="http://schemas.microsoft.com/office/drawing/2010/main" w="9525">
                   <a:solidFill>
                     <a:srgbClr val="000000"/>
                   </a:solidFill>
@@ -1579,7 +1579,7 @@
             </a:ln>
             <a:extLst>
               <a:ext uri="{91240B29-F687-4f45-9708-019B960494DF}">
-                <a14:hiddenLine xmlns:a14="http://schemas.microsoft.com/office/drawing/2010/main" xmlns="" w="9525">
+                <a14:hiddenLine xmlns="" xmlns:a14="http://schemas.microsoft.com/office/drawing/2010/main" w="9525">
                   <a:solidFill>
                     <a:srgbClr val="000000"/>
                   </a:solidFill>
@@ -1689,7 +1689,7 @@
             </a:ln>
             <a:extLst>
               <a:ext uri="{91240B29-F687-4f45-9708-019B960494DF}">
-                <a14:hiddenLine xmlns:a14="http://schemas.microsoft.com/office/drawing/2010/main" xmlns="" w="9525">
+                <a14:hiddenLine xmlns="" xmlns:a14="http://schemas.microsoft.com/office/drawing/2010/main" w="9525">
                   <a:solidFill>
                     <a:srgbClr val="000000"/>
                   </a:solidFill>
@@ -1751,7 +1751,7 @@
             </a:ln>
             <a:extLst>
               <a:ext uri="{91240B29-F687-4f45-9708-019B960494DF}">
-                <a14:hiddenLine xmlns:a14="http://schemas.microsoft.com/office/drawing/2010/main" xmlns="" w="9525">
+                <a14:hiddenLine xmlns="" xmlns:a14="http://schemas.microsoft.com/office/drawing/2010/main" w="9525">
                   <a:solidFill>
                     <a:srgbClr val="000000"/>
                   </a:solidFill>
@@ -1841,7 +1841,7 @@
             </a:ln>
             <a:extLst>
               <a:ext uri="{91240B29-F687-4f45-9708-019B960494DF}">
-                <a14:hiddenLine xmlns:a14="http://schemas.microsoft.com/office/drawing/2010/main" xmlns="" w="9525">
+                <a14:hiddenLine xmlns="" xmlns:a14="http://schemas.microsoft.com/office/drawing/2010/main" w="9525">
                   <a:solidFill>
                     <a:srgbClr val="000000"/>
                   </a:solidFill>
@@ -1931,7 +1931,7 @@
             </a:ln>
             <a:extLst>
               <a:ext uri="{91240B29-F687-4f45-9708-019B960494DF}">
-                <a14:hiddenLine xmlns:a14="http://schemas.microsoft.com/office/drawing/2010/main" xmlns="" w="9525">
+                <a14:hiddenLine xmlns="" xmlns:a14="http://schemas.microsoft.com/office/drawing/2010/main" w="9525">
                   <a:solidFill>
                     <a:srgbClr val="000000"/>
                   </a:solidFill>
@@ -1993,7 +1993,7 @@
             </a:ln>
             <a:extLst>
               <a:ext uri="{91240B29-F687-4f45-9708-019B960494DF}">
-                <a14:hiddenLine xmlns:a14="http://schemas.microsoft.com/office/drawing/2010/main" xmlns="" w="9525">
+                <a14:hiddenLine xmlns="" xmlns:a14="http://schemas.microsoft.com/office/drawing/2010/main" w="9525">
                   <a:solidFill>
                     <a:srgbClr val="000000"/>
                   </a:solidFill>
@@ -2083,7 +2083,7 @@
             </a:ln>
             <a:extLst>
               <a:ext uri="{91240B29-F687-4f45-9708-019B960494DF}">
-                <a14:hiddenLine xmlns:a14="http://schemas.microsoft.com/office/drawing/2010/main" xmlns="" w="9525">
+                <a14:hiddenLine xmlns="" xmlns:a14="http://schemas.microsoft.com/office/drawing/2010/main" w="9525">
                   <a:solidFill>
                     <a:srgbClr val="000000"/>
                   </a:solidFill>
@@ -2173,7 +2173,7 @@
             </a:ln>
             <a:extLst>
               <a:ext uri="{91240B29-F687-4f45-9708-019B960494DF}">
-                <a14:hiddenLine xmlns:a14="http://schemas.microsoft.com/office/drawing/2010/main" xmlns="" w="9525">
+                <a14:hiddenLine xmlns="" xmlns:a14="http://schemas.microsoft.com/office/drawing/2010/main" w="9525">
                   <a:solidFill>
                     <a:srgbClr val="000000"/>
                   </a:solidFill>
@@ -2229,7 +2229,7 @@
             </a:ln>
             <a:extLst>
               <a:ext uri="{91240B29-F687-4f45-9708-019B960494DF}">
-                <a14:hiddenLine xmlns:a14="http://schemas.microsoft.com/office/drawing/2010/main" xmlns="" w="9525">
+                <a14:hiddenLine xmlns="" xmlns:a14="http://schemas.microsoft.com/office/drawing/2010/main" w="9525">
                   <a:solidFill>
                     <a:srgbClr val="000000"/>
                   </a:solidFill>
@@ -2319,7 +2319,7 @@
             </a:ln>
             <a:extLst>
               <a:ext uri="{91240B29-F687-4f45-9708-019B960494DF}">
-                <a14:hiddenLine xmlns:a14="http://schemas.microsoft.com/office/drawing/2010/main" xmlns="" w="9525">
+                <a14:hiddenLine xmlns="" xmlns:a14="http://schemas.microsoft.com/office/drawing/2010/main" w="9525">
                   <a:solidFill>
                     <a:srgbClr val="000000"/>
                   </a:solidFill>
@@ -2375,7 +2375,7 @@
             </a:ln>
             <a:extLst>
               <a:ext uri="{91240B29-F687-4f45-9708-019B960494DF}">
-                <a14:hiddenLine xmlns:a14="http://schemas.microsoft.com/office/drawing/2010/main" xmlns="" w="9525">
+                <a14:hiddenLine xmlns="" xmlns:a14="http://schemas.microsoft.com/office/drawing/2010/main" w="9525">
                   <a:solidFill>
                     <a:srgbClr val="000000"/>
                   </a:solidFill>
@@ -2465,7 +2465,7 @@
             </a:ln>
             <a:extLst>
               <a:ext uri="{91240B29-F687-4f45-9708-019B960494DF}">
-                <a14:hiddenLine xmlns:a14="http://schemas.microsoft.com/office/drawing/2010/main" xmlns="" w="9525">
+                <a14:hiddenLine xmlns="" xmlns:a14="http://schemas.microsoft.com/office/drawing/2010/main" w="9525">
                   <a:solidFill>
                     <a:srgbClr val="000000"/>
                   </a:solidFill>
@@ -2533,7 +2533,7 @@
             </a:ln>
             <a:extLst>
               <a:ext uri="{91240B29-F687-4f45-9708-019B960494DF}">
-                <a14:hiddenLine xmlns:a14="http://schemas.microsoft.com/office/drawing/2010/main" xmlns="" w="9525">
+                <a14:hiddenLine xmlns="" xmlns:a14="http://schemas.microsoft.com/office/drawing/2010/main" w="9525">
                   <a:solidFill>
                     <a:srgbClr val="000000"/>
                   </a:solidFill>
@@ -2623,7 +2623,7 @@
             </a:ln>
             <a:extLst>
               <a:ext uri="{91240B29-F687-4f45-9708-019B960494DF}">
-                <a14:hiddenLine xmlns:a14="http://schemas.microsoft.com/office/drawing/2010/main" xmlns="" w="9525">
+                <a14:hiddenLine xmlns="" xmlns:a14="http://schemas.microsoft.com/office/drawing/2010/main" w="9525">
                   <a:solidFill>
                     <a:srgbClr val="000000"/>
                   </a:solidFill>
@@ -2691,7 +2691,7 @@
             </a:ln>
             <a:extLst>
               <a:ext uri="{91240B29-F687-4f45-9708-019B960494DF}">
-                <a14:hiddenLine xmlns:a14="http://schemas.microsoft.com/office/drawing/2010/main" xmlns="" w="9525">
+                <a14:hiddenLine xmlns="" xmlns:a14="http://schemas.microsoft.com/office/drawing/2010/main" w="9525">
                   <a:solidFill>
                     <a:srgbClr val="000000"/>
                   </a:solidFill>
@@ -2781,7 +2781,7 @@
             </a:ln>
             <a:extLst>
               <a:ext uri="{91240B29-F687-4f45-9708-019B960494DF}">
-                <a14:hiddenLine xmlns:a14="http://schemas.microsoft.com/office/drawing/2010/main" xmlns="" w="9525">
+                <a14:hiddenLine xmlns="" xmlns:a14="http://schemas.microsoft.com/office/drawing/2010/main" w="9525">
                   <a:solidFill>
                     <a:srgbClr val="000000"/>
                   </a:solidFill>
@@ -2815,7 +2815,7 @@
             </a:ln>
             <a:extLst>
               <a:ext uri="{91240B29-F687-4f45-9708-019B960494DF}">
-                <a14:hiddenLine xmlns:a14="http://schemas.microsoft.com/office/drawing/2010/main" xmlns="" w="9525">
+                <a14:hiddenLine xmlns="" xmlns:a14="http://schemas.microsoft.com/office/drawing/2010/main" w="9525">
                   <a:solidFill>
                     <a:srgbClr val="000000"/>
                   </a:solidFill>
@@ -2905,7 +2905,7 @@
             </a:ln>
             <a:extLst>
               <a:ext uri="{91240B29-F687-4f45-9708-019B960494DF}">
-                <a14:hiddenLine xmlns:a14="http://schemas.microsoft.com/office/drawing/2010/main" xmlns="" w="9525">
+                <a14:hiddenLine xmlns="" xmlns:a14="http://schemas.microsoft.com/office/drawing/2010/main" w="9525">
                   <a:solidFill>
                     <a:srgbClr val="000000"/>
                   </a:solidFill>
@@ -2967,7 +2967,7 @@
             </a:ln>
             <a:extLst>
               <a:ext uri="{91240B29-F687-4f45-9708-019B960494DF}">
-                <a14:hiddenLine xmlns:a14="http://schemas.microsoft.com/office/drawing/2010/main" xmlns="" w="9525">
+                <a14:hiddenLine xmlns="" xmlns:a14="http://schemas.microsoft.com/office/drawing/2010/main" w="9525">
                   <a:solidFill>
                     <a:srgbClr val="000000"/>
                   </a:solidFill>
@@ -3029,7 +3029,7 @@
             </a:ln>
             <a:extLst>
               <a:ext uri="{91240B29-F687-4f45-9708-019B960494DF}">
-                <a14:hiddenLine xmlns:a14="http://schemas.microsoft.com/office/drawing/2010/main" xmlns="" w="9525">
+                <a14:hiddenLine xmlns="" xmlns:a14="http://schemas.microsoft.com/office/drawing/2010/main" w="9525">
                   <a:solidFill>
                     <a:srgbClr val="000000"/>
                   </a:solidFill>
@@ -3119,7 +3119,7 @@
             </a:ln>
             <a:extLst>
               <a:ext uri="{91240B29-F687-4f45-9708-019B960494DF}">
-                <a14:hiddenLine xmlns:a14="http://schemas.microsoft.com/office/drawing/2010/main" xmlns="" w="9525">
+                <a14:hiddenLine xmlns="" xmlns:a14="http://schemas.microsoft.com/office/drawing/2010/main" w="9525">
                   <a:solidFill>
                     <a:srgbClr val="000000"/>
                   </a:solidFill>
@@ -3187,7 +3187,7 @@
             </a:ln>
             <a:extLst>
               <a:ext uri="{91240B29-F687-4f45-9708-019B960494DF}">
-                <a14:hiddenLine xmlns:a14="http://schemas.microsoft.com/office/drawing/2010/main" xmlns="" w="9525">
+                <a14:hiddenLine xmlns="" xmlns:a14="http://schemas.microsoft.com/office/drawing/2010/main" w="9525">
                   <a:solidFill>
                     <a:srgbClr val="000000"/>
                   </a:solidFill>
@@ -3249,7 +3249,7 @@
             </a:ln>
             <a:extLst>
               <a:ext uri="{91240B29-F687-4f45-9708-019B960494DF}">
-                <a14:hiddenLine xmlns:a14="http://schemas.microsoft.com/office/drawing/2010/main" xmlns="" w="9525">
+                <a14:hiddenLine xmlns="" xmlns:a14="http://schemas.microsoft.com/office/drawing/2010/main" w="9525">
                   <a:solidFill>
                     <a:srgbClr val="000000"/>
                   </a:solidFill>
@@ -3339,7 +3339,7 @@
             </a:ln>
             <a:extLst>
               <a:ext uri="{91240B29-F687-4f45-9708-019B960494DF}">
-                <a14:hiddenLine xmlns:a14="http://schemas.microsoft.com/office/drawing/2010/main" xmlns="" w="9525">
+                <a14:hiddenLine xmlns="" xmlns:a14="http://schemas.microsoft.com/office/drawing/2010/main" w="9525">
                   <a:solidFill>
                     <a:srgbClr val="000000"/>
                   </a:solidFill>
@@ -3401,7 +3401,7 @@
             </a:ln>
             <a:extLst>
               <a:ext uri="{91240B29-F687-4f45-9708-019B960494DF}">
-                <a14:hiddenLine xmlns:a14="http://schemas.microsoft.com/office/drawing/2010/main" xmlns="" w="9525">
+                <a14:hiddenLine xmlns="" xmlns:a14="http://schemas.microsoft.com/office/drawing/2010/main" w="9525">
                   <a:solidFill>
                     <a:srgbClr val="000000"/>
                   </a:solidFill>
@@ -3491,7 +3491,7 @@
             </a:ln>
             <a:extLst>
               <a:ext uri="{91240B29-F687-4f45-9708-019B960494DF}">
-                <a14:hiddenLine xmlns:a14="http://schemas.microsoft.com/office/drawing/2010/main" xmlns="" w="9525">
+                <a14:hiddenLine xmlns="" xmlns:a14="http://schemas.microsoft.com/office/drawing/2010/main" w="9525">
                   <a:solidFill>
                     <a:srgbClr val="000000"/>
                   </a:solidFill>
@@ -3553,7 +3553,7 @@
             </a:ln>
             <a:extLst>
               <a:ext uri="{91240B29-F687-4f45-9708-019B960494DF}">
-                <a14:hiddenLine xmlns:a14="http://schemas.microsoft.com/office/drawing/2010/main" xmlns="" w="9525">
+                <a14:hiddenLine xmlns="" xmlns:a14="http://schemas.microsoft.com/office/drawing/2010/main" w="9525">
                   <a:solidFill>
                     <a:srgbClr val="000000"/>
                   </a:solidFill>
@@ -3643,7 +3643,7 @@
             </a:ln>
             <a:extLst>
               <a:ext uri="{91240B29-F687-4f45-9708-019B960494DF}">
-                <a14:hiddenLine xmlns:a14="http://schemas.microsoft.com/office/drawing/2010/main" xmlns="" w="9525">
+                <a14:hiddenLine xmlns="" xmlns:a14="http://schemas.microsoft.com/office/drawing/2010/main" w="9525">
                   <a:solidFill>
                     <a:srgbClr val="000000"/>
                   </a:solidFill>
@@ -3677,7 +3677,7 @@
             </a:ln>
             <a:extLst>
               <a:ext uri="{91240B29-F687-4f45-9708-019B960494DF}">
-                <a14:hiddenLine xmlns:a14="http://schemas.microsoft.com/office/drawing/2010/main" xmlns="" w="9525">
+                <a14:hiddenLine xmlns="" xmlns:a14="http://schemas.microsoft.com/office/drawing/2010/main" w="9525">
                   <a:solidFill>
                     <a:srgbClr val="000000"/>
                   </a:solidFill>
@@ -3742,7 +3742,7 @@
             </a:ln>
             <a:extLst>
               <a:ext uri="{91240B29-F687-4f45-9708-019B960494DF}">
-                <a14:hiddenLine xmlns:a14="http://schemas.microsoft.com/office/drawing/2010/main" xmlns="" w="9525">
+                <a14:hiddenLine xmlns="" xmlns:a14="http://schemas.microsoft.com/office/drawing/2010/main" w="9525">
                   <a:solidFill>
                     <a:srgbClr val="000000"/>
                   </a:solidFill>
@@ -3832,7 +3832,7 @@
             </a:ln>
             <a:extLst>
               <a:ext uri="{91240B29-F687-4f45-9708-019B960494DF}">
-                <a14:hiddenLine xmlns:a14="http://schemas.microsoft.com/office/drawing/2010/main" xmlns="" w="9525">
+                <a14:hiddenLine xmlns="" xmlns:a14="http://schemas.microsoft.com/office/drawing/2010/main" w="9525">
                   <a:solidFill>
                     <a:srgbClr val="000000"/>
                   </a:solidFill>
@@ -3894,7 +3894,7 @@
             </a:ln>
             <a:extLst>
               <a:ext uri="{91240B29-F687-4f45-9708-019B960494DF}">
-                <a14:hiddenLine xmlns:a14="http://schemas.microsoft.com/office/drawing/2010/main" xmlns="" w="9525">
+                <a14:hiddenLine xmlns="" xmlns:a14="http://schemas.microsoft.com/office/drawing/2010/main" w="9525">
                   <a:solidFill>
                     <a:srgbClr val="000000"/>
                   </a:solidFill>
@@ -3984,7 +3984,7 @@
             </a:ln>
             <a:extLst>
               <a:ext uri="{91240B29-F687-4f45-9708-019B960494DF}">
-                <a14:hiddenLine xmlns:a14="http://schemas.microsoft.com/office/drawing/2010/main" xmlns="" w="9525">
+                <a14:hiddenLine xmlns="" xmlns:a14="http://schemas.microsoft.com/office/drawing/2010/main" w="9525">
                   <a:solidFill>
                     <a:srgbClr val="000000"/>
                   </a:solidFill>
@@ -4074,7 +4074,7 @@
             </a:ln>
             <a:extLst>
               <a:ext uri="{91240B29-F687-4f45-9708-019B960494DF}">
-                <a14:hiddenLine xmlns:a14="http://schemas.microsoft.com/office/drawing/2010/main" xmlns="" w="9525">
+                <a14:hiddenLine xmlns="" xmlns:a14="http://schemas.microsoft.com/office/drawing/2010/main" w="9525">
                   <a:solidFill>
                     <a:srgbClr val="000000"/>
                   </a:solidFill>
@@ -4139,7 +4139,7 @@
             </a:ln>
             <a:extLst>
               <a:ext uri="{91240B29-F687-4f45-9708-019B960494DF}">
-                <a14:hiddenLine xmlns:a14="http://schemas.microsoft.com/office/drawing/2010/main" xmlns="" w="9525">
+                <a14:hiddenLine xmlns="" xmlns:a14="http://schemas.microsoft.com/office/drawing/2010/main" w="9525">
                   <a:solidFill>
                     <a:srgbClr val="000000"/>
                   </a:solidFill>
@@ -4201,7 +4201,7 @@
             </a:ln>
             <a:extLst>
               <a:ext uri="{91240B29-F687-4f45-9708-019B960494DF}">
-                <a14:hiddenLine xmlns:a14="http://schemas.microsoft.com/office/drawing/2010/main" xmlns="" w="9525">
+                <a14:hiddenLine xmlns="" xmlns:a14="http://schemas.microsoft.com/office/drawing/2010/main" w="9525">
                   <a:solidFill>
                     <a:srgbClr val="000000"/>
                   </a:solidFill>
@@ -4291,7 +4291,7 @@
             </a:ln>
             <a:extLst>
               <a:ext uri="{91240B29-F687-4f45-9708-019B960494DF}">
-                <a14:hiddenLine xmlns:a14="http://schemas.microsoft.com/office/drawing/2010/main" xmlns="" w="9525">
+                <a14:hiddenLine xmlns="" xmlns:a14="http://schemas.microsoft.com/office/drawing/2010/main" w="9525">
                   <a:solidFill>
                     <a:srgbClr val="000000"/>
                   </a:solidFill>
@@ -4381,7 +4381,7 @@
             </a:ln>
             <a:extLst>
               <a:ext uri="{91240B29-F687-4f45-9708-019B960494DF}">
-                <a14:hiddenLine xmlns:a14="http://schemas.microsoft.com/office/drawing/2010/main" xmlns="" w="9525">
+                <a14:hiddenLine xmlns="" xmlns:a14="http://schemas.microsoft.com/office/drawing/2010/main" w="9525">
                   <a:solidFill>
                     <a:srgbClr val="000000"/>
                   </a:solidFill>
@@ -4443,7 +4443,7 @@
             </a:ln>
             <a:extLst>
               <a:ext uri="{91240B29-F687-4f45-9708-019B960494DF}">
-                <a14:hiddenLine xmlns:a14="http://schemas.microsoft.com/office/drawing/2010/main" xmlns="" w="9525">
+                <a14:hiddenLine xmlns="" xmlns:a14="http://schemas.microsoft.com/office/drawing/2010/main" w="9525">
                   <a:solidFill>
                     <a:srgbClr val="000000"/>
                   </a:solidFill>
@@ -4563,7 +4563,7 @@
             </a:ln>
             <a:extLst>
               <a:ext uri="{91240B29-F687-4f45-9708-019B960494DF}">
-                <a14:hiddenLine xmlns:a14="http://schemas.microsoft.com/office/drawing/2010/main" xmlns="" w="9525">
+                <a14:hiddenLine xmlns="" xmlns:a14="http://schemas.microsoft.com/office/drawing/2010/main" w="9525">
                   <a:solidFill>
                     <a:srgbClr val="000000"/>
                   </a:solidFill>
@@ -4631,7 +4631,7 @@
             </a:ln>
             <a:extLst>
               <a:ext uri="{91240B29-F687-4f45-9708-019B960494DF}">
-                <a14:hiddenLine xmlns:a14="http://schemas.microsoft.com/office/drawing/2010/main" xmlns="" w="9525">
+                <a14:hiddenLine xmlns="" xmlns:a14="http://schemas.microsoft.com/office/drawing/2010/main" w="9525">
                   <a:solidFill>
                     <a:srgbClr val="000000"/>
                   </a:solidFill>
@@ -4721,7 +4721,7 @@
             </a:ln>
             <a:extLst>
               <a:ext uri="{91240B29-F687-4f45-9708-019B960494DF}">
-                <a14:hiddenLine xmlns:a14="http://schemas.microsoft.com/office/drawing/2010/main" xmlns="" w="9525">
+                <a14:hiddenLine xmlns="" xmlns:a14="http://schemas.microsoft.com/office/drawing/2010/main" w="9525">
                   <a:solidFill>
                     <a:srgbClr val="000000"/>
                   </a:solidFill>
@@ -4861,7 +4861,7 @@
           <a:p>
             <a:fld id="{EC4347D3-4C9A-C240-8F14-750059DFEEB0}" type="datetimeFigureOut">
               <a:rPr lang="en-US" smtClean="0"/>
-              <a:t>8/24/23</a:t>
+              <a:t>8/29/23</a:t>
             </a:fld>
             <a:endParaRPr lang="en-US"/>
           </a:p>
@@ -5128,7 +5128,7 @@
           <a:p>
             <a:fld id="{EC4347D3-4C9A-C240-8F14-750059DFEEB0}" type="datetimeFigureOut">
               <a:rPr lang="en-US" smtClean="0"/>
-              <a:t>8/24/23</a:t>
+              <a:t>8/29/23</a:t>
             </a:fld>
             <a:endParaRPr lang="en-US"/>
           </a:p>
@@ -5324,7 +5324,7 @@
           <a:p>
             <a:fld id="{EC4347D3-4C9A-C240-8F14-750059DFEEB0}" type="datetimeFigureOut">
               <a:rPr lang="en-US" smtClean="0"/>
-              <a:t>8/24/23</a:t>
+              <a:t>8/29/23</a:t>
             </a:fld>
             <a:endParaRPr lang="en-US"/>
           </a:p>
@@ -5587,7 +5587,7 @@
           <a:p>
             <a:fld id="{EC4347D3-4C9A-C240-8F14-750059DFEEB0}" type="datetimeFigureOut">
               <a:rPr lang="en-US" smtClean="0"/>
-              <a:t>8/24/23</a:t>
+              <a:t>8/29/23</a:t>
             </a:fld>
             <a:endParaRPr lang="en-US"/>
           </a:p>
@@ -6021,7 +6021,7 @@
           <a:p>
             <a:fld id="{EC4347D3-4C9A-C240-8F14-750059DFEEB0}" type="datetimeFigureOut">
               <a:rPr lang="en-US" smtClean="0"/>
-              <a:t>8/24/23</a:t>
+              <a:t>8/29/23</a:t>
             </a:fld>
             <a:endParaRPr lang="en-US"/>
           </a:p>
@@ -6567,7 +6567,7 @@
           <a:p>
             <a:fld id="{EC4347D3-4C9A-C240-8F14-750059DFEEB0}" type="datetimeFigureOut">
               <a:rPr lang="en-US" smtClean="0"/>
-              <a:t>8/24/23</a:t>
+              <a:t>8/29/23</a:t>
             </a:fld>
             <a:endParaRPr lang="en-US"/>
           </a:p>
@@ -7287,7 +7287,7 @@
           <a:p>
             <a:fld id="{EC4347D3-4C9A-C240-8F14-750059DFEEB0}" type="datetimeFigureOut">
               <a:rPr lang="en-US" smtClean="0"/>
-              <a:t>8/24/23</a:t>
+              <a:t>8/29/23</a:t>
             </a:fld>
             <a:endParaRPr lang="en-US"/>
           </a:p>
@@ -7457,7 +7457,7 @@
           <a:p>
             <a:fld id="{EC4347D3-4C9A-C240-8F14-750059DFEEB0}" type="datetimeFigureOut">
               <a:rPr lang="en-US" smtClean="0"/>
-              <a:t>8/24/23</a:t>
+              <a:t>8/29/23</a:t>
             </a:fld>
             <a:endParaRPr lang="en-US"/>
           </a:p>
@@ -7637,7 +7637,7 @@
           <a:p>
             <a:fld id="{EC4347D3-4C9A-C240-8F14-750059DFEEB0}" type="datetimeFigureOut">
               <a:rPr lang="en-US" smtClean="0"/>
-              <a:t>8/24/23</a:t>
+              <a:t>8/29/23</a:t>
             </a:fld>
             <a:endParaRPr lang="en-US"/>
           </a:p>
@@ -7807,7 +7807,7 @@
           <a:p>
             <a:fld id="{EC4347D3-4C9A-C240-8F14-750059DFEEB0}" type="datetimeFigureOut">
               <a:rPr lang="en-US" smtClean="0"/>
-              <a:t>8/24/23</a:t>
+              <a:t>8/29/23</a:t>
             </a:fld>
             <a:endParaRPr lang="en-US"/>
           </a:p>
@@ -8057,7 +8057,7 @@
           <a:p>
             <a:fld id="{EC4347D3-4C9A-C240-8F14-750059DFEEB0}" type="datetimeFigureOut">
               <a:rPr lang="en-US" smtClean="0"/>
-              <a:t>8/24/23</a:t>
+              <a:t>8/29/23</a:t>
             </a:fld>
             <a:endParaRPr lang="en-US"/>
           </a:p>
@@ -8289,7 +8289,7 @@
           <a:p>
             <a:fld id="{EC4347D3-4C9A-C240-8F14-750059DFEEB0}" type="datetimeFigureOut">
               <a:rPr lang="en-US" smtClean="0"/>
-              <a:t>8/24/23</a:t>
+              <a:t>8/29/23</a:t>
             </a:fld>
             <a:endParaRPr lang="en-US"/>
           </a:p>
@@ -8675,7 +8675,7 @@
           <a:p>
             <a:fld id="{EC4347D3-4C9A-C240-8F14-750059DFEEB0}" type="datetimeFigureOut">
               <a:rPr lang="en-US" smtClean="0"/>
-              <a:t>8/24/23</a:t>
+              <a:t>8/29/23</a:t>
             </a:fld>
             <a:endParaRPr lang="en-US"/>
           </a:p>
@@ -8798,7 +8798,7 @@
           <a:p>
             <a:fld id="{EC4347D3-4C9A-C240-8F14-750059DFEEB0}" type="datetimeFigureOut">
               <a:rPr lang="en-US" smtClean="0"/>
-              <a:t>8/24/23</a:t>
+              <a:t>8/29/23</a:t>
             </a:fld>
             <a:endParaRPr lang="en-US"/>
           </a:p>
@@ -8893,7 +8893,7 @@
           <a:p>
             <a:fld id="{EC4347D3-4C9A-C240-8F14-750059DFEEB0}" type="datetimeFigureOut">
               <a:rPr lang="en-US" smtClean="0"/>
-              <a:t>8/24/23</a:t>
+              <a:t>8/29/23</a:t>
             </a:fld>
             <a:endParaRPr lang="en-US"/>
           </a:p>
@@ -9142,7 +9142,7 @@
           <a:p>
             <a:fld id="{EC4347D3-4C9A-C240-8F14-750059DFEEB0}" type="datetimeFigureOut">
               <a:rPr lang="en-US" smtClean="0"/>
-              <a:t>8/24/23</a:t>
+              <a:t>8/29/23</a:t>
             </a:fld>
             <a:endParaRPr lang="en-US"/>
           </a:p>
@@ -9427,7 +9427,7 @@
           <a:p>
             <a:fld id="{EC4347D3-4C9A-C240-8F14-750059DFEEB0}" type="datetimeFigureOut">
               <a:rPr lang="en-US" smtClean="0"/>
-              <a:t>8/24/23</a:t>
+              <a:t>8/29/23</a:t>
             </a:fld>
             <a:endParaRPr lang="en-US"/>
           </a:p>
@@ -9550,7 +9550,7 @@
           <a:noFill/>
           <a:extLst>
             <a:ext uri="{909E8E84-426E-40dd-AFC4-6F175D3DCCD1}">
-              <a14:hiddenFill xmlns:a14="http://schemas.microsoft.com/office/drawing/2010/main" xmlns="">
+              <a14:hiddenFill xmlns="" xmlns:a14="http://schemas.microsoft.com/office/drawing/2010/main">
                 <a:solidFill>
                   <a:srgbClr val="FFFFFF"/>
                 </a:solidFill>
@@ -9624,7 +9624,7 @@
               </a:ln>
               <a:extLst>
                 <a:ext uri="{91240B29-F687-4f45-9708-019B960494DF}">
-                  <a14:hiddenLine xmlns:a14="http://schemas.microsoft.com/office/drawing/2010/main" xmlns="" w="9525">
+                  <a14:hiddenLine xmlns="" xmlns:a14="http://schemas.microsoft.com/office/drawing/2010/main" w="9525">
                     <a:solidFill>
                       <a:srgbClr val="000000"/>
                     </a:solidFill>
@@ -9714,7 +9714,7 @@
               </a:ln>
               <a:extLst>
                 <a:ext uri="{91240B29-F687-4f45-9708-019B960494DF}">
-                  <a14:hiddenLine xmlns:a14="http://schemas.microsoft.com/office/drawing/2010/main" xmlns="" w="9525">
+                  <a14:hiddenLine xmlns="" xmlns:a14="http://schemas.microsoft.com/office/drawing/2010/main" w="9525">
                     <a:solidFill>
                       <a:srgbClr val="000000"/>
                     </a:solidFill>
@@ -9804,7 +9804,7 @@
               </a:ln>
               <a:extLst>
                 <a:ext uri="{91240B29-F687-4f45-9708-019B960494DF}">
-                  <a14:hiddenLine xmlns:a14="http://schemas.microsoft.com/office/drawing/2010/main" xmlns="" w="9525">
+                  <a14:hiddenLine xmlns="" xmlns:a14="http://schemas.microsoft.com/office/drawing/2010/main" w="9525">
                     <a:solidFill>
                       <a:srgbClr val="000000"/>
                     </a:solidFill>
@@ -9866,7 +9866,7 @@
               </a:ln>
               <a:extLst>
                 <a:ext uri="{91240B29-F687-4f45-9708-019B960494DF}">
-                  <a14:hiddenLine xmlns:a14="http://schemas.microsoft.com/office/drawing/2010/main" xmlns="" w="9525">
+                  <a14:hiddenLine xmlns="" xmlns:a14="http://schemas.microsoft.com/office/drawing/2010/main" w="9525">
                     <a:solidFill>
                       <a:srgbClr val="000000"/>
                     </a:solidFill>
@@ -9956,7 +9956,7 @@
               </a:ln>
               <a:extLst>
                 <a:ext uri="{91240B29-F687-4f45-9708-019B960494DF}">
-                  <a14:hiddenLine xmlns:a14="http://schemas.microsoft.com/office/drawing/2010/main" xmlns="" w="9525">
+                  <a14:hiddenLine xmlns="" xmlns:a14="http://schemas.microsoft.com/office/drawing/2010/main" w="9525">
                     <a:solidFill>
                       <a:srgbClr val="000000"/>
                     </a:solidFill>
@@ -10018,7 +10018,7 @@
               </a:ln>
               <a:extLst>
                 <a:ext uri="{91240B29-F687-4f45-9708-019B960494DF}">
-                  <a14:hiddenLine xmlns:a14="http://schemas.microsoft.com/office/drawing/2010/main" xmlns="" w="9525">
+                  <a14:hiddenLine xmlns="" xmlns:a14="http://schemas.microsoft.com/office/drawing/2010/main" w="9525">
                     <a:solidFill>
                       <a:srgbClr val="000000"/>
                     </a:solidFill>
@@ -10080,7 +10080,7 @@
               </a:ln>
               <a:extLst>
                 <a:ext uri="{91240B29-F687-4f45-9708-019B960494DF}">
-                  <a14:hiddenLine xmlns:a14="http://schemas.microsoft.com/office/drawing/2010/main" xmlns="" w="9525">
+                  <a14:hiddenLine xmlns="" xmlns:a14="http://schemas.microsoft.com/office/drawing/2010/main" w="9525">
                     <a:solidFill>
                       <a:srgbClr val="000000"/>
                     </a:solidFill>
@@ -10170,7 +10170,7 @@
               </a:ln>
               <a:extLst>
                 <a:ext uri="{91240B29-F687-4f45-9708-019B960494DF}">
-                  <a14:hiddenLine xmlns:a14="http://schemas.microsoft.com/office/drawing/2010/main" xmlns="" w="9525">
+                  <a14:hiddenLine xmlns="" xmlns:a14="http://schemas.microsoft.com/office/drawing/2010/main" w="9525">
                     <a:solidFill>
                       <a:srgbClr val="000000"/>
                     </a:solidFill>
@@ -10260,7 +10260,7 @@
               </a:ln>
               <a:extLst>
                 <a:ext uri="{91240B29-F687-4f45-9708-019B960494DF}">
-                  <a14:hiddenLine xmlns:a14="http://schemas.microsoft.com/office/drawing/2010/main" xmlns="" w="9525">
+                  <a14:hiddenLine xmlns="" xmlns:a14="http://schemas.microsoft.com/office/drawing/2010/main" w="9525">
                     <a:solidFill>
                       <a:srgbClr val="000000"/>
                     </a:solidFill>
@@ -10322,7 +10322,7 @@
               </a:ln>
               <a:extLst>
                 <a:ext uri="{91240B29-F687-4f45-9708-019B960494DF}">
-                  <a14:hiddenLine xmlns:a14="http://schemas.microsoft.com/office/drawing/2010/main" xmlns="" w="9525">
+                  <a14:hiddenLine xmlns="" xmlns:a14="http://schemas.microsoft.com/office/drawing/2010/main" w="9525">
                     <a:solidFill>
                       <a:srgbClr val="000000"/>
                     </a:solidFill>
@@ -10432,7 +10432,7 @@
               </a:ln>
               <a:extLst>
                 <a:ext uri="{91240B29-F687-4f45-9708-019B960494DF}">
-                  <a14:hiddenLine xmlns:a14="http://schemas.microsoft.com/office/drawing/2010/main" xmlns="" w="9525">
+                  <a14:hiddenLine xmlns="" xmlns:a14="http://schemas.microsoft.com/office/drawing/2010/main" w="9525">
                     <a:solidFill>
                       <a:srgbClr val="000000"/>
                     </a:solidFill>
@@ -10516,7 +10516,7 @@
               </a:ln>
               <a:extLst>
                 <a:ext uri="{91240B29-F687-4f45-9708-019B960494DF}">
-                  <a14:hiddenLine xmlns:a14="http://schemas.microsoft.com/office/drawing/2010/main" xmlns="" w="9525">
+                  <a14:hiddenLine xmlns="" xmlns:a14="http://schemas.microsoft.com/office/drawing/2010/main" w="9525">
                     <a:solidFill>
                       <a:srgbClr val="000000"/>
                     </a:solidFill>
@@ -10578,7 +10578,7 @@
               </a:ln>
               <a:extLst>
                 <a:ext uri="{91240B29-F687-4f45-9708-019B960494DF}">
-                  <a14:hiddenLine xmlns:a14="http://schemas.microsoft.com/office/drawing/2010/main" xmlns="" w="9525">
+                  <a14:hiddenLine xmlns="" xmlns:a14="http://schemas.microsoft.com/office/drawing/2010/main" w="9525">
                     <a:solidFill>
                       <a:srgbClr val="000000"/>
                     </a:solidFill>
@@ -10640,7 +10640,7 @@
               </a:ln>
               <a:extLst>
                 <a:ext uri="{91240B29-F687-4f45-9708-019B960494DF}">
-                  <a14:hiddenLine xmlns:a14="http://schemas.microsoft.com/office/drawing/2010/main" xmlns="" w="9525">
+                  <a14:hiddenLine xmlns="" xmlns:a14="http://schemas.microsoft.com/office/drawing/2010/main" w="9525">
                     <a:solidFill>
                       <a:srgbClr val="000000"/>
                     </a:solidFill>
@@ -10730,7 +10730,7 @@
               </a:ln>
               <a:extLst>
                 <a:ext uri="{91240B29-F687-4f45-9708-019B960494DF}">
-                  <a14:hiddenLine xmlns:a14="http://schemas.microsoft.com/office/drawing/2010/main" xmlns="" w="9525">
+                  <a14:hiddenLine xmlns="" xmlns:a14="http://schemas.microsoft.com/office/drawing/2010/main" w="9525">
                     <a:solidFill>
                       <a:srgbClr val="000000"/>
                     </a:solidFill>
@@ -10764,7 +10764,7 @@
               </a:ln>
               <a:extLst>
                 <a:ext uri="{91240B29-F687-4f45-9708-019B960494DF}">
-                  <a14:hiddenLine xmlns:a14="http://schemas.microsoft.com/office/drawing/2010/main" xmlns="" w="9525">
+                  <a14:hiddenLine xmlns="" xmlns:a14="http://schemas.microsoft.com/office/drawing/2010/main" w="9525">
                     <a:solidFill>
                       <a:srgbClr val="000000"/>
                     </a:solidFill>
@@ -10829,7 +10829,7 @@
               </a:ln>
               <a:extLst>
                 <a:ext uri="{91240B29-F687-4f45-9708-019B960494DF}">
-                  <a14:hiddenLine xmlns:a14="http://schemas.microsoft.com/office/drawing/2010/main" xmlns="" w="9525">
+                  <a14:hiddenLine xmlns="" xmlns:a14="http://schemas.microsoft.com/office/drawing/2010/main" w="9525">
                     <a:solidFill>
                       <a:srgbClr val="000000"/>
                     </a:solidFill>
@@ -10919,7 +10919,7 @@
               </a:ln>
               <a:extLst>
                 <a:ext uri="{91240B29-F687-4f45-9708-019B960494DF}">
-                  <a14:hiddenLine xmlns:a14="http://schemas.microsoft.com/office/drawing/2010/main" xmlns="" w="9525">
+                  <a14:hiddenLine xmlns="" xmlns:a14="http://schemas.microsoft.com/office/drawing/2010/main" w="9525">
                     <a:solidFill>
                       <a:srgbClr val="000000"/>
                     </a:solidFill>
@@ -10981,7 +10981,7 @@
               </a:ln>
               <a:extLst>
                 <a:ext uri="{91240B29-F687-4f45-9708-019B960494DF}">
-                  <a14:hiddenLine xmlns:a14="http://schemas.microsoft.com/office/drawing/2010/main" xmlns="" w="9525">
+                  <a14:hiddenLine xmlns="" xmlns:a14="http://schemas.microsoft.com/office/drawing/2010/main" w="9525">
                     <a:solidFill>
                       <a:srgbClr val="000000"/>
                     </a:solidFill>
@@ -11071,7 +11071,7 @@
               </a:ln>
               <a:extLst>
                 <a:ext uri="{91240B29-F687-4f45-9708-019B960494DF}">
-                  <a14:hiddenLine xmlns:a14="http://schemas.microsoft.com/office/drawing/2010/main" xmlns="" w="9525">
+                  <a14:hiddenLine xmlns="" xmlns:a14="http://schemas.microsoft.com/office/drawing/2010/main" w="9525">
                     <a:solidFill>
                       <a:srgbClr val="000000"/>
                     </a:solidFill>
@@ -11136,7 +11136,7 @@
               </a:ln>
               <a:extLst>
                 <a:ext uri="{91240B29-F687-4f45-9708-019B960494DF}">
-                  <a14:hiddenLine xmlns:a14="http://schemas.microsoft.com/office/drawing/2010/main" xmlns="" w="9525">
+                  <a14:hiddenLine xmlns="" xmlns:a14="http://schemas.microsoft.com/office/drawing/2010/main" w="9525">
                     <a:solidFill>
                       <a:srgbClr val="000000"/>
                     </a:solidFill>
@@ -11198,7 +11198,7 @@
               </a:ln>
               <a:extLst>
                 <a:ext uri="{91240B29-F687-4f45-9708-019B960494DF}">
-                  <a14:hiddenLine xmlns:a14="http://schemas.microsoft.com/office/drawing/2010/main" xmlns="" w="9525">
+                  <a14:hiddenLine xmlns="" xmlns:a14="http://schemas.microsoft.com/office/drawing/2010/main" w="9525">
                     <a:solidFill>
                       <a:srgbClr val="000000"/>
                     </a:solidFill>
@@ -11288,7 +11288,7 @@
               </a:ln>
               <a:extLst>
                 <a:ext uri="{91240B29-F687-4f45-9708-019B960494DF}">
-                  <a14:hiddenLine xmlns:a14="http://schemas.microsoft.com/office/drawing/2010/main" xmlns="" w="9525">
+                  <a14:hiddenLine xmlns="" xmlns:a14="http://schemas.microsoft.com/office/drawing/2010/main" w="9525">
                     <a:solidFill>
                       <a:srgbClr val="000000"/>
                     </a:solidFill>
@@ -11378,7 +11378,7 @@
               </a:ln>
               <a:extLst>
                 <a:ext uri="{91240B29-F687-4f45-9708-019B960494DF}">
-                  <a14:hiddenLine xmlns:a14="http://schemas.microsoft.com/office/drawing/2010/main" xmlns="" w="9525">
+                  <a14:hiddenLine xmlns="" xmlns:a14="http://schemas.microsoft.com/office/drawing/2010/main" w="9525">
                     <a:solidFill>
                       <a:srgbClr val="000000"/>
                     </a:solidFill>
@@ -11443,7 +11443,7 @@
               </a:ln>
               <a:extLst>
                 <a:ext uri="{91240B29-F687-4f45-9708-019B960494DF}">
-                  <a14:hiddenLine xmlns:a14="http://schemas.microsoft.com/office/drawing/2010/main" xmlns="" w="9525">
+                  <a14:hiddenLine xmlns="" xmlns:a14="http://schemas.microsoft.com/office/drawing/2010/main" w="9525">
                     <a:solidFill>
                       <a:srgbClr val="000000"/>
                     </a:solidFill>
@@ -11563,7 +11563,7 @@
               </a:ln>
               <a:extLst>
                 <a:ext uri="{91240B29-F687-4f45-9708-019B960494DF}">
-                  <a14:hiddenLine xmlns:a14="http://schemas.microsoft.com/office/drawing/2010/main" xmlns="" w="9525">
+                  <a14:hiddenLine xmlns="" xmlns:a14="http://schemas.microsoft.com/office/drawing/2010/main" w="9525">
                     <a:solidFill>
                       <a:srgbClr val="000000"/>
                     </a:solidFill>
@@ -11644,7 +11644,7 @@
               </a:ln>
               <a:extLst>
                 <a:ext uri="{91240B29-F687-4f45-9708-019B960494DF}">
-                  <a14:hiddenLine xmlns:a14="http://schemas.microsoft.com/office/drawing/2010/main" xmlns="" w="9525">
+                  <a14:hiddenLine xmlns="" xmlns:a14="http://schemas.microsoft.com/office/drawing/2010/main" w="9525">
                     <a:solidFill>
                       <a:srgbClr val="000000"/>
                     </a:solidFill>
@@ -11759,7 +11759,7 @@
               </a:ln>
               <a:extLst>
                 <a:ext uri="{91240B29-F687-4f45-9708-019B960494DF}">
-                  <a14:hiddenLine xmlns:a14="http://schemas.microsoft.com/office/drawing/2010/main" xmlns="" w="9525">
+                  <a14:hiddenLine xmlns="" xmlns:a14="http://schemas.microsoft.com/office/drawing/2010/main" w="9525">
                     <a:solidFill>
                       <a:srgbClr val="000000"/>
                     </a:solidFill>
@@ -11849,7 +11849,7 @@
               </a:ln>
               <a:extLst>
                 <a:ext uri="{91240B29-F687-4f45-9708-019B960494DF}">
-                  <a14:hiddenLine xmlns:a14="http://schemas.microsoft.com/office/drawing/2010/main" xmlns="" w="9525">
+                  <a14:hiddenLine xmlns="" xmlns:a14="http://schemas.microsoft.com/office/drawing/2010/main" w="9525">
                     <a:solidFill>
                       <a:srgbClr val="000000"/>
                     </a:solidFill>
@@ -11914,7 +11914,7 @@
               </a:ln>
               <a:extLst>
                 <a:ext uri="{91240B29-F687-4f45-9708-019B960494DF}">
-                  <a14:hiddenLine xmlns:a14="http://schemas.microsoft.com/office/drawing/2010/main" xmlns="" w="9525">
+                  <a14:hiddenLine xmlns="" xmlns:a14="http://schemas.microsoft.com/office/drawing/2010/main" w="9525">
                     <a:solidFill>
                       <a:srgbClr val="000000"/>
                     </a:solidFill>
@@ -12004,7 +12004,7 @@
               </a:ln>
               <a:extLst>
                 <a:ext uri="{91240B29-F687-4f45-9708-019B960494DF}">
-                  <a14:hiddenLine xmlns:a14="http://schemas.microsoft.com/office/drawing/2010/main" xmlns="" w="9525">
+                  <a14:hiddenLine xmlns="" xmlns:a14="http://schemas.microsoft.com/office/drawing/2010/main" w="9525">
                     <a:solidFill>
                       <a:srgbClr val="000000"/>
                     </a:solidFill>
@@ -12072,7 +12072,7 @@
               </a:ln>
               <a:extLst>
                 <a:ext uri="{91240B29-F687-4f45-9708-019B960494DF}">
-                  <a14:hiddenLine xmlns:a14="http://schemas.microsoft.com/office/drawing/2010/main" xmlns="" w="9525">
+                  <a14:hiddenLine xmlns="" xmlns:a14="http://schemas.microsoft.com/office/drawing/2010/main" w="9525">
                     <a:solidFill>
                       <a:srgbClr val="000000"/>
                     </a:solidFill>
@@ -12162,7 +12162,7 @@
               </a:ln>
               <a:extLst>
                 <a:ext uri="{91240B29-F687-4f45-9708-019B960494DF}">
-                  <a14:hiddenLine xmlns:a14="http://schemas.microsoft.com/office/drawing/2010/main" xmlns="" w="9525">
+                  <a14:hiddenLine xmlns="" xmlns:a14="http://schemas.microsoft.com/office/drawing/2010/main" w="9525">
                     <a:solidFill>
                       <a:srgbClr val="000000"/>
                     </a:solidFill>
@@ -12230,7 +12230,7 @@
               </a:ln>
               <a:extLst>
                 <a:ext uri="{91240B29-F687-4f45-9708-019B960494DF}">
-                  <a14:hiddenLine xmlns:a14="http://schemas.microsoft.com/office/drawing/2010/main" xmlns="" w="9525">
+                  <a14:hiddenLine xmlns="" xmlns:a14="http://schemas.microsoft.com/office/drawing/2010/main" w="9525">
                     <a:solidFill>
                       <a:srgbClr val="000000"/>
                     </a:solidFill>
@@ -12320,7 +12320,7 @@
               </a:ln>
               <a:extLst>
                 <a:ext uri="{91240B29-F687-4f45-9708-019B960494DF}">
-                  <a14:hiddenLine xmlns:a14="http://schemas.microsoft.com/office/drawing/2010/main" xmlns="" w="9525">
+                  <a14:hiddenLine xmlns="" xmlns:a14="http://schemas.microsoft.com/office/drawing/2010/main" w="9525">
                     <a:solidFill>
                       <a:srgbClr val="000000"/>
                     </a:solidFill>
@@ -12354,7 +12354,7 @@
               </a:ln>
               <a:extLst>
                 <a:ext uri="{91240B29-F687-4f45-9708-019B960494DF}">
-                  <a14:hiddenLine xmlns:a14="http://schemas.microsoft.com/office/drawing/2010/main" xmlns="" w="9525">
+                  <a14:hiddenLine xmlns="" xmlns:a14="http://schemas.microsoft.com/office/drawing/2010/main" w="9525">
                     <a:solidFill>
                       <a:srgbClr val="000000"/>
                     </a:solidFill>
@@ -12494,7 +12494,7 @@
           <a:p>
             <a:fld id="{EC4347D3-4C9A-C240-8F14-750059DFEEB0}" type="datetimeFigureOut">
               <a:rPr lang="en-US" smtClean="0"/>
-              <a:t>8/24/23</a:t>
+              <a:t>8/29/23</a:t>
             </a:fld>
             <a:endParaRPr lang="en-US"/>
           </a:p>
@@ -22187,8 +22187,8 @@
           <a:chExt cx="0" cy="0"/>
         </a:xfrm>
       </p:grpSpPr>
-      <mc:AlternateContent xmlns:mc="http://schemas.openxmlformats.org/markup-compatibility/2006">
-        <mc:Choice xmlns:a14="http://schemas.microsoft.com/office/drawing/2010/main" Requires="a14">
+      <mc:AlternateContent xmlns:mc="http://schemas.openxmlformats.org/markup-compatibility/2006" xmlns:a14="http://schemas.microsoft.com/office/drawing/2010/main">
+        <mc:Choice Requires="a14">
           <p:sp>
             <p:nvSpPr>
               <p:cNvPr id="2" name="Title 1">
@@ -22290,7 +22290,7 @@
             </p:txBody>
           </p:sp>
         </mc:Choice>
-        <mc:Fallback>
+        <mc:Fallback xmlns="">
           <p:sp>
             <p:nvSpPr>
               <p:cNvPr id="2" name="Title 1">
@@ -22399,8 +22399,8 @@
           </a:p>
         </p:txBody>
       </p:sp>
-      <mc:AlternateContent xmlns:mc="http://schemas.openxmlformats.org/markup-compatibility/2006">
-        <mc:Choice xmlns:a14="http://schemas.microsoft.com/office/drawing/2010/main" Requires="a14">
+      <mc:AlternateContent xmlns:mc="http://schemas.openxmlformats.org/markup-compatibility/2006" xmlns:a14="http://schemas.microsoft.com/office/drawing/2010/main">
+        <mc:Choice Requires="a14">
           <p:sp>
             <p:nvSpPr>
               <p:cNvPr id="5" name="Content Placeholder 2">
@@ -22670,7 +22670,7 @@
             </p:txBody>
           </p:sp>
         </mc:Choice>
-        <mc:Fallback>
+        <mc:Fallback xmlns="">
           <p:sp>
             <p:nvSpPr>
               <p:cNvPr id="5" name="Content Placeholder 2">
@@ -22745,8 +22745,8 @@
           <a:chExt cx="0" cy="0"/>
         </a:xfrm>
       </p:grpSpPr>
-      <mc:AlternateContent xmlns:mc="http://schemas.openxmlformats.org/markup-compatibility/2006">
-        <mc:Choice xmlns:a14="http://schemas.microsoft.com/office/drawing/2010/main" Requires="a14">
+      <mc:AlternateContent xmlns:mc="http://schemas.openxmlformats.org/markup-compatibility/2006" xmlns:a14="http://schemas.microsoft.com/office/drawing/2010/main">
+        <mc:Choice Requires="a14">
           <p:sp>
             <p:nvSpPr>
               <p:cNvPr id="2" name="Title 1">
@@ -22848,7 +22848,7 @@
             </p:txBody>
           </p:sp>
         </mc:Choice>
-        <mc:Fallback>
+        <mc:Fallback xmlns="">
           <p:sp>
             <p:nvSpPr>
               <p:cNvPr id="2" name="Title 1">
@@ -22957,8 +22957,8 @@
           </a:p>
         </p:txBody>
       </p:sp>
-      <mc:AlternateContent xmlns:mc="http://schemas.openxmlformats.org/markup-compatibility/2006">
-        <mc:Choice xmlns:a14="http://schemas.microsoft.com/office/drawing/2010/main" Requires="a14">
+      <mc:AlternateContent xmlns:mc="http://schemas.openxmlformats.org/markup-compatibility/2006" xmlns:a14="http://schemas.microsoft.com/office/drawing/2010/main">
+        <mc:Choice Requires="a14">
           <p:sp>
             <p:nvSpPr>
               <p:cNvPr id="5" name="Content Placeholder 2">
@@ -23228,7 +23228,7 @@
             </p:txBody>
           </p:sp>
         </mc:Choice>
-        <mc:Fallback>
+        <mc:Fallback xmlns="">
           <p:sp>
             <p:nvSpPr>
               <p:cNvPr id="5" name="Content Placeholder 2">
@@ -23485,8 +23485,8 @@
           </a:p>
         </p:txBody>
       </p:sp>
-      <mc:AlternateContent xmlns:mc="http://schemas.openxmlformats.org/markup-compatibility/2006">
-        <mc:Choice xmlns:a14="http://schemas.microsoft.com/office/drawing/2010/main" Requires="a14">
+      <mc:AlternateContent xmlns:mc="http://schemas.openxmlformats.org/markup-compatibility/2006" xmlns:a14="http://schemas.microsoft.com/office/drawing/2010/main">
+        <mc:Choice Requires="a14">
           <p:sp>
             <p:nvSpPr>
               <p:cNvPr id="7" name="Content Placeholder 2">
@@ -23755,7 +23755,7 @@
             </p:txBody>
           </p:sp>
         </mc:Choice>
-        <mc:Fallback>
+        <mc:Fallback xmlns="">
           <p:sp>
             <p:nvSpPr>
               <p:cNvPr id="7" name="Content Placeholder 2">
@@ -23830,8 +23830,8 @@
           <a:chExt cx="0" cy="0"/>
         </a:xfrm>
       </p:grpSpPr>
-      <mc:AlternateContent xmlns:mc="http://schemas.openxmlformats.org/markup-compatibility/2006">
-        <mc:Choice xmlns:a14="http://schemas.microsoft.com/office/drawing/2010/main" Requires="a14">
+      <mc:AlternateContent xmlns:mc="http://schemas.openxmlformats.org/markup-compatibility/2006" xmlns:a14="http://schemas.microsoft.com/office/drawing/2010/main">
+        <mc:Choice Requires="a14">
           <p:sp>
             <p:nvSpPr>
               <p:cNvPr id="2" name="Title 1">
@@ -23933,7 +23933,7 @@
             </p:txBody>
           </p:sp>
         </mc:Choice>
-        <mc:Fallback>
+        <mc:Fallback xmlns="">
           <p:sp>
             <p:nvSpPr>
               <p:cNvPr id="2" name="Title 1">
@@ -24042,8 +24042,8 @@
           </a:p>
         </p:txBody>
       </p:sp>
-      <mc:AlternateContent xmlns:mc="http://schemas.openxmlformats.org/markup-compatibility/2006">
-        <mc:Choice xmlns:a14="http://schemas.microsoft.com/office/drawing/2010/main" Requires="a14">
+      <mc:AlternateContent xmlns:mc="http://schemas.openxmlformats.org/markup-compatibility/2006" xmlns:a14="http://schemas.microsoft.com/office/drawing/2010/main">
+        <mc:Choice Requires="a14">
           <p:sp>
             <p:nvSpPr>
               <p:cNvPr id="5" name="Content Placeholder 2">
@@ -24313,7 +24313,7 @@
             </p:txBody>
           </p:sp>
         </mc:Choice>
-        <mc:Fallback>
+        <mc:Fallback xmlns="">
           <p:sp>
             <p:nvSpPr>
               <p:cNvPr id="5" name="Content Placeholder 2">
@@ -24570,8 +24570,8 @@
           </a:p>
         </p:txBody>
       </p:sp>
-      <mc:AlternateContent xmlns:mc="http://schemas.openxmlformats.org/markup-compatibility/2006">
-        <mc:Choice xmlns:a14="http://schemas.microsoft.com/office/drawing/2010/main" Requires="a14">
+      <mc:AlternateContent xmlns:mc="http://schemas.openxmlformats.org/markup-compatibility/2006" xmlns:a14="http://schemas.microsoft.com/office/drawing/2010/main">
+        <mc:Choice Requires="a14">
           <p:sp>
             <p:nvSpPr>
               <p:cNvPr id="7" name="Content Placeholder 2">
@@ -24840,7 +24840,7 @@
             </p:txBody>
           </p:sp>
         </mc:Choice>
-        <mc:Fallback>
+        <mc:Fallback xmlns="">
           <p:sp>
             <p:nvSpPr>
               <p:cNvPr id="7" name="Content Placeholder 2">
@@ -25097,8 +25097,8 @@
           </a:p>
         </p:txBody>
       </p:sp>
-      <mc:AlternateContent xmlns:mc="http://schemas.openxmlformats.org/markup-compatibility/2006">
-        <mc:Choice xmlns:a14="http://schemas.microsoft.com/office/drawing/2010/main" Requires="a14">
+      <mc:AlternateContent xmlns:mc="http://schemas.openxmlformats.org/markup-compatibility/2006" xmlns:a14="http://schemas.microsoft.com/office/drawing/2010/main">
+        <mc:Choice Requires="a14">
           <p:sp>
             <p:nvSpPr>
               <p:cNvPr id="9" name="Content Placeholder 2">
@@ -25805,7 +25805,7 @@
             </p:txBody>
           </p:sp>
         </mc:Choice>
-        <mc:Fallback>
+        <mc:Fallback xmlns="">
           <p:sp>
             <p:nvSpPr>
               <p:cNvPr id="9" name="Content Placeholder 2">

--- a/slides/01-ReviewOfProofs.pptx
+++ b/slides/01-ReviewOfProofs.pptx
@@ -228,7 +228,7 @@
           <a:p>
             <a:fld id="{C5B45307-6ED4-B142-BD64-10F739779302}" type="datetimeFigureOut">
               <a:rPr lang="en-US" smtClean="0"/>
-              <a:t>8/29/23</a:t>
+              <a:t>1/17/24</a:t>
             </a:fld>
             <a:endParaRPr lang="en-US"/>
           </a:p>
@@ -636,7 +636,7 @@
           <a:noFill/>
           <a:extLst>
             <a:ext uri="{909E8E84-426E-40dd-AFC4-6F175D3DCCD1}">
-              <a14:hiddenFill xmlns="" xmlns:a14="http://schemas.microsoft.com/office/drawing/2010/main">
+              <a14:hiddenFill xmlns:a14="http://schemas.microsoft.com/office/drawing/2010/main" xmlns="">
                 <a:solidFill>
                   <a:srgbClr val="FFFFFF"/>
                 </a:solidFill>
@@ -695,7 +695,7 @@
             </a:ln>
             <a:extLst>
               <a:ext uri="{91240B29-F687-4f45-9708-019B960494DF}">
-                <a14:hiddenLine xmlns="" xmlns:a14="http://schemas.microsoft.com/office/drawing/2010/main" w="9525">
+                <a14:hiddenLine xmlns:a14="http://schemas.microsoft.com/office/drawing/2010/main" xmlns="" w="9525">
                   <a:solidFill>
                     <a:srgbClr val="000000"/>
                   </a:solidFill>
@@ -785,7 +785,7 @@
             </a:ln>
             <a:extLst>
               <a:ext uri="{91240B29-F687-4f45-9708-019B960494DF}">
-                <a14:hiddenLine xmlns="" xmlns:a14="http://schemas.microsoft.com/office/drawing/2010/main" w="9525">
+                <a14:hiddenLine xmlns:a14="http://schemas.microsoft.com/office/drawing/2010/main" xmlns="" w="9525">
                   <a:solidFill>
                     <a:srgbClr val="000000"/>
                   </a:solidFill>
@@ -875,7 +875,7 @@
             </a:ln>
             <a:extLst>
               <a:ext uri="{91240B29-F687-4f45-9708-019B960494DF}">
-                <a14:hiddenLine xmlns="" xmlns:a14="http://schemas.microsoft.com/office/drawing/2010/main" w="9525">
+                <a14:hiddenLine xmlns:a14="http://schemas.microsoft.com/office/drawing/2010/main" xmlns="" w="9525">
                   <a:solidFill>
                     <a:srgbClr val="000000"/>
                   </a:solidFill>
@@ -909,7 +909,7 @@
             </a:ln>
             <a:extLst>
               <a:ext uri="{91240B29-F687-4f45-9708-019B960494DF}">
-                <a14:hiddenLine xmlns="" xmlns:a14="http://schemas.microsoft.com/office/drawing/2010/main" w="9525">
+                <a14:hiddenLine xmlns:a14="http://schemas.microsoft.com/office/drawing/2010/main" xmlns="" w="9525">
                   <a:solidFill>
                     <a:srgbClr val="000000"/>
                   </a:solidFill>
@@ -999,7 +999,7 @@
             </a:ln>
             <a:extLst>
               <a:ext uri="{91240B29-F687-4f45-9708-019B960494DF}">
-                <a14:hiddenLine xmlns="" xmlns:a14="http://schemas.microsoft.com/office/drawing/2010/main" w="9525">
+                <a14:hiddenLine xmlns:a14="http://schemas.microsoft.com/office/drawing/2010/main" xmlns="" w="9525">
                   <a:solidFill>
                     <a:srgbClr val="000000"/>
                   </a:solidFill>
@@ -1061,7 +1061,7 @@
             </a:ln>
             <a:extLst>
               <a:ext uri="{91240B29-F687-4f45-9708-019B960494DF}">
-                <a14:hiddenLine xmlns="" xmlns:a14="http://schemas.microsoft.com/office/drawing/2010/main" w="9525">
+                <a14:hiddenLine xmlns:a14="http://schemas.microsoft.com/office/drawing/2010/main" xmlns="" w="9525">
                   <a:solidFill>
                     <a:srgbClr val="000000"/>
                   </a:solidFill>
@@ -1123,7 +1123,7 @@
             </a:ln>
             <a:extLst>
               <a:ext uri="{91240B29-F687-4f45-9708-019B960494DF}">
-                <a14:hiddenLine xmlns="" xmlns:a14="http://schemas.microsoft.com/office/drawing/2010/main" w="9525">
+                <a14:hiddenLine xmlns:a14="http://schemas.microsoft.com/office/drawing/2010/main" xmlns="" w="9525">
                   <a:solidFill>
                     <a:srgbClr val="000000"/>
                   </a:solidFill>
@@ -1213,7 +1213,7 @@
             </a:ln>
             <a:extLst>
               <a:ext uri="{91240B29-F687-4f45-9708-019B960494DF}">
-                <a14:hiddenLine xmlns="" xmlns:a14="http://schemas.microsoft.com/office/drawing/2010/main" w="9525">
+                <a14:hiddenLine xmlns:a14="http://schemas.microsoft.com/office/drawing/2010/main" xmlns="" w="9525">
                   <a:solidFill>
                     <a:srgbClr val="000000"/>
                   </a:solidFill>
@@ -1275,7 +1275,7 @@
             </a:ln>
             <a:extLst>
               <a:ext uri="{91240B29-F687-4f45-9708-019B960494DF}">
-                <a14:hiddenLine xmlns="" xmlns:a14="http://schemas.microsoft.com/office/drawing/2010/main" w="9525">
+                <a14:hiddenLine xmlns:a14="http://schemas.microsoft.com/office/drawing/2010/main" xmlns="" w="9525">
                   <a:solidFill>
                     <a:srgbClr val="000000"/>
                   </a:solidFill>
@@ -1337,7 +1337,7 @@
             </a:ln>
             <a:extLst>
               <a:ext uri="{91240B29-F687-4f45-9708-019B960494DF}">
-                <a14:hiddenLine xmlns="" xmlns:a14="http://schemas.microsoft.com/office/drawing/2010/main" w="9525">
+                <a14:hiddenLine xmlns:a14="http://schemas.microsoft.com/office/drawing/2010/main" xmlns="" w="9525">
                   <a:solidFill>
                     <a:srgbClr val="000000"/>
                   </a:solidFill>
@@ -1427,7 +1427,7 @@
             </a:ln>
             <a:extLst>
               <a:ext uri="{91240B29-F687-4f45-9708-019B960494DF}">
-                <a14:hiddenLine xmlns="" xmlns:a14="http://schemas.microsoft.com/office/drawing/2010/main" w="9525">
+                <a14:hiddenLine xmlns:a14="http://schemas.microsoft.com/office/drawing/2010/main" xmlns="" w="9525">
                   <a:solidFill>
                     <a:srgbClr val="000000"/>
                   </a:solidFill>
@@ -1517,7 +1517,7 @@
             </a:ln>
             <a:extLst>
               <a:ext uri="{91240B29-F687-4f45-9708-019B960494DF}">
-                <a14:hiddenLine xmlns="" xmlns:a14="http://schemas.microsoft.com/office/drawing/2010/main" w="9525">
+                <a14:hiddenLine xmlns:a14="http://schemas.microsoft.com/office/drawing/2010/main" xmlns="" w="9525">
                   <a:solidFill>
                     <a:srgbClr val="000000"/>
                   </a:solidFill>
@@ -1579,7 +1579,7 @@
             </a:ln>
             <a:extLst>
               <a:ext uri="{91240B29-F687-4f45-9708-019B960494DF}">
-                <a14:hiddenLine xmlns="" xmlns:a14="http://schemas.microsoft.com/office/drawing/2010/main" w="9525">
+                <a14:hiddenLine xmlns:a14="http://schemas.microsoft.com/office/drawing/2010/main" xmlns="" w="9525">
                   <a:solidFill>
                     <a:srgbClr val="000000"/>
                   </a:solidFill>
@@ -1689,7 +1689,7 @@
             </a:ln>
             <a:extLst>
               <a:ext uri="{91240B29-F687-4f45-9708-019B960494DF}">
-                <a14:hiddenLine xmlns="" xmlns:a14="http://schemas.microsoft.com/office/drawing/2010/main" w="9525">
+                <a14:hiddenLine xmlns:a14="http://schemas.microsoft.com/office/drawing/2010/main" xmlns="" w="9525">
                   <a:solidFill>
                     <a:srgbClr val="000000"/>
                   </a:solidFill>
@@ -1751,7 +1751,7 @@
             </a:ln>
             <a:extLst>
               <a:ext uri="{91240B29-F687-4f45-9708-019B960494DF}">
-                <a14:hiddenLine xmlns="" xmlns:a14="http://schemas.microsoft.com/office/drawing/2010/main" w="9525">
+                <a14:hiddenLine xmlns:a14="http://schemas.microsoft.com/office/drawing/2010/main" xmlns="" w="9525">
                   <a:solidFill>
                     <a:srgbClr val="000000"/>
                   </a:solidFill>
@@ -1841,7 +1841,7 @@
             </a:ln>
             <a:extLst>
               <a:ext uri="{91240B29-F687-4f45-9708-019B960494DF}">
-                <a14:hiddenLine xmlns="" xmlns:a14="http://schemas.microsoft.com/office/drawing/2010/main" w="9525">
+                <a14:hiddenLine xmlns:a14="http://schemas.microsoft.com/office/drawing/2010/main" xmlns="" w="9525">
                   <a:solidFill>
                     <a:srgbClr val="000000"/>
                   </a:solidFill>
@@ -1931,7 +1931,7 @@
             </a:ln>
             <a:extLst>
               <a:ext uri="{91240B29-F687-4f45-9708-019B960494DF}">
-                <a14:hiddenLine xmlns="" xmlns:a14="http://schemas.microsoft.com/office/drawing/2010/main" w="9525">
+                <a14:hiddenLine xmlns:a14="http://schemas.microsoft.com/office/drawing/2010/main" xmlns="" w="9525">
                   <a:solidFill>
                     <a:srgbClr val="000000"/>
                   </a:solidFill>
@@ -1993,7 +1993,7 @@
             </a:ln>
             <a:extLst>
               <a:ext uri="{91240B29-F687-4f45-9708-019B960494DF}">
-                <a14:hiddenLine xmlns="" xmlns:a14="http://schemas.microsoft.com/office/drawing/2010/main" w="9525">
+                <a14:hiddenLine xmlns:a14="http://schemas.microsoft.com/office/drawing/2010/main" xmlns="" w="9525">
                   <a:solidFill>
                     <a:srgbClr val="000000"/>
                   </a:solidFill>
@@ -2083,7 +2083,7 @@
             </a:ln>
             <a:extLst>
               <a:ext uri="{91240B29-F687-4f45-9708-019B960494DF}">
-                <a14:hiddenLine xmlns="" xmlns:a14="http://schemas.microsoft.com/office/drawing/2010/main" w="9525">
+                <a14:hiddenLine xmlns:a14="http://schemas.microsoft.com/office/drawing/2010/main" xmlns="" w="9525">
                   <a:solidFill>
                     <a:srgbClr val="000000"/>
                   </a:solidFill>
@@ -2173,7 +2173,7 @@
             </a:ln>
             <a:extLst>
               <a:ext uri="{91240B29-F687-4f45-9708-019B960494DF}">
-                <a14:hiddenLine xmlns="" xmlns:a14="http://schemas.microsoft.com/office/drawing/2010/main" w="9525">
+                <a14:hiddenLine xmlns:a14="http://schemas.microsoft.com/office/drawing/2010/main" xmlns="" w="9525">
                   <a:solidFill>
                     <a:srgbClr val="000000"/>
                   </a:solidFill>
@@ -2229,7 +2229,7 @@
             </a:ln>
             <a:extLst>
               <a:ext uri="{91240B29-F687-4f45-9708-019B960494DF}">
-                <a14:hiddenLine xmlns="" xmlns:a14="http://schemas.microsoft.com/office/drawing/2010/main" w="9525">
+                <a14:hiddenLine xmlns:a14="http://schemas.microsoft.com/office/drawing/2010/main" xmlns="" w="9525">
                   <a:solidFill>
                     <a:srgbClr val="000000"/>
                   </a:solidFill>
@@ -2319,7 +2319,7 @@
             </a:ln>
             <a:extLst>
               <a:ext uri="{91240B29-F687-4f45-9708-019B960494DF}">
-                <a14:hiddenLine xmlns="" xmlns:a14="http://schemas.microsoft.com/office/drawing/2010/main" w="9525">
+                <a14:hiddenLine xmlns:a14="http://schemas.microsoft.com/office/drawing/2010/main" xmlns="" w="9525">
                   <a:solidFill>
                     <a:srgbClr val="000000"/>
                   </a:solidFill>
@@ -2375,7 +2375,7 @@
             </a:ln>
             <a:extLst>
               <a:ext uri="{91240B29-F687-4f45-9708-019B960494DF}">
-                <a14:hiddenLine xmlns="" xmlns:a14="http://schemas.microsoft.com/office/drawing/2010/main" w="9525">
+                <a14:hiddenLine xmlns:a14="http://schemas.microsoft.com/office/drawing/2010/main" xmlns="" w="9525">
                   <a:solidFill>
                     <a:srgbClr val="000000"/>
                   </a:solidFill>
@@ -2465,7 +2465,7 @@
             </a:ln>
             <a:extLst>
               <a:ext uri="{91240B29-F687-4f45-9708-019B960494DF}">
-                <a14:hiddenLine xmlns="" xmlns:a14="http://schemas.microsoft.com/office/drawing/2010/main" w="9525">
+                <a14:hiddenLine xmlns:a14="http://schemas.microsoft.com/office/drawing/2010/main" xmlns="" w="9525">
                   <a:solidFill>
                     <a:srgbClr val="000000"/>
                   </a:solidFill>
@@ -2533,7 +2533,7 @@
             </a:ln>
             <a:extLst>
               <a:ext uri="{91240B29-F687-4f45-9708-019B960494DF}">
-                <a14:hiddenLine xmlns="" xmlns:a14="http://schemas.microsoft.com/office/drawing/2010/main" w="9525">
+                <a14:hiddenLine xmlns:a14="http://schemas.microsoft.com/office/drawing/2010/main" xmlns="" w="9525">
                   <a:solidFill>
                     <a:srgbClr val="000000"/>
                   </a:solidFill>
@@ -2623,7 +2623,7 @@
             </a:ln>
             <a:extLst>
               <a:ext uri="{91240B29-F687-4f45-9708-019B960494DF}">
-                <a14:hiddenLine xmlns="" xmlns:a14="http://schemas.microsoft.com/office/drawing/2010/main" w="9525">
+                <a14:hiddenLine xmlns:a14="http://schemas.microsoft.com/office/drawing/2010/main" xmlns="" w="9525">
                   <a:solidFill>
                     <a:srgbClr val="000000"/>
                   </a:solidFill>
@@ -2691,7 +2691,7 @@
             </a:ln>
             <a:extLst>
               <a:ext uri="{91240B29-F687-4f45-9708-019B960494DF}">
-                <a14:hiddenLine xmlns="" xmlns:a14="http://schemas.microsoft.com/office/drawing/2010/main" w="9525">
+                <a14:hiddenLine xmlns:a14="http://schemas.microsoft.com/office/drawing/2010/main" xmlns="" w="9525">
                   <a:solidFill>
                     <a:srgbClr val="000000"/>
                   </a:solidFill>
@@ -2781,7 +2781,7 @@
             </a:ln>
             <a:extLst>
               <a:ext uri="{91240B29-F687-4f45-9708-019B960494DF}">
-                <a14:hiddenLine xmlns="" xmlns:a14="http://schemas.microsoft.com/office/drawing/2010/main" w="9525">
+                <a14:hiddenLine xmlns:a14="http://schemas.microsoft.com/office/drawing/2010/main" xmlns="" w="9525">
                   <a:solidFill>
                     <a:srgbClr val="000000"/>
                   </a:solidFill>
@@ -2815,7 +2815,7 @@
             </a:ln>
             <a:extLst>
               <a:ext uri="{91240B29-F687-4f45-9708-019B960494DF}">
-                <a14:hiddenLine xmlns="" xmlns:a14="http://schemas.microsoft.com/office/drawing/2010/main" w="9525">
+                <a14:hiddenLine xmlns:a14="http://schemas.microsoft.com/office/drawing/2010/main" xmlns="" w="9525">
                   <a:solidFill>
                     <a:srgbClr val="000000"/>
                   </a:solidFill>
@@ -2905,7 +2905,7 @@
             </a:ln>
             <a:extLst>
               <a:ext uri="{91240B29-F687-4f45-9708-019B960494DF}">
-                <a14:hiddenLine xmlns="" xmlns:a14="http://schemas.microsoft.com/office/drawing/2010/main" w="9525">
+                <a14:hiddenLine xmlns:a14="http://schemas.microsoft.com/office/drawing/2010/main" xmlns="" w="9525">
                   <a:solidFill>
                     <a:srgbClr val="000000"/>
                   </a:solidFill>
@@ -2967,7 +2967,7 @@
             </a:ln>
             <a:extLst>
               <a:ext uri="{91240B29-F687-4f45-9708-019B960494DF}">
-                <a14:hiddenLine xmlns="" xmlns:a14="http://schemas.microsoft.com/office/drawing/2010/main" w="9525">
+                <a14:hiddenLine xmlns:a14="http://schemas.microsoft.com/office/drawing/2010/main" xmlns="" w="9525">
                   <a:solidFill>
                     <a:srgbClr val="000000"/>
                   </a:solidFill>
@@ -3029,7 +3029,7 @@
             </a:ln>
             <a:extLst>
               <a:ext uri="{91240B29-F687-4f45-9708-019B960494DF}">
-                <a14:hiddenLine xmlns="" xmlns:a14="http://schemas.microsoft.com/office/drawing/2010/main" w="9525">
+                <a14:hiddenLine xmlns:a14="http://schemas.microsoft.com/office/drawing/2010/main" xmlns="" w="9525">
                   <a:solidFill>
                     <a:srgbClr val="000000"/>
                   </a:solidFill>
@@ -3119,7 +3119,7 @@
             </a:ln>
             <a:extLst>
               <a:ext uri="{91240B29-F687-4f45-9708-019B960494DF}">
-                <a14:hiddenLine xmlns="" xmlns:a14="http://schemas.microsoft.com/office/drawing/2010/main" w="9525">
+                <a14:hiddenLine xmlns:a14="http://schemas.microsoft.com/office/drawing/2010/main" xmlns="" w="9525">
                   <a:solidFill>
                     <a:srgbClr val="000000"/>
                   </a:solidFill>
@@ -3187,7 +3187,7 @@
             </a:ln>
             <a:extLst>
               <a:ext uri="{91240B29-F687-4f45-9708-019B960494DF}">
-                <a14:hiddenLine xmlns="" xmlns:a14="http://schemas.microsoft.com/office/drawing/2010/main" w="9525">
+                <a14:hiddenLine xmlns:a14="http://schemas.microsoft.com/office/drawing/2010/main" xmlns="" w="9525">
                   <a:solidFill>
                     <a:srgbClr val="000000"/>
                   </a:solidFill>
@@ -3249,7 +3249,7 @@
             </a:ln>
             <a:extLst>
               <a:ext uri="{91240B29-F687-4f45-9708-019B960494DF}">
-                <a14:hiddenLine xmlns="" xmlns:a14="http://schemas.microsoft.com/office/drawing/2010/main" w="9525">
+                <a14:hiddenLine xmlns:a14="http://schemas.microsoft.com/office/drawing/2010/main" xmlns="" w="9525">
                   <a:solidFill>
                     <a:srgbClr val="000000"/>
                   </a:solidFill>
@@ -3339,7 +3339,7 @@
             </a:ln>
             <a:extLst>
               <a:ext uri="{91240B29-F687-4f45-9708-019B960494DF}">
-                <a14:hiddenLine xmlns="" xmlns:a14="http://schemas.microsoft.com/office/drawing/2010/main" w="9525">
+                <a14:hiddenLine xmlns:a14="http://schemas.microsoft.com/office/drawing/2010/main" xmlns="" w="9525">
                   <a:solidFill>
                     <a:srgbClr val="000000"/>
                   </a:solidFill>
@@ -3401,7 +3401,7 @@
             </a:ln>
             <a:extLst>
               <a:ext uri="{91240B29-F687-4f45-9708-019B960494DF}">
-                <a14:hiddenLine xmlns="" xmlns:a14="http://schemas.microsoft.com/office/drawing/2010/main" w="9525">
+                <a14:hiddenLine xmlns:a14="http://schemas.microsoft.com/office/drawing/2010/main" xmlns="" w="9525">
                   <a:solidFill>
                     <a:srgbClr val="000000"/>
                   </a:solidFill>
@@ -3491,7 +3491,7 @@
             </a:ln>
             <a:extLst>
               <a:ext uri="{91240B29-F687-4f45-9708-019B960494DF}">
-                <a14:hiddenLine xmlns="" xmlns:a14="http://schemas.microsoft.com/office/drawing/2010/main" w="9525">
+                <a14:hiddenLine xmlns:a14="http://schemas.microsoft.com/office/drawing/2010/main" xmlns="" w="9525">
                   <a:solidFill>
                     <a:srgbClr val="000000"/>
                   </a:solidFill>
@@ -3553,7 +3553,7 @@
             </a:ln>
             <a:extLst>
               <a:ext uri="{91240B29-F687-4f45-9708-019B960494DF}">
-                <a14:hiddenLine xmlns="" xmlns:a14="http://schemas.microsoft.com/office/drawing/2010/main" w="9525">
+                <a14:hiddenLine xmlns:a14="http://schemas.microsoft.com/office/drawing/2010/main" xmlns="" w="9525">
                   <a:solidFill>
                     <a:srgbClr val="000000"/>
                   </a:solidFill>
@@ -3643,7 +3643,7 @@
             </a:ln>
             <a:extLst>
               <a:ext uri="{91240B29-F687-4f45-9708-019B960494DF}">
-                <a14:hiddenLine xmlns="" xmlns:a14="http://schemas.microsoft.com/office/drawing/2010/main" w="9525">
+                <a14:hiddenLine xmlns:a14="http://schemas.microsoft.com/office/drawing/2010/main" xmlns="" w="9525">
                   <a:solidFill>
                     <a:srgbClr val="000000"/>
                   </a:solidFill>
@@ -3677,7 +3677,7 @@
             </a:ln>
             <a:extLst>
               <a:ext uri="{91240B29-F687-4f45-9708-019B960494DF}">
-                <a14:hiddenLine xmlns="" xmlns:a14="http://schemas.microsoft.com/office/drawing/2010/main" w="9525">
+                <a14:hiddenLine xmlns:a14="http://schemas.microsoft.com/office/drawing/2010/main" xmlns="" w="9525">
                   <a:solidFill>
                     <a:srgbClr val="000000"/>
                   </a:solidFill>
@@ -3742,7 +3742,7 @@
             </a:ln>
             <a:extLst>
               <a:ext uri="{91240B29-F687-4f45-9708-019B960494DF}">
-                <a14:hiddenLine xmlns="" xmlns:a14="http://schemas.microsoft.com/office/drawing/2010/main" w="9525">
+                <a14:hiddenLine xmlns:a14="http://schemas.microsoft.com/office/drawing/2010/main" xmlns="" w="9525">
                   <a:solidFill>
                     <a:srgbClr val="000000"/>
                   </a:solidFill>
@@ -3832,7 +3832,7 @@
             </a:ln>
             <a:extLst>
               <a:ext uri="{91240B29-F687-4f45-9708-019B960494DF}">
-                <a14:hiddenLine xmlns="" xmlns:a14="http://schemas.microsoft.com/office/drawing/2010/main" w="9525">
+                <a14:hiddenLine xmlns:a14="http://schemas.microsoft.com/office/drawing/2010/main" xmlns="" w="9525">
                   <a:solidFill>
                     <a:srgbClr val="000000"/>
                   </a:solidFill>
@@ -3894,7 +3894,7 @@
             </a:ln>
             <a:extLst>
               <a:ext uri="{91240B29-F687-4f45-9708-019B960494DF}">
-                <a14:hiddenLine xmlns="" xmlns:a14="http://schemas.microsoft.com/office/drawing/2010/main" w="9525">
+                <a14:hiddenLine xmlns:a14="http://schemas.microsoft.com/office/drawing/2010/main" xmlns="" w="9525">
                   <a:solidFill>
                     <a:srgbClr val="000000"/>
                   </a:solidFill>
@@ -3984,7 +3984,7 @@
             </a:ln>
             <a:extLst>
               <a:ext uri="{91240B29-F687-4f45-9708-019B960494DF}">
-                <a14:hiddenLine xmlns="" xmlns:a14="http://schemas.microsoft.com/office/drawing/2010/main" w="9525">
+                <a14:hiddenLine xmlns:a14="http://schemas.microsoft.com/office/drawing/2010/main" xmlns="" w="9525">
                   <a:solidFill>
                     <a:srgbClr val="000000"/>
                   </a:solidFill>
@@ -4074,7 +4074,7 @@
             </a:ln>
             <a:extLst>
               <a:ext uri="{91240B29-F687-4f45-9708-019B960494DF}">
-                <a14:hiddenLine xmlns="" xmlns:a14="http://schemas.microsoft.com/office/drawing/2010/main" w="9525">
+                <a14:hiddenLine xmlns:a14="http://schemas.microsoft.com/office/drawing/2010/main" xmlns="" w="9525">
                   <a:solidFill>
                     <a:srgbClr val="000000"/>
                   </a:solidFill>
@@ -4139,7 +4139,7 @@
             </a:ln>
             <a:extLst>
               <a:ext uri="{91240B29-F687-4f45-9708-019B960494DF}">
-                <a14:hiddenLine xmlns="" xmlns:a14="http://schemas.microsoft.com/office/drawing/2010/main" w="9525">
+                <a14:hiddenLine xmlns:a14="http://schemas.microsoft.com/office/drawing/2010/main" xmlns="" w="9525">
                   <a:solidFill>
                     <a:srgbClr val="000000"/>
                   </a:solidFill>
@@ -4201,7 +4201,7 @@
             </a:ln>
             <a:extLst>
               <a:ext uri="{91240B29-F687-4f45-9708-019B960494DF}">
-                <a14:hiddenLine xmlns="" xmlns:a14="http://schemas.microsoft.com/office/drawing/2010/main" w="9525">
+                <a14:hiddenLine xmlns:a14="http://schemas.microsoft.com/office/drawing/2010/main" xmlns="" w="9525">
                   <a:solidFill>
                     <a:srgbClr val="000000"/>
                   </a:solidFill>
@@ -4291,7 +4291,7 @@
             </a:ln>
             <a:extLst>
               <a:ext uri="{91240B29-F687-4f45-9708-019B960494DF}">
-                <a14:hiddenLine xmlns="" xmlns:a14="http://schemas.microsoft.com/office/drawing/2010/main" w="9525">
+                <a14:hiddenLine xmlns:a14="http://schemas.microsoft.com/office/drawing/2010/main" xmlns="" w="9525">
                   <a:solidFill>
                     <a:srgbClr val="000000"/>
                   </a:solidFill>
@@ -4381,7 +4381,7 @@
             </a:ln>
             <a:extLst>
               <a:ext uri="{91240B29-F687-4f45-9708-019B960494DF}">
-                <a14:hiddenLine xmlns="" xmlns:a14="http://schemas.microsoft.com/office/drawing/2010/main" w="9525">
+                <a14:hiddenLine xmlns:a14="http://schemas.microsoft.com/office/drawing/2010/main" xmlns="" w="9525">
                   <a:solidFill>
                     <a:srgbClr val="000000"/>
                   </a:solidFill>
@@ -4443,7 +4443,7 @@
             </a:ln>
             <a:extLst>
               <a:ext uri="{91240B29-F687-4f45-9708-019B960494DF}">
-                <a14:hiddenLine xmlns="" xmlns:a14="http://schemas.microsoft.com/office/drawing/2010/main" w="9525">
+                <a14:hiddenLine xmlns:a14="http://schemas.microsoft.com/office/drawing/2010/main" xmlns="" w="9525">
                   <a:solidFill>
                     <a:srgbClr val="000000"/>
                   </a:solidFill>
@@ -4563,7 +4563,7 @@
             </a:ln>
             <a:extLst>
               <a:ext uri="{91240B29-F687-4f45-9708-019B960494DF}">
-                <a14:hiddenLine xmlns="" xmlns:a14="http://schemas.microsoft.com/office/drawing/2010/main" w="9525">
+                <a14:hiddenLine xmlns:a14="http://schemas.microsoft.com/office/drawing/2010/main" xmlns="" w="9525">
                   <a:solidFill>
                     <a:srgbClr val="000000"/>
                   </a:solidFill>
@@ -4631,7 +4631,7 @@
             </a:ln>
             <a:extLst>
               <a:ext uri="{91240B29-F687-4f45-9708-019B960494DF}">
-                <a14:hiddenLine xmlns="" xmlns:a14="http://schemas.microsoft.com/office/drawing/2010/main" w="9525">
+                <a14:hiddenLine xmlns:a14="http://schemas.microsoft.com/office/drawing/2010/main" xmlns="" w="9525">
                   <a:solidFill>
                     <a:srgbClr val="000000"/>
                   </a:solidFill>
@@ -4721,7 +4721,7 @@
             </a:ln>
             <a:extLst>
               <a:ext uri="{91240B29-F687-4f45-9708-019B960494DF}">
-                <a14:hiddenLine xmlns="" xmlns:a14="http://schemas.microsoft.com/office/drawing/2010/main" w="9525">
+                <a14:hiddenLine xmlns:a14="http://schemas.microsoft.com/office/drawing/2010/main" xmlns="" w="9525">
                   <a:solidFill>
                     <a:srgbClr val="000000"/>
                   </a:solidFill>
@@ -4861,7 +4861,7 @@
           <a:p>
             <a:fld id="{EC4347D3-4C9A-C240-8F14-750059DFEEB0}" type="datetimeFigureOut">
               <a:rPr lang="en-US" smtClean="0"/>
-              <a:t>8/29/23</a:t>
+              <a:t>1/17/24</a:t>
             </a:fld>
             <a:endParaRPr lang="en-US"/>
           </a:p>
@@ -5128,7 +5128,7 @@
           <a:p>
             <a:fld id="{EC4347D3-4C9A-C240-8F14-750059DFEEB0}" type="datetimeFigureOut">
               <a:rPr lang="en-US" smtClean="0"/>
-              <a:t>8/29/23</a:t>
+              <a:t>1/17/24</a:t>
             </a:fld>
             <a:endParaRPr lang="en-US"/>
           </a:p>
@@ -5324,7 +5324,7 @@
           <a:p>
             <a:fld id="{EC4347D3-4C9A-C240-8F14-750059DFEEB0}" type="datetimeFigureOut">
               <a:rPr lang="en-US" smtClean="0"/>
-              <a:t>8/29/23</a:t>
+              <a:t>1/17/24</a:t>
             </a:fld>
             <a:endParaRPr lang="en-US"/>
           </a:p>
@@ -5587,7 +5587,7 @@
           <a:p>
             <a:fld id="{EC4347D3-4C9A-C240-8F14-750059DFEEB0}" type="datetimeFigureOut">
               <a:rPr lang="en-US" smtClean="0"/>
-              <a:t>8/29/23</a:t>
+              <a:t>1/17/24</a:t>
             </a:fld>
             <a:endParaRPr lang="en-US"/>
           </a:p>
@@ -6021,7 +6021,7 @@
           <a:p>
             <a:fld id="{EC4347D3-4C9A-C240-8F14-750059DFEEB0}" type="datetimeFigureOut">
               <a:rPr lang="en-US" smtClean="0"/>
-              <a:t>8/29/23</a:t>
+              <a:t>1/17/24</a:t>
             </a:fld>
             <a:endParaRPr lang="en-US"/>
           </a:p>
@@ -6567,7 +6567,7 @@
           <a:p>
             <a:fld id="{EC4347D3-4C9A-C240-8F14-750059DFEEB0}" type="datetimeFigureOut">
               <a:rPr lang="en-US" smtClean="0"/>
-              <a:t>8/29/23</a:t>
+              <a:t>1/17/24</a:t>
             </a:fld>
             <a:endParaRPr lang="en-US"/>
           </a:p>
@@ -7287,7 +7287,7 @@
           <a:p>
             <a:fld id="{EC4347D3-4C9A-C240-8F14-750059DFEEB0}" type="datetimeFigureOut">
               <a:rPr lang="en-US" smtClean="0"/>
-              <a:t>8/29/23</a:t>
+              <a:t>1/17/24</a:t>
             </a:fld>
             <a:endParaRPr lang="en-US"/>
           </a:p>
@@ -7457,7 +7457,7 @@
           <a:p>
             <a:fld id="{EC4347D3-4C9A-C240-8F14-750059DFEEB0}" type="datetimeFigureOut">
               <a:rPr lang="en-US" smtClean="0"/>
-              <a:t>8/29/23</a:t>
+              <a:t>1/17/24</a:t>
             </a:fld>
             <a:endParaRPr lang="en-US"/>
           </a:p>
@@ -7637,7 +7637,7 @@
           <a:p>
             <a:fld id="{EC4347D3-4C9A-C240-8F14-750059DFEEB0}" type="datetimeFigureOut">
               <a:rPr lang="en-US" smtClean="0"/>
-              <a:t>8/29/23</a:t>
+              <a:t>1/17/24</a:t>
             </a:fld>
             <a:endParaRPr lang="en-US"/>
           </a:p>
@@ -7807,7 +7807,7 @@
           <a:p>
             <a:fld id="{EC4347D3-4C9A-C240-8F14-750059DFEEB0}" type="datetimeFigureOut">
               <a:rPr lang="en-US" smtClean="0"/>
-              <a:t>8/29/23</a:t>
+              <a:t>1/17/24</a:t>
             </a:fld>
             <a:endParaRPr lang="en-US"/>
           </a:p>
@@ -8057,7 +8057,7 @@
           <a:p>
             <a:fld id="{EC4347D3-4C9A-C240-8F14-750059DFEEB0}" type="datetimeFigureOut">
               <a:rPr lang="en-US" smtClean="0"/>
-              <a:t>8/29/23</a:t>
+              <a:t>1/17/24</a:t>
             </a:fld>
             <a:endParaRPr lang="en-US"/>
           </a:p>
@@ -8289,7 +8289,7 @@
           <a:p>
             <a:fld id="{EC4347D3-4C9A-C240-8F14-750059DFEEB0}" type="datetimeFigureOut">
               <a:rPr lang="en-US" smtClean="0"/>
-              <a:t>8/29/23</a:t>
+              <a:t>1/17/24</a:t>
             </a:fld>
             <a:endParaRPr lang="en-US"/>
           </a:p>
@@ -8675,7 +8675,7 @@
           <a:p>
             <a:fld id="{EC4347D3-4C9A-C240-8F14-750059DFEEB0}" type="datetimeFigureOut">
               <a:rPr lang="en-US" smtClean="0"/>
-              <a:t>8/29/23</a:t>
+              <a:t>1/17/24</a:t>
             </a:fld>
             <a:endParaRPr lang="en-US"/>
           </a:p>
@@ -8798,7 +8798,7 @@
           <a:p>
             <a:fld id="{EC4347D3-4C9A-C240-8F14-750059DFEEB0}" type="datetimeFigureOut">
               <a:rPr lang="en-US" smtClean="0"/>
-              <a:t>8/29/23</a:t>
+              <a:t>1/17/24</a:t>
             </a:fld>
             <a:endParaRPr lang="en-US"/>
           </a:p>
@@ -8893,7 +8893,7 @@
           <a:p>
             <a:fld id="{EC4347D3-4C9A-C240-8F14-750059DFEEB0}" type="datetimeFigureOut">
               <a:rPr lang="en-US" smtClean="0"/>
-              <a:t>8/29/23</a:t>
+              <a:t>1/17/24</a:t>
             </a:fld>
             <a:endParaRPr lang="en-US"/>
           </a:p>
@@ -9142,7 +9142,7 @@
           <a:p>
             <a:fld id="{EC4347D3-4C9A-C240-8F14-750059DFEEB0}" type="datetimeFigureOut">
               <a:rPr lang="en-US" smtClean="0"/>
-              <a:t>8/29/23</a:t>
+              <a:t>1/17/24</a:t>
             </a:fld>
             <a:endParaRPr lang="en-US"/>
           </a:p>
@@ -9427,7 +9427,7 @@
           <a:p>
             <a:fld id="{EC4347D3-4C9A-C240-8F14-750059DFEEB0}" type="datetimeFigureOut">
               <a:rPr lang="en-US" smtClean="0"/>
-              <a:t>8/29/23</a:t>
+              <a:t>1/17/24</a:t>
             </a:fld>
             <a:endParaRPr lang="en-US"/>
           </a:p>
@@ -9550,7 +9550,7 @@
           <a:noFill/>
           <a:extLst>
             <a:ext uri="{909E8E84-426E-40dd-AFC4-6F175D3DCCD1}">
-              <a14:hiddenFill xmlns="" xmlns:a14="http://schemas.microsoft.com/office/drawing/2010/main">
+              <a14:hiddenFill xmlns:a14="http://schemas.microsoft.com/office/drawing/2010/main" xmlns="">
                 <a:solidFill>
                   <a:srgbClr val="FFFFFF"/>
                 </a:solidFill>
@@ -9624,7 +9624,7 @@
               </a:ln>
               <a:extLst>
                 <a:ext uri="{91240B29-F687-4f45-9708-019B960494DF}">
-                  <a14:hiddenLine xmlns="" xmlns:a14="http://schemas.microsoft.com/office/drawing/2010/main" w="9525">
+                  <a14:hiddenLine xmlns:a14="http://schemas.microsoft.com/office/drawing/2010/main" xmlns="" w="9525">
                     <a:solidFill>
                       <a:srgbClr val="000000"/>
                     </a:solidFill>
@@ -9714,7 +9714,7 @@
               </a:ln>
               <a:extLst>
                 <a:ext uri="{91240B29-F687-4f45-9708-019B960494DF}">
-                  <a14:hiddenLine xmlns="" xmlns:a14="http://schemas.microsoft.com/office/drawing/2010/main" w="9525">
+                  <a14:hiddenLine xmlns:a14="http://schemas.microsoft.com/office/drawing/2010/main" xmlns="" w="9525">
                     <a:solidFill>
                       <a:srgbClr val="000000"/>
                     </a:solidFill>
@@ -9804,7 +9804,7 @@
               </a:ln>
               <a:extLst>
                 <a:ext uri="{91240B29-F687-4f45-9708-019B960494DF}">
-                  <a14:hiddenLine xmlns="" xmlns:a14="http://schemas.microsoft.com/office/drawing/2010/main" w="9525">
+                  <a14:hiddenLine xmlns:a14="http://schemas.microsoft.com/office/drawing/2010/main" xmlns="" w="9525">
                     <a:solidFill>
                       <a:srgbClr val="000000"/>
                     </a:solidFill>
@@ -9866,7 +9866,7 @@
               </a:ln>
               <a:extLst>
                 <a:ext uri="{91240B29-F687-4f45-9708-019B960494DF}">
-                  <a14:hiddenLine xmlns="" xmlns:a14="http://schemas.microsoft.com/office/drawing/2010/main" w="9525">
+                  <a14:hiddenLine xmlns:a14="http://schemas.microsoft.com/office/drawing/2010/main" xmlns="" w="9525">
                     <a:solidFill>
                       <a:srgbClr val="000000"/>
                     </a:solidFill>
@@ -9956,7 +9956,7 @@
               </a:ln>
               <a:extLst>
                 <a:ext uri="{91240B29-F687-4f45-9708-019B960494DF}">
-                  <a14:hiddenLine xmlns="" xmlns:a14="http://schemas.microsoft.com/office/drawing/2010/main" w="9525">
+                  <a14:hiddenLine xmlns:a14="http://schemas.microsoft.com/office/drawing/2010/main" xmlns="" w="9525">
                     <a:solidFill>
                       <a:srgbClr val="000000"/>
                     </a:solidFill>
@@ -10018,7 +10018,7 @@
               </a:ln>
               <a:extLst>
                 <a:ext uri="{91240B29-F687-4f45-9708-019B960494DF}">
-                  <a14:hiddenLine xmlns="" xmlns:a14="http://schemas.microsoft.com/office/drawing/2010/main" w="9525">
+                  <a14:hiddenLine xmlns:a14="http://schemas.microsoft.com/office/drawing/2010/main" xmlns="" w="9525">
                     <a:solidFill>
                       <a:srgbClr val="000000"/>
                     </a:solidFill>
@@ -10080,7 +10080,7 @@
               </a:ln>
               <a:extLst>
                 <a:ext uri="{91240B29-F687-4f45-9708-019B960494DF}">
-                  <a14:hiddenLine xmlns="" xmlns:a14="http://schemas.microsoft.com/office/drawing/2010/main" w="9525">
+                  <a14:hiddenLine xmlns:a14="http://schemas.microsoft.com/office/drawing/2010/main" xmlns="" w="9525">
                     <a:solidFill>
                       <a:srgbClr val="000000"/>
                     </a:solidFill>
@@ -10170,7 +10170,7 @@
               </a:ln>
               <a:extLst>
                 <a:ext uri="{91240B29-F687-4f45-9708-019B960494DF}">
-                  <a14:hiddenLine xmlns="" xmlns:a14="http://schemas.microsoft.com/office/drawing/2010/main" w="9525">
+                  <a14:hiddenLine xmlns:a14="http://schemas.microsoft.com/office/drawing/2010/main" xmlns="" w="9525">
                     <a:solidFill>
                       <a:srgbClr val="000000"/>
                     </a:solidFill>
@@ -10260,7 +10260,7 @@
               </a:ln>
               <a:extLst>
                 <a:ext uri="{91240B29-F687-4f45-9708-019B960494DF}">
-                  <a14:hiddenLine xmlns="" xmlns:a14="http://schemas.microsoft.com/office/drawing/2010/main" w="9525">
+                  <a14:hiddenLine xmlns:a14="http://schemas.microsoft.com/office/drawing/2010/main" xmlns="" w="9525">
                     <a:solidFill>
                       <a:srgbClr val="000000"/>
                     </a:solidFill>
@@ -10322,7 +10322,7 @@
               </a:ln>
               <a:extLst>
                 <a:ext uri="{91240B29-F687-4f45-9708-019B960494DF}">
-                  <a14:hiddenLine xmlns="" xmlns:a14="http://schemas.microsoft.com/office/drawing/2010/main" w="9525">
+                  <a14:hiddenLine xmlns:a14="http://schemas.microsoft.com/office/drawing/2010/main" xmlns="" w="9525">
                     <a:solidFill>
                       <a:srgbClr val="000000"/>
                     </a:solidFill>
@@ -10432,7 +10432,7 @@
               </a:ln>
               <a:extLst>
                 <a:ext uri="{91240B29-F687-4f45-9708-019B960494DF}">
-                  <a14:hiddenLine xmlns="" xmlns:a14="http://schemas.microsoft.com/office/drawing/2010/main" w="9525">
+                  <a14:hiddenLine xmlns:a14="http://schemas.microsoft.com/office/drawing/2010/main" xmlns="" w="9525">
                     <a:solidFill>
                       <a:srgbClr val="000000"/>
                     </a:solidFill>
@@ -10516,7 +10516,7 @@
               </a:ln>
               <a:extLst>
                 <a:ext uri="{91240B29-F687-4f45-9708-019B960494DF}">
-                  <a14:hiddenLine xmlns="" xmlns:a14="http://schemas.microsoft.com/office/drawing/2010/main" w="9525">
+                  <a14:hiddenLine xmlns:a14="http://schemas.microsoft.com/office/drawing/2010/main" xmlns="" w="9525">
                     <a:solidFill>
                       <a:srgbClr val="000000"/>
                     </a:solidFill>
@@ -10578,7 +10578,7 @@
               </a:ln>
               <a:extLst>
                 <a:ext uri="{91240B29-F687-4f45-9708-019B960494DF}">
-                  <a14:hiddenLine xmlns="" xmlns:a14="http://schemas.microsoft.com/office/drawing/2010/main" w="9525">
+                  <a14:hiddenLine xmlns:a14="http://schemas.microsoft.com/office/drawing/2010/main" xmlns="" w="9525">
                     <a:solidFill>
                       <a:srgbClr val="000000"/>
                     </a:solidFill>
@@ -10640,7 +10640,7 @@
               </a:ln>
               <a:extLst>
                 <a:ext uri="{91240B29-F687-4f45-9708-019B960494DF}">
-                  <a14:hiddenLine xmlns="" xmlns:a14="http://schemas.microsoft.com/office/drawing/2010/main" w="9525">
+                  <a14:hiddenLine xmlns:a14="http://schemas.microsoft.com/office/drawing/2010/main" xmlns="" w="9525">
                     <a:solidFill>
                       <a:srgbClr val="000000"/>
                     </a:solidFill>
@@ -10730,7 +10730,7 @@
               </a:ln>
               <a:extLst>
                 <a:ext uri="{91240B29-F687-4f45-9708-019B960494DF}">
-                  <a14:hiddenLine xmlns="" xmlns:a14="http://schemas.microsoft.com/office/drawing/2010/main" w="9525">
+                  <a14:hiddenLine xmlns:a14="http://schemas.microsoft.com/office/drawing/2010/main" xmlns="" w="9525">
                     <a:solidFill>
                       <a:srgbClr val="000000"/>
                     </a:solidFill>
@@ -10764,7 +10764,7 @@
               </a:ln>
               <a:extLst>
                 <a:ext uri="{91240B29-F687-4f45-9708-019B960494DF}">
-                  <a14:hiddenLine xmlns="" xmlns:a14="http://schemas.microsoft.com/office/drawing/2010/main" w="9525">
+                  <a14:hiddenLine xmlns:a14="http://schemas.microsoft.com/office/drawing/2010/main" xmlns="" w="9525">
                     <a:solidFill>
                       <a:srgbClr val="000000"/>
                     </a:solidFill>
@@ -10829,7 +10829,7 @@
               </a:ln>
               <a:extLst>
                 <a:ext uri="{91240B29-F687-4f45-9708-019B960494DF}">
-                  <a14:hiddenLine xmlns="" xmlns:a14="http://schemas.microsoft.com/office/drawing/2010/main" w="9525">
+                  <a14:hiddenLine xmlns:a14="http://schemas.microsoft.com/office/drawing/2010/main" xmlns="" w="9525">
                     <a:solidFill>
                       <a:srgbClr val="000000"/>
                     </a:solidFill>
@@ -10919,7 +10919,7 @@
               </a:ln>
               <a:extLst>
                 <a:ext uri="{91240B29-F687-4f45-9708-019B960494DF}">
-                  <a14:hiddenLine xmlns="" xmlns:a14="http://schemas.microsoft.com/office/drawing/2010/main" w="9525">
+                  <a14:hiddenLine xmlns:a14="http://schemas.microsoft.com/office/drawing/2010/main" xmlns="" w="9525">
                     <a:solidFill>
                       <a:srgbClr val="000000"/>
                     </a:solidFill>
@@ -10981,7 +10981,7 @@
               </a:ln>
               <a:extLst>
                 <a:ext uri="{91240B29-F687-4f45-9708-019B960494DF}">
-                  <a14:hiddenLine xmlns="" xmlns:a14="http://schemas.microsoft.com/office/drawing/2010/main" w="9525">
+                  <a14:hiddenLine xmlns:a14="http://schemas.microsoft.com/office/drawing/2010/main" xmlns="" w="9525">
                     <a:solidFill>
                       <a:srgbClr val="000000"/>
                     </a:solidFill>
@@ -11071,7 +11071,7 @@
               </a:ln>
               <a:extLst>
                 <a:ext uri="{91240B29-F687-4f45-9708-019B960494DF}">
-                  <a14:hiddenLine xmlns="" xmlns:a14="http://schemas.microsoft.com/office/drawing/2010/main" w="9525">
+                  <a14:hiddenLine xmlns:a14="http://schemas.microsoft.com/office/drawing/2010/main" xmlns="" w="9525">
                     <a:solidFill>
                       <a:srgbClr val="000000"/>
                     </a:solidFill>
@@ -11136,7 +11136,7 @@
               </a:ln>
               <a:extLst>
                 <a:ext uri="{91240B29-F687-4f45-9708-019B960494DF}">
-                  <a14:hiddenLine xmlns="" xmlns:a14="http://schemas.microsoft.com/office/drawing/2010/main" w="9525">
+                  <a14:hiddenLine xmlns:a14="http://schemas.microsoft.com/office/drawing/2010/main" xmlns="" w="9525">
                     <a:solidFill>
                       <a:srgbClr val="000000"/>
                     </a:solidFill>
@@ -11198,7 +11198,7 @@
               </a:ln>
               <a:extLst>
                 <a:ext uri="{91240B29-F687-4f45-9708-019B960494DF}">
-                  <a14:hiddenLine xmlns="" xmlns:a14="http://schemas.microsoft.com/office/drawing/2010/main" w="9525">
+                  <a14:hiddenLine xmlns:a14="http://schemas.microsoft.com/office/drawing/2010/main" xmlns="" w="9525">
                     <a:solidFill>
                       <a:srgbClr val="000000"/>
                     </a:solidFill>
@@ -11288,7 +11288,7 @@
               </a:ln>
               <a:extLst>
                 <a:ext uri="{91240B29-F687-4f45-9708-019B960494DF}">
-                  <a14:hiddenLine xmlns="" xmlns:a14="http://schemas.microsoft.com/office/drawing/2010/main" w="9525">
+                  <a14:hiddenLine xmlns:a14="http://schemas.microsoft.com/office/drawing/2010/main" xmlns="" w="9525">
                     <a:solidFill>
                       <a:srgbClr val="000000"/>
                     </a:solidFill>
@@ -11378,7 +11378,7 @@
               </a:ln>
               <a:extLst>
                 <a:ext uri="{91240B29-F687-4f45-9708-019B960494DF}">
-                  <a14:hiddenLine xmlns="" xmlns:a14="http://schemas.microsoft.com/office/drawing/2010/main" w="9525">
+                  <a14:hiddenLine xmlns:a14="http://schemas.microsoft.com/office/drawing/2010/main" xmlns="" w="9525">
                     <a:solidFill>
                       <a:srgbClr val="000000"/>
                     </a:solidFill>
@@ -11443,7 +11443,7 @@
               </a:ln>
               <a:extLst>
                 <a:ext uri="{91240B29-F687-4f45-9708-019B960494DF}">
-                  <a14:hiddenLine xmlns="" xmlns:a14="http://schemas.microsoft.com/office/drawing/2010/main" w="9525">
+                  <a14:hiddenLine xmlns:a14="http://schemas.microsoft.com/office/drawing/2010/main" xmlns="" w="9525">
                     <a:solidFill>
                       <a:srgbClr val="000000"/>
                     </a:solidFill>
@@ -11563,7 +11563,7 @@
               </a:ln>
               <a:extLst>
                 <a:ext uri="{91240B29-F687-4f45-9708-019B960494DF}">
-                  <a14:hiddenLine xmlns="" xmlns:a14="http://schemas.microsoft.com/office/drawing/2010/main" w="9525">
+                  <a14:hiddenLine xmlns:a14="http://schemas.microsoft.com/office/drawing/2010/main" xmlns="" w="9525">
                     <a:solidFill>
                       <a:srgbClr val="000000"/>
                     </a:solidFill>
@@ -11644,7 +11644,7 @@
               </a:ln>
               <a:extLst>
                 <a:ext uri="{91240B29-F687-4f45-9708-019B960494DF}">
-                  <a14:hiddenLine xmlns="" xmlns:a14="http://schemas.microsoft.com/office/drawing/2010/main" w="9525">
+                  <a14:hiddenLine xmlns:a14="http://schemas.microsoft.com/office/drawing/2010/main" xmlns="" w="9525">
                     <a:solidFill>
                       <a:srgbClr val="000000"/>
                     </a:solidFill>
@@ -11759,7 +11759,7 @@
               </a:ln>
               <a:extLst>
                 <a:ext uri="{91240B29-F687-4f45-9708-019B960494DF}">
-                  <a14:hiddenLine xmlns="" xmlns:a14="http://schemas.microsoft.com/office/drawing/2010/main" w="9525">
+                  <a14:hiddenLine xmlns:a14="http://schemas.microsoft.com/office/drawing/2010/main" xmlns="" w="9525">
                     <a:solidFill>
                       <a:srgbClr val="000000"/>
                     </a:solidFill>
@@ -11849,7 +11849,7 @@
               </a:ln>
               <a:extLst>
                 <a:ext uri="{91240B29-F687-4f45-9708-019B960494DF}">
-                  <a14:hiddenLine xmlns="" xmlns:a14="http://schemas.microsoft.com/office/drawing/2010/main" w="9525">
+                  <a14:hiddenLine xmlns:a14="http://schemas.microsoft.com/office/drawing/2010/main" xmlns="" w="9525">
                     <a:solidFill>
                       <a:srgbClr val="000000"/>
                     </a:solidFill>
@@ -11914,7 +11914,7 @@
               </a:ln>
               <a:extLst>
                 <a:ext uri="{91240B29-F687-4f45-9708-019B960494DF}">
-                  <a14:hiddenLine xmlns="" xmlns:a14="http://schemas.microsoft.com/office/drawing/2010/main" w="9525">
+                  <a14:hiddenLine xmlns:a14="http://schemas.microsoft.com/office/drawing/2010/main" xmlns="" w="9525">
                     <a:solidFill>
                       <a:srgbClr val="000000"/>
                     </a:solidFill>
@@ -12004,7 +12004,7 @@
               </a:ln>
               <a:extLst>
                 <a:ext uri="{91240B29-F687-4f45-9708-019B960494DF}">
-                  <a14:hiddenLine xmlns="" xmlns:a14="http://schemas.microsoft.com/office/drawing/2010/main" w="9525">
+                  <a14:hiddenLine xmlns:a14="http://schemas.microsoft.com/office/drawing/2010/main" xmlns="" w="9525">
                     <a:solidFill>
                       <a:srgbClr val="000000"/>
                     </a:solidFill>
@@ -12072,7 +12072,7 @@
               </a:ln>
               <a:extLst>
                 <a:ext uri="{91240B29-F687-4f45-9708-019B960494DF}">
-                  <a14:hiddenLine xmlns="" xmlns:a14="http://schemas.microsoft.com/office/drawing/2010/main" w="9525">
+                  <a14:hiddenLine xmlns:a14="http://schemas.microsoft.com/office/drawing/2010/main" xmlns="" w="9525">
                     <a:solidFill>
                       <a:srgbClr val="000000"/>
                     </a:solidFill>
@@ -12162,7 +12162,7 @@
               </a:ln>
               <a:extLst>
                 <a:ext uri="{91240B29-F687-4f45-9708-019B960494DF}">
-                  <a14:hiddenLine xmlns="" xmlns:a14="http://schemas.microsoft.com/office/drawing/2010/main" w="9525">
+                  <a14:hiddenLine xmlns:a14="http://schemas.microsoft.com/office/drawing/2010/main" xmlns="" w="9525">
                     <a:solidFill>
                       <a:srgbClr val="000000"/>
                     </a:solidFill>
@@ -12230,7 +12230,7 @@
               </a:ln>
               <a:extLst>
                 <a:ext uri="{91240B29-F687-4f45-9708-019B960494DF}">
-                  <a14:hiddenLine xmlns="" xmlns:a14="http://schemas.microsoft.com/office/drawing/2010/main" w="9525">
+                  <a14:hiddenLine xmlns:a14="http://schemas.microsoft.com/office/drawing/2010/main" xmlns="" w="9525">
                     <a:solidFill>
                       <a:srgbClr val="000000"/>
                     </a:solidFill>
@@ -12320,7 +12320,7 @@
               </a:ln>
               <a:extLst>
                 <a:ext uri="{91240B29-F687-4f45-9708-019B960494DF}">
-                  <a14:hiddenLine xmlns="" xmlns:a14="http://schemas.microsoft.com/office/drawing/2010/main" w="9525">
+                  <a14:hiddenLine xmlns:a14="http://schemas.microsoft.com/office/drawing/2010/main" xmlns="" w="9525">
                     <a:solidFill>
                       <a:srgbClr val="000000"/>
                     </a:solidFill>
@@ -12354,7 +12354,7 @@
               </a:ln>
               <a:extLst>
                 <a:ext uri="{91240B29-F687-4f45-9708-019B960494DF}">
-                  <a14:hiddenLine xmlns="" xmlns:a14="http://schemas.microsoft.com/office/drawing/2010/main" w="9525">
+                  <a14:hiddenLine xmlns:a14="http://schemas.microsoft.com/office/drawing/2010/main" xmlns="" w="9525">
                     <a:solidFill>
                       <a:srgbClr val="000000"/>
                     </a:solidFill>
@@ -12494,7 +12494,7 @@
           <a:p>
             <a:fld id="{EC4347D3-4C9A-C240-8F14-750059DFEEB0}" type="datetimeFigureOut">
               <a:rPr lang="en-US" smtClean="0"/>
-              <a:t>8/29/23</a:t>
+              <a:t>1/17/24</a:t>
             </a:fld>
             <a:endParaRPr lang="en-US"/>
           </a:p>

--- a/slides/01-ReviewOfProofs.pptx
+++ b/slides/01-ReviewOfProofs.pptx
@@ -228,7 +228,7 @@
           <a:p>
             <a:fld id="{C5B45307-6ED4-B142-BD64-10F739779302}" type="datetimeFigureOut">
               <a:rPr lang="en-US" smtClean="0"/>
-              <a:t>1/17/24</a:t>
+              <a:t>1/23/24</a:t>
             </a:fld>
             <a:endParaRPr lang="en-US"/>
           </a:p>
@@ -636,7 +636,7 @@
           <a:noFill/>
           <a:extLst>
             <a:ext uri="{909E8E84-426E-40dd-AFC4-6F175D3DCCD1}">
-              <a14:hiddenFill xmlns:a14="http://schemas.microsoft.com/office/drawing/2010/main" xmlns="">
+              <a14:hiddenFill xmlns="" xmlns:a14="http://schemas.microsoft.com/office/drawing/2010/main">
                 <a:solidFill>
                   <a:srgbClr val="FFFFFF"/>
                 </a:solidFill>
@@ -695,7 +695,7 @@
             </a:ln>
             <a:extLst>
               <a:ext uri="{91240B29-F687-4f45-9708-019B960494DF}">
-                <a14:hiddenLine xmlns:a14="http://schemas.microsoft.com/office/drawing/2010/main" xmlns="" w="9525">
+                <a14:hiddenLine xmlns="" xmlns:a14="http://schemas.microsoft.com/office/drawing/2010/main" w="9525">
                   <a:solidFill>
                     <a:srgbClr val="000000"/>
                   </a:solidFill>
@@ -785,7 +785,7 @@
             </a:ln>
             <a:extLst>
               <a:ext uri="{91240B29-F687-4f45-9708-019B960494DF}">
-                <a14:hiddenLine xmlns:a14="http://schemas.microsoft.com/office/drawing/2010/main" xmlns="" w="9525">
+                <a14:hiddenLine xmlns="" xmlns:a14="http://schemas.microsoft.com/office/drawing/2010/main" w="9525">
                   <a:solidFill>
                     <a:srgbClr val="000000"/>
                   </a:solidFill>
@@ -875,7 +875,7 @@
             </a:ln>
             <a:extLst>
               <a:ext uri="{91240B29-F687-4f45-9708-019B960494DF}">
-                <a14:hiddenLine xmlns:a14="http://schemas.microsoft.com/office/drawing/2010/main" xmlns="" w="9525">
+                <a14:hiddenLine xmlns="" xmlns:a14="http://schemas.microsoft.com/office/drawing/2010/main" w="9525">
                   <a:solidFill>
                     <a:srgbClr val="000000"/>
                   </a:solidFill>
@@ -909,7 +909,7 @@
             </a:ln>
             <a:extLst>
               <a:ext uri="{91240B29-F687-4f45-9708-019B960494DF}">
-                <a14:hiddenLine xmlns:a14="http://schemas.microsoft.com/office/drawing/2010/main" xmlns="" w="9525">
+                <a14:hiddenLine xmlns="" xmlns:a14="http://schemas.microsoft.com/office/drawing/2010/main" w="9525">
                   <a:solidFill>
                     <a:srgbClr val="000000"/>
                   </a:solidFill>
@@ -999,7 +999,7 @@
             </a:ln>
             <a:extLst>
               <a:ext uri="{91240B29-F687-4f45-9708-019B960494DF}">
-                <a14:hiddenLine xmlns:a14="http://schemas.microsoft.com/office/drawing/2010/main" xmlns="" w="9525">
+                <a14:hiddenLine xmlns="" xmlns:a14="http://schemas.microsoft.com/office/drawing/2010/main" w="9525">
                   <a:solidFill>
                     <a:srgbClr val="000000"/>
                   </a:solidFill>
@@ -1061,7 +1061,7 @@
             </a:ln>
             <a:extLst>
               <a:ext uri="{91240B29-F687-4f45-9708-019B960494DF}">
-                <a14:hiddenLine xmlns:a14="http://schemas.microsoft.com/office/drawing/2010/main" xmlns="" w="9525">
+                <a14:hiddenLine xmlns="" xmlns:a14="http://schemas.microsoft.com/office/drawing/2010/main" w="9525">
                   <a:solidFill>
                     <a:srgbClr val="000000"/>
                   </a:solidFill>
@@ -1123,7 +1123,7 @@
             </a:ln>
             <a:extLst>
               <a:ext uri="{91240B29-F687-4f45-9708-019B960494DF}">
-                <a14:hiddenLine xmlns:a14="http://schemas.microsoft.com/office/drawing/2010/main" xmlns="" w="9525">
+                <a14:hiddenLine xmlns="" xmlns:a14="http://schemas.microsoft.com/office/drawing/2010/main" w="9525">
                   <a:solidFill>
                     <a:srgbClr val="000000"/>
                   </a:solidFill>
@@ -1213,7 +1213,7 @@
             </a:ln>
             <a:extLst>
               <a:ext uri="{91240B29-F687-4f45-9708-019B960494DF}">
-                <a14:hiddenLine xmlns:a14="http://schemas.microsoft.com/office/drawing/2010/main" xmlns="" w="9525">
+                <a14:hiddenLine xmlns="" xmlns:a14="http://schemas.microsoft.com/office/drawing/2010/main" w="9525">
                   <a:solidFill>
                     <a:srgbClr val="000000"/>
                   </a:solidFill>
@@ -1275,7 +1275,7 @@
             </a:ln>
             <a:extLst>
               <a:ext uri="{91240B29-F687-4f45-9708-019B960494DF}">
-                <a14:hiddenLine xmlns:a14="http://schemas.microsoft.com/office/drawing/2010/main" xmlns="" w="9525">
+                <a14:hiddenLine xmlns="" xmlns:a14="http://schemas.microsoft.com/office/drawing/2010/main" w="9525">
                   <a:solidFill>
                     <a:srgbClr val="000000"/>
                   </a:solidFill>
@@ -1337,7 +1337,7 @@
             </a:ln>
             <a:extLst>
               <a:ext uri="{91240B29-F687-4f45-9708-019B960494DF}">
-                <a14:hiddenLine xmlns:a14="http://schemas.microsoft.com/office/drawing/2010/main" xmlns="" w="9525">
+                <a14:hiddenLine xmlns="" xmlns:a14="http://schemas.microsoft.com/office/drawing/2010/main" w="9525">
                   <a:solidFill>
                     <a:srgbClr val="000000"/>
                   </a:solidFill>
@@ -1427,7 +1427,7 @@
             </a:ln>
             <a:extLst>
               <a:ext uri="{91240B29-F687-4f45-9708-019B960494DF}">
-                <a14:hiddenLine xmlns:a14="http://schemas.microsoft.com/office/drawing/2010/main" xmlns="" w="9525">
+                <a14:hiddenLine xmlns="" xmlns:a14="http://schemas.microsoft.com/office/drawing/2010/main" w="9525">
                   <a:solidFill>
                     <a:srgbClr val="000000"/>
                   </a:solidFill>
@@ -1517,7 +1517,7 @@
             </a:ln>
             <a:extLst>
               <a:ext uri="{91240B29-F687-4f45-9708-019B960494DF}">
-                <a14:hiddenLine xmlns:a14="http://schemas.microsoft.com/office/drawing/2010/main" xmlns="" w="9525">
+                <a14:hiddenLine xmlns="" xmlns:a14="http://schemas.microsoft.com/office/drawing/2010/main" w="9525">
                   <a:solidFill>
                     <a:srgbClr val="000000"/>
                   </a:solidFill>
@@ -1579,7 +1579,7 @@
             </a:ln>
             <a:extLst>
               <a:ext uri="{91240B29-F687-4f45-9708-019B960494DF}">
-                <a14:hiddenLine xmlns:a14="http://schemas.microsoft.com/office/drawing/2010/main" xmlns="" w="9525">
+                <a14:hiddenLine xmlns="" xmlns:a14="http://schemas.microsoft.com/office/drawing/2010/main" w="9525">
                   <a:solidFill>
                     <a:srgbClr val="000000"/>
                   </a:solidFill>
@@ -1689,7 +1689,7 @@
             </a:ln>
             <a:extLst>
               <a:ext uri="{91240B29-F687-4f45-9708-019B960494DF}">
-                <a14:hiddenLine xmlns:a14="http://schemas.microsoft.com/office/drawing/2010/main" xmlns="" w="9525">
+                <a14:hiddenLine xmlns="" xmlns:a14="http://schemas.microsoft.com/office/drawing/2010/main" w="9525">
                   <a:solidFill>
                     <a:srgbClr val="000000"/>
                   </a:solidFill>
@@ -1751,7 +1751,7 @@
             </a:ln>
             <a:extLst>
               <a:ext uri="{91240B29-F687-4f45-9708-019B960494DF}">
-                <a14:hiddenLine xmlns:a14="http://schemas.microsoft.com/office/drawing/2010/main" xmlns="" w="9525">
+                <a14:hiddenLine xmlns="" xmlns:a14="http://schemas.microsoft.com/office/drawing/2010/main" w="9525">
                   <a:solidFill>
                     <a:srgbClr val="000000"/>
                   </a:solidFill>
@@ -1841,7 +1841,7 @@
             </a:ln>
             <a:extLst>
               <a:ext uri="{91240B29-F687-4f45-9708-019B960494DF}">
-                <a14:hiddenLine xmlns:a14="http://schemas.microsoft.com/office/drawing/2010/main" xmlns="" w="9525">
+                <a14:hiddenLine xmlns="" xmlns:a14="http://schemas.microsoft.com/office/drawing/2010/main" w="9525">
                   <a:solidFill>
                     <a:srgbClr val="000000"/>
                   </a:solidFill>
@@ -1931,7 +1931,7 @@
             </a:ln>
             <a:extLst>
               <a:ext uri="{91240B29-F687-4f45-9708-019B960494DF}">
-                <a14:hiddenLine xmlns:a14="http://schemas.microsoft.com/office/drawing/2010/main" xmlns="" w="9525">
+                <a14:hiddenLine xmlns="" xmlns:a14="http://schemas.microsoft.com/office/drawing/2010/main" w="9525">
                   <a:solidFill>
                     <a:srgbClr val="000000"/>
                   </a:solidFill>
@@ -1993,7 +1993,7 @@
             </a:ln>
             <a:extLst>
               <a:ext uri="{91240B29-F687-4f45-9708-019B960494DF}">
-                <a14:hiddenLine xmlns:a14="http://schemas.microsoft.com/office/drawing/2010/main" xmlns="" w="9525">
+                <a14:hiddenLine xmlns="" xmlns:a14="http://schemas.microsoft.com/office/drawing/2010/main" w="9525">
                   <a:solidFill>
                     <a:srgbClr val="000000"/>
                   </a:solidFill>
@@ -2083,7 +2083,7 @@
             </a:ln>
             <a:extLst>
               <a:ext uri="{91240B29-F687-4f45-9708-019B960494DF}">
-                <a14:hiddenLine xmlns:a14="http://schemas.microsoft.com/office/drawing/2010/main" xmlns="" w="9525">
+                <a14:hiddenLine xmlns="" xmlns:a14="http://schemas.microsoft.com/office/drawing/2010/main" w="9525">
                   <a:solidFill>
                     <a:srgbClr val="000000"/>
                   </a:solidFill>
@@ -2173,7 +2173,7 @@
             </a:ln>
             <a:extLst>
               <a:ext uri="{91240B29-F687-4f45-9708-019B960494DF}">
-                <a14:hiddenLine xmlns:a14="http://schemas.microsoft.com/office/drawing/2010/main" xmlns="" w="9525">
+                <a14:hiddenLine xmlns="" xmlns:a14="http://schemas.microsoft.com/office/drawing/2010/main" w="9525">
                   <a:solidFill>
                     <a:srgbClr val="000000"/>
                   </a:solidFill>
@@ -2229,7 +2229,7 @@
             </a:ln>
             <a:extLst>
               <a:ext uri="{91240B29-F687-4f45-9708-019B960494DF}">
-                <a14:hiddenLine xmlns:a14="http://schemas.microsoft.com/office/drawing/2010/main" xmlns="" w="9525">
+                <a14:hiddenLine xmlns="" xmlns:a14="http://schemas.microsoft.com/office/drawing/2010/main" w="9525">
                   <a:solidFill>
                     <a:srgbClr val="000000"/>
                   </a:solidFill>
@@ -2319,7 +2319,7 @@
             </a:ln>
             <a:extLst>
               <a:ext uri="{91240B29-F687-4f45-9708-019B960494DF}">
-                <a14:hiddenLine xmlns:a14="http://schemas.microsoft.com/office/drawing/2010/main" xmlns="" w="9525">
+                <a14:hiddenLine xmlns="" xmlns:a14="http://schemas.microsoft.com/office/drawing/2010/main" w="9525">
                   <a:solidFill>
                     <a:srgbClr val="000000"/>
                   </a:solidFill>
@@ -2375,7 +2375,7 @@
             </a:ln>
             <a:extLst>
               <a:ext uri="{91240B29-F687-4f45-9708-019B960494DF}">
-                <a14:hiddenLine xmlns:a14="http://schemas.microsoft.com/office/drawing/2010/main" xmlns="" w="9525">
+                <a14:hiddenLine xmlns="" xmlns:a14="http://schemas.microsoft.com/office/drawing/2010/main" w="9525">
                   <a:solidFill>
                     <a:srgbClr val="000000"/>
                   </a:solidFill>
@@ -2465,7 +2465,7 @@
             </a:ln>
             <a:extLst>
               <a:ext uri="{91240B29-F687-4f45-9708-019B960494DF}">
-                <a14:hiddenLine xmlns:a14="http://schemas.microsoft.com/office/drawing/2010/main" xmlns="" w="9525">
+                <a14:hiddenLine xmlns="" xmlns:a14="http://schemas.microsoft.com/office/drawing/2010/main" w="9525">
                   <a:solidFill>
                     <a:srgbClr val="000000"/>
                   </a:solidFill>
@@ -2533,7 +2533,7 @@
             </a:ln>
             <a:extLst>
               <a:ext uri="{91240B29-F687-4f45-9708-019B960494DF}">
-                <a14:hiddenLine xmlns:a14="http://schemas.microsoft.com/office/drawing/2010/main" xmlns="" w="9525">
+                <a14:hiddenLine xmlns="" xmlns:a14="http://schemas.microsoft.com/office/drawing/2010/main" w="9525">
                   <a:solidFill>
                     <a:srgbClr val="000000"/>
                   </a:solidFill>
@@ -2623,7 +2623,7 @@
             </a:ln>
             <a:extLst>
               <a:ext uri="{91240B29-F687-4f45-9708-019B960494DF}">
-                <a14:hiddenLine xmlns:a14="http://schemas.microsoft.com/office/drawing/2010/main" xmlns="" w="9525">
+                <a14:hiddenLine xmlns="" xmlns:a14="http://schemas.microsoft.com/office/drawing/2010/main" w="9525">
                   <a:solidFill>
                     <a:srgbClr val="000000"/>
                   </a:solidFill>
@@ -2691,7 +2691,7 @@
             </a:ln>
             <a:extLst>
               <a:ext uri="{91240B29-F687-4f45-9708-019B960494DF}">
-                <a14:hiddenLine xmlns:a14="http://schemas.microsoft.com/office/drawing/2010/main" xmlns="" w="9525">
+                <a14:hiddenLine xmlns="" xmlns:a14="http://schemas.microsoft.com/office/drawing/2010/main" w="9525">
                   <a:solidFill>
                     <a:srgbClr val="000000"/>
                   </a:solidFill>
@@ -2781,7 +2781,7 @@
             </a:ln>
             <a:extLst>
               <a:ext uri="{91240B29-F687-4f45-9708-019B960494DF}">
-                <a14:hiddenLine xmlns:a14="http://schemas.microsoft.com/office/drawing/2010/main" xmlns="" w="9525">
+                <a14:hiddenLine xmlns="" xmlns:a14="http://schemas.microsoft.com/office/drawing/2010/main" w="9525">
                   <a:solidFill>
                     <a:srgbClr val="000000"/>
                   </a:solidFill>
@@ -2815,7 +2815,7 @@
             </a:ln>
             <a:extLst>
               <a:ext uri="{91240B29-F687-4f45-9708-019B960494DF}">
-                <a14:hiddenLine xmlns:a14="http://schemas.microsoft.com/office/drawing/2010/main" xmlns="" w="9525">
+                <a14:hiddenLine xmlns="" xmlns:a14="http://schemas.microsoft.com/office/drawing/2010/main" w="9525">
                   <a:solidFill>
                     <a:srgbClr val="000000"/>
                   </a:solidFill>
@@ -2905,7 +2905,7 @@
             </a:ln>
             <a:extLst>
               <a:ext uri="{91240B29-F687-4f45-9708-019B960494DF}">
-                <a14:hiddenLine xmlns:a14="http://schemas.microsoft.com/office/drawing/2010/main" xmlns="" w="9525">
+                <a14:hiddenLine xmlns="" xmlns:a14="http://schemas.microsoft.com/office/drawing/2010/main" w="9525">
                   <a:solidFill>
                     <a:srgbClr val="000000"/>
                   </a:solidFill>
@@ -2967,7 +2967,7 @@
             </a:ln>
             <a:extLst>
               <a:ext uri="{91240B29-F687-4f45-9708-019B960494DF}">
-                <a14:hiddenLine xmlns:a14="http://schemas.microsoft.com/office/drawing/2010/main" xmlns="" w="9525">
+                <a14:hiddenLine xmlns="" xmlns:a14="http://schemas.microsoft.com/office/drawing/2010/main" w="9525">
                   <a:solidFill>
                     <a:srgbClr val="000000"/>
                   </a:solidFill>
@@ -3029,7 +3029,7 @@
             </a:ln>
             <a:extLst>
               <a:ext uri="{91240B29-F687-4f45-9708-019B960494DF}">
-                <a14:hiddenLine xmlns:a14="http://schemas.microsoft.com/office/drawing/2010/main" xmlns="" w="9525">
+                <a14:hiddenLine xmlns="" xmlns:a14="http://schemas.microsoft.com/office/drawing/2010/main" w="9525">
                   <a:solidFill>
                     <a:srgbClr val="000000"/>
                   </a:solidFill>
@@ -3119,7 +3119,7 @@
             </a:ln>
             <a:extLst>
               <a:ext uri="{91240B29-F687-4f45-9708-019B960494DF}">
-                <a14:hiddenLine xmlns:a14="http://schemas.microsoft.com/office/drawing/2010/main" xmlns="" w="9525">
+                <a14:hiddenLine xmlns="" xmlns:a14="http://schemas.microsoft.com/office/drawing/2010/main" w="9525">
                   <a:solidFill>
                     <a:srgbClr val="000000"/>
                   </a:solidFill>
@@ -3187,7 +3187,7 @@
             </a:ln>
             <a:extLst>
               <a:ext uri="{91240B29-F687-4f45-9708-019B960494DF}">
-                <a14:hiddenLine xmlns:a14="http://schemas.microsoft.com/office/drawing/2010/main" xmlns="" w="9525">
+                <a14:hiddenLine xmlns="" xmlns:a14="http://schemas.microsoft.com/office/drawing/2010/main" w="9525">
                   <a:solidFill>
                     <a:srgbClr val="000000"/>
                   </a:solidFill>
@@ -3249,7 +3249,7 @@
             </a:ln>
             <a:extLst>
               <a:ext uri="{91240B29-F687-4f45-9708-019B960494DF}">
-                <a14:hiddenLine xmlns:a14="http://schemas.microsoft.com/office/drawing/2010/main" xmlns="" w="9525">
+                <a14:hiddenLine xmlns="" xmlns:a14="http://schemas.microsoft.com/office/drawing/2010/main" w="9525">
                   <a:solidFill>
                     <a:srgbClr val="000000"/>
                   </a:solidFill>
@@ -3339,7 +3339,7 @@
             </a:ln>
             <a:extLst>
               <a:ext uri="{91240B29-F687-4f45-9708-019B960494DF}">
-                <a14:hiddenLine xmlns:a14="http://schemas.microsoft.com/office/drawing/2010/main" xmlns="" w="9525">
+                <a14:hiddenLine xmlns="" xmlns:a14="http://schemas.microsoft.com/office/drawing/2010/main" w="9525">
                   <a:solidFill>
                     <a:srgbClr val="000000"/>
                   </a:solidFill>
@@ -3401,7 +3401,7 @@
             </a:ln>
             <a:extLst>
               <a:ext uri="{91240B29-F687-4f45-9708-019B960494DF}">
-                <a14:hiddenLine xmlns:a14="http://schemas.microsoft.com/office/drawing/2010/main" xmlns="" w="9525">
+                <a14:hiddenLine xmlns="" xmlns:a14="http://schemas.microsoft.com/office/drawing/2010/main" w="9525">
                   <a:solidFill>
                     <a:srgbClr val="000000"/>
                   </a:solidFill>
@@ -3491,7 +3491,7 @@
             </a:ln>
             <a:extLst>
               <a:ext uri="{91240B29-F687-4f45-9708-019B960494DF}">
-                <a14:hiddenLine xmlns:a14="http://schemas.microsoft.com/office/drawing/2010/main" xmlns="" w="9525">
+                <a14:hiddenLine xmlns="" xmlns:a14="http://schemas.microsoft.com/office/drawing/2010/main" w="9525">
                   <a:solidFill>
                     <a:srgbClr val="000000"/>
                   </a:solidFill>
@@ -3553,7 +3553,7 @@
             </a:ln>
             <a:extLst>
               <a:ext uri="{91240B29-F687-4f45-9708-019B960494DF}">
-                <a14:hiddenLine xmlns:a14="http://schemas.microsoft.com/office/drawing/2010/main" xmlns="" w="9525">
+                <a14:hiddenLine xmlns="" xmlns:a14="http://schemas.microsoft.com/office/drawing/2010/main" w="9525">
                   <a:solidFill>
                     <a:srgbClr val="000000"/>
                   </a:solidFill>
@@ -3643,7 +3643,7 @@
             </a:ln>
             <a:extLst>
               <a:ext uri="{91240B29-F687-4f45-9708-019B960494DF}">
-                <a14:hiddenLine xmlns:a14="http://schemas.microsoft.com/office/drawing/2010/main" xmlns="" w="9525">
+                <a14:hiddenLine xmlns="" xmlns:a14="http://schemas.microsoft.com/office/drawing/2010/main" w="9525">
                   <a:solidFill>
                     <a:srgbClr val="000000"/>
                   </a:solidFill>
@@ -3677,7 +3677,7 @@
             </a:ln>
             <a:extLst>
               <a:ext uri="{91240B29-F687-4f45-9708-019B960494DF}">
-                <a14:hiddenLine xmlns:a14="http://schemas.microsoft.com/office/drawing/2010/main" xmlns="" w="9525">
+                <a14:hiddenLine xmlns="" xmlns:a14="http://schemas.microsoft.com/office/drawing/2010/main" w="9525">
                   <a:solidFill>
                     <a:srgbClr val="000000"/>
                   </a:solidFill>
@@ -3742,7 +3742,7 @@
             </a:ln>
             <a:extLst>
               <a:ext uri="{91240B29-F687-4f45-9708-019B960494DF}">
-                <a14:hiddenLine xmlns:a14="http://schemas.microsoft.com/office/drawing/2010/main" xmlns="" w="9525">
+                <a14:hiddenLine xmlns="" xmlns:a14="http://schemas.microsoft.com/office/drawing/2010/main" w="9525">
                   <a:solidFill>
                     <a:srgbClr val="000000"/>
                   </a:solidFill>
@@ -3832,7 +3832,7 @@
             </a:ln>
             <a:extLst>
               <a:ext uri="{91240B29-F687-4f45-9708-019B960494DF}">
-                <a14:hiddenLine xmlns:a14="http://schemas.microsoft.com/office/drawing/2010/main" xmlns="" w="9525">
+                <a14:hiddenLine xmlns="" xmlns:a14="http://schemas.microsoft.com/office/drawing/2010/main" w="9525">
                   <a:solidFill>
                     <a:srgbClr val="000000"/>
                   </a:solidFill>
@@ -3894,7 +3894,7 @@
             </a:ln>
             <a:extLst>
               <a:ext uri="{91240B29-F687-4f45-9708-019B960494DF}">
-                <a14:hiddenLine xmlns:a14="http://schemas.microsoft.com/office/drawing/2010/main" xmlns="" w="9525">
+                <a14:hiddenLine xmlns="" xmlns:a14="http://schemas.microsoft.com/office/drawing/2010/main" w="9525">
                   <a:solidFill>
                     <a:srgbClr val="000000"/>
                   </a:solidFill>
@@ -3984,7 +3984,7 @@
             </a:ln>
             <a:extLst>
               <a:ext uri="{91240B29-F687-4f45-9708-019B960494DF}">
-                <a14:hiddenLine xmlns:a14="http://schemas.microsoft.com/office/drawing/2010/main" xmlns="" w="9525">
+                <a14:hiddenLine xmlns="" xmlns:a14="http://schemas.microsoft.com/office/drawing/2010/main" w="9525">
                   <a:solidFill>
                     <a:srgbClr val="000000"/>
                   </a:solidFill>
@@ -4074,7 +4074,7 @@
             </a:ln>
             <a:extLst>
               <a:ext uri="{91240B29-F687-4f45-9708-019B960494DF}">
-                <a14:hiddenLine xmlns:a14="http://schemas.microsoft.com/office/drawing/2010/main" xmlns="" w="9525">
+                <a14:hiddenLine xmlns="" xmlns:a14="http://schemas.microsoft.com/office/drawing/2010/main" w="9525">
                   <a:solidFill>
                     <a:srgbClr val="000000"/>
                   </a:solidFill>
@@ -4139,7 +4139,7 @@
             </a:ln>
             <a:extLst>
               <a:ext uri="{91240B29-F687-4f45-9708-019B960494DF}">
-                <a14:hiddenLine xmlns:a14="http://schemas.microsoft.com/office/drawing/2010/main" xmlns="" w="9525">
+                <a14:hiddenLine xmlns="" xmlns:a14="http://schemas.microsoft.com/office/drawing/2010/main" w="9525">
                   <a:solidFill>
                     <a:srgbClr val="000000"/>
                   </a:solidFill>
@@ -4201,7 +4201,7 @@
             </a:ln>
             <a:extLst>
               <a:ext uri="{91240B29-F687-4f45-9708-019B960494DF}">
-                <a14:hiddenLine xmlns:a14="http://schemas.microsoft.com/office/drawing/2010/main" xmlns="" w="9525">
+                <a14:hiddenLine xmlns="" xmlns:a14="http://schemas.microsoft.com/office/drawing/2010/main" w="9525">
                   <a:solidFill>
                     <a:srgbClr val="000000"/>
                   </a:solidFill>
@@ -4291,7 +4291,7 @@
             </a:ln>
             <a:extLst>
               <a:ext uri="{91240B29-F687-4f45-9708-019B960494DF}">
-                <a14:hiddenLine xmlns:a14="http://schemas.microsoft.com/office/drawing/2010/main" xmlns="" w="9525">
+                <a14:hiddenLine xmlns="" xmlns:a14="http://schemas.microsoft.com/office/drawing/2010/main" w="9525">
                   <a:solidFill>
                     <a:srgbClr val="000000"/>
                   </a:solidFill>
@@ -4381,7 +4381,7 @@
             </a:ln>
             <a:extLst>
               <a:ext uri="{91240B29-F687-4f45-9708-019B960494DF}">
-                <a14:hiddenLine xmlns:a14="http://schemas.microsoft.com/office/drawing/2010/main" xmlns="" w="9525">
+                <a14:hiddenLine xmlns="" xmlns:a14="http://schemas.microsoft.com/office/drawing/2010/main" w="9525">
                   <a:solidFill>
                     <a:srgbClr val="000000"/>
                   </a:solidFill>
@@ -4443,7 +4443,7 @@
             </a:ln>
             <a:extLst>
               <a:ext uri="{91240B29-F687-4f45-9708-019B960494DF}">
-                <a14:hiddenLine xmlns:a14="http://schemas.microsoft.com/office/drawing/2010/main" xmlns="" w="9525">
+                <a14:hiddenLine xmlns="" xmlns:a14="http://schemas.microsoft.com/office/drawing/2010/main" w="9525">
                   <a:solidFill>
                     <a:srgbClr val="000000"/>
                   </a:solidFill>
@@ -4563,7 +4563,7 @@
             </a:ln>
             <a:extLst>
               <a:ext uri="{91240B29-F687-4f45-9708-019B960494DF}">
-                <a14:hiddenLine xmlns:a14="http://schemas.microsoft.com/office/drawing/2010/main" xmlns="" w="9525">
+                <a14:hiddenLine xmlns="" xmlns:a14="http://schemas.microsoft.com/office/drawing/2010/main" w="9525">
                   <a:solidFill>
                     <a:srgbClr val="000000"/>
                   </a:solidFill>
@@ -4631,7 +4631,7 @@
             </a:ln>
             <a:extLst>
               <a:ext uri="{91240B29-F687-4f45-9708-019B960494DF}">
-                <a14:hiddenLine xmlns:a14="http://schemas.microsoft.com/office/drawing/2010/main" xmlns="" w="9525">
+                <a14:hiddenLine xmlns="" xmlns:a14="http://schemas.microsoft.com/office/drawing/2010/main" w="9525">
                   <a:solidFill>
                     <a:srgbClr val="000000"/>
                   </a:solidFill>
@@ -4721,7 +4721,7 @@
             </a:ln>
             <a:extLst>
               <a:ext uri="{91240B29-F687-4f45-9708-019B960494DF}">
-                <a14:hiddenLine xmlns:a14="http://schemas.microsoft.com/office/drawing/2010/main" xmlns="" w="9525">
+                <a14:hiddenLine xmlns="" xmlns:a14="http://schemas.microsoft.com/office/drawing/2010/main" w="9525">
                   <a:solidFill>
                     <a:srgbClr val="000000"/>
                   </a:solidFill>
@@ -4861,7 +4861,7 @@
           <a:p>
             <a:fld id="{EC4347D3-4C9A-C240-8F14-750059DFEEB0}" type="datetimeFigureOut">
               <a:rPr lang="en-US" smtClean="0"/>
-              <a:t>1/17/24</a:t>
+              <a:t>1/23/24</a:t>
             </a:fld>
             <a:endParaRPr lang="en-US"/>
           </a:p>
@@ -5128,7 +5128,7 @@
           <a:p>
             <a:fld id="{EC4347D3-4C9A-C240-8F14-750059DFEEB0}" type="datetimeFigureOut">
               <a:rPr lang="en-US" smtClean="0"/>
-              <a:t>1/17/24</a:t>
+              <a:t>1/23/24</a:t>
             </a:fld>
             <a:endParaRPr lang="en-US"/>
           </a:p>
@@ -5324,7 +5324,7 @@
           <a:p>
             <a:fld id="{EC4347D3-4C9A-C240-8F14-750059DFEEB0}" type="datetimeFigureOut">
               <a:rPr lang="en-US" smtClean="0"/>
-              <a:t>1/17/24</a:t>
+              <a:t>1/23/24</a:t>
             </a:fld>
             <a:endParaRPr lang="en-US"/>
           </a:p>
@@ -5587,7 +5587,7 @@
           <a:p>
             <a:fld id="{EC4347D3-4C9A-C240-8F14-750059DFEEB0}" type="datetimeFigureOut">
               <a:rPr lang="en-US" smtClean="0"/>
-              <a:t>1/17/24</a:t>
+              <a:t>1/23/24</a:t>
             </a:fld>
             <a:endParaRPr lang="en-US"/>
           </a:p>
@@ -6021,7 +6021,7 @@
           <a:p>
             <a:fld id="{EC4347D3-4C9A-C240-8F14-750059DFEEB0}" type="datetimeFigureOut">
               <a:rPr lang="en-US" smtClean="0"/>
-              <a:t>1/17/24</a:t>
+              <a:t>1/23/24</a:t>
             </a:fld>
             <a:endParaRPr lang="en-US"/>
           </a:p>
@@ -6567,7 +6567,7 @@
           <a:p>
             <a:fld id="{EC4347D3-4C9A-C240-8F14-750059DFEEB0}" type="datetimeFigureOut">
               <a:rPr lang="en-US" smtClean="0"/>
-              <a:t>1/17/24</a:t>
+              <a:t>1/23/24</a:t>
             </a:fld>
             <a:endParaRPr lang="en-US"/>
           </a:p>
@@ -7287,7 +7287,7 @@
           <a:p>
             <a:fld id="{EC4347D3-4C9A-C240-8F14-750059DFEEB0}" type="datetimeFigureOut">
               <a:rPr lang="en-US" smtClean="0"/>
-              <a:t>1/17/24</a:t>
+              <a:t>1/23/24</a:t>
             </a:fld>
             <a:endParaRPr lang="en-US"/>
           </a:p>
@@ -7457,7 +7457,7 @@
           <a:p>
             <a:fld id="{EC4347D3-4C9A-C240-8F14-750059DFEEB0}" type="datetimeFigureOut">
               <a:rPr lang="en-US" smtClean="0"/>
-              <a:t>1/17/24</a:t>
+              <a:t>1/23/24</a:t>
             </a:fld>
             <a:endParaRPr lang="en-US"/>
           </a:p>
@@ -7637,7 +7637,7 @@
           <a:p>
             <a:fld id="{EC4347D3-4C9A-C240-8F14-750059DFEEB0}" type="datetimeFigureOut">
               <a:rPr lang="en-US" smtClean="0"/>
-              <a:t>1/17/24</a:t>
+              <a:t>1/23/24</a:t>
             </a:fld>
             <a:endParaRPr lang="en-US"/>
           </a:p>
@@ -7807,7 +7807,7 @@
           <a:p>
             <a:fld id="{EC4347D3-4C9A-C240-8F14-750059DFEEB0}" type="datetimeFigureOut">
               <a:rPr lang="en-US" smtClean="0"/>
-              <a:t>1/17/24</a:t>
+              <a:t>1/23/24</a:t>
             </a:fld>
             <a:endParaRPr lang="en-US"/>
           </a:p>
@@ -8057,7 +8057,7 @@
           <a:p>
             <a:fld id="{EC4347D3-4C9A-C240-8F14-750059DFEEB0}" type="datetimeFigureOut">
               <a:rPr lang="en-US" smtClean="0"/>
-              <a:t>1/17/24</a:t>
+              <a:t>1/23/24</a:t>
             </a:fld>
             <a:endParaRPr lang="en-US"/>
           </a:p>
@@ -8289,7 +8289,7 @@
           <a:p>
             <a:fld id="{EC4347D3-4C9A-C240-8F14-750059DFEEB0}" type="datetimeFigureOut">
               <a:rPr lang="en-US" smtClean="0"/>
-              <a:t>1/17/24</a:t>
+              <a:t>1/23/24</a:t>
             </a:fld>
             <a:endParaRPr lang="en-US"/>
           </a:p>
@@ -8675,7 +8675,7 @@
           <a:p>
             <a:fld id="{EC4347D3-4C9A-C240-8F14-750059DFEEB0}" type="datetimeFigureOut">
               <a:rPr lang="en-US" smtClean="0"/>
-              <a:t>1/17/24</a:t>
+              <a:t>1/23/24</a:t>
             </a:fld>
             <a:endParaRPr lang="en-US"/>
           </a:p>
@@ -8798,7 +8798,7 @@
           <a:p>
             <a:fld id="{EC4347D3-4C9A-C240-8F14-750059DFEEB0}" type="datetimeFigureOut">
               <a:rPr lang="en-US" smtClean="0"/>
-              <a:t>1/17/24</a:t>
+              <a:t>1/23/24</a:t>
             </a:fld>
             <a:endParaRPr lang="en-US"/>
           </a:p>
@@ -8893,7 +8893,7 @@
           <a:p>
             <a:fld id="{EC4347D3-4C9A-C240-8F14-750059DFEEB0}" type="datetimeFigureOut">
               <a:rPr lang="en-US" smtClean="0"/>
-              <a:t>1/17/24</a:t>
+              <a:t>1/23/24</a:t>
             </a:fld>
             <a:endParaRPr lang="en-US"/>
           </a:p>
@@ -9142,7 +9142,7 @@
           <a:p>
             <a:fld id="{EC4347D3-4C9A-C240-8F14-750059DFEEB0}" type="datetimeFigureOut">
               <a:rPr lang="en-US" smtClean="0"/>
-              <a:t>1/17/24</a:t>
+              <a:t>1/23/24</a:t>
             </a:fld>
             <a:endParaRPr lang="en-US"/>
           </a:p>
@@ -9427,7 +9427,7 @@
           <a:p>
             <a:fld id="{EC4347D3-4C9A-C240-8F14-750059DFEEB0}" type="datetimeFigureOut">
               <a:rPr lang="en-US" smtClean="0"/>
-              <a:t>1/17/24</a:t>
+              <a:t>1/23/24</a:t>
             </a:fld>
             <a:endParaRPr lang="en-US"/>
           </a:p>
@@ -9550,7 +9550,7 @@
           <a:noFill/>
           <a:extLst>
             <a:ext uri="{909E8E84-426E-40dd-AFC4-6F175D3DCCD1}">
-              <a14:hiddenFill xmlns:a14="http://schemas.microsoft.com/office/drawing/2010/main" xmlns="">
+              <a14:hiddenFill xmlns="" xmlns:a14="http://schemas.microsoft.com/office/drawing/2010/main">
                 <a:solidFill>
                   <a:srgbClr val="FFFFFF"/>
                 </a:solidFill>
@@ -9624,7 +9624,7 @@
               </a:ln>
               <a:extLst>
                 <a:ext uri="{91240B29-F687-4f45-9708-019B960494DF}">
-                  <a14:hiddenLine xmlns:a14="http://schemas.microsoft.com/office/drawing/2010/main" xmlns="" w="9525">
+                  <a14:hiddenLine xmlns="" xmlns:a14="http://schemas.microsoft.com/office/drawing/2010/main" w="9525">
                     <a:solidFill>
                       <a:srgbClr val="000000"/>
                     </a:solidFill>
@@ -9714,7 +9714,7 @@
               </a:ln>
               <a:extLst>
                 <a:ext uri="{91240B29-F687-4f45-9708-019B960494DF}">
-                  <a14:hiddenLine xmlns:a14="http://schemas.microsoft.com/office/drawing/2010/main" xmlns="" w="9525">
+                  <a14:hiddenLine xmlns="" xmlns:a14="http://schemas.microsoft.com/office/drawing/2010/main" w="9525">
                     <a:solidFill>
                       <a:srgbClr val="000000"/>
                     </a:solidFill>
@@ -9804,7 +9804,7 @@
               </a:ln>
               <a:extLst>
                 <a:ext uri="{91240B29-F687-4f45-9708-019B960494DF}">
-                  <a14:hiddenLine xmlns:a14="http://schemas.microsoft.com/office/drawing/2010/main" xmlns="" w="9525">
+                  <a14:hiddenLine xmlns="" xmlns:a14="http://schemas.microsoft.com/office/drawing/2010/main" w="9525">
                     <a:solidFill>
                       <a:srgbClr val="000000"/>
                     </a:solidFill>
@@ -9866,7 +9866,7 @@
               </a:ln>
               <a:extLst>
                 <a:ext uri="{91240B29-F687-4f45-9708-019B960494DF}">
-                  <a14:hiddenLine xmlns:a14="http://schemas.microsoft.com/office/drawing/2010/main" xmlns="" w="9525">
+                  <a14:hiddenLine xmlns="" xmlns:a14="http://schemas.microsoft.com/office/drawing/2010/main" w="9525">
                     <a:solidFill>
                       <a:srgbClr val="000000"/>
                     </a:solidFill>
@@ -9956,7 +9956,7 @@
               </a:ln>
               <a:extLst>
                 <a:ext uri="{91240B29-F687-4f45-9708-019B960494DF}">
-                  <a14:hiddenLine xmlns:a14="http://schemas.microsoft.com/office/drawing/2010/main" xmlns="" w="9525">
+                  <a14:hiddenLine xmlns="" xmlns:a14="http://schemas.microsoft.com/office/drawing/2010/main" w="9525">
                     <a:solidFill>
                       <a:srgbClr val="000000"/>
                     </a:solidFill>
@@ -10018,7 +10018,7 @@
               </a:ln>
               <a:extLst>
                 <a:ext uri="{91240B29-F687-4f45-9708-019B960494DF}">
-                  <a14:hiddenLine xmlns:a14="http://schemas.microsoft.com/office/drawing/2010/main" xmlns="" w="9525">
+                  <a14:hiddenLine xmlns="" xmlns:a14="http://schemas.microsoft.com/office/drawing/2010/main" w="9525">
                     <a:solidFill>
                       <a:srgbClr val="000000"/>
                     </a:solidFill>
@@ -10080,7 +10080,7 @@
               </a:ln>
               <a:extLst>
                 <a:ext uri="{91240B29-F687-4f45-9708-019B960494DF}">
-                  <a14:hiddenLine xmlns:a14="http://schemas.microsoft.com/office/drawing/2010/main" xmlns="" w="9525">
+                  <a14:hiddenLine xmlns="" xmlns:a14="http://schemas.microsoft.com/office/drawing/2010/main" w="9525">
                     <a:solidFill>
                       <a:srgbClr val="000000"/>
                     </a:solidFill>
@@ -10170,7 +10170,7 @@
               </a:ln>
               <a:extLst>
                 <a:ext uri="{91240B29-F687-4f45-9708-019B960494DF}">
-                  <a14:hiddenLine xmlns:a14="http://schemas.microsoft.com/office/drawing/2010/main" xmlns="" w="9525">
+                  <a14:hiddenLine xmlns="" xmlns:a14="http://schemas.microsoft.com/office/drawing/2010/main" w="9525">
                     <a:solidFill>
                       <a:srgbClr val="000000"/>
                     </a:solidFill>
@@ -10260,7 +10260,7 @@
               </a:ln>
               <a:extLst>
                 <a:ext uri="{91240B29-F687-4f45-9708-019B960494DF}">
-                  <a14:hiddenLine xmlns:a14="http://schemas.microsoft.com/office/drawing/2010/main" xmlns="" w="9525">
+                  <a14:hiddenLine xmlns="" xmlns:a14="http://schemas.microsoft.com/office/drawing/2010/main" w="9525">
                     <a:solidFill>
                       <a:srgbClr val="000000"/>
                     </a:solidFill>
@@ -10322,7 +10322,7 @@
               </a:ln>
               <a:extLst>
                 <a:ext uri="{91240B29-F687-4f45-9708-019B960494DF}">
-                  <a14:hiddenLine xmlns:a14="http://schemas.microsoft.com/office/drawing/2010/main" xmlns="" w="9525">
+                  <a14:hiddenLine xmlns="" xmlns:a14="http://schemas.microsoft.com/office/drawing/2010/main" w="9525">
                     <a:solidFill>
                       <a:srgbClr val="000000"/>
                     </a:solidFill>
@@ -10432,7 +10432,7 @@
               </a:ln>
               <a:extLst>
                 <a:ext uri="{91240B29-F687-4f45-9708-019B960494DF}">
-                  <a14:hiddenLine xmlns:a14="http://schemas.microsoft.com/office/drawing/2010/main" xmlns="" w="9525">
+                  <a14:hiddenLine xmlns="" xmlns:a14="http://schemas.microsoft.com/office/drawing/2010/main" w="9525">
                     <a:solidFill>
                       <a:srgbClr val="000000"/>
                     </a:solidFill>
@@ -10516,7 +10516,7 @@
               </a:ln>
               <a:extLst>
                 <a:ext uri="{91240B29-F687-4f45-9708-019B960494DF}">
-                  <a14:hiddenLine xmlns:a14="http://schemas.microsoft.com/office/drawing/2010/main" xmlns="" w="9525">
+                  <a14:hiddenLine xmlns="" xmlns:a14="http://schemas.microsoft.com/office/drawing/2010/main" w="9525">
                     <a:solidFill>
                       <a:srgbClr val="000000"/>
                     </a:solidFill>
@@ -10578,7 +10578,7 @@
               </a:ln>
               <a:extLst>
                 <a:ext uri="{91240B29-F687-4f45-9708-019B960494DF}">
-                  <a14:hiddenLine xmlns:a14="http://schemas.microsoft.com/office/drawing/2010/main" xmlns="" w="9525">
+                  <a14:hiddenLine xmlns="" xmlns:a14="http://schemas.microsoft.com/office/drawing/2010/main" w="9525">
                     <a:solidFill>
                       <a:srgbClr val="000000"/>
                     </a:solidFill>
@@ -10640,7 +10640,7 @@
               </a:ln>
               <a:extLst>
                 <a:ext uri="{91240B29-F687-4f45-9708-019B960494DF}">
-                  <a14:hiddenLine xmlns:a14="http://schemas.microsoft.com/office/drawing/2010/main" xmlns="" w="9525">
+                  <a14:hiddenLine xmlns="" xmlns:a14="http://schemas.microsoft.com/office/drawing/2010/main" w="9525">
                     <a:solidFill>
                       <a:srgbClr val="000000"/>
                     </a:solidFill>
@@ -10730,7 +10730,7 @@
               </a:ln>
               <a:extLst>
                 <a:ext uri="{91240B29-F687-4f45-9708-019B960494DF}">
-                  <a14:hiddenLine xmlns:a14="http://schemas.microsoft.com/office/drawing/2010/main" xmlns="" w="9525">
+                  <a14:hiddenLine xmlns="" xmlns:a14="http://schemas.microsoft.com/office/drawing/2010/main" w="9525">
                     <a:solidFill>
                       <a:srgbClr val="000000"/>
                     </a:solidFill>
@@ -10764,7 +10764,7 @@
               </a:ln>
               <a:extLst>
                 <a:ext uri="{91240B29-F687-4f45-9708-019B960494DF}">
-                  <a14:hiddenLine xmlns:a14="http://schemas.microsoft.com/office/drawing/2010/main" xmlns="" w="9525">
+                  <a14:hiddenLine xmlns="" xmlns:a14="http://schemas.microsoft.com/office/drawing/2010/main" w="9525">
                     <a:solidFill>
                       <a:srgbClr val="000000"/>
                     </a:solidFill>
@@ -10829,7 +10829,7 @@
               </a:ln>
               <a:extLst>
                 <a:ext uri="{91240B29-F687-4f45-9708-019B960494DF}">
-                  <a14:hiddenLine xmlns:a14="http://schemas.microsoft.com/office/drawing/2010/main" xmlns="" w="9525">
+                  <a14:hiddenLine xmlns="" xmlns:a14="http://schemas.microsoft.com/office/drawing/2010/main" w="9525">
                     <a:solidFill>
                       <a:srgbClr val="000000"/>
                     </a:solidFill>
@@ -10919,7 +10919,7 @@
               </a:ln>
               <a:extLst>
                 <a:ext uri="{91240B29-F687-4f45-9708-019B960494DF}">
-                  <a14:hiddenLine xmlns:a14="http://schemas.microsoft.com/office/drawing/2010/main" xmlns="" w="9525">
+                  <a14:hiddenLine xmlns="" xmlns:a14="http://schemas.microsoft.com/office/drawing/2010/main" w="9525">
                     <a:solidFill>
                       <a:srgbClr val="000000"/>
                     </a:solidFill>
@@ -10981,7 +10981,7 @@
               </a:ln>
               <a:extLst>
                 <a:ext uri="{91240B29-F687-4f45-9708-019B960494DF}">
-                  <a14:hiddenLine xmlns:a14="http://schemas.microsoft.com/office/drawing/2010/main" xmlns="" w="9525">
+                  <a14:hiddenLine xmlns="" xmlns:a14="http://schemas.microsoft.com/office/drawing/2010/main" w="9525">
                     <a:solidFill>
                       <a:srgbClr val="000000"/>
                     </a:solidFill>
@@ -11071,7 +11071,7 @@
               </a:ln>
               <a:extLst>
                 <a:ext uri="{91240B29-F687-4f45-9708-019B960494DF}">
-                  <a14:hiddenLine xmlns:a14="http://schemas.microsoft.com/office/drawing/2010/main" xmlns="" w="9525">
+                  <a14:hiddenLine xmlns="" xmlns:a14="http://schemas.microsoft.com/office/drawing/2010/main" w="9525">
                     <a:solidFill>
                       <a:srgbClr val="000000"/>
                     </a:solidFill>
@@ -11136,7 +11136,7 @@
               </a:ln>
               <a:extLst>
                 <a:ext uri="{91240B29-F687-4f45-9708-019B960494DF}">
-                  <a14:hiddenLine xmlns:a14="http://schemas.microsoft.com/office/drawing/2010/main" xmlns="" w="9525">
+                  <a14:hiddenLine xmlns="" xmlns:a14="http://schemas.microsoft.com/office/drawing/2010/main" w="9525">
                     <a:solidFill>
                       <a:srgbClr val="000000"/>
                     </a:solidFill>
@@ -11198,7 +11198,7 @@
               </a:ln>
               <a:extLst>
                 <a:ext uri="{91240B29-F687-4f45-9708-019B960494DF}">
-                  <a14:hiddenLine xmlns:a14="http://schemas.microsoft.com/office/drawing/2010/main" xmlns="" w="9525">
+                  <a14:hiddenLine xmlns="" xmlns:a14="http://schemas.microsoft.com/office/drawing/2010/main" w="9525">
                     <a:solidFill>
                       <a:srgbClr val="000000"/>
                     </a:solidFill>
@@ -11288,7 +11288,7 @@
               </a:ln>
               <a:extLst>
                 <a:ext uri="{91240B29-F687-4f45-9708-019B960494DF}">
-                  <a14:hiddenLine xmlns:a14="http://schemas.microsoft.com/office/drawing/2010/main" xmlns="" w="9525">
+                  <a14:hiddenLine xmlns="" xmlns:a14="http://schemas.microsoft.com/office/drawing/2010/main" w="9525">
                     <a:solidFill>
                       <a:srgbClr val="000000"/>
                     </a:solidFill>
@@ -11378,7 +11378,7 @@
               </a:ln>
               <a:extLst>
                 <a:ext uri="{91240B29-F687-4f45-9708-019B960494DF}">
-                  <a14:hiddenLine xmlns:a14="http://schemas.microsoft.com/office/drawing/2010/main" xmlns="" w="9525">
+                  <a14:hiddenLine xmlns="" xmlns:a14="http://schemas.microsoft.com/office/drawing/2010/main" w="9525">
                     <a:solidFill>
                       <a:srgbClr val="000000"/>
                     </a:solidFill>
@@ -11443,7 +11443,7 @@
               </a:ln>
               <a:extLst>
                 <a:ext uri="{91240B29-F687-4f45-9708-019B960494DF}">
-                  <a14:hiddenLine xmlns:a14="http://schemas.microsoft.com/office/drawing/2010/main" xmlns="" w="9525">
+                  <a14:hiddenLine xmlns="" xmlns:a14="http://schemas.microsoft.com/office/drawing/2010/main" w="9525">
                     <a:solidFill>
                       <a:srgbClr val="000000"/>
                     </a:solidFill>
@@ -11563,7 +11563,7 @@
               </a:ln>
               <a:extLst>
                 <a:ext uri="{91240B29-F687-4f45-9708-019B960494DF}">
-                  <a14:hiddenLine xmlns:a14="http://schemas.microsoft.com/office/drawing/2010/main" xmlns="" w="9525">
+                  <a14:hiddenLine xmlns="" xmlns:a14="http://schemas.microsoft.com/office/drawing/2010/main" w="9525">
                     <a:solidFill>
                       <a:srgbClr val="000000"/>
                     </a:solidFill>
@@ -11644,7 +11644,7 @@
               </a:ln>
               <a:extLst>
                 <a:ext uri="{91240B29-F687-4f45-9708-019B960494DF}">
-                  <a14:hiddenLine xmlns:a14="http://schemas.microsoft.com/office/drawing/2010/main" xmlns="" w="9525">
+                  <a14:hiddenLine xmlns="" xmlns:a14="http://schemas.microsoft.com/office/drawing/2010/main" w="9525">
                     <a:solidFill>
                       <a:srgbClr val="000000"/>
                     </a:solidFill>
@@ -11759,7 +11759,7 @@
               </a:ln>
               <a:extLst>
                 <a:ext uri="{91240B29-F687-4f45-9708-019B960494DF}">
-                  <a14:hiddenLine xmlns:a14="http://schemas.microsoft.com/office/drawing/2010/main" xmlns="" w="9525">
+                  <a14:hiddenLine xmlns="" xmlns:a14="http://schemas.microsoft.com/office/drawing/2010/main" w="9525">
                     <a:solidFill>
                       <a:srgbClr val="000000"/>
                     </a:solidFill>
@@ -11849,7 +11849,7 @@
               </a:ln>
               <a:extLst>
                 <a:ext uri="{91240B29-F687-4f45-9708-019B960494DF}">
-                  <a14:hiddenLine xmlns:a14="http://schemas.microsoft.com/office/drawing/2010/main" xmlns="" w="9525">
+                  <a14:hiddenLine xmlns="" xmlns:a14="http://schemas.microsoft.com/office/drawing/2010/main" w="9525">
                     <a:solidFill>
                       <a:srgbClr val="000000"/>
                     </a:solidFill>
@@ -11914,7 +11914,7 @@
               </a:ln>
               <a:extLst>
                 <a:ext uri="{91240B29-F687-4f45-9708-019B960494DF}">
-                  <a14:hiddenLine xmlns:a14="http://schemas.microsoft.com/office/drawing/2010/main" xmlns="" w="9525">
+                  <a14:hiddenLine xmlns="" xmlns:a14="http://schemas.microsoft.com/office/drawing/2010/main" w="9525">
                     <a:solidFill>
                       <a:srgbClr val="000000"/>
                     </a:solidFill>
@@ -12004,7 +12004,7 @@
               </a:ln>
               <a:extLst>
                 <a:ext uri="{91240B29-F687-4f45-9708-019B960494DF}">
-                  <a14:hiddenLine xmlns:a14="http://schemas.microsoft.com/office/drawing/2010/main" xmlns="" w="9525">
+                  <a14:hiddenLine xmlns="" xmlns:a14="http://schemas.microsoft.com/office/drawing/2010/main" w="9525">
                     <a:solidFill>
                       <a:srgbClr val="000000"/>
                     </a:solidFill>
@@ -12072,7 +12072,7 @@
               </a:ln>
               <a:extLst>
                 <a:ext uri="{91240B29-F687-4f45-9708-019B960494DF}">
-                  <a14:hiddenLine xmlns:a14="http://schemas.microsoft.com/office/drawing/2010/main" xmlns="" w="9525">
+                  <a14:hiddenLine xmlns="" xmlns:a14="http://schemas.microsoft.com/office/drawing/2010/main" w="9525">
                     <a:solidFill>
                       <a:srgbClr val="000000"/>
                     </a:solidFill>
@@ -12162,7 +12162,7 @@
               </a:ln>
               <a:extLst>
                 <a:ext uri="{91240B29-F687-4f45-9708-019B960494DF}">
-                  <a14:hiddenLine xmlns:a14="http://schemas.microsoft.com/office/drawing/2010/main" xmlns="" w="9525">
+                  <a14:hiddenLine xmlns="" xmlns:a14="http://schemas.microsoft.com/office/drawing/2010/main" w="9525">
                     <a:solidFill>
                       <a:srgbClr val="000000"/>
                     </a:solidFill>
@@ -12230,7 +12230,7 @@
               </a:ln>
               <a:extLst>
                 <a:ext uri="{91240B29-F687-4f45-9708-019B960494DF}">
-                  <a14:hiddenLine xmlns:a14="http://schemas.microsoft.com/office/drawing/2010/main" xmlns="" w="9525">
+                  <a14:hiddenLine xmlns="" xmlns:a14="http://schemas.microsoft.com/office/drawing/2010/main" w="9525">
                     <a:solidFill>
                       <a:srgbClr val="000000"/>
                     </a:solidFill>
@@ -12320,7 +12320,7 @@
               </a:ln>
               <a:extLst>
                 <a:ext uri="{91240B29-F687-4f45-9708-019B960494DF}">
-                  <a14:hiddenLine xmlns:a14="http://schemas.microsoft.com/office/drawing/2010/main" xmlns="" w="9525">
+                  <a14:hiddenLine xmlns="" xmlns:a14="http://schemas.microsoft.com/office/drawing/2010/main" w="9525">
                     <a:solidFill>
                       <a:srgbClr val="000000"/>
                     </a:solidFill>
@@ -12354,7 +12354,7 @@
               </a:ln>
               <a:extLst>
                 <a:ext uri="{91240B29-F687-4f45-9708-019B960494DF}">
-                  <a14:hiddenLine xmlns:a14="http://schemas.microsoft.com/office/drawing/2010/main" xmlns="" w="9525">
+                  <a14:hiddenLine xmlns="" xmlns:a14="http://schemas.microsoft.com/office/drawing/2010/main" w="9525">
                     <a:solidFill>
                       <a:srgbClr val="000000"/>
                     </a:solidFill>
@@ -12494,7 +12494,7 @@
           <a:p>
             <a:fld id="{EC4347D3-4C9A-C240-8F14-750059DFEEB0}" type="datetimeFigureOut">
               <a:rPr lang="en-US" smtClean="0"/>
-              <a:t>1/17/24</a:t>
+              <a:t>1/23/24</a:t>
             </a:fld>
             <a:endParaRPr lang="en-US"/>
           </a:p>

--- a/slides/01-ReviewOfProofs.pptx
+++ b/slides/01-ReviewOfProofs.pptx
@@ -228,7 +228,7 @@
           <a:p>
             <a:fld id="{C5B45307-6ED4-B142-BD64-10F739779302}" type="datetimeFigureOut">
               <a:rPr lang="en-US" smtClean="0"/>
-              <a:t>1/23/24</a:t>
+              <a:t>1/25/24</a:t>
             </a:fld>
             <a:endParaRPr lang="en-US"/>
           </a:p>
@@ -636,7 +636,7 @@
           <a:noFill/>
           <a:extLst>
             <a:ext uri="{909E8E84-426E-40dd-AFC4-6F175D3DCCD1}">
-              <a14:hiddenFill xmlns="" xmlns:a14="http://schemas.microsoft.com/office/drawing/2010/main">
+              <a14:hiddenFill xmlns:a14="http://schemas.microsoft.com/office/drawing/2010/main" xmlns="">
                 <a:solidFill>
                   <a:srgbClr val="FFFFFF"/>
                 </a:solidFill>
@@ -695,7 +695,7 @@
             </a:ln>
             <a:extLst>
               <a:ext uri="{91240B29-F687-4f45-9708-019B960494DF}">
-                <a14:hiddenLine xmlns="" xmlns:a14="http://schemas.microsoft.com/office/drawing/2010/main" w="9525">
+                <a14:hiddenLine xmlns:a14="http://schemas.microsoft.com/office/drawing/2010/main" xmlns="" w="9525">
                   <a:solidFill>
                     <a:srgbClr val="000000"/>
                   </a:solidFill>
@@ -785,7 +785,7 @@
             </a:ln>
             <a:extLst>
               <a:ext uri="{91240B29-F687-4f45-9708-019B960494DF}">
-                <a14:hiddenLine xmlns="" xmlns:a14="http://schemas.microsoft.com/office/drawing/2010/main" w="9525">
+                <a14:hiddenLine xmlns:a14="http://schemas.microsoft.com/office/drawing/2010/main" xmlns="" w="9525">
                   <a:solidFill>
                     <a:srgbClr val="000000"/>
                   </a:solidFill>
@@ -875,7 +875,7 @@
             </a:ln>
             <a:extLst>
               <a:ext uri="{91240B29-F687-4f45-9708-019B960494DF}">
-                <a14:hiddenLine xmlns="" xmlns:a14="http://schemas.microsoft.com/office/drawing/2010/main" w="9525">
+                <a14:hiddenLine xmlns:a14="http://schemas.microsoft.com/office/drawing/2010/main" xmlns="" w="9525">
                   <a:solidFill>
                     <a:srgbClr val="000000"/>
                   </a:solidFill>
@@ -909,7 +909,7 @@
             </a:ln>
             <a:extLst>
               <a:ext uri="{91240B29-F687-4f45-9708-019B960494DF}">
-                <a14:hiddenLine xmlns="" xmlns:a14="http://schemas.microsoft.com/office/drawing/2010/main" w="9525">
+                <a14:hiddenLine xmlns:a14="http://schemas.microsoft.com/office/drawing/2010/main" xmlns="" w="9525">
                   <a:solidFill>
                     <a:srgbClr val="000000"/>
                   </a:solidFill>
@@ -999,7 +999,7 @@
             </a:ln>
             <a:extLst>
               <a:ext uri="{91240B29-F687-4f45-9708-019B960494DF}">
-                <a14:hiddenLine xmlns="" xmlns:a14="http://schemas.microsoft.com/office/drawing/2010/main" w="9525">
+                <a14:hiddenLine xmlns:a14="http://schemas.microsoft.com/office/drawing/2010/main" xmlns="" w="9525">
                   <a:solidFill>
                     <a:srgbClr val="000000"/>
                   </a:solidFill>
@@ -1061,7 +1061,7 @@
             </a:ln>
             <a:extLst>
               <a:ext uri="{91240B29-F687-4f45-9708-019B960494DF}">
-                <a14:hiddenLine xmlns="" xmlns:a14="http://schemas.microsoft.com/office/drawing/2010/main" w="9525">
+                <a14:hiddenLine xmlns:a14="http://schemas.microsoft.com/office/drawing/2010/main" xmlns="" w="9525">
                   <a:solidFill>
                     <a:srgbClr val="000000"/>
                   </a:solidFill>
@@ -1123,7 +1123,7 @@
             </a:ln>
             <a:extLst>
               <a:ext uri="{91240B29-F687-4f45-9708-019B960494DF}">
-                <a14:hiddenLine xmlns="" xmlns:a14="http://schemas.microsoft.com/office/drawing/2010/main" w="9525">
+                <a14:hiddenLine xmlns:a14="http://schemas.microsoft.com/office/drawing/2010/main" xmlns="" w="9525">
                   <a:solidFill>
                     <a:srgbClr val="000000"/>
                   </a:solidFill>
@@ -1213,7 +1213,7 @@
             </a:ln>
             <a:extLst>
               <a:ext uri="{91240B29-F687-4f45-9708-019B960494DF}">
-                <a14:hiddenLine xmlns="" xmlns:a14="http://schemas.microsoft.com/office/drawing/2010/main" w="9525">
+                <a14:hiddenLine xmlns:a14="http://schemas.microsoft.com/office/drawing/2010/main" xmlns="" w="9525">
                   <a:solidFill>
                     <a:srgbClr val="000000"/>
                   </a:solidFill>
@@ -1275,7 +1275,7 @@
             </a:ln>
             <a:extLst>
               <a:ext uri="{91240B29-F687-4f45-9708-019B960494DF}">
-                <a14:hiddenLine xmlns="" xmlns:a14="http://schemas.microsoft.com/office/drawing/2010/main" w="9525">
+                <a14:hiddenLine xmlns:a14="http://schemas.microsoft.com/office/drawing/2010/main" xmlns="" w="9525">
                   <a:solidFill>
                     <a:srgbClr val="000000"/>
                   </a:solidFill>
@@ -1337,7 +1337,7 @@
             </a:ln>
             <a:extLst>
               <a:ext uri="{91240B29-F687-4f45-9708-019B960494DF}">
-                <a14:hiddenLine xmlns="" xmlns:a14="http://schemas.microsoft.com/office/drawing/2010/main" w="9525">
+                <a14:hiddenLine xmlns:a14="http://schemas.microsoft.com/office/drawing/2010/main" xmlns="" w="9525">
                   <a:solidFill>
                     <a:srgbClr val="000000"/>
                   </a:solidFill>
@@ -1427,7 +1427,7 @@
             </a:ln>
             <a:extLst>
               <a:ext uri="{91240B29-F687-4f45-9708-019B960494DF}">
-                <a14:hiddenLine xmlns="" xmlns:a14="http://schemas.microsoft.com/office/drawing/2010/main" w="9525">
+                <a14:hiddenLine xmlns:a14="http://schemas.microsoft.com/office/drawing/2010/main" xmlns="" w="9525">
                   <a:solidFill>
                     <a:srgbClr val="000000"/>
                   </a:solidFill>
@@ -1517,7 +1517,7 @@
             </a:ln>
             <a:extLst>
               <a:ext uri="{91240B29-F687-4f45-9708-019B960494DF}">
-                <a14:hiddenLine xmlns="" xmlns:a14="http://schemas.microsoft.com/office/drawing/2010/main" w="9525">
+                <a14:hiddenLine xmlns:a14="http://schemas.microsoft.com/office/drawing/2010/main" xmlns="" w="9525">
                   <a:solidFill>
                     <a:srgbClr val="000000"/>
                   </a:solidFill>
@@ -1579,7 +1579,7 @@
             </a:ln>
             <a:extLst>
               <a:ext uri="{91240B29-F687-4f45-9708-019B960494DF}">
-                <a14:hiddenLine xmlns="" xmlns:a14="http://schemas.microsoft.com/office/drawing/2010/main" w="9525">
+                <a14:hiddenLine xmlns:a14="http://schemas.microsoft.com/office/drawing/2010/main" xmlns="" w="9525">
                   <a:solidFill>
                     <a:srgbClr val="000000"/>
                   </a:solidFill>
@@ -1689,7 +1689,7 @@
             </a:ln>
             <a:extLst>
               <a:ext uri="{91240B29-F687-4f45-9708-019B960494DF}">
-                <a14:hiddenLine xmlns="" xmlns:a14="http://schemas.microsoft.com/office/drawing/2010/main" w="9525">
+                <a14:hiddenLine xmlns:a14="http://schemas.microsoft.com/office/drawing/2010/main" xmlns="" w="9525">
                   <a:solidFill>
                     <a:srgbClr val="000000"/>
                   </a:solidFill>
@@ -1751,7 +1751,7 @@
             </a:ln>
             <a:extLst>
               <a:ext uri="{91240B29-F687-4f45-9708-019B960494DF}">
-                <a14:hiddenLine xmlns="" xmlns:a14="http://schemas.microsoft.com/office/drawing/2010/main" w="9525">
+                <a14:hiddenLine xmlns:a14="http://schemas.microsoft.com/office/drawing/2010/main" xmlns="" w="9525">
                   <a:solidFill>
                     <a:srgbClr val="000000"/>
                   </a:solidFill>
@@ -1841,7 +1841,7 @@
             </a:ln>
             <a:extLst>
               <a:ext uri="{91240B29-F687-4f45-9708-019B960494DF}">
-                <a14:hiddenLine xmlns="" xmlns:a14="http://schemas.microsoft.com/office/drawing/2010/main" w="9525">
+                <a14:hiddenLine xmlns:a14="http://schemas.microsoft.com/office/drawing/2010/main" xmlns="" w="9525">
                   <a:solidFill>
                     <a:srgbClr val="000000"/>
                   </a:solidFill>
@@ -1931,7 +1931,7 @@
             </a:ln>
             <a:extLst>
               <a:ext uri="{91240B29-F687-4f45-9708-019B960494DF}">
-                <a14:hiddenLine xmlns="" xmlns:a14="http://schemas.microsoft.com/office/drawing/2010/main" w="9525">
+                <a14:hiddenLine xmlns:a14="http://schemas.microsoft.com/office/drawing/2010/main" xmlns="" w="9525">
                   <a:solidFill>
                     <a:srgbClr val="000000"/>
                   </a:solidFill>
@@ -1993,7 +1993,7 @@
             </a:ln>
             <a:extLst>
               <a:ext uri="{91240B29-F687-4f45-9708-019B960494DF}">
-                <a14:hiddenLine xmlns="" xmlns:a14="http://schemas.microsoft.com/office/drawing/2010/main" w="9525">
+                <a14:hiddenLine xmlns:a14="http://schemas.microsoft.com/office/drawing/2010/main" xmlns="" w="9525">
                   <a:solidFill>
                     <a:srgbClr val="000000"/>
                   </a:solidFill>
@@ -2083,7 +2083,7 @@
             </a:ln>
             <a:extLst>
               <a:ext uri="{91240B29-F687-4f45-9708-019B960494DF}">
-                <a14:hiddenLine xmlns="" xmlns:a14="http://schemas.microsoft.com/office/drawing/2010/main" w="9525">
+                <a14:hiddenLine xmlns:a14="http://schemas.microsoft.com/office/drawing/2010/main" xmlns="" w="9525">
                   <a:solidFill>
                     <a:srgbClr val="000000"/>
                   </a:solidFill>
@@ -2173,7 +2173,7 @@
             </a:ln>
             <a:extLst>
               <a:ext uri="{91240B29-F687-4f45-9708-019B960494DF}">
-                <a14:hiddenLine xmlns="" xmlns:a14="http://schemas.microsoft.com/office/drawing/2010/main" w="9525">
+                <a14:hiddenLine xmlns:a14="http://schemas.microsoft.com/office/drawing/2010/main" xmlns="" w="9525">
                   <a:solidFill>
                     <a:srgbClr val="000000"/>
                   </a:solidFill>
@@ -2229,7 +2229,7 @@
             </a:ln>
             <a:extLst>
               <a:ext uri="{91240B29-F687-4f45-9708-019B960494DF}">
-                <a14:hiddenLine xmlns="" xmlns:a14="http://schemas.microsoft.com/office/drawing/2010/main" w="9525">
+                <a14:hiddenLine xmlns:a14="http://schemas.microsoft.com/office/drawing/2010/main" xmlns="" w="9525">
                   <a:solidFill>
                     <a:srgbClr val="000000"/>
                   </a:solidFill>
@@ -2319,7 +2319,7 @@
             </a:ln>
             <a:extLst>
               <a:ext uri="{91240B29-F687-4f45-9708-019B960494DF}">
-                <a14:hiddenLine xmlns="" xmlns:a14="http://schemas.microsoft.com/office/drawing/2010/main" w="9525">
+                <a14:hiddenLine xmlns:a14="http://schemas.microsoft.com/office/drawing/2010/main" xmlns="" w="9525">
                   <a:solidFill>
                     <a:srgbClr val="000000"/>
                   </a:solidFill>
@@ -2375,7 +2375,7 @@
             </a:ln>
             <a:extLst>
               <a:ext uri="{91240B29-F687-4f45-9708-019B960494DF}">
-                <a14:hiddenLine xmlns="" xmlns:a14="http://schemas.microsoft.com/office/drawing/2010/main" w="9525">
+                <a14:hiddenLine xmlns:a14="http://schemas.microsoft.com/office/drawing/2010/main" xmlns="" w="9525">
                   <a:solidFill>
                     <a:srgbClr val="000000"/>
                   </a:solidFill>
@@ -2465,7 +2465,7 @@
             </a:ln>
             <a:extLst>
               <a:ext uri="{91240B29-F687-4f45-9708-019B960494DF}">
-                <a14:hiddenLine xmlns="" xmlns:a14="http://schemas.microsoft.com/office/drawing/2010/main" w="9525">
+                <a14:hiddenLine xmlns:a14="http://schemas.microsoft.com/office/drawing/2010/main" xmlns="" w="9525">
                   <a:solidFill>
                     <a:srgbClr val="000000"/>
                   </a:solidFill>
@@ -2533,7 +2533,7 @@
             </a:ln>
             <a:extLst>
               <a:ext uri="{91240B29-F687-4f45-9708-019B960494DF}">
-                <a14:hiddenLine xmlns="" xmlns:a14="http://schemas.microsoft.com/office/drawing/2010/main" w="9525">
+                <a14:hiddenLine xmlns:a14="http://schemas.microsoft.com/office/drawing/2010/main" xmlns="" w="9525">
                   <a:solidFill>
                     <a:srgbClr val="000000"/>
                   </a:solidFill>
@@ -2623,7 +2623,7 @@
             </a:ln>
             <a:extLst>
               <a:ext uri="{91240B29-F687-4f45-9708-019B960494DF}">
-                <a14:hiddenLine xmlns="" xmlns:a14="http://schemas.microsoft.com/office/drawing/2010/main" w="9525">
+                <a14:hiddenLine xmlns:a14="http://schemas.microsoft.com/office/drawing/2010/main" xmlns="" w="9525">
                   <a:solidFill>
                     <a:srgbClr val="000000"/>
                   </a:solidFill>
@@ -2691,7 +2691,7 @@
             </a:ln>
             <a:extLst>
               <a:ext uri="{91240B29-F687-4f45-9708-019B960494DF}">
-                <a14:hiddenLine xmlns="" xmlns:a14="http://schemas.microsoft.com/office/drawing/2010/main" w="9525">
+                <a14:hiddenLine xmlns:a14="http://schemas.microsoft.com/office/drawing/2010/main" xmlns="" w="9525">
                   <a:solidFill>
                     <a:srgbClr val="000000"/>
                   </a:solidFill>
@@ -2781,7 +2781,7 @@
             </a:ln>
             <a:extLst>
               <a:ext uri="{91240B29-F687-4f45-9708-019B960494DF}">
-                <a14:hiddenLine xmlns="" xmlns:a14="http://schemas.microsoft.com/office/drawing/2010/main" w="9525">
+                <a14:hiddenLine xmlns:a14="http://schemas.microsoft.com/office/drawing/2010/main" xmlns="" w="9525">
                   <a:solidFill>
                     <a:srgbClr val="000000"/>
                   </a:solidFill>
@@ -2815,7 +2815,7 @@
             </a:ln>
             <a:extLst>
               <a:ext uri="{91240B29-F687-4f45-9708-019B960494DF}">
-                <a14:hiddenLine xmlns="" xmlns:a14="http://schemas.microsoft.com/office/drawing/2010/main" w="9525">
+                <a14:hiddenLine xmlns:a14="http://schemas.microsoft.com/office/drawing/2010/main" xmlns="" w="9525">
                   <a:solidFill>
                     <a:srgbClr val="000000"/>
                   </a:solidFill>
@@ -2905,7 +2905,7 @@
             </a:ln>
             <a:extLst>
               <a:ext uri="{91240B29-F687-4f45-9708-019B960494DF}">
-                <a14:hiddenLine xmlns="" xmlns:a14="http://schemas.microsoft.com/office/drawing/2010/main" w="9525">
+                <a14:hiddenLine xmlns:a14="http://schemas.microsoft.com/office/drawing/2010/main" xmlns="" w="9525">
                   <a:solidFill>
                     <a:srgbClr val="000000"/>
                   </a:solidFill>
@@ -2967,7 +2967,7 @@
             </a:ln>
             <a:extLst>
               <a:ext uri="{91240B29-F687-4f45-9708-019B960494DF}">
-                <a14:hiddenLine xmlns="" xmlns:a14="http://schemas.microsoft.com/office/drawing/2010/main" w="9525">
+                <a14:hiddenLine xmlns:a14="http://schemas.microsoft.com/office/drawing/2010/main" xmlns="" w="9525">
                   <a:solidFill>
                     <a:srgbClr val="000000"/>
                   </a:solidFill>
@@ -3029,7 +3029,7 @@
             </a:ln>
             <a:extLst>
               <a:ext uri="{91240B29-F687-4f45-9708-019B960494DF}">
-                <a14:hiddenLine xmlns="" xmlns:a14="http://schemas.microsoft.com/office/drawing/2010/main" w="9525">
+                <a14:hiddenLine xmlns:a14="http://schemas.microsoft.com/office/drawing/2010/main" xmlns="" w="9525">
                   <a:solidFill>
                     <a:srgbClr val="000000"/>
                   </a:solidFill>
@@ -3119,7 +3119,7 @@
             </a:ln>
             <a:extLst>
               <a:ext uri="{91240B29-F687-4f45-9708-019B960494DF}">
-                <a14:hiddenLine xmlns="" xmlns:a14="http://schemas.microsoft.com/office/drawing/2010/main" w="9525">
+                <a14:hiddenLine xmlns:a14="http://schemas.microsoft.com/office/drawing/2010/main" xmlns="" w="9525">
                   <a:solidFill>
                     <a:srgbClr val="000000"/>
                   </a:solidFill>
@@ -3187,7 +3187,7 @@
             </a:ln>
             <a:extLst>
               <a:ext uri="{91240B29-F687-4f45-9708-019B960494DF}">
-                <a14:hiddenLine xmlns="" xmlns:a14="http://schemas.microsoft.com/office/drawing/2010/main" w="9525">
+                <a14:hiddenLine xmlns:a14="http://schemas.microsoft.com/office/drawing/2010/main" xmlns="" w="9525">
                   <a:solidFill>
                     <a:srgbClr val="000000"/>
                   </a:solidFill>
@@ -3249,7 +3249,7 @@
             </a:ln>
             <a:extLst>
               <a:ext uri="{91240B29-F687-4f45-9708-019B960494DF}">
-                <a14:hiddenLine xmlns="" xmlns:a14="http://schemas.microsoft.com/office/drawing/2010/main" w="9525">
+                <a14:hiddenLine xmlns:a14="http://schemas.microsoft.com/office/drawing/2010/main" xmlns="" w="9525">
                   <a:solidFill>
                     <a:srgbClr val="000000"/>
                   </a:solidFill>
@@ -3339,7 +3339,7 @@
             </a:ln>
             <a:extLst>
               <a:ext uri="{91240B29-F687-4f45-9708-019B960494DF}">
-                <a14:hiddenLine xmlns="" xmlns:a14="http://schemas.microsoft.com/office/drawing/2010/main" w="9525">
+                <a14:hiddenLine xmlns:a14="http://schemas.microsoft.com/office/drawing/2010/main" xmlns="" w="9525">
                   <a:solidFill>
                     <a:srgbClr val="000000"/>
                   </a:solidFill>
@@ -3401,7 +3401,7 @@
             </a:ln>
             <a:extLst>
               <a:ext uri="{91240B29-F687-4f45-9708-019B960494DF}">
-                <a14:hiddenLine xmlns="" xmlns:a14="http://schemas.microsoft.com/office/drawing/2010/main" w="9525">
+                <a14:hiddenLine xmlns:a14="http://schemas.microsoft.com/office/drawing/2010/main" xmlns="" w="9525">
                   <a:solidFill>
                     <a:srgbClr val="000000"/>
                   </a:solidFill>
@@ -3491,7 +3491,7 @@
             </a:ln>
             <a:extLst>
               <a:ext uri="{91240B29-F687-4f45-9708-019B960494DF}">
-                <a14:hiddenLine xmlns="" xmlns:a14="http://schemas.microsoft.com/office/drawing/2010/main" w="9525">
+                <a14:hiddenLine xmlns:a14="http://schemas.microsoft.com/office/drawing/2010/main" xmlns="" w="9525">
                   <a:solidFill>
                     <a:srgbClr val="000000"/>
                   </a:solidFill>
@@ -3553,7 +3553,7 @@
             </a:ln>
             <a:extLst>
               <a:ext uri="{91240B29-F687-4f45-9708-019B960494DF}">
-                <a14:hiddenLine xmlns="" xmlns:a14="http://schemas.microsoft.com/office/drawing/2010/main" w="9525">
+                <a14:hiddenLine xmlns:a14="http://schemas.microsoft.com/office/drawing/2010/main" xmlns="" w="9525">
                   <a:solidFill>
                     <a:srgbClr val="000000"/>
                   </a:solidFill>
@@ -3643,7 +3643,7 @@
             </a:ln>
             <a:extLst>
               <a:ext uri="{91240B29-F687-4f45-9708-019B960494DF}">
-                <a14:hiddenLine xmlns="" xmlns:a14="http://schemas.microsoft.com/office/drawing/2010/main" w="9525">
+                <a14:hiddenLine xmlns:a14="http://schemas.microsoft.com/office/drawing/2010/main" xmlns="" w="9525">
                   <a:solidFill>
                     <a:srgbClr val="000000"/>
                   </a:solidFill>
@@ -3677,7 +3677,7 @@
             </a:ln>
             <a:extLst>
               <a:ext uri="{91240B29-F687-4f45-9708-019B960494DF}">
-                <a14:hiddenLine xmlns="" xmlns:a14="http://schemas.microsoft.com/office/drawing/2010/main" w="9525">
+                <a14:hiddenLine xmlns:a14="http://schemas.microsoft.com/office/drawing/2010/main" xmlns="" w="9525">
                   <a:solidFill>
                     <a:srgbClr val="000000"/>
                   </a:solidFill>
@@ -3742,7 +3742,7 @@
             </a:ln>
             <a:extLst>
               <a:ext uri="{91240B29-F687-4f45-9708-019B960494DF}">
-                <a14:hiddenLine xmlns="" xmlns:a14="http://schemas.microsoft.com/office/drawing/2010/main" w="9525">
+                <a14:hiddenLine xmlns:a14="http://schemas.microsoft.com/office/drawing/2010/main" xmlns="" w="9525">
                   <a:solidFill>
                     <a:srgbClr val="000000"/>
                   </a:solidFill>
@@ -3832,7 +3832,7 @@
             </a:ln>
             <a:extLst>
               <a:ext uri="{91240B29-F687-4f45-9708-019B960494DF}">
-                <a14:hiddenLine xmlns="" xmlns:a14="http://schemas.microsoft.com/office/drawing/2010/main" w="9525">
+                <a14:hiddenLine xmlns:a14="http://schemas.microsoft.com/office/drawing/2010/main" xmlns="" w="9525">
                   <a:solidFill>
                     <a:srgbClr val="000000"/>
                   </a:solidFill>
@@ -3894,7 +3894,7 @@
             </a:ln>
             <a:extLst>
               <a:ext uri="{91240B29-F687-4f45-9708-019B960494DF}">
-                <a14:hiddenLine xmlns="" xmlns:a14="http://schemas.microsoft.com/office/drawing/2010/main" w="9525">
+                <a14:hiddenLine xmlns:a14="http://schemas.microsoft.com/office/drawing/2010/main" xmlns="" w="9525">
                   <a:solidFill>
                     <a:srgbClr val="000000"/>
                   </a:solidFill>
@@ -3984,7 +3984,7 @@
             </a:ln>
             <a:extLst>
               <a:ext uri="{91240B29-F687-4f45-9708-019B960494DF}">
-                <a14:hiddenLine xmlns="" xmlns:a14="http://schemas.microsoft.com/office/drawing/2010/main" w="9525">
+                <a14:hiddenLine xmlns:a14="http://schemas.microsoft.com/office/drawing/2010/main" xmlns="" w="9525">
                   <a:solidFill>
                     <a:srgbClr val="000000"/>
                   </a:solidFill>
@@ -4074,7 +4074,7 @@
             </a:ln>
             <a:extLst>
               <a:ext uri="{91240B29-F687-4f45-9708-019B960494DF}">
-                <a14:hiddenLine xmlns="" xmlns:a14="http://schemas.microsoft.com/office/drawing/2010/main" w="9525">
+                <a14:hiddenLine xmlns:a14="http://schemas.microsoft.com/office/drawing/2010/main" xmlns="" w="9525">
                   <a:solidFill>
                     <a:srgbClr val="000000"/>
                   </a:solidFill>
@@ -4139,7 +4139,7 @@
             </a:ln>
             <a:extLst>
               <a:ext uri="{91240B29-F687-4f45-9708-019B960494DF}">
-                <a14:hiddenLine xmlns="" xmlns:a14="http://schemas.microsoft.com/office/drawing/2010/main" w="9525">
+                <a14:hiddenLine xmlns:a14="http://schemas.microsoft.com/office/drawing/2010/main" xmlns="" w="9525">
                   <a:solidFill>
                     <a:srgbClr val="000000"/>
                   </a:solidFill>
@@ -4201,7 +4201,7 @@
             </a:ln>
             <a:extLst>
               <a:ext uri="{91240B29-F687-4f45-9708-019B960494DF}">
-                <a14:hiddenLine xmlns="" xmlns:a14="http://schemas.microsoft.com/office/drawing/2010/main" w="9525">
+                <a14:hiddenLine xmlns:a14="http://schemas.microsoft.com/office/drawing/2010/main" xmlns="" w="9525">
                   <a:solidFill>
                     <a:srgbClr val="000000"/>
                   </a:solidFill>
@@ -4291,7 +4291,7 @@
             </a:ln>
             <a:extLst>
               <a:ext uri="{91240B29-F687-4f45-9708-019B960494DF}">
-                <a14:hiddenLine xmlns="" xmlns:a14="http://schemas.microsoft.com/office/drawing/2010/main" w="9525">
+                <a14:hiddenLine xmlns:a14="http://schemas.microsoft.com/office/drawing/2010/main" xmlns="" w="9525">
                   <a:solidFill>
                     <a:srgbClr val="000000"/>
                   </a:solidFill>
@@ -4381,7 +4381,7 @@
             </a:ln>
             <a:extLst>
               <a:ext uri="{91240B29-F687-4f45-9708-019B960494DF}">
-                <a14:hiddenLine xmlns="" xmlns:a14="http://schemas.microsoft.com/office/drawing/2010/main" w="9525">
+                <a14:hiddenLine xmlns:a14="http://schemas.microsoft.com/office/drawing/2010/main" xmlns="" w="9525">
                   <a:solidFill>
                     <a:srgbClr val="000000"/>
                   </a:solidFill>
@@ -4443,7 +4443,7 @@
             </a:ln>
             <a:extLst>
               <a:ext uri="{91240B29-F687-4f45-9708-019B960494DF}">
-                <a14:hiddenLine xmlns="" xmlns:a14="http://schemas.microsoft.com/office/drawing/2010/main" w="9525">
+                <a14:hiddenLine xmlns:a14="http://schemas.microsoft.com/office/drawing/2010/main" xmlns="" w="9525">
                   <a:solidFill>
                     <a:srgbClr val="000000"/>
                   </a:solidFill>
@@ -4563,7 +4563,7 @@
             </a:ln>
             <a:extLst>
               <a:ext uri="{91240B29-F687-4f45-9708-019B960494DF}">
-                <a14:hiddenLine xmlns="" xmlns:a14="http://schemas.microsoft.com/office/drawing/2010/main" w="9525">
+                <a14:hiddenLine xmlns:a14="http://schemas.microsoft.com/office/drawing/2010/main" xmlns="" w="9525">
                   <a:solidFill>
                     <a:srgbClr val="000000"/>
                   </a:solidFill>
@@ -4631,7 +4631,7 @@
             </a:ln>
             <a:extLst>
               <a:ext uri="{91240B29-F687-4f45-9708-019B960494DF}">
-                <a14:hiddenLine xmlns="" xmlns:a14="http://schemas.microsoft.com/office/drawing/2010/main" w="9525">
+                <a14:hiddenLine xmlns:a14="http://schemas.microsoft.com/office/drawing/2010/main" xmlns="" w="9525">
                   <a:solidFill>
                     <a:srgbClr val="000000"/>
                   </a:solidFill>
@@ -4721,7 +4721,7 @@
             </a:ln>
             <a:extLst>
               <a:ext uri="{91240B29-F687-4f45-9708-019B960494DF}">
-                <a14:hiddenLine xmlns="" xmlns:a14="http://schemas.microsoft.com/office/drawing/2010/main" w="9525">
+                <a14:hiddenLine xmlns:a14="http://schemas.microsoft.com/office/drawing/2010/main" xmlns="" w="9525">
                   <a:solidFill>
                     <a:srgbClr val="000000"/>
                   </a:solidFill>
@@ -4861,7 +4861,7 @@
           <a:p>
             <a:fld id="{EC4347D3-4C9A-C240-8F14-750059DFEEB0}" type="datetimeFigureOut">
               <a:rPr lang="en-US" smtClean="0"/>
-              <a:t>1/23/24</a:t>
+              <a:t>1/25/24</a:t>
             </a:fld>
             <a:endParaRPr lang="en-US"/>
           </a:p>
@@ -5128,7 +5128,7 @@
           <a:p>
             <a:fld id="{EC4347D3-4C9A-C240-8F14-750059DFEEB0}" type="datetimeFigureOut">
               <a:rPr lang="en-US" smtClean="0"/>
-              <a:t>1/23/24</a:t>
+              <a:t>1/25/24</a:t>
             </a:fld>
             <a:endParaRPr lang="en-US"/>
           </a:p>
@@ -5324,7 +5324,7 @@
           <a:p>
             <a:fld id="{EC4347D3-4C9A-C240-8F14-750059DFEEB0}" type="datetimeFigureOut">
               <a:rPr lang="en-US" smtClean="0"/>
-              <a:t>1/23/24</a:t>
+              <a:t>1/25/24</a:t>
             </a:fld>
             <a:endParaRPr lang="en-US"/>
           </a:p>
@@ -5587,7 +5587,7 @@
           <a:p>
             <a:fld id="{EC4347D3-4C9A-C240-8F14-750059DFEEB0}" type="datetimeFigureOut">
               <a:rPr lang="en-US" smtClean="0"/>
-              <a:t>1/23/24</a:t>
+              <a:t>1/25/24</a:t>
             </a:fld>
             <a:endParaRPr lang="en-US"/>
           </a:p>
@@ -6021,7 +6021,7 @@
           <a:p>
             <a:fld id="{EC4347D3-4C9A-C240-8F14-750059DFEEB0}" type="datetimeFigureOut">
               <a:rPr lang="en-US" smtClean="0"/>
-              <a:t>1/23/24</a:t>
+              <a:t>1/25/24</a:t>
             </a:fld>
             <a:endParaRPr lang="en-US"/>
           </a:p>
@@ -6567,7 +6567,7 @@
           <a:p>
             <a:fld id="{EC4347D3-4C9A-C240-8F14-750059DFEEB0}" type="datetimeFigureOut">
               <a:rPr lang="en-US" smtClean="0"/>
-              <a:t>1/23/24</a:t>
+              <a:t>1/25/24</a:t>
             </a:fld>
             <a:endParaRPr lang="en-US"/>
           </a:p>
@@ -7287,7 +7287,7 @@
           <a:p>
             <a:fld id="{EC4347D3-4C9A-C240-8F14-750059DFEEB0}" type="datetimeFigureOut">
               <a:rPr lang="en-US" smtClean="0"/>
-              <a:t>1/23/24</a:t>
+              <a:t>1/25/24</a:t>
             </a:fld>
             <a:endParaRPr lang="en-US"/>
           </a:p>
@@ -7457,7 +7457,7 @@
           <a:p>
             <a:fld id="{EC4347D3-4C9A-C240-8F14-750059DFEEB0}" type="datetimeFigureOut">
               <a:rPr lang="en-US" smtClean="0"/>
-              <a:t>1/23/24</a:t>
+              <a:t>1/25/24</a:t>
             </a:fld>
             <a:endParaRPr lang="en-US"/>
           </a:p>
@@ -7637,7 +7637,7 @@
           <a:p>
             <a:fld id="{EC4347D3-4C9A-C240-8F14-750059DFEEB0}" type="datetimeFigureOut">
               <a:rPr lang="en-US" smtClean="0"/>
-              <a:t>1/23/24</a:t>
+              <a:t>1/25/24</a:t>
             </a:fld>
             <a:endParaRPr lang="en-US"/>
           </a:p>
@@ -7807,7 +7807,7 @@
           <a:p>
             <a:fld id="{EC4347D3-4C9A-C240-8F14-750059DFEEB0}" type="datetimeFigureOut">
               <a:rPr lang="en-US" smtClean="0"/>
-              <a:t>1/23/24</a:t>
+              <a:t>1/25/24</a:t>
             </a:fld>
             <a:endParaRPr lang="en-US"/>
           </a:p>
@@ -8057,7 +8057,7 @@
           <a:p>
             <a:fld id="{EC4347D3-4C9A-C240-8F14-750059DFEEB0}" type="datetimeFigureOut">
               <a:rPr lang="en-US" smtClean="0"/>
-              <a:t>1/23/24</a:t>
+              <a:t>1/25/24</a:t>
             </a:fld>
             <a:endParaRPr lang="en-US"/>
           </a:p>
@@ -8289,7 +8289,7 @@
           <a:p>
             <a:fld id="{EC4347D3-4C9A-C240-8F14-750059DFEEB0}" type="datetimeFigureOut">
               <a:rPr lang="en-US" smtClean="0"/>
-              <a:t>1/23/24</a:t>
+              <a:t>1/25/24</a:t>
             </a:fld>
             <a:endParaRPr lang="en-US"/>
           </a:p>
@@ -8675,7 +8675,7 @@
           <a:p>
             <a:fld id="{EC4347D3-4C9A-C240-8F14-750059DFEEB0}" type="datetimeFigureOut">
               <a:rPr lang="en-US" smtClean="0"/>
-              <a:t>1/23/24</a:t>
+              <a:t>1/25/24</a:t>
             </a:fld>
             <a:endParaRPr lang="en-US"/>
           </a:p>
@@ -8798,7 +8798,7 @@
           <a:p>
             <a:fld id="{EC4347D3-4C9A-C240-8F14-750059DFEEB0}" type="datetimeFigureOut">
               <a:rPr lang="en-US" smtClean="0"/>
-              <a:t>1/23/24</a:t>
+              <a:t>1/25/24</a:t>
             </a:fld>
             <a:endParaRPr lang="en-US"/>
           </a:p>
@@ -8893,7 +8893,7 @@
           <a:p>
             <a:fld id="{EC4347D3-4C9A-C240-8F14-750059DFEEB0}" type="datetimeFigureOut">
               <a:rPr lang="en-US" smtClean="0"/>
-              <a:t>1/23/24</a:t>
+              <a:t>1/25/24</a:t>
             </a:fld>
             <a:endParaRPr lang="en-US"/>
           </a:p>
@@ -9142,7 +9142,7 @@
           <a:p>
             <a:fld id="{EC4347D3-4C9A-C240-8F14-750059DFEEB0}" type="datetimeFigureOut">
               <a:rPr lang="en-US" smtClean="0"/>
-              <a:t>1/23/24</a:t>
+              <a:t>1/25/24</a:t>
             </a:fld>
             <a:endParaRPr lang="en-US"/>
           </a:p>
@@ -9427,7 +9427,7 @@
           <a:p>
             <a:fld id="{EC4347D3-4C9A-C240-8F14-750059DFEEB0}" type="datetimeFigureOut">
               <a:rPr lang="en-US" smtClean="0"/>
-              <a:t>1/23/24</a:t>
+              <a:t>1/25/24</a:t>
             </a:fld>
             <a:endParaRPr lang="en-US"/>
           </a:p>
@@ -9550,7 +9550,7 @@
           <a:noFill/>
           <a:extLst>
             <a:ext uri="{909E8E84-426E-40dd-AFC4-6F175D3DCCD1}">
-              <a14:hiddenFill xmlns="" xmlns:a14="http://schemas.microsoft.com/office/drawing/2010/main">
+              <a14:hiddenFill xmlns:a14="http://schemas.microsoft.com/office/drawing/2010/main" xmlns="">
                 <a:solidFill>
                   <a:srgbClr val="FFFFFF"/>
                 </a:solidFill>
@@ -9624,7 +9624,7 @@
               </a:ln>
               <a:extLst>
                 <a:ext uri="{91240B29-F687-4f45-9708-019B960494DF}">
-                  <a14:hiddenLine xmlns="" xmlns:a14="http://schemas.microsoft.com/office/drawing/2010/main" w="9525">
+                  <a14:hiddenLine xmlns:a14="http://schemas.microsoft.com/office/drawing/2010/main" xmlns="" w="9525">
                     <a:solidFill>
                       <a:srgbClr val="000000"/>
                     </a:solidFill>
@@ -9714,7 +9714,7 @@
               </a:ln>
               <a:extLst>
                 <a:ext uri="{91240B29-F687-4f45-9708-019B960494DF}">
-                  <a14:hiddenLine xmlns="" xmlns:a14="http://schemas.microsoft.com/office/drawing/2010/main" w="9525">
+                  <a14:hiddenLine xmlns:a14="http://schemas.microsoft.com/office/drawing/2010/main" xmlns="" w="9525">
                     <a:solidFill>
                       <a:srgbClr val="000000"/>
                     </a:solidFill>
@@ -9804,7 +9804,7 @@
               </a:ln>
               <a:extLst>
                 <a:ext uri="{91240B29-F687-4f45-9708-019B960494DF}">
-                  <a14:hiddenLine xmlns="" xmlns:a14="http://schemas.microsoft.com/office/drawing/2010/main" w="9525">
+                  <a14:hiddenLine xmlns:a14="http://schemas.microsoft.com/office/drawing/2010/main" xmlns="" w="9525">
                     <a:solidFill>
                       <a:srgbClr val="000000"/>
                     </a:solidFill>
@@ -9866,7 +9866,7 @@
               </a:ln>
               <a:extLst>
                 <a:ext uri="{91240B29-F687-4f45-9708-019B960494DF}">
-                  <a14:hiddenLine xmlns="" xmlns:a14="http://schemas.microsoft.com/office/drawing/2010/main" w="9525">
+                  <a14:hiddenLine xmlns:a14="http://schemas.microsoft.com/office/drawing/2010/main" xmlns="" w="9525">
                     <a:solidFill>
                       <a:srgbClr val="000000"/>
                     </a:solidFill>
@@ -9956,7 +9956,7 @@
               </a:ln>
               <a:extLst>
                 <a:ext uri="{91240B29-F687-4f45-9708-019B960494DF}">
-                  <a14:hiddenLine xmlns="" xmlns:a14="http://schemas.microsoft.com/office/drawing/2010/main" w="9525">
+                  <a14:hiddenLine xmlns:a14="http://schemas.microsoft.com/office/drawing/2010/main" xmlns="" w="9525">
                     <a:solidFill>
                       <a:srgbClr val="000000"/>
                     </a:solidFill>
@@ -10018,7 +10018,7 @@
               </a:ln>
               <a:extLst>
                 <a:ext uri="{91240B29-F687-4f45-9708-019B960494DF}">
-                  <a14:hiddenLine xmlns="" xmlns:a14="http://schemas.microsoft.com/office/drawing/2010/main" w="9525">
+                  <a14:hiddenLine xmlns:a14="http://schemas.microsoft.com/office/drawing/2010/main" xmlns="" w="9525">
                     <a:solidFill>
                       <a:srgbClr val="000000"/>
                     </a:solidFill>
@@ -10080,7 +10080,7 @@
               </a:ln>
               <a:extLst>
                 <a:ext uri="{91240B29-F687-4f45-9708-019B960494DF}">
-                  <a14:hiddenLine xmlns="" xmlns:a14="http://schemas.microsoft.com/office/drawing/2010/main" w="9525">
+                  <a14:hiddenLine xmlns:a14="http://schemas.microsoft.com/office/drawing/2010/main" xmlns="" w="9525">
                     <a:solidFill>
                       <a:srgbClr val="000000"/>
                     </a:solidFill>
@@ -10170,7 +10170,7 @@
               </a:ln>
               <a:extLst>
                 <a:ext uri="{91240B29-F687-4f45-9708-019B960494DF}">
-                  <a14:hiddenLine xmlns="" xmlns:a14="http://schemas.microsoft.com/office/drawing/2010/main" w="9525">
+                  <a14:hiddenLine xmlns:a14="http://schemas.microsoft.com/office/drawing/2010/main" xmlns="" w="9525">
                     <a:solidFill>
                       <a:srgbClr val="000000"/>
                     </a:solidFill>
@@ -10260,7 +10260,7 @@
               </a:ln>
               <a:extLst>
                 <a:ext uri="{91240B29-F687-4f45-9708-019B960494DF}">
-                  <a14:hiddenLine xmlns="" xmlns:a14="http://schemas.microsoft.com/office/drawing/2010/main" w="9525">
+                  <a14:hiddenLine xmlns:a14="http://schemas.microsoft.com/office/drawing/2010/main" xmlns="" w="9525">
                     <a:solidFill>
                       <a:srgbClr val="000000"/>
                     </a:solidFill>
@@ -10322,7 +10322,7 @@
               </a:ln>
               <a:extLst>
                 <a:ext uri="{91240B29-F687-4f45-9708-019B960494DF}">
-                  <a14:hiddenLine xmlns="" xmlns:a14="http://schemas.microsoft.com/office/drawing/2010/main" w="9525">
+                  <a14:hiddenLine xmlns:a14="http://schemas.microsoft.com/office/drawing/2010/main" xmlns="" w="9525">
                     <a:solidFill>
                       <a:srgbClr val="000000"/>
                     </a:solidFill>
@@ -10432,7 +10432,7 @@
               </a:ln>
               <a:extLst>
                 <a:ext uri="{91240B29-F687-4f45-9708-019B960494DF}">
-                  <a14:hiddenLine xmlns="" xmlns:a14="http://schemas.microsoft.com/office/drawing/2010/main" w="9525">
+                  <a14:hiddenLine xmlns:a14="http://schemas.microsoft.com/office/drawing/2010/main" xmlns="" w="9525">
                     <a:solidFill>
                       <a:srgbClr val="000000"/>
                     </a:solidFill>
@@ -10516,7 +10516,7 @@
               </a:ln>
               <a:extLst>
                 <a:ext uri="{91240B29-F687-4f45-9708-019B960494DF}">
-                  <a14:hiddenLine xmlns="" xmlns:a14="http://schemas.microsoft.com/office/drawing/2010/main" w="9525">
+                  <a14:hiddenLine xmlns:a14="http://schemas.microsoft.com/office/drawing/2010/main" xmlns="" w="9525">
                     <a:solidFill>
                       <a:srgbClr val="000000"/>
                     </a:solidFill>
@@ -10578,7 +10578,7 @@
               </a:ln>
               <a:extLst>
                 <a:ext uri="{91240B29-F687-4f45-9708-019B960494DF}">
-                  <a14:hiddenLine xmlns="" xmlns:a14="http://schemas.microsoft.com/office/drawing/2010/main" w="9525">
+                  <a14:hiddenLine xmlns:a14="http://schemas.microsoft.com/office/drawing/2010/main" xmlns="" w="9525">
                     <a:solidFill>
                       <a:srgbClr val="000000"/>
                     </a:solidFill>
@@ -10640,7 +10640,7 @@
               </a:ln>
               <a:extLst>
                 <a:ext uri="{91240B29-F687-4f45-9708-019B960494DF}">
-                  <a14:hiddenLine xmlns="" xmlns:a14="http://schemas.microsoft.com/office/drawing/2010/main" w="9525">
+                  <a14:hiddenLine xmlns:a14="http://schemas.microsoft.com/office/drawing/2010/main" xmlns="" w="9525">
                     <a:solidFill>
                       <a:srgbClr val="000000"/>
                     </a:solidFill>
@@ -10730,7 +10730,7 @@
               </a:ln>
               <a:extLst>
                 <a:ext uri="{91240B29-F687-4f45-9708-019B960494DF}">
-                  <a14:hiddenLine xmlns="" xmlns:a14="http://schemas.microsoft.com/office/drawing/2010/main" w="9525">
+                  <a14:hiddenLine xmlns:a14="http://schemas.microsoft.com/office/drawing/2010/main" xmlns="" w="9525">
                     <a:solidFill>
                       <a:srgbClr val="000000"/>
                     </a:solidFill>
@@ -10764,7 +10764,7 @@
               </a:ln>
               <a:extLst>
                 <a:ext uri="{91240B29-F687-4f45-9708-019B960494DF}">
-                  <a14:hiddenLine xmlns="" xmlns:a14="http://schemas.microsoft.com/office/drawing/2010/main" w="9525">
+                  <a14:hiddenLine xmlns:a14="http://schemas.microsoft.com/office/drawing/2010/main" xmlns="" w="9525">
                     <a:solidFill>
                       <a:srgbClr val="000000"/>
                     </a:solidFill>
@@ -10829,7 +10829,7 @@
               </a:ln>
               <a:extLst>
                 <a:ext uri="{91240B29-F687-4f45-9708-019B960494DF}">
-                  <a14:hiddenLine xmlns="" xmlns:a14="http://schemas.microsoft.com/office/drawing/2010/main" w="9525">
+                  <a14:hiddenLine xmlns:a14="http://schemas.microsoft.com/office/drawing/2010/main" xmlns="" w="9525">
                     <a:solidFill>
                       <a:srgbClr val="000000"/>
                     </a:solidFill>
@@ -10919,7 +10919,7 @@
               </a:ln>
               <a:extLst>
                 <a:ext uri="{91240B29-F687-4f45-9708-019B960494DF}">
-                  <a14:hiddenLine xmlns="" xmlns:a14="http://schemas.microsoft.com/office/drawing/2010/main" w="9525">
+                  <a14:hiddenLine xmlns:a14="http://schemas.microsoft.com/office/drawing/2010/main" xmlns="" w="9525">
                     <a:solidFill>
                       <a:srgbClr val="000000"/>
                     </a:solidFill>
@@ -10981,7 +10981,7 @@
               </a:ln>
               <a:extLst>
                 <a:ext uri="{91240B29-F687-4f45-9708-019B960494DF}">
-                  <a14:hiddenLine xmlns="" xmlns:a14="http://schemas.microsoft.com/office/drawing/2010/main" w="9525">
+                  <a14:hiddenLine xmlns:a14="http://schemas.microsoft.com/office/drawing/2010/main" xmlns="" w="9525">
                     <a:solidFill>
                       <a:srgbClr val="000000"/>
                     </a:solidFill>
@@ -11071,7 +11071,7 @@
               </a:ln>
               <a:extLst>
                 <a:ext uri="{91240B29-F687-4f45-9708-019B960494DF}">
-                  <a14:hiddenLine xmlns="" xmlns:a14="http://schemas.microsoft.com/office/drawing/2010/main" w="9525">
+                  <a14:hiddenLine xmlns:a14="http://schemas.microsoft.com/office/drawing/2010/main" xmlns="" w="9525">
                     <a:solidFill>
                       <a:srgbClr val="000000"/>
                     </a:solidFill>
@@ -11136,7 +11136,7 @@
               </a:ln>
               <a:extLst>
                 <a:ext uri="{91240B29-F687-4f45-9708-019B960494DF}">
-                  <a14:hiddenLine xmlns="" xmlns:a14="http://schemas.microsoft.com/office/drawing/2010/main" w="9525">
+                  <a14:hiddenLine xmlns:a14="http://schemas.microsoft.com/office/drawing/2010/main" xmlns="" w="9525">
                     <a:solidFill>
                       <a:srgbClr val="000000"/>
                     </a:solidFill>
@@ -11198,7 +11198,7 @@
               </a:ln>
               <a:extLst>
                 <a:ext uri="{91240B29-F687-4f45-9708-019B960494DF}">
-                  <a14:hiddenLine xmlns="" xmlns:a14="http://schemas.microsoft.com/office/drawing/2010/main" w="9525">
+                  <a14:hiddenLine xmlns:a14="http://schemas.microsoft.com/office/drawing/2010/main" xmlns="" w="9525">
                     <a:solidFill>
                       <a:srgbClr val="000000"/>
                     </a:solidFill>
@@ -11288,7 +11288,7 @@
               </a:ln>
               <a:extLst>
                 <a:ext uri="{91240B29-F687-4f45-9708-019B960494DF}">
-                  <a14:hiddenLine xmlns="" xmlns:a14="http://schemas.microsoft.com/office/drawing/2010/main" w="9525">
+                  <a14:hiddenLine xmlns:a14="http://schemas.microsoft.com/office/drawing/2010/main" xmlns="" w="9525">
                     <a:solidFill>
                       <a:srgbClr val="000000"/>
                     </a:solidFill>
@@ -11378,7 +11378,7 @@
               </a:ln>
               <a:extLst>
                 <a:ext uri="{91240B29-F687-4f45-9708-019B960494DF}">
-                  <a14:hiddenLine xmlns="" xmlns:a14="http://schemas.microsoft.com/office/drawing/2010/main" w="9525">
+                  <a14:hiddenLine xmlns:a14="http://schemas.microsoft.com/office/drawing/2010/main" xmlns="" w="9525">
                     <a:solidFill>
                       <a:srgbClr val="000000"/>
                     </a:solidFill>
@@ -11443,7 +11443,7 @@
               </a:ln>
               <a:extLst>
                 <a:ext uri="{91240B29-F687-4f45-9708-019B960494DF}">
-                  <a14:hiddenLine xmlns="" xmlns:a14="http://schemas.microsoft.com/office/drawing/2010/main" w="9525">
+                  <a14:hiddenLine xmlns:a14="http://schemas.microsoft.com/office/drawing/2010/main" xmlns="" w="9525">
                     <a:solidFill>
                       <a:srgbClr val="000000"/>
                     </a:solidFill>
@@ -11563,7 +11563,7 @@
               </a:ln>
               <a:extLst>
                 <a:ext uri="{91240B29-F687-4f45-9708-019B960494DF}">
-                  <a14:hiddenLine xmlns="" xmlns:a14="http://schemas.microsoft.com/office/drawing/2010/main" w="9525">
+                  <a14:hiddenLine xmlns:a14="http://schemas.microsoft.com/office/drawing/2010/main" xmlns="" w="9525">
                     <a:solidFill>
                       <a:srgbClr val="000000"/>
                     </a:solidFill>
@@ -11644,7 +11644,7 @@
               </a:ln>
               <a:extLst>
                 <a:ext uri="{91240B29-F687-4f45-9708-019B960494DF}">
-                  <a14:hiddenLine xmlns="" xmlns:a14="http://schemas.microsoft.com/office/drawing/2010/main" w="9525">
+                  <a14:hiddenLine xmlns:a14="http://schemas.microsoft.com/office/drawing/2010/main" xmlns="" w="9525">
                     <a:solidFill>
                       <a:srgbClr val="000000"/>
                     </a:solidFill>
@@ -11759,7 +11759,7 @@
               </a:ln>
               <a:extLst>
                 <a:ext uri="{91240B29-F687-4f45-9708-019B960494DF}">
-                  <a14:hiddenLine xmlns="" xmlns:a14="http://schemas.microsoft.com/office/drawing/2010/main" w="9525">
+                  <a14:hiddenLine xmlns:a14="http://schemas.microsoft.com/office/drawing/2010/main" xmlns="" w="9525">
                     <a:solidFill>
                       <a:srgbClr val="000000"/>
                     </a:solidFill>
@@ -11849,7 +11849,7 @@
               </a:ln>
               <a:extLst>
                 <a:ext uri="{91240B29-F687-4f45-9708-019B960494DF}">
-                  <a14:hiddenLine xmlns="" xmlns:a14="http://schemas.microsoft.com/office/drawing/2010/main" w="9525">
+                  <a14:hiddenLine xmlns:a14="http://schemas.microsoft.com/office/drawing/2010/main" xmlns="" w="9525">
                     <a:solidFill>
                       <a:srgbClr val="000000"/>
                     </a:solidFill>
@@ -11914,7 +11914,7 @@
               </a:ln>
               <a:extLst>
                 <a:ext uri="{91240B29-F687-4f45-9708-019B960494DF}">
-                  <a14:hiddenLine xmlns="" xmlns:a14="http://schemas.microsoft.com/office/drawing/2010/main" w="9525">
+                  <a14:hiddenLine xmlns:a14="http://schemas.microsoft.com/office/drawing/2010/main" xmlns="" w="9525">
                     <a:solidFill>
                       <a:srgbClr val="000000"/>
                     </a:solidFill>
@@ -12004,7 +12004,7 @@
               </a:ln>
               <a:extLst>
                 <a:ext uri="{91240B29-F687-4f45-9708-019B960494DF}">
-                  <a14:hiddenLine xmlns="" xmlns:a14="http://schemas.microsoft.com/office/drawing/2010/main" w="9525">
+                  <a14:hiddenLine xmlns:a14="http://schemas.microsoft.com/office/drawing/2010/main" xmlns="" w="9525">
                     <a:solidFill>
                       <a:srgbClr val="000000"/>
                     </a:solidFill>
@@ -12072,7 +12072,7 @@
               </a:ln>
               <a:extLst>
                 <a:ext uri="{91240B29-F687-4f45-9708-019B960494DF}">
-                  <a14:hiddenLine xmlns="" xmlns:a14="http://schemas.microsoft.com/office/drawing/2010/main" w="9525">
+                  <a14:hiddenLine xmlns:a14="http://schemas.microsoft.com/office/drawing/2010/main" xmlns="" w="9525">
                     <a:solidFill>
                       <a:srgbClr val="000000"/>
                     </a:solidFill>
@@ -12162,7 +12162,7 @@
               </a:ln>
               <a:extLst>
                 <a:ext uri="{91240B29-F687-4f45-9708-019B960494DF}">
-                  <a14:hiddenLine xmlns="" xmlns:a14="http://schemas.microsoft.com/office/drawing/2010/main" w="9525">
+                  <a14:hiddenLine xmlns:a14="http://schemas.microsoft.com/office/drawing/2010/main" xmlns="" w="9525">
                     <a:solidFill>
                       <a:srgbClr val="000000"/>
                     </a:solidFill>
@@ -12230,7 +12230,7 @@
               </a:ln>
               <a:extLst>
                 <a:ext uri="{91240B29-F687-4f45-9708-019B960494DF}">
-                  <a14:hiddenLine xmlns="" xmlns:a14="http://schemas.microsoft.com/office/drawing/2010/main" w="9525">
+                  <a14:hiddenLine xmlns:a14="http://schemas.microsoft.com/office/drawing/2010/main" xmlns="" w="9525">
                     <a:solidFill>
                       <a:srgbClr val="000000"/>
                     </a:solidFill>
@@ -12320,7 +12320,7 @@
               </a:ln>
               <a:extLst>
                 <a:ext uri="{91240B29-F687-4f45-9708-019B960494DF}">
-                  <a14:hiddenLine xmlns="" xmlns:a14="http://schemas.microsoft.com/office/drawing/2010/main" w="9525">
+                  <a14:hiddenLine xmlns:a14="http://schemas.microsoft.com/office/drawing/2010/main" xmlns="" w="9525">
                     <a:solidFill>
                       <a:srgbClr val="000000"/>
                     </a:solidFill>
@@ -12354,7 +12354,7 @@
               </a:ln>
               <a:extLst>
                 <a:ext uri="{91240B29-F687-4f45-9708-019B960494DF}">
-                  <a14:hiddenLine xmlns="" xmlns:a14="http://schemas.microsoft.com/office/drawing/2010/main" w="9525">
+                  <a14:hiddenLine xmlns:a14="http://schemas.microsoft.com/office/drawing/2010/main" xmlns="" w="9525">
                     <a:solidFill>
                       <a:srgbClr val="000000"/>
                     </a:solidFill>
@@ -12494,7 +12494,7 @@
           <a:p>
             <a:fld id="{EC4347D3-4C9A-C240-8F14-750059DFEEB0}" type="datetimeFigureOut">
               <a:rPr lang="en-US" smtClean="0"/>
-              <a:t>1/23/24</a:t>
+              <a:t>1/25/24</a:t>
             </a:fld>
             <a:endParaRPr lang="en-US"/>
           </a:p>
@@ -21870,6 +21870,284 @@
   <p:clrMapOvr>
     <a:masterClrMapping/>
   </p:clrMapOvr>
+  <p:timing>
+    <p:tnLst>
+      <p:par>
+        <p:cTn id="1" dur="indefinite" restart="never" nodeType="tmRoot">
+          <p:childTnLst>
+            <p:seq concurrent="1" nextAc="seek">
+              <p:cTn id="2" dur="indefinite" nodeType="mainSeq">
+                <p:childTnLst>
+                  <p:par>
+                    <p:cTn id="3" fill="hold">
+                      <p:stCondLst>
+                        <p:cond delay="indefinite"/>
+                      </p:stCondLst>
+                      <p:childTnLst>
+                        <p:par>
+                          <p:cTn id="4" fill="hold">
+                            <p:stCondLst>
+                              <p:cond delay="0"/>
+                            </p:stCondLst>
+                            <p:childTnLst>
+                              <p:par>
+                                <p:cTn id="5" presetID="1" presetClass="entr" presetSubtype="0" fill="hold" grpId="0" nodeType="clickEffect">
+                                  <p:stCondLst>
+                                    <p:cond delay="0"/>
+                                  </p:stCondLst>
+                                  <p:childTnLst>
+                                    <p:set>
+                                      <p:cBhvr>
+                                        <p:cTn id="6" dur="1" fill="hold">
+                                          <p:stCondLst>
+                                            <p:cond delay="0"/>
+                                          </p:stCondLst>
+                                        </p:cTn>
+                                        <p:tgtEl>
+                                          <p:spTgt spid="3">
+                                            <p:txEl>
+                                              <p:pRg st="0" end="0"/>
+                                            </p:txEl>
+                                          </p:spTgt>
+                                        </p:tgtEl>
+                                        <p:attrNameLst>
+                                          <p:attrName>style.visibility</p:attrName>
+                                        </p:attrNameLst>
+                                      </p:cBhvr>
+                                      <p:to>
+                                        <p:strVal val="visible"/>
+                                      </p:to>
+                                    </p:set>
+                                  </p:childTnLst>
+                                </p:cTn>
+                              </p:par>
+                            </p:childTnLst>
+                          </p:cTn>
+                        </p:par>
+                      </p:childTnLst>
+                    </p:cTn>
+                  </p:par>
+                  <p:par>
+                    <p:cTn id="7" fill="hold">
+                      <p:stCondLst>
+                        <p:cond delay="indefinite"/>
+                      </p:stCondLst>
+                      <p:childTnLst>
+                        <p:par>
+                          <p:cTn id="8" fill="hold">
+                            <p:stCondLst>
+                              <p:cond delay="0"/>
+                            </p:stCondLst>
+                            <p:childTnLst>
+                              <p:par>
+                                <p:cTn id="9" presetID="1" presetClass="entr" presetSubtype="0" fill="hold" grpId="0" nodeType="clickEffect">
+                                  <p:stCondLst>
+                                    <p:cond delay="0"/>
+                                  </p:stCondLst>
+                                  <p:childTnLst>
+                                    <p:set>
+                                      <p:cBhvr>
+                                        <p:cTn id="10" dur="1" fill="hold">
+                                          <p:stCondLst>
+                                            <p:cond delay="0"/>
+                                          </p:stCondLst>
+                                        </p:cTn>
+                                        <p:tgtEl>
+                                          <p:spTgt spid="3">
+                                            <p:txEl>
+                                              <p:pRg st="1" end="1"/>
+                                            </p:txEl>
+                                          </p:spTgt>
+                                        </p:tgtEl>
+                                        <p:attrNameLst>
+                                          <p:attrName>style.visibility</p:attrName>
+                                        </p:attrNameLst>
+                                      </p:cBhvr>
+                                      <p:to>
+                                        <p:strVal val="visible"/>
+                                      </p:to>
+                                    </p:set>
+                                  </p:childTnLst>
+                                </p:cTn>
+                              </p:par>
+                            </p:childTnLst>
+                          </p:cTn>
+                        </p:par>
+                      </p:childTnLst>
+                    </p:cTn>
+                  </p:par>
+                  <p:par>
+                    <p:cTn id="11" fill="hold">
+                      <p:stCondLst>
+                        <p:cond delay="indefinite"/>
+                      </p:stCondLst>
+                      <p:childTnLst>
+                        <p:par>
+                          <p:cTn id="12" fill="hold">
+                            <p:stCondLst>
+                              <p:cond delay="0"/>
+                            </p:stCondLst>
+                            <p:childTnLst>
+                              <p:par>
+                                <p:cTn id="13" presetID="1" presetClass="entr" presetSubtype="0" fill="hold" grpId="0" nodeType="clickEffect">
+                                  <p:stCondLst>
+                                    <p:cond delay="0"/>
+                                  </p:stCondLst>
+                                  <p:childTnLst>
+                                    <p:set>
+                                      <p:cBhvr>
+                                        <p:cTn id="14" dur="1" fill="hold">
+                                          <p:stCondLst>
+                                            <p:cond delay="0"/>
+                                          </p:stCondLst>
+                                        </p:cTn>
+                                        <p:tgtEl>
+                                          <p:spTgt spid="3">
+                                            <p:txEl>
+                                              <p:pRg st="2" end="2"/>
+                                            </p:txEl>
+                                          </p:spTgt>
+                                        </p:tgtEl>
+                                        <p:attrNameLst>
+                                          <p:attrName>style.visibility</p:attrName>
+                                        </p:attrNameLst>
+                                      </p:cBhvr>
+                                      <p:to>
+                                        <p:strVal val="visible"/>
+                                      </p:to>
+                                    </p:set>
+                                  </p:childTnLst>
+                                </p:cTn>
+                              </p:par>
+                            </p:childTnLst>
+                          </p:cTn>
+                        </p:par>
+                      </p:childTnLst>
+                    </p:cTn>
+                  </p:par>
+                  <p:par>
+                    <p:cTn id="15" fill="hold">
+                      <p:stCondLst>
+                        <p:cond delay="indefinite"/>
+                      </p:stCondLst>
+                      <p:childTnLst>
+                        <p:par>
+                          <p:cTn id="16" fill="hold">
+                            <p:stCondLst>
+                              <p:cond delay="0"/>
+                            </p:stCondLst>
+                            <p:childTnLst>
+                              <p:par>
+                                <p:cTn id="17" presetID="1" presetClass="entr" presetSubtype="0" fill="hold" grpId="0" nodeType="clickEffect">
+                                  <p:stCondLst>
+                                    <p:cond delay="0"/>
+                                  </p:stCondLst>
+                                  <p:childTnLst>
+                                    <p:set>
+                                      <p:cBhvr>
+                                        <p:cTn id="18" dur="1" fill="hold">
+                                          <p:stCondLst>
+                                            <p:cond delay="0"/>
+                                          </p:stCondLst>
+                                        </p:cTn>
+                                        <p:tgtEl>
+                                          <p:spTgt spid="3">
+                                            <p:txEl>
+                                              <p:pRg st="3" end="3"/>
+                                            </p:txEl>
+                                          </p:spTgt>
+                                        </p:tgtEl>
+                                        <p:attrNameLst>
+                                          <p:attrName>style.visibility</p:attrName>
+                                        </p:attrNameLst>
+                                      </p:cBhvr>
+                                      <p:to>
+                                        <p:strVal val="visible"/>
+                                      </p:to>
+                                    </p:set>
+                                  </p:childTnLst>
+                                </p:cTn>
+                              </p:par>
+                            </p:childTnLst>
+                          </p:cTn>
+                        </p:par>
+                      </p:childTnLst>
+                    </p:cTn>
+                  </p:par>
+                  <p:par>
+                    <p:cTn id="19" fill="hold">
+                      <p:stCondLst>
+                        <p:cond delay="indefinite"/>
+                      </p:stCondLst>
+                      <p:childTnLst>
+                        <p:par>
+                          <p:cTn id="20" fill="hold">
+                            <p:stCondLst>
+                              <p:cond delay="0"/>
+                            </p:stCondLst>
+                            <p:childTnLst>
+                              <p:par>
+                                <p:cTn id="21" presetID="1" presetClass="entr" presetSubtype="0" fill="hold" grpId="0" nodeType="clickEffect">
+                                  <p:stCondLst>
+                                    <p:cond delay="0"/>
+                                  </p:stCondLst>
+                                  <p:childTnLst>
+                                    <p:set>
+                                      <p:cBhvr>
+                                        <p:cTn id="22" dur="1" fill="hold">
+                                          <p:stCondLst>
+                                            <p:cond delay="0"/>
+                                          </p:stCondLst>
+                                        </p:cTn>
+                                        <p:tgtEl>
+                                          <p:spTgt spid="3">
+                                            <p:txEl>
+                                              <p:pRg st="4" end="4"/>
+                                            </p:txEl>
+                                          </p:spTgt>
+                                        </p:tgtEl>
+                                        <p:attrNameLst>
+                                          <p:attrName>style.visibility</p:attrName>
+                                        </p:attrNameLst>
+                                      </p:cBhvr>
+                                      <p:to>
+                                        <p:strVal val="visible"/>
+                                      </p:to>
+                                    </p:set>
+                                  </p:childTnLst>
+                                </p:cTn>
+                              </p:par>
+                            </p:childTnLst>
+                          </p:cTn>
+                        </p:par>
+                      </p:childTnLst>
+                    </p:cTn>
+                  </p:par>
+                </p:childTnLst>
+              </p:cTn>
+              <p:prevCondLst>
+                <p:cond evt="onPrev" delay="0">
+                  <p:tgtEl>
+                    <p:sldTgt/>
+                  </p:tgtEl>
+                </p:cond>
+              </p:prevCondLst>
+              <p:nextCondLst>
+                <p:cond evt="onNext" delay="0">
+                  <p:tgtEl>
+                    <p:sldTgt/>
+                  </p:tgtEl>
+                </p:cond>
+              </p:nextCondLst>
+            </p:seq>
+          </p:childTnLst>
+        </p:cTn>
+      </p:par>
+    </p:tnLst>
+    <p:bldLst>
+      <p:bldP spid="3" grpId="0" build="p"/>
+    </p:bldLst>
+  </p:timing>
 </p:sld>
 </file>
 

--- a/slides/01-ReviewOfProofs.pptx
+++ b/slides/01-ReviewOfProofs.pptx
@@ -228,7 +228,7 @@
           <a:p>
             <a:fld id="{C5B45307-6ED4-B142-BD64-10F739779302}" type="datetimeFigureOut">
               <a:rPr lang="en-US" smtClean="0"/>
-              <a:t>1/25/24</a:t>
+              <a:t>8/29/24</a:t>
             </a:fld>
             <a:endParaRPr lang="en-US"/>
           </a:p>
@@ -636,7 +636,7 @@
           <a:noFill/>
           <a:extLst>
             <a:ext uri="{909E8E84-426E-40dd-AFC4-6F175D3DCCD1}">
-              <a14:hiddenFill xmlns:a14="http://schemas.microsoft.com/office/drawing/2010/main" xmlns="">
+              <a14:hiddenFill xmlns="" xmlns:a14="http://schemas.microsoft.com/office/drawing/2010/main">
                 <a:solidFill>
                   <a:srgbClr val="FFFFFF"/>
                 </a:solidFill>
@@ -695,7 +695,7 @@
             </a:ln>
             <a:extLst>
               <a:ext uri="{91240B29-F687-4f45-9708-019B960494DF}">
-                <a14:hiddenLine xmlns:a14="http://schemas.microsoft.com/office/drawing/2010/main" xmlns="" w="9525">
+                <a14:hiddenLine xmlns="" xmlns:a14="http://schemas.microsoft.com/office/drawing/2010/main" w="9525">
                   <a:solidFill>
                     <a:srgbClr val="000000"/>
                   </a:solidFill>
@@ -785,7 +785,7 @@
             </a:ln>
             <a:extLst>
               <a:ext uri="{91240B29-F687-4f45-9708-019B960494DF}">
-                <a14:hiddenLine xmlns:a14="http://schemas.microsoft.com/office/drawing/2010/main" xmlns="" w="9525">
+                <a14:hiddenLine xmlns="" xmlns:a14="http://schemas.microsoft.com/office/drawing/2010/main" w="9525">
                   <a:solidFill>
                     <a:srgbClr val="000000"/>
                   </a:solidFill>
@@ -875,7 +875,7 @@
             </a:ln>
             <a:extLst>
               <a:ext uri="{91240B29-F687-4f45-9708-019B960494DF}">
-                <a14:hiddenLine xmlns:a14="http://schemas.microsoft.com/office/drawing/2010/main" xmlns="" w="9525">
+                <a14:hiddenLine xmlns="" xmlns:a14="http://schemas.microsoft.com/office/drawing/2010/main" w="9525">
                   <a:solidFill>
                     <a:srgbClr val="000000"/>
                   </a:solidFill>
@@ -909,7 +909,7 @@
             </a:ln>
             <a:extLst>
               <a:ext uri="{91240B29-F687-4f45-9708-019B960494DF}">
-                <a14:hiddenLine xmlns:a14="http://schemas.microsoft.com/office/drawing/2010/main" xmlns="" w="9525">
+                <a14:hiddenLine xmlns="" xmlns:a14="http://schemas.microsoft.com/office/drawing/2010/main" w="9525">
                   <a:solidFill>
                     <a:srgbClr val="000000"/>
                   </a:solidFill>
@@ -999,7 +999,7 @@
             </a:ln>
             <a:extLst>
               <a:ext uri="{91240B29-F687-4f45-9708-019B960494DF}">
-                <a14:hiddenLine xmlns:a14="http://schemas.microsoft.com/office/drawing/2010/main" xmlns="" w="9525">
+                <a14:hiddenLine xmlns="" xmlns:a14="http://schemas.microsoft.com/office/drawing/2010/main" w="9525">
                   <a:solidFill>
                     <a:srgbClr val="000000"/>
                   </a:solidFill>
@@ -1061,7 +1061,7 @@
             </a:ln>
             <a:extLst>
               <a:ext uri="{91240B29-F687-4f45-9708-019B960494DF}">
-                <a14:hiddenLine xmlns:a14="http://schemas.microsoft.com/office/drawing/2010/main" xmlns="" w="9525">
+                <a14:hiddenLine xmlns="" xmlns:a14="http://schemas.microsoft.com/office/drawing/2010/main" w="9525">
                   <a:solidFill>
                     <a:srgbClr val="000000"/>
                   </a:solidFill>
@@ -1123,7 +1123,7 @@
             </a:ln>
             <a:extLst>
               <a:ext uri="{91240B29-F687-4f45-9708-019B960494DF}">
-                <a14:hiddenLine xmlns:a14="http://schemas.microsoft.com/office/drawing/2010/main" xmlns="" w="9525">
+                <a14:hiddenLine xmlns="" xmlns:a14="http://schemas.microsoft.com/office/drawing/2010/main" w="9525">
                   <a:solidFill>
                     <a:srgbClr val="000000"/>
                   </a:solidFill>
@@ -1213,7 +1213,7 @@
             </a:ln>
             <a:extLst>
               <a:ext uri="{91240B29-F687-4f45-9708-019B960494DF}">
-                <a14:hiddenLine xmlns:a14="http://schemas.microsoft.com/office/drawing/2010/main" xmlns="" w="9525">
+                <a14:hiddenLine xmlns="" xmlns:a14="http://schemas.microsoft.com/office/drawing/2010/main" w="9525">
                   <a:solidFill>
                     <a:srgbClr val="000000"/>
                   </a:solidFill>
@@ -1275,7 +1275,7 @@
             </a:ln>
             <a:extLst>
               <a:ext uri="{91240B29-F687-4f45-9708-019B960494DF}">
-                <a14:hiddenLine xmlns:a14="http://schemas.microsoft.com/office/drawing/2010/main" xmlns="" w="9525">
+                <a14:hiddenLine xmlns="" xmlns:a14="http://schemas.microsoft.com/office/drawing/2010/main" w="9525">
                   <a:solidFill>
                     <a:srgbClr val="000000"/>
                   </a:solidFill>
@@ -1337,7 +1337,7 @@
             </a:ln>
             <a:extLst>
               <a:ext uri="{91240B29-F687-4f45-9708-019B960494DF}">
-                <a14:hiddenLine xmlns:a14="http://schemas.microsoft.com/office/drawing/2010/main" xmlns="" w="9525">
+                <a14:hiddenLine xmlns="" xmlns:a14="http://schemas.microsoft.com/office/drawing/2010/main" w="9525">
                   <a:solidFill>
                     <a:srgbClr val="000000"/>
                   </a:solidFill>
@@ -1427,7 +1427,7 @@
             </a:ln>
             <a:extLst>
               <a:ext uri="{91240B29-F687-4f45-9708-019B960494DF}">
-                <a14:hiddenLine xmlns:a14="http://schemas.microsoft.com/office/drawing/2010/main" xmlns="" w="9525">
+                <a14:hiddenLine xmlns="" xmlns:a14="http://schemas.microsoft.com/office/drawing/2010/main" w="9525">
                   <a:solidFill>
                     <a:srgbClr val="000000"/>
                   </a:solidFill>
@@ -1517,7 +1517,7 @@
             </a:ln>
             <a:extLst>
               <a:ext uri="{91240B29-F687-4f45-9708-019B960494DF}">
-                <a14:hiddenLine xmlns:a14="http://schemas.microsoft.com/office/drawing/2010/main" xmlns="" w="9525">
+                <a14:hiddenLine xmlns="" xmlns:a14="http://schemas.microsoft.com/office/drawing/2010/main" w="9525">
                   <a:solidFill>
                     <a:srgbClr val="000000"/>
                   </a:solidFill>
@@ -1579,7 +1579,7 @@
             </a:ln>
             <a:extLst>
               <a:ext uri="{91240B29-F687-4f45-9708-019B960494DF}">
-                <a14:hiddenLine xmlns:a14="http://schemas.microsoft.com/office/drawing/2010/main" xmlns="" w="9525">
+                <a14:hiddenLine xmlns="" xmlns:a14="http://schemas.microsoft.com/office/drawing/2010/main" w="9525">
                   <a:solidFill>
                     <a:srgbClr val="000000"/>
                   </a:solidFill>
@@ -1689,7 +1689,7 @@
             </a:ln>
             <a:extLst>
               <a:ext uri="{91240B29-F687-4f45-9708-019B960494DF}">
-                <a14:hiddenLine xmlns:a14="http://schemas.microsoft.com/office/drawing/2010/main" xmlns="" w="9525">
+                <a14:hiddenLine xmlns="" xmlns:a14="http://schemas.microsoft.com/office/drawing/2010/main" w="9525">
                   <a:solidFill>
                     <a:srgbClr val="000000"/>
                   </a:solidFill>
@@ -1751,7 +1751,7 @@
             </a:ln>
             <a:extLst>
               <a:ext uri="{91240B29-F687-4f45-9708-019B960494DF}">
-                <a14:hiddenLine xmlns:a14="http://schemas.microsoft.com/office/drawing/2010/main" xmlns="" w="9525">
+                <a14:hiddenLine xmlns="" xmlns:a14="http://schemas.microsoft.com/office/drawing/2010/main" w="9525">
                   <a:solidFill>
                     <a:srgbClr val="000000"/>
                   </a:solidFill>
@@ -1841,7 +1841,7 @@
             </a:ln>
             <a:extLst>
               <a:ext uri="{91240B29-F687-4f45-9708-019B960494DF}">
-                <a14:hiddenLine xmlns:a14="http://schemas.microsoft.com/office/drawing/2010/main" xmlns="" w="9525">
+                <a14:hiddenLine xmlns="" xmlns:a14="http://schemas.microsoft.com/office/drawing/2010/main" w="9525">
                   <a:solidFill>
                     <a:srgbClr val="000000"/>
                   </a:solidFill>
@@ -1931,7 +1931,7 @@
             </a:ln>
             <a:extLst>
               <a:ext uri="{91240B29-F687-4f45-9708-019B960494DF}">
-                <a14:hiddenLine xmlns:a14="http://schemas.microsoft.com/office/drawing/2010/main" xmlns="" w="9525">
+                <a14:hiddenLine xmlns="" xmlns:a14="http://schemas.microsoft.com/office/drawing/2010/main" w="9525">
                   <a:solidFill>
                     <a:srgbClr val="000000"/>
                   </a:solidFill>
@@ -1993,7 +1993,7 @@
             </a:ln>
             <a:extLst>
               <a:ext uri="{91240B29-F687-4f45-9708-019B960494DF}">
-                <a14:hiddenLine xmlns:a14="http://schemas.microsoft.com/office/drawing/2010/main" xmlns="" w="9525">
+                <a14:hiddenLine xmlns="" xmlns:a14="http://schemas.microsoft.com/office/drawing/2010/main" w="9525">
                   <a:solidFill>
                     <a:srgbClr val="000000"/>
                   </a:solidFill>
@@ -2083,7 +2083,7 @@
             </a:ln>
             <a:extLst>
               <a:ext uri="{91240B29-F687-4f45-9708-019B960494DF}">
-                <a14:hiddenLine xmlns:a14="http://schemas.microsoft.com/office/drawing/2010/main" xmlns="" w="9525">
+                <a14:hiddenLine xmlns="" xmlns:a14="http://schemas.microsoft.com/office/drawing/2010/main" w="9525">
                   <a:solidFill>
                     <a:srgbClr val="000000"/>
                   </a:solidFill>
@@ -2173,7 +2173,7 @@
             </a:ln>
             <a:extLst>
               <a:ext uri="{91240B29-F687-4f45-9708-019B960494DF}">
-                <a14:hiddenLine xmlns:a14="http://schemas.microsoft.com/office/drawing/2010/main" xmlns="" w="9525">
+                <a14:hiddenLine xmlns="" xmlns:a14="http://schemas.microsoft.com/office/drawing/2010/main" w="9525">
                   <a:solidFill>
                     <a:srgbClr val="000000"/>
                   </a:solidFill>
@@ -2229,7 +2229,7 @@
             </a:ln>
             <a:extLst>
               <a:ext uri="{91240B29-F687-4f45-9708-019B960494DF}">
-                <a14:hiddenLine xmlns:a14="http://schemas.microsoft.com/office/drawing/2010/main" xmlns="" w="9525">
+                <a14:hiddenLine xmlns="" xmlns:a14="http://schemas.microsoft.com/office/drawing/2010/main" w="9525">
                   <a:solidFill>
                     <a:srgbClr val="000000"/>
                   </a:solidFill>
@@ -2319,7 +2319,7 @@
             </a:ln>
             <a:extLst>
               <a:ext uri="{91240B29-F687-4f45-9708-019B960494DF}">
-                <a14:hiddenLine xmlns:a14="http://schemas.microsoft.com/office/drawing/2010/main" xmlns="" w="9525">
+                <a14:hiddenLine xmlns="" xmlns:a14="http://schemas.microsoft.com/office/drawing/2010/main" w="9525">
                   <a:solidFill>
                     <a:srgbClr val="000000"/>
                   </a:solidFill>
@@ -2375,7 +2375,7 @@
             </a:ln>
             <a:extLst>
               <a:ext uri="{91240B29-F687-4f45-9708-019B960494DF}">
-                <a14:hiddenLine xmlns:a14="http://schemas.microsoft.com/office/drawing/2010/main" xmlns="" w="9525">
+                <a14:hiddenLine xmlns="" xmlns:a14="http://schemas.microsoft.com/office/drawing/2010/main" w="9525">
                   <a:solidFill>
                     <a:srgbClr val="000000"/>
                   </a:solidFill>
@@ -2465,7 +2465,7 @@
             </a:ln>
             <a:extLst>
               <a:ext uri="{91240B29-F687-4f45-9708-019B960494DF}">
-                <a14:hiddenLine xmlns:a14="http://schemas.microsoft.com/office/drawing/2010/main" xmlns="" w="9525">
+                <a14:hiddenLine xmlns="" xmlns:a14="http://schemas.microsoft.com/office/drawing/2010/main" w="9525">
                   <a:solidFill>
                     <a:srgbClr val="000000"/>
                   </a:solidFill>
@@ -2533,7 +2533,7 @@
             </a:ln>
             <a:extLst>
               <a:ext uri="{91240B29-F687-4f45-9708-019B960494DF}">
-                <a14:hiddenLine xmlns:a14="http://schemas.microsoft.com/office/drawing/2010/main" xmlns="" w="9525">
+                <a14:hiddenLine xmlns="" xmlns:a14="http://schemas.microsoft.com/office/drawing/2010/main" w="9525">
                   <a:solidFill>
                     <a:srgbClr val="000000"/>
                   </a:solidFill>
@@ -2623,7 +2623,7 @@
             </a:ln>
             <a:extLst>
               <a:ext uri="{91240B29-F687-4f45-9708-019B960494DF}">
-                <a14:hiddenLine xmlns:a14="http://schemas.microsoft.com/office/drawing/2010/main" xmlns="" w="9525">
+                <a14:hiddenLine xmlns="" xmlns:a14="http://schemas.microsoft.com/office/drawing/2010/main" w="9525">
                   <a:solidFill>
                     <a:srgbClr val="000000"/>
                   </a:solidFill>
@@ -2691,7 +2691,7 @@
             </a:ln>
             <a:extLst>
               <a:ext uri="{91240B29-F687-4f45-9708-019B960494DF}">
-                <a14:hiddenLine xmlns:a14="http://schemas.microsoft.com/office/drawing/2010/main" xmlns="" w="9525">
+                <a14:hiddenLine xmlns="" xmlns:a14="http://schemas.microsoft.com/office/drawing/2010/main" w="9525">
                   <a:solidFill>
                     <a:srgbClr val="000000"/>
                   </a:solidFill>
@@ -2781,7 +2781,7 @@
             </a:ln>
             <a:extLst>
               <a:ext uri="{91240B29-F687-4f45-9708-019B960494DF}">
-                <a14:hiddenLine xmlns:a14="http://schemas.microsoft.com/office/drawing/2010/main" xmlns="" w="9525">
+                <a14:hiddenLine xmlns="" xmlns:a14="http://schemas.microsoft.com/office/drawing/2010/main" w="9525">
                   <a:solidFill>
                     <a:srgbClr val="000000"/>
                   </a:solidFill>
@@ -2815,7 +2815,7 @@
             </a:ln>
             <a:extLst>
               <a:ext uri="{91240B29-F687-4f45-9708-019B960494DF}">
-                <a14:hiddenLine xmlns:a14="http://schemas.microsoft.com/office/drawing/2010/main" xmlns="" w="9525">
+                <a14:hiddenLine xmlns="" xmlns:a14="http://schemas.microsoft.com/office/drawing/2010/main" w="9525">
                   <a:solidFill>
                     <a:srgbClr val="000000"/>
                   </a:solidFill>
@@ -2905,7 +2905,7 @@
             </a:ln>
             <a:extLst>
               <a:ext uri="{91240B29-F687-4f45-9708-019B960494DF}">
-                <a14:hiddenLine xmlns:a14="http://schemas.microsoft.com/office/drawing/2010/main" xmlns="" w="9525">
+                <a14:hiddenLine xmlns="" xmlns:a14="http://schemas.microsoft.com/office/drawing/2010/main" w="9525">
                   <a:solidFill>
                     <a:srgbClr val="000000"/>
                   </a:solidFill>
@@ -2967,7 +2967,7 @@
             </a:ln>
             <a:extLst>
               <a:ext uri="{91240B29-F687-4f45-9708-019B960494DF}">
-                <a14:hiddenLine xmlns:a14="http://schemas.microsoft.com/office/drawing/2010/main" xmlns="" w="9525">
+                <a14:hiddenLine xmlns="" xmlns:a14="http://schemas.microsoft.com/office/drawing/2010/main" w="9525">
                   <a:solidFill>
                     <a:srgbClr val="000000"/>
                   </a:solidFill>
@@ -3029,7 +3029,7 @@
             </a:ln>
             <a:extLst>
               <a:ext uri="{91240B29-F687-4f45-9708-019B960494DF}">
-                <a14:hiddenLine xmlns:a14="http://schemas.microsoft.com/office/drawing/2010/main" xmlns="" w="9525">
+                <a14:hiddenLine xmlns="" xmlns:a14="http://schemas.microsoft.com/office/drawing/2010/main" w="9525">
                   <a:solidFill>
                     <a:srgbClr val="000000"/>
                   </a:solidFill>
@@ -3119,7 +3119,7 @@
             </a:ln>
             <a:extLst>
               <a:ext uri="{91240B29-F687-4f45-9708-019B960494DF}">
-                <a14:hiddenLine xmlns:a14="http://schemas.microsoft.com/office/drawing/2010/main" xmlns="" w="9525">
+                <a14:hiddenLine xmlns="" xmlns:a14="http://schemas.microsoft.com/office/drawing/2010/main" w="9525">
                   <a:solidFill>
                     <a:srgbClr val="000000"/>
                   </a:solidFill>
@@ -3187,7 +3187,7 @@
             </a:ln>
             <a:extLst>
               <a:ext uri="{91240B29-F687-4f45-9708-019B960494DF}">
-                <a14:hiddenLine xmlns:a14="http://schemas.microsoft.com/office/drawing/2010/main" xmlns="" w="9525">
+                <a14:hiddenLine xmlns="" xmlns:a14="http://schemas.microsoft.com/office/drawing/2010/main" w="9525">
                   <a:solidFill>
                     <a:srgbClr val="000000"/>
                   </a:solidFill>
@@ -3249,7 +3249,7 @@
             </a:ln>
             <a:extLst>
               <a:ext uri="{91240B29-F687-4f45-9708-019B960494DF}">
-                <a14:hiddenLine xmlns:a14="http://schemas.microsoft.com/office/drawing/2010/main" xmlns="" w="9525">
+                <a14:hiddenLine xmlns="" xmlns:a14="http://schemas.microsoft.com/office/drawing/2010/main" w="9525">
                   <a:solidFill>
                     <a:srgbClr val="000000"/>
                   </a:solidFill>
@@ -3339,7 +3339,7 @@
             </a:ln>
             <a:extLst>
               <a:ext uri="{91240B29-F687-4f45-9708-019B960494DF}">
-                <a14:hiddenLine xmlns:a14="http://schemas.microsoft.com/office/drawing/2010/main" xmlns="" w="9525">
+                <a14:hiddenLine xmlns="" xmlns:a14="http://schemas.microsoft.com/office/drawing/2010/main" w="9525">
                   <a:solidFill>
                     <a:srgbClr val="000000"/>
                   </a:solidFill>
@@ -3401,7 +3401,7 @@
             </a:ln>
             <a:extLst>
               <a:ext uri="{91240B29-F687-4f45-9708-019B960494DF}">
-                <a14:hiddenLine xmlns:a14="http://schemas.microsoft.com/office/drawing/2010/main" xmlns="" w="9525">
+                <a14:hiddenLine xmlns="" xmlns:a14="http://schemas.microsoft.com/office/drawing/2010/main" w="9525">
                   <a:solidFill>
                     <a:srgbClr val="000000"/>
                   </a:solidFill>
@@ -3491,7 +3491,7 @@
             </a:ln>
             <a:extLst>
               <a:ext uri="{91240B29-F687-4f45-9708-019B960494DF}">
-                <a14:hiddenLine xmlns:a14="http://schemas.microsoft.com/office/drawing/2010/main" xmlns="" w="9525">
+                <a14:hiddenLine xmlns="" xmlns:a14="http://schemas.microsoft.com/office/drawing/2010/main" w="9525">
                   <a:solidFill>
                     <a:srgbClr val="000000"/>
                   </a:solidFill>
@@ -3553,7 +3553,7 @@
             </a:ln>
             <a:extLst>
               <a:ext uri="{91240B29-F687-4f45-9708-019B960494DF}">
-                <a14:hiddenLine xmlns:a14="http://schemas.microsoft.com/office/drawing/2010/main" xmlns="" w="9525">
+                <a14:hiddenLine xmlns="" xmlns:a14="http://schemas.microsoft.com/office/drawing/2010/main" w="9525">
                   <a:solidFill>
                     <a:srgbClr val="000000"/>
                   </a:solidFill>
@@ -3643,7 +3643,7 @@
             </a:ln>
             <a:extLst>
               <a:ext uri="{91240B29-F687-4f45-9708-019B960494DF}">
-                <a14:hiddenLine xmlns:a14="http://schemas.microsoft.com/office/drawing/2010/main" xmlns="" w="9525">
+                <a14:hiddenLine xmlns="" xmlns:a14="http://schemas.microsoft.com/office/drawing/2010/main" w="9525">
                   <a:solidFill>
                     <a:srgbClr val="000000"/>
                   </a:solidFill>
@@ -3677,7 +3677,7 @@
             </a:ln>
             <a:extLst>
               <a:ext uri="{91240B29-F687-4f45-9708-019B960494DF}">
-                <a14:hiddenLine xmlns:a14="http://schemas.microsoft.com/office/drawing/2010/main" xmlns="" w="9525">
+                <a14:hiddenLine xmlns="" xmlns:a14="http://schemas.microsoft.com/office/drawing/2010/main" w="9525">
                   <a:solidFill>
                     <a:srgbClr val="000000"/>
                   </a:solidFill>
@@ -3742,7 +3742,7 @@
             </a:ln>
             <a:extLst>
               <a:ext uri="{91240B29-F687-4f45-9708-019B960494DF}">
-                <a14:hiddenLine xmlns:a14="http://schemas.microsoft.com/office/drawing/2010/main" xmlns="" w="9525">
+                <a14:hiddenLine xmlns="" xmlns:a14="http://schemas.microsoft.com/office/drawing/2010/main" w="9525">
                   <a:solidFill>
                     <a:srgbClr val="000000"/>
                   </a:solidFill>
@@ -3832,7 +3832,7 @@
             </a:ln>
             <a:extLst>
               <a:ext uri="{91240B29-F687-4f45-9708-019B960494DF}">
-                <a14:hiddenLine xmlns:a14="http://schemas.microsoft.com/office/drawing/2010/main" xmlns="" w="9525">
+                <a14:hiddenLine xmlns="" xmlns:a14="http://schemas.microsoft.com/office/drawing/2010/main" w="9525">
                   <a:solidFill>
                     <a:srgbClr val="000000"/>
                   </a:solidFill>
@@ -3894,7 +3894,7 @@
             </a:ln>
             <a:extLst>
               <a:ext uri="{91240B29-F687-4f45-9708-019B960494DF}">
-                <a14:hiddenLine xmlns:a14="http://schemas.microsoft.com/office/drawing/2010/main" xmlns="" w="9525">
+                <a14:hiddenLine xmlns="" xmlns:a14="http://schemas.microsoft.com/office/drawing/2010/main" w="9525">
                   <a:solidFill>
                     <a:srgbClr val="000000"/>
                   </a:solidFill>
@@ -3984,7 +3984,7 @@
             </a:ln>
             <a:extLst>
               <a:ext uri="{91240B29-F687-4f45-9708-019B960494DF}">
-                <a14:hiddenLine xmlns:a14="http://schemas.microsoft.com/office/drawing/2010/main" xmlns="" w="9525">
+                <a14:hiddenLine xmlns="" xmlns:a14="http://schemas.microsoft.com/office/drawing/2010/main" w="9525">
                   <a:solidFill>
                     <a:srgbClr val="000000"/>
                   </a:solidFill>
@@ -4074,7 +4074,7 @@
             </a:ln>
             <a:extLst>
               <a:ext uri="{91240B29-F687-4f45-9708-019B960494DF}">
-                <a14:hiddenLine xmlns:a14="http://schemas.microsoft.com/office/drawing/2010/main" xmlns="" w="9525">
+                <a14:hiddenLine xmlns="" xmlns:a14="http://schemas.microsoft.com/office/drawing/2010/main" w="9525">
                   <a:solidFill>
                     <a:srgbClr val="000000"/>
                   </a:solidFill>
@@ -4139,7 +4139,7 @@
             </a:ln>
             <a:extLst>
               <a:ext uri="{91240B29-F687-4f45-9708-019B960494DF}">
-                <a14:hiddenLine xmlns:a14="http://schemas.microsoft.com/office/drawing/2010/main" xmlns="" w="9525">
+                <a14:hiddenLine xmlns="" xmlns:a14="http://schemas.microsoft.com/office/drawing/2010/main" w="9525">
                   <a:solidFill>
                     <a:srgbClr val="000000"/>
                   </a:solidFill>
@@ -4201,7 +4201,7 @@
             </a:ln>
             <a:extLst>
               <a:ext uri="{91240B29-F687-4f45-9708-019B960494DF}">
-                <a14:hiddenLine xmlns:a14="http://schemas.microsoft.com/office/drawing/2010/main" xmlns="" w="9525">
+                <a14:hiddenLine xmlns="" xmlns:a14="http://schemas.microsoft.com/office/drawing/2010/main" w="9525">
                   <a:solidFill>
                     <a:srgbClr val="000000"/>
                   </a:solidFill>
@@ -4291,7 +4291,7 @@
             </a:ln>
             <a:extLst>
               <a:ext uri="{91240B29-F687-4f45-9708-019B960494DF}">
-                <a14:hiddenLine xmlns:a14="http://schemas.microsoft.com/office/drawing/2010/main" xmlns="" w="9525">
+                <a14:hiddenLine xmlns="" xmlns:a14="http://schemas.microsoft.com/office/drawing/2010/main" w="9525">
                   <a:solidFill>
                     <a:srgbClr val="000000"/>
                   </a:solidFill>
@@ -4381,7 +4381,7 @@
             </a:ln>
             <a:extLst>
               <a:ext uri="{91240B29-F687-4f45-9708-019B960494DF}">
-                <a14:hiddenLine xmlns:a14="http://schemas.microsoft.com/office/drawing/2010/main" xmlns="" w="9525">
+                <a14:hiddenLine xmlns="" xmlns:a14="http://schemas.microsoft.com/office/drawing/2010/main" w="9525">
                   <a:solidFill>
                     <a:srgbClr val="000000"/>
                   </a:solidFill>
@@ -4443,7 +4443,7 @@
             </a:ln>
             <a:extLst>
               <a:ext uri="{91240B29-F687-4f45-9708-019B960494DF}">
-                <a14:hiddenLine xmlns:a14="http://schemas.microsoft.com/office/drawing/2010/main" xmlns="" w="9525">
+                <a14:hiddenLine xmlns="" xmlns:a14="http://schemas.microsoft.com/office/drawing/2010/main" w="9525">
                   <a:solidFill>
                     <a:srgbClr val="000000"/>
                   </a:solidFill>
@@ -4563,7 +4563,7 @@
             </a:ln>
             <a:extLst>
               <a:ext uri="{91240B29-F687-4f45-9708-019B960494DF}">
-                <a14:hiddenLine xmlns:a14="http://schemas.microsoft.com/office/drawing/2010/main" xmlns="" w="9525">
+                <a14:hiddenLine xmlns="" xmlns:a14="http://schemas.microsoft.com/office/drawing/2010/main" w="9525">
                   <a:solidFill>
                     <a:srgbClr val="000000"/>
                   </a:solidFill>
@@ -4631,7 +4631,7 @@
             </a:ln>
             <a:extLst>
               <a:ext uri="{91240B29-F687-4f45-9708-019B960494DF}">
-                <a14:hiddenLine xmlns:a14="http://schemas.microsoft.com/office/drawing/2010/main" xmlns="" w="9525">
+                <a14:hiddenLine xmlns="" xmlns:a14="http://schemas.microsoft.com/office/drawing/2010/main" w="9525">
                   <a:solidFill>
                     <a:srgbClr val="000000"/>
                   </a:solidFill>
@@ -4721,7 +4721,7 @@
             </a:ln>
             <a:extLst>
               <a:ext uri="{91240B29-F687-4f45-9708-019B960494DF}">
-                <a14:hiddenLine xmlns:a14="http://schemas.microsoft.com/office/drawing/2010/main" xmlns="" w="9525">
+                <a14:hiddenLine xmlns="" xmlns:a14="http://schemas.microsoft.com/office/drawing/2010/main" w="9525">
                   <a:solidFill>
                     <a:srgbClr val="000000"/>
                   </a:solidFill>
@@ -4861,7 +4861,7 @@
           <a:p>
             <a:fld id="{EC4347D3-4C9A-C240-8F14-750059DFEEB0}" type="datetimeFigureOut">
               <a:rPr lang="en-US" smtClean="0"/>
-              <a:t>1/25/24</a:t>
+              <a:t>8/29/24</a:t>
             </a:fld>
             <a:endParaRPr lang="en-US"/>
           </a:p>
@@ -5128,7 +5128,7 @@
           <a:p>
             <a:fld id="{EC4347D3-4C9A-C240-8F14-750059DFEEB0}" type="datetimeFigureOut">
               <a:rPr lang="en-US" smtClean="0"/>
-              <a:t>1/25/24</a:t>
+              <a:t>8/29/24</a:t>
             </a:fld>
             <a:endParaRPr lang="en-US"/>
           </a:p>
@@ -5324,7 +5324,7 @@
           <a:p>
             <a:fld id="{EC4347D3-4C9A-C240-8F14-750059DFEEB0}" type="datetimeFigureOut">
               <a:rPr lang="en-US" smtClean="0"/>
-              <a:t>1/25/24</a:t>
+              <a:t>8/29/24</a:t>
             </a:fld>
             <a:endParaRPr lang="en-US"/>
           </a:p>
@@ -5587,7 +5587,7 @@
           <a:p>
             <a:fld id="{EC4347D3-4C9A-C240-8F14-750059DFEEB0}" type="datetimeFigureOut">
               <a:rPr lang="en-US" smtClean="0"/>
-              <a:t>1/25/24</a:t>
+              <a:t>8/29/24</a:t>
             </a:fld>
             <a:endParaRPr lang="en-US"/>
           </a:p>
@@ -6021,7 +6021,7 @@
           <a:p>
             <a:fld id="{EC4347D3-4C9A-C240-8F14-750059DFEEB0}" type="datetimeFigureOut">
               <a:rPr lang="en-US" smtClean="0"/>
-              <a:t>1/25/24</a:t>
+              <a:t>8/29/24</a:t>
             </a:fld>
             <a:endParaRPr lang="en-US"/>
           </a:p>
@@ -6567,7 +6567,7 @@
           <a:p>
             <a:fld id="{EC4347D3-4C9A-C240-8F14-750059DFEEB0}" type="datetimeFigureOut">
               <a:rPr lang="en-US" smtClean="0"/>
-              <a:t>1/25/24</a:t>
+              <a:t>8/29/24</a:t>
             </a:fld>
             <a:endParaRPr lang="en-US"/>
           </a:p>
@@ -7287,7 +7287,7 @@
           <a:p>
             <a:fld id="{EC4347D3-4C9A-C240-8F14-750059DFEEB0}" type="datetimeFigureOut">
               <a:rPr lang="en-US" smtClean="0"/>
-              <a:t>1/25/24</a:t>
+              <a:t>8/29/24</a:t>
             </a:fld>
             <a:endParaRPr lang="en-US"/>
           </a:p>
@@ -7457,7 +7457,7 @@
           <a:p>
             <a:fld id="{EC4347D3-4C9A-C240-8F14-750059DFEEB0}" type="datetimeFigureOut">
               <a:rPr lang="en-US" smtClean="0"/>
-              <a:t>1/25/24</a:t>
+              <a:t>8/29/24</a:t>
             </a:fld>
             <a:endParaRPr lang="en-US"/>
           </a:p>
@@ -7637,7 +7637,7 @@
           <a:p>
             <a:fld id="{EC4347D3-4C9A-C240-8F14-750059DFEEB0}" type="datetimeFigureOut">
               <a:rPr lang="en-US" smtClean="0"/>
-              <a:t>1/25/24</a:t>
+              <a:t>8/29/24</a:t>
             </a:fld>
             <a:endParaRPr lang="en-US"/>
           </a:p>
@@ -7807,7 +7807,7 @@
           <a:p>
             <a:fld id="{EC4347D3-4C9A-C240-8F14-750059DFEEB0}" type="datetimeFigureOut">
               <a:rPr lang="en-US" smtClean="0"/>
-              <a:t>1/25/24</a:t>
+              <a:t>8/29/24</a:t>
             </a:fld>
             <a:endParaRPr lang="en-US"/>
           </a:p>
@@ -8057,7 +8057,7 @@
           <a:p>
             <a:fld id="{EC4347D3-4C9A-C240-8F14-750059DFEEB0}" type="datetimeFigureOut">
               <a:rPr lang="en-US" smtClean="0"/>
-              <a:t>1/25/24</a:t>
+              <a:t>8/29/24</a:t>
             </a:fld>
             <a:endParaRPr lang="en-US"/>
           </a:p>
@@ -8289,7 +8289,7 @@
           <a:p>
             <a:fld id="{EC4347D3-4C9A-C240-8F14-750059DFEEB0}" type="datetimeFigureOut">
               <a:rPr lang="en-US" smtClean="0"/>
-              <a:t>1/25/24</a:t>
+              <a:t>8/29/24</a:t>
             </a:fld>
             <a:endParaRPr lang="en-US"/>
           </a:p>
@@ -8675,7 +8675,7 @@
           <a:p>
             <a:fld id="{EC4347D3-4C9A-C240-8F14-750059DFEEB0}" type="datetimeFigureOut">
               <a:rPr lang="en-US" smtClean="0"/>
-              <a:t>1/25/24</a:t>
+              <a:t>8/29/24</a:t>
             </a:fld>
             <a:endParaRPr lang="en-US"/>
           </a:p>
@@ -8798,7 +8798,7 @@
           <a:p>
             <a:fld id="{EC4347D3-4C9A-C240-8F14-750059DFEEB0}" type="datetimeFigureOut">
               <a:rPr lang="en-US" smtClean="0"/>
-              <a:t>1/25/24</a:t>
+              <a:t>8/29/24</a:t>
             </a:fld>
             <a:endParaRPr lang="en-US"/>
           </a:p>
@@ -8893,7 +8893,7 @@
           <a:p>
             <a:fld id="{EC4347D3-4C9A-C240-8F14-750059DFEEB0}" type="datetimeFigureOut">
               <a:rPr lang="en-US" smtClean="0"/>
-              <a:t>1/25/24</a:t>
+              <a:t>8/29/24</a:t>
             </a:fld>
             <a:endParaRPr lang="en-US"/>
           </a:p>
@@ -9142,7 +9142,7 @@
           <a:p>
             <a:fld id="{EC4347D3-4C9A-C240-8F14-750059DFEEB0}" type="datetimeFigureOut">
               <a:rPr lang="en-US" smtClean="0"/>
-              <a:t>1/25/24</a:t>
+              <a:t>8/29/24</a:t>
             </a:fld>
             <a:endParaRPr lang="en-US"/>
           </a:p>
@@ -9427,7 +9427,7 @@
           <a:p>
             <a:fld id="{EC4347D3-4C9A-C240-8F14-750059DFEEB0}" type="datetimeFigureOut">
               <a:rPr lang="en-US" smtClean="0"/>
-              <a:t>1/25/24</a:t>
+              <a:t>8/29/24</a:t>
             </a:fld>
             <a:endParaRPr lang="en-US"/>
           </a:p>
@@ -9550,7 +9550,7 @@
           <a:noFill/>
           <a:extLst>
             <a:ext uri="{909E8E84-426E-40dd-AFC4-6F175D3DCCD1}">
-              <a14:hiddenFill xmlns:a14="http://schemas.microsoft.com/office/drawing/2010/main" xmlns="">
+              <a14:hiddenFill xmlns="" xmlns:a14="http://schemas.microsoft.com/office/drawing/2010/main">
                 <a:solidFill>
                   <a:srgbClr val="FFFFFF"/>
                 </a:solidFill>
@@ -9624,7 +9624,7 @@
               </a:ln>
               <a:extLst>
                 <a:ext uri="{91240B29-F687-4f45-9708-019B960494DF}">
-                  <a14:hiddenLine xmlns:a14="http://schemas.microsoft.com/office/drawing/2010/main" xmlns="" w="9525">
+                  <a14:hiddenLine xmlns="" xmlns:a14="http://schemas.microsoft.com/office/drawing/2010/main" w="9525">
                     <a:solidFill>
                       <a:srgbClr val="000000"/>
                     </a:solidFill>
@@ -9714,7 +9714,7 @@
               </a:ln>
               <a:extLst>
                 <a:ext uri="{91240B29-F687-4f45-9708-019B960494DF}">
-                  <a14:hiddenLine xmlns:a14="http://schemas.microsoft.com/office/drawing/2010/main" xmlns="" w="9525">
+                  <a14:hiddenLine xmlns="" xmlns:a14="http://schemas.microsoft.com/office/drawing/2010/main" w="9525">
                     <a:solidFill>
                       <a:srgbClr val="000000"/>
                     </a:solidFill>
@@ -9804,7 +9804,7 @@
               </a:ln>
               <a:extLst>
                 <a:ext uri="{91240B29-F687-4f45-9708-019B960494DF}">
-                  <a14:hiddenLine xmlns:a14="http://schemas.microsoft.com/office/drawing/2010/main" xmlns="" w="9525">
+                  <a14:hiddenLine xmlns="" xmlns:a14="http://schemas.microsoft.com/office/drawing/2010/main" w="9525">
                     <a:solidFill>
                       <a:srgbClr val="000000"/>
                     </a:solidFill>
@@ -9866,7 +9866,7 @@
               </a:ln>
               <a:extLst>
                 <a:ext uri="{91240B29-F687-4f45-9708-019B960494DF}">
-                  <a14:hiddenLine xmlns:a14="http://schemas.microsoft.com/office/drawing/2010/main" xmlns="" w="9525">
+                  <a14:hiddenLine xmlns="" xmlns:a14="http://schemas.microsoft.com/office/drawing/2010/main" w="9525">
                     <a:solidFill>
                       <a:srgbClr val="000000"/>
                     </a:solidFill>
@@ -9956,7 +9956,7 @@
               </a:ln>
               <a:extLst>
                 <a:ext uri="{91240B29-F687-4f45-9708-019B960494DF}">
-                  <a14:hiddenLine xmlns:a14="http://schemas.microsoft.com/office/drawing/2010/main" xmlns="" w="9525">
+                  <a14:hiddenLine xmlns="" xmlns:a14="http://schemas.microsoft.com/office/drawing/2010/main" w="9525">
                     <a:solidFill>
                       <a:srgbClr val="000000"/>
                     </a:solidFill>
@@ -10018,7 +10018,7 @@
               </a:ln>
               <a:extLst>
                 <a:ext uri="{91240B29-F687-4f45-9708-019B960494DF}">
-                  <a14:hiddenLine xmlns:a14="http://schemas.microsoft.com/office/drawing/2010/main" xmlns="" w="9525">
+                  <a14:hiddenLine xmlns="" xmlns:a14="http://schemas.microsoft.com/office/drawing/2010/main" w="9525">
                     <a:solidFill>
                       <a:srgbClr val="000000"/>
                     </a:solidFill>
@@ -10080,7 +10080,7 @@
               </a:ln>
               <a:extLst>
                 <a:ext uri="{91240B29-F687-4f45-9708-019B960494DF}">
-                  <a14:hiddenLine xmlns:a14="http://schemas.microsoft.com/office/drawing/2010/main" xmlns="" w="9525">
+                  <a14:hiddenLine xmlns="" xmlns:a14="http://schemas.microsoft.com/office/drawing/2010/main" w="9525">
                     <a:solidFill>
                       <a:srgbClr val="000000"/>
                     </a:solidFill>
@@ -10170,7 +10170,7 @@
               </a:ln>
               <a:extLst>
                 <a:ext uri="{91240B29-F687-4f45-9708-019B960494DF}">
-                  <a14:hiddenLine xmlns:a14="http://schemas.microsoft.com/office/drawing/2010/main" xmlns="" w="9525">
+                  <a14:hiddenLine xmlns="" xmlns:a14="http://schemas.microsoft.com/office/drawing/2010/main" w="9525">
                     <a:solidFill>
                       <a:srgbClr val="000000"/>
                     </a:solidFill>
@@ -10260,7 +10260,7 @@
               </a:ln>
               <a:extLst>
                 <a:ext uri="{91240B29-F687-4f45-9708-019B960494DF}">
-                  <a14:hiddenLine xmlns:a14="http://schemas.microsoft.com/office/drawing/2010/main" xmlns="" w="9525">
+                  <a14:hiddenLine xmlns="" xmlns:a14="http://schemas.microsoft.com/office/drawing/2010/main" w="9525">
                     <a:solidFill>
                       <a:srgbClr val="000000"/>
                     </a:solidFill>
@@ -10322,7 +10322,7 @@
               </a:ln>
               <a:extLst>
                 <a:ext uri="{91240B29-F687-4f45-9708-019B960494DF}">
-                  <a14:hiddenLine xmlns:a14="http://schemas.microsoft.com/office/drawing/2010/main" xmlns="" w="9525">
+                  <a14:hiddenLine xmlns="" xmlns:a14="http://schemas.microsoft.com/office/drawing/2010/main" w="9525">
                     <a:solidFill>
                       <a:srgbClr val="000000"/>
                     </a:solidFill>
@@ -10432,7 +10432,7 @@
               </a:ln>
               <a:extLst>
                 <a:ext uri="{91240B29-F687-4f45-9708-019B960494DF}">
-                  <a14:hiddenLine xmlns:a14="http://schemas.microsoft.com/office/drawing/2010/main" xmlns="" w="9525">
+                  <a14:hiddenLine xmlns="" xmlns:a14="http://schemas.microsoft.com/office/drawing/2010/main" w="9525">
                     <a:solidFill>
                       <a:srgbClr val="000000"/>
                     </a:solidFill>
@@ -10516,7 +10516,7 @@
               </a:ln>
               <a:extLst>
                 <a:ext uri="{91240B29-F687-4f45-9708-019B960494DF}">
-                  <a14:hiddenLine xmlns:a14="http://schemas.microsoft.com/office/drawing/2010/main" xmlns="" w="9525">
+                  <a14:hiddenLine xmlns="" xmlns:a14="http://schemas.microsoft.com/office/drawing/2010/main" w="9525">
                     <a:solidFill>
                       <a:srgbClr val="000000"/>
                     </a:solidFill>
@@ -10578,7 +10578,7 @@
               </a:ln>
               <a:extLst>
                 <a:ext uri="{91240B29-F687-4f45-9708-019B960494DF}">
-                  <a14:hiddenLine xmlns:a14="http://schemas.microsoft.com/office/drawing/2010/main" xmlns="" w="9525">
+                  <a14:hiddenLine xmlns="" xmlns:a14="http://schemas.microsoft.com/office/drawing/2010/main" w="9525">
                     <a:solidFill>
                       <a:srgbClr val="000000"/>
                     </a:solidFill>
@@ -10640,7 +10640,7 @@
               </a:ln>
               <a:extLst>
                 <a:ext uri="{91240B29-F687-4f45-9708-019B960494DF}">
-                  <a14:hiddenLine xmlns:a14="http://schemas.microsoft.com/office/drawing/2010/main" xmlns="" w="9525">
+                  <a14:hiddenLine xmlns="" xmlns:a14="http://schemas.microsoft.com/office/drawing/2010/main" w="9525">
                     <a:solidFill>
                       <a:srgbClr val="000000"/>
                     </a:solidFill>
@@ -10730,7 +10730,7 @@
               </a:ln>
               <a:extLst>
                 <a:ext uri="{91240B29-F687-4f45-9708-019B960494DF}">
-                  <a14:hiddenLine xmlns:a14="http://schemas.microsoft.com/office/drawing/2010/main" xmlns="" w="9525">
+                  <a14:hiddenLine xmlns="" xmlns:a14="http://schemas.microsoft.com/office/drawing/2010/main" w="9525">
                     <a:solidFill>
                       <a:srgbClr val="000000"/>
                     </a:solidFill>
@@ -10764,7 +10764,7 @@
               </a:ln>
               <a:extLst>
                 <a:ext uri="{91240B29-F687-4f45-9708-019B960494DF}">
-                  <a14:hiddenLine xmlns:a14="http://schemas.microsoft.com/office/drawing/2010/main" xmlns="" w="9525">
+                  <a14:hiddenLine xmlns="" xmlns:a14="http://schemas.microsoft.com/office/drawing/2010/main" w="9525">
                     <a:solidFill>
                       <a:srgbClr val="000000"/>
                     </a:solidFill>
@@ -10829,7 +10829,7 @@
               </a:ln>
               <a:extLst>
                 <a:ext uri="{91240B29-F687-4f45-9708-019B960494DF}">
-                  <a14:hiddenLine xmlns:a14="http://schemas.microsoft.com/office/drawing/2010/main" xmlns="" w="9525">
+                  <a14:hiddenLine xmlns="" xmlns:a14="http://schemas.microsoft.com/office/drawing/2010/main" w="9525">
                     <a:solidFill>
                       <a:srgbClr val="000000"/>
                     </a:solidFill>
@@ -10919,7 +10919,7 @@
               </a:ln>
               <a:extLst>
                 <a:ext uri="{91240B29-F687-4f45-9708-019B960494DF}">
-                  <a14:hiddenLine xmlns:a14="http://schemas.microsoft.com/office/drawing/2010/main" xmlns="" w="9525">
+                  <a14:hiddenLine xmlns="" xmlns:a14="http://schemas.microsoft.com/office/drawing/2010/main" w="9525">
                     <a:solidFill>
                       <a:srgbClr val="000000"/>
                     </a:solidFill>
@@ -10981,7 +10981,7 @@
               </a:ln>
               <a:extLst>
                 <a:ext uri="{91240B29-F687-4f45-9708-019B960494DF}">
-                  <a14:hiddenLine xmlns:a14="http://schemas.microsoft.com/office/drawing/2010/main" xmlns="" w="9525">
+                  <a14:hiddenLine xmlns="" xmlns:a14="http://schemas.microsoft.com/office/drawing/2010/main" w="9525">
                     <a:solidFill>
                       <a:srgbClr val="000000"/>
                     </a:solidFill>
@@ -11071,7 +11071,7 @@
               </a:ln>
               <a:extLst>
                 <a:ext uri="{91240B29-F687-4f45-9708-019B960494DF}">
-                  <a14:hiddenLine xmlns:a14="http://schemas.microsoft.com/office/drawing/2010/main" xmlns="" w="9525">
+                  <a14:hiddenLine xmlns="" xmlns:a14="http://schemas.microsoft.com/office/drawing/2010/main" w="9525">
                     <a:solidFill>
                       <a:srgbClr val="000000"/>
                     </a:solidFill>
@@ -11136,7 +11136,7 @@
               </a:ln>
               <a:extLst>
                 <a:ext uri="{91240B29-F687-4f45-9708-019B960494DF}">
-                  <a14:hiddenLine xmlns:a14="http://schemas.microsoft.com/office/drawing/2010/main" xmlns="" w="9525">
+                  <a14:hiddenLine xmlns="" xmlns:a14="http://schemas.microsoft.com/office/drawing/2010/main" w="9525">
                     <a:solidFill>
                       <a:srgbClr val="000000"/>
                     </a:solidFill>
@@ -11198,7 +11198,7 @@
               </a:ln>
               <a:extLst>
                 <a:ext uri="{91240B29-F687-4f45-9708-019B960494DF}">
-                  <a14:hiddenLine xmlns:a14="http://schemas.microsoft.com/office/drawing/2010/main" xmlns="" w="9525">
+                  <a14:hiddenLine xmlns="" xmlns:a14="http://schemas.microsoft.com/office/drawing/2010/main" w="9525">
                     <a:solidFill>
                       <a:srgbClr val="000000"/>
                     </a:solidFill>
@@ -11288,7 +11288,7 @@
               </a:ln>
               <a:extLst>
                 <a:ext uri="{91240B29-F687-4f45-9708-019B960494DF}">
-                  <a14:hiddenLine xmlns:a14="http://schemas.microsoft.com/office/drawing/2010/main" xmlns="" w="9525">
+                  <a14:hiddenLine xmlns="" xmlns:a14="http://schemas.microsoft.com/office/drawing/2010/main" w="9525">
                     <a:solidFill>
                       <a:srgbClr val="000000"/>
                     </a:solidFill>
@@ -11378,7 +11378,7 @@
               </a:ln>
               <a:extLst>
                 <a:ext uri="{91240B29-F687-4f45-9708-019B960494DF}">
-                  <a14:hiddenLine xmlns:a14="http://schemas.microsoft.com/office/drawing/2010/main" xmlns="" w="9525">
+                  <a14:hiddenLine xmlns="" xmlns:a14="http://schemas.microsoft.com/office/drawing/2010/main" w="9525">
                     <a:solidFill>
                       <a:srgbClr val="000000"/>
                     </a:solidFill>
@@ -11443,7 +11443,7 @@
               </a:ln>
               <a:extLst>
                 <a:ext uri="{91240B29-F687-4f45-9708-019B960494DF}">
-                  <a14:hiddenLine xmlns:a14="http://schemas.microsoft.com/office/drawing/2010/main" xmlns="" w="9525">
+                  <a14:hiddenLine xmlns="" xmlns:a14="http://schemas.microsoft.com/office/drawing/2010/main" w="9525">
                     <a:solidFill>
                       <a:srgbClr val="000000"/>
                     </a:solidFill>
@@ -11563,7 +11563,7 @@
               </a:ln>
               <a:extLst>
                 <a:ext uri="{91240B29-F687-4f45-9708-019B960494DF}">
-                  <a14:hiddenLine xmlns:a14="http://schemas.microsoft.com/office/drawing/2010/main" xmlns="" w="9525">
+                  <a14:hiddenLine xmlns="" xmlns:a14="http://schemas.microsoft.com/office/drawing/2010/main" w="9525">
                     <a:solidFill>
                       <a:srgbClr val="000000"/>
                     </a:solidFill>
@@ -11644,7 +11644,7 @@
               </a:ln>
               <a:extLst>
                 <a:ext uri="{91240B29-F687-4f45-9708-019B960494DF}">
-                  <a14:hiddenLine xmlns:a14="http://schemas.microsoft.com/office/drawing/2010/main" xmlns="" w="9525">
+                  <a14:hiddenLine xmlns="" xmlns:a14="http://schemas.microsoft.com/office/drawing/2010/main" w="9525">
                     <a:solidFill>
                       <a:srgbClr val="000000"/>
                     </a:solidFill>
@@ -11759,7 +11759,7 @@
               </a:ln>
               <a:extLst>
                 <a:ext uri="{91240B29-F687-4f45-9708-019B960494DF}">
-                  <a14:hiddenLine xmlns:a14="http://schemas.microsoft.com/office/drawing/2010/main" xmlns="" w="9525">
+                  <a14:hiddenLine xmlns="" xmlns:a14="http://schemas.microsoft.com/office/drawing/2010/main" w="9525">
                     <a:solidFill>
                       <a:srgbClr val="000000"/>
                     </a:solidFill>
@@ -11849,7 +11849,7 @@
               </a:ln>
               <a:extLst>
                 <a:ext uri="{91240B29-F687-4f45-9708-019B960494DF}">
-                  <a14:hiddenLine xmlns:a14="http://schemas.microsoft.com/office/drawing/2010/main" xmlns="" w="9525">
+                  <a14:hiddenLine xmlns="" xmlns:a14="http://schemas.microsoft.com/office/drawing/2010/main" w="9525">
                     <a:solidFill>
                       <a:srgbClr val="000000"/>
                     </a:solidFill>
@@ -11914,7 +11914,7 @@
               </a:ln>
               <a:extLst>
                 <a:ext uri="{91240B29-F687-4f45-9708-019B960494DF}">
-                  <a14:hiddenLine xmlns:a14="http://schemas.microsoft.com/office/drawing/2010/main" xmlns="" w="9525">
+                  <a14:hiddenLine xmlns="" xmlns:a14="http://schemas.microsoft.com/office/drawing/2010/main" w="9525">
                     <a:solidFill>
                       <a:srgbClr val="000000"/>
                     </a:solidFill>
@@ -12004,7 +12004,7 @@
               </a:ln>
               <a:extLst>
                 <a:ext uri="{91240B29-F687-4f45-9708-019B960494DF}">
-                  <a14:hiddenLine xmlns:a14="http://schemas.microsoft.com/office/drawing/2010/main" xmlns="" w="9525">
+                  <a14:hiddenLine xmlns="" xmlns:a14="http://schemas.microsoft.com/office/drawing/2010/main" w="9525">
                     <a:solidFill>
                       <a:srgbClr val="000000"/>
                     </a:solidFill>
@@ -12072,7 +12072,7 @@
               </a:ln>
               <a:extLst>
                 <a:ext uri="{91240B29-F687-4f45-9708-019B960494DF}">
-                  <a14:hiddenLine xmlns:a14="http://schemas.microsoft.com/office/drawing/2010/main" xmlns="" w="9525">
+                  <a14:hiddenLine xmlns="" xmlns:a14="http://schemas.microsoft.com/office/drawing/2010/main" w="9525">
                     <a:solidFill>
                       <a:srgbClr val="000000"/>
                     </a:solidFill>
@@ -12162,7 +12162,7 @@
               </a:ln>
               <a:extLst>
                 <a:ext uri="{91240B29-F687-4f45-9708-019B960494DF}">
-                  <a14:hiddenLine xmlns:a14="http://schemas.microsoft.com/office/drawing/2010/main" xmlns="" w="9525">
+                  <a14:hiddenLine xmlns="" xmlns:a14="http://schemas.microsoft.com/office/drawing/2010/main" w="9525">
                     <a:solidFill>
                       <a:srgbClr val="000000"/>
                     </a:solidFill>
@@ -12230,7 +12230,7 @@
               </a:ln>
               <a:extLst>
                 <a:ext uri="{91240B29-F687-4f45-9708-019B960494DF}">
-                  <a14:hiddenLine xmlns:a14="http://schemas.microsoft.com/office/drawing/2010/main" xmlns="" w="9525">
+                  <a14:hiddenLine xmlns="" xmlns:a14="http://schemas.microsoft.com/office/drawing/2010/main" w="9525">
                     <a:solidFill>
                       <a:srgbClr val="000000"/>
                     </a:solidFill>
@@ -12320,7 +12320,7 @@
               </a:ln>
               <a:extLst>
                 <a:ext uri="{91240B29-F687-4f45-9708-019B960494DF}">
-                  <a14:hiddenLine xmlns:a14="http://schemas.microsoft.com/office/drawing/2010/main" xmlns="" w="9525">
+                  <a14:hiddenLine xmlns="" xmlns:a14="http://schemas.microsoft.com/office/drawing/2010/main" w="9525">
                     <a:solidFill>
                       <a:srgbClr val="000000"/>
                     </a:solidFill>
@@ -12354,7 +12354,7 @@
               </a:ln>
               <a:extLst>
                 <a:ext uri="{91240B29-F687-4f45-9708-019B960494DF}">
-                  <a14:hiddenLine xmlns:a14="http://schemas.microsoft.com/office/drawing/2010/main" xmlns="" w="9525">
+                  <a14:hiddenLine xmlns="" xmlns:a14="http://schemas.microsoft.com/office/drawing/2010/main" w="9525">
                     <a:solidFill>
                       <a:srgbClr val="000000"/>
                     </a:solidFill>
@@ -12494,7 +12494,7 @@
           <a:p>
             <a:fld id="{EC4347D3-4C9A-C240-8F14-750059DFEEB0}" type="datetimeFigureOut">
               <a:rPr lang="en-US" smtClean="0"/>
-              <a:t>1/25/24</a:t>
+              <a:t>8/29/24</a:t>
             </a:fld>
             <a:endParaRPr lang="en-US"/>
           </a:p>
@@ -14052,16 +14052,13 @@
             </a:r>
             <a:r>
               <a:rPr lang="en-US" sz="1800" dirty="0"/>
-              <a:t>: Draw nodes in a circle and number them 0 through n-1. Match each node with the one next to it (2 edges per node) and also to the one directly across from it (3</a:t>
+              <a:t>: Draw nodes in a circle and number them 0 through n-1. Match each node with the one next to it (2 edges per node) and also to the one directly across from it (node </a:t>
             </a:r>
             <a:r>
-              <a:rPr lang="en-US" sz="1800" baseline="30000" dirty="0"/>
-              <a:t>rd</a:t>
+              <a:rPr lang="en-US" sz="1800"/>
+              <a:t>that is n/2 away).</a:t>
             </a:r>
-            <a:r>
-              <a:rPr lang="en-US" sz="1800" dirty="0"/>
-              <a:t> edge per node).</a:t>
-            </a:r>
+            <a:endParaRPr lang="en-US" sz="1800" dirty="0"/>
           </a:p>
         </p:txBody>
       </p:sp>

--- a/slides/01-ReviewOfProofs.pptx
+++ b/slides/01-ReviewOfProofs.pptx
@@ -228,7 +228,7 @@
           <a:p>
             <a:fld id="{C5B45307-6ED4-B142-BD64-10F739779302}" type="datetimeFigureOut">
               <a:rPr lang="en-US" smtClean="0"/>
-              <a:t>8/29/24</a:t>
+              <a:t>9/2/24</a:t>
             </a:fld>
             <a:endParaRPr lang="en-US"/>
           </a:p>
@@ -636,7 +636,7 @@
           <a:noFill/>
           <a:extLst>
             <a:ext uri="{909E8E84-426E-40dd-AFC4-6F175D3DCCD1}">
-              <a14:hiddenFill xmlns="" xmlns:a14="http://schemas.microsoft.com/office/drawing/2010/main">
+              <a14:hiddenFill xmlns:a14="http://schemas.microsoft.com/office/drawing/2010/main" xmlns="">
                 <a:solidFill>
                   <a:srgbClr val="FFFFFF"/>
                 </a:solidFill>
@@ -695,7 +695,7 @@
             </a:ln>
             <a:extLst>
               <a:ext uri="{91240B29-F687-4f45-9708-019B960494DF}">
-                <a14:hiddenLine xmlns="" xmlns:a14="http://schemas.microsoft.com/office/drawing/2010/main" w="9525">
+                <a14:hiddenLine xmlns:a14="http://schemas.microsoft.com/office/drawing/2010/main" xmlns="" w="9525">
                   <a:solidFill>
                     <a:srgbClr val="000000"/>
                   </a:solidFill>
@@ -785,7 +785,7 @@
             </a:ln>
             <a:extLst>
               <a:ext uri="{91240B29-F687-4f45-9708-019B960494DF}">
-                <a14:hiddenLine xmlns="" xmlns:a14="http://schemas.microsoft.com/office/drawing/2010/main" w="9525">
+                <a14:hiddenLine xmlns:a14="http://schemas.microsoft.com/office/drawing/2010/main" xmlns="" w="9525">
                   <a:solidFill>
                     <a:srgbClr val="000000"/>
                   </a:solidFill>
@@ -875,7 +875,7 @@
             </a:ln>
             <a:extLst>
               <a:ext uri="{91240B29-F687-4f45-9708-019B960494DF}">
-                <a14:hiddenLine xmlns="" xmlns:a14="http://schemas.microsoft.com/office/drawing/2010/main" w="9525">
+                <a14:hiddenLine xmlns:a14="http://schemas.microsoft.com/office/drawing/2010/main" xmlns="" w="9525">
                   <a:solidFill>
                     <a:srgbClr val="000000"/>
                   </a:solidFill>
@@ -909,7 +909,7 @@
             </a:ln>
             <a:extLst>
               <a:ext uri="{91240B29-F687-4f45-9708-019B960494DF}">
-                <a14:hiddenLine xmlns="" xmlns:a14="http://schemas.microsoft.com/office/drawing/2010/main" w="9525">
+                <a14:hiddenLine xmlns:a14="http://schemas.microsoft.com/office/drawing/2010/main" xmlns="" w="9525">
                   <a:solidFill>
                     <a:srgbClr val="000000"/>
                   </a:solidFill>
@@ -999,7 +999,7 @@
             </a:ln>
             <a:extLst>
               <a:ext uri="{91240B29-F687-4f45-9708-019B960494DF}">
-                <a14:hiddenLine xmlns="" xmlns:a14="http://schemas.microsoft.com/office/drawing/2010/main" w="9525">
+                <a14:hiddenLine xmlns:a14="http://schemas.microsoft.com/office/drawing/2010/main" xmlns="" w="9525">
                   <a:solidFill>
                     <a:srgbClr val="000000"/>
                   </a:solidFill>
@@ -1061,7 +1061,7 @@
             </a:ln>
             <a:extLst>
               <a:ext uri="{91240B29-F687-4f45-9708-019B960494DF}">
-                <a14:hiddenLine xmlns="" xmlns:a14="http://schemas.microsoft.com/office/drawing/2010/main" w="9525">
+                <a14:hiddenLine xmlns:a14="http://schemas.microsoft.com/office/drawing/2010/main" xmlns="" w="9525">
                   <a:solidFill>
                     <a:srgbClr val="000000"/>
                   </a:solidFill>
@@ -1123,7 +1123,7 @@
             </a:ln>
             <a:extLst>
               <a:ext uri="{91240B29-F687-4f45-9708-019B960494DF}">
-                <a14:hiddenLine xmlns="" xmlns:a14="http://schemas.microsoft.com/office/drawing/2010/main" w="9525">
+                <a14:hiddenLine xmlns:a14="http://schemas.microsoft.com/office/drawing/2010/main" xmlns="" w="9525">
                   <a:solidFill>
                     <a:srgbClr val="000000"/>
                   </a:solidFill>
@@ -1213,7 +1213,7 @@
             </a:ln>
             <a:extLst>
               <a:ext uri="{91240B29-F687-4f45-9708-019B960494DF}">
-                <a14:hiddenLine xmlns="" xmlns:a14="http://schemas.microsoft.com/office/drawing/2010/main" w="9525">
+                <a14:hiddenLine xmlns:a14="http://schemas.microsoft.com/office/drawing/2010/main" xmlns="" w="9525">
                   <a:solidFill>
                     <a:srgbClr val="000000"/>
                   </a:solidFill>
@@ -1275,7 +1275,7 @@
             </a:ln>
             <a:extLst>
               <a:ext uri="{91240B29-F687-4f45-9708-019B960494DF}">
-                <a14:hiddenLine xmlns="" xmlns:a14="http://schemas.microsoft.com/office/drawing/2010/main" w="9525">
+                <a14:hiddenLine xmlns:a14="http://schemas.microsoft.com/office/drawing/2010/main" xmlns="" w="9525">
                   <a:solidFill>
                     <a:srgbClr val="000000"/>
                   </a:solidFill>
@@ -1337,7 +1337,7 @@
             </a:ln>
             <a:extLst>
               <a:ext uri="{91240B29-F687-4f45-9708-019B960494DF}">
-                <a14:hiddenLine xmlns="" xmlns:a14="http://schemas.microsoft.com/office/drawing/2010/main" w="9525">
+                <a14:hiddenLine xmlns:a14="http://schemas.microsoft.com/office/drawing/2010/main" xmlns="" w="9525">
                   <a:solidFill>
                     <a:srgbClr val="000000"/>
                   </a:solidFill>
@@ -1427,7 +1427,7 @@
             </a:ln>
             <a:extLst>
               <a:ext uri="{91240B29-F687-4f45-9708-019B960494DF}">
-                <a14:hiddenLine xmlns="" xmlns:a14="http://schemas.microsoft.com/office/drawing/2010/main" w="9525">
+                <a14:hiddenLine xmlns:a14="http://schemas.microsoft.com/office/drawing/2010/main" xmlns="" w="9525">
                   <a:solidFill>
                     <a:srgbClr val="000000"/>
                   </a:solidFill>
@@ -1517,7 +1517,7 @@
             </a:ln>
             <a:extLst>
               <a:ext uri="{91240B29-F687-4f45-9708-019B960494DF}">
-                <a14:hiddenLine xmlns="" xmlns:a14="http://schemas.microsoft.com/office/drawing/2010/main" w="9525">
+                <a14:hiddenLine xmlns:a14="http://schemas.microsoft.com/office/drawing/2010/main" xmlns="" w="9525">
                   <a:solidFill>
                     <a:srgbClr val="000000"/>
                   </a:solidFill>
@@ -1579,7 +1579,7 @@
             </a:ln>
             <a:extLst>
               <a:ext uri="{91240B29-F687-4f45-9708-019B960494DF}">
-                <a14:hiddenLine xmlns="" xmlns:a14="http://schemas.microsoft.com/office/drawing/2010/main" w="9525">
+                <a14:hiddenLine xmlns:a14="http://schemas.microsoft.com/office/drawing/2010/main" xmlns="" w="9525">
                   <a:solidFill>
                     <a:srgbClr val="000000"/>
                   </a:solidFill>
@@ -1689,7 +1689,7 @@
             </a:ln>
             <a:extLst>
               <a:ext uri="{91240B29-F687-4f45-9708-019B960494DF}">
-                <a14:hiddenLine xmlns="" xmlns:a14="http://schemas.microsoft.com/office/drawing/2010/main" w="9525">
+                <a14:hiddenLine xmlns:a14="http://schemas.microsoft.com/office/drawing/2010/main" xmlns="" w="9525">
                   <a:solidFill>
                     <a:srgbClr val="000000"/>
                   </a:solidFill>
@@ -1751,7 +1751,7 @@
             </a:ln>
             <a:extLst>
               <a:ext uri="{91240B29-F687-4f45-9708-019B960494DF}">
-                <a14:hiddenLine xmlns="" xmlns:a14="http://schemas.microsoft.com/office/drawing/2010/main" w="9525">
+                <a14:hiddenLine xmlns:a14="http://schemas.microsoft.com/office/drawing/2010/main" xmlns="" w="9525">
                   <a:solidFill>
                     <a:srgbClr val="000000"/>
                   </a:solidFill>
@@ -1841,7 +1841,7 @@
             </a:ln>
             <a:extLst>
               <a:ext uri="{91240B29-F687-4f45-9708-019B960494DF}">
-                <a14:hiddenLine xmlns="" xmlns:a14="http://schemas.microsoft.com/office/drawing/2010/main" w="9525">
+                <a14:hiddenLine xmlns:a14="http://schemas.microsoft.com/office/drawing/2010/main" xmlns="" w="9525">
                   <a:solidFill>
                     <a:srgbClr val="000000"/>
                   </a:solidFill>
@@ -1931,7 +1931,7 @@
             </a:ln>
             <a:extLst>
               <a:ext uri="{91240B29-F687-4f45-9708-019B960494DF}">
-                <a14:hiddenLine xmlns="" xmlns:a14="http://schemas.microsoft.com/office/drawing/2010/main" w="9525">
+                <a14:hiddenLine xmlns:a14="http://schemas.microsoft.com/office/drawing/2010/main" xmlns="" w="9525">
                   <a:solidFill>
                     <a:srgbClr val="000000"/>
                   </a:solidFill>
@@ -1993,7 +1993,7 @@
             </a:ln>
             <a:extLst>
               <a:ext uri="{91240B29-F687-4f45-9708-019B960494DF}">
-                <a14:hiddenLine xmlns="" xmlns:a14="http://schemas.microsoft.com/office/drawing/2010/main" w="9525">
+                <a14:hiddenLine xmlns:a14="http://schemas.microsoft.com/office/drawing/2010/main" xmlns="" w="9525">
                   <a:solidFill>
                     <a:srgbClr val="000000"/>
                   </a:solidFill>
@@ -2083,7 +2083,7 @@
             </a:ln>
             <a:extLst>
               <a:ext uri="{91240B29-F687-4f45-9708-019B960494DF}">
-                <a14:hiddenLine xmlns="" xmlns:a14="http://schemas.microsoft.com/office/drawing/2010/main" w="9525">
+                <a14:hiddenLine xmlns:a14="http://schemas.microsoft.com/office/drawing/2010/main" xmlns="" w="9525">
                   <a:solidFill>
                     <a:srgbClr val="000000"/>
                   </a:solidFill>
@@ -2173,7 +2173,7 @@
             </a:ln>
             <a:extLst>
               <a:ext uri="{91240B29-F687-4f45-9708-019B960494DF}">
-                <a14:hiddenLine xmlns="" xmlns:a14="http://schemas.microsoft.com/office/drawing/2010/main" w="9525">
+                <a14:hiddenLine xmlns:a14="http://schemas.microsoft.com/office/drawing/2010/main" xmlns="" w="9525">
                   <a:solidFill>
                     <a:srgbClr val="000000"/>
                   </a:solidFill>
@@ -2229,7 +2229,7 @@
             </a:ln>
             <a:extLst>
               <a:ext uri="{91240B29-F687-4f45-9708-019B960494DF}">
-                <a14:hiddenLine xmlns="" xmlns:a14="http://schemas.microsoft.com/office/drawing/2010/main" w="9525">
+                <a14:hiddenLine xmlns:a14="http://schemas.microsoft.com/office/drawing/2010/main" xmlns="" w="9525">
                   <a:solidFill>
                     <a:srgbClr val="000000"/>
                   </a:solidFill>
@@ -2319,7 +2319,7 @@
             </a:ln>
             <a:extLst>
               <a:ext uri="{91240B29-F687-4f45-9708-019B960494DF}">
-                <a14:hiddenLine xmlns="" xmlns:a14="http://schemas.microsoft.com/office/drawing/2010/main" w="9525">
+                <a14:hiddenLine xmlns:a14="http://schemas.microsoft.com/office/drawing/2010/main" xmlns="" w="9525">
                   <a:solidFill>
                     <a:srgbClr val="000000"/>
                   </a:solidFill>
@@ -2375,7 +2375,7 @@
             </a:ln>
             <a:extLst>
               <a:ext uri="{91240B29-F687-4f45-9708-019B960494DF}">
-                <a14:hiddenLine xmlns="" xmlns:a14="http://schemas.microsoft.com/office/drawing/2010/main" w="9525">
+                <a14:hiddenLine xmlns:a14="http://schemas.microsoft.com/office/drawing/2010/main" xmlns="" w="9525">
                   <a:solidFill>
                     <a:srgbClr val="000000"/>
                   </a:solidFill>
@@ -2465,7 +2465,7 @@
             </a:ln>
             <a:extLst>
               <a:ext uri="{91240B29-F687-4f45-9708-019B960494DF}">
-                <a14:hiddenLine xmlns="" xmlns:a14="http://schemas.microsoft.com/office/drawing/2010/main" w="9525">
+                <a14:hiddenLine xmlns:a14="http://schemas.microsoft.com/office/drawing/2010/main" xmlns="" w="9525">
                   <a:solidFill>
                     <a:srgbClr val="000000"/>
                   </a:solidFill>
@@ -2533,7 +2533,7 @@
             </a:ln>
             <a:extLst>
               <a:ext uri="{91240B29-F687-4f45-9708-019B960494DF}">
-                <a14:hiddenLine xmlns="" xmlns:a14="http://schemas.microsoft.com/office/drawing/2010/main" w="9525">
+                <a14:hiddenLine xmlns:a14="http://schemas.microsoft.com/office/drawing/2010/main" xmlns="" w="9525">
                   <a:solidFill>
                     <a:srgbClr val="000000"/>
                   </a:solidFill>
@@ -2623,7 +2623,7 @@
             </a:ln>
             <a:extLst>
               <a:ext uri="{91240B29-F687-4f45-9708-019B960494DF}">
-                <a14:hiddenLine xmlns="" xmlns:a14="http://schemas.microsoft.com/office/drawing/2010/main" w="9525">
+                <a14:hiddenLine xmlns:a14="http://schemas.microsoft.com/office/drawing/2010/main" xmlns="" w="9525">
                   <a:solidFill>
                     <a:srgbClr val="000000"/>
                   </a:solidFill>
@@ -2691,7 +2691,7 @@
             </a:ln>
             <a:extLst>
               <a:ext uri="{91240B29-F687-4f45-9708-019B960494DF}">
-                <a14:hiddenLine xmlns="" xmlns:a14="http://schemas.microsoft.com/office/drawing/2010/main" w="9525">
+                <a14:hiddenLine xmlns:a14="http://schemas.microsoft.com/office/drawing/2010/main" xmlns="" w="9525">
                   <a:solidFill>
                     <a:srgbClr val="000000"/>
                   </a:solidFill>
@@ -2781,7 +2781,7 @@
             </a:ln>
             <a:extLst>
               <a:ext uri="{91240B29-F687-4f45-9708-019B960494DF}">
-                <a14:hiddenLine xmlns="" xmlns:a14="http://schemas.microsoft.com/office/drawing/2010/main" w="9525">
+                <a14:hiddenLine xmlns:a14="http://schemas.microsoft.com/office/drawing/2010/main" xmlns="" w="9525">
                   <a:solidFill>
                     <a:srgbClr val="000000"/>
                   </a:solidFill>
@@ -2815,7 +2815,7 @@
             </a:ln>
             <a:extLst>
               <a:ext uri="{91240B29-F687-4f45-9708-019B960494DF}">
-                <a14:hiddenLine xmlns="" xmlns:a14="http://schemas.microsoft.com/office/drawing/2010/main" w="9525">
+                <a14:hiddenLine xmlns:a14="http://schemas.microsoft.com/office/drawing/2010/main" xmlns="" w="9525">
                   <a:solidFill>
                     <a:srgbClr val="000000"/>
                   </a:solidFill>
@@ -2905,7 +2905,7 @@
             </a:ln>
             <a:extLst>
               <a:ext uri="{91240B29-F687-4f45-9708-019B960494DF}">
-                <a14:hiddenLine xmlns="" xmlns:a14="http://schemas.microsoft.com/office/drawing/2010/main" w="9525">
+                <a14:hiddenLine xmlns:a14="http://schemas.microsoft.com/office/drawing/2010/main" xmlns="" w="9525">
                   <a:solidFill>
                     <a:srgbClr val="000000"/>
                   </a:solidFill>
@@ -2967,7 +2967,7 @@
             </a:ln>
             <a:extLst>
               <a:ext uri="{91240B29-F687-4f45-9708-019B960494DF}">
-                <a14:hiddenLine xmlns="" xmlns:a14="http://schemas.microsoft.com/office/drawing/2010/main" w="9525">
+                <a14:hiddenLine xmlns:a14="http://schemas.microsoft.com/office/drawing/2010/main" xmlns="" w="9525">
                   <a:solidFill>
                     <a:srgbClr val="000000"/>
                   </a:solidFill>
@@ -3029,7 +3029,7 @@
             </a:ln>
             <a:extLst>
               <a:ext uri="{91240B29-F687-4f45-9708-019B960494DF}">
-                <a14:hiddenLine xmlns="" xmlns:a14="http://schemas.microsoft.com/office/drawing/2010/main" w="9525">
+                <a14:hiddenLine xmlns:a14="http://schemas.microsoft.com/office/drawing/2010/main" xmlns="" w="9525">
                   <a:solidFill>
                     <a:srgbClr val="000000"/>
                   </a:solidFill>
@@ -3119,7 +3119,7 @@
             </a:ln>
             <a:extLst>
               <a:ext uri="{91240B29-F687-4f45-9708-019B960494DF}">
-                <a14:hiddenLine xmlns="" xmlns:a14="http://schemas.microsoft.com/office/drawing/2010/main" w="9525">
+                <a14:hiddenLine xmlns:a14="http://schemas.microsoft.com/office/drawing/2010/main" xmlns="" w="9525">
                   <a:solidFill>
                     <a:srgbClr val="000000"/>
                   </a:solidFill>
@@ -3187,7 +3187,7 @@
             </a:ln>
             <a:extLst>
               <a:ext uri="{91240B29-F687-4f45-9708-019B960494DF}">
-                <a14:hiddenLine xmlns="" xmlns:a14="http://schemas.microsoft.com/office/drawing/2010/main" w="9525">
+                <a14:hiddenLine xmlns:a14="http://schemas.microsoft.com/office/drawing/2010/main" xmlns="" w="9525">
                   <a:solidFill>
                     <a:srgbClr val="000000"/>
                   </a:solidFill>
@@ -3249,7 +3249,7 @@
             </a:ln>
             <a:extLst>
               <a:ext uri="{91240B29-F687-4f45-9708-019B960494DF}">
-                <a14:hiddenLine xmlns="" xmlns:a14="http://schemas.microsoft.com/office/drawing/2010/main" w="9525">
+                <a14:hiddenLine xmlns:a14="http://schemas.microsoft.com/office/drawing/2010/main" xmlns="" w="9525">
                   <a:solidFill>
                     <a:srgbClr val="000000"/>
                   </a:solidFill>
@@ -3339,7 +3339,7 @@
             </a:ln>
             <a:extLst>
               <a:ext uri="{91240B29-F687-4f45-9708-019B960494DF}">
-                <a14:hiddenLine xmlns="" xmlns:a14="http://schemas.microsoft.com/office/drawing/2010/main" w="9525">
+                <a14:hiddenLine xmlns:a14="http://schemas.microsoft.com/office/drawing/2010/main" xmlns="" w="9525">
                   <a:solidFill>
                     <a:srgbClr val="000000"/>
                   </a:solidFill>
@@ -3401,7 +3401,7 @@
             </a:ln>
             <a:extLst>
               <a:ext uri="{91240B29-F687-4f45-9708-019B960494DF}">
-                <a14:hiddenLine xmlns="" xmlns:a14="http://schemas.microsoft.com/office/drawing/2010/main" w="9525">
+                <a14:hiddenLine xmlns:a14="http://schemas.microsoft.com/office/drawing/2010/main" xmlns="" w="9525">
                   <a:solidFill>
                     <a:srgbClr val="000000"/>
                   </a:solidFill>
@@ -3491,7 +3491,7 @@
             </a:ln>
             <a:extLst>
               <a:ext uri="{91240B29-F687-4f45-9708-019B960494DF}">
-                <a14:hiddenLine xmlns="" xmlns:a14="http://schemas.microsoft.com/office/drawing/2010/main" w="9525">
+                <a14:hiddenLine xmlns:a14="http://schemas.microsoft.com/office/drawing/2010/main" xmlns="" w="9525">
                   <a:solidFill>
                     <a:srgbClr val="000000"/>
                   </a:solidFill>
@@ -3553,7 +3553,7 @@
             </a:ln>
             <a:extLst>
               <a:ext uri="{91240B29-F687-4f45-9708-019B960494DF}">
-                <a14:hiddenLine xmlns="" xmlns:a14="http://schemas.microsoft.com/office/drawing/2010/main" w="9525">
+                <a14:hiddenLine xmlns:a14="http://schemas.microsoft.com/office/drawing/2010/main" xmlns="" w="9525">
                   <a:solidFill>
                     <a:srgbClr val="000000"/>
                   </a:solidFill>
@@ -3643,7 +3643,7 @@
             </a:ln>
             <a:extLst>
               <a:ext uri="{91240B29-F687-4f45-9708-019B960494DF}">
-                <a14:hiddenLine xmlns="" xmlns:a14="http://schemas.microsoft.com/office/drawing/2010/main" w="9525">
+                <a14:hiddenLine xmlns:a14="http://schemas.microsoft.com/office/drawing/2010/main" xmlns="" w="9525">
                   <a:solidFill>
                     <a:srgbClr val="000000"/>
                   </a:solidFill>
@@ -3677,7 +3677,7 @@
             </a:ln>
             <a:extLst>
               <a:ext uri="{91240B29-F687-4f45-9708-019B960494DF}">
-                <a14:hiddenLine xmlns="" xmlns:a14="http://schemas.microsoft.com/office/drawing/2010/main" w="9525">
+                <a14:hiddenLine xmlns:a14="http://schemas.microsoft.com/office/drawing/2010/main" xmlns="" w="9525">
                   <a:solidFill>
                     <a:srgbClr val="000000"/>
                   </a:solidFill>
@@ -3742,7 +3742,7 @@
             </a:ln>
             <a:extLst>
               <a:ext uri="{91240B29-F687-4f45-9708-019B960494DF}">
-                <a14:hiddenLine xmlns="" xmlns:a14="http://schemas.microsoft.com/office/drawing/2010/main" w="9525">
+                <a14:hiddenLine xmlns:a14="http://schemas.microsoft.com/office/drawing/2010/main" xmlns="" w="9525">
                   <a:solidFill>
                     <a:srgbClr val="000000"/>
                   </a:solidFill>
@@ -3832,7 +3832,7 @@
             </a:ln>
             <a:extLst>
               <a:ext uri="{91240B29-F687-4f45-9708-019B960494DF}">
-                <a14:hiddenLine xmlns="" xmlns:a14="http://schemas.microsoft.com/office/drawing/2010/main" w="9525">
+                <a14:hiddenLine xmlns:a14="http://schemas.microsoft.com/office/drawing/2010/main" xmlns="" w="9525">
                   <a:solidFill>
                     <a:srgbClr val="000000"/>
                   </a:solidFill>
@@ -3894,7 +3894,7 @@
             </a:ln>
             <a:extLst>
               <a:ext uri="{91240B29-F687-4f45-9708-019B960494DF}">
-                <a14:hiddenLine xmlns="" xmlns:a14="http://schemas.microsoft.com/office/drawing/2010/main" w="9525">
+                <a14:hiddenLine xmlns:a14="http://schemas.microsoft.com/office/drawing/2010/main" xmlns="" w="9525">
                   <a:solidFill>
                     <a:srgbClr val="000000"/>
                   </a:solidFill>
@@ -3984,7 +3984,7 @@
             </a:ln>
             <a:extLst>
               <a:ext uri="{91240B29-F687-4f45-9708-019B960494DF}">
-                <a14:hiddenLine xmlns="" xmlns:a14="http://schemas.microsoft.com/office/drawing/2010/main" w="9525">
+                <a14:hiddenLine xmlns:a14="http://schemas.microsoft.com/office/drawing/2010/main" xmlns="" w="9525">
                   <a:solidFill>
                     <a:srgbClr val="000000"/>
                   </a:solidFill>
@@ -4074,7 +4074,7 @@
             </a:ln>
             <a:extLst>
               <a:ext uri="{91240B29-F687-4f45-9708-019B960494DF}">
-                <a14:hiddenLine xmlns="" xmlns:a14="http://schemas.microsoft.com/office/drawing/2010/main" w="9525">
+                <a14:hiddenLine xmlns:a14="http://schemas.microsoft.com/office/drawing/2010/main" xmlns="" w="9525">
                   <a:solidFill>
                     <a:srgbClr val="000000"/>
                   </a:solidFill>
@@ -4139,7 +4139,7 @@
             </a:ln>
             <a:extLst>
               <a:ext uri="{91240B29-F687-4f45-9708-019B960494DF}">
-                <a14:hiddenLine xmlns="" xmlns:a14="http://schemas.microsoft.com/office/drawing/2010/main" w="9525">
+                <a14:hiddenLine xmlns:a14="http://schemas.microsoft.com/office/drawing/2010/main" xmlns="" w="9525">
                   <a:solidFill>
                     <a:srgbClr val="000000"/>
                   </a:solidFill>
@@ -4201,7 +4201,7 @@
             </a:ln>
             <a:extLst>
               <a:ext uri="{91240B29-F687-4f45-9708-019B960494DF}">
-                <a14:hiddenLine xmlns="" xmlns:a14="http://schemas.microsoft.com/office/drawing/2010/main" w="9525">
+                <a14:hiddenLine xmlns:a14="http://schemas.microsoft.com/office/drawing/2010/main" xmlns="" w="9525">
                   <a:solidFill>
                     <a:srgbClr val="000000"/>
                   </a:solidFill>
@@ -4291,7 +4291,7 @@
             </a:ln>
             <a:extLst>
               <a:ext uri="{91240B29-F687-4f45-9708-019B960494DF}">
-                <a14:hiddenLine xmlns="" xmlns:a14="http://schemas.microsoft.com/office/drawing/2010/main" w="9525">
+                <a14:hiddenLine xmlns:a14="http://schemas.microsoft.com/office/drawing/2010/main" xmlns="" w="9525">
                   <a:solidFill>
                     <a:srgbClr val="000000"/>
                   </a:solidFill>
@@ -4381,7 +4381,7 @@
             </a:ln>
             <a:extLst>
               <a:ext uri="{91240B29-F687-4f45-9708-019B960494DF}">
-                <a14:hiddenLine xmlns="" xmlns:a14="http://schemas.microsoft.com/office/drawing/2010/main" w="9525">
+                <a14:hiddenLine xmlns:a14="http://schemas.microsoft.com/office/drawing/2010/main" xmlns="" w="9525">
                   <a:solidFill>
                     <a:srgbClr val="000000"/>
                   </a:solidFill>
@@ -4443,7 +4443,7 @@
             </a:ln>
             <a:extLst>
               <a:ext uri="{91240B29-F687-4f45-9708-019B960494DF}">
-                <a14:hiddenLine xmlns="" xmlns:a14="http://schemas.microsoft.com/office/drawing/2010/main" w="9525">
+                <a14:hiddenLine xmlns:a14="http://schemas.microsoft.com/office/drawing/2010/main" xmlns="" w="9525">
                   <a:solidFill>
                     <a:srgbClr val="000000"/>
                   </a:solidFill>
@@ -4563,7 +4563,7 @@
             </a:ln>
             <a:extLst>
               <a:ext uri="{91240B29-F687-4f45-9708-019B960494DF}">
-                <a14:hiddenLine xmlns="" xmlns:a14="http://schemas.microsoft.com/office/drawing/2010/main" w="9525">
+                <a14:hiddenLine xmlns:a14="http://schemas.microsoft.com/office/drawing/2010/main" xmlns="" w="9525">
                   <a:solidFill>
                     <a:srgbClr val="000000"/>
                   </a:solidFill>
@@ -4631,7 +4631,7 @@
             </a:ln>
             <a:extLst>
               <a:ext uri="{91240B29-F687-4f45-9708-019B960494DF}">
-                <a14:hiddenLine xmlns="" xmlns:a14="http://schemas.microsoft.com/office/drawing/2010/main" w="9525">
+                <a14:hiddenLine xmlns:a14="http://schemas.microsoft.com/office/drawing/2010/main" xmlns="" w="9525">
                   <a:solidFill>
                     <a:srgbClr val="000000"/>
                   </a:solidFill>
@@ -4721,7 +4721,7 @@
             </a:ln>
             <a:extLst>
               <a:ext uri="{91240B29-F687-4f45-9708-019B960494DF}">
-                <a14:hiddenLine xmlns="" xmlns:a14="http://schemas.microsoft.com/office/drawing/2010/main" w="9525">
+                <a14:hiddenLine xmlns:a14="http://schemas.microsoft.com/office/drawing/2010/main" xmlns="" w="9525">
                   <a:solidFill>
                     <a:srgbClr val="000000"/>
                   </a:solidFill>
@@ -4861,7 +4861,7 @@
           <a:p>
             <a:fld id="{EC4347D3-4C9A-C240-8F14-750059DFEEB0}" type="datetimeFigureOut">
               <a:rPr lang="en-US" smtClean="0"/>
-              <a:t>8/29/24</a:t>
+              <a:t>9/2/24</a:t>
             </a:fld>
             <a:endParaRPr lang="en-US"/>
           </a:p>
@@ -5128,7 +5128,7 @@
           <a:p>
             <a:fld id="{EC4347D3-4C9A-C240-8F14-750059DFEEB0}" type="datetimeFigureOut">
               <a:rPr lang="en-US" smtClean="0"/>
-              <a:t>8/29/24</a:t>
+              <a:t>9/2/24</a:t>
             </a:fld>
             <a:endParaRPr lang="en-US"/>
           </a:p>
@@ -5324,7 +5324,7 @@
           <a:p>
             <a:fld id="{EC4347D3-4C9A-C240-8F14-750059DFEEB0}" type="datetimeFigureOut">
               <a:rPr lang="en-US" smtClean="0"/>
-              <a:t>8/29/24</a:t>
+              <a:t>9/2/24</a:t>
             </a:fld>
             <a:endParaRPr lang="en-US"/>
           </a:p>
@@ -5587,7 +5587,7 @@
           <a:p>
             <a:fld id="{EC4347D3-4C9A-C240-8F14-750059DFEEB0}" type="datetimeFigureOut">
               <a:rPr lang="en-US" smtClean="0"/>
-              <a:t>8/29/24</a:t>
+              <a:t>9/2/24</a:t>
             </a:fld>
             <a:endParaRPr lang="en-US"/>
           </a:p>
@@ -6021,7 +6021,7 @@
           <a:p>
             <a:fld id="{EC4347D3-4C9A-C240-8F14-750059DFEEB0}" type="datetimeFigureOut">
               <a:rPr lang="en-US" smtClean="0"/>
-              <a:t>8/29/24</a:t>
+              <a:t>9/2/24</a:t>
             </a:fld>
             <a:endParaRPr lang="en-US"/>
           </a:p>
@@ -6567,7 +6567,7 @@
           <a:p>
             <a:fld id="{EC4347D3-4C9A-C240-8F14-750059DFEEB0}" type="datetimeFigureOut">
               <a:rPr lang="en-US" smtClean="0"/>
-              <a:t>8/29/24</a:t>
+              <a:t>9/2/24</a:t>
             </a:fld>
             <a:endParaRPr lang="en-US"/>
           </a:p>
@@ -7287,7 +7287,7 @@
           <a:p>
             <a:fld id="{EC4347D3-4C9A-C240-8F14-750059DFEEB0}" type="datetimeFigureOut">
               <a:rPr lang="en-US" smtClean="0"/>
-              <a:t>8/29/24</a:t>
+              <a:t>9/2/24</a:t>
             </a:fld>
             <a:endParaRPr lang="en-US"/>
           </a:p>
@@ -7457,7 +7457,7 @@
           <a:p>
             <a:fld id="{EC4347D3-4C9A-C240-8F14-750059DFEEB0}" type="datetimeFigureOut">
               <a:rPr lang="en-US" smtClean="0"/>
-              <a:t>8/29/24</a:t>
+              <a:t>9/2/24</a:t>
             </a:fld>
             <a:endParaRPr lang="en-US"/>
           </a:p>
@@ -7637,7 +7637,7 @@
           <a:p>
             <a:fld id="{EC4347D3-4C9A-C240-8F14-750059DFEEB0}" type="datetimeFigureOut">
               <a:rPr lang="en-US" smtClean="0"/>
-              <a:t>8/29/24</a:t>
+              <a:t>9/2/24</a:t>
             </a:fld>
             <a:endParaRPr lang="en-US"/>
           </a:p>
@@ -7807,7 +7807,7 @@
           <a:p>
             <a:fld id="{EC4347D3-4C9A-C240-8F14-750059DFEEB0}" type="datetimeFigureOut">
               <a:rPr lang="en-US" smtClean="0"/>
-              <a:t>8/29/24</a:t>
+              <a:t>9/2/24</a:t>
             </a:fld>
             <a:endParaRPr lang="en-US"/>
           </a:p>
@@ -8057,7 +8057,7 @@
           <a:p>
             <a:fld id="{EC4347D3-4C9A-C240-8F14-750059DFEEB0}" type="datetimeFigureOut">
               <a:rPr lang="en-US" smtClean="0"/>
-              <a:t>8/29/24</a:t>
+              <a:t>9/2/24</a:t>
             </a:fld>
             <a:endParaRPr lang="en-US"/>
           </a:p>
@@ -8289,7 +8289,7 @@
           <a:p>
             <a:fld id="{EC4347D3-4C9A-C240-8F14-750059DFEEB0}" type="datetimeFigureOut">
               <a:rPr lang="en-US" smtClean="0"/>
-              <a:t>8/29/24</a:t>
+              <a:t>9/2/24</a:t>
             </a:fld>
             <a:endParaRPr lang="en-US"/>
           </a:p>
@@ -8675,7 +8675,7 @@
           <a:p>
             <a:fld id="{EC4347D3-4C9A-C240-8F14-750059DFEEB0}" type="datetimeFigureOut">
               <a:rPr lang="en-US" smtClean="0"/>
-              <a:t>8/29/24</a:t>
+              <a:t>9/2/24</a:t>
             </a:fld>
             <a:endParaRPr lang="en-US"/>
           </a:p>
@@ -8798,7 +8798,7 @@
           <a:p>
             <a:fld id="{EC4347D3-4C9A-C240-8F14-750059DFEEB0}" type="datetimeFigureOut">
               <a:rPr lang="en-US" smtClean="0"/>
-              <a:t>8/29/24</a:t>
+              <a:t>9/2/24</a:t>
             </a:fld>
             <a:endParaRPr lang="en-US"/>
           </a:p>
@@ -8893,7 +8893,7 @@
           <a:p>
             <a:fld id="{EC4347D3-4C9A-C240-8F14-750059DFEEB0}" type="datetimeFigureOut">
               <a:rPr lang="en-US" smtClean="0"/>
-              <a:t>8/29/24</a:t>
+              <a:t>9/2/24</a:t>
             </a:fld>
             <a:endParaRPr lang="en-US"/>
           </a:p>
@@ -9142,7 +9142,7 @@
           <a:p>
             <a:fld id="{EC4347D3-4C9A-C240-8F14-750059DFEEB0}" type="datetimeFigureOut">
               <a:rPr lang="en-US" smtClean="0"/>
-              <a:t>8/29/24</a:t>
+              <a:t>9/2/24</a:t>
             </a:fld>
             <a:endParaRPr lang="en-US"/>
           </a:p>
@@ -9427,7 +9427,7 @@
           <a:p>
             <a:fld id="{EC4347D3-4C9A-C240-8F14-750059DFEEB0}" type="datetimeFigureOut">
               <a:rPr lang="en-US" smtClean="0"/>
-              <a:t>8/29/24</a:t>
+              <a:t>9/2/24</a:t>
             </a:fld>
             <a:endParaRPr lang="en-US"/>
           </a:p>
@@ -9550,7 +9550,7 @@
           <a:noFill/>
           <a:extLst>
             <a:ext uri="{909E8E84-426E-40dd-AFC4-6F175D3DCCD1}">
-              <a14:hiddenFill xmlns="" xmlns:a14="http://schemas.microsoft.com/office/drawing/2010/main">
+              <a14:hiddenFill xmlns:a14="http://schemas.microsoft.com/office/drawing/2010/main" xmlns="">
                 <a:solidFill>
                   <a:srgbClr val="FFFFFF"/>
                 </a:solidFill>
@@ -9624,7 +9624,7 @@
               </a:ln>
               <a:extLst>
                 <a:ext uri="{91240B29-F687-4f45-9708-019B960494DF}">
-                  <a14:hiddenLine xmlns="" xmlns:a14="http://schemas.microsoft.com/office/drawing/2010/main" w="9525">
+                  <a14:hiddenLine xmlns:a14="http://schemas.microsoft.com/office/drawing/2010/main" xmlns="" w="9525">
                     <a:solidFill>
                       <a:srgbClr val="000000"/>
                     </a:solidFill>
@@ -9714,7 +9714,7 @@
               </a:ln>
               <a:extLst>
                 <a:ext uri="{91240B29-F687-4f45-9708-019B960494DF}">
-                  <a14:hiddenLine xmlns="" xmlns:a14="http://schemas.microsoft.com/office/drawing/2010/main" w="9525">
+                  <a14:hiddenLine xmlns:a14="http://schemas.microsoft.com/office/drawing/2010/main" xmlns="" w="9525">
                     <a:solidFill>
                       <a:srgbClr val="000000"/>
                     </a:solidFill>
@@ -9804,7 +9804,7 @@
               </a:ln>
               <a:extLst>
                 <a:ext uri="{91240B29-F687-4f45-9708-019B960494DF}">
-                  <a14:hiddenLine xmlns="" xmlns:a14="http://schemas.microsoft.com/office/drawing/2010/main" w="9525">
+                  <a14:hiddenLine xmlns:a14="http://schemas.microsoft.com/office/drawing/2010/main" xmlns="" w="9525">
                     <a:solidFill>
                       <a:srgbClr val="000000"/>
                     </a:solidFill>
@@ -9866,7 +9866,7 @@
               </a:ln>
               <a:extLst>
                 <a:ext uri="{91240B29-F687-4f45-9708-019B960494DF}">
-                  <a14:hiddenLine xmlns="" xmlns:a14="http://schemas.microsoft.com/office/drawing/2010/main" w="9525">
+                  <a14:hiddenLine xmlns:a14="http://schemas.microsoft.com/office/drawing/2010/main" xmlns="" w="9525">
                     <a:solidFill>
                       <a:srgbClr val="000000"/>
                     </a:solidFill>
@@ -9956,7 +9956,7 @@
               </a:ln>
               <a:extLst>
                 <a:ext uri="{91240B29-F687-4f45-9708-019B960494DF}">
-                  <a14:hiddenLine xmlns="" xmlns:a14="http://schemas.microsoft.com/office/drawing/2010/main" w="9525">
+                  <a14:hiddenLine xmlns:a14="http://schemas.microsoft.com/office/drawing/2010/main" xmlns="" w="9525">
                     <a:solidFill>
                       <a:srgbClr val="000000"/>
                     </a:solidFill>
@@ -10018,7 +10018,7 @@
               </a:ln>
               <a:extLst>
                 <a:ext uri="{91240B29-F687-4f45-9708-019B960494DF}">
-                  <a14:hiddenLine xmlns="" xmlns:a14="http://schemas.microsoft.com/office/drawing/2010/main" w="9525">
+                  <a14:hiddenLine xmlns:a14="http://schemas.microsoft.com/office/drawing/2010/main" xmlns="" w="9525">
                     <a:solidFill>
                       <a:srgbClr val="000000"/>
                     </a:solidFill>
@@ -10080,7 +10080,7 @@
               </a:ln>
               <a:extLst>
                 <a:ext uri="{91240B29-F687-4f45-9708-019B960494DF}">
-                  <a14:hiddenLine xmlns="" xmlns:a14="http://schemas.microsoft.com/office/drawing/2010/main" w="9525">
+                  <a14:hiddenLine xmlns:a14="http://schemas.microsoft.com/office/drawing/2010/main" xmlns="" w="9525">
                     <a:solidFill>
                       <a:srgbClr val="000000"/>
                     </a:solidFill>
@@ -10170,7 +10170,7 @@
               </a:ln>
               <a:extLst>
                 <a:ext uri="{91240B29-F687-4f45-9708-019B960494DF}">
-                  <a14:hiddenLine xmlns="" xmlns:a14="http://schemas.microsoft.com/office/drawing/2010/main" w="9525">
+                  <a14:hiddenLine xmlns:a14="http://schemas.microsoft.com/office/drawing/2010/main" xmlns="" w="9525">
                     <a:solidFill>
                       <a:srgbClr val="000000"/>
                     </a:solidFill>
@@ -10260,7 +10260,7 @@
               </a:ln>
               <a:extLst>
                 <a:ext uri="{91240B29-F687-4f45-9708-019B960494DF}">
-                  <a14:hiddenLine xmlns="" xmlns:a14="http://schemas.microsoft.com/office/drawing/2010/main" w="9525">
+                  <a14:hiddenLine xmlns:a14="http://schemas.microsoft.com/office/drawing/2010/main" xmlns="" w="9525">
                     <a:solidFill>
                       <a:srgbClr val="000000"/>
                     </a:solidFill>
@@ -10322,7 +10322,7 @@
               </a:ln>
               <a:extLst>
                 <a:ext uri="{91240B29-F687-4f45-9708-019B960494DF}">
-                  <a14:hiddenLine xmlns="" xmlns:a14="http://schemas.microsoft.com/office/drawing/2010/main" w="9525">
+                  <a14:hiddenLine xmlns:a14="http://schemas.microsoft.com/office/drawing/2010/main" xmlns="" w="9525">
                     <a:solidFill>
                       <a:srgbClr val="000000"/>
                     </a:solidFill>
@@ -10432,7 +10432,7 @@
               </a:ln>
               <a:extLst>
                 <a:ext uri="{91240B29-F687-4f45-9708-019B960494DF}">
-                  <a14:hiddenLine xmlns="" xmlns:a14="http://schemas.microsoft.com/office/drawing/2010/main" w="9525">
+                  <a14:hiddenLine xmlns:a14="http://schemas.microsoft.com/office/drawing/2010/main" xmlns="" w="9525">
                     <a:solidFill>
                       <a:srgbClr val="000000"/>
                     </a:solidFill>
@@ -10516,7 +10516,7 @@
               </a:ln>
               <a:extLst>
                 <a:ext uri="{91240B29-F687-4f45-9708-019B960494DF}">
-                  <a14:hiddenLine xmlns="" xmlns:a14="http://schemas.microsoft.com/office/drawing/2010/main" w="9525">
+                  <a14:hiddenLine xmlns:a14="http://schemas.microsoft.com/office/drawing/2010/main" xmlns="" w="9525">
                     <a:solidFill>
                       <a:srgbClr val="000000"/>
                     </a:solidFill>
@@ -10578,7 +10578,7 @@
               </a:ln>
               <a:extLst>
                 <a:ext uri="{91240B29-F687-4f45-9708-019B960494DF}">
-                  <a14:hiddenLine xmlns="" xmlns:a14="http://schemas.microsoft.com/office/drawing/2010/main" w="9525">
+                  <a14:hiddenLine xmlns:a14="http://schemas.microsoft.com/office/drawing/2010/main" xmlns="" w="9525">
                     <a:solidFill>
                       <a:srgbClr val="000000"/>
                     </a:solidFill>
@@ -10640,7 +10640,7 @@
               </a:ln>
               <a:extLst>
                 <a:ext uri="{91240B29-F687-4f45-9708-019B960494DF}">
-                  <a14:hiddenLine xmlns="" xmlns:a14="http://schemas.microsoft.com/office/drawing/2010/main" w="9525">
+                  <a14:hiddenLine xmlns:a14="http://schemas.microsoft.com/office/drawing/2010/main" xmlns="" w="9525">
                     <a:solidFill>
                       <a:srgbClr val="000000"/>
                     </a:solidFill>
@@ -10730,7 +10730,7 @@
               </a:ln>
               <a:extLst>
                 <a:ext uri="{91240B29-F687-4f45-9708-019B960494DF}">
-                  <a14:hiddenLine xmlns="" xmlns:a14="http://schemas.microsoft.com/office/drawing/2010/main" w="9525">
+                  <a14:hiddenLine xmlns:a14="http://schemas.microsoft.com/office/drawing/2010/main" xmlns="" w="9525">
                     <a:solidFill>
                       <a:srgbClr val="000000"/>
                     </a:solidFill>
@@ -10764,7 +10764,7 @@
               </a:ln>
               <a:extLst>
                 <a:ext uri="{91240B29-F687-4f45-9708-019B960494DF}">
-                  <a14:hiddenLine xmlns="" xmlns:a14="http://schemas.microsoft.com/office/drawing/2010/main" w="9525">
+                  <a14:hiddenLine xmlns:a14="http://schemas.microsoft.com/office/drawing/2010/main" xmlns="" w="9525">
                     <a:solidFill>
                       <a:srgbClr val="000000"/>
                     </a:solidFill>
@@ -10829,7 +10829,7 @@
               </a:ln>
               <a:extLst>
                 <a:ext uri="{91240B29-F687-4f45-9708-019B960494DF}">
-                  <a14:hiddenLine xmlns="" xmlns:a14="http://schemas.microsoft.com/office/drawing/2010/main" w="9525">
+                  <a14:hiddenLine xmlns:a14="http://schemas.microsoft.com/office/drawing/2010/main" xmlns="" w="9525">
                     <a:solidFill>
                       <a:srgbClr val="000000"/>
                     </a:solidFill>
@@ -10919,7 +10919,7 @@
               </a:ln>
               <a:extLst>
                 <a:ext uri="{91240B29-F687-4f45-9708-019B960494DF}">
-                  <a14:hiddenLine xmlns="" xmlns:a14="http://schemas.microsoft.com/office/drawing/2010/main" w="9525">
+                  <a14:hiddenLine xmlns:a14="http://schemas.microsoft.com/office/drawing/2010/main" xmlns="" w="9525">
                     <a:solidFill>
                       <a:srgbClr val="000000"/>
                     </a:solidFill>
@@ -10981,7 +10981,7 @@
               </a:ln>
               <a:extLst>
                 <a:ext uri="{91240B29-F687-4f45-9708-019B960494DF}">
-                  <a14:hiddenLine xmlns="" xmlns:a14="http://schemas.microsoft.com/office/drawing/2010/main" w="9525">
+                  <a14:hiddenLine xmlns:a14="http://schemas.microsoft.com/office/drawing/2010/main" xmlns="" w="9525">
                     <a:solidFill>
                       <a:srgbClr val="000000"/>
                     </a:solidFill>
@@ -11071,7 +11071,7 @@
               </a:ln>
               <a:extLst>
                 <a:ext uri="{91240B29-F687-4f45-9708-019B960494DF}">
-                  <a14:hiddenLine xmlns="" xmlns:a14="http://schemas.microsoft.com/office/drawing/2010/main" w="9525">
+                  <a14:hiddenLine xmlns:a14="http://schemas.microsoft.com/office/drawing/2010/main" xmlns="" w="9525">
                     <a:solidFill>
                       <a:srgbClr val="000000"/>
                     </a:solidFill>
@@ -11136,7 +11136,7 @@
               </a:ln>
               <a:extLst>
                 <a:ext uri="{91240B29-F687-4f45-9708-019B960494DF}">
-                  <a14:hiddenLine xmlns="" xmlns:a14="http://schemas.microsoft.com/office/drawing/2010/main" w="9525">
+                  <a14:hiddenLine xmlns:a14="http://schemas.microsoft.com/office/drawing/2010/main" xmlns="" w="9525">
                     <a:solidFill>
                       <a:srgbClr val="000000"/>
                     </a:solidFill>
@@ -11198,7 +11198,7 @@
               </a:ln>
               <a:extLst>
                 <a:ext uri="{91240B29-F687-4f45-9708-019B960494DF}">
-                  <a14:hiddenLine xmlns="" xmlns:a14="http://schemas.microsoft.com/office/drawing/2010/main" w="9525">
+                  <a14:hiddenLine xmlns:a14="http://schemas.microsoft.com/office/drawing/2010/main" xmlns="" w="9525">
                     <a:solidFill>
                       <a:srgbClr val="000000"/>
                     </a:solidFill>
@@ -11288,7 +11288,7 @@
               </a:ln>
               <a:extLst>
                 <a:ext uri="{91240B29-F687-4f45-9708-019B960494DF}">
-                  <a14:hiddenLine xmlns="" xmlns:a14="http://schemas.microsoft.com/office/drawing/2010/main" w="9525">
+                  <a14:hiddenLine xmlns:a14="http://schemas.microsoft.com/office/drawing/2010/main" xmlns="" w="9525">
                     <a:solidFill>
                       <a:srgbClr val="000000"/>
                     </a:solidFill>
@@ -11378,7 +11378,7 @@
               </a:ln>
               <a:extLst>
                 <a:ext uri="{91240B29-F687-4f45-9708-019B960494DF}">
-                  <a14:hiddenLine xmlns="" xmlns:a14="http://schemas.microsoft.com/office/drawing/2010/main" w="9525">
+                  <a14:hiddenLine xmlns:a14="http://schemas.microsoft.com/office/drawing/2010/main" xmlns="" w="9525">
                     <a:solidFill>
                       <a:srgbClr val="000000"/>
                     </a:solidFill>
@@ -11443,7 +11443,7 @@
               </a:ln>
               <a:extLst>
                 <a:ext uri="{91240B29-F687-4f45-9708-019B960494DF}">
-                  <a14:hiddenLine xmlns="" xmlns:a14="http://schemas.microsoft.com/office/drawing/2010/main" w="9525">
+                  <a14:hiddenLine xmlns:a14="http://schemas.microsoft.com/office/drawing/2010/main" xmlns="" w="9525">
                     <a:solidFill>
                       <a:srgbClr val="000000"/>
                     </a:solidFill>
@@ -11563,7 +11563,7 @@
               </a:ln>
               <a:extLst>
                 <a:ext uri="{91240B29-F687-4f45-9708-019B960494DF}">
-                  <a14:hiddenLine xmlns="" xmlns:a14="http://schemas.microsoft.com/office/drawing/2010/main" w="9525">
+                  <a14:hiddenLine xmlns:a14="http://schemas.microsoft.com/office/drawing/2010/main" xmlns="" w="9525">
                     <a:solidFill>
                       <a:srgbClr val="000000"/>
                     </a:solidFill>
@@ -11644,7 +11644,7 @@
               </a:ln>
               <a:extLst>
                 <a:ext uri="{91240B29-F687-4f45-9708-019B960494DF}">
-                  <a14:hiddenLine xmlns="" xmlns:a14="http://schemas.microsoft.com/office/drawing/2010/main" w="9525">
+                  <a14:hiddenLine xmlns:a14="http://schemas.microsoft.com/office/drawing/2010/main" xmlns="" w="9525">
                     <a:solidFill>
                       <a:srgbClr val="000000"/>
                     </a:solidFill>
@@ -11759,7 +11759,7 @@
               </a:ln>
               <a:extLst>
                 <a:ext uri="{91240B29-F687-4f45-9708-019B960494DF}">
-                  <a14:hiddenLine xmlns="" xmlns:a14="http://schemas.microsoft.com/office/drawing/2010/main" w="9525">
+                  <a14:hiddenLine xmlns:a14="http://schemas.microsoft.com/office/drawing/2010/main" xmlns="" w="9525">
                     <a:solidFill>
                       <a:srgbClr val="000000"/>
                     </a:solidFill>
@@ -11849,7 +11849,7 @@
               </a:ln>
               <a:extLst>
                 <a:ext uri="{91240B29-F687-4f45-9708-019B960494DF}">
-                  <a14:hiddenLine xmlns="" xmlns:a14="http://schemas.microsoft.com/office/drawing/2010/main" w="9525">
+                  <a14:hiddenLine xmlns:a14="http://schemas.microsoft.com/office/drawing/2010/main" xmlns="" w="9525">
                     <a:solidFill>
                       <a:srgbClr val="000000"/>
                     </a:solidFill>
@@ -11914,7 +11914,7 @@
               </a:ln>
               <a:extLst>
                 <a:ext uri="{91240B29-F687-4f45-9708-019B960494DF}">
-                  <a14:hiddenLine xmlns="" xmlns:a14="http://schemas.microsoft.com/office/drawing/2010/main" w="9525">
+                  <a14:hiddenLine xmlns:a14="http://schemas.microsoft.com/office/drawing/2010/main" xmlns="" w="9525">
                     <a:solidFill>
                       <a:srgbClr val="000000"/>
                     </a:solidFill>
@@ -12004,7 +12004,7 @@
               </a:ln>
               <a:extLst>
                 <a:ext uri="{91240B29-F687-4f45-9708-019B960494DF}">
-                  <a14:hiddenLine xmlns="" xmlns:a14="http://schemas.microsoft.com/office/drawing/2010/main" w="9525">
+                  <a14:hiddenLine xmlns:a14="http://schemas.microsoft.com/office/drawing/2010/main" xmlns="" w="9525">
                     <a:solidFill>
                       <a:srgbClr val="000000"/>
                     </a:solidFill>
@@ -12072,7 +12072,7 @@
               </a:ln>
               <a:extLst>
                 <a:ext uri="{91240B29-F687-4f45-9708-019B960494DF}">
-                  <a14:hiddenLine xmlns="" xmlns:a14="http://schemas.microsoft.com/office/drawing/2010/main" w="9525">
+                  <a14:hiddenLine xmlns:a14="http://schemas.microsoft.com/office/drawing/2010/main" xmlns="" w="9525">
                     <a:solidFill>
                       <a:srgbClr val="000000"/>
                     </a:solidFill>
@@ -12162,7 +12162,7 @@
               </a:ln>
               <a:extLst>
                 <a:ext uri="{91240B29-F687-4f45-9708-019B960494DF}">
-                  <a14:hiddenLine xmlns="" xmlns:a14="http://schemas.microsoft.com/office/drawing/2010/main" w="9525">
+                  <a14:hiddenLine xmlns:a14="http://schemas.microsoft.com/office/drawing/2010/main" xmlns="" w="9525">
                     <a:solidFill>
                       <a:srgbClr val="000000"/>
                     </a:solidFill>
@@ -12230,7 +12230,7 @@
               </a:ln>
               <a:extLst>
                 <a:ext uri="{91240B29-F687-4f45-9708-019B960494DF}">
-                  <a14:hiddenLine xmlns="" xmlns:a14="http://schemas.microsoft.com/office/drawing/2010/main" w="9525">
+                  <a14:hiddenLine xmlns:a14="http://schemas.microsoft.com/office/drawing/2010/main" xmlns="" w="9525">
                     <a:solidFill>
                       <a:srgbClr val="000000"/>
                     </a:solidFill>
@@ -12320,7 +12320,7 @@
               </a:ln>
               <a:extLst>
                 <a:ext uri="{91240B29-F687-4f45-9708-019B960494DF}">
-                  <a14:hiddenLine xmlns="" xmlns:a14="http://schemas.microsoft.com/office/drawing/2010/main" w="9525">
+                  <a14:hiddenLine xmlns:a14="http://schemas.microsoft.com/office/drawing/2010/main" xmlns="" w="9525">
                     <a:solidFill>
                       <a:srgbClr val="000000"/>
                     </a:solidFill>
@@ -12354,7 +12354,7 @@
               </a:ln>
               <a:extLst>
                 <a:ext uri="{91240B29-F687-4f45-9708-019B960494DF}">
-                  <a14:hiddenLine xmlns="" xmlns:a14="http://schemas.microsoft.com/office/drawing/2010/main" w="9525">
+                  <a14:hiddenLine xmlns:a14="http://schemas.microsoft.com/office/drawing/2010/main" xmlns="" w="9525">
                     <a:solidFill>
                       <a:srgbClr val="000000"/>
                     </a:solidFill>
@@ -12494,7 +12494,7 @@
           <a:p>
             <a:fld id="{EC4347D3-4C9A-C240-8F14-750059DFEEB0}" type="datetimeFigureOut">
               <a:rPr lang="en-US" smtClean="0"/>
-              <a:t>8/29/24</a:t>
+              <a:t>9/2/24</a:t>
             </a:fld>
             <a:endParaRPr lang="en-US"/>
           </a:p>
@@ -20302,240 +20302,325 @@
           </a:p>
         </p:txBody>
       </p:sp>
-      <p:sp>
-        <p:nvSpPr>
-          <p:cNvPr id="10" name="Content Placeholder 2">
-            <a:extLst>
-              <a:ext uri="{FF2B5EF4-FFF2-40B4-BE49-F238E27FC236}">
-                <a16:creationId xmlns:a16="http://schemas.microsoft.com/office/drawing/2014/main" id="{902F5779-ACB4-EE40-BC9D-BF6843423160}"/>
-              </a:ext>
-            </a:extLst>
-          </p:cNvPr>
-          <p:cNvSpPr txBox="1">
-            <a:spLocks/>
-          </p:cNvSpPr>
-          <p:nvPr/>
-        </p:nvSpPr>
-        <p:spPr>
-          <a:xfrm>
-            <a:off x="1325752" y="2529253"/>
-            <a:ext cx="9928402" cy="1031633"/>
-          </a:xfrm>
-          <a:prstGeom prst="rect">
-            <a:avLst/>
-          </a:prstGeom>
-          <a:solidFill>
-            <a:schemeClr val="tx1"/>
-          </a:solidFill>
-        </p:spPr>
-        <p:txBody>
-          <a:bodyPr vert="horz" lIns="91440" tIns="45720" rIns="91440" bIns="45720" rtlCol="0">
-            <a:normAutofit/>
-          </a:bodyPr>
-          <a:lstStyle>
-            <a:lvl1pPr marL="228600" indent="-228600" algn="l" defTabSz="914400" rtl="0" eaLnBrk="1" latinLnBrk="0" hangingPunct="1">
-              <a:lnSpc>
-                <a:spcPct val="120000"/>
-              </a:lnSpc>
-              <a:spcBef>
-                <a:spcPts val="1000"/>
-              </a:spcBef>
-              <a:buSzPct val="125000"/>
-              <a:buFont typeface="Arial" panose="020B0604020202020204" pitchFamily="34" charset="0"/>
-              <a:buChar char="•"/>
-              <a:defRPr sz="2400" kern="1200">
-                <a:solidFill>
-                  <a:schemeClr val="tx1"/>
-                </a:solidFill>
-                <a:latin typeface="+mn-lt"/>
-                <a:ea typeface="+mn-ea"/>
-                <a:cs typeface="+mn-cs"/>
-              </a:defRPr>
-            </a:lvl1pPr>
-            <a:lvl2pPr marL="685800" indent="-228600" algn="l" defTabSz="914400" rtl="0" eaLnBrk="1" latinLnBrk="0" hangingPunct="1">
-              <a:lnSpc>
-                <a:spcPct val="120000"/>
-              </a:lnSpc>
-              <a:spcBef>
-                <a:spcPts val="500"/>
-              </a:spcBef>
-              <a:buSzPct val="125000"/>
-              <a:buFont typeface="Arial" panose="020B0604020202020204" pitchFamily="34" charset="0"/>
-              <a:buChar char="•"/>
-              <a:defRPr sz="2000" kern="1200">
-                <a:solidFill>
-                  <a:schemeClr val="tx1"/>
-                </a:solidFill>
-                <a:latin typeface="+mn-lt"/>
-                <a:ea typeface="+mn-ea"/>
-                <a:cs typeface="+mn-cs"/>
-              </a:defRPr>
-            </a:lvl2pPr>
-            <a:lvl3pPr marL="1143000" indent="-228600" algn="l" defTabSz="914400" rtl="0" eaLnBrk="1" latinLnBrk="0" hangingPunct="1">
-              <a:lnSpc>
-                <a:spcPct val="120000"/>
-              </a:lnSpc>
-              <a:spcBef>
-                <a:spcPts val="500"/>
-              </a:spcBef>
-              <a:buSzPct val="125000"/>
-              <a:buFont typeface="Arial" panose="020B0604020202020204" pitchFamily="34" charset="0"/>
-              <a:buChar char="•"/>
-              <a:defRPr sz="1800" kern="1200">
-                <a:solidFill>
-                  <a:schemeClr val="tx1"/>
-                </a:solidFill>
-                <a:latin typeface="+mn-lt"/>
-                <a:ea typeface="+mn-ea"/>
-                <a:cs typeface="+mn-cs"/>
-              </a:defRPr>
-            </a:lvl3pPr>
-            <a:lvl4pPr marL="1600200" indent="-228600" algn="l" defTabSz="914400" rtl="0" eaLnBrk="1" latinLnBrk="0" hangingPunct="1">
-              <a:lnSpc>
-                <a:spcPct val="120000"/>
-              </a:lnSpc>
-              <a:spcBef>
-                <a:spcPts val="500"/>
-              </a:spcBef>
-              <a:buSzPct val="125000"/>
-              <a:buFont typeface="Arial" panose="020B0604020202020204" pitchFamily="34" charset="0"/>
-              <a:buChar char="•"/>
-              <a:defRPr sz="1600" kern="1200">
-                <a:solidFill>
-                  <a:schemeClr val="tx1"/>
-                </a:solidFill>
-                <a:latin typeface="+mn-lt"/>
-                <a:ea typeface="+mn-ea"/>
-                <a:cs typeface="+mn-cs"/>
-              </a:defRPr>
-            </a:lvl4pPr>
-            <a:lvl5pPr marL="2057400" indent="-228600" algn="l" defTabSz="914400" rtl="0" eaLnBrk="1" latinLnBrk="0" hangingPunct="1">
-              <a:lnSpc>
-                <a:spcPct val="120000"/>
-              </a:lnSpc>
-              <a:spcBef>
-                <a:spcPts val="500"/>
-              </a:spcBef>
-              <a:buSzPct val="125000"/>
-              <a:buFont typeface="Arial" panose="020B0604020202020204" pitchFamily="34" charset="0"/>
-              <a:buChar char="•"/>
-              <a:defRPr sz="1600" kern="1200">
-                <a:solidFill>
-                  <a:schemeClr val="tx1"/>
-                </a:solidFill>
-                <a:latin typeface="+mn-lt"/>
-                <a:ea typeface="+mn-ea"/>
-                <a:cs typeface="+mn-cs"/>
-              </a:defRPr>
-            </a:lvl5pPr>
-            <a:lvl6pPr marL="2514600" indent="-228600" algn="l" defTabSz="914400" rtl="0" eaLnBrk="1" latinLnBrk="0" hangingPunct="1">
-              <a:lnSpc>
-                <a:spcPct val="120000"/>
-              </a:lnSpc>
-              <a:spcBef>
-                <a:spcPts val="500"/>
-              </a:spcBef>
-              <a:buSzPct val="125000"/>
-              <a:buFont typeface="Arial" panose="020B0604020202020204" pitchFamily="34" charset="0"/>
-              <a:buChar char="•"/>
-              <a:defRPr sz="1400" kern="1200">
-                <a:solidFill>
-                  <a:schemeClr val="tx1"/>
-                </a:solidFill>
-                <a:latin typeface="+mn-lt"/>
-                <a:ea typeface="+mn-ea"/>
-                <a:cs typeface="+mn-cs"/>
-              </a:defRPr>
-            </a:lvl6pPr>
-            <a:lvl7pPr marL="2971800" indent="-228600" algn="l" defTabSz="914400" rtl="0" eaLnBrk="1" latinLnBrk="0" hangingPunct="1">
-              <a:lnSpc>
-                <a:spcPct val="120000"/>
-              </a:lnSpc>
-              <a:spcBef>
-                <a:spcPts val="500"/>
-              </a:spcBef>
-              <a:buSzPct val="125000"/>
-              <a:buFont typeface="Arial" panose="020B0604020202020204" pitchFamily="34" charset="0"/>
-              <a:buChar char="•"/>
-              <a:defRPr sz="1400" kern="1200">
-                <a:solidFill>
-                  <a:schemeClr val="tx1"/>
-                </a:solidFill>
-                <a:latin typeface="+mn-lt"/>
-                <a:ea typeface="+mn-ea"/>
-                <a:cs typeface="+mn-cs"/>
-              </a:defRPr>
-            </a:lvl7pPr>
-            <a:lvl8pPr marL="3429000" indent="-228600" algn="l" defTabSz="914400" rtl="0" eaLnBrk="1" latinLnBrk="0" hangingPunct="1">
-              <a:lnSpc>
-                <a:spcPct val="120000"/>
-              </a:lnSpc>
-              <a:spcBef>
-                <a:spcPts val="500"/>
-              </a:spcBef>
-              <a:buSzPct val="125000"/>
-              <a:buFont typeface="Arial" panose="020B0604020202020204" pitchFamily="34" charset="0"/>
-              <a:buChar char="•"/>
-              <a:defRPr sz="1400" kern="1200">
-                <a:solidFill>
-                  <a:schemeClr val="tx1"/>
-                </a:solidFill>
-                <a:latin typeface="+mn-lt"/>
-                <a:ea typeface="+mn-ea"/>
-                <a:cs typeface="+mn-cs"/>
-              </a:defRPr>
-            </a:lvl8pPr>
-            <a:lvl9pPr marL="3886200" indent="-228600" algn="l" defTabSz="914400" rtl="0" eaLnBrk="1" latinLnBrk="0" hangingPunct="1">
-              <a:lnSpc>
-                <a:spcPct val="120000"/>
-              </a:lnSpc>
-              <a:spcBef>
-                <a:spcPts val="500"/>
-              </a:spcBef>
-              <a:buSzPct val="125000"/>
-              <a:buFont typeface="Arial" panose="020B0604020202020204" pitchFamily="34" charset="0"/>
-              <a:buChar char="•"/>
-              <a:defRPr sz="1400" kern="1200">
-                <a:solidFill>
-                  <a:schemeClr val="tx1"/>
-                </a:solidFill>
-                <a:latin typeface="+mn-lt"/>
-                <a:ea typeface="+mn-ea"/>
-                <a:cs typeface="+mn-cs"/>
-              </a:defRPr>
-            </a:lvl9pPr>
-          </a:lstStyle>
-          <a:p>
-            <a:pPr marL="0" indent="0">
-              <a:buNone/>
-            </a:pPr>
-            <a:r>
-              <a:rPr lang="en-US" b="1" i="1" u="sng" dirty="0">
-                <a:solidFill>
-                  <a:schemeClr val="bg1"/>
-                </a:solidFill>
-              </a:rPr>
-              <a:t>Theorem</a:t>
-            </a:r>
-            <a:r>
-              <a:rPr lang="en-US" dirty="0">
-                <a:solidFill>
-                  <a:schemeClr val="bg1"/>
-                </a:solidFill>
-              </a:rPr>
-              <a:t>: Every natural number divisible by 9 is divisible by 3</a:t>
-            </a:r>
-          </a:p>
-          <a:p>
-            <a:pPr lvl="2"/>
-            <a:endParaRPr lang="en-US" dirty="0">
+      <mc:AlternateContent xmlns:mc="http://schemas.openxmlformats.org/markup-compatibility/2006">
+        <mc:Choice xmlns:a14="http://schemas.microsoft.com/office/drawing/2010/main" Requires="a14">
+          <p:sp>
+            <p:nvSpPr>
+              <p:cNvPr id="10" name="Content Placeholder 2">
+                <a:extLst>
+                  <a:ext uri="{FF2B5EF4-FFF2-40B4-BE49-F238E27FC236}">
+                    <a16:creationId xmlns:a16="http://schemas.microsoft.com/office/drawing/2014/main" id="{902F5779-ACB4-EE40-BC9D-BF6843423160}"/>
+                  </a:ext>
+                </a:extLst>
+              </p:cNvPr>
+              <p:cNvSpPr txBox="1">
+                <a:spLocks/>
+              </p:cNvSpPr>
+              <p:nvPr/>
+            </p:nvSpPr>
+            <p:spPr>
+              <a:xfrm>
+                <a:off x="1325752" y="2529253"/>
+                <a:ext cx="9928402" cy="800969"/>
+              </a:xfrm>
+              <a:prstGeom prst="rect">
+                <a:avLst/>
+              </a:prstGeom>
               <a:solidFill>
-                <a:schemeClr val="bg1"/>
+                <a:schemeClr val="tx1"/>
               </a:solidFill>
-            </a:endParaRPr>
-          </a:p>
-        </p:txBody>
-      </p:sp>
+            </p:spPr>
+            <p:txBody>
+              <a:bodyPr vert="horz" lIns="91440" tIns="45720" rIns="91440" bIns="45720" rtlCol="0">
+                <a:normAutofit/>
+              </a:bodyPr>
+              <a:lstStyle>
+                <a:lvl1pPr marL="228600" indent="-228600" algn="l" defTabSz="914400" rtl="0" eaLnBrk="1" latinLnBrk="0" hangingPunct="1">
+                  <a:lnSpc>
+                    <a:spcPct val="120000"/>
+                  </a:lnSpc>
+                  <a:spcBef>
+                    <a:spcPts val="1000"/>
+                  </a:spcBef>
+                  <a:buSzPct val="125000"/>
+                  <a:buFont typeface="Arial" panose="020B0604020202020204" pitchFamily="34" charset="0"/>
+                  <a:buChar char="•"/>
+                  <a:defRPr sz="2400" kern="1200">
+                    <a:solidFill>
+                      <a:schemeClr val="tx1"/>
+                    </a:solidFill>
+                    <a:latin typeface="+mn-lt"/>
+                    <a:ea typeface="+mn-ea"/>
+                    <a:cs typeface="+mn-cs"/>
+                  </a:defRPr>
+                </a:lvl1pPr>
+                <a:lvl2pPr marL="685800" indent="-228600" algn="l" defTabSz="914400" rtl="0" eaLnBrk="1" latinLnBrk="0" hangingPunct="1">
+                  <a:lnSpc>
+                    <a:spcPct val="120000"/>
+                  </a:lnSpc>
+                  <a:spcBef>
+                    <a:spcPts val="500"/>
+                  </a:spcBef>
+                  <a:buSzPct val="125000"/>
+                  <a:buFont typeface="Arial" panose="020B0604020202020204" pitchFamily="34" charset="0"/>
+                  <a:buChar char="•"/>
+                  <a:defRPr sz="2000" kern="1200">
+                    <a:solidFill>
+                      <a:schemeClr val="tx1"/>
+                    </a:solidFill>
+                    <a:latin typeface="+mn-lt"/>
+                    <a:ea typeface="+mn-ea"/>
+                    <a:cs typeface="+mn-cs"/>
+                  </a:defRPr>
+                </a:lvl2pPr>
+                <a:lvl3pPr marL="1143000" indent="-228600" algn="l" defTabSz="914400" rtl="0" eaLnBrk="1" latinLnBrk="0" hangingPunct="1">
+                  <a:lnSpc>
+                    <a:spcPct val="120000"/>
+                  </a:lnSpc>
+                  <a:spcBef>
+                    <a:spcPts val="500"/>
+                  </a:spcBef>
+                  <a:buSzPct val="125000"/>
+                  <a:buFont typeface="Arial" panose="020B0604020202020204" pitchFamily="34" charset="0"/>
+                  <a:buChar char="•"/>
+                  <a:defRPr sz="1800" kern="1200">
+                    <a:solidFill>
+                      <a:schemeClr val="tx1"/>
+                    </a:solidFill>
+                    <a:latin typeface="+mn-lt"/>
+                    <a:ea typeface="+mn-ea"/>
+                    <a:cs typeface="+mn-cs"/>
+                  </a:defRPr>
+                </a:lvl3pPr>
+                <a:lvl4pPr marL="1600200" indent="-228600" algn="l" defTabSz="914400" rtl="0" eaLnBrk="1" latinLnBrk="0" hangingPunct="1">
+                  <a:lnSpc>
+                    <a:spcPct val="120000"/>
+                  </a:lnSpc>
+                  <a:spcBef>
+                    <a:spcPts val="500"/>
+                  </a:spcBef>
+                  <a:buSzPct val="125000"/>
+                  <a:buFont typeface="Arial" panose="020B0604020202020204" pitchFamily="34" charset="0"/>
+                  <a:buChar char="•"/>
+                  <a:defRPr sz="1600" kern="1200">
+                    <a:solidFill>
+                      <a:schemeClr val="tx1"/>
+                    </a:solidFill>
+                    <a:latin typeface="+mn-lt"/>
+                    <a:ea typeface="+mn-ea"/>
+                    <a:cs typeface="+mn-cs"/>
+                  </a:defRPr>
+                </a:lvl4pPr>
+                <a:lvl5pPr marL="2057400" indent="-228600" algn="l" defTabSz="914400" rtl="0" eaLnBrk="1" latinLnBrk="0" hangingPunct="1">
+                  <a:lnSpc>
+                    <a:spcPct val="120000"/>
+                  </a:lnSpc>
+                  <a:spcBef>
+                    <a:spcPts val="500"/>
+                  </a:spcBef>
+                  <a:buSzPct val="125000"/>
+                  <a:buFont typeface="Arial" panose="020B0604020202020204" pitchFamily="34" charset="0"/>
+                  <a:buChar char="•"/>
+                  <a:defRPr sz="1600" kern="1200">
+                    <a:solidFill>
+                      <a:schemeClr val="tx1"/>
+                    </a:solidFill>
+                    <a:latin typeface="+mn-lt"/>
+                    <a:ea typeface="+mn-ea"/>
+                    <a:cs typeface="+mn-cs"/>
+                  </a:defRPr>
+                </a:lvl5pPr>
+                <a:lvl6pPr marL="2514600" indent="-228600" algn="l" defTabSz="914400" rtl="0" eaLnBrk="1" latinLnBrk="0" hangingPunct="1">
+                  <a:lnSpc>
+                    <a:spcPct val="120000"/>
+                  </a:lnSpc>
+                  <a:spcBef>
+                    <a:spcPts val="500"/>
+                  </a:spcBef>
+                  <a:buSzPct val="125000"/>
+                  <a:buFont typeface="Arial" panose="020B0604020202020204" pitchFamily="34" charset="0"/>
+                  <a:buChar char="•"/>
+                  <a:defRPr sz="1400" kern="1200">
+                    <a:solidFill>
+                      <a:schemeClr val="tx1"/>
+                    </a:solidFill>
+                    <a:latin typeface="+mn-lt"/>
+                    <a:ea typeface="+mn-ea"/>
+                    <a:cs typeface="+mn-cs"/>
+                  </a:defRPr>
+                </a:lvl6pPr>
+                <a:lvl7pPr marL="2971800" indent="-228600" algn="l" defTabSz="914400" rtl="0" eaLnBrk="1" latinLnBrk="0" hangingPunct="1">
+                  <a:lnSpc>
+                    <a:spcPct val="120000"/>
+                  </a:lnSpc>
+                  <a:spcBef>
+                    <a:spcPts val="500"/>
+                  </a:spcBef>
+                  <a:buSzPct val="125000"/>
+                  <a:buFont typeface="Arial" panose="020B0604020202020204" pitchFamily="34" charset="0"/>
+                  <a:buChar char="•"/>
+                  <a:defRPr sz="1400" kern="1200">
+                    <a:solidFill>
+                      <a:schemeClr val="tx1"/>
+                    </a:solidFill>
+                    <a:latin typeface="+mn-lt"/>
+                    <a:ea typeface="+mn-ea"/>
+                    <a:cs typeface="+mn-cs"/>
+                  </a:defRPr>
+                </a:lvl7pPr>
+                <a:lvl8pPr marL="3429000" indent="-228600" algn="l" defTabSz="914400" rtl="0" eaLnBrk="1" latinLnBrk="0" hangingPunct="1">
+                  <a:lnSpc>
+                    <a:spcPct val="120000"/>
+                  </a:lnSpc>
+                  <a:spcBef>
+                    <a:spcPts val="500"/>
+                  </a:spcBef>
+                  <a:buSzPct val="125000"/>
+                  <a:buFont typeface="Arial" panose="020B0604020202020204" pitchFamily="34" charset="0"/>
+                  <a:buChar char="•"/>
+                  <a:defRPr sz="1400" kern="1200">
+                    <a:solidFill>
+                      <a:schemeClr val="tx1"/>
+                    </a:solidFill>
+                    <a:latin typeface="+mn-lt"/>
+                    <a:ea typeface="+mn-ea"/>
+                    <a:cs typeface="+mn-cs"/>
+                  </a:defRPr>
+                </a:lvl8pPr>
+                <a:lvl9pPr marL="3886200" indent="-228600" algn="l" defTabSz="914400" rtl="0" eaLnBrk="1" latinLnBrk="0" hangingPunct="1">
+                  <a:lnSpc>
+                    <a:spcPct val="120000"/>
+                  </a:lnSpc>
+                  <a:spcBef>
+                    <a:spcPts val="500"/>
+                  </a:spcBef>
+                  <a:buSzPct val="125000"/>
+                  <a:buFont typeface="Arial" panose="020B0604020202020204" pitchFamily="34" charset="0"/>
+                  <a:buChar char="•"/>
+                  <a:defRPr sz="1400" kern="1200">
+                    <a:solidFill>
+                      <a:schemeClr val="tx1"/>
+                    </a:solidFill>
+                    <a:latin typeface="+mn-lt"/>
+                    <a:ea typeface="+mn-ea"/>
+                    <a:cs typeface="+mn-cs"/>
+                  </a:defRPr>
+                </a:lvl9pPr>
+              </a:lstStyle>
+              <a:p>
+                <a:pPr marL="0" indent="0" algn="ctr">
+                  <a:buNone/>
+                </a:pPr>
+                <a:r>
+                  <a:rPr lang="en-US" b="1" i="1" u="sng" dirty="0">
+                    <a:solidFill>
+                      <a:schemeClr val="bg1"/>
+                    </a:solidFill>
+                  </a:rPr>
+                  <a:t>Theorem</a:t>
+                </a:r>
+                <a:r>
+                  <a:rPr lang="en-US" dirty="0">
+                    <a:solidFill>
+                      <a:schemeClr val="bg1"/>
+                    </a:solidFill>
+                  </a:rPr>
+                  <a:t>: </a:t>
+                </a:r>
+                <a14:m>
+                  <m:oMath xmlns:m="http://schemas.openxmlformats.org/officeDocument/2006/math">
+                    <m:rad>
+                      <m:radPr>
+                        <m:degHide m:val="on"/>
+                        <m:ctrlPr>
+                          <a:rPr lang="en-US" b="0" i="1" smtClean="0">
+                            <a:solidFill>
+                              <a:schemeClr val="bg1"/>
+                            </a:solidFill>
+                            <a:latin typeface="Cambria Math" panose="02040503050406030204" pitchFamily="18" charset="0"/>
+                          </a:rPr>
+                        </m:ctrlPr>
+                      </m:radPr>
+                      <m:deg/>
+                      <m:e>
+                        <m:r>
+                          <a:rPr lang="en-US" b="0" i="1" smtClean="0">
+                            <a:solidFill>
+                              <a:schemeClr val="bg1"/>
+                            </a:solidFill>
+                            <a:latin typeface="Cambria Math" panose="02040503050406030204" pitchFamily="18" charset="0"/>
+                          </a:rPr>
+                          <m:t>2</m:t>
+                        </m:r>
+                      </m:e>
+                    </m:rad>
+                  </m:oMath>
+                </a14:m>
+                <a:r>
+                  <a:rPr lang="en-US" dirty="0">
+                    <a:solidFill>
+                      <a:schemeClr val="bg1"/>
+                    </a:solidFill>
+                  </a:rPr>
+                  <a:t> is irrational</a:t>
+                </a:r>
+              </a:p>
+              <a:p>
+                <a:pPr lvl="2" algn="ctr"/>
+                <a:endParaRPr lang="en-US" dirty="0">
+                  <a:solidFill>
+                    <a:schemeClr val="bg1"/>
+                  </a:solidFill>
+                </a:endParaRPr>
+              </a:p>
+            </p:txBody>
+          </p:sp>
+        </mc:Choice>
+        <mc:Fallback>
+          <p:sp>
+            <p:nvSpPr>
+              <p:cNvPr id="10" name="Content Placeholder 2">
+                <a:extLst>
+                  <a:ext uri="{FF2B5EF4-FFF2-40B4-BE49-F238E27FC236}">
+                    <a16:creationId xmlns:a16="http://schemas.microsoft.com/office/drawing/2014/main" id="{902F5779-ACB4-EE40-BC9D-BF6843423160}"/>
+                  </a:ext>
+                </a:extLst>
+              </p:cNvPr>
+              <p:cNvSpPr txBox="1">
+                <a:spLocks noRot="1" noChangeAspect="1" noMove="1" noResize="1" noEditPoints="1" noAdjustHandles="1" noChangeArrowheads="1" noChangeShapeType="1" noTextEdit="1"/>
+              </p:cNvSpPr>
+              <p:nvPr/>
+            </p:nvSpPr>
+            <p:spPr>
+              <a:xfrm>
+                <a:off x="1325752" y="2529253"/>
+                <a:ext cx="9928402" cy="800969"/>
+              </a:xfrm>
+              <a:prstGeom prst="rect">
+                <a:avLst/>
+              </a:prstGeom>
+              <a:blipFill>
+                <a:blip r:embed="rId2"/>
+                <a:stretch>
+                  <a:fillRect/>
+                </a:stretch>
+              </a:blipFill>
+            </p:spPr>
+            <p:txBody>
+              <a:bodyPr/>
+              <a:lstStyle/>
+              <a:p>
+                <a:r>
+                  <a:rPr lang="en-US">
+                    <a:noFill/>
+                  </a:rPr>
+                  <a:t> </a:t>
+                </a:r>
+              </a:p>
+            </p:txBody>
+          </p:sp>
+        </mc:Fallback>
+      </mc:AlternateContent>
       <p:sp>
         <p:nvSpPr>
           <p:cNvPr id="7" name="Content Placeholder 2">
@@ -20554,7 +20639,7 @@
         </p:nvSpPr>
         <p:spPr>
           <a:xfrm>
-            <a:off x="1521890" y="5477607"/>
+            <a:off x="1837980" y="5161516"/>
             <a:ext cx="5151471" cy="1173647"/>
           </a:xfrm>
         </p:spPr>
@@ -20588,7 +20673,7 @@
         </p:nvCxnSpPr>
         <p:spPr>
           <a:xfrm flipH="1">
-            <a:off x="2980594" y="3835644"/>
+            <a:off x="3296684" y="3519553"/>
             <a:ext cx="773722" cy="1518872"/>
           </a:xfrm>
           <a:prstGeom prst="line">
@@ -20854,8 +20939,8 @@
           </a:p>
         </p:txBody>
       </p:sp>
-      <mc:AlternateContent xmlns:mc="http://schemas.openxmlformats.org/markup-compatibility/2006" xmlns:a14="http://schemas.microsoft.com/office/drawing/2010/main">
-        <mc:Choice Requires="a14">
+      <mc:AlternateContent xmlns:mc="http://schemas.openxmlformats.org/markup-compatibility/2006">
+        <mc:Choice xmlns:a14="http://schemas.microsoft.com/office/drawing/2010/main" Requires="a14">
           <p:sp>
             <p:nvSpPr>
               <p:cNvPr id="3" name="Content Placeholder 2">
@@ -20874,13 +20959,13 @@
             </p:nvSpPr>
             <p:spPr>
               <a:xfrm>
-                <a:off x="1255413" y="2441330"/>
-                <a:ext cx="9791998" cy="3807069"/>
+                <a:off x="1255413" y="1885244"/>
+                <a:ext cx="9791998" cy="4763912"/>
               </a:xfrm>
             </p:spPr>
             <p:txBody>
               <a:bodyPr>
-                <a:normAutofit fontScale="92500" lnSpcReduction="20000"/>
+                <a:normAutofit fontScale="70000" lnSpcReduction="20000"/>
               </a:bodyPr>
               <a:lstStyle/>
               <a:p>
@@ -20910,21 +20995,39 @@
                       </a:schemeClr>
                     </a:solidFill>
                   </a:rPr>
-                  <a:t>Suppose, toward a contradiction, that there is some value of </a:t>
+                  <a:t>Suppose that </a:t>
                 </a:r>
                 <a14:m>
                   <m:oMath xmlns:m="http://schemas.openxmlformats.org/officeDocument/2006/math">
-                    <m:r>
-                      <a:rPr lang="en-US" b="0" i="1" smtClean="0">
-                        <a:solidFill>
-                          <a:schemeClr val="tx1">
-                            <a:lumMod val="95000"/>
-                          </a:schemeClr>
-                        </a:solidFill>
-                        <a:latin typeface="Cambria Math" panose="02040503050406030204" pitchFamily="18" charset="0"/>
-                      </a:rPr>
-                      <m:t>𝑥</m:t>
-                    </m:r>
+                    <m:rad>
+                      <m:radPr>
+                        <m:degHide m:val="on"/>
+                        <m:ctrlPr>
+                          <a:rPr lang="en-US" b="0" i="1" smtClean="0">
+                            <a:solidFill>
+                              <a:schemeClr val="tx1">
+                                <a:lumMod val="95000"/>
+                              </a:schemeClr>
+                            </a:solidFill>
+                            <a:latin typeface="Cambria Math" panose="02040503050406030204" pitchFamily="18" charset="0"/>
+                          </a:rPr>
+                        </m:ctrlPr>
+                      </m:radPr>
+                      <m:deg/>
+                      <m:e>
+                        <m:r>
+                          <a:rPr lang="en-US" b="0" i="1" smtClean="0">
+                            <a:solidFill>
+                              <a:schemeClr val="tx1">
+                                <a:lumMod val="95000"/>
+                              </a:schemeClr>
+                            </a:solidFill>
+                            <a:latin typeface="Cambria Math" panose="02040503050406030204" pitchFamily="18" charset="0"/>
+                          </a:rPr>
+                          <m:t>2</m:t>
+                        </m:r>
+                      </m:e>
+                    </m:rad>
                   </m:oMath>
                 </a14:m>
                 <a:r>
@@ -20935,7 +21038,7 @@
                       </a:schemeClr>
                     </a:solidFill>
                   </a:rPr>
-                  <a:t> that is divisible by 9 but is not divisible by 3. </a:t>
+                  <a:t> is NOT irrational. Thus, it is rational </a:t>
                 </a:r>
               </a:p>
               <a:p>
@@ -20950,7 +21053,7 @@
                       </a:schemeClr>
                     </a:solidFill>
                   </a:rPr>
-                  <a:t>This means that </a:t>
+                  <a:t>Thus there exist integers </a:t>
                 </a:r>
                 <a14:m>
                   <m:oMath xmlns:m="http://schemas.openxmlformats.org/officeDocument/2006/math">
@@ -20963,7 +21066,7 @@
                         </a:solidFill>
                         <a:latin typeface="Cambria Math" panose="02040503050406030204" pitchFamily="18" charset="0"/>
                       </a:rPr>
-                      <m:t>𝑥</m:t>
+                      <m:t>𝑚</m:t>
                     </m:r>
                     <m:r>
                       <a:rPr lang="en-US" b="0" i="1" smtClean="0">
@@ -20974,7 +21077,561 @@
                         </a:solidFill>
                         <a:latin typeface="Cambria Math" panose="02040503050406030204" pitchFamily="18" charset="0"/>
                       </a:rPr>
-                      <m:t>=9</m:t>
+                      <m:t>,</m:t>
+                    </m:r>
+                    <m:r>
+                      <a:rPr lang="en-US" b="0" i="1" smtClean="0">
+                        <a:solidFill>
+                          <a:schemeClr val="tx1">
+                            <a:lumMod val="95000"/>
+                          </a:schemeClr>
+                        </a:solidFill>
+                        <a:latin typeface="Cambria Math" panose="02040503050406030204" pitchFamily="18" charset="0"/>
+                      </a:rPr>
+                      <m:t>𝑛</m:t>
+                    </m:r>
+                    <m:r>
+                      <a:rPr lang="en-US" b="0" i="1" smtClean="0">
+                        <a:solidFill>
+                          <a:schemeClr val="tx1">
+                            <a:lumMod val="95000"/>
+                          </a:schemeClr>
+                        </a:solidFill>
+                        <a:latin typeface="Cambria Math" panose="02040503050406030204" pitchFamily="18" charset="0"/>
+                      </a:rPr>
+                      <m:t>∈</m:t>
+                    </m:r>
+                    <m:r>
+                      <a:rPr lang="en-US" b="0" i="1" smtClean="0">
+                        <a:solidFill>
+                          <a:schemeClr val="tx1">
+                            <a:lumMod val="95000"/>
+                          </a:schemeClr>
+                        </a:solidFill>
+                        <a:latin typeface="Cambria Math" panose="02040503050406030204" pitchFamily="18" charset="0"/>
+                      </a:rPr>
+                      <m:t>𝑍</m:t>
+                    </m:r>
+                  </m:oMath>
+                </a14:m>
+                <a:r>
+                  <a:rPr lang="en-US" dirty="0">
+                    <a:solidFill>
+                      <a:schemeClr val="tx1">
+                        <a:lumMod val="95000"/>
+                      </a:schemeClr>
+                    </a:solidFill>
+                  </a:rPr>
+                  <a:t> such that </a:t>
+                </a:r>
+                <a14:m>
+                  <m:oMath xmlns:m="http://schemas.openxmlformats.org/officeDocument/2006/math">
+                    <m:rad>
+                      <m:radPr>
+                        <m:degHide m:val="on"/>
+                        <m:ctrlPr>
+                          <a:rPr lang="en-US" b="0" i="1" smtClean="0">
+                            <a:solidFill>
+                              <a:schemeClr val="tx1">
+                                <a:lumMod val="95000"/>
+                              </a:schemeClr>
+                            </a:solidFill>
+                            <a:latin typeface="Cambria Math" panose="02040503050406030204" pitchFamily="18" charset="0"/>
+                          </a:rPr>
+                        </m:ctrlPr>
+                      </m:radPr>
+                      <m:deg/>
+                      <m:e>
+                        <m:r>
+                          <a:rPr lang="en-US" b="0" i="1" smtClean="0">
+                            <a:solidFill>
+                              <a:schemeClr val="tx1">
+                                <a:lumMod val="95000"/>
+                              </a:schemeClr>
+                            </a:solidFill>
+                            <a:latin typeface="Cambria Math" panose="02040503050406030204" pitchFamily="18" charset="0"/>
+                          </a:rPr>
+                          <m:t>2</m:t>
+                        </m:r>
+                      </m:e>
+                    </m:rad>
+                    <m:r>
+                      <a:rPr lang="en-US" b="0" i="1" smtClean="0">
+                        <a:solidFill>
+                          <a:schemeClr val="tx1">
+                            <a:lumMod val="95000"/>
+                          </a:schemeClr>
+                        </a:solidFill>
+                        <a:latin typeface="Cambria Math" panose="02040503050406030204" pitchFamily="18" charset="0"/>
+                      </a:rPr>
+                      <m:t>=</m:t>
+                    </m:r>
+                    <m:f>
+                      <m:fPr>
+                        <m:ctrlPr>
+                          <a:rPr lang="en-US" b="0" i="1" smtClean="0">
+                            <a:solidFill>
+                              <a:schemeClr val="tx1">
+                                <a:lumMod val="95000"/>
+                              </a:schemeClr>
+                            </a:solidFill>
+                            <a:latin typeface="Cambria Math" panose="02040503050406030204" pitchFamily="18" charset="0"/>
+                          </a:rPr>
+                        </m:ctrlPr>
+                      </m:fPr>
+                      <m:num>
+                        <m:r>
+                          <a:rPr lang="en-US" b="0" i="1" smtClean="0">
+                            <a:solidFill>
+                              <a:schemeClr val="tx1">
+                                <a:lumMod val="95000"/>
+                              </a:schemeClr>
+                            </a:solidFill>
+                            <a:latin typeface="Cambria Math" panose="02040503050406030204" pitchFamily="18" charset="0"/>
+                          </a:rPr>
+                          <m:t>𝑚</m:t>
+                        </m:r>
+                      </m:num>
+                      <m:den>
+                        <m:r>
+                          <a:rPr lang="en-US" b="0" i="1" smtClean="0">
+                            <a:solidFill>
+                              <a:schemeClr val="tx1">
+                                <a:lumMod val="95000"/>
+                              </a:schemeClr>
+                            </a:solidFill>
+                            <a:latin typeface="Cambria Math" panose="02040503050406030204" pitchFamily="18" charset="0"/>
+                          </a:rPr>
+                          <m:t>𝑛</m:t>
+                        </m:r>
+                      </m:den>
+                    </m:f>
+                  </m:oMath>
+                </a14:m>
+                <a:endParaRPr lang="en-US" dirty="0">
+                  <a:solidFill>
+                    <a:schemeClr val="tx1">
+                      <a:lumMod val="95000"/>
+                    </a:schemeClr>
+                  </a:solidFill>
+                </a:endParaRPr>
+              </a:p>
+              <a:p>
+                <a:pPr marL="0" indent="0">
+                  <a:buNone/>
+                </a:pPr>
+                <a:r>
+                  <a:rPr lang="en-US" dirty="0">
+                    <a:solidFill>
+                      <a:schemeClr val="tx1">
+                        <a:lumMod val="95000"/>
+                      </a:schemeClr>
+                    </a:solidFill>
+                  </a:rPr>
+                  <a:t>Simplify m and n by dividing by any common divisors.</a:t>
+                </a:r>
+              </a:p>
+              <a:p>
+                <a:pPr marL="0" indent="0">
+                  <a:buNone/>
+                </a:pPr>
+                <a:r>
+                  <a:rPr lang="en-US" dirty="0">
+                    <a:solidFill>
+                      <a:schemeClr val="tx1">
+                        <a:lumMod val="95000"/>
+                      </a:schemeClr>
+                    </a:solidFill>
+                  </a:rPr>
+                  <a:t>After this, one of m and n must be odd.</a:t>
+                </a:r>
+              </a:p>
+              <a:p>
+                <a:pPr marL="0" indent="0">
+                  <a:buNone/>
+                </a:pPr>
+                <a:r>
+                  <a:rPr lang="en-US" dirty="0">
+                    <a:solidFill>
+                      <a:schemeClr val="tx1">
+                        <a:lumMod val="95000"/>
+                      </a:schemeClr>
+                    </a:solidFill>
+                  </a:rPr>
+                  <a:t>Multiply to obtain: 	</a:t>
+                </a:r>
+                <a14:m>
+                  <m:oMath xmlns:m="http://schemas.openxmlformats.org/officeDocument/2006/math">
+                    <m:r>
+                      <a:rPr lang="en-US" b="0" i="1" smtClean="0">
+                        <a:solidFill>
+                          <a:schemeClr val="tx1">
+                            <a:lumMod val="95000"/>
+                          </a:schemeClr>
+                        </a:solidFill>
+                        <a:latin typeface="Cambria Math" panose="02040503050406030204" pitchFamily="18" charset="0"/>
+                      </a:rPr>
+                      <m:t>𝑛</m:t>
+                    </m:r>
+                    <m:rad>
+                      <m:radPr>
+                        <m:degHide m:val="on"/>
+                        <m:ctrlPr>
+                          <a:rPr lang="en-US" b="0" i="1" smtClean="0">
+                            <a:solidFill>
+                              <a:schemeClr val="tx1">
+                                <a:lumMod val="95000"/>
+                              </a:schemeClr>
+                            </a:solidFill>
+                            <a:latin typeface="Cambria Math" panose="02040503050406030204" pitchFamily="18" charset="0"/>
+                          </a:rPr>
+                        </m:ctrlPr>
+                      </m:radPr>
+                      <m:deg/>
+                      <m:e>
+                        <m:r>
+                          <a:rPr lang="en-US" b="0" i="1" smtClean="0">
+                            <a:solidFill>
+                              <a:schemeClr val="tx1">
+                                <a:lumMod val="95000"/>
+                              </a:schemeClr>
+                            </a:solidFill>
+                            <a:latin typeface="Cambria Math" panose="02040503050406030204" pitchFamily="18" charset="0"/>
+                          </a:rPr>
+                          <m:t>2</m:t>
+                        </m:r>
+                      </m:e>
+                    </m:rad>
+                    <m:r>
+                      <a:rPr lang="en-US" b="0" i="1" smtClean="0">
+                        <a:solidFill>
+                          <a:schemeClr val="tx1">
+                            <a:lumMod val="95000"/>
+                          </a:schemeClr>
+                        </a:solidFill>
+                        <a:latin typeface="Cambria Math" panose="02040503050406030204" pitchFamily="18" charset="0"/>
+                      </a:rPr>
+                      <m:t>=</m:t>
+                    </m:r>
+                    <m:r>
+                      <a:rPr lang="en-US" b="0" i="1" smtClean="0">
+                        <a:solidFill>
+                          <a:schemeClr val="tx1">
+                            <a:lumMod val="95000"/>
+                          </a:schemeClr>
+                        </a:solidFill>
+                        <a:latin typeface="Cambria Math" panose="02040503050406030204" pitchFamily="18" charset="0"/>
+                      </a:rPr>
+                      <m:t>𝑚</m:t>
+                    </m:r>
+                  </m:oMath>
+                </a14:m>
+                <a:endParaRPr lang="en-US" dirty="0">
+                  <a:solidFill>
+                    <a:schemeClr val="tx1">
+                      <a:lumMod val="95000"/>
+                    </a:schemeClr>
+                  </a:solidFill>
+                </a:endParaRPr>
+              </a:p>
+              <a:p>
+                <a:pPr marL="0" indent="0">
+                  <a:buNone/>
+                </a:pPr>
+                <a:r>
+                  <a:rPr lang="en-US" dirty="0">
+                    <a:solidFill>
+                      <a:schemeClr val="tx1">
+                        <a:lumMod val="95000"/>
+                      </a:schemeClr>
+                    </a:solidFill>
+                  </a:rPr>
+                  <a:t>Square both sides: 	</a:t>
+                </a:r>
+                <a14:m>
+                  <m:oMath xmlns:m="http://schemas.openxmlformats.org/officeDocument/2006/math">
+                    <m:r>
+                      <a:rPr lang="en-US" b="0" i="1" smtClean="0">
+                        <a:solidFill>
+                          <a:schemeClr val="tx1">
+                            <a:lumMod val="95000"/>
+                          </a:schemeClr>
+                        </a:solidFill>
+                        <a:latin typeface="Cambria Math" panose="02040503050406030204" pitchFamily="18" charset="0"/>
+                      </a:rPr>
+                      <m:t>2</m:t>
+                    </m:r>
+                    <m:sSup>
+                      <m:sSupPr>
+                        <m:ctrlPr>
+                          <a:rPr lang="en-US" b="0" i="1" smtClean="0">
+                            <a:solidFill>
+                              <a:schemeClr val="tx1">
+                                <a:lumMod val="95000"/>
+                              </a:schemeClr>
+                            </a:solidFill>
+                            <a:latin typeface="Cambria Math" panose="02040503050406030204" pitchFamily="18" charset="0"/>
+                          </a:rPr>
+                        </m:ctrlPr>
+                      </m:sSupPr>
+                      <m:e>
+                        <m:r>
+                          <a:rPr lang="en-US" b="0" i="1" smtClean="0">
+                            <a:solidFill>
+                              <a:schemeClr val="tx1">
+                                <a:lumMod val="95000"/>
+                              </a:schemeClr>
+                            </a:solidFill>
+                            <a:latin typeface="Cambria Math" panose="02040503050406030204" pitchFamily="18" charset="0"/>
+                          </a:rPr>
+                          <m:t>𝑛</m:t>
+                        </m:r>
+                      </m:e>
+                      <m:sup>
+                        <m:r>
+                          <a:rPr lang="en-US" b="0" i="1" smtClean="0">
+                            <a:solidFill>
+                              <a:schemeClr val="tx1">
+                                <a:lumMod val="95000"/>
+                              </a:schemeClr>
+                            </a:solidFill>
+                            <a:latin typeface="Cambria Math" panose="02040503050406030204" pitchFamily="18" charset="0"/>
+                          </a:rPr>
+                          <m:t>2</m:t>
+                        </m:r>
+                      </m:sup>
+                    </m:sSup>
+                    <m:r>
+                      <a:rPr lang="en-US" b="0" i="1" smtClean="0">
+                        <a:solidFill>
+                          <a:schemeClr val="tx1">
+                            <a:lumMod val="95000"/>
+                          </a:schemeClr>
+                        </a:solidFill>
+                        <a:latin typeface="Cambria Math" panose="02040503050406030204" pitchFamily="18" charset="0"/>
+                      </a:rPr>
+                      <m:t>=</m:t>
+                    </m:r>
+                    <m:sSup>
+                      <m:sSupPr>
+                        <m:ctrlPr>
+                          <a:rPr lang="en-US" b="0" i="1" smtClean="0">
+                            <a:solidFill>
+                              <a:schemeClr val="tx1">
+                                <a:lumMod val="95000"/>
+                              </a:schemeClr>
+                            </a:solidFill>
+                            <a:latin typeface="Cambria Math" panose="02040503050406030204" pitchFamily="18" charset="0"/>
+                          </a:rPr>
+                        </m:ctrlPr>
+                      </m:sSupPr>
+                      <m:e>
+                        <m:r>
+                          <a:rPr lang="en-US" b="0" i="1" smtClean="0">
+                            <a:solidFill>
+                              <a:schemeClr val="tx1">
+                                <a:lumMod val="95000"/>
+                              </a:schemeClr>
+                            </a:solidFill>
+                            <a:latin typeface="Cambria Math" panose="02040503050406030204" pitchFamily="18" charset="0"/>
+                          </a:rPr>
+                          <m:t>𝑚</m:t>
+                        </m:r>
+                      </m:e>
+                      <m:sup>
+                        <m:r>
+                          <a:rPr lang="en-US" b="0" i="1" smtClean="0">
+                            <a:solidFill>
+                              <a:schemeClr val="tx1">
+                                <a:lumMod val="95000"/>
+                              </a:schemeClr>
+                            </a:solidFill>
+                            <a:latin typeface="Cambria Math" panose="02040503050406030204" pitchFamily="18" charset="0"/>
+                          </a:rPr>
+                          <m:t>2</m:t>
+                        </m:r>
+                      </m:sup>
+                    </m:sSup>
+                  </m:oMath>
+                </a14:m>
+                <a:endParaRPr lang="en-US" dirty="0">
+                  <a:solidFill>
+                    <a:schemeClr val="tx1">
+                      <a:lumMod val="95000"/>
+                    </a:schemeClr>
+                  </a:solidFill>
+                </a:endParaRPr>
+              </a:p>
+              <a:p>
+                <a:pPr marL="0" indent="0">
+                  <a:buNone/>
+                </a:pPr>
+                <a:r>
+                  <a:rPr lang="en-US" dirty="0">
+                    <a:solidFill>
+                      <a:schemeClr val="tx1">
+                        <a:lumMod val="95000"/>
+                      </a:schemeClr>
+                    </a:solidFill>
+                  </a:rPr>
+                  <a:t>Because </a:t>
+                </a:r>
+                <a14:m>
+                  <m:oMath xmlns:m="http://schemas.openxmlformats.org/officeDocument/2006/math">
+                    <m:sSup>
+                      <m:sSupPr>
+                        <m:ctrlPr>
+                          <a:rPr lang="en-US" b="0" i="1" smtClean="0">
+                            <a:solidFill>
+                              <a:schemeClr val="tx1">
+                                <a:lumMod val="95000"/>
+                              </a:schemeClr>
+                            </a:solidFill>
+                            <a:latin typeface="Cambria Math" panose="02040503050406030204" pitchFamily="18" charset="0"/>
+                          </a:rPr>
+                        </m:ctrlPr>
+                      </m:sSupPr>
+                      <m:e>
+                        <m:r>
+                          <a:rPr lang="en-US" b="0" i="1" smtClean="0">
+                            <a:solidFill>
+                              <a:schemeClr val="tx1">
+                                <a:lumMod val="95000"/>
+                              </a:schemeClr>
+                            </a:solidFill>
+                            <a:latin typeface="Cambria Math" panose="02040503050406030204" pitchFamily="18" charset="0"/>
+                          </a:rPr>
+                          <m:t>𝑚</m:t>
+                        </m:r>
+                      </m:e>
+                      <m:sup>
+                        <m:r>
+                          <a:rPr lang="en-US" b="0" i="1" smtClean="0">
+                            <a:solidFill>
+                              <a:schemeClr val="tx1">
+                                <a:lumMod val="95000"/>
+                              </a:schemeClr>
+                            </a:solidFill>
+                            <a:latin typeface="Cambria Math" panose="02040503050406030204" pitchFamily="18" charset="0"/>
+                          </a:rPr>
+                          <m:t>2</m:t>
+                        </m:r>
+                      </m:sup>
+                    </m:sSup>
+                  </m:oMath>
+                </a14:m>
+                <a:r>
+                  <a:rPr lang="en-US" dirty="0">
+                    <a:solidFill>
+                      <a:schemeClr val="tx1">
+                        <a:lumMod val="95000"/>
+                      </a:schemeClr>
+                    </a:solidFill>
+                  </a:rPr>
+                  <a:t> is twice an integer, we know that </a:t>
+                </a:r>
+                <a14:m>
+                  <m:oMath xmlns:m="http://schemas.openxmlformats.org/officeDocument/2006/math">
+                    <m:sSup>
+                      <m:sSupPr>
+                        <m:ctrlPr>
+                          <a:rPr lang="en-US" b="0" i="1" smtClean="0">
+                            <a:solidFill>
+                              <a:schemeClr val="tx1">
+                                <a:lumMod val="95000"/>
+                              </a:schemeClr>
+                            </a:solidFill>
+                            <a:latin typeface="Cambria Math" panose="02040503050406030204" pitchFamily="18" charset="0"/>
+                          </a:rPr>
+                        </m:ctrlPr>
+                      </m:sSupPr>
+                      <m:e>
+                        <m:r>
+                          <a:rPr lang="en-US" b="0" i="1" smtClean="0">
+                            <a:solidFill>
+                              <a:schemeClr val="tx1">
+                                <a:lumMod val="95000"/>
+                              </a:schemeClr>
+                            </a:solidFill>
+                            <a:latin typeface="Cambria Math" panose="02040503050406030204" pitchFamily="18" charset="0"/>
+                          </a:rPr>
+                          <m:t>𝑚</m:t>
+                        </m:r>
+                      </m:e>
+                      <m:sup>
+                        <m:r>
+                          <a:rPr lang="en-US" b="0" i="1" smtClean="0">
+                            <a:solidFill>
+                              <a:schemeClr val="tx1">
+                                <a:lumMod val="95000"/>
+                              </a:schemeClr>
+                            </a:solidFill>
+                            <a:latin typeface="Cambria Math" panose="02040503050406030204" pitchFamily="18" charset="0"/>
+                          </a:rPr>
+                          <m:t>2</m:t>
+                        </m:r>
+                      </m:sup>
+                    </m:sSup>
+                  </m:oMath>
+                </a14:m>
+                <a:r>
+                  <a:rPr lang="en-US" dirty="0">
+                    <a:solidFill>
+                      <a:schemeClr val="tx1">
+                        <a:lumMod val="95000"/>
+                      </a:schemeClr>
+                    </a:solidFill>
+                  </a:rPr>
+                  <a:t> is even, thus, </a:t>
+                </a:r>
+                <a14:m>
+                  <m:oMath xmlns:m="http://schemas.openxmlformats.org/officeDocument/2006/math">
+                    <m:r>
+                      <a:rPr lang="en-US" b="0" i="1" smtClean="0">
+                        <a:solidFill>
+                          <a:schemeClr val="tx1">
+                            <a:lumMod val="95000"/>
+                          </a:schemeClr>
+                        </a:solidFill>
+                        <a:latin typeface="Cambria Math" panose="02040503050406030204" pitchFamily="18" charset="0"/>
+                      </a:rPr>
+                      <m:t>𝑚</m:t>
+                    </m:r>
+                  </m:oMath>
+                </a14:m>
+                <a:r>
+                  <a:rPr lang="en-US" dirty="0">
+                    <a:solidFill>
+                      <a:schemeClr val="tx1">
+                        <a:lumMod val="95000"/>
+                      </a:schemeClr>
+                    </a:solidFill>
+                  </a:rPr>
+                  <a:t> is also even because square of odd number is also odd. Thus we can write </a:t>
+                </a:r>
+                <a14:m>
+                  <m:oMath xmlns:m="http://schemas.openxmlformats.org/officeDocument/2006/math">
+                    <m:r>
+                      <a:rPr lang="en-US" b="0" i="1" smtClean="0">
+                        <a:solidFill>
+                          <a:schemeClr val="tx1">
+                            <a:lumMod val="95000"/>
+                          </a:schemeClr>
+                        </a:solidFill>
+                        <a:latin typeface="Cambria Math" panose="02040503050406030204" pitchFamily="18" charset="0"/>
+                      </a:rPr>
+                      <m:t>𝑚</m:t>
+                    </m:r>
+                    <m:r>
+                      <a:rPr lang="en-US" b="0" i="1" smtClean="0">
+                        <a:solidFill>
+                          <a:schemeClr val="tx1">
+                            <a:lumMod val="95000"/>
+                          </a:schemeClr>
+                        </a:solidFill>
+                        <a:latin typeface="Cambria Math" panose="02040503050406030204" pitchFamily="18" charset="0"/>
+                      </a:rPr>
+                      <m:t>=2</m:t>
                     </m:r>
                     <m:r>
                       <a:rPr lang="en-US" b="0" i="1" smtClean="0">
@@ -21032,114 +21689,17 @@
                         </a:solidFill>
                         <a:latin typeface="Cambria Math" panose="02040503050406030204" pitchFamily="18" charset="0"/>
                       </a:rPr>
-                      <m:t>ℕ</m:t>
+                      <m:t>𝑍</m:t>
                     </m:r>
                   </m:oMath>
                 </a14:m>
-                <a:r>
-                  <a:rPr lang="en-US" dirty="0">
-                    <a:solidFill>
-                      <a:schemeClr val="tx1">
-                        <a:lumMod val="95000"/>
-                      </a:schemeClr>
-                    </a:solidFill>
-                  </a:rPr>
-                  <a:t>, but there is no </a:t>
-                </a:r>
-                <a14:m>
-                  <m:oMath xmlns:m="http://schemas.openxmlformats.org/officeDocument/2006/math">
-                    <m:r>
-                      <a:rPr lang="en-US" b="0" i="1" smtClean="0">
-                        <a:solidFill>
-                          <a:schemeClr val="tx1">
-                            <a:lumMod val="95000"/>
-                          </a:schemeClr>
-                        </a:solidFill>
-                        <a:latin typeface="Cambria Math" panose="02040503050406030204" pitchFamily="18" charset="0"/>
-                      </a:rPr>
-                      <m:t>𝑐</m:t>
-                    </m:r>
-                    <m:r>
-                      <a:rPr lang="en-US" b="0" i="1" smtClean="0">
-                        <a:solidFill>
-                          <a:schemeClr val="tx1">
-                            <a:lumMod val="95000"/>
-                          </a:schemeClr>
-                        </a:solidFill>
-                        <a:latin typeface="Cambria Math" panose="02040503050406030204" pitchFamily="18" charset="0"/>
-                      </a:rPr>
-                      <m:t>∈</m:t>
-                    </m:r>
-                    <m:r>
-                      <a:rPr lang="en-US" b="0" i="1" smtClean="0">
-                        <a:solidFill>
-                          <a:schemeClr val="tx1">
-                            <a:lumMod val="95000"/>
-                          </a:schemeClr>
-                        </a:solidFill>
-                        <a:latin typeface="Cambria Math" panose="02040503050406030204" pitchFamily="18" charset="0"/>
-                      </a:rPr>
-                      <m:t>ℕ</m:t>
-                    </m:r>
-                  </m:oMath>
-                </a14:m>
-                <a:r>
-                  <a:rPr lang="en-US" dirty="0">
-                    <a:solidFill>
-                      <a:schemeClr val="tx1">
-                        <a:lumMod val="95000"/>
-                      </a:schemeClr>
-                    </a:solidFill>
-                  </a:rPr>
-                  <a:t> such that </a:t>
-                </a:r>
-                <a14:m>
-                  <m:oMath xmlns:m="http://schemas.openxmlformats.org/officeDocument/2006/math">
-                    <m:r>
-                      <a:rPr lang="en-US" b="0" i="1" smtClean="0">
-                        <a:solidFill>
-                          <a:schemeClr val="tx1">
-                            <a:lumMod val="95000"/>
-                          </a:schemeClr>
-                        </a:solidFill>
-                        <a:latin typeface="Cambria Math" panose="02040503050406030204" pitchFamily="18" charset="0"/>
-                      </a:rPr>
-                      <m:t>𝑥</m:t>
-                    </m:r>
-                    <m:r>
-                      <a:rPr lang="en-US" b="0" i="1" smtClean="0">
-                        <a:solidFill>
-                          <a:schemeClr val="tx1">
-                            <a:lumMod val="95000"/>
-                          </a:schemeClr>
-                        </a:solidFill>
-                        <a:latin typeface="Cambria Math" panose="02040503050406030204" pitchFamily="18" charset="0"/>
-                      </a:rPr>
-                      <m:t>=3</m:t>
-                    </m:r>
-                    <m:r>
-                      <a:rPr lang="en-US" b="0" i="1" smtClean="0">
-                        <a:solidFill>
-                          <a:schemeClr val="tx1">
-                            <a:lumMod val="95000"/>
-                          </a:schemeClr>
-                        </a:solidFill>
-                        <a:latin typeface="Cambria Math" panose="02040503050406030204" pitchFamily="18" charset="0"/>
-                      </a:rPr>
-                      <m:t>𝑐</m:t>
-                    </m:r>
-                  </m:oMath>
-                </a14:m>
-                <a:r>
-                  <a:rPr lang="en-US" dirty="0">
-                    <a:solidFill>
-                      <a:schemeClr val="tx1">
-                        <a:lumMod val="95000"/>
-                      </a:schemeClr>
-                    </a:solidFill>
-                  </a:rPr>
-                  <a:t>. </a:t>
-                </a:r>
+                <a:endParaRPr lang="en-US" dirty="0">
+                  <a:solidFill>
+                    <a:schemeClr val="tx1">
+                      <a:lumMod val="95000"/>
+                    </a:schemeClr>
+                  </a:solidFill>
+                </a:endParaRPr>
               </a:p>
               <a:p>
                 <a:pPr marL="0" indent="0">
@@ -21153,7 +21713,7 @@
                       </a:schemeClr>
                     </a:solidFill>
                   </a:rPr>
-                  <a:t>Since </a:t>
+                  <a:t>Substitute for m:   		</a:t>
                 </a:r>
                 <a14:m>
                   <m:oMath xmlns:m="http://schemas.openxmlformats.org/officeDocument/2006/math">
@@ -21166,8 +21726,48 @@
                         </a:solidFill>
                         <a:latin typeface="Cambria Math" panose="02040503050406030204" pitchFamily="18" charset="0"/>
                       </a:rPr>
-                      <m:t>𝑥</m:t>
+                      <m:t>2</m:t>
                     </m:r>
+                    <m:sSup>
+                      <m:sSupPr>
+                        <m:ctrlPr>
+                          <a:rPr lang="en-US" b="0" i="1" smtClean="0">
+                            <a:solidFill>
+                              <a:schemeClr val="tx1">
+                                <a:lumMod val="95000"/>
+                              </a:schemeClr>
+                            </a:solidFill>
+                            <a:latin typeface="Cambria Math" panose="02040503050406030204" pitchFamily="18" charset="0"/>
+                          </a:rPr>
+                        </m:ctrlPr>
+                      </m:sSupPr>
+                      <m:e>
+                        <m:r>
+                          <a:rPr lang="en-US" b="0" i="1" smtClean="0">
+                            <a:solidFill>
+                              <a:schemeClr val="tx1">
+                                <a:lumMod val="95000"/>
+                              </a:schemeClr>
+                            </a:solidFill>
+                            <a:latin typeface="Cambria Math" panose="02040503050406030204" pitchFamily="18" charset="0"/>
+                          </a:rPr>
+                          <m:t>𝑛</m:t>
+                        </m:r>
+                      </m:e>
+                      <m:sup>
+                        <m:r>
+                          <a:rPr lang="en-US" b="0" i="1" smtClean="0">
+                            <a:solidFill>
+                              <a:schemeClr val="tx1">
+                                <a:lumMod val="95000"/>
+                              </a:schemeClr>
+                            </a:solidFill>
+                            <a:latin typeface="Cambria Math" panose="02040503050406030204" pitchFamily="18" charset="0"/>
+                          </a:rPr>
+                          <m:t>2</m:t>
+                        </m:r>
+                      </m:sup>
+                    </m:sSup>
                     <m:r>
                       <a:rPr lang="en-US" b="0" i="1" smtClean="0">
                         <a:solidFill>
@@ -21177,183 +21777,84 @@
                         </a:solidFill>
                         <a:latin typeface="Cambria Math" panose="02040503050406030204" pitchFamily="18" charset="0"/>
                       </a:rPr>
-                      <m:t>=9</m:t>
+                      <m:t>=</m:t>
                     </m:r>
-                    <m:r>
-                      <a:rPr lang="en-US" b="0" i="1" smtClean="0">
-                        <a:solidFill>
-                          <a:schemeClr val="tx1">
-                            <a:lumMod val="95000"/>
-                          </a:schemeClr>
-                        </a:solidFill>
-                        <a:latin typeface="Cambria Math" panose="02040503050406030204" pitchFamily="18" charset="0"/>
-                      </a:rPr>
-                      <m:t>𝑘</m:t>
-                    </m:r>
+                    <m:sSup>
+                      <m:sSupPr>
+                        <m:ctrlPr>
+                          <a:rPr lang="en-US" b="0" i="1" smtClean="0">
+                            <a:solidFill>
+                              <a:schemeClr val="tx1">
+                                <a:lumMod val="95000"/>
+                              </a:schemeClr>
+                            </a:solidFill>
+                            <a:latin typeface="Cambria Math" panose="02040503050406030204" pitchFamily="18" charset="0"/>
+                          </a:rPr>
+                        </m:ctrlPr>
+                      </m:sSupPr>
+                      <m:e>
+                        <m:d>
+                          <m:dPr>
+                            <m:ctrlPr>
+                              <a:rPr lang="en-US" b="0" i="1" smtClean="0">
+                                <a:solidFill>
+                                  <a:schemeClr val="tx1">
+                                    <a:lumMod val="95000"/>
+                                  </a:schemeClr>
+                                </a:solidFill>
+                                <a:latin typeface="Cambria Math" panose="02040503050406030204" pitchFamily="18" charset="0"/>
+                              </a:rPr>
+                            </m:ctrlPr>
+                          </m:dPr>
+                          <m:e>
+                            <m:r>
+                              <a:rPr lang="en-US" b="0" i="1" smtClean="0">
+                                <a:solidFill>
+                                  <a:schemeClr val="tx1">
+                                    <a:lumMod val="95000"/>
+                                  </a:schemeClr>
+                                </a:solidFill>
+                                <a:latin typeface="Cambria Math" panose="02040503050406030204" pitchFamily="18" charset="0"/>
+                              </a:rPr>
+                              <m:t>2</m:t>
+                            </m:r>
+                            <m:r>
+                              <a:rPr lang="en-US" b="0" i="1" smtClean="0">
+                                <a:solidFill>
+                                  <a:schemeClr val="tx1">
+                                    <a:lumMod val="95000"/>
+                                  </a:schemeClr>
+                                </a:solidFill>
+                                <a:latin typeface="Cambria Math" panose="02040503050406030204" pitchFamily="18" charset="0"/>
+                              </a:rPr>
+                              <m:t>𝑘</m:t>
+                            </m:r>
+                          </m:e>
+                        </m:d>
+                      </m:e>
+                      <m:sup>
+                        <m:r>
+                          <a:rPr lang="en-US" b="0" i="1" smtClean="0">
+                            <a:solidFill>
+                              <a:schemeClr val="tx1">
+                                <a:lumMod val="95000"/>
+                              </a:schemeClr>
+                            </a:solidFill>
+                            <a:latin typeface="Cambria Math" panose="02040503050406030204" pitchFamily="18" charset="0"/>
+                          </a:rPr>
+                          <m:t>2</m:t>
+                        </m:r>
+                      </m:sup>
+                    </m:sSup>
                   </m:oMath>
                 </a14:m>
-                <a:r>
-                  <a:rPr lang="en-US" dirty="0">
-                    <a:solidFill>
-                      <a:schemeClr val="tx1">
-                        <a:lumMod val="95000"/>
-                      </a:schemeClr>
-                    </a:solidFill>
-                  </a:rPr>
-                  <a:t> we can say that </a:t>
-                </a:r>
-                <a14:m>
-                  <m:oMath xmlns:m="http://schemas.openxmlformats.org/officeDocument/2006/math">
-                    <m:r>
-                      <a:rPr lang="en-US" b="0" i="1" smtClean="0">
-                        <a:solidFill>
-                          <a:schemeClr val="tx1">
-                            <a:lumMod val="95000"/>
-                          </a:schemeClr>
-                        </a:solidFill>
-                        <a:latin typeface="Cambria Math" panose="02040503050406030204" pitchFamily="18" charset="0"/>
-                      </a:rPr>
-                      <m:t>𝑥</m:t>
-                    </m:r>
-                    <m:r>
-                      <a:rPr lang="en-US" b="0" i="1" smtClean="0">
-                        <a:solidFill>
-                          <a:schemeClr val="tx1">
-                            <a:lumMod val="95000"/>
-                          </a:schemeClr>
-                        </a:solidFill>
-                        <a:latin typeface="Cambria Math" panose="02040503050406030204" pitchFamily="18" charset="0"/>
-                      </a:rPr>
-                      <m:t>=3(3</m:t>
-                    </m:r>
-                    <m:r>
-                      <a:rPr lang="en-US" b="0" i="1" smtClean="0">
-                        <a:solidFill>
-                          <a:schemeClr val="tx1">
-                            <a:lumMod val="95000"/>
-                          </a:schemeClr>
-                        </a:solidFill>
-                        <a:latin typeface="Cambria Math" panose="02040503050406030204" pitchFamily="18" charset="0"/>
-                      </a:rPr>
-                      <m:t>𝑘</m:t>
-                    </m:r>
-                    <m:r>
-                      <a:rPr lang="en-US" b="0" i="1" smtClean="0">
-                        <a:solidFill>
-                          <a:schemeClr val="tx1">
-                            <a:lumMod val="95000"/>
-                          </a:schemeClr>
-                        </a:solidFill>
-                        <a:latin typeface="Cambria Math" panose="02040503050406030204" pitchFamily="18" charset="0"/>
-                      </a:rPr>
-                      <m:t>)</m:t>
-                    </m:r>
-                  </m:oMath>
-                </a14:m>
-                <a:r>
-                  <a:rPr lang="en-US" dirty="0">
-                    <a:solidFill>
-                      <a:schemeClr val="tx1">
-                        <a:lumMod val="95000"/>
-                      </a:schemeClr>
-                    </a:solidFill>
-                  </a:rPr>
-                  <a:t>. Thus a choice of </a:t>
-                </a:r>
-                <a14:m>
-                  <m:oMath xmlns:m="http://schemas.openxmlformats.org/officeDocument/2006/math">
-                    <m:r>
-                      <a:rPr lang="en-US" b="0" i="1" smtClean="0">
-                        <a:solidFill>
-                          <a:schemeClr val="tx1">
-                            <a:lumMod val="95000"/>
-                          </a:schemeClr>
-                        </a:solidFill>
-                        <a:latin typeface="Cambria Math" panose="02040503050406030204" pitchFamily="18" charset="0"/>
-                      </a:rPr>
-                      <m:t>𝑐</m:t>
-                    </m:r>
-                    <m:r>
-                      <a:rPr lang="en-US" b="0" i="1" smtClean="0">
-                        <a:solidFill>
-                          <a:schemeClr val="tx1">
-                            <a:lumMod val="95000"/>
-                          </a:schemeClr>
-                        </a:solidFill>
-                        <a:latin typeface="Cambria Math" panose="02040503050406030204" pitchFamily="18" charset="0"/>
-                      </a:rPr>
-                      <m:t>=3</m:t>
-                    </m:r>
-                    <m:r>
-                      <a:rPr lang="en-US" b="0" i="1" smtClean="0">
-                        <a:solidFill>
-                          <a:schemeClr val="tx1">
-                            <a:lumMod val="95000"/>
-                          </a:schemeClr>
-                        </a:solidFill>
-                        <a:latin typeface="Cambria Math" panose="02040503050406030204" pitchFamily="18" charset="0"/>
-                      </a:rPr>
-                      <m:t>𝑘</m:t>
-                    </m:r>
-                  </m:oMath>
-                </a14:m>
-                <a:r>
-                  <a:rPr lang="en-US" dirty="0">
-                    <a:solidFill>
-                      <a:schemeClr val="tx1">
-                        <a:lumMod val="95000"/>
-                      </a:schemeClr>
-                    </a:solidFill>
-                  </a:rPr>
-                  <a:t> would make it so that </a:t>
-                </a:r>
-                <a14:m>
-                  <m:oMath xmlns:m="http://schemas.openxmlformats.org/officeDocument/2006/math">
-                    <m:r>
-                      <a:rPr lang="en-US" b="0" i="1" smtClean="0">
-                        <a:solidFill>
-                          <a:schemeClr val="tx1">
-                            <a:lumMod val="95000"/>
-                          </a:schemeClr>
-                        </a:solidFill>
-                        <a:latin typeface="Cambria Math" panose="02040503050406030204" pitchFamily="18" charset="0"/>
-                      </a:rPr>
-                      <m:t>𝑥</m:t>
-                    </m:r>
-                    <m:r>
-                      <a:rPr lang="en-US" b="0" i="1" smtClean="0">
-                        <a:solidFill>
-                          <a:schemeClr val="tx1">
-                            <a:lumMod val="95000"/>
-                          </a:schemeClr>
-                        </a:solidFill>
-                        <a:latin typeface="Cambria Math" panose="02040503050406030204" pitchFamily="18" charset="0"/>
-                      </a:rPr>
-                      <m:t>=3</m:t>
-                    </m:r>
-                    <m:r>
-                      <a:rPr lang="en-US" b="0" i="1" smtClean="0">
-                        <a:solidFill>
-                          <a:schemeClr val="tx1">
-                            <a:lumMod val="95000"/>
-                          </a:schemeClr>
-                        </a:solidFill>
-                        <a:latin typeface="Cambria Math" panose="02040503050406030204" pitchFamily="18" charset="0"/>
-                      </a:rPr>
-                      <m:t>𝑐</m:t>
-                    </m:r>
-                  </m:oMath>
-                </a14:m>
-                <a:r>
-                  <a:rPr lang="en-US" dirty="0">
-                    <a:solidFill>
-                      <a:schemeClr val="tx1">
-                        <a:lumMod val="95000"/>
-                      </a:schemeClr>
-                    </a:solidFill>
-                  </a:rPr>
-                  <a:t>. </a:t>
-                </a:r>
+                <a:endParaRPr lang="en-US" dirty="0">
+                  <a:solidFill>
+                    <a:schemeClr val="tx1">
+                      <a:lumMod val="95000"/>
+                    </a:schemeClr>
+                  </a:solidFill>
+                </a:endParaRPr>
               </a:p>
               <a:p>
                 <a:pPr marL="0" indent="0">
@@ -21367,7 +21868,7 @@
                       </a:schemeClr>
                     </a:solidFill>
                   </a:rPr>
-                  <a:t>This contradicts our assumption that </a:t>
+                  <a:t>			</a:t>
                 </a:r>
                 <a14:m>
                   <m:oMath xmlns:m="http://schemas.openxmlformats.org/officeDocument/2006/math">
@@ -21380,8 +21881,48 @@
                         </a:solidFill>
                         <a:latin typeface="Cambria Math" panose="02040503050406030204" pitchFamily="18" charset="0"/>
                       </a:rPr>
-                      <m:t>¬∃</m:t>
+                      <m:t>2</m:t>
                     </m:r>
+                    <m:sSup>
+                      <m:sSupPr>
+                        <m:ctrlPr>
+                          <a:rPr lang="en-US" b="0" i="1" smtClean="0">
+                            <a:solidFill>
+                              <a:schemeClr val="tx1">
+                                <a:lumMod val="95000"/>
+                              </a:schemeClr>
+                            </a:solidFill>
+                            <a:latin typeface="Cambria Math" panose="02040503050406030204" pitchFamily="18" charset="0"/>
+                          </a:rPr>
+                        </m:ctrlPr>
+                      </m:sSupPr>
+                      <m:e>
+                        <m:r>
+                          <a:rPr lang="en-US" b="0" i="1" smtClean="0">
+                            <a:solidFill>
+                              <a:schemeClr val="tx1">
+                                <a:lumMod val="95000"/>
+                              </a:schemeClr>
+                            </a:solidFill>
+                            <a:latin typeface="Cambria Math" panose="02040503050406030204" pitchFamily="18" charset="0"/>
+                          </a:rPr>
+                          <m:t>𝑛</m:t>
+                        </m:r>
+                      </m:e>
+                      <m:sup>
+                        <m:r>
+                          <a:rPr lang="en-US" b="0" i="1" smtClean="0">
+                            <a:solidFill>
+                              <a:schemeClr val="tx1">
+                                <a:lumMod val="95000"/>
+                              </a:schemeClr>
+                            </a:solidFill>
+                            <a:latin typeface="Cambria Math" panose="02040503050406030204" pitchFamily="18" charset="0"/>
+                          </a:rPr>
+                          <m:t>2</m:t>
+                        </m:r>
+                      </m:sup>
+                    </m:sSup>
                     <m:r>
                       <a:rPr lang="en-US" b="0" i="1" smtClean="0">
                         <a:solidFill>
@@ -21391,8 +21932,114 @@
                         </a:solidFill>
                         <a:latin typeface="Cambria Math" panose="02040503050406030204" pitchFamily="18" charset="0"/>
                       </a:rPr>
-                      <m:t>𝑐</m:t>
+                      <m:t>=4</m:t>
                     </m:r>
+                    <m:sSup>
+                      <m:sSupPr>
+                        <m:ctrlPr>
+                          <a:rPr lang="en-US" b="0" i="1" smtClean="0">
+                            <a:solidFill>
+                              <a:schemeClr val="tx1">
+                                <a:lumMod val="95000"/>
+                              </a:schemeClr>
+                            </a:solidFill>
+                            <a:latin typeface="Cambria Math" panose="02040503050406030204" pitchFamily="18" charset="0"/>
+                          </a:rPr>
+                        </m:ctrlPr>
+                      </m:sSupPr>
+                      <m:e>
+                        <m:r>
+                          <a:rPr lang="en-US" b="0" i="1" smtClean="0">
+                            <a:solidFill>
+                              <a:schemeClr val="tx1">
+                                <a:lumMod val="95000"/>
+                              </a:schemeClr>
+                            </a:solidFill>
+                            <a:latin typeface="Cambria Math" panose="02040503050406030204" pitchFamily="18" charset="0"/>
+                          </a:rPr>
+                          <m:t>𝑘</m:t>
+                        </m:r>
+                      </m:e>
+                      <m:sup>
+                        <m:r>
+                          <a:rPr lang="en-US" b="0" i="1" smtClean="0">
+                            <a:solidFill>
+                              <a:schemeClr val="tx1">
+                                <a:lumMod val="95000"/>
+                              </a:schemeClr>
+                            </a:solidFill>
+                            <a:latin typeface="Cambria Math" panose="02040503050406030204" pitchFamily="18" charset="0"/>
+                          </a:rPr>
+                          <m:t>2</m:t>
+                        </m:r>
+                      </m:sup>
+                    </m:sSup>
+                  </m:oMath>
+                </a14:m>
+                <a:endParaRPr lang="en-US" dirty="0">
+                  <a:solidFill>
+                    <a:schemeClr val="tx1">
+                      <a:lumMod val="95000"/>
+                    </a:schemeClr>
+                  </a:solidFill>
+                </a:endParaRPr>
+              </a:p>
+              <a:p>
+                <a:pPr marL="0" indent="0">
+                  <a:buNone/>
+                </a:pPr>
+                <a:r>
+                  <a:rPr lang="en-US" dirty="0">
+                    <a:solidFill>
+                      <a:schemeClr val="tx1">
+                        <a:lumMod val="95000"/>
+                      </a:schemeClr>
+                    </a:solidFill>
+                  </a:rPr>
+                  <a:t>			</a:t>
+                </a:r>
+                <a14:m>
+                  <m:oMath xmlns:m="http://schemas.openxmlformats.org/officeDocument/2006/math">
+                    <m:sSup>
+                      <m:sSupPr>
+                        <m:ctrlPr>
+                          <a:rPr lang="en-US" b="0" i="1" smtClean="0">
+                            <a:solidFill>
+                              <a:schemeClr val="tx1">
+                                <a:lumMod val="95000"/>
+                              </a:schemeClr>
+                            </a:solidFill>
+                            <a:latin typeface="Cambria Math" panose="02040503050406030204" pitchFamily="18" charset="0"/>
+                          </a:rPr>
+                        </m:ctrlPr>
+                      </m:sSupPr>
+                      <m:e>
+                        <m:r>
+                          <a:rPr lang="en-US" b="0" i="1" smtClean="0">
+                            <a:solidFill>
+                              <a:schemeClr val="tx1">
+                                <a:lumMod val="95000"/>
+                              </a:schemeClr>
+                            </a:solidFill>
+                            <a:latin typeface="Cambria Math" panose="02040503050406030204" pitchFamily="18" charset="0"/>
+                          </a:rPr>
+                          <m:t>𝑛</m:t>
+                        </m:r>
+                      </m:e>
+                      <m:sup>
+                        <m:r>
+                          <a:rPr lang="en-US" b="0" i="1" smtClean="0">
+                            <a:solidFill>
+                              <a:schemeClr val="tx1">
+                                <a:lumMod val="95000"/>
+                              </a:schemeClr>
+                            </a:solidFill>
+                            <a:latin typeface="Cambria Math" panose="02040503050406030204" pitchFamily="18" charset="0"/>
+                          </a:rPr>
+                          <m:t>2</m:t>
+                        </m:r>
+                      </m:sup>
+                    </m:sSup>
                     <m:r>
                       <a:rPr lang="en-US" b="0" i="1" smtClean="0">
                         <a:solidFill>
@@ -21402,63 +22049,48 @@
                         </a:solidFill>
                         <a:latin typeface="Cambria Math" panose="02040503050406030204" pitchFamily="18" charset="0"/>
                       </a:rPr>
-                      <m:t>∈</m:t>
+                      <m:t>=2</m:t>
                     </m:r>
-                    <m:r>
-                      <a:rPr lang="en-US" b="0" i="1" smtClean="0">
-                        <a:solidFill>
-                          <a:schemeClr val="tx1">
-                            <a:lumMod val="95000"/>
-                          </a:schemeClr>
-                        </a:solidFill>
-                        <a:latin typeface="Cambria Math" panose="02040503050406030204" pitchFamily="18" charset="0"/>
-                      </a:rPr>
-                      <m:t>ℕ</m:t>
-                    </m:r>
-                    <m:r>
-                      <a:rPr lang="en-US" b="0" i="1" smtClean="0">
-                        <a:solidFill>
-                          <a:schemeClr val="tx1">
-                            <a:lumMod val="95000"/>
-                          </a:schemeClr>
-                        </a:solidFill>
-                        <a:latin typeface="Cambria Math" panose="02040503050406030204" pitchFamily="18" charset="0"/>
-                      </a:rPr>
-                      <m:t>.</m:t>
-                    </m:r>
-                    <m:r>
-                      <a:rPr lang="en-US" b="0" i="1" smtClean="0">
-                        <a:solidFill>
-                          <a:schemeClr val="tx1">
-                            <a:lumMod val="95000"/>
-                          </a:schemeClr>
-                        </a:solidFill>
-                        <a:latin typeface="Cambria Math" panose="02040503050406030204" pitchFamily="18" charset="0"/>
-                      </a:rPr>
-                      <m:t>𝑥</m:t>
-                    </m:r>
-                    <m:r>
-                      <a:rPr lang="en-US" b="0" i="1" smtClean="0">
-                        <a:solidFill>
-                          <a:schemeClr val="tx1">
-                            <a:lumMod val="95000"/>
-                          </a:schemeClr>
-                        </a:solidFill>
-                        <a:latin typeface="Cambria Math" panose="02040503050406030204" pitchFamily="18" charset="0"/>
-                      </a:rPr>
-                      <m:t>=3</m:t>
-                    </m:r>
-                    <m:r>
-                      <a:rPr lang="en-US" b="0" i="1" smtClean="0">
-                        <a:solidFill>
-                          <a:schemeClr val="tx1">
-                            <a:lumMod val="95000"/>
-                          </a:schemeClr>
-                        </a:solidFill>
-                        <a:latin typeface="Cambria Math" panose="02040503050406030204" pitchFamily="18" charset="0"/>
-                      </a:rPr>
-                      <m:t>𝑐</m:t>
-                    </m:r>
+                    <m:sSup>
+                      <m:sSupPr>
+                        <m:ctrlPr>
+                          <a:rPr lang="en-US" b="0" i="1" smtClean="0">
+                            <a:solidFill>
+                              <a:schemeClr val="tx1">
+                                <a:lumMod val="95000"/>
+                              </a:schemeClr>
+                            </a:solidFill>
+                            <a:latin typeface="Cambria Math" panose="02040503050406030204" pitchFamily="18" charset="0"/>
+                          </a:rPr>
+                        </m:ctrlPr>
+                      </m:sSupPr>
+                      <m:e>
+                        <m:r>
+                          <a:rPr lang="en-US" b="0" i="1" smtClean="0">
+                            <a:solidFill>
+                              <a:schemeClr val="tx1">
+                                <a:lumMod val="95000"/>
+                              </a:schemeClr>
+                            </a:solidFill>
+                            <a:latin typeface="Cambria Math" panose="02040503050406030204" pitchFamily="18" charset="0"/>
+                          </a:rPr>
+                          <m:t>𝑘</m:t>
+                        </m:r>
+                      </m:e>
+                      <m:sup>
+                        <m:r>
+                          <a:rPr lang="en-US" b="0" i="1" smtClean="0">
+                            <a:solidFill>
+                              <a:schemeClr val="tx1">
+                                <a:lumMod val="95000"/>
+                              </a:schemeClr>
+                            </a:solidFill>
+                            <a:latin typeface="Cambria Math" panose="02040503050406030204" pitchFamily="18" charset="0"/>
+                          </a:rPr>
+                          <m:t>2</m:t>
+                        </m:r>
+                      </m:sup>
+                    </m:sSup>
                   </m:oMath>
                 </a14:m>
                 <a:r>
@@ -21469,88 +22101,13 @@
                       </a:schemeClr>
                     </a:solidFill>
                   </a:rPr>
-                  <a:t>, so it must be that this assumption was wrong. We can therefore conclude that whenever </a:t>
-                </a:r>
-                <a14:m>
-                  <m:oMath xmlns:m="http://schemas.openxmlformats.org/officeDocument/2006/math">
-                    <m:r>
-                      <a:rPr lang="en-US" b="0" i="1" smtClean="0">
-                        <a:solidFill>
-                          <a:schemeClr val="tx1">
-                            <a:lumMod val="95000"/>
-                          </a:schemeClr>
-                        </a:solidFill>
-                        <a:latin typeface="Cambria Math" panose="02040503050406030204" pitchFamily="18" charset="0"/>
-                      </a:rPr>
-                      <m:t>𝑥</m:t>
-                    </m:r>
-                  </m:oMath>
-                </a14:m>
-                <a:r>
-                  <a:rPr lang="en-US" dirty="0">
-                    <a:solidFill>
-                      <a:schemeClr val="tx1">
-                        <a:lumMod val="95000"/>
-                      </a:schemeClr>
-                    </a:solidFill>
-                  </a:rPr>
-                  <a:t> is divisible by </a:t>
-                </a:r>
-                <a14:m>
-                  <m:oMath xmlns:m="http://schemas.openxmlformats.org/officeDocument/2006/math">
-                    <m:r>
-                      <a:rPr lang="en-US" b="0" i="1" smtClean="0">
-                        <a:solidFill>
-                          <a:schemeClr val="tx1">
-                            <a:lumMod val="95000"/>
-                          </a:schemeClr>
-                        </a:solidFill>
-                        <a:latin typeface="Cambria Math" panose="02040503050406030204" pitchFamily="18" charset="0"/>
-                      </a:rPr>
-                      <m:t>9</m:t>
-                    </m:r>
-                  </m:oMath>
-                </a14:m>
-                <a:r>
-                  <a:rPr lang="en-US" dirty="0">
-                    <a:solidFill>
-                      <a:schemeClr val="tx1">
-                        <a:lumMod val="95000"/>
-                      </a:schemeClr>
-                    </a:solidFill>
-                  </a:rPr>
-                  <a:t> it is also divisible by </a:t>
-                </a:r>
-                <a14:m>
-                  <m:oMath xmlns:m="http://schemas.openxmlformats.org/officeDocument/2006/math">
-                    <m:r>
-                      <a:rPr lang="en-US" b="0" i="1" smtClean="0">
-                        <a:solidFill>
-                          <a:schemeClr val="tx1">
-                            <a:lumMod val="95000"/>
-                          </a:schemeClr>
-                        </a:solidFill>
-                        <a:latin typeface="Cambria Math" panose="02040503050406030204" pitchFamily="18" charset="0"/>
-                      </a:rPr>
-                      <m:t>3</m:t>
-                    </m:r>
-                  </m:oMath>
-                </a14:m>
-                <a:r>
-                  <a:rPr lang="en-US" dirty="0">
-                    <a:solidFill>
-                      <a:schemeClr val="tx1">
-                        <a:lumMod val="95000"/>
-                      </a:schemeClr>
-                    </a:solidFill>
-                  </a:rPr>
-                  <a:t>.</a:t>
+                  <a:t>	//But n was supposed to be odd! Contradiction!</a:t>
                 </a:r>
               </a:p>
             </p:txBody>
           </p:sp>
         </mc:Choice>
-        <mc:Fallback xmlns="">
+        <mc:Fallback>
           <p:sp>
             <p:nvSpPr>
               <p:cNvPr id="3" name="Content Placeholder 2">
@@ -21569,13 +22126,13 @@
             </p:nvSpPr>
             <p:spPr>
               <a:xfrm>
-                <a:off x="1255413" y="2441330"/>
-                <a:ext cx="9791998" cy="3807069"/>
+                <a:off x="1255413" y="1885244"/>
+                <a:ext cx="9791998" cy="4763912"/>
               </a:xfrm>
               <a:blipFill>
                 <a:blip r:embed="rId2"/>
                 <a:stretch>
-                  <a:fillRect l="-777" t="-1000" r="-518"/>
+                  <a:fillRect l="-259" t="-265" r="-518"/>
                 </a:stretch>
               </a:blipFill>
             </p:spPr>
@@ -21623,240 +22180,325 @@
           </a:p>
         </p:txBody>
       </p:sp>
-      <p:sp>
-        <p:nvSpPr>
-          <p:cNvPr id="5" name="Content Placeholder 2">
-            <a:extLst>
-              <a:ext uri="{FF2B5EF4-FFF2-40B4-BE49-F238E27FC236}">
-                <a16:creationId xmlns:a16="http://schemas.microsoft.com/office/drawing/2014/main" id="{B2D4D5CE-16AA-6D4D-A7FC-98DFBBC46631}"/>
-              </a:ext>
-            </a:extLst>
-          </p:cNvPr>
-          <p:cNvSpPr txBox="1">
-            <a:spLocks/>
-          </p:cNvSpPr>
-          <p:nvPr/>
-        </p:nvSpPr>
-        <p:spPr>
-          <a:xfrm>
-            <a:off x="1255413" y="1166445"/>
-            <a:ext cx="9928402" cy="1031633"/>
-          </a:xfrm>
-          <a:prstGeom prst="rect">
-            <a:avLst/>
-          </a:prstGeom>
-          <a:solidFill>
-            <a:schemeClr val="tx1"/>
-          </a:solidFill>
-        </p:spPr>
-        <p:txBody>
-          <a:bodyPr vert="horz" lIns="91440" tIns="45720" rIns="91440" bIns="45720" rtlCol="0">
-            <a:normAutofit/>
-          </a:bodyPr>
-          <a:lstStyle>
-            <a:lvl1pPr marL="228600" indent="-228600" algn="l" defTabSz="914400" rtl="0" eaLnBrk="1" latinLnBrk="0" hangingPunct="1">
-              <a:lnSpc>
-                <a:spcPct val="120000"/>
-              </a:lnSpc>
-              <a:spcBef>
-                <a:spcPts val="1000"/>
-              </a:spcBef>
-              <a:buSzPct val="125000"/>
-              <a:buFont typeface="Arial" panose="020B0604020202020204" pitchFamily="34" charset="0"/>
-              <a:buChar char="•"/>
-              <a:defRPr sz="2400" kern="1200">
-                <a:solidFill>
-                  <a:schemeClr val="tx1"/>
-                </a:solidFill>
-                <a:latin typeface="+mn-lt"/>
-                <a:ea typeface="+mn-ea"/>
-                <a:cs typeface="+mn-cs"/>
-              </a:defRPr>
-            </a:lvl1pPr>
-            <a:lvl2pPr marL="685800" indent="-228600" algn="l" defTabSz="914400" rtl="0" eaLnBrk="1" latinLnBrk="0" hangingPunct="1">
-              <a:lnSpc>
-                <a:spcPct val="120000"/>
-              </a:lnSpc>
-              <a:spcBef>
-                <a:spcPts val="500"/>
-              </a:spcBef>
-              <a:buSzPct val="125000"/>
-              <a:buFont typeface="Arial" panose="020B0604020202020204" pitchFamily="34" charset="0"/>
-              <a:buChar char="•"/>
-              <a:defRPr sz="2000" kern="1200">
-                <a:solidFill>
-                  <a:schemeClr val="tx1"/>
-                </a:solidFill>
-                <a:latin typeface="+mn-lt"/>
-                <a:ea typeface="+mn-ea"/>
-                <a:cs typeface="+mn-cs"/>
-              </a:defRPr>
-            </a:lvl2pPr>
-            <a:lvl3pPr marL="1143000" indent="-228600" algn="l" defTabSz="914400" rtl="0" eaLnBrk="1" latinLnBrk="0" hangingPunct="1">
-              <a:lnSpc>
-                <a:spcPct val="120000"/>
-              </a:lnSpc>
-              <a:spcBef>
-                <a:spcPts val="500"/>
-              </a:spcBef>
-              <a:buSzPct val="125000"/>
-              <a:buFont typeface="Arial" panose="020B0604020202020204" pitchFamily="34" charset="0"/>
-              <a:buChar char="•"/>
-              <a:defRPr sz="1800" kern="1200">
-                <a:solidFill>
-                  <a:schemeClr val="tx1"/>
-                </a:solidFill>
-                <a:latin typeface="+mn-lt"/>
-                <a:ea typeface="+mn-ea"/>
-                <a:cs typeface="+mn-cs"/>
-              </a:defRPr>
-            </a:lvl3pPr>
-            <a:lvl4pPr marL="1600200" indent="-228600" algn="l" defTabSz="914400" rtl="0" eaLnBrk="1" latinLnBrk="0" hangingPunct="1">
-              <a:lnSpc>
-                <a:spcPct val="120000"/>
-              </a:lnSpc>
-              <a:spcBef>
-                <a:spcPts val="500"/>
-              </a:spcBef>
-              <a:buSzPct val="125000"/>
-              <a:buFont typeface="Arial" panose="020B0604020202020204" pitchFamily="34" charset="0"/>
-              <a:buChar char="•"/>
-              <a:defRPr sz="1600" kern="1200">
-                <a:solidFill>
-                  <a:schemeClr val="tx1"/>
-                </a:solidFill>
-                <a:latin typeface="+mn-lt"/>
-                <a:ea typeface="+mn-ea"/>
-                <a:cs typeface="+mn-cs"/>
-              </a:defRPr>
-            </a:lvl4pPr>
-            <a:lvl5pPr marL="2057400" indent="-228600" algn="l" defTabSz="914400" rtl="0" eaLnBrk="1" latinLnBrk="0" hangingPunct="1">
-              <a:lnSpc>
-                <a:spcPct val="120000"/>
-              </a:lnSpc>
-              <a:spcBef>
-                <a:spcPts val="500"/>
-              </a:spcBef>
-              <a:buSzPct val="125000"/>
-              <a:buFont typeface="Arial" panose="020B0604020202020204" pitchFamily="34" charset="0"/>
-              <a:buChar char="•"/>
-              <a:defRPr sz="1600" kern="1200">
-                <a:solidFill>
-                  <a:schemeClr val="tx1"/>
-                </a:solidFill>
-                <a:latin typeface="+mn-lt"/>
-                <a:ea typeface="+mn-ea"/>
-                <a:cs typeface="+mn-cs"/>
-              </a:defRPr>
-            </a:lvl5pPr>
-            <a:lvl6pPr marL="2514600" indent="-228600" algn="l" defTabSz="914400" rtl="0" eaLnBrk="1" latinLnBrk="0" hangingPunct="1">
-              <a:lnSpc>
-                <a:spcPct val="120000"/>
-              </a:lnSpc>
-              <a:spcBef>
-                <a:spcPts val="500"/>
-              </a:spcBef>
-              <a:buSzPct val="125000"/>
-              <a:buFont typeface="Arial" panose="020B0604020202020204" pitchFamily="34" charset="0"/>
-              <a:buChar char="•"/>
-              <a:defRPr sz="1400" kern="1200">
-                <a:solidFill>
-                  <a:schemeClr val="tx1"/>
-                </a:solidFill>
-                <a:latin typeface="+mn-lt"/>
-                <a:ea typeface="+mn-ea"/>
-                <a:cs typeface="+mn-cs"/>
-              </a:defRPr>
-            </a:lvl6pPr>
-            <a:lvl7pPr marL="2971800" indent="-228600" algn="l" defTabSz="914400" rtl="0" eaLnBrk="1" latinLnBrk="0" hangingPunct="1">
-              <a:lnSpc>
-                <a:spcPct val="120000"/>
-              </a:lnSpc>
-              <a:spcBef>
-                <a:spcPts val="500"/>
-              </a:spcBef>
-              <a:buSzPct val="125000"/>
-              <a:buFont typeface="Arial" panose="020B0604020202020204" pitchFamily="34" charset="0"/>
-              <a:buChar char="•"/>
-              <a:defRPr sz="1400" kern="1200">
-                <a:solidFill>
-                  <a:schemeClr val="tx1"/>
-                </a:solidFill>
-                <a:latin typeface="+mn-lt"/>
-                <a:ea typeface="+mn-ea"/>
-                <a:cs typeface="+mn-cs"/>
-              </a:defRPr>
-            </a:lvl7pPr>
-            <a:lvl8pPr marL="3429000" indent="-228600" algn="l" defTabSz="914400" rtl="0" eaLnBrk="1" latinLnBrk="0" hangingPunct="1">
-              <a:lnSpc>
-                <a:spcPct val="120000"/>
-              </a:lnSpc>
-              <a:spcBef>
-                <a:spcPts val="500"/>
-              </a:spcBef>
-              <a:buSzPct val="125000"/>
-              <a:buFont typeface="Arial" panose="020B0604020202020204" pitchFamily="34" charset="0"/>
-              <a:buChar char="•"/>
-              <a:defRPr sz="1400" kern="1200">
-                <a:solidFill>
-                  <a:schemeClr val="tx1"/>
-                </a:solidFill>
-                <a:latin typeface="+mn-lt"/>
-                <a:ea typeface="+mn-ea"/>
-                <a:cs typeface="+mn-cs"/>
-              </a:defRPr>
-            </a:lvl8pPr>
-            <a:lvl9pPr marL="3886200" indent="-228600" algn="l" defTabSz="914400" rtl="0" eaLnBrk="1" latinLnBrk="0" hangingPunct="1">
-              <a:lnSpc>
-                <a:spcPct val="120000"/>
-              </a:lnSpc>
-              <a:spcBef>
-                <a:spcPts val="500"/>
-              </a:spcBef>
-              <a:buSzPct val="125000"/>
-              <a:buFont typeface="Arial" panose="020B0604020202020204" pitchFamily="34" charset="0"/>
-              <a:buChar char="•"/>
-              <a:defRPr sz="1400" kern="1200">
-                <a:solidFill>
-                  <a:schemeClr val="tx1"/>
-                </a:solidFill>
-                <a:latin typeface="+mn-lt"/>
-                <a:ea typeface="+mn-ea"/>
-                <a:cs typeface="+mn-cs"/>
-              </a:defRPr>
-            </a:lvl9pPr>
-          </a:lstStyle>
-          <a:p>
-            <a:pPr marL="0" indent="0">
-              <a:buNone/>
-            </a:pPr>
-            <a:r>
-              <a:rPr lang="en-US" b="1" i="1" u="sng" dirty="0">
-                <a:solidFill>
-                  <a:schemeClr val="bg1"/>
-                </a:solidFill>
-              </a:rPr>
-              <a:t>Theorem</a:t>
-            </a:r>
-            <a:r>
-              <a:rPr lang="en-US" dirty="0">
-                <a:solidFill>
-                  <a:schemeClr val="bg1"/>
-                </a:solidFill>
-              </a:rPr>
-              <a:t>: Every natural number divisible by 9 is divisible by 3</a:t>
-            </a:r>
-          </a:p>
-          <a:p>
-            <a:pPr lvl="2"/>
-            <a:endParaRPr lang="en-US" dirty="0">
+      <mc:AlternateContent xmlns:mc="http://schemas.openxmlformats.org/markup-compatibility/2006">
+        <mc:Choice xmlns:a14="http://schemas.microsoft.com/office/drawing/2010/main" Requires="a14">
+          <p:sp>
+            <p:nvSpPr>
+              <p:cNvPr id="6" name="Content Placeholder 2">
+                <a:extLst>
+                  <a:ext uri="{FF2B5EF4-FFF2-40B4-BE49-F238E27FC236}">
+                    <a16:creationId xmlns:a16="http://schemas.microsoft.com/office/drawing/2014/main" id="{663238BE-4174-D84F-B7AD-D5ADEF8429B9}"/>
+                  </a:ext>
+                </a:extLst>
+              </p:cNvPr>
+              <p:cNvSpPr txBox="1">
+                <a:spLocks/>
+              </p:cNvSpPr>
+              <p:nvPr/>
+            </p:nvSpPr>
+            <p:spPr>
+              <a:xfrm>
+                <a:off x="1325752" y="948806"/>
+                <a:ext cx="9928402" cy="800969"/>
+              </a:xfrm>
+              <a:prstGeom prst="rect">
+                <a:avLst/>
+              </a:prstGeom>
               <a:solidFill>
-                <a:schemeClr val="bg1"/>
+                <a:schemeClr val="tx1"/>
               </a:solidFill>
-            </a:endParaRPr>
-          </a:p>
-        </p:txBody>
-      </p:sp>
+            </p:spPr>
+            <p:txBody>
+              <a:bodyPr vert="horz" lIns="91440" tIns="45720" rIns="91440" bIns="45720" rtlCol="0">
+                <a:normAutofit/>
+              </a:bodyPr>
+              <a:lstStyle>
+                <a:lvl1pPr marL="228600" indent="-228600" algn="l" defTabSz="914400" rtl="0" eaLnBrk="1" latinLnBrk="0" hangingPunct="1">
+                  <a:lnSpc>
+                    <a:spcPct val="120000"/>
+                  </a:lnSpc>
+                  <a:spcBef>
+                    <a:spcPts val="1000"/>
+                  </a:spcBef>
+                  <a:buSzPct val="125000"/>
+                  <a:buFont typeface="Arial" panose="020B0604020202020204" pitchFamily="34" charset="0"/>
+                  <a:buChar char="•"/>
+                  <a:defRPr sz="2400" kern="1200">
+                    <a:solidFill>
+                      <a:schemeClr val="tx1"/>
+                    </a:solidFill>
+                    <a:latin typeface="+mn-lt"/>
+                    <a:ea typeface="+mn-ea"/>
+                    <a:cs typeface="+mn-cs"/>
+                  </a:defRPr>
+                </a:lvl1pPr>
+                <a:lvl2pPr marL="685800" indent="-228600" algn="l" defTabSz="914400" rtl="0" eaLnBrk="1" latinLnBrk="0" hangingPunct="1">
+                  <a:lnSpc>
+                    <a:spcPct val="120000"/>
+                  </a:lnSpc>
+                  <a:spcBef>
+                    <a:spcPts val="500"/>
+                  </a:spcBef>
+                  <a:buSzPct val="125000"/>
+                  <a:buFont typeface="Arial" panose="020B0604020202020204" pitchFamily="34" charset="0"/>
+                  <a:buChar char="•"/>
+                  <a:defRPr sz="2000" kern="1200">
+                    <a:solidFill>
+                      <a:schemeClr val="tx1"/>
+                    </a:solidFill>
+                    <a:latin typeface="+mn-lt"/>
+                    <a:ea typeface="+mn-ea"/>
+                    <a:cs typeface="+mn-cs"/>
+                  </a:defRPr>
+                </a:lvl2pPr>
+                <a:lvl3pPr marL="1143000" indent="-228600" algn="l" defTabSz="914400" rtl="0" eaLnBrk="1" latinLnBrk="0" hangingPunct="1">
+                  <a:lnSpc>
+                    <a:spcPct val="120000"/>
+                  </a:lnSpc>
+                  <a:spcBef>
+                    <a:spcPts val="500"/>
+                  </a:spcBef>
+                  <a:buSzPct val="125000"/>
+                  <a:buFont typeface="Arial" panose="020B0604020202020204" pitchFamily="34" charset="0"/>
+                  <a:buChar char="•"/>
+                  <a:defRPr sz="1800" kern="1200">
+                    <a:solidFill>
+                      <a:schemeClr val="tx1"/>
+                    </a:solidFill>
+                    <a:latin typeface="+mn-lt"/>
+                    <a:ea typeface="+mn-ea"/>
+                    <a:cs typeface="+mn-cs"/>
+                  </a:defRPr>
+                </a:lvl3pPr>
+                <a:lvl4pPr marL="1600200" indent="-228600" algn="l" defTabSz="914400" rtl="0" eaLnBrk="1" latinLnBrk="0" hangingPunct="1">
+                  <a:lnSpc>
+                    <a:spcPct val="120000"/>
+                  </a:lnSpc>
+                  <a:spcBef>
+                    <a:spcPts val="500"/>
+                  </a:spcBef>
+                  <a:buSzPct val="125000"/>
+                  <a:buFont typeface="Arial" panose="020B0604020202020204" pitchFamily="34" charset="0"/>
+                  <a:buChar char="•"/>
+                  <a:defRPr sz="1600" kern="1200">
+                    <a:solidFill>
+                      <a:schemeClr val="tx1"/>
+                    </a:solidFill>
+                    <a:latin typeface="+mn-lt"/>
+                    <a:ea typeface="+mn-ea"/>
+                    <a:cs typeface="+mn-cs"/>
+                  </a:defRPr>
+                </a:lvl4pPr>
+                <a:lvl5pPr marL="2057400" indent="-228600" algn="l" defTabSz="914400" rtl="0" eaLnBrk="1" latinLnBrk="0" hangingPunct="1">
+                  <a:lnSpc>
+                    <a:spcPct val="120000"/>
+                  </a:lnSpc>
+                  <a:spcBef>
+                    <a:spcPts val="500"/>
+                  </a:spcBef>
+                  <a:buSzPct val="125000"/>
+                  <a:buFont typeface="Arial" panose="020B0604020202020204" pitchFamily="34" charset="0"/>
+                  <a:buChar char="•"/>
+                  <a:defRPr sz="1600" kern="1200">
+                    <a:solidFill>
+                      <a:schemeClr val="tx1"/>
+                    </a:solidFill>
+                    <a:latin typeface="+mn-lt"/>
+                    <a:ea typeface="+mn-ea"/>
+                    <a:cs typeface="+mn-cs"/>
+                  </a:defRPr>
+                </a:lvl5pPr>
+                <a:lvl6pPr marL="2514600" indent="-228600" algn="l" defTabSz="914400" rtl="0" eaLnBrk="1" latinLnBrk="0" hangingPunct="1">
+                  <a:lnSpc>
+                    <a:spcPct val="120000"/>
+                  </a:lnSpc>
+                  <a:spcBef>
+                    <a:spcPts val="500"/>
+                  </a:spcBef>
+                  <a:buSzPct val="125000"/>
+                  <a:buFont typeface="Arial" panose="020B0604020202020204" pitchFamily="34" charset="0"/>
+                  <a:buChar char="•"/>
+                  <a:defRPr sz="1400" kern="1200">
+                    <a:solidFill>
+                      <a:schemeClr val="tx1"/>
+                    </a:solidFill>
+                    <a:latin typeface="+mn-lt"/>
+                    <a:ea typeface="+mn-ea"/>
+                    <a:cs typeface="+mn-cs"/>
+                  </a:defRPr>
+                </a:lvl6pPr>
+                <a:lvl7pPr marL="2971800" indent="-228600" algn="l" defTabSz="914400" rtl="0" eaLnBrk="1" latinLnBrk="0" hangingPunct="1">
+                  <a:lnSpc>
+                    <a:spcPct val="120000"/>
+                  </a:lnSpc>
+                  <a:spcBef>
+                    <a:spcPts val="500"/>
+                  </a:spcBef>
+                  <a:buSzPct val="125000"/>
+                  <a:buFont typeface="Arial" panose="020B0604020202020204" pitchFamily="34" charset="0"/>
+                  <a:buChar char="•"/>
+                  <a:defRPr sz="1400" kern="1200">
+                    <a:solidFill>
+                      <a:schemeClr val="tx1"/>
+                    </a:solidFill>
+                    <a:latin typeface="+mn-lt"/>
+                    <a:ea typeface="+mn-ea"/>
+                    <a:cs typeface="+mn-cs"/>
+                  </a:defRPr>
+                </a:lvl7pPr>
+                <a:lvl8pPr marL="3429000" indent="-228600" algn="l" defTabSz="914400" rtl="0" eaLnBrk="1" latinLnBrk="0" hangingPunct="1">
+                  <a:lnSpc>
+                    <a:spcPct val="120000"/>
+                  </a:lnSpc>
+                  <a:spcBef>
+                    <a:spcPts val="500"/>
+                  </a:spcBef>
+                  <a:buSzPct val="125000"/>
+                  <a:buFont typeface="Arial" panose="020B0604020202020204" pitchFamily="34" charset="0"/>
+                  <a:buChar char="•"/>
+                  <a:defRPr sz="1400" kern="1200">
+                    <a:solidFill>
+                      <a:schemeClr val="tx1"/>
+                    </a:solidFill>
+                    <a:latin typeface="+mn-lt"/>
+                    <a:ea typeface="+mn-ea"/>
+                    <a:cs typeface="+mn-cs"/>
+                  </a:defRPr>
+                </a:lvl8pPr>
+                <a:lvl9pPr marL="3886200" indent="-228600" algn="l" defTabSz="914400" rtl="0" eaLnBrk="1" latinLnBrk="0" hangingPunct="1">
+                  <a:lnSpc>
+                    <a:spcPct val="120000"/>
+                  </a:lnSpc>
+                  <a:spcBef>
+                    <a:spcPts val="500"/>
+                  </a:spcBef>
+                  <a:buSzPct val="125000"/>
+                  <a:buFont typeface="Arial" panose="020B0604020202020204" pitchFamily="34" charset="0"/>
+                  <a:buChar char="•"/>
+                  <a:defRPr sz="1400" kern="1200">
+                    <a:solidFill>
+                      <a:schemeClr val="tx1"/>
+                    </a:solidFill>
+                    <a:latin typeface="+mn-lt"/>
+                    <a:ea typeface="+mn-ea"/>
+                    <a:cs typeface="+mn-cs"/>
+                  </a:defRPr>
+                </a:lvl9pPr>
+              </a:lstStyle>
+              <a:p>
+                <a:pPr marL="0" indent="0" algn="ctr">
+                  <a:buNone/>
+                </a:pPr>
+                <a:r>
+                  <a:rPr lang="en-US" b="1" i="1" u="sng" dirty="0">
+                    <a:solidFill>
+                      <a:schemeClr val="bg1"/>
+                    </a:solidFill>
+                  </a:rPr>
+                  <a:t>Theorem</a:t>
+                </a:r>
+                <a:r>
+                  <a:rPr lang="en-US" dirty="0">
+                    <a:solidFill>
+                      <a:schemeClr val="bg1"/>
+                    </a:solidFill>
+                  </a:rPr>
+                  <a:t>: </a:t>
+                </a:r>
+                <a14:m>
+                  <m:oMath xmlns:m="http://schemas.openxmlformats.org/officeDocument/2006/math">
+                    <m:rad>
+                      <m:radPr>
+                        <m:degHide m:val="on"/>
+                        <m:ctrlPr>
+                          <a:rPr lang="en-US" b="0" i="1" smtClean="0">
+                            <a:solidFill>
+                              <a:schemeClr val="bg1"/>
+                            </a:solidFill>
+                            <a:latin typeface="Cambria Math" panose="02040503050406030204" pitchFamily="18" charset="0"/>
+                          </a:rPr>
+                        </m:ctrlPr>
+                      </m:radPr>
+                      <m:deg/>
+                      <m:e>
+                        <m:r>
+                          <a:rPr lang="en-US" b="0" i="1" smtClean="0">
+                            <a:solidFill>
+                              <a:schemeClr val="bg1"/>
+                            </a:solidFill>
+                            <a:latin typeface="Cambria Math" panose="02040503050406030204" pitchFamily="18" charset="0"/>
+                          </a:rPr>
+                          <m:t>2</m:t>
+                        </m:r>
+                      </m:e>
+                    </m:rad>
+                  </m:oMath>
+                </a14:m>
+                <a:r>
+                  <a:rPr lang="en-US" dirty="0">
+                    <a:solidFill>
+                      <a:schemeClr val="bg1"/>
+                    </a:solidFill>
+                  </a:rPr>
+                  <a:t> is irrational</a:t>
+                </a:r>
+              </a:p>
+              <a:p>
+                <a:pPr lvl="2" algn="ctr"/>
+                <a:endParaRPr lang="en-US" dirty="0">
+                  <a:solidFill>
+                    <a:schemeClr val="bg1"/>
+                  </a:solidFill>
+                </a:endParaRPr>
+              </a:p>
+            </p:txBody>
+          </p:sp>
+        </mc:Choice>
+        <mc:Fallback>
+          <p:sp>
+            <p:nvSpPr>
+              <p:cNvPr id="6" name="Content Placeholder 2">
+                <a:extLst>
+                  <a:ext uri="{FF2B5EF4-FFF2-40B4-BE49-F238E27FC236}">
+                    <a16:creationId xmlns:a16="http://schemas.microsoft.com/office/drawing/2014/main" id="{663238BE-4174-D84F-B7AD-D5ADEF8429B9}"/>
+                  </a:ext>
+                </a:extLst>
+              </p:cNvPr>
+              <p:cNvSpPr txBox="1">
+                <a:spLocks noRot="1" noChangeAspect="1" noMove="1" noResize="1" noEditPoints="1" noAdjustHandles="1" noChangeArrowheads="1" noChangeShapeType="1" noTextEdit="1"/>
+              </p:cNvSpPr>
+              <p:nvPr/>
+            </p:nvSpPr>
+            <p:spPr>
+              <a:xfrm>
+                <a:off x="1325752" y="948806"/>
+                <a:ext cx="9928402" cy="800969"/>
+              </a:xfrm>
+              <a:prstGeom prst="rect">
+                <a:avLst/>
+              </a:prstGeom>
+              <a:blipFill>
+                <a:blip r:embed="rId3"/>
+                <a:stretch>
+                  <a:fillRect/>
+                </a:stretch>
+              </a:blipFill>
+            </p:spPr>
+            <p:txBody>
+              <a:bodyPr/>
+              <a:lstStyle/>
+              <a:p>
+                <a:r>
+                  <a:rPr lang="en-US">
+                    <a:noFill/>
+                  </a:rPr>
+                  <a:t> </a:t>
+                </a:r>
+              </a:p>
+            </p:txBody>
+          </p:sp>
+        </mc:Fallback>
+      </mc:AlternateContent>
     </p:spTree>
     <p:extLst>
       <p:ext uri="{BB962C8B-B14F-4D97-AF65-F5344CB8AC3E}">
@@ -22100,6 +22742,300 @@
                                           <p:spTgt spid="3">
                                             <p:txEl>
                                               <p:pRg st="4" end="4"/>
+                                            </p:txEl>
+                                          </p:spTgt>
+                                        </p:tgtEl>
+                                        <p:attrNameLst>
+                                          <p:attrName>style.visibility</p:attrName>
+                                        </p:attrNameLst>
+                                      </p:cBhvr>
+                                      <p:to>
+                                        <p:strVal val="visible"/>
+                                      </p:to>
+                                    </p:set>
+                                  </p:childTnLst>
+                                </p:cTn>
+                              </p:par>
+                            </p:childTnLst>
+                          </p:cTn>
+                        </p:par>
+                      </p:childTnLst>
+                    </p:cTn>
+                  </p:par>
+                  <p:par>
+                    <p:cTn id="23" fill="hold">
+                      <p:stCondLst>
+                        <p:cond delay="indefinite"/>
+                      </p:stCondLst>
+                      <p:childTnLst>
+                        <p:par>
+                          <p:cTn id="24" fill="hold">
+                            <p:stCondLst>
+                              <p:cond delay="0"/>
+                            </p:stCondLst>
+                            <p:childTnLst>
+                              <p:par>
+                                <p:cTn id="25" presetID="1" presetClass="entr" presetSubtype="0" fill="hold" grpId="0" nodeType="clickEffect">
+                                  <p:stCondLst>
+                                    <p:cond delay="0"/>
+                                  </p:stCondLst>
+                                  <p:childTnLst>
+                                    <p:set>
+                                      <p:cBhvr>
+                                        <p:cTn id="26" dur="1" fill="hold">
+                                          <p:stCondLst>
+                                            <p:cond delay="0"/>
+                                          </p:stCondLst>
+                                        </p:cTn>
+                                        <p:tgtEl>
+                                          <p:spTgt spid="3">
+                                            <p:txEl>
+                                              <p:pRg st="5" end="5"/>
+                                            </p:txEl>
+                                          </p:spTgt>
+                                        </p:tgtEl>
+                                        <p:attrNameLst>
+                                          <p:attrName>style.visibility</p:attrName>
+                                        </p:attrNameLst>
+                                      </p:cBhvr>
+                                      <p:to>
+                                        <p:strVal val="visible"/>
+                                      </p:to>
+                                    </p:set>
+                                  </p:childTnLst>
+                                </p:cTn>
+                              </p:par>
+                            </p:childTnLst>
+                          </p:cTn>
+                        </p:par>
+                      </p:childTnLst>
+                    </p:cTn>
+                  </p:par>
+                  <p:par>
+                    <p:cTn id="27" fill="hold">
+                      <p:stCondLst>
+                        <p:cond delay="indefinite"/>
+                      </p:stCondLst>
+                      <p:childTnLst>
+                        <p:par>
+                          <p:cTn id="28" fill="hold">
+                            <p:stCondLst>
+                              <p:cond delay="0"/>
+                            </p:stCondLst>
+                            <p:childTnLst>
+                              <p:par>
+                                <p:cTn id="29" presetID="1" presetClass="entr" presetSubtype="0" fill="hold" grpId="0" nodeType="clickEffect">
+                                  <p:stCondLst>
+                                    <p:cond delay="0"/>
+                                  </p:stCondLst>
+                                  <p:childTnLst>
+                                    <p:set>
+                                      <p:cBhvr>
+                                        <p:cTn id="30" dur="1" fill="hold">
+                                          <p:stCondLst>
+                                            <p:cond delay="0"/>
+                                          </p:stCondLst>
+                                        </p:cTn>
+                                        <p:tgtEl>
+                                          <p:spTgt spid="3">
+                                            <p:txEl>
+                                              <p:pRg st="6" end="6"/>
+                                            </p:txEl>
+                                          </p:spTgt>
+                                        </p:tgtEl>
+                                        <p:attrNameLst>
+                                          <p:attrName>style.visibility</p:attrName>
+                                        </p:attrNameLst>
+                                      </p:cBhvr>
+                                      <p:to>
+                                        <p:strVal val="visible"/>
+                                      </p:to>
+                                    </p:set>
+                                  </p:childTnLst>
+                                </p:cTn>
+                              </p:par>
+                            </p:childTnLst>
+                          </p:cTn>
+                        </p:par>
+                      </p:childTnLst>
+                    </p:cTn>
+                  </p:par>
+                  <p:par>
+                    <p:cTn id="31" fill="hold">
+                      <p:stCondLst>
+                        <p:cond delay="indefinite"/>
+                      </p:stCondLst>
+                      <p:childTnLst>
+                        <p:par>
+                          <p:cTn id="32" fill="hold">
+                            <p:stCondLst>
+                              <p:cond delay="0"/>
+                            </p:stCondLst>
+                            <p:childTnLst>
+                              <p:par>
+                                <p:cTn id="33" presetID="1" presetClass="entr" presetSubtype="0" fill="hold" grpId="0" nodeType="clickEffect">
+                                  <p:stCondLst>
+                                    <p:cond delay="0"/>
+                                  </p:stCondLst>
+                                  <p:childTnLst>
+                                    <p:set>
+                                      <p:cBhvr>
+                                        <p:cTn id="34" dur="1" fill="hold">
+                                          <p:stCondLst>
+                                            <p:cond delay="0"/>
+                                          </p:stCondLst>
+                                        </p:cTn>
+                                        <p:tgtEl>
+                                          <p:spTgt spid="3">
+                                            <p:txEl>
+                                              <p:pRg st="7" end="7"/>
+                                            </p:txEl>
+                                          </p:spTgt>
+                                        </p:tgtEl>
+                                        <p:attrNameLst>
+                                          <p:attrName>style.visibility</p:attrName>
+                                        </p:attrNameLst>
+                                      </p:cBhvr>
+                                      <p:to>
+                                        <p:strVal val="visible"/>
+                                      </p:to>
+                                    </p:set>
+                                  </p:childTnLst>
+                                </p:cTn>
+                              </p:par>
+                            </p:childTnLst>
+                          </p:cTn>
+                        </p:par>
+                      </p:childTnLst>
+                    </p:cTn>
+                  </p:par>
+                  <p:par>
+                    <p:cTn id="35" fill="hold">
+                      <p:stCondLst>
+                        <p:cond delay="indefinite"/>
+                      </p:stCondLst>
+                      <p:childTnLst>
+                        <p:par>
+                          <p:cTn id="36" fill="hold">
+                            <p:stCondLst>
+                              <p:cond delay="0"/>
+                            </p:stCondLst>
+                            <p:childTnLst>
+                              <p:par>
+                                <p:cTn id="37" presetID="1" presetClass="entr" presetSubtype="0" fill="hold" grpId="0" nodeType="clickEffect">
+                                  <p:stCondLst>
+                                    <p:cond delay="0"/>
+                                  </p:stCondLst>
+                                  <p:childTnLst>
+                                    <p:set>
+                                      <p:cBhvr>
+                                        <p:cTn id="38" dur="1" fill="hold">
+                                          <p:stCondLst>
+                                            <p:cond delay="0"/>
+                                          </p:stCondLst>
+                                        </p:cTn>
+                                        <p:tgtEl>
+                                          <p:spTgt spid="3">
+                                            <p:txEl>
+                                              <p:pRg st="8" end="8"/>
+                                            </p:txEl>
+                                          </p:spTgt>
+                                        </p:tgtEl>
+                                        <p:attrNameLst>
+                                          <p:attrName>style.visibility</p:attrName>
+                                        </p:attrNameLst>
+                                      </p:cBhvr>
+                                      <p:to>
+                                        <p:strVal val="visible"/>
+                                      </p:to>
+                                    </p:set>
+                                  </p:childTnLst>
+                                </p:cTn>
+                              </p:par>
+                            </p:childTnLst>
+                          </p:cTn>
+                        </p:par>
+                      </p:childTnLst>
+                    </p:cTn>
+                  </p:par>
+                  <p:par>
+                    <p:cTn id="39" fill="hold">
+                      <p:stCondLst>
+                        <p:cond delay="indefinite"/>
+                      </p:stCondLst>
+                      <p:childTnLst>
+                        <p:par>
+                          <p:cTn id="40" fill="hold">
+                            <p:stCondLst>
+                              <p:cond delay="0"/>
+                            </p:stCondLst>
+                            <p:childTnLst>
+                              <p:par>
+                                <p:cTn id="41" presetID="1" presetClass="entr" presetSubtype="0" fill="hold" grpId="0" nodeType="clickEffect">
+                                  <p:stCondLst>
+                                    <p:cond delay="0"/>
+                                  </p:stCondLst>
+                                  <p:childTnLst>
+                                    <p:set>
+                                      <p:cBhvr>
+                                        <p:cTn id="42" dur="1" fill="hold">
+                                          <p:stCondLst>
+                                            <p:cond delay="0"/>
+                                          </p:stCondLst>
+                                        </p:cTn>
+                                        <p:tgtEl>
+                                          <p:spTgt spid="3">
+                                            <p:txEl>
+                                              <p:pRg st="9" end="9"/>
+                                            </p:txEl>
+                                          </p:spTgt>
+                                        </p:tgtEl>
+                                        <p:attrNameLst>
+                                          <p:attrName>style.visibility</p:attrName>
+                                        </p:attrNameLst>
+                                      </p:cBhvr>
+                                      <p:to>
+                                        <p:strVal val="visible"/>
+                                      </p:to>
+                                    </p:set>
+                                  </p:childTnLst>
+                                </p:cTn>
+                              </p:par>
+                            </p:childTnLst>
+                          </p:cTn>
+                        </p:par>
+                      </p:childTnLst>
+                    </p:cTn>
+                  </p:par>
+                  <p:par>
+                    <p:cTn id="43" fill="hold">
+                      <p:stCondLst>
+                        <p:cond delay="indefinite"/>
+                      </p:stCondLst>
+                      <p:childTnLst>
+                        <p:par>
+                          <p:cTn id="44" fill="hold">
+                            <p:stCondLst>
+                              <p:cond delay="0"/>
+                            </p:stCondLst>
+                            <p:childTnLst>
+                              <p:par>
+                                <p:cTn id="45" presetID="1" presetClass="entr" presetSubtype="0" fill="hold" grpId="0" nodeType="clickEffect">
+                                  <p:stCondLst>
+                                    <p:cond delay="0"/>
+                                  </p:stCondLst>
+                                  <p:childTnLst>
+                                    <p:set>
+                                      <p:cBhvr>
+                                        <p:cTn id="46" dur="1" fill="hold">
+                                          <p:stCondLst>
+                                            <p:cond delay="0"/>
+                                          </p:stCondLst>
+                                        </p:cTn>
+                                        <p:tgtEl>
+                                          <p:spTgt spid="3">
+                                            <p:txEl>
+                                              <p:pRg st="10" end="10"/>
                                             </p:txEl>
                                           </p:spTgt>
                                         </p:tgtEl>

--- a/slides/01-ReviewOfProofs.pptx
+++ b/slides/01-ReviewOfProofs.pptx
@@ -643,7 +643,7 @@
           <a:noFill/>
           <a:extLst>
             <a:ext uri="{909E8E84-426E-40dd-AFC4-6F175D3DCCD1}">
-              <a14:hiddenFill xmlns:a14="http://schemas.microsoft.com/office/drawing/2010/main" xmlns="">
+              <a14:hiddenFill xmlns="" xmlns:a14="http://schemas.microsoft.com/office/drawing/2010/main">
                 <a:solidFill>
                   <a:srgbClr val="FFFFFF"/>
                 </a:solidFill>
@@ -702,7 +702,7 @@
             </a:ln>
             <a:extLst>
               <a:ext uri="{91240B29-F687-4f45-9708-019B960494DF}">
-                <a14:hiddenLine xmlns:a14="http://schemas.microsoft.com/office/drawing/2010/main" xmlns="" w="9525">
+                <a14:hiddenLine xmlns="" xmlns:a14="http://schemas.microsoft.com/office/drawing/2010/main" w="9525">
                   <a:solidFill>
                     <a:srgbClr val="000000"/>
                   </a:solidFill>
@@ -792,7 +792,7 @@
             </a:ln>
             <a:extLst>
               <a:ext uri="{91240B29-F687-4f45-9708-019B960494DF}">
-                <a14:hiddenLine xmlns:a14="http://schemas.microsoft.com/office/drawing/2010/main" xmlns="" w="9525">
+                <a14:hiddenLine xmlns="" xmlns:a14="http://schemas.microsoft.com/office/drawing/2010/main" w="9525">
                   <a:solidFill>
                     <a:srgbClr val="000000"/>
                   </a:solidFill>
@@ -882,7 +882,7 @@
             </a:ln>
             <a:extLst>
               <a:ext uri="{91240B29-F687-4f45-9708-019B960494DF}">
-                <a14:hiddenLine xmlns:a14="http://schemas.microsoft.com/office/drawing/2010/main" xmlns="" w="9525">
+                <a14:hiddenLine xmlns="" xmlns:a14="http://schemas.microsoft.com/office/drawing/2010/main" w="9525">
                   <a:solidFill>
                     <a:srgbClr val="000000"/>
                   </a:solidFill>
@@ -916,7 +916,7 @@
             </a:ln>
             <a:extLst>
               <a:ext uri="{91240B29-F687-4f45-9708-019B960494DF}">
-                <a14:hiddenLine xmlns:a14="http://schemas.microsoft.com/office/drawing/2010/main" xmlns="" w="9525">
+                <a14:hiddenLine xmlns="" xmlns:a14="http://schemas.microsoft.com/office/drawing/2010/main" w="9525">
                   <a:solidFill>
                     <a:srgbClr val="000000"/>
                   </a:solidFill>
@@ -1006,7 +1006,7 @@
             </a:ln>
             <a:extLst>
               <a:ext uri="{91240B29-F687-4f45-9708-019B960494DF}">
-                <a14:hiddenLine xmlns:a14="http://schemas.microsoft.com/office/drawing/2010/main" xmlns="" w="9525">
+                <a14:hiddenLine xmlns="" xmlns:a14="http://schemas.microsoft.com/office/drawing/2010/main" w="9525">
                   <a:solidFill>
                     <a:srgbClr val="000000"/>
                   </a:solidFill>
@@ -1068,7 +1068,7 @@
             </a:ln>
             <a:extLst>
               <a:ext uri="{91240B29-F687-4f45-9708-019B960494DF}">
-                <a14:hiddenLine xmlns:a14="http://schemas.microsoft.com/office/drawing/2010/main" xmlns="" w="9525">
+                <a14:hiddenLine xmlns="" xmlns:a14="http://schemas.microsoft.com/office/drawing/2010/main" w="9525">
                   <a:solidFill>
                     <a:srgbClr val="000000"/>
                   </a:solidFill>
@@ -1130,7 +1130,7 @@
             </a:ln>
             <a:extLst>
               <a:ext uri="{91240B29-F687-4f45-9708-019B960494DF}">
-                <a14:hiddenLine xmlns:a14="http://schemas.microsoft.com/office/drawing/2010/main" xmlns="" w="9525">
+                <a14:hiddenLine xmlns="" xmlns:a14="http://schemas.microsoft.com/office/drawing/2010/main" w="9525">
                   <a:solidFill>
                     <a:srgbClr val="000000"/>
                   </a:solidFill>
@@ -1220,7 +1220,7 @@
             </a:ln>
             <a:extLst>
               <a:ext uri="{91240B29-F687-4f45-9708-019B960494DF}">
-                <a14:hiddenLine xmlns:a14="http://schemas.microsoft.com/office/drawing/2010/main" xmlns="" w="9525">
+                <a14:hiddenLine xmlns="" xmlns:a14="http://schemas.microsoft.com/office/drawing/2010/main" w="9525">
                   <a:solidFill>
                     <a:srgbClr val="000000"/>
                   </a:solidFill>
@@ -1282,7 +1282,7 @@
             </a:ln>
             <a:extLst>
               <a:ext uri="{91240B29-F687-4f45-9708-019B960494DF}">
-                <a14:hiddenLine xmlns:a14="http://schemas.microsoft.com/office/drawing/2010/main" xmlns="" w="9525">
+                <a14:hiddenLine xmlns="" xmlns:a14="http://schemas.microsoft.com/office/drawing/2010/main" w="9525">
                   <a:solidFill>
                     <a:srgbClr val="000000"/>
                   </a:solidFill>
@@ -1344,7 +1344,7 @@
             </a:ln>
             <a:extLst>
               <a:ext uri="{91240B29-F687-4f45-9708-019B960494DF}">
-                <a14:hiddenLine xmlns:a14="http://schemas.microsoft.com/office/drawing/2010/main" xmlns="" w="9525">
+                <a14:hiddenLine xmlns="" xmlns:a14="http://schemas.microsoft.com/office/drawing/2010/main" w="9525">
                   <a:solidFill>
                     <a:srgbClr val="000000"/>
                   </a:solidFill>
@@ -1434,7 +1434,7 @@
             </a:ln>
             <a:extLst>
               <a:ext uri="{91240B29-F687-4f45-9708-019B960494DF}">
-                <a14:hiddenLine xmlns:a14="http://schemas.microsoft.com/office/drawing/2010/main" xmlns="" w="9525">
+                <a14:hiddenLine xmlns="" xmlns:a14="http://schemas.microsoft.com/office/drawing/2010/main" w="9525">
                   <a:solidFill>
                     <a:srgbClr val="000000"/>
                   </a:solidFill>
@@ -1524,7 +1524,7 @@
             </a:ln>
             <a:extLst>
               <a:ext uri="{91240B29-F687-4f45-9708-019B960494DF}">
-                <a14:hiddenLine xmlns:a14="http://schemas.microsoft.com/office/drawing/2010/main" xmlns="" w="9525">
+                <a14:hiddenLine xmlns="" xmlns:a14="http://schemas.microsoft.com/office/drawing/2010/main" w="9525">
                   <a:solidFill>
                     <a:srgbClr val="000000"/>
                   </a:solidFill>
@@ -1586,7 +1586,7 @@
             </a:ln>
             <a:extLst>
               <a:ext uri="{91240B29-F687-4f45-9708-019B960494DF}">
-                <a14:hiddenLine xmlns:a14="http://schemas.microsoft.com/office/drawing/2010/main" xmlns="" w="9525">
+                <a14:hiddenLine xmlns="" xmlns:a14="http://schemas.microsoft.com/office/drawing/2010/main" w="9525">
                   <a:solidFill>
                     <a:srgbClr val="000000"/>
                   </a:solidFill>
@@ -1696,7 +1696,7 @@
             </a:ln>
             <a:extLst>
               <a:ext uri="{91240B29-F687-4f45-9708-019B960494DF}">
-                <a14:hiddenLine xmlns:a14="http://schemas.microsoft.com/office/drawing/2010/main" xmlns="" w="9525">
+                <a14:hiddenLine xmlns="" xmlns:a14="http://schemas.microsoft.com/office/drawing/2010/main" w="9525">
                   <a:solidFill>
                     <a:srgbClr val="000000"/>
                   </a:solidFill>
@@ -1758,7 +1758,7 @@
             </a:ln>
             <a:extLst>
               <a:ext uri="{91240B29-F687-4f45-9708-019B960494DF}">
-                <a14:hiddenLine xmlns:a14="http://schemas.microsoft.com/office/drawing/2010/main" xmlns="" w="9525">
+                <a14:hiddenLine xmlns="" xmlns:a14="http://schemas.microsoft.com/office/drawing/2010/main" w="9525">
                   <a:solidFill>
                     <a:srgbClr val="000000"/>
                   </a:solidFill>
@@ -1848,7 +1848,7 @@
             </a:ln>
             <a:extLst>
               <a:ext uri="{91240B29-F687-4f45-9708-019B960494DF}">
-                <a14:hiddenLine xmlns:a14="http://schemas.microsoft.com/office/drawing/2010/main" xmlns="" w="9525">
+                <a14:hiddenLine xmlns="" xmlns:a14="http://schemas.microsoft.com/office/drawing/2010/main" w="9525">
                   <a:solidFill>
                     <a:srgbClr val="000000"/>
                   </a:solidFill>
@@ -1938,7 +1938,7 @@
             </a:ln>
             <a:extLst>
               <a:ext uri="{91240B29-F687-4f45-9708-019B960494DF}">
-                <a14:hiddenLine xmlns:a14="http://schemas.microsoft.com/office/drawing/2010/main" xmlns="" w="9525">
+                <a14:hiddenLine xmlns="" xmlns:a14="http://schemas.microsoft.com/office/drawing/2010/main" w="9525">
                   <a:solidFill>
                     <a:srgbClr val="000000"/>
                   </a:solidFill>
@@ -2000,7 +2000,7 @@
             </a:ln>
             <a:extLst>
               <a:ext uri="{91240B29-F687-4f45-9708-019B960494DF}">
-                <a14:hiddenLine xmlns:a14="http://schemas.microsoft.com/office/drawing/2010/main" xmlns="" w="9525">
+                <a14:hiddenLine xmlns="" xmlns:a14="http://schemas.microsoft.com/office/drawing/2010/main" w="9525">
                   <a:solidFill>
                     <a:srgbClr val="000000"/>
                   </a:solidFill>
@@ -2090,7 +2090,7 @@
             </a:ln>
             <a:extLst>
               <a:ext uri="{91240B29-F687-4f45-9708-019B960494DF}">
-                <a14:hiddenLine xmlns:a14="http://schemas.microsoft.com/office/drawing/2010/main" xmlns="" w="9525">
+                <a14:hiddenLine xmlns="" xmlns:a14="http://schemas.microsoft.com/office/drawing/2010/main" w="9525">
                   <a:solidFill>
                     <a:srgbClr val="000000"/>
                   </a:solidFill>
@@ -2180,7 +2180,7 @@
             </a:ln>
             <a:extLst>
               <a:ext uri="{91240B29-F687-4f45-9708-019B960494DF}">
-                <a14:hiddenLine xmlns:a14="http://schemas.microsoft.com/office/drawing/2010/main" xmlns="" w="9525">
+                <a14:hiddenLine xmlns="" xmlns:a14="http://schemas.microsoft.com/office/drawing/2010/main" w="9525">
                   <a:solidFill>
                     <a:srgbClr val="000000"/>
                   </a:solidFill>
@@ -2236,7 +2236,7 @@
             </a:ln>
             <a:extLst>
               <a:ext uri="{91240B29-F687-4f45-9708-019B960494DF}">
-                <a14:hiddenLine xmlns:a14="http://schemas.microsoft.com/office/drawing/2010/main" xmlns="" w="9525">
+                <a14:hiddenLine xmlns="" xmlns:a14="http://schemas.microsoft.com/office/drawing/2010/main" w="9525">
                   <a:solidFill>
                     <a:srgbClr val="000000"/>
                   </a:solidFill>
@@ -2326,7 +2326,7 @@
             </a:ln>
             <a:extLst>
               <a:ext uri="{91240B29-F687-4f45-9708-019B960494DF}">
-                <a14:hiddenLine xmlns:a14="http://schemas.microsoft.com/office/drawing/2010/main" xmlns="" w="9525">
+                <a14:hiddenLine xmlns="" xmlns:a14="http://schemas.microsoft.com/office/drawing/2010/main" w="9525">
                   <a:solidFill>
                     <a:srgbClr val="000000"/>
                   </a:solidFill>
@@ -2382,7 +2382,7 @@
             </a:ln>
             <a:extLst>
               <a:ext uri="{91240B29-F687-4f45-9708-019B960494DF}">
-                <a14:hiddenLine xmlns:a14="http://schemas.microsoft.com/office/drawing/2010/main" xmlns="" w="9525">
+                <a14:hiddenLine xmlns="" xmlns:a14="http://schemas.microsoft.com/office/drawing/2010/main" w="9525">
                   <a:solidFill>
                     <a:srgbClr val="000000"/>
                   </a:solidFill>
@@ -2472,7 +2472,7 @@
             </a:ln>
             <a:extLst>
               <a:ext uri="{91240B29-F687-4f45-9708-019B960494DF}">
-                <a14:hiddenLine xmlns:a14="http://schemas.microsoft.com/office/drawing/2010/main" xmlns="" w="9525">
+                <a14:hiddenLine xmlns="" xmlns:a14="http://schemas.microsoft.com/office/drawing/2010/main" w="9525">
                   <a:solidFill>
                     <a:srgbClr val="000000"/>
                   </a:solidFill>
@@ -2540,7 +2540,7 @@
             </a:ln>
             <a:extLst>
               <a:ext uri="{91240B29-F687-4f45-9708-019B960494DF}">
-                <a14:hiddenLine xmlns:a14="http://schemas.microsoft.com/office/drawing/2010/main" xmlns="" w="9525">
+                <a14:hiddenLine xmlns="" xmlns:a14="http://schemas.microsoft.com/office/drawing/2010/main" w="9525">
                   <a:solidFill>
                     <a:srgbClr val="000000"/>
                   </a:solidFill>
@@ -2630,7 +2630,7 @@
             </a:ln>
             <a:extLst>
               <a:ext uri="{91240B29-F687-4f45-9708-019B960494DF}">
-                <a14:hiddenLine xmlns:a14="http://schemas.microsoft.com/office/drawing/2010/main" xmlns="" w="9525">
+                <a14:hiddenLine xmlns="" xmlns:a14="http://schemas.microsoft.com/office/drawing/2010/main" w="9525">
                   <a:solidFill>
                     <a:srgbClr val="000000"/>
                   </a:solidFill>
@@ -2698,7 +2698,7 @@
             </a:ln>
             <a:extLst>
               <a:ext uri="{91240B29-F687-4f45-9708-019B960494DF}">
-                <a14:hiddenLine xmlns:a14="http://schemas.microsoft.com/office/drawing/2010/main" xmlns="" w="9525">
+                <a14:hiddenLine xmlns="" xmlns:a14="http://schemas.microsoft.com/office/drawing/2010/main" w="9525">
                   <a:solidFill>
                     <a:srgbClr val="000000"/>
                   </a:solidFill>
@@ -2788,7 +2788,7 @@
             </a:ln>
             <a:extLst>
               <a:ext uri="{91240B29-F687-4f45-9708-019B960494DF}">
-                <a14:hiddenLine xmlns:a14="http://schemas.microsoft.com/office/drawing/2010/main" xmlns="" w="9525">
+                <a14:hiddenLine xmlns="" xmlns:a14="http://schemas.microsoft.com/office/drawing/2010/main" w="9525">
                   <a:solidFill>
                     <a:srgbClr val="000000"/>
                   </a:solidFill>
@@ -2822,7 +2822,7 @@
             </a:ln>
             <a:extLst>
               <a:ext uri="{91240B29-F687-4f45-9708-019B960494DF}">
-                <a14:hiddenLine xmlns:a14="http://schemas.microsoft.com/office/drawing/2010/main" xmlns="" w="9525">
+                <a14:hiddenLine xmlns="" xmlns:a14="http://schemas.microsoft.com/office/drawing/2010/main" w="9525">
                   <a:solidFill>
                     <a:srgbClr val="000000"/>
                   </a:solidFill>
@@ -2912,7 +2912,7 @@
             </a:ln>
             <a:extLst>
               <a:ext uri="{91240B29-F687-4f45-9708-019B960494DF}">
-                <a14:hiddenLine xmlns:a14="http://schemas.microsoft.com/office/drawing/2010/main" xmlns="" w="9525">
+                <a14:hiddenLine xmlns="" xmlns:a14="http://schemas.microsoft.com/office/drawing/2010/main" w="9525">
                   <a:solidFill>
                     <a:srgbClr val="000000"/>
                   </a:solidFill>
@@ -2974,7 +2974,7 @@
             </a:ln>
             <a:extLst>
               <a:ext uri="{91240B29-F687-4f45-9708-019B960494DF}">
-                <a14:hiddenLine xmlns:a14="http://schemas.microsoft.com/office/drawing/2010/main" xmlns="" w="9525">
+                <a14:hiddenLine xmlns="" xmlns:a14="http://schemas.microsoft.com/office/drawing/2010/main" w="9525">
                   <a:solidFill>
                     <a:srgbClr val="000000"/>
                   </a:solidFill>
@@ -3036,7 +3036,7 @@
             </a:ln>
             <a:extLst>
               <a:ext uri="{91240B29-F687-4f45-9708-019B960494DF}">
-                <a14:hiddenLine xmlns:a14="http://schemas.microsoft.com/office/drawing/2010/main" xmlns="" w="9525">
+                <a14:hiddenLine xmlns="" xmlns:a14="http://schemas.microsoft.com/office/drawing/2010/main" w="9525">
                   <a:solidFill>
                     <a:srgbClr val="000000"/>
                   </a:solidFill>
@@ -3126,7 +3126,7 @@
             </a:ln>
             <a:extLst>
               <a:ext uri="{91240B29-F687-4f45-9708-019B960494DF}">
-                <a14:hiddenLine xmlns:a14="http://schemas.microsoft.com/office/drawing/2010/main" xmlns="" w="9525">
+                <a14:hiddenLine xmlns="" xmlns:a14="http://schemas.microsoft.com/office/drawing/2010/main" w="9525">
                   <a:solidFill>
                     <a:srgbClr val="000000"/>
                   </a:solidFill>
@@ -3194,7 +3194,7 @@
             </a:ln>
             <a:extLst>
               <a:ext uri="{91240B29-F687-4f45-9708-019B960494DF}">
-                <a14:hiddenLine xmlns:a14="http://schemas.microsoft.com/office/drawing/2010/main" xmlns="" w="9525">
+                <a14:hiddenLine xmlns="" xmlns:a14="http://schemas.microsoft.com/office/drawing/2010/main" w="9525">
                   <a:solidFill>
                     <a:srgbClr val="000000"/>
                   </a:solidFill>
@@ -3256,7 +3256,7 @@
             </a:ln>
             <a:extLst>
               <a:ext uri="{91240B29-F687-4f45-9708-019B960494DF}">
-                <a14:hiddenLine xmlns:a14="http://schemas.microsoft.com/office/drawing/2010/main" xmlns="" w="9525">
+                <a14:hiddenLine xmlns="" xmlns:a14="http://schemas.microsoft.com/office/drawing/2010/main" w="9525">
                   <a:solidFill>
                     <a:srgbClr val="000000"/>
                   </a:solidFill>
@@ -3346,7 +3346,7 @@
             </a:ln>
             <a:extLst>
               <a:ext uri="{91240B29-F687-4f45-9708-019B960494DF}">
-                <a14:hiddenLine xmlns:a14="http://schemas.microsoft.com/office/drawing/2010/main" xmlns="" w="9525">
+                <a14:hiddenLine xmlns="" xmlns:a14="http://schemas.microsoft.com/office/drawing/2010/main" w="9525">
                   <a:solidFill>
                     <a:srgbClr val="000000"/>
                   </a:solidFill>
@@ -3408,7 +3408,7 @@
             </a:ln>
             <a:extLst>
               <a:ext uri="{91240B29-F687-4f45-9708-019B960494DF}">
-                <a14:hiddenLine xmlns:a14="http://schemas.microsoft.com/office/drawing/2010/main" xmlns="" w="9525">
+                <a14:hiddenLine xmlns="" xmlns:a14="http://schemas.microsoft.com/office/drawing/2010/main" w="9525">
                   <a:solidFill>
                     <a:srgbClr val="000000"/>
                   </a:solidFill>
@@ -3498,7 +3498,7 @@
             </a:ln>
             <a:extLst>
               <a:ext uri="{91240B29-F687-4f45-9708-019B960494DF}">
-                <a14:hiddenLine xmlns:a14="http://schemas.microsoft.com/office/drawing/2010/main" xmlns="" w="9525">
+                <a14:hiddenLine xmlns="" xmlns:a14="http://schemas.microsoft.com/office/drawing/2010/main" w="9525">
                   <a:solidFill>
                     <a:srgbClr val="000000"/>
                   </a:solidFill>
@@ -3560,7 +3560,7 @@
             </a:ln>
             <a:extLst>
               <a:ext uri="{91240B29-F687-4f45-9708-019B960494DF}">
-                <a14:hiddenLine xmlns:a14="http://schemas.microsoft.com/office/drawing/2010/main" xmlns="" w="9525">
+                <a14:hiddenLine xmlns="" xmlns:a14="http://schemas.microsoft.com/office/drawing/2010/main" w="9525">
                   <a:solidFill>
                     <a:srgbClr val="000000"/>
                   </a:solidFill>
@@ -3650,7 +3650,7 @@
             </a:ln>
             <a:extLst>
               <a:ext uri="{91240B29-F687-4f45-9708-019B960494DF}">
-                <a14:hiddenLine xmlns:a14="http://schemas.microsoft.com/office/drawing/2010/main" xmlns="" w="9525">
+                <a14:hiddenLine xmlns="" xmlns:a14="http://schemas.microsoft.com/office/drawing/2010/main" w="9525">
                   <a:solidFill>
                     <a:srgbClr val="000000"/>
                   </a:solidFill>
@@ -3684,7 +3684,7 @@
             </a:ln>
             <a:extLst>
               <a:ext uri="{91240B29-F687-4f45-9708-019B960494DF}">
-                <a14:hiddenLine xmlns:a14="http://schemas.microsoft.com/office/drawing/2010/main" xmlns="" w="9525">
+                <a14:hiddenLine xmlns="" xmlns:a14="http://schemas.microsoft.com/office/drawing/2010/main" w="9525">
                   <a:solidFill>
                     <a:srgbClr val="000000"/>
                   </a:solidFill>
@@ -3749,7 +3749,7 @@
             </a:ln>
             <a:extLst>
               <a:ext uri="{91240B29-F687-4f45-9708-019B960494DF}">
-                <a14:hiddenLine xmlns:a14="http://schemas.microsoft.com/office/drawing/2010/main" xmlns="" w="9525">
+                <a14:hiddenLine xmlns="" xmlns:a14="http://schemas.microsoft.com/office/drawing/2010/main" w="9525">
                   <a:solidFill>
                     <a:srgbClr val="000000"/>
                   </a:solidFill>
@@ -3839,7 +3839,7 @@
             </a:ln>
             <a:extLst>
               <a:ext uri="{91240B29-F687-4f45-9708-019B960494DF}">
-                <a14:hiddenLine xmlns:a14="http://schemas.microsoft.com/office/drawing/2010/main" xmlns="" w="9525">
+                <a14:hiddenLine xmlns="" xmlns:a14="http://schemas.microsoft.com/office/drawing/2010/main" w="9525">
                   <a:solidFill>
                     <a:srgbClr val="000000"/>
                   </a:solidFill>
@@ -3901,7 +3901,7 @@
             </a:ln>
             <a:extLst>
               <a:ext uri="{91240B29-F687-4f45-9708-019B960494DF}">
-                <a14:hiddenLine xmlns:a14="http://schemas.microsoft.com/office/drawing/2010/main" xmlns="" w="9525">
+                <a14:hiddenLine xmlns="" xmlns:a14="http://schemas.microsoft.com/office/drawing/2010/main" w="9525">
                   <a:solidFill>
                     <a:srgbClr val="000000"/>
                   </a:solidFill>
@@ -3991,7 +3991,7 @@
             </a:ln>
             <a:extLst>
               <a:ext uri="{91240B29-F687-4f45-9708-019B960494DF}">
-                <a14:hiddenLine xmlns:a14="http://schemas.microsoft.com/office/drawing/2010/main" xmlns="" w="9525">
+                <a14:hiddenLine xmlns="" xmlns:a14="http://schemas.microsoft.com/office/drawing/2010/main" w="9525">
                   <a:solidFill>
                     <a:srgbClr val="000000"/>
                   </a:solidFill>
@@ -4081,7 +4081,7 @@
             </a:ln>
             <a:extLst>
               <a:ext uri="{91240B29-F687-4f45-9708-019B960494DF}">
-                <a14:hiddenLine xmlns:a14="http://schemas.microsoft.com/office/drawing/2010/main" xmlns="" w="9525">
+                <a14:hiddenLine xmlns="" xmlns:a14="http://schemas.microsoft.com/office/drawing/2010/main" w="9525">
                   <a:solidFill>
                     <a:srgbClr val="000000"/>
                   </a:solidFill>
@@ -4146,7 +4146,7 @@
             </a:ln>
             <a:extLst>
               <a:ext uri="{91240B29-F687-4f45-9708-019B960494DF}">
-                <a14:hiddenLine xmlns:a14="http://schemas.microsoft.com/office/drawing/2010/main" xmlns="" w="9525">
+                <a14:hiddenLine xmlns="" xmlns:a14="http://schemas.microsoft.com/office/drawing/2010/main" w="9525">
                   <a:solidFill>
                     <a:srgbClr val="000000"/>
                   </a:solidFill>
@@ -4208,7 +4208,7 @@
             </a:ln>
             <a:extLst>
               <a:ext uri="{91240B29-F687-4f45-9708-019B960494DF}">
-                <a14:hiddenLine xmlns:a14="http://schemas.microsoft.com/office/drawing/2010/main" xmlns="" w="9525">
+                <a14:hiddenLine xmlns="" xmlns:a14="http://schemas.microsoft.com/office/drawing/2010/main" w="9525">
                   <a:solidFill>
                     <a:srgbClr val="000000"/>
                   </a:solidFill>
@@ -4298,7 +4298,7 @@
             </a:ln>
             <a:extLst>
               <a:ext uri="{91240B29-F687-4f45-9708-019B960494DF}">
-                <a14:hiddenLine xmlns:a14="http://schemas.microsoft.com/office/drawing/2010/main" xmlns="" w="9525">
+                <a14:hiddenLine xmlns="" xmlns:a14="http://schemas.microsoft.com/office/drawing/2010/main" w="9525">
                   <a:solidFill>
                     <a:srgbClr val="000000"/>
                   </a:solidFill>
@@ -4388,7 +4388,7 @@
             </a:ln>
             <a:extLst>
               <a:ext uri="{91240B29-F687-4f45-9708-019B960494DF}">
-                <a14:hiddenLine xmlns:a14="http://schemas.microsoft.com/office/drawing/2010/main" xmlns="" w="9525">
+                <a14:hiddenLine xmlns="" xmlns:a14="http://schemas.microsoft.com/office/drawing/2010/main" w="9525">
                   <a:solidFill>
                     <a:srgbClr val="000000"/>
                   </a:solidFill>
@@ -4450,7 +4450,7 @@
             </a:ln>
             <a:extLst>
               <a:ext uri="{91240B29-F687-4f45-9708-019B960494DF}">
-                <a14:hiddenLine xmlns:a14="http://schemas.microsoft.com/office/drawing/2010/main" xmlns="" w="9525">
+                <a14:hiddenLine xmlns="" xmlns:a14="http://schemas.microsoft.com/office/drawing/2010/main" w="9525">
                   <a:solidFill>
                     <a:srgbClr val="000000"/>
                   </a:solidFill>
@@ -4570,7 +4570,7 @@
             </a:ln>
             <a:extLst>
               <a:ext uri="{91240B29-F687-4f45-9708-019B960494DF}">
-                <a14:hiddenLine xmlns:a14="http://schemas.microsoft.com/office/drawing/2010/main" xmlns="" w="9525">
+                <a14:hiddenLine xmlns="" xmlns:a14="http://schemas.microsoft.com/office/drawing/2010/main" w="9525">
                   <a:solidFill>
                     <a:srgbClr val="000000"/>
                   </a:solidFill>
@@ -4638,7 +4638,7 @@
             </a:ln>
             <a:extLst>
               <a:ext uri="{91240B29-F687-4f45-9708-019B960494DF}">
-                <a14:hiddenLine xmlns:a14="http://schemas.microsoft.com/office/drawing/2010/main" xmlns="" w="9525">
+                <a14:hiddenLine xmlns="" xmlns:a14="http://schemas.microsoft.com/office/drawing/2010/main" w="9525">
                   <a:solidFill>
                     <a:srgbClr val="000000"/>
                   </a:solidFill>
@@ -4728,7 +4728,7 @@
             </a:ln>
             <a:extLst>
               <a:ext uri="{91240B29-F687-4f45-9708-019B960494DF}">
-                <a14:hiddenLine xmlns:a14="http://schemas.microsoft.com/office/drawing/2010/main" xmlns="" w="9525">
+                <a14:hiddenLine xmlns="" xmlns:a14="http://schemas.microsoft.com/office/drawing/2010/main" w="9525">
                   <a:solidFill>
                     <a:srgbClr val="000000"/>
                   </a:solidFill>
@@ -9557,7 +9557,7 @@
           <a:noFill/>
           <a:extLst>
             <a:ext uri="{909E8E84-426E-40dd-AFC4-6F175D3DCCD1}">
-              <a14:hiddenFill xmlns:a14="http://schemas.microsoft.com/office/drawing/2010/main" xmlns="">
+              <a14:hiddenFill xmlns="" xmlns:a14="http://schemas.microsoft.com/office/drawing/2010/main">
                 <a:solidFill>
                   <a:srgbClr val="FFFFFF"/>
                 </a:solidFill>
@@ -9631,7 +9631,7 @@
               </a:ln>
               <a:extLst>
                 <a:ext uri="{91240B29-F687-4f45-9708-019B960494DF}">
-                  <a14:hiddenLine xmlns:a14="http://schemas.microsoft.com/office/drawing/2010/main" xmlns="" w="9525">
+                  <a14:hiddenLine xmlns="" xmlns:a14="http://schemas.microsoft.com/office/drawing/2010/main" w="9525">
                     <a:solidFill>
                       <a:srgbClr val="000000"/>
                     </a:solidFill>
@@ -9721,7 +9721,7 @@
               </a:ln>
               <a:extLst>
                 <a:ext uri="{91240B29-F687-4f45-9708-019B960494DF}">
-                  <a14:hiddenLine xmlns:a14="http://schemas.microsoft.com/office/drawing/2010/main" xmlns="" w="9525">
+                  <a14:hiddenLine xmlns="" xmlns:a14="http://schemas.microsoft.com/office/drawing/2010/main" w="9525">
                     <a:solidFill>
                       <a:srgbClr val="000000"/>
                     </a:solidFill>
@@ -9811,7 +9811,7 @@
               </a:ln>
               <a:extLst>
                 <a:ext uri="{91240B29-F687-4f45-9708-019B960494DF}">
-                  <a14:hiddenLine xmlns:a14="http://schemas.microsoft.com/office/drawing/2010/main" xmlns="" w="9525">
+                  <a14:hiddenLine xmlns="" xmlns:a14="http://schemas.microsoft.com/office/drawing/2010/main" w="9525">
                     <a:solidFill>
                       <a:srgbClr val="000000"/>
                     </a:solidFill>
@@ -9873,7 +9873,7 @@
               </a:ln>
               <a:extLst>
                 <a:ext uri="{91240B29-F687-4f45-9708-019B960494DF}">
-                  <a14:hiddenLine xmlns:a14="http://schemas.microsoft.com/office/drawing/2010/main" xmlns="" w="9525">
+                  <a14:hiddenLine xmlns="" xmlns:a14="http://schemas.microsoft.com/office/drawing/2010/main" w="9525">
                     <a:solidFill>
                       <a:srgbClr val="000000"/>
                     </a:solidFill>
@@ -9963,7 +9963,7 @@
               </a:ln>
               <a:extLst>
                 <a:ext uri="{91240B29-F687-4f45-9708-019B960494DF}">
-                  <a14:hiddenLine xmlns:a14="http://schemas.microsoft.com/office/drawing/2010/main" xmlns="" w="9525">
+                  <a14:hiddenLine xmlns="" xmlns:a14="http://schemas.microsoft.com/office/drawing/2010/main" w="9525">
                     <a:solidFill>
                       <a:srgbClr val="000000"/>
                     </a:solidFill>
@@ -10025,7 +10025,7 @@
               </a:ln>
               <a:extLst>
                 <a:ext uri="{91240B29-F687-4f45-9708-019B960494DF}">
-                  <a14:hiddenLine xmlns:a14="http://schemas.microsoft.com/office/drawing/2010/main" xmlns="" w="9525">
+                  <a14:hiddenLine xmlns="" xmlns:a14="http://schemas.microsoft.com/office/drawing/2010/main" w="9525">
                     <a:solidFill>
                       <a:srgbClr val="000000"/>
                     </a:solidFill>
@@ -10087,7 +10087,7 @@
               </a:ln>
               <a:extLst>
                 <a:ext uri="{91240B29-F687-4f45-9708-019B960494DF}">
-                  <a14:hiddenLine xmlns:a14="http://schemas.microsoft.com/office/drawing/2010/main" xmlns="" w="9525">
+                  <a14:hiddenLine xmlns="" xmlns:a14="http://schemas.microsoft.com/office/drawing/2010/main" w="9525">
                     <a:solidFill>
                       <a:srgbClr val="000000"/>
                     </a:solidFill>
@@ -10177,7 +10177,7 @@
               </a:ln>
               <a:extLst>
                 <a:ext uri="{91240B29-F687-4f45-9708-019B960494DF}">
-                  <a14:hiddenLine xmlns:a14="http://schemas.microsoft.com/office/drawing/2010/main" xmlns="" w="9525">
+                  <a14:hiddenLine xmlns="" xmlns:a14="http://schemas.microsoft.com/office/drawing/2010/main" w="9525">
                     <a:solidFill>
                       <a:srgbClr val="000000"/>
                     </a:solidFill>
@@ -10267,7 +10267,7 @@
               </a:ln>
               <a:extLst>
                 <a:ext uri="{91240B29-F687-4f45-9708-019B960494DF}">
-                  <a14:hiddenLine xmlns:a14="http://schemas.microsoft.com/office/drawing/2010/main" xmlns="" w="9525">
+                  <a14:hiddenLine xmlns="" xmlns:a14="http://schemas.microsoft.com/office/drawing/2010/main" w="9525">
                     <a:solidFill>
                       <a:srgbClr val="000000"/>
                     </a:solidFill>
@@ -10329,7 +10329,7 @@
               </a:ln>
               <a:extLst>
                 <a:ext uri="{91240B29-F687-4f45-9708-019B960494DF}">
-                  <a14:hiddenLine xmlns:a14="http://schemas.microsoft.com/office/drawing/2010/main" xmlns="" w="9525">
+                  <a14:hiddenLine xmlns="" xmlns:a14="http://schemas.microsoft.com/office/drawing/2010/main" w="9525">
                     <a:solidFill>
                       <a:srgbClr val="000000"/>
                     </a:solidFill>
@@ -10439,7 +10439,7 @@
               </a:ln>
               <a:extLst>
                 <a:ext uri="{91240B29-F687-4f45-9708-019B960494DF}">
-                  <a14:hiddenLine xmlns:a14="http://schemas.microsoft.com/office/drawing/2010/main" xmlns="" w="9525">
+                  <a14:hiddenLine xmlns="" xmlns:a14="http://schemas.microsoft.com/office/drawing/2010/main" w="9525">
                     <a:solidFill>
                       <a:srgbClr val="000000"/>
                     </a:solidFill>
@@ -10523,7 +10523,7 @@
               </a:ln>
               <a:extLst>
                 <a:ext uri="{91240B29-F687-4f45-9708-019B960494DF}">
-                  <a14:hiddenLine xmlns:a14="http://schemas.microsoft.com/office/drawing/2010/main" xmlns="" w="9525">
+                  <a14:hiddenLine xmlns="" xmlns:a14="http://schemas.microsoft.com/office/drawing/2010/main" w="9525">
                     <a:solidFill>
                       <a:srgbClr val="000000"/>
                     </a:solidFill>
@@ -10585,7 +10585,7 @@
               </a:ln>
               <a:extLst>
                 <a:ext uri="{91240B29-F687-4f45-9708-019B960494DF}">
-                  <a14:hiddenLine xmlns:a14="http://schemas.microsoft.com/office/drawing/2010/main" xmlns="" w="9525">
+                  <a14:hiddenLine xmlns="" xmlns:a14="http://schemas.microsoft.com/office/drawing/2010/main" w="9525">
                     <a:solidFill>
                       <a:srgbClr val="000000"/>
                     </a:solidFill>
@@ -10647,7 +10647,7 @@
               </a:ln>
               <a:extLst>
                 <a:ext uri="{91240B29-F687-4f45-9708-019B960494DF}">
-                  <a14:hiddenLine xmlns:a14="http://schemas.microsoft.com/office/drawing/2010/main" xmlns="" w="9525">
+                  <a14:hiddenLine xmlns="" xmlns:a14="http://schemas.microsoft.com/office/drawing/2010/main" w="9525">
                     <a:solidFill>
                       <a:srgbClr val="000000"/>
                     </a:solidFill>
@@ -10737,7 +10737,7 @@
               </a:ln>
               <a:extLst>
                 <a:ext uri="{91240B29-F687-4f45-9708-019B960494DF}">
-                  <a14:hiddenLine xmlns:a14="http://schemas.microsoft.com/office/drawing/2010/main" xmlns="" w="9525">
+                  <a14:hiddenLine xmlns="" xmlns:a14="http://schemas.microsoft.com/office/drawing/2010/main" w="9525">
                     <a:solidFill>
                       <a:srgbClr val="000000"/>
                     </a:solidFill>
@@ -10771,7 +10771,7 @@
               </a:ln>
               <a:extLst>
                 <a:ext uri="{91240B29-F687-4f45-9708-019B960494DF}">
-                  <a14:hiddenLine xmlns:a14="http://schemas.microsoft.com/office/drawing/2010/main" xmlns="" w="9525">
+                  <a14:hiddenLine xmlns="" xmlns:a14="http://schemas.microsoft.com/office/drawing/2010/main" w="9525">
                     <a:solidFill>
                       <a:srgbClr val="000000"/>
                     </a:solidFill>
@@ -10836,7 +10836,7 @@
               </a:ln>
               <a:extLst>
                 <a:ext uri="{91240B29-F687-4f45-9708-019B960494DF}">
-                  <a14:hiddenLine xmlns:a14="http://schemas.microsoft.com/office/drawing/2010/main" xmlns="" w="9525">
+                  <a14:hiddenLine xmlns="" xmlns:a14="http://schemas.microsoft.com/office/drawing/2010/main" w="9525">
                     <a:solidFill>
                       <a:srgbClr val="000000"/>
                     </a:solidFill>
@@ -10926,7 +10926,7 @@
               </a:ln>
               <a:extLst>
                 <a:ext uri="{91240B29-F687-4f45-9708-019B960494DF}">
-                  <a14:hiddenLine xmlns:a14="http://schemas.microsoft.com/office/drawing/2010/main" xmlns="" w="9525">
+                  <a14:hiddenLine xmlns="" xmlns:a14="http://schemas.microsoft.com/office/drawing/2010/main" w="9525">
                     <a:solidFill>
                       <a:srgbClr val="000000"/>
                     </a:solidFill>
@@ -10988,7 +10988,7 @@
               </a:ln>
               <a:extLst>
                 <a:ext uri="{91240B29-F687-4f45-9708-019B960494DF}">
-                  <a14:hiddenLine xmlns:a14="http://schemas.microsoft.com/office/drawing/2010/main" xmlns="" w="9525">
+                  <a14:hiddenLine xmlns="" xmlns:a14="http://schemas.microsoft.com/office/drawing/2010/main" w="9525">
                     <a:solidFill>
                       <a:srgbClr val="000000"/>
                     </a:solidFill>
@@ -11078,7 +11078,7 @@
               </a:ln>
               <a:extLst>
                 <a:ext uri="{91240B29-F687-4f45-9708-019B960494DF}">
-                  <a14:hiddenLine xmlns:a14="http://schemas.microsoft.com/office/drawing/2010/main" xmlns="" w="9525">
+                  <a14:hiddenLine xmlns="" xmlns:a14="http://schemas.microsoft.com/office/drawing/2010/main" w="9525">
                     <a:solidFill>
                       <a:srgbClr val="000000"/>
                     </a:solidFill>
@@ -11143,7 +11143,7 @@
               </a:ln>
               <a:extLst>
                 <a:ext uri="{91240B29-F687-4f45-9708-019B960494DF}">
-                  <a14:hiddenLine xmlns:a14="http://schemas.microsoft.com/office/drawing/2010/main" xmlns="" w="9525">
+                  <a14:hiddenLine xmlns="" xmlns:a14="http://schemas.microsoft.com/office/drawing/2010/main" w="9525">
                     <a:solidFill>
                       <a:srgbClr val="000000"/>
                     </a:solidFill>
@@ -11205,7 +11205,7 @@
               </a:ln>
               <a:extLst>
                 <a:ext uri="{91240B29-F687-4f45-9708-019B960494DF}">
-                  <a14:hiddenLine xmlns:a14="http://schemas.microsoft.com/office/drawing/2010/main" xmlns="" w="9525">
+                  <a14:hiddenLine xmlns="" xmlns:a14="http://schemas.microsoft.com/office/drawing/2010/main" w="9525">
                     <a:solidFill>
                       <a:srgbClr val="000000"/>
                     </a:solidFill>
@@ -11295,7 +11295,7 @@
               </a:ln>
               <a:extLst>
                 <a:ext uri="{91240B29-F687-4f45-9708-019B960494DF}">
-                  <a14:hiddenLine xmlns:a14="http://schemas.microsoft.com/office/drawing/2010/main" xmlns="" w="9525">
+                  <a14:hiddenLine xmlns="" xmlns:a14="http://schemas.microsoft.com/office/drawing/2010/main" w="9525">
                     <a:solidFill>
                       <a:srgbClr val="000000"/>
                     </a:solidFill>
@@ -11385,7 +11385,7 @@
               </a:ln>
               <a:extLst>
                 <a:ext uri="{91240B29-F687-4f45-9708-019B960494DF}">
-                  <a14:hiddenLine xmlns:a14="http://schemas.microsoft.com/office/drawing/2010/main" xmlns="" w="9525">
+                  <a14:hiddenLine xmlns="" xmlns:a14="http://schemas.microsoft.com/office/drawing/2010/main" w="9525">
                     <a:solidFill>
                       <a:srgbClr val="000000"/>
                     </a:solidFill>
@@ -11450,7 +11450,7 @@
               </a:ln>
               <a:extLst>
                 <a:ext uri="{91240B29-F687-4f45-9708-019B960494DF}">
-                  <a14:hiddenLine xmlns:a14="http://schemas.microsoft.com/office/drawing/2010/main" xmlns="" w="9525">
+                  <a14:hiddenLine xmlns="" xmlns:a14="http://schemas.microsoft.com/office/drawing/2010/main" w="9525">
                     <a:solidFill>
                       <a:srgbClr val="000000"/>
                     </a:solidFill>
@@ -11570,7 +11570,7 @@
               </a:ln>
               <a:extLst>
                 <a:ext uri="{91240B29-F687-4f45-9708-019B960494DF}">
-                  <a14:hiddenLine xmlns:a14="http://schemas.microsoft.com/office/drawing/2010/main" xmlns="" w="9525">
+                  <a14:hiddenLine xmlns="" xmlns:a14="http://schemas.microsoft.com/office/drawing/2010/main" w="9525">
                     <a:solidFill>
                       <a:srgbClr val="000000"/>
                     </a:solidFill>
@@ -11651,7 +11651,7 @@
               </a:ln>
               <a:extLst>
                 <a:ext uri="{91240B29-F687-4f45-9708-019B960494DF}">
-                  <a14:hiddenLine xmlns:a14="http://schemas.microsoft.com/office/drawing/2010/main" xmlns="" w="9525">
+                  <a14:hiddenLine xmlns="" xmlns:a14="http://schemas.microsoft.com/office/drawing/2010/main" w="9525">
                     <a:solidFill>
                       <a:srgbClr val="000000"/>
                     </a:solidFill>
@@ -11766,7 +11766,7 @@
               </a:ln>
               <a:extLst>
                 <a:ext uri="{91240B29-F687-4f45-9708-019B960494DF}">
-                  <a14:hiddenLine xmlns:a14="http://schemas.microsoft.com/office/drawing/2010/main" xmlns="" w="9525">
+                  <a14:hiddenLine xmlns="" xmlns:a14="http://schemas.microsoft.com/office/drawing/2010/main" w="9525">
                     <a:solidFill>
                       <a:srgbClr val="000000"/>
                     </a:solidFill>
@@ -11856,7 +11856,7 @@
               </a:ln>
               <a:extLst>
                 <a:ext uri="{91240B29-F687-4f45-9708-019B960494DF}">
-                  <a14:hiddenLine xmlns:a14="http://schemas.microsoft.com/office/drawing/2010/main" xmlns="" w="9525">
+                  <a14:hiddenLine xmlns="" xmlns:a14="http://schemas.microsoft.com/office/drawing/2010/main" w="9525">
                     <a:solidFill>
                       <a:srgbClr val="000000"/>
                     </a:solidFill>
@@ -11921,7 +11921,7 @@
               </a:ln>
               <a:extLst>
                 <a:ext uri="{91240B29-F687-4f45-9708-019B960494DF}">
-                  <a14:hiddenLine xmlns:a14="http://schemas.microsoft.com/office/drawing/2010/main" xmlns="" w="9525">
+                  <a14:hiddenLine xmlns="" xmlns:a14="http://schemas.microsoft.com/office/drawing/2010/main" w="9525">
                     <a:solidFill>
                       <a:srgbClr val="000000"/>
                     </a:solidFill>
@@ -12011,7 +12011,7 @@
               </a:ln>
               <a:extLst>
                 <a:ext uri="{91240B29-F687-4f45-9708-019B960494DF}">
-                  <a14:hiddenLine xmlns:a14="http://schemas.microsoft.com/office/drawing/2010/main" xmlns="" w="9525">
+                  <a14:hiddenLine xmlns="" xmlns:a14="http://schemas.microsoft.com/office/drawing/2010/main" w="9525">
                     <a:solidFill>
                       <a:srgbClr val="000000"/>
                     </a:solidFill>
@@ -12079,7 +12079,7 @@
               </a:ln>
               <a:extLst>
                 <a:ext uri="{91240B29-F687-4f45-9708-019B960494DF}">
-                  <a14:hiddenLine xmlns:a14="http://schemas.microsoft.com/office/drawing/2010/main" xmlns="" w="9525">
+                  <a14:hiddenLine xmlns="" xmlns:a14="http://schemas.microsoft.com/office/drawing/2010/main" w="9525">
                     <a:solidFill>
                       <a:srgbClr val="000000"/>
                     </a:solidFill>
@@ -12169,7 +12169,7 @@
               </a:ln>
               <a:extLst>
                 <a:ext uri="{91240B29-F687-4f45-9708-019B960494DF}">
-                  <a14:hiddenLine xmlns:a14="http://schemas.microsoft.com/office/drawing/2010/main" xmlns="" w="9525">
+                  <a14:hiddenLine xmlns="" xmlns:a14="http://schemas.microsoft.com/office/drawing/2010/main" w="9525">
                     <a:solidFill>
                       <a:srgbClr val="000000"/>
                     </a:solidFill>
@@ -12237,7 +12237,7 @@
               </a:ln>
               <a:extLst>
                 <a:ext uri="{91240B29-F687-4f45-9708-019B960494DF}">
-                  <a14:hiddenLine xmlns:a14="http://schemas.microsoft.com/office/drawing/2010/main" xmlns="" w="9525">
+                  <a14:hiddenLine xmlns="" xmlns:a14="http://schemas.microsoft.com/office/drawing/2010/main" w="9525">
                     <a:solidFill>
                       <a:srgbClr val="000000"/>
                     </a:solidFill>
@@ -12327,7 +12327,7 @@
               </a:ln>
               <a:extLst>
                 <a:ext uri="{91240B29-F687-4f45-9708-019B960494DF}">
-                  <a14:hiddenLine xmlns:a14="http://schemas.microsoft.com/office/drawing/2010/main" xmlns="" w="9525">
+                  <a14:hiddenLine xmlns="" xmlns:a14="http://schemas.microsoft.com/office/drawing/2010/main" w="9525">
                     <a:solidFill>
                       <a:srgbClr val="000000"/>
                     </a:solidFill>
@@ -12361,7 +12361,7 @@
               </a:ln>
               <a:extLst>
                 <a:ext uri="{91240B29-F687-4f45-9708-019B960494DF}">
-                  <a14:hiddenLine xmlns:a14="http://schemas.microsoft.com/office/drawing/2010/main" xmlns="" w="9525">
+                  <a14:hiddenLine xmlns="" xmlns:a14="http://schemas.microsoft.com/office/drawing/2010/main" w="9525">
                     <a:solidFill>
                       <a:srgbClr val="000000"/>
                     </a:solidFill>
@@ -15041,8 +15041,8 @@
           </a:p>
         </p:txBody>
       </p:sp>
-      <mc:AlternateContent xmlns:mc="http://schemas.openxmlformats.org/markup-compatibility/2006" xmlns:a14="http://schemas.microsoft.com/office/drawing/2010/main">
-        <mc:Choice Requires="a14">
+      <mc:AlternateContent xmlns:mc="http://schemas.openxmlformats.org/markup-compatibility/2006">
+        <mc:Choice xmlns:a14="http://schemas.microsoft.com/office/drawing/2010/main" Requires="a14">
           <p:sp>
             <p:nvSpPr>
               <p:cNvPr id="8" name="Content Placeholder 2">
@@ -15254,7 +15254,7 @@
                 </a:r>
                 <a:r>
                   <a:rPr lang="en-US" dirty="0"/>
-                  <a:t>: Every natural number divisible by 9. So grab an arbitrary one </a:t>
+                  <a:t>: if a natural number is divisible by 9. So grab an arbitrary one </a:t>
                 </a:r>
                 <a14:m>
                   <m:oMath xmlns:m="http://schemas.openxmlformats.org/officeDocument/2006/math">
@@ -15421,7 +15421,7 @@
             </p:txBody>
           </p:sp>
         </mc:Choice>
-        <mc:Fallback xmlns="">
+        <mc:Fallback>
           <p:sp>
             <p:nvSpPr>
               <p:cNvPr id="8" name="Content Placeholder 2">
@@ -15447,7 +15447,7 @@
               <a:blipFill>
                 <a:blip r:embed="rId2"/>
                 <a:stretch>
-                  <a:fillRect l="-1083" t="-316" r="-1264"/>
+                  <a:fillRect l="-1083" t="-316" r="-1444"/>
                 </a:stretch>
               </a:blipFill>
             </p:spPr>
@@ -20773,8 +20773,8 @@
           </a:p>
         </p:txBody>
       </p:sp>
-      <mc:AlternateContent xmlns:mc="http://schemas.openxmlformats.org/markup-compatibility/2006" xmlns:a14="http://schemas.microsoft.com/office/drawing/2010/main">
-        <mc:Choice Requires="a14">
+      <mc:AlternateContent xmlns:mc="http://schemas.openxmlformats.org/markup-compatibility/2006">
+        <mc:Choice xmlns:a14="http://schemas.microsoft.com/office/drawing/2010/main" Requires="a14">
           <p:sp>
             <p:nvSpPr>
               <p:cNvPr id="5" name="Content Placeholder 2">
@@ -21116,6 +21116,48 @@
                           </m:ctrlPr>
                         </m:dPr>
                         <m:e>
+                          <m:r>
+                            <a:rPr lang="en-US" b="0" i="1" smtClean="0">
+                              <a:latin typeface="Cambria Math" panose="02040503050406030204" pitchFamily="18" charset="0"/>
+                            </a:rPr>
+                            <m:t>{</m:t>
+                          </m:r>
+                          <m:r>
+                            <a:rPr lang="en-US" b="0" i="1" smtClean="0">
+                              <a:latin typeface="Cambria Math" panose="02040503050406030204" pitchFamily="18" charset="0"/>
+                            </a:rPr>
+                            <m:t>𝑛</m:t>
+                          </m:r>
+                          <m:r>
+                            <a:rPr lang="en-US" b="0" i="1" smtClean="0">
+                              <a:latin typeface="Cambria Math" panose="02040503050406030204" pitchFamily="18" charset="0"/>
+                            </a:rPr>
+                            <m:t>−1, 0}</m:t>
+                          </m:r>
+                        </m:e>
+                      </m:d>
+                    </m:oMath>
+                    <m:oMath xmlns:m="http://schemas.openxmlformats.org/officeDocument/2006/math">
+                      <m:r>
+                        <m:rPr>
+                          <m:aln/>
+                        </m:rPr>
+                        <a:rPr lang="en-US" b="0" i="1" smtClean="0">
+                          <a:latin typeface="Cambria Math" panose="02040503050406030204" pitchFamily="18" charset="0"/>
+                        </a:rPr>
+                        <m:t>∪</m:t>
+                      </m:r>
+                      <m:d>
+                        <m:dPr>
+                          <m:begChr m:val="{"/>
+                          <m:endChr m:val="|"/>
+                          <m:ctrlPr>
+                            <a:rPr lang="en-US" b="0" i="1" smtClean="0">
+                              <a:latin typeface="Cambria Math" panose="02040503050406030204" pitchFamily="18" charset="0"/>
+                            </a:rPr>
+                          </m:ctrlPr>
+                        </m:dPr>
+                        <m:e>
                           <m:d>
                             <m:dPr>
                               <m:begChr m:val="{"/>
@@ -21131,95 +21173,60 @@
                                 <a:rPr lang="en-US" b="0" i="1" smtClean="0">
                                   <a:latin typeface="Cambria Math" panose="02040503050406030204" pitchFamily="18" charset="0"/>
                                 </a:rPr>
-                                <m:t>𝑛</m:t>
+                                <m:t>𝑖</m:t>
                               </m:r>
                               <m:r>
                                 <a:rPr lang="en-US" b="0" i="1" smtClean="0">
                                   <a:latin typeface="Cambria Math" panose="02040503050406030204" pitchFamily="18" charset="0"/>
                                 </a:rPr>
-                                <m:t>−1</m:t>
+                                <m:t>, </m:t>
                               </m:r>
+                              <m:r>
+                                <a:rPr lang="en-US" b="0" i="1" smtClean="0">
+                                  <a:latin typeface="Cambria Math" panose="02040503050406030204" pitchFamily="18" charset="0"/>
+                                </a:rPr>
+                                <m:t>𝑖</m:t>
+                              </m:r>
+                              <m:r>
+                                <a:rPr lang="en-US" b="0" i="1" smtClean="0">
+                                  <a:latin typeface="Cambria Math" panose="02040503050406030204" pitchFamily="18" charset="0"/>
+                                </a:rPr>
+                                <m:t>+</m:t>
+                              </m:r>
+                              <m:f>
+                                <m:fPr>
+                                  <m:ctrlPr>
+                                    <a:rPr lang="en-US" b="0" i="1" smtClean="0">
+                                      <a:latin typeface="Cambria Math" panose="02040503050406030204" pitchFamily="18" charset="0"/>
+                                    </a:rPr>
+                                  </m:ctrlPr>
+                                </m:fPr>
+                                <m:num>
+                                  <m:r>
+                                    <a:rPr lang="en-US" b="0" i="1" smtClean="0">
+                                      <a:latin typeface="Cambria Math" panose="02040503050406030204" pitchFamily="18" charset="0"/>
+                                    </a:rPr>
+                                    <m:t>𝑛</m:t>
+                                  </m:r>
+                                </m:num>
+                                <m:den>
+                                  <m:r>
+                                    <a:rPr lang="en-US" b="0" i="1" smtClean="0">
+                                      <a:latin typeface="Cambria Math" panose="02040503050406030204" pitchFamily="18" charset="0"/>
+                                    </a:rPr>
+                                    <m:t>2</m:t>
+                                  </m:r>
+                                </m:den>
+                              </m:f>
                             </m:e>
                           </m:d>
-                          <m:r>
-                            <a:rPr lang="en-US" b="0" i="1" smtClean="0">
-                              <a:latin typeface="Cambria Math" panose="02040503050406030204" pitchFamily="18" charset="0"/>
-                            </a:rPr>
-                            <m:t>, 0</m:t>
-                          </m:r>
                         </m:e>
                       </m:d>
-                    </m:oMath>
-                    <m:oMath xmlns:m="http://schemas.openxmlformats.org/officeDocument/2006/math">
-                      <m:r>
-                        <m:rPr>
-                          <m:aln/>
-                        </m:rPr>
-                        <a:rPr lang="en-US" b="0" i="1" smtClean="0">
-                          <a:latin typeface="Cambria Math" panose="02040503050406030204" pitchFamily="18" charset="0"/>
-                        </a:rPr>
-                        <m:t>∪</m:t>
-                      </m:r>
                       <m:r>
                         <a:rPr lang="en-US" b="0" i="1" smtClean="0">
                           <a:latin typeface="Cambria Math" panose="02040503050406030204" pitchFamily="18" charset="0"/>
                         </a:rPr>
-                        <m:t>{{</m:t>
-                      </m:r>
-                      <m:r>
-                        <a:rPr lang="en-US" b="0" i="1" smtClean="0">
-                          <a:latin typeface="Cambria Math" panose="02040503050406030204" pitchFamily="18" charset="0"/>
-                        </a:rPr>
-                        <m:t>𝑖</m:t>
-                      </m:r>
-                      <m:r>
-                        <a:rPr lang="en-US" b="0" i="1" smtClean="0">
-                          <a:latin typeface="Cambria Math" panose="02040503050406030204" pitchFamily="18" charset="0"/>
-                        </a:rPr>
-                        <m:t>, </m:t>
-                      </m:r>
-                      <m:r>
-                        <a:rPr lang="en-US" b="0" i="1" smtClean="0">
-                          <a:latin typeface="Cambria Math" panose="02040503050406030204" pitchFamily="18" charset="0"/>
-                        </a:rPr>
-                        <m:t>𝑖</m:t>
-                      </m:r>
-                      <m:r>
-                        <a:rPr lang="en-US" b="0" i="1" smtClean="0">
-                          <a:latin typeface="Cambria Math" panose="02040503050406030204" pitchFamily="18" charset="0"/>
-                        </a:rPr>
-                        <m:t>+</m:t>
-                      </m:r>
-                      <m:f>
-                        <m:fPr>
-                          <m:ctrlPr>
-                            <a:rPr lang="en-US" b="0" i="1" smtClean="0">
-                              <a:latin typeface="Cambria Math" panose="02040503050406030204" pitchFamily="18" charset="0"/>
-                            </a:rPr>
-                          </m:ctrlPr>
-                        </m:fPr>
-                        <m:num>
-                          <m:r>
-                            <a:rPr lang="en-US" b="0" i="1" smtClean="0">
-                              <a:latin typeface="Cambria Math" panose="02040503050406030204" pitchFamily="18" charset="0"/>
-                            </a:rPr>
-                            <m:t>𝑛</m:t>
-                          </m:r>
-                        </m:num>
-                        <m:den>
-                          <m:r>
-                            <a:rPr lang="en-US" b="0" i="1" smtClean="0">
-                              <a:latin typeface="Cambria Math" panose="02040503050406030204" pitchFamily="18" charset="0"/>
-                            </a:rPr>
-                            <m:t>2</m:t>
-                          </m:r>
-                        </m:den>
-                      </m:f>
-                      <m:r>
-                        <a:rPr lang="en-US" b="0" i="1" smtClean="0">
-                          <a:latin typeface="Cambria Math" panose="02040503050406030204" pitchFamily="18" charset="0"/>
-                        </a:rPr>
-                        <m:t>}|0≤</m:t>
+                        <m:t>0≤</m:t>
                       </m:r>
                       <m:r>
                         <a:rPr lang="en-US" b="0" i="1" smtClean="0">
@@ -21272,7 +21279,7 @@
             </p:txBody>
           </p:sp>
         </mc:Choice>
-        <mc:Fallback xmlns="">
+        <mc:Fallback>
           <p:sp>
             <p:nvSpPr>
               <p:cNvPr id="5" name="Content Placeholder 2">
@@ -22023,7 +22030,7 @@
         </p:nvSpPr>
         <p:spPr>
           <a:xfrm>
-            <a:off x="791884" y="3944510"/>
+            <a:off x="538390" y="3944510"/>
             <a:ext cx="1518572" cy="1034563"/>
           </a:xfrm>
         </p:spPr>
@@ -22258,8 +22265,8 @@
           </a:p>
         </p:txBody>
       </p:sp>
-      <mc:AlternateContent xmlns:mc="http://schemas.openxmlformats.org/markup-compatibility/2006" xmlns:a14="http://schemas.microsoft.com/office/drawing/2010/main">
-        <mc:Choice Requires="a14">
+      <mc:AlternateContent xmlns:mc="http://schemas.openxmlformats.org/markup-compatibility/2006">
+        <mc:Choice xmlns:a14="http://schemas.microsoft.com/office/drawing/2010/main" Requires="a14">
           <p:sp>
             <p:nvSpPr>
               <p:cNvPr id="6" name="Content Placeholder 2">
@@ -22276,7 +22283,7 @@
             </p:nvSpPr>
             <p:spPr>
               <a:xfrm>
-                <a:off x="2379905" y="2709946"/>
+                <a:off x="2126411" y="2709946"/>
                 <a:ext cx="2601332" cy="590309"/>
               </a:xfrm>
               <a:prstGeom prst="rect">
@@ -22523,7 +22530,7 @@
             </p:txBody>
           </p:sp>
         </mc:Choice>
-        <mc:Fallback xmlns="">
+        <mc:Fallback>
           <p:sp>
             <p:nvSpPr>
               <p:cNvPr id="6" name="Content Placeholder 2">
@@ -22540,7 +22547,7 @@
             </p:nvSpPr>
             <p:spPr>
               <a:xfrm>
-                <a:off x="2379905" y="2709946"/>
+                <a:off x="2126411" y="2709946"/>
                 <a:ext cx="2601332" cy="590309"/>
               </a:xfrm>
               <a:prstGeom prst="rect">
@@ -22549,7 +22556,7 @@
               <a:blipFill>
                 <a:blip r:embed="rId2"/>
                 <a:stretch>
-                  <a:fillRect l="-2913" b="-6250"/>
+                  <a:fillRect l="-3398" b="-6250"/>
                 </a:stretch>
               </a:blipFill>
             </p:spPr>
@@ -22584,7 +22591,7 @@
         </p:nvCxnSpPr>
         <p:spPr>
           <a:xfrm>
-            <a:off x="2042291" y="4704492"/>
+            <a:off x="1788797" y="4704492"/>
             <a:ext cx="492565" cy="274581"/>
           </a:xfrm>
           <a:prstGeom prst="line">
@@ -22629,7 +22636,7 @@
         </p:nvSpPr>
         <p:spPr>
           <a:xfrm>
-            <a:off x="4170156" y="2094328"/>
+            <a:off x="3916662" y="2094328"/>
             <a:ext cx="3469135" cy="463677"/>
           </a:xfrm>
           <a:prstGeom prst="rect">
@@ -22842,7 +22849,7 @@
         </p:nvSpPr>
         <p:spPr>
           <a:xfrm>
-            <a:off x="2688300" y="3580495"/>
+            <a:off x="2434806" y="3580495"/>
             <a:ext cx="2034172" cy="2797156"/>
           </a:xfrm>
           <a:prstGeom prst="rect">
@@ -23122,7 +23129,7 @@
         </p:nvSpPr>
         <p:spPr>
           <a:xfrm>
-            <a:off x="5360911" y="4187578"/>
+            <a:off x="5107417" y="4187578"/>
             <a:ext cx="1518572" cy="1034563"/>
           </a:xfrm>
           <a:prstGeom prst="rect">
@@ -23334,7 +23341,7 @@
         </p:nvCxnSpPr>
         <p:spPr>
           <a:xfrm>
-            <a:off x="6611318" y="4947560"/>
+            <a:off x="6357824" y="4947560"/>
             <a:ext cx="492565" cy="274581"/>
           </a:xfrm>
           <a:prstGeom prst="line">
@@ -23379,7 +23386,7 @@
         </p:nvSpPr>
         <p:spPr>
           <a:xfrm>
-            <a:off x="7257326" y="3823563"/>
+            <a:off x="7003832" y="3823563"/>
             <a:ext cx="4317357" cy="2021652"/>
           </a:xfrm>
           <a:prstGeom prst="rect">
@@ -23618,7 +23625,7 @@
         </p:nvCxnSpPr>
         <p:spPr>
           <a:xfrm>
-            <a:off x="10150997" y="3136739"/>
+            <a:off x="9897503" y="3136739"/>
             <a:ext cx="208345" cy="590309"/>
           </a:xfrm>
           <a:prstGeom prst="line">
@@ -23663,7 +23670,7 @@
         </p:nvSpPr>
         <p:spPr>
           <a:xfrm>
-            <a:off x="8840769" y="2167796"/>
+            <a:off x="8587275" y="2167796"/>
             <a:ext cx="1738491" cy="1034563"/>
           </a:xfrm>
           <a:prstGeom prst="rect">
@@ -28358,8 +28365,8 @@
           </a:p>
         </p:txBody>
       </p:sp>
-      <mc:AlternateContent xmlns:mc="http://schemas.openxmlformats.org/markup-compatibility/2006" xmlns:a14="http://schemas.microsoft.com/office/drawing/2010/main">
-        <mc:Choice Requires="a14">
+      <mc:AlternateContent xmlns:mc="http://schemas.openxmlformats.org/markup-compatibility/2006">
+        <mc:Choice xmlns:a14="http://schemas.microsoft.com/office/drawing/2010/main" Requires="a14">
           <p:sp>
             <p:nvSpPr>
               <p:cNvPr id="3" name="Content Placeholder 2">
@@ -28627,13 +28634,16 @@
                     </m:f>
                   </m:oMath>
                 </a14:m>
-                <a:endParaRPr lang="en-US" dirty="0">
-                  <a:solidFill>
-                    <a:schemeClr val="tx1">
-                      <a:lumMod val="95000"/>
-                    </a:schemeClr>
-                  </a:solidFill>
-                </a:endParaRPr>
+                <a:r>
+                  <a:rPr lang="en-US" dirty="0">
+                    <a:solidFill>
+                      <a:schemeClr val="tx1">
+                        <a:lumMod val="95000"/>
+                      </a:schemeClr>
+                    </a:solidFill>
+                  </a:rPr>
+                  <a:t> (note that m, n cannot be 0)</a:t>
+                </a:r>
               </a:p>
               <a:p>
                 <a:pPr marL="0" indent="0">
@@ -29526,7 +29536,7 @@
             </p:txBody>
           </p:sp>
         </mc:Choice>
-        <mc:Fallback xmlns="">
+        <mc:Fallback>
           <p:sp>
             <p:nvSpPr>
               <p:cNvPr id="3" name="Content Placeholder 2">
